--- a/AzureOpenAI.pptx
+++ b/AzureOpenAI.pptx
@@ -6,21 +6,25 @@
     <p:sldMasterId id="2147484608" r:id="rId5"/>
   </p:sldMasterIdLst>
   <p:notesMasterIdLst>
-    <p:notesMasterId r:id="rId15"/>
+    <p:notesMasterId r:id="rId19"/>
   </p:notesMasterIdLst>
   <p:handoutMasterIdLst>
-    <p:handoutMasterId r:id="rId16"/>
+    <p:handoutMasterId r:id="rId20"/>
   </p:handoutMasterIdLst>
   <p:sldIdLst>
     <p:sldId id="1678" r:id="rId6"/>
     <p:sldId id="1680" r:id="rId7"/>
     <p:sldId id="1707" r:id="rId8"/>
-    <p:sldId id="1708" r:id="rId9"/>
-    <p:sldId id="1709" r:id="rId10"/>
-    <p:sldId id="1711" r:id="rId11"/>
-    <p:sldId id="1712" r:id="rId12"/>
+    <p:sldId id="1714" r:id="rId9"/>
+    <p:sldId id="1713" r:id="rId10"/>
+    <p:sldId id="1708" r:id="rId11"/>
+    <p:sldId id="1709" r:id="rId12"/>
     <p:sldId id="1710" r:id="rId13"/>
-    <p:sldId id="1706" r:id="rId14"/>
+    <p:sldId id="1711" r:id="rId14"/>
+    <p:sldId id="1712" r:id="rId15"/>
+    <p:sldId id="1716" r:id="rId16"/>
+    <p:sldId id="1715" r:id="rId17"/>
+    <p:sldId id="1706" r:id="rId18"/>
   </p:sldIdLst>
   <p:sldSz cx="12436475" cy="6994525"/>
   <p:notesSz cx="6858000" cy="9144000"/>
@@ -127,11 +131,15 @@
             <p14:sldId id="1678"/>
             <p14:sldId id="1680"/>
             <p14:sldId id="1707"/>
+            <p14:sldId id="1714"/>
+            <p14:sldId id="1713"/>
             <p14:sldId id="1708"/>
             <p14:sldId id="1709"/>
+            <p14:sldId id="1710"/>
             <p14:sldId id="1711"/>
             <p14:sldId id="1712"/>
-            <p14:sldId id="1710"/>
+            <p14:sldId id="1716"/>
+            <p14:sldId id="1715"/>
             <p14:sldId id="1706"/>
           </p14:sldIdLst>
         </p14:section>
@@ -3126,7 +3134,7 @@
               <a:rPr lang="en-US" smtClean="0">
                 <a:latin typeface="Segoe UI" pitchFamily="34" charset="0"/>
               </a:rPr>
-              <a:t>10/13/2023 3:10 PM</a:t>
+              <a:t>10/13/2023 3:20 PM</a:t>
             </a:fld>
             <a:endParaRPr lang="en-US">
               <a:latin typeface="Segoe UI" pitchFamily="34" charset="0"/>
@@ -3404,7 +3412,7 @@
           <a:p>
             <a:fld id="{DCE60099-03E7-4FA1-8A7F-E6E6CFB0F855}" type="datetime8">
               <a:rPr lang="en-US" smtClean="0"/>
-              <a:t>10/13/2023 3:10 PM</a:t>
+              <a:t>10/13/2023 3:20 PM</a:t>
             </a:fld>
             <a:endParaRPr lang="en-US"/>
           </a:p>
@@ -3791,6 +3799,148 @@
 </p:notes>
 </file>
 
+<file path=ppt/notesSlides/notesSlide10.xml><?xml version="1.0" encoding="utf-8"?>
+<p:notes xmlns:a="http://schemas.openxmlformats.org/drawingml/2006/main" xmlns:r="http://schemas.openxmlformats.org/officeDocument/2006/relationships" xmlns:p="http://schemas.openxmlformats.org/presentationml/2006/main">
+  <p:cSld>
+    <p:spTree>
+      <p:nvGrpSpPr>
+        <p:cNvPr id="1" name=""/>
+        <p:cNvGrpSpPr/>
+        <p:nvPr/>
+      </p:nvGrpSpPr>
+      <p:grpSpPr>
+        <a:xfrm>
+          <a:off x="0" y="0"/>
+          <a:ext cx="0" cy="0"/>
+          <a:chOff x="0" y="0"/>
+          <a:chExt cx="0" cy="0"/>
+        </a:xfrm>
+      </p:grpSpPr>
+      <p:sp>
+        <p:nvSpPr>
+          <p:cNvPr id="2" name="Espaço Reservado para Imagem de Slide 1"/>
+          <p:cNvSpPr>
+            <a:spLocks noGrp="1" noRot="1" noChangeAspect="1"/>
+          </p:cNvSpPr>
+          <p:nvPr>
+            <p:ph type="sldImg"/>
+          </p:nvPr>
+        </p:nvSpPr>
+        <p:spPr/>
+      </p:sp>
+      <p:sp>
+        <p:nvSpPr>
+          <p:cNvPr id="3" name="Espaço Reservado para Anotações 2"/>
+          <p:cNvSpPr>
+            <a:spLocks noGrp="1"/>
+          </p:cNvSpPr>
+          <p:nvPr>
+            <p:ph type="body" idx="1"/>
+          </p:nvPr>
+        </p:nvSpPr>
+        <p:spPr/>
+        <p:txBody>
+          <a:bodyPr/>
+          <a:lstStyle/>
+          <a:p>
+            <a:endParaRPr lang="pt-BR" dirty="0"/>
+          </a:p>
+        </p:txBody>
+      </p:sp>
+      <p:sp>
+        <p:nvSpPr>
+          <p:cNvPr id="4" name="Espaço Reservado para Cabeçalho 3"/>
+          <p:cNvSpPr>
+            <a:spLocks noGrp="1"/>
+          </p:cNvSpPr>
+          <p:nvPr>
+            <p:ph type="hdr" sz="quarter"/>
+          </p:nvPr>
+        </p:nvSpPr>
+        <p:spPr/>
+        <p:txBody>
+          <a:bodyPr/>
+          <a:lstStyle/>
+          <a:p>
+            <a:endParaRPr lang="en-US"/>
+          </a:p>
+        </p:txBody>
+      </p:sp>
+      <p:sp>
+        <p:nvSpPr>
+          <p:cNvPr id="5" name="Espaço Reservado para Rodapé 4"/>
+          <p:cNvSpPr>
+            <a:spLocks noGrp="1"/>
+          </p:cNvSpPr>
+          <p:nvPr>
+            <p:ph type="ftr" sz="quarter" idx="4"/>
+          </p:nvPr>
+        </p:nvSpPr>
+        <p:spPr/>
+        <p:txBody>
+          <a:bodyPr/>
+          <a:lstStyle/>
+          <a:p>
+            <a:pPr defTabSz="914099" eaLnBrk="0" hangingPunct="0"/>
+            <a:r>
+              <a:rPr lang="en-US" sz="400">
+                <a:gradFill>
+                  <a:gsLst>
+                    <a:gs pos="0">
+                      <a:prstClr val="black"/>
+                    </a:gs>
+                    <a:gs pos="100000">
+                      <a:prstClr val="black"/>
+                    </a:gs>
+                  </a:gsLst>
+                  <a:lin ang="5400000" scaled="0"/>
+                </a:gradFill>
+                <a:latin typeface="Segoe UI" pitchFamily="34" charset="0"/>
+                <a:ea typeface="Segoe UI" pitchFamily="34" charset="0"/>
+                <a:cs typeface="Segoe UI" pitchFamily="34" charset="0"/>
+              </a:rPr>
+              <a:t>© Microsoft Corporation</a:t>
+            </a:r>
+          </a:p>
+        </p:txBody>
+      </p:sp>
+      <p:sp>
+        <p:nvSpPr>
+          <p:cNvPr id="6" name="Espaço Reservado para Número de Slide 5"/>
+          <p:cNvSpPr>
+            <a:spLocks noGrp="1"/>
+          </p:cNvSpPr>
+          <p:nvPr>
+            <p:ph type="sldNum" sz="quarter" idx="5"/>
+          </p:nvPr>
+        </p:nvSpPr>
+        <p:spPr/>
+        <p:txBody>
+          <a:bodyPr/>
+          <a:lstStyle/>
+          <a:p>
+            <a:fld id="{B4008EB6-D09E-4580-8CD6-DDB14511944F}" type="slidenum">
+              <a:rPr lang="en-US" smtClean="0"/>
+              <a:pPr/>
+              <a:t>12</a:t>
+            </a:fld>
+            <a:endParaRPr lang="en-US"/>
+          </a:p>
+        </p:txBody>
+      </p:sp>
+    </p:spTree>
+    <p:extLst>
+      <p:ext uri="{BB962C8B-B14F-4D97-AF65-F5344CB8AC3E}">
+        <p14:creationId xmlns:p14="http://schemas.microsoft.com/office/powerpoint/2010/main" val="994224619"/>
+      </p:ext>
+    </p:extLst>
+  </p:cSld>
+  <p:clrMapOvr>
+    <a:masterClrMapping/>
+  </p:clrMapOvr>
+</p:notes>
+</file>
+
 <file path=ppt/notesSlides/notesSlide2.xml><?xml version="1.0" encoding="utf-8"?>
 <p:notes xmlns:a="http://schemas.openxmlformats.org/drawingml/2006/main" xmlns:r="http://schemas.openxmlformats.org/officeDocument/2006/relationships" xmlns:p="http://schemas.openxmlformats.org/presentationml/2006/main">
   <p:cSld>
@@ -4024,6 +4174,53 @@
           <a:bodyPr/>
           <a:lstStyle/>
           <a:p>
+            <a:pPr marL="0" marR="0" lvl="0" indent="0" algn="l" defTabSz="932742" rtl="0" eaLnBrk="1" fontAlgn="auto" latinLnBrk="0" hangingPunct="1">
+              <a:lnSpc>
+                <a:spcPct val="90000"/>
+              </a:lnSpc>
+              <a:spcBef>
+                <a:spcPts val="0"/>
+              </a:spcBef>
+              <a:spcAft>
+                <a:spcPts val="340"/>
+              </a:spcAft>
+              <a:buClrTx/>
+              <a:buSzTx/>
+              <a:buFontTx/>
+              <a:buNone/>
+              <a:tabLst/>
+              <a:defRPr/>
+            </a:pPr>
+            <a:r>
+              <a:rPr lang="pt-BR" dirty="0"/>
+              <a:t>Solicitar acesso via </a:t>
+            </a:r>
+            <a:r>
+              <a:rPr lang="pt-BR" dirty="0" err="1"/>
+              <a:t>form</a:t>
+            </a:r>
+            <a:r>
+              <a:rPr lang="pt-BR" dirty="0"/>
+              <a:t> do recurso </a:t>
+            </a:r>
+            <a:r>
+              <a:rPr lang="pt-BR" dirty="0" err="1"/>
+              <a:t>azureopenai</a:t>
+            </a:r>
+            <a:r>
+              <a:rPr lang="pt-BR" dirty="0"/>
+              <a:t>(tempo de resposta da </a:t>
+            </a:r>
+            <a:r>
+              <a:rPr lang="pt-BR" dirty="0" err="1"/>
+              <a:t>solicitacao</a:t>
+            </a:r>
+            <a:r>
+              <a:rPr lang="pt-BR" dirty="0"/>
+              <a:t> menciona ate 10 dias uteis, comigo levou 2 dias)</a:t>
+            </a:r>
+          </a:p>
+          <a:p>
             <a:endParaRPr lang="pt-BR" dirty="0"/>
           </a:p>
         </p:txBody>
@@ -4103,7 +4300,7 @@
             <a:fld id="{B4008EB6-D09E-4580-8CD6-DDB14511944F}" type="slidenum">
               <a:rPr lang="en-US" smtClean="0"/>
               <a:pPr/>
-              <a:t>5</a:t>
+              <a:t>4</a:t>
             </a:fld>
             <a:endParaRPr lang="en-US"/>
           </a:p>
@@ -4112,7 +4309,7 @@
     </p:spTree>
     <p:extLst>
       <p:ext uri="{BB962C8B-B14F-4D97-AF65-F5344CB8AC3E}">
-        <p14:creationId xmlns:p14="http://schemas.microsoft.com/office/powerpoint/2010/main" val="3350812317"/>
+        <p14:creationId xmlns:p14="http://schemas.microsoft.com/office/powerpoint/2010/main" val="3869780487"/>
       </p:ext>
     </p:extLst>
   </p:cSld>
@@ -4166,6 +4363,53 @@
           <a:bodyPr/>
           <a:lstStyle/>
           <a:p>
+            <a:pPr marL="0" marR="0" lvl="0" indent="0" algn="l" defTabSz="932742" rtl="0" eaLnBrk="1" fontAlgn="auto" latinLnBrk="0" hangingPunct="1">
+              <a:lnSpc>
+                <a:spcPct val="90000"/>
+              </a:lnSpc>
+              <a:spcBef>
+                <a:spcPts val="0"/>
+              </a:spcBef>
+              <a:spcAft>
+                <a:spcPts val="340"/>
+              </a:spcAft>
+              <a:buClrTx/>
+              <a:buSzTx/>
+              <a:buFontTx/>
+              <a:buNone/>
+              <a:tabLst/>
+              <a:defRPr/>
+            </a:pPr>
+            <a:r>
+              <a:rPr lang="pt-BR" dirty="0"/>
+              <a:t>Solicitar acesso via </a:t>
+            </a:r>
+            <a:r>
+              <a:rPr lang="pt-BR" dirty="0" err="1"/>
+              <a:t>form</a:t>
+            </a:r>
+            <a:r>
+              <a:rPr lang="pt-BR" dirty="0"/>
+              <a:t> do recurso </a:t>
+            </a:r>
+            <a:r>
+              <a:rPr lang="pt-BR" dirty="0" err="1"/>
+              <a:t>azureopenai</a:t>
+            </a:r>
+            <a:r>
+              <a:rPr lang="pt-BR" dirty="0"/>
+              <a:t>(tempo de resposta da </a:t>
+            </a:r>
+            <a:r>
+              <a:rPr lang="pt-BR" dirty="0" err="1"/>
+              <a:t>solicitacao</a:t>
+            </a:r>
+            <a:r>
+              <a:rPr lang="pt-BR" dirty="0"/>
+              <a:t> menciona ate 10 dias uteis, comigo levou 2 dias)</a:t>
+            </a:r>
+          </a:p>
+          <a:p>
             <a:endParaRPr lang="pt-BR" dirty="0"/>
           </a:p>
         </p:txBody>
@@ -4245,7 +4489,7 @@
             <a:fld id="{B4008EB6-D09E-4580-8CD6-DDB14511944F}" type="slidenum">
               <a:rPr lang="en-US" smtClean="0"/>
               <a:pPr/>
-              <a:t>6</a:t>
+              <a:t>5</a:t>
             </a:fld>
             <a:endParaRPr lang="en-US"/>
           </a:p>
@@ -4254,7 +4498,7 @@
     </p:spTree>
     <p:extLst>
       <p:ext uri="{BB962C8B-B14F-4D97-AF65-F5344CB8AC3E}">
-        <p14:creationId xmlns:p14="http://schemas.microsoft.com/office/powerpoint/2010/main" val="1173386525"/>
+        <p14:creationId xmlns:p14="http://schemas.microsoft.com/office/powerpoint/2010/main" val="1796332136"/>
       </p:ext>
     </p:extLst>
   </p:cSld>
@@ -4396,7 +4640,7 @@
     </p:spTree>
     <p:extLst>
       <p:ext uri="{BB962C8B-B14F-4D97-AF65-F5344CB8AC3E}">
-        <p14:creationId xmlns:p14="http://schemas.microsoft.com/office/powerpoint/2010/main" val="554059990"/>
+        <p14:creationId xmlns:p14="http://schemas.microsoft.com/office/powerpoint/2010/main" val="3350812317"/>
       </p:ext>
     </p:extLst>
   </p:cSld>
@@ -4539,6 +4783,432 @@
     <p:extLst>
       <p:ext uri="{BB962C8B-B14F-4D97-AF65-F5344CB8AC3E}">
         <p14:creationId xmlns:p14="http://schemas.microsoft.com/office/powerpoint/2010/main" val="2112005226"/>
+      </p:ext>
+    </p:extLst>
+  </p:cSld>
+  <p:clrMapOvr>
+    <a:masterClrMapping/>
+  </p:clrMapOvr>
+</p:notes>
+</file>
+
+<file path=ppt/notesSlides/notesSlide7.xml><?xml version="1.0" encoding="utf-8"?>
+<p:notes xmlns:a="http://schemas.openxmlformats.org/drawingml/2006/main" xmlns:r="http://schemas.openxmlformats.org/officeDocument/2006/relationships" xmlns:p="http://schemas.openxmlformats.org/presentationml/2006/main">
+  <p:cSld>
+    <p:spTree>
+      <p:nvGrpSpPr>
+        <p:cNvPr id="1" name=""/>
+        <p:cNvGrpSpPr/>
+        <p:nvPr/>
+      </p:nvGrpSpPr>
+      <p:grpSpPr>
+        <a:xfrm>
+          <a:off x="0" y="0"/>
+          <a:ext cx="0" cy="0"/>
+          <a:chOff x="0" y="0"/>
+          <a:chExt cx="0" cy="0"/>
+        </a:xfrm>
+      </p:grpSpPr>
+      <p:sp>
+        <p:nvSpPr>
+          <p:cNvPr id="2" name="Espaço Reservado para Imagem de Slide 1"/>
+          <p:cNvSpPr>
+            <a:spLocks noGrp="1" noRot="1" noChangeAspect="1"/>
+          </p:cNvSpPr>
+          <p:nvPr>
+            <p:ph type="sldImg"/>
+          </p:nvPr>
+        </p:nvSpPr>
+        <p:spPr/>
+      </p:sp>
+      <p:sp>
+        <p:nvSpPr>
+          <p:cNvPr id="3" name="Espaço Reservado para Anotações 2"/>
+          <p:cNvSpPr>
+            <a:spLocks noGrp="1"/>
+          </p:cNvSpPr>
+          <p:nvPr>
+            <p:ph type="body" idx="1"/>
+          </p:nvPr>
+        </p:nvSpPr>
+        <p:spPr/>
+        <p:txBody>
+          <a:bodyPr/>
+          <a:lstStyle/>
+          <a:p>
+            <a:endParaRPr lang="pt-BR" dirty="0"/>
+          </a:p>
+        </p:txBody>
+      </p:sp>
+      <p:sp>
+        <p:nvSpPr>
+          <p:cNvPr id="4" name="Espaço Reservado para Cabeçalho 3"/>
+          <p:cNvSpPr>
+            <a:spLocks noGrp="1"/>
+          </p:cNvSpPr>
+          <p:nvPr>
+            <p:ph type="hdr" sz="quarter"/>
+          </p:nvPr>
+        </p:nvSpPr>
+        <p:spPr/>
+        <p:txBody>
+          <a:bodyPr/>
+          <a:lstStyle/>
+          <a:p>
+            <a:endParaRPr lang="en-US"/>
+          </a:p>
+        </p:txBody>
+      </p:sp>
+      <p:sp>
+        <p:nvSpPr>
+          <p:cNvPr id="5" name="Espaço Reservado para Rodapé 4"/>
+          <p:cNvSpPr>
+            <a:spLocks noGrp="1"/>
+          </p:cNvSpPr>
+          <p:nvPr>
+            <p:ph type="ftr" sz="quarter" idx="4"/>
+          </p:nvPr>
+        </p:nvSpPr>
+        <p:spPr/>
+        <p:txBody>
+          <a:bodyPr/>
+          <a:lstStyle/>
+          <a:p>
+            <a:pPr defTabSz="914099" eaLnBrk="0" hangingPunct="0"/>
+            <a:r>
+              <a:rPr lang="en-US" sz="400">
+                <a:gradFill>
+                  <a:gsLst>
+                    <a:gs pos="0">
+                      <a:prstClr val="black"/>
+                    </a:gs>
+                    <a:gs pos="100000">
+                      <a:prstClr val="black"/>
+                    </a:gs>
+                  </a:gsLst>
+                  <a:lin ang="5400000" scaled="0"/>
+                </a:gradFill>
+                <a:latin typeface="Segoe UI" pitchFamily="34" charset="0"/>
+                <a:ea typeface="Segoe UI" pitchFamily="34" charset="0"/>
+                <a:cs typeface="Segoe UI" pitchFamily="34" charset="0"/>
+              </a:rPr>
+              <a:t>© Microsoft Corporation</a:t>
+            </a:r>
+          </a:p>
+        </p:txBody>
+      </p:sp>
+      <p:sp>
+        <p:nvSpPr>
+          <p:cNvPr id="6" name="Espaço Reservado para Número de Slide 5"/>
+          <p:cNvSpPr>
+            <a:spLocks noGrp="1"/>
+          </p:cNvSpPr>
+          <p:nvPr>
+            <p:ph type="sldNum" sz="quarter" idx="5"/>
+          </p:nvPr>
+        </p:nvSpPr>
+        <p:spPr/>
+        <p:txBody>
+          <a:bodyPr/>
+          <a:lstStyle/>
+          <a:p>
+            <a:fld id="{B4008EB6-D09E-4580-8CD6-DDB14511944F}" type="slidenum">
+              <a:rPr lang="en-US" smtClean="0"/>
+              <a:pPr/>
+              <a:t>9</a:t>
+            </a:fld>
+            <a:endParaRPr lang="en-US"/>
+          </a:p>
+        </p:txBody>
+      </p:sp>
+    </p:spTree>
+    <p:extLst>
+      <p:ext uri="{BB962C8B-B14F-4D97-AF65-F5344CB8AC3E}">
+        <p14:creationId xmlns:p14="http://schemas.microsoft.com/office/powerpoint/2010/main" val="1173386525"/>
+      </p:ext>
+    </p:extLst>
+  </p:cSld>
+  <p:clrMapOvr>
+    <a:masterClrMapping/>
+  </p:clrMapOvr>
+</p:notes>
+</file>
+
+<file path=ppt/notesSlides/notesSlide8.xml><?xml version="1.0" encoding="utf-8"?>
+<p:notes xmlns:a="http://schemas.openxmlformats.org/drawingml/2006/main" xmlns:r="http://schemas.openxmlformats.org/officeDocument/2006/relationships" xmlns:p="http://schemas.openxmlformats.org/presentationml/2006/main">
+  <p:cSld>
+    <p:spTree>
+      <p:nvGrpSpPr>
+        <p:cNvPr id="1" name=""/>
+        <p:cNvGrpSpPr/>
+        <p:nvPr/>
+      </p:nvGrpSpPr>
+      <p:grpSpPr>
+        <a:xfrm>
+          <a:off x="0" y="0"/>
+          <a:ext cx="0" cy="0"/>
+          <a:chOff x="0" y="0"/>
+          <a:chExt cx="0" cy="0"/>
+        </a:xfrm>
+      </p:grpSpPr>
+      <p:sp>
+        <p:nvSpPr>
+          <p:cNvPr id="2" name="Espaço Reservado para Imagem de Slide 1"/>
+          <p:cNvSpPr>
+            <a:spLocks noGrp="1" noRot="1" noChangeAspect="1"/>
+          </p:cNvSpPr>
+          <p:nvPr>
+            <p:ph type="sldImg"/>
+          </p:nvPr>
+        </p:nvSpPr>
+        <p:spPr/>
+      </p:sp>
+      <p:sp>
+        <p:nvSpPr>
+          <p:cNvPr id="3" name="Espaço Reservado para Anotações 2"/>
+          <p:cNvSpPr>
+            <a:spLocks noGrp="1"/>
+          </p:cNvSpPr>
+          <p:nvPr>
+            <p:ph type="body" idx="1"/>
+          </p:nvPr>
+        </p:nvSpPr>
+        <p:spPr/>
+        <p:txBody>
+          <a:bodyPr/>
+          <a:lstStyle/>
+          <a:p>
+            <a:endParaRPr lang="pt-BR" dirty="0"/>
+          </a:p>
+        </p:txBody>
+      </p:sp>
+      <p:sp>
+        <p:nvSpPr>
+          <p:cNvPr id="4" name="Espaço Reservado para Cabeçalho 3"/>
+          <p:cNvSpPr>
+            <a:spLocks noGrp="1"/>
+          </p:cNvSpPr>
+          <p:nvPr>
+            <p:ph type="hdr" sz="quarter"/>
+          </p:nvPr>
+        </p:nvSpPr>
+        <p:spPr/>
+        <p:txBody>
+          <a:bodyPr/>
+          <a:lstStyle/>
+          <a:p>
+            <a:endParaRPr lang="en-US"/>
+          </a:p>
+        </p:txBody>
+      </p:sp>
+      <p:sp>
+        <p:nvSpPr>
+          <p:cNvPr id="5" name="Espaço Reservado para Rodapé 4"/>
+          <p:cNvSpPr>
+            <a:spLocks noGrp="1"/>
+          </p:cNvSpPr>
+          <p:nvPr>
+            <p:ph type="ftr" sz="quarter" idx="4"/>
+          </p:nvPr>
+        </p:nvSpPr>
+        <p:spPr/>
+        <p:txBody>
+          <a:bodyPr/>
+          <a:lstStyle/>
+          <a:p>
+            <a:pPr defTabSz="914099" eaLnBrk="0" hangingPunct="0"/>
+            <a:r>
+              <a:rPr lang="en-US" sz="400">
+                <a:gradFill>
+                  <a:gsLst>
+                    <a:gs pos="0">
+                      <a:prstClr val="black"/>
+                    </a:gs>
+                    <a:gs pos="100000">
+                      <a:prstClr val="black"/>
+                    </a:gs>
+                  </a:gsLst>
+                  <a:lin ang="5400000" scaled="0"/>
+                </a:gradFill>
+                <a:latin typeface="Segoe UI" pitchFamily="34" charset="0"/>
+                <a:ea typeface="Segoe UI" pitchFamily="34" charset="0"/>
+                <a:cs typeface="Segoe UI" pitchFamily="34" charset="0"/>
+              </a:rPr>
+              <a:t>© Microsoft Corporation</a:t>
+            </a:r>
+          </a:p>
+        </p:txBody>
+      </p:sp>
+      <p:sp>
+        <p:nvSpPr>
+          <p:cNvPr id="6" name="Espaço Reservado para Número de Slide 5"/>
+          <p:cNvSpPr>
+            <a:spLocks noGrp="1"/>
+          </p:cNvSpPr>
+          <p:nvPr>
+            <p:ph type="sldNum" sz="quarter" idx="5"/>
+          </p:nvPr>
+        </p:nvSpPr>
+        <p:spPr/>
+        <p:txBody>
+          <a:bodyPr/>
+          <a:lstStyle/>
+          <a:p>
+            <a:fld id="{B4008EB6-D09E-4580-8CD6-DDB14511944F}" type="slidenum">
+              <a:rPr lang="en-US" smtClean="0"/>
+              <a:pPr/>
+              <a:t>10</a:t>
+            </a:fld>
+            <a:endParaRPr lang="en-US"/>
+          </a:p>
+        </p:txBody>
+      </p:sp>
+    </p:spTree>
+    <p:extLst>
+      <p:ext uri="{BB962C8B-B14F-4D97-AF65-F5344CB8AC3E}">
+        <p14:creationId xmlns:p14="http://schemas.microsoft.com/office/powerpoint/2010/main" val="554059990"/>
+      </p:ext>
+    </p:extLst>
+  </p:cSld>
+  <p:clrMapOvr>
+    <a:masterClrMapping/>
+  </p:clrMapOvr>
+</p:notes>
+</file>
+
+<file path=ppt/notesSlides/notesSlide9.xml><?xml version="1.0" encoding="utf-8"?>
+<p:notes xmlns:a="http://schemas.openxmlformats.org/drawingml/2006/main" xmlns:r="http://schemas.openxmlformats.org/officeDocument/2006/relationships" xmlns:p="http://schemas.openxmlformats.org/presentationml/2006/main">
+  <p:cSld>
+    <p:spTree>
+      <p:nvGrpSpPr>
+        <p:cNvPr id="1" name=""/>
+        <p:cNvGrpSpPr/>
+        <p:nvPr/>
+      </p:nvGrpSpPr>
+      <p:grpSpPr>
+        <a:xfrm>
+          <a:off x="0" y="0"/>
+          <a:ext cx="0" cy="0"/>
+          <a:chOff x="0" y="0"/>
+          <a:chExt cx="0" cy="0"/>
+        </a:xfrm>
+      </p:grpSpPr>
+      <p:sp>
+        <p:nvSpPr>
+          <p:cNvPr id="2" name="Espaço Reservado para Imagem de Slide 1"/>
+          <p:cNvSpPr>
+            <a:spLocks noGrp="1" noRot="1" noChangeAspect="1"/>
+          </p:cNvSpPr>
+          <p:nvPr>
+            <p:ph type="sldImg"/>
+          </p:nvPr>
+        </p:nvSpPr>
+        <p:spPr/>
+      </p:sp>
+      <p:sp>
+        <p:nvSpPr>
+          <p:cNvPr id="3" name="Espaço Reservado para Anotações 2"/>
+          <p:cNvSpPr>
+            <a:spLocks noGrp="1"/>
+          </p:cNvSpPr>
+          <p:nvPr>
+            <p:ph type="body" idx="1"/>
+          </p:nvPr>
+        </p:nvSpPr>
+        <p:spPr/>
+        <p:txBody>
+          <a:bodyPr/>
+          <a:lstStyle/>
+          <a:p>
+            <a:endParaRPr lang="pt-BR" dirty="0"/>
+          </a:p>
+        </p:txBody>
+      </p:sp>
+      <p:sp>
+        <p:nvSpPr>
+          <p:cNvPr id="4" name="Espaço Reservado para Cabeçalho 3"/>
+          <p:cNvSpPr>
+            <a:spLocks noGrp="1"/>
+          </p:cNvSpPr>
+          <p:nvPr>
+            <p:ph type="hdr" sz="quarter"/>
+          </p:nvPr>
+        </p:nvSpPr>
+        <p:spPr/>
+        <p:txBody>
+          <a:bodyPr/>
+          <a:lstStyle/>
+          <a:p>
+            <a:endParaRPr lang="en-US"/>
+          </a:p>
+        </p:txBody>
+      </p:sp>
+      <p:sp>
+        <p:nvSpPr>
+          <p:cNvPr id="5" name="Espaço Reservado para Rodapé 4"/>
+          <p:cNvSpPr>
+            <a:spLocks noGrp="1"/>
+          </p:cNvSpPr>
+          <p:nvPr>
+            <p:ph type="ftr" sz="quarter" idx="4"/>
+          </p:nvPr>
+        </p:nvSpPr>
+        <p:spPr/>
+        <p:txBody>
+          <a:bodyPr/>
+          <a:lstStyle/>
+          <a:p>
+            <a:pPr defTabSz="914099" eaLnBrk="0" hangingPunct="0"/>
+            <a:r>
+              <a:rPr lang="en-US" sz="400">
+                <a:gradFill>
+                  <a:gsLst>
+                    <a:gs pos="0">
+                      <a:prstClr val="black"/>
+                    </a:gs>
+                    <a:gs pos="100000">
+                      <a:prstClr val="black"/>
+                    </a:gs>
+                  </a:gsLst>
+                  <a:lin ang="5400000" scaled="0"/>
+                </a:gradFill>
+                <a:latin typeface="Segoe UI" pitchFamily="34" charset="0"/>
+                <a:ea typeface="Segoe UI" pitchFamily="34" charset="0"/>
+                <a:cs typeface="Segoe UI" pitchFamily="34" charset="0"/>
+              </a:rPr>
+              <a:t>© Microsoft Corporation</a:t>
+            </a:r>
+          </a:p>
+        </p:txBody>
+      </p:sp>
+      <p:sp>
+        <p:nvSpPr>
+          <p:cNvPr id="6" name="Espaço Reservado para Número de Slide 5"/>
+          <p:cNvSpPr>
+            <a:spLocks noGrp="1"/>
+          </p:cNvSpPr>
+          <p:nvPr>
+            <p:ph type="sldNum" sz="quarter" idx="5"/>
+          </p:nvPr>
+        </p:nvSpPr>
+        <p:spPr/>
+        <p:txBody>
+          <a:bodyPr/>
+          <a:lstStyle/>
+          <a:p>
+            <a:fld id="{B4008EB6-D09E-4580-8CD6-DDB14511944F}" type="slidenum">
+              <a:rPr lang="en-US" smtClean="0"/>
+              <a:pPr/>
+              <a:t>11</a:t>
+            </a:fld>
+            <a:endParaRPr lang="en-US"/>
+          </a:p>
+        </p:txBody>
+      </p:sp>
+    </p:spTree>
+    <p:extLst>
+      <p:ext uri="{BB962C8B-B14F-4D97-AF65-F5344CB8AC3E}">
+        <p14:creationId xmlns:p14="http://schemas.microsoft.com/office/powerpoint/2010/main" val="274415803"/>
       </p:ext>
     </p:extLst>
   </p:cSld>
@@ -22614,1880 +23284,7 @@
 </p:sld>
 </file>
 
-<file path=ppt/slides/slide2.xml><?xml version="1.0" encoding="utf-8"?>
-<p:sld xmlns:a="http://schemas.openxmlformats.org/drawingml/2006/main" xmlns:r="http://schemas.openxmlformats.org/officeDocument/2006/relationships" xmlns:p="http://schemas.openxmlformats.org/presentationml/2006/main">
-  <p:cSld>
-    <p:spTree>
-      <p:nvGrpSpPr>
-        <p:cNvPr id="1" name=""/>
-        <p:cNvGrpSpPr/>
-        <p:nvPr/>
-      </p:nvGrpSpPr>
-      <p:grpSpPr>
-        <a:xfrm>
-          <a:off x="0" y="0"/>
-          <a:ext cx="0" cy="0"/>
-          <a:chOff x="0" y="0"/>
-          <a:chExt cx="0" cy="0"/>
-        </a:xfrm>
-      </p:grpSpPr>
-      <p:sp>
-        <p:nvSpPr>
-          <p:cNvPr id="38" name="Espaço Reservado para Conteúdo 2">
-            <a:extLst>
-              <a:ext uri="{FF2B5EF4-FFF2-40B4-BE49-F238E27FC236}">
-                <a16:creationId xmlns:a16="http://schemas.microsoft.com/office/drawing/2014/main" id="{5FAF7519-8713-40CD-BB85-8A9456666ADD}"/>
-              </a:ext>
-            </a:extLst>
-          </p:cNvPr>
-          <p:cNvSpPr txBox="1">
-            <a:spLocks/>
-          </p:cNvSpPr>
-          <p:nvPr/>
-        </p:nvSpPr>
-        <p:spPr>
-          <a:xfrm>
-            <a:off x="5384626" y="1430959"/>
-            <a:ext cx="6805551" cy="3819537"/>
-          </a:xfrm>
-          <a:prstGeom prst="rect">
-            <a:avLst/>
-          </a:prstGeom>
-        </p:spPr>
-        <p:txBody>
-          <a:bodyPr vert="horz" lIns="91440" tIns="45720" rIns="91440" bIns="45720" rtlCol="0" anchor="t">
-            <a:normAutofit/>
-          </a:bodyPr>
-          <a:lstStyle>
-            <a:defPPr>
-              <a:defRPr lang="en-US"/>
-            </a:defPPr>
-            <a:lvl1pPr marL="342900" indent="-342900" defTabSz="914400">
-              <a:lnSpc>
-                <a:spcPct val="90000"/>
-              </a:lnSpc>
-              <a:spcBef>
-                <a:spcPts val="1000"/>
-              </a:spcBef>
-              <a:buFont typeface="Arial" panose="020B0604020202020204" pitchFamily="34" charset="0"/>
-              <a:buChar char="•"/>
-              <a:defRPr sz="2000">
-                <a:latin typeface="Montserrat"/>
-                <a:cs typeface="Arial"/>
-              </a:defRPr>
-            </a:lvl1pPr>
-            <a:lvl2pPr indent="0" algn="ctr" defTabSz="914400">
-              <a:lnSpc>
-                <a:spcPct val="90000"/>
-              </a:lnSpc>
-              <a:spcBef>
-                <a:spcPts val="500"/>
-              </a:spcBef>
-              <a:buFont typeface="Arial" panose="020B0604020202020204" pitchFamily="34" charset="0"/>
-              <a:buNone/>
-              <a:defRPr sz="2000"/>
-            </a:lvl2pPr>
-            <a:lvl3pPr indent="0" algn="ctr" defTabSz="914400">
-              <a:lnSpc>
-                <a:spcPct val="90000"/>
-              </a:lnSpc>
-              <a:spcBef>
-                <a:spcPts val="500"/>
-              </a:spcBef>
-              <a:buFont typeface="Arial" panose="020B0604020202020204" pitchFamily="34" charset="0"/>
-              <a:buNone/>
-            </a:lvl3pPr>
-            <a:lvl4pPr indent="0" algn="ctr" defTabSz="914400">
-              <a:lnSpc>
-                <a:spcPct val="90000"/>
-              </a:lnSpc>
-              <a:spcBef>
-                <a:spcPts val="500"/>
-              </a:spcBef>
-              <a:buFont typeface="Arial" panose="020B0604020202020204" pitchFamily="34" charset="0"/>
-              <a:buNone/>
-              <a:defRPr sz="1600"/>
-            </a:lvl4pPr>
-            <a:lvl5pPr indent="0" algn="ctr" defTabSz="914400">
-              <a:lnSpc>
-                <a:spcPct val="90000"/>
-              </a:lnSpc>
-              <a:spcBef>
-                <a:spcPts val="500"/>
-              </a:spcBef>
-              <a:buFont typeface="Arial" panose="020B0604020202020204" pitchFamily="34" charset="0"/>
-              <a:buNone/>
-              <a:defRPr sz="1600"/>
-            </a:lvl5pPr>
-            <a:lvl6pPr indent="0" algn="ctr" defTabSz="914400">
-              <a:lnSpc>
-                <a:spcPct val="90000"/>
-              </a:lnSpc>
-              <a:spcBef>
-                <a:spcPts val="500"/>
-              </a:spcBef>
-              <a:buFont typeface="Arial" panose="020B0604020202020204" pitchFamily="34" charset="0"/>
-              <a:buNone/>
-              <a:defRPr sz="1600"/>
-            </a:lvl6pPr>
-            <a:lvl7pPr indent="0" algn="ctr" defTabSz="914400">
-              <a:lnSpc>
-                <a:spcPct val="90000"/>
-              </a:lnSpc>
-              <a:spcBef>
-                <a:spcPts val="500"/>
-              </a:spcBef>
-              <a:buFont typeface="Arial" panose="020B0604020202020204" pitchFamily="34" charset="0"/>
-              <a:buNone/>
-              <a:defRPr sz="1600"/>
-            </a:lvl7pPr>
-            <a:lvl8pPr indent="0" algn="ctr" defTabSz="914400">
-              <a:lnSpc>
-                <a:spcPct val="90000"/>
-              </a:lnSpc>
-              <a:spcBef>
-                <a:spcPts val="500"/>
-              </a:spcBef>
-              <a:buFont typeface="Arial" panose="020B0604020202020204" pitchFamily="34" charset="0"/>
-              <a:buNone/>
-              <a:defRPr sz="1600"/>
-            </a:lvl8pPr>
-            <a:lvl9pPr indent="0" algn="ctr" defTabSz="914400">
-              <a:lnSpc>
-                <a:spcPct val="90000"/>
-              </a:lnSpc>
-              <a:spcBef>
-                <a:spcPts val="500"/>
-              </a:spcBef>
-              <a:buFont typeface="Arial" panose="020B0604020202020204" pitchFamily="34" charset="0"/>
-              <a:buNone/>
-              <a:defRPr sz="1600"/>
-            </a:lvl9pPr>
-          </a:lstStyle>
-          <a:p>
-            <a:r>
-              <a:rPr lang="pt-BR" sz="2200" dirty="0">
-                <a:latin typeface="+mn-lt"/>
-              </a:rPr>
-              <a:t>Engenheiro da Computação Universidade Positivo</a:t>
-            </a:r>
-          </a:p>
-          <a:p>
-            <a:r>
-              <a:rPr lang="pt-BR" sz="2200" dirty="0">
-                <a:latin typeface="+mn-lt"/>
-              </a:rPr>
-              <a:t>4 anos - Paraná Banco</a:t>
-            </a:r>
-          </a:p>
-          <a:p>
-            <a:r>
-              <a:rPr lang="pt-BR" sz="2200" dirty="0">
-                <a:latin typeface="+mn-lt"/>
-              </a:rPr>
-              <a:t>Sr. </a:t>
-            </a:r>
-            <a:r>
-              <a:rPr lang="pt-BR" sz="2200" dirty="0" err="1">
-                <a:latin typeface="+mn-lt"/>
-              </a:rPr>
-              <a:t>BackEnd</a:t>
-            </a:r>
-            <a:r>
-              <a:rPr lang="pt-BR" sz="2200" dirty="0">
-                <a:latin typeface="+mn-lt"/>
-              </a:rPr>
-              <a:t> </a:t>
-            </a:r>
-            <a:r>
-              <a:rPr lang="pt-BR" sz="2200" dirty="0" err="1">
-                <a:latin typeface="+mn-lt"/>
-              </a:rPr>
-              <a:t>Developer</a:t>
-            </a:r>
-            <a:r>
-              <a:rPr lang="pt-BR" sz="2200" dirty="0">
-                <a:latin typeface="+mn-lt"/>
-              </a:rPr>
-              <a:t> e </a:t>
-            </a:r>
-            <a:r>
-              <a:rPr lang="pt-BR" sz="2200" dirty="0" err="1">
-                <a:latin typeface="+mn-lt"/>
-              </a:rPr>
-              <a:t>Chapter</a:t>
-            </a:r>
-            <a:r>
-              <a:rPr lang="pt-BR" sz="2200" dirty="0">
-                <a:latin typeface="+mn-lt"/>
-              </a:rPr>
-              <a:t> </a:t>
-            </a:r>
-            <a:r>
-              <a:rPr lang="pt-BR" sz="2200" dirty="0" err="1">
-                <a:latin typeface="+mn-lt"/>
-              </a:rPr>
-              <a:t>leader</a:t>
-            </a:r>
-            <a:r>
-              <a:rPr lang="pt-BR" sz="2200" dirty="0">
-                <a:latin typeface="+mn-lt"/>
-              </a:rPr>
-              <a:t> </a:t>
-            </a:r>
-          </a:p>
-          <a:p>
-            <a:r>
-              <a:rPr lang="pt-BR" sz="2200" dirty="0">
-                <a:latin typeface="+mn-lt"/>
-              </a:rPr>
-              <a:t>Pós graduado em Engenharia de Software</a:t>
-            </a:r>
-          </a:p>
-          <a:p>
-            <a:r>
-              <a:rPr lang="pt-BR" sz="2200" dirty="0">
-                <a:latin typeface="+mn-lt"/>
-              </a:rPr>
-              <a:t>Certificados 483C#, AZ-900 e SC-900</a:t>
-            </a:r>
-          </a:p>
-          <a:p>
-            <a:r>
-              <a:rPr lang="pt-BR" sz="2200" dirty="0">
-                <a:latin typeface="+mn-lt"/>
-              </a:rPr>
-              <a:t>Cursando MBA em Arquitetura</a:t>
-            </a:r>
-          </a:p>
-          <a:p>
-            <a:r>
-              <a:rPr lang="pt-BR" sz="2200" dirty="0">
-                <a:latin typeface="+mn-lt"/>
-              </a:rPr>
-              <a:t>Amante de Tecnologia</a:t>
-            </a:r>
-          </a:p>
-          <a:p>
-            <a:endParaRPr lang="pt-BR" dirty="0"/>
-          </a:p>
-          <a:p>
-            <a:endParaRPr lang="pt-BR" dirty="0"/>
-          </a:p>
-          <a:p>
-            <a:endParaRPr lang="pt-BR" dirty="0"/>
-          </a:p>
-          <a:p>
-            <a:endParaRPr lang="pt-BR" dirty="0"/>
-          </a:p>
-          <a:p>
-            <a:endParaRPr lang="pt-BR" dirty="0"/>
-          </a:p>
-        </p:txBody>
-      </p:sp>
-      <p:sp>
-        <p:nvSpPr>
-          <p:cNvPr id="41" name="Título 1">
-            <a:extLst>
-              <a:ext uri="{FF2B5EF4-FFF2-40B4-BE49-F238E27FC236}">
-                <a16:creationId xmlns:a16="http://schemas.microsoft.com/office/drawing/2014/main" id="{B5C427DB-4D4E-4C34-8798-98B68A898847}"/>
-              </a:ext>
-            </a:extLst>
-          </p:cNvPr>
-          <p:cNvSpPr txBox="1">
-            <a:spLocks/>
-          </p:cNvSpPr>
-          <p:nvPr/>
-        </p:nvSpPr>
-        <p:spPr>
-          <a:xfrm>
-            <a:off x="6261413" y="584730"/>
-            <a:ext cx="3762934" cy="545298"/>
-          </a:xfrm>
-          <a:prstGeom prst="rect">
-            <a:avLst/>
-          </a:prstGeom>
-        </p:spPr>
-        <p:txBody>
-          <a:bodyPr vert="horz" lIns="91440" tIns="45720" rIns="91440" bIns="45720" rtlCol="0" anchor="b">
-            <a:normAutofit lnSpcReduction="10000"/>
-          </a:bodyPr>
-          <a:lstStyle>
-            <a:lvl1pPr algn="ctr" defTabSz="914400" rtl="0" eaLnBrk="1" latinLnBrk="0" hangingPunct="1">
-              <a:lnSpc>
-                <a:spcPct val="90000"/>
-              </a:lnSpc>
-              <a:spcBef>
-                <a:spcPct val="0"/>
-              </a:spcBef>
-              <a:buNone/>
-              <a:defRPr sz="6000" kern="1200">
-                <a:solidFill>
-                  <a:schemeClr val="tx1"/>
-                </a:solidFill>
-                <a:latin typeface="+mj-lt"/>
-                <a:ea typeface="+mj-ea"/>
-                <a:cs typeface="+mj-cs"/>
-              </a:defRPr>
-            </a:lvl1pPr>
-          </a:lstStyle>
-          <a:p>
-            <a:r>
-              <a:rPr lang="pt-BR" sz="3600">
-                <a:cs typeface="Arial"/>
-              </a:rPr>
-              <a:t>Quem</a:t>
-            </a:r>
-            <a:r>
-              <a:rPr lang="pt-BR" sz="3600">
-                <a:latin typeface="Segoe UI Semibold"/>
-                <a:cs typeface="Arial"/>
-              </a:rPr>
-              <a:t> sou eu</a:t>
-            </a:r>
-          </a:p>
-        </p:txBody>
-      </p:sp>
-      <p:pic>
-        <p:nvPicPr>
-          <p:cNvPr id="2" name="Imagem 2" descr="Pessoa posando para foto em local com neve e montanha ao fundo&#10;&#10;Descrição gerada automaticamente">
-            <a:extLst>
-              <a:ext uri="{FF2B5EF4-FFF2-40B4-BE49-F238E27FC236}">
-                <a16:creationId xmlns:a16="http://schemas.microsoft.com/office/drawing/2014/main" id="{67502666-436E-3AD6-956C-DA6EE7975EE4}"/>
-              </a:ext>
-            </a:extLst>
-          </p:cNvPr>
-          <p:cNvPicPr>
-            <a:picLocks noChangeAspect="1"/>
-          </p:cNvPicPr>
-          <p:nvPr/>
-        </p:nvPicPr>
-        <p:blipFill>
-          <a:blip r:embed="rId2"/>
-          <a:stretch>
-            <a:fillRect/>
-          </a:stretch>
-        </p:blipFill>
-        <p:spPr>
-          <a:xfrm>
-            <a:off x="1111740" y="1472922"/>
-            <a:ext cx="2744956" cy="2743200"/>
-          </a:xfrm>
-          <a:prstGeom prst="rect">
-            <a:avLst/>
-          </a:prstGeom>
-        </p:spPr>
-      </p:pic>
-      <p:pic>
-        <p:nvPicPr>
-          <p:cNvPr id="3" name="Imagem 3" descr="Código QR&#10;&#10;Descrição gerada automaticamente">
-            <a:extLst>
-              <a:ext uri="{FF2B5EF4-FFF2-40B4-BE49-F238E27FC236}">
-                <a16:creationId xmlns:a16="http://schemas.microsoft.com/office/drawing/2014/main" id="{8292FE87-2AEF-DA20-3210-6B49D9369B5A}"/>
-              </a:ext>
-            </a:extLst>
-          </p:cNvPr>
-          <p:cNvPicPr>
-            <a:picLocks noChangeAspect="1"/>
-          </p:cNvPicPr>
-          <p:nvPr/>
-        </p:nvPicPr>
-        <p:blipFill>
-          <a:blip r:embed="rId3"/>
-          <a:stretch>
-            <a:fillRect/>
-          </a:stretch>
-        </p:blipFill>
-        <p:spPr>
-          <a:xfrm>
-            <a:off x="1368443" y="4344778"/>
-            <a:ext cx="2231694" cy="2211217"/>
-          </a:xfrm>
-          <a:prstGeom prst="rect">
-            <a:avLst/>
-          </a:prstGeom>
-        </p:spPr>
-      </p:pic>
-      <p:sp>
-        <p:nvSpPr>
-          <p:cNvPr id="4" name="Título 1">
-            <a:extLst>
-              <a:ext uri="{FF2B5EF4-FFF2-40B4-BE49-F238E27FC236}">
-                <a16:creationId xmlns:a16="http://schemas.microsoft.com/office/drawing/2014/main" id="{9E25E884-09B8-9E8C-A2FC-DE17507BE25C}"/>
-              </a:ext>
-            </a:extLst>
-          </p:cNvPr>
-          <p:cNvSpPr txBox="1">
-            <a:spLocks/>
-          </p:cNvSpPr>
-          <p:nvPr/>
-        </p:nvSpPr>
-        <p:spPr>
-          <a:xfrm>
-            <a:off x="666480" y="864798"/>
-            <a:ext cx="3762934" cy="545298"/>
-          </a:xfrm>
-          <a:prstGeom prst="rect">
-            <a:avLst/>
-          </a:prstGeom>
-        </p:spPr>
-        <p:txBody>
-          <a:bodyPr vert="horz" lIns="91440" tIns="45720" rIns="91440" bIns="45720" rtlCol="0" anchor="b">
-            <a:normAutofit/>
-          </a:bodyPr>
-          <a:lstStyle>
-            <a:lvl1pPr algn="ctr" defTabSz="914400" rtl="0" eaLnBrk="1" latinLnBrk="0" hangingPunct="1">
-              <a:lnSpc>
-                <a:spcPct val="90000"/>
-              </a:lnSpc>
-              <a:spcBef>
-                <a:spcPct val="0"/>
-              </a:spcBef>
-              <a:buNone/>
-              <a:defRPr sz="6000" kern="1200">
-                <a:solidFill>
-                  <a:schemeClr val="tx1"/>
-                </a:solidFill>
-                <a:latin typeface="+mj-lt"/>
-                <a:ea typeface="+mj-ea"/>
-                <a:cs typeface="+mj-cs"/>
-              </a:defRPr>
-            </a:lvl1pPr>
-          </a:lstStyle>
-          <a:p>
-            <a:r>
-              <a:rPr lang="pt-BR" sz="3200">
-                <a:latin typeface="Segoe UI Semibold"/>
-                <a:cs typeface="Arial"/>
-              </a:rPr>
-              <a:t>João Antunes</a:t>
-            </a:r>
-          </a:p>
-        </p:txBody>
-      </p:sp>
-    </p:spTree>
-    <p:extLst>
-      <p:ext uri="{BB962C8B-B14F-4D97-AF65-F5344CB8AC3E}">
-        <p14:creationId xmlns:p14="http://schemas.microsoft.com/office/powerpoint/2010/main" val="3243610850"/>
-      </p:ext>
-    </p:extLst>
-  </p:cSld>
-  <p:clrMapOvr>
-    <a:masterClrMapping/>
-  </p:clrMapOvr>
-  <mc:AlternateContent xmlns:mc="http://schemas.openxmlformats.org/markup-compatibility/2006" xmlns:p14="http://schemas.microsoft.com/office/powerpoint/2010/main">
-    <mc:Choice Requires="p14">
-      <p:transition spd="med" p14:dur="700">
-        <p:fade/>
-      </p:transition>
-    </mc:Choice>
-    <mc:Fallback xmlns="">
-      <p:transition spd="med">
-        <p:fade/>
-      </p:transition>
-    </mc:Fallback>
-  </mc:AlternateContent>
-</p:sld>
-</file>
-
-<file path=ppt/slides/slide3.xml><?xml version="1.0" encoding="utf-8"?>
-<p:sld xmlns:a="http://schemas.openxmlformats.org/drawingml/2006/main" xmlns:r="http://schemas.openxmlformats.org/officeDocument/2006/relationships" xmlns:p="http://schemas.openxmlformats.org/presentationml/2006/main">
-  <p:cSld>
-    <p:spTree>
-      <p:nvGrpSpPr>
-        <p:cNvPr id="1" name=""/>
-        <p:cNvGrpSpPr/>
-        <p:nvPr/>
-      </p:nvGrpSpPr>
-      <p:grpSpPr>
-        <a:xfrm>
-          <a:off x="0" y="0"/>
-          <a:ext cx="0" cy="0"/>
-          <a:chOff x="0" y="0"/>
-          <a:chExt cx="0" cy="0"/>
-        </a:xfrm>
-      </p:grpSpPr>
-      <p:sp>
-        <p:nvSpPr>
-          <p:cNvPr id="3" name="Espaço Reservado para Texto 2">
-            <a:extLst>
-              <a:ext uri="{FF2B5EF4-FFF2-40B4-BE49-F238E27FC236}">
-                <a16:creationId xmlns:a16="http://schemas.microsoft.com/office/drawing/2014/main" id="{8E435BE1-BB00-2F2E-B55F-6181CD3CBC66}"/>
-              </a:ext>
-            </a:extLst>
-          </p:cNvPr>
-          <p:cNvSpPr>
-            <a:spLocks noGrp="1"/>
-          </p:cNvSpPr>
-          <p:nvPr>
-            <p:ph type="body" sz="quarter" idx="15"/>
-          </p:nvPr>
-        </p:nvSpPr>
-        <p:spPr>
-          <a:xfrm>
-            <a:off x="451338" y="5176016"/>
-            <a:ext cx="9795376" cy="738664"/>
-          </a:xfrm>
-        </p:spPr>
-        <p:txBody>
-          <a:bodyPr/>
-          <a:lstStyle/>
-          <a:p>
-            <a:r>
-              <a:rPr lang="pt-BR" dirty="0"/>
-              <a:t>https://customervoice.microsoft.com/Pages/ResponsePage.aspx?id=v4j5cvGGr0GRqy180BHbR7en2Ais5pxKtso_Pz4b1_xUOFA5Qk1UWDRBMjg0WFhPMkIzTzhKQ1dWNyQlQCN0PWcu</a:t>
-            </a:r>
-          </a:p>
-        </p:txBody>
-      </p:sp>
-      <p:pic>
-        <p:nvPicPr>
-          <p:cNvPr id="7" name="Imagem 6">
-            <a:extLst>
-              <a:ext uri="{FF2B5EF4-FFF2-40B4-BE49-F238E27FC236}">
-                <a16:creationId xmlns:a16="http://schemas.microsoft.com/office/drawing/2014/main" id="{B812E6CA-E671-5E1C-F0F0-4D59D6148E7C}"/>
-              </a:ext>
-            </a:extLst>
-          </p:cNvPr>
-          <p:cNvPicPr>
-            <a:picLocks noChangeAspect="1"/>
-          </p:cNvPicPr>
-          <p:nvPr/>
-        </p:nvPicPr>
-        <p:blipFill>
-          <a:blip r:embed="rId3"/>
-          <a:stretch>
-            <a:fillRect/>
-          </a:stretch>
-        </p:blipFill>
-        <p:spPr>
-          <a:xfrm>
-            <a:off x="4914411" y="2106999"/>
-            <a:ext cx="2607652" cy="2442611"/>
-          </a:xfrm>
-          <a:prstGeom prst="rect">
-            <a:avLst/>
-          </a:prstGeom>
-          <a:ln>
-            <a:noFill/>
-          </a:ln>
-          <a:effectLst>
-            <a:softEdge rad="112500"/>
-          </a:effectLst>
-        </p:spPr>
-        <p:style>
-          <a:lnRef idx="2">
-            <a:schemeClr val="accent3">
-              <a:shade val="15000"/>
-            </a:schemeClr>
-          </a:lnRef>
-          <a:fillRef idx="1">
-            <a:schemeClr val="accent3"/>
-          </a:fillRef>
-          <a:effectRef idx="0">
-            <a:schemeClr val="accent3"/>
-          </a:effectRef>
-          <a:fontRef idx="minor">
-            <a:schemeClr val="lt1"/>
-          </a:fontRef>
-        </p:style>
-      </p:pic>
-      <p:sp>
-        <p:nvSpPr>
-          <p:cNvPr id="8" name="Espaço Reservado para Texto 2">
-            <a:extLst>
-              <a:ext uri="{FF2B5EF4-FFF2-40B4-BE49-F238E27FC236}">
-                <a16:creationId xmlns:a16="http://schemas.microsoft.com/office/drawing/2014/main" id="{B0A2DA19-2FA7-0E77-4EB4-1C324C7738EA}"/>
-              </a:ext>
-            </a:extLst>
-          </p:cNvPr>
-          <p:cNvSpPr txBox="1">
-            <a:spLocks/>
-          </p:cNvSpPr>
-          <p:nvPr/>
-        </p:nvSpPr>
-        <p:spPr>
-          <a:xfrm>
-            <a:off x="451338" y="803485"/>
-            <a:ext cx="9795376" cy="677108"/>
-          </a:xfrm>
-          <a:prstGeom prst="rect">
-            <a:avLst/>
-          </a:prstGeom>
-        </p:spPr>
-        <p:txBody>
-          <a:bodyPr vert="horz" wrap="square" lIns="0" tIns="91440" rIns="146304" bIns="91440" rtlCol="0">
-            <a:spAutoFit/>
-          </a:bodyPr>
-          <a:lstStyle>
-            <a:lvl1pPr marL="0" marR="0" indent="0" algn="l" defTabSz="932742" rtl="0" eaLnBrk="1" fontAlgn="auto" latinLnBrk="0" hangingPunct="1">
-              <a:lnSpc>
-                <a:spcPct val="100000"/>
-              </a:lnSpc>
-              <a:spcBef>
-                <a:spcPts val="0"/>
-              </a:spcBef>
-              <a:spcAft>
-                <a:spcPts val="0"/>
-              </a:spcAft>
-              <a:buClrTx/>
-              <a:buSzPct val="90000"/>
-              <a:buFont typeface="Wingdings" panose="05000000000000000000" pitchFamily="2" charset="2"/>
-              <a:buNone/>
-              <a:tabLst/>
-              <a:defRPr sz="1800" kern="1200" spc="-50" baseline="0">
-                <a:solidFill>
-                  <a:schemeClr val="bg2"/>
-                </a:solidFill>
-                <a:latin typeface="+mj-lt"/>
-                <a:ea typeface="+mn-ea"/>
-                <a:cs typeface="+mn-cs"/>
-              </a:defRPr>
-            </a:lvl1pPr>
-            <a:lvl2pPr marL="0" marR="0" indent="0" algn="l" defTabSz="932742" rtl="0" eaLnBrk="1" fontAlgn="auto" latinLnBrk="0" hangingPunct="1">
-              <a:lnSpc>
-                <a:spcPct val="100000"/>
-              </a:lnSpc>
-              <a:spcBef>
-                <a:spcPts val="0"/>
-              </a:spcBef>
-              <a:spcAft>
-                <a:spcPts val="0"/>
-              </a:spcAft>
-              <a:buClrTx/>
-              <a:buSzPct val="90000"/>
-              <a:buFontTx/>
-              <a:buNone/>
-              <a:tabLst/>
-              <a:defRPr sz="1800" kern="1200" spc="0" baseline="0">
-                <a:solidFill>
-                  <a:srgbClr val="000000"/>
-                </a:solidFill>
-                <a:latin typeface="+mn-lt"/>
-                <a:ea typeface="+mn-ea"/>
-                <a:cs typeface="+mn-cs"/>
-              </a:defRPr>
-            </a:lvl2pPr>
-            <a:lvl3pPr marL="0" marR="0" indent="0" algn="l" defTabSz="932742" rtl="0" eaLnBrk="1" fontAlgn="auto" latinLnBrk="0" hangingPunct="1">
-              <a:lnSpc>
-                <a:spcPct val="100000"/>
-              </a:lnSpc>
-              <a:spcBef>
-                <a:spcPts val="0"/>
-              </a:spcBef>
-              <a:spcAft>
-                <a:spcPts val="0"/>
-              </a:spcAft>
-              <a:buClrTx/>
-              <a:buSzPct val="90000"/>
-              <a:buFont typeface="Wingdings" panose="05000000000000000000" pitchFamily="2" charset="2"/>
-              <a:buNone/>
-              <a:tabLst/>
-              <a:defRPr sz="1400" kern="1200" spc="0" baseline="0">
-                <a:solidFill>
-                  <a:schemeClr val="tx2"/>
-                </a:solidFill>
-                <a:latin typeface="+mj-lt"/>
-                <a:ea typeface="+mn-ea"/>
-                <a:cs typeface="+mn-cs"/>
-              </a:defRPr>
-            </a:lvl3pPr>
-            <a:lvl4pPr marL="0" marR="0" indent="0" algn="l" defTabSz="932742" rtl="0" eaLnBrk="1" fontAlgn="auto" latinLnBrk="0" hangingPunct="1">
-              <a:lnSpc>
-                <a:spcPct val="100000"/>
-              </a:lnSpc>
-              <a:spcBef>
-                <a:spcPts val="0"/>
-              </a:spcBef>
-              <a:spcAft>
-                <a:spcPts val="0"/>
-              </a:spcAft>
-              <a:buClrTx/>
-              <a:buSzPct val="90000"/>
-              <a:buFont typeface="Wingdings" panose="05000000000000000000" pitchFamily="2" charset="2"/>
-              <a:buNone/>
-              <a:tabLst/>
-              <a:defRPr sz="1400" kern="1200" spc="0" baseline="0">
-                <a:solidFill>
-                  <a:srgbClr val="000000"/>
-                </a:solidFill>
-                <a:latin typeface="+mn-lt"/>
-                <a:ea typeface="+mn-ea"/>
-                <a:cs typeface="+mn-cs"/>
-              </a:defRPr>
-            </a:lvl4pPr>
-            <a:lvl5pPr marL="0" marR="0" indent="0" algn="l" defTabSz="932742" rtl="0" eaLnBrk="1" fontAlgn="auto" latinLnBrk="0" hangingPunct="1">
-              <a:lnSpc>
-                <a:spcPct val="100000"/>
-              </a:lnSpc>
-              <a:spcBef>
-                <a:spcPts val="0"/>
-              </a:spcBef>
-              <a:spcAft>
-                <a:spcPts val="0"/>
-              </a:spcAft>
-              <a:buClrTx/>
-              <a:buSzPct val="90000"/>
-              <a:buFont typeface="Wingdings" panose="05000000000000000000" pitchFamily="2" charset="2"/>
-              <a:buNone/>
-              <a:tabLst/>
-              <a:defRPr sz="1050" b="1" kern="1200" spc="0" baseline="0">
-                <a:solidFill>
-                  <a:srgbClr val="000000"/>
-                </a:solidFill>
-                <a:latin typeface="+mn-lt"/>
-                <a:ea typeface="+mn-ea"/>
-                <a:cs typeface="+mn-cs"/>
-              </a:defRPr>
-            </a:lvl5pPr>
-            <a:lvl6pPr marL="2331854" indent="0" algn="l" defTabSz="932742" rtl="0" eaLnBrk="1" latinLnBrk="0" hangingPunct="1">
-              <a:spcBef>
-                <a:spcPct val="20000"/>
-              </a:spcBef>
-              <a:buFont typeface="Arial" pitchFamily="34" charset="0"/>
-              <a:buNone/>
-              <a:defRPr sz="2000" kern="1200">
-                <a:solidFill>
-                  <a:schemeClr val="tx1"/>
-                </a:solidFill>
-                <a:latin typeface="+mn-lt"/>
-                <a:ea typeface="+mn-ea"/>
-                <a:cs typeface="+mn-cs"/>
-              </a:defRPr>
-            </a:lvl6pPr>
-            <a:lvl7pPr marL="0" indent="0" algn="l" defTabSz="932742" rtl="0" eaLnBrk="1" latinLnBrk="0" hangingPunct="1">
-              <a:lnSpc>
-                <a:spcPct val="100000"/>
-              </a:lnSpc>
-              <a:spcBef>
-                <a:spcPts val="0"/>
-              </a:spcBef>
-              <a:spcAft>
-                <a:spcPts val="0"/>
-              </a:spcAft>
-              <a:buFont typeface="Arial" pitchFamily="34" charset="0"/>
-              <a:buNone/>
-              <a:defRPr sz="1000" kern="1200">
-                <a:solidFill>
-                  <a:srgbClr val="000000"/>
-                </a:solidFill>
-                <a:latin typeface="+mn-lt"/>
-                <a:ea typeface="+mn-ea"/>
-                <a:cs typeface="+mn-cs"/>
-              </a:defRPr>
-            </a:lvl7pPr>
-            <a:lvl8pPr marL="3497783" indent="-233186" algn="l" defTabSz="932742" rtl="0" eaLnBrk="1" latinLnBrk="0" hangingPunct="1">
-              <a:spcBef>
-                <a:spcPct val="20000"/>
-              </a:spcBef>
-              <a:buFont typeface="Arial" pitchFamily="34" charset="0"/>
-              <a:buChar char="•"/>
-              <a:defRPr sz="2000" kern="1200">
-                <a:solidFill>
-                  <a:schemeClr val="tx1"/>
-                </a:solidFill>
-                <a:latin typeface="+mn-lt"/>
-                <a:ea typeface="+mn-ea"/>
-                <a:cs typeface="+mn-cs"/>
-              </a:defRPr>
-            </a:lvl8pPr>
-            <a:lvl9pPr marL="3964155" indent="-233186" algn="l" defTabSz="932742" rtl="0" eaLnBrk="1" latinLnBrk="0" hangingPunct="1">
-              <a:spcBef>
-                <a:spcPct val="20000"/>
-              </a:spcBef>
-              <a:buFont typeface="Arial" pitchFamily="34" charset="0"/>
-              <a:buChar char="•"/>
-              <a:defRPr sz="2000" kern="1200">
-                <a:solidFill>
-                  <a:schemeClr val="tx1"/>
-                </a:solidFill>
-                <a:latin typeface="+mn-lt"/>
-                <a:ea typeface="+mn-ea"/>
-                <a:cs typeface="+mn-cs"/>
-              </a:defRPr>
-            </a:lvl9pPr>
-          </a:lstStyle>
-          <a:p>
-            <a:r>
-              <a:rPr lang="pt-BR" sz="3200" dirty="0"/>
-              <a:t>Formulário para ter acesso ao recurso </a:t>
-            </a:r>
-            <a:r>
-              <a:rPr lang="pt-BR" sz="3200" dirty="0" err="1"/>
-              <a:t>AzureOpenAI</a:t>
-            </a:r>
-            <a:endParaRPr lang="pt-BR" sz="3200" dirty="0"/>
-          </a:p>
-        </p:txBody>
-      </p:sp>
-    </p:spTree>
-    <p:extLst>
-      <p:ext uri="{BB962C8B-B14F-4D97-AF65-F5344CB8AC3E}">
-        <p14:creationId xmlns:p14="http://schemas.microsoft.com/office/powerpoint/2010/main" val="3628161881"/>
-      </p:ext>
-    </p:extLst>
-  </p:cSld>
-  <p:clrMapOvr>
-    <a:masterClrMapping/>
-  </p:clrMapOvr>
-  <mc:AlternateContent xmlns:mc="http://schemas.openxmlformats.org/markup-compatibility/2006" xmlns:p14="http://schemas.microsoft.com/office/powerpoint/2010/main">
-    <mc:Choice Requires="p14">
-      <p:transition spd="med" p14:dur="700">
-        <p:fade/>
-      </p:transition>
-    </mc:Choice>
-    <mc:Fallback xmlns="">
-      <p:transition spd="med">
-        <p:fade/>
-      </p:transition>
-    </mc:Fallback>
-  </mc:AlternateContent>
-</p:sld>
-</file>
-
-<file path=ppt/slides/slide4.xml><?xml version="1.0" encoding="utf-8"?>
-<p:sld xmlns:a="http://schemas.openxmlformats.org/drawingml/2006/main" xmlns:r="http://schemas.openxmlformats.org/officeDocument/2006/relationships" xmlns:p="http://schemas.openxmlformats.org/presentationml/2006/main">
-  <p:cSld>
-    <p:spTree>
-      <p:nvGrpSpPr>
-        <p:cNvPr id="1" name=""/>
-        <p:cNvGrpSpPr/>
-        <p:nvPr/>
-      </p:nvGrpSpPr>
-      <p:grpSpPr>
-        <a:xfrm>
-          <a:off x="0" y="0"/>
-          <a:ext cx="0" cy="0"/>
-          <a:chOff x="0" y="0"/>
-          <a:chExt cx="0" cy="0"/>
-        </a:xfrm>
-      </p:grpSpPr>
-      <p:sp>
-        <p:nvSpPr>
-          <p:cNvPr id="5" name="CaixaDeTexto 4">
-            <a:extLst>
-              <a:ext uri="{FF2B5EF4-FFF2-40B4-BE49-F238E27FC236}">
-                <a16:creationId xmlns:a16="http://schemas.microsoft.com/office/drawing/2014/main" id="{8ACDB991-EC5C-F38D-2382-DB6C1328DBFA}"/>
-              </a:ext>
-            </a:extLst>
-          </p:cNvPr>
-          <p:cNvSpPr txBox="1"/>
-          <p:nvPr/>
-        </p:nvSpPr>
-        <p:spPr>
-          <a:xfrm>
-            <a:off x="848738" y="5352923"/>
-            <a:ext cx="10649356" cy="369332"/>
-          </a:xfrm>
-          <a:prstGeom prst="rect">
-            <a:avLst/>
-          </a:prstGeom>
-          <a:noFill/>
-        </p:spPr>
-        <p:txBody>
-          <a:bodyPr wrap="square">
-            <a:spAutoFit/>
-          </a:bodyPr>
-          <a:lstStyle/>
-          <a:p>
-            <a:r>
-              <a:rPr lang="pt-BR" dirty="0">
-                <a:solidFill>
-                  <a:schemeClr val="bg1"/>
-                </a:solidFill>
-              </a:rPr>
-              <a:t>https://learn.microsoft.com/pt-br/azure/</a:t>
-            </a:r>
-            <a:r>
-              <a:rPr lang="pt-BR" spc="-50" dirty="0">
-                <a:solidFill>
-                  <a:schemeClr val="bg1"/>
-                </a:solidFill>
-                <a:latin typeface="+mj-lt"/>
-              </a:rPr>
-              <a:t>ai-services</a:t>
-            </a:r>
-            <a:r>
-              <a:rPr lang="pt-BR" dirty="0">
-                <a:solidFill>
-                  <a:schemeClr val="bg1"/>
-                </a:solidFill>
-              </a:rPr>
-              <a:t>/openai/concepts/models</a:t>
-            </a:r>
-          </a:p>
-        </p:txBody>
-      </p:sp>
-      <p:sp>
-        <p:nvSpPr>
-          <p:cNvPr id="6" name="Espaço Reservado para Texto 2">
-            <a:extLst>
-              <a:ext uri="{FF2B5EF4-FFF2-40B4-BE49-F238E27FC236}">
-                <a16:creationId xmlns:a16="http://schemas.microsoft.com/office/drawing/2014/main" id="{4241B9D4-4E11-C865-F7EE-C8ADDF366F9D}"/>
-              </a:ext>
-            </a:extLst>
-          </p:cNvPr>
-          <p:cNvSpPr txBox="1">
-            <a:spLocks/>
-          </p:cNvSpPr>
-          <p:nvPr/>
-        </p:nvSpPr>
-        <p:spPr>
-          <a:xfrm>
-            <a:off x="451338" y="803485"/>
-            <a:ext cx="9795376" cy="923330"/>
-          </a:xfrm>
-          <a:prstGeom prst="rect">
-            <a:avLst/>
-          </a:prstGeom>
-        </p:spPr>
-        <p:txBody>
-          <a:bodyPr vert="horz" wrap="square" lIns="0" tIns="91440" rIns="146304" bIns="91440" rtlCol="0">
-            <a:spAutoFit/>
-          </a:bodyPr>
-          <a:lstStyle>
-            <a:lvl1pPr marL="0" marR="0" indent="0" algn="l" defTabSz="932742" rtl="0" eaLnBrk="1" fontAlgn="auto" latinLnBrk="0" hangingPunct="1">
-              <a:lnSpc>
-                <a:spcPct val="100000"/>
-              </a:lnSpc>
-              <a:spcBef>
-                <a:spcPts val="0"/>
-              </a:spcBef>
-              <a:spcAft>
-                <a:spcPts val="0"/>
-              </a:spcAft>
-              <a:buClrTx/>
-              <a:buSzPct val="90000"/>
-              <a:buFont typeface="Wingdings" panose="05000000000000000000" pitchFamily="2" charset="2"/>
-              <a:buNone/>
-              <a:tabLst/>
-              <a:defRPr sz="1800" kern="1200" spc="-50" baseline="0">
-                <a:solidFill>
-                  <a:schemeClr val="bg2"/>
-                </a:solidFill>
-                <a:latin typeface="+mj-lt"/>
-                <a:ea typeface="+mn-ea"/>
-                <a:cs typeface="+mn-cs"/>
-              </a:defRPr>
-            </a:lvl1pPr>
-            <a:lvl2pPr marL="0" marR="0" indent="0" algn="l" defTabSz="932742" rtl="0" eaLnBrk="1" fontAlgn="auto" latinLnBrk="0" hangingPunct="1">
-              <a:lnSpc>
-                <a:spcPct val="100000"/>
-              </a:lnSpc>
-              <a:spcBef>
-                <a:spcPts val="0"/>
-              </a:spcBef>
-              <a:spcAft>
-                <a:spcPts val="0"/>
-              </a:spcAft>
-              <a:buClrTx/>
-              <a:buSzPct val="90000"/>
-              <a:buFontTx/>
-              <a:buNone/>
-              <a:tabLst/>
-              <a:defRPr sz="1800" kern="1200" spc="0" baseline="0">
-                <a:solidFill>
-                  <a:srgbClr val="000000"/>
-                </a:solidFill>
-                <a:latin typeface="+mn-lt"/>
-                <a:ea typeface="+mn-ea"/>
-                <a:cs typeface="+mn-cs"/>
-              </a:defRPr>
-            </a:lvl2pPr>
-            <a:lvl3pPr marL="0" marR="0" indent="0" algn="l" defTabSz="932742" rtl="0" eaLnBrk="1" fontAlgn="auto" latinLnBrk="0" hangingPunct="1">
-              <a:lnSpc>
-                <a:spcPct val="100000"/>
-              </a:lnSpc>
-              <a:spcBef>
-                <a:spcPts val="0"/>
-              </a:spcBef>
-              <a:spcAft>
-                <a:spcPts val="0"/>
-              </a:spcAft>
-              <a:buClrTx/>
-              <a:buSzPct val="90000"/>
-              <a:buFont typeface="Wingdings" panose="05000000000000000000" pitchFamily="2" charset="2"/>
-              <a:buNone/>
-              <a:tabLst/>
-              <a:defRPr sz="1400" kern="1200" spc="0" baseline="0">
-                <a:solidFill>
-                  <a:schemeClr val="tx2"/>
-                </a:solidFill>
-                <a:latin typeface="+mj-lt"/>
-                <a:ea typeface="+mn-ea"/>
-                <a:cs typeface="+mn-cs"/>
-              </a:defRPr>
-            </a:lvl3pPr>
-            <a:lvl4pPr marL="0" marR="0" indent="0" algn="l" defTabSz="932742" rtl="0" eaLnBrk="1" fontAlgn="auto" latinLnBrk="0" hangingPunct="1">
-              <a:lnSpc>
-                <a:spcPct val="100000"/>
-              </a:lnSpc>
-              <a:spcBef>
-                <a:spcPts val="0"/>
-              </a:spcBef>
-              <a:spcAft>
-                <a:spcPts val="0"/>
-              </a:spcAft>
-              <a:buClrTx/>
-              <a:buSzPct val="90000"/>
-              <a:buFont typeface="Wingdings" panose="05000000000000000000" pitchFamily="2" charset="2"/>
-              <a:buNone/>
-              <a:tabLst/>
-              <a:defRPr sz="1400" kern="1200" spc="0" baseline="0">
-                <a:solidFill>
-                  <a:srgbClr val="000000"/>
-                </a:solidFill>
-                <a:latin typeface="+mn-lt"/>
-                <a:ea typeface="+mn-ea"/>
-                <a:cs typeface="+mn-cs"/>
-              </a:defRPr>
-            </a:lvl4pPr>
-            <a:lvl5pPr marL="0" marR="0" indent="0" algn="l" defTabSz="932742" rtl="0" eaLnBrk="1" fontAlgn="auto" latinLnBrk="0" hangingPunct="1">
-              <a:lnSpc>
-                <a:spcPct val="100000"/>
-              </a:lnSpc>
-              <a:spcBef>
-                <a:spcPts val="0"/>
-              </a:spcBef>
-              <a:spcAft>
-                <a:spcPts val="0"/>
-              </a:spcAft>
-              <a:buClrTx/>
-              <a:buSzPct val="90000"/>
-              <a:buFont typeface="Wingdings" panose="05000000000000000000" pitchFamily="2" charset="2"/>
-              <a:buNone/>
-              <a:tabLst/>
-              <a:defRPr sz="1050" b="1" kern="1200" spc="0" baseline="0">
-                <a:solidFill>
-                  <a:srgbClr val="000000"/>
-                </a:solidFill>
-                <a:latin typeface="+mn-lt"/>
-                <a:ea typeface="+mn-ea"/>
-                <a:cs typeface="+mn-cs"/>
-              </a:defRPr>
-            </a:lvl5pPr>
-            <a:lvl6pPr marL="2331854" indent="0" algn="l" defTabSz="932742" rtl="0" eaLnBrk="1" latinLnBrk="0" hangingPunct="1">
-              <a:spcBef>
-                <a:spcPct val="20000"/>
-              </a:spcBef>
-              <a:buFont typeface="Arial" pitchFamily="34" charset="0"/>
-              <a:buNone/>
-              <a:defRPr sz="2000" kern="1200">
-                <a:solidFill>
-                  <a:schemeClr val="tx1"/>
-                </a:solidFill>
-                <a:latin typeface="+mn-lt"/>
-                <a:ea typeface="+mn-ea"/>
-                <a:cs typeface="+mn-cs"/>
-              </a:defRPr>
-            </a:lvl6pPr>
-            <a:lvl7pPr marL="0" indent="0" algn="l" defTabSz="932742" rtl="0" eaLnBrk="1" latinLnBrk="0" hangingPunct="1">
-              <a:lnSpc>
-                <a:spcPct val="100000"/>
-              </a:lnSpc>
-              <a:spcBef>
-                <a:spcPts val="0"/>
-              </a:spcBef>
-              <a:spcAft>
-                <a:spcPts val="0"/>
-              </a:spcAft>
-              <a:buFont typeface="Arial" pitchFamily="34" charset="0"/>
-              <a:buNone/>
-              <a:defRPr sz="1000" kern="1200">
-                <a:solidFill>
-                  <a:srgbClr val="000000"/>
-                </a:solidFill>
-                <a:latin typeface="+mn-lt"/>
-                <a:ea typeface="+mn-ea"/>
-                <a:cs typeface="+mn-cs"/>
-              </a:defRPr>
-            </a:lvl7pPr>
-            <a:lvl8pPr marL="3497783" indent="-233186" algn="l" defTabSz="932742" rtl="0" eaLnBrk="1" latinLnBrk="0" hangingPunct="1">
-              <a:spcBef>
-                <a:spcPct val="20000"/>
-              </a:spcBef>
-              <a:buFont typeface="Arial" pitchFamily="34" charset="0"/>
-              <a:buChar char="•"/>
-              <a:defRPr sz="2000" kern="1200">
-                <a:solidFill>
-                  <a:schemeClr val="tx1"/>
-                </a:solidFill>
-                <a:latin typeface="+mn-lt"/>
-                <a:ea typeface="+mn-ea"/>
-                <a:cs typeface="+mn-cs"/>
-              </a:defRPr>
-            </a:lvl8pPr>
-            <a:lvl9pPr marL="3964155" indent="-233186" algn="l" defTabSz="932742" rtl="0" eaLnBrk="1" latinLnBrk="0" hangingPunct="1">
-              <a:spcBef>
-                <a:spcPct val="20000"/>
-              </a:spcBef>
-              <a:buFont typeface="Arial" pitchFamily="34" charset="0"/>
-              <a:buChar char="•"/>
-              <a:defRPr sz="2000" kern="1200">
-                <a:solidFill>
-                  <a:schemeClr val="tx1"/>
-                </a:solidFill>
-                <a:latin typeface="+mn-lt"/>
-                <a:ea typeface="+mn-ea"/>
-                <a:cs typeface="+mn-cs"/>
-              </a:defRPr>
-            </a:lvl9pPr>
-          </a:lstStyle>
-          <a:p>
-            <a:r>
-              <a:rPr lang="pt-BR" sz="4800" dirty="0"/>
-              <a:t>Localização dos Recursos</a:t>
-            </a:r>
-          </a:p>
-        </p:txBody>
-      </p:sp>
-      <p:pic>
-        <p:nvPicPr>
-          <p:cNvPr id="10" name="Imagem 9">
-            <a:extLst>
-              <a:ext uri="{FF2B5EF4-FFF2-40B4-BE49-F238E27FC236}">
-                <a16:creationId xmlns:a16="http://schemas.microsoft.com/office/drawing/2014/main" id="{641BE21B-644C-A5E7-017E-3EC70D9A16BB}"/>
-              </a:ext>
-            </a:extLst>
-          </p:cNvPr>
-          <p:cNvPicPr>
-            <a:picLocks noChangeAspect="1"/>
-          </p:cNvPicPr>
-          <p:nvPr/>
-        </p:nvPicPr>
-        <p:blipFill>
-          <a:blip r:embed="rId2"/>
-          <a:stretch>
-            <a:fillRect/>
-          </a:stretch>
-        </p:blipFill>
-        <p:spPr>
-          <a:xfrm>
-            <a:off x="4510796" y="2288240"/>
-            <a:ext cx="2541757" cy="2418044"/>
-          </a:xfrm>
-          <a:prstGeom prst="rect">
-            <a:avLst/>
-          </a:prstGeom>
-          <a:ln>
-            <a:noFill/>
-          </a:ln>
-          <a:effectLst>
-            <a:softEdge rad="112500"/>
-          </a:effectLst>
-        </p:spPr>
-      </p:pic>
-    </p:spTree>
-    <p:extLst>
-      <p:ext uri="{BB962C8B-B14F-4D97-AF65-F5344CB8AC3E}">
-        <p14:creationId xmlns:p14="http://schemas.microsoft.com/office/powerpoint/2010/main" val="2531184178"/>
-      </p:ext>
-    </p:extLst>
-  </p:cSld>
-  <p:clrMapOvr>
-    <a:masterClrMapping/>
-  </p:clrMapOvr>
-  <mc:AlternateContent xmlns:mc="http://schemas.openxmlformats.org/markup-compatibility/2006" xmlns:p14="http://schemas.microsoft.com/office/powerpoint/2010/main">
-    <mc:Choice Requires="p14">
-      <p:transition spd="med" p14:dur="700">
-        <p:fade/>
-      </p:transition>
-    </mc:Choice>
-    <mc:Fallback xmlns="">
-      <p:transition spd="med">
-        <p:fade/>
-      </p:transition>
-    </mc:Fallback>
-  </mc:AlternateContent>
-</p:sld>
-</file>
-
-<file path=ppt/slides/slide5.xml><?xml version="1.0" encoding="utf-8"?>
-<p:sld xmlns:a="http://schemas.openxmlformats.org/drawingml/2006/main" xmlns:r="http://schemas.openxmlformats.org/officeDocument/2006/relationships" xmlns:p="http://schemas.openxmlformats.org/presentationml/2006/main">
-  <p:cSld>
-    <p:spTree>
-      <p:nvGrpSpPr>
-        <p:cNvPr id="1" name=""/>
-        <p:cNvGrpSpPr/>
-        <p:nvPr/>
-      </p:nvGrpSpPr>
-      <p:grpSpPr>
-        <a:xfrm>
-          <a:off x="0" y="0"/>
-          <a:ext cx="0" cy="0"/>
-          <a:chOff x="0" y="0"/>
-          <a:chExt cx="0" cy="0"/>
-        </a:xfrm>
-      </p:grpSpPr>
-      <p:sp>
-        <p:nvSpPr>
-          <p:cNvPr id="5" name="CaixaDeTexto 4">
-            <a:extLst>
-              <a:ext uri="{FF2B5EF4-FFF2-40B4-BE49-F238E27FC236}">
-                <a16:creationId xmlns:a16="http://schemas.microsoft.com/office/drawing/2014/main" id="{8ACDB991-EC5C-F38D-2382-DB6C1328DBFA}"/>
-              </a:ext>
-            </a:extLst>
-          </p:cNvPr>
-          <p:cNvSpPr txBox="1"/>
-          <p:nvPr/>
-        </p:nvSpPr>
-        <p:spPr>
-          <a:xfrm>
-            <a:off x="138619" y="5518294"/>
-            <a:ext cx="10649356" cy="369332"/>
-          </a:xfrm>
-          <a:prstGeom prst="rect">
-            <a:avLst/>
-          </a:prstGeom>
-          <a:noFill/>
-        </p:spPr>
-        <p:txBody>
-          <a:bodyPr wrap="square">
-            <a:spAutoFit/>
-          </a:bodyPr>
-          <a:lstStyle/>
-          <a:p>
-            <a:r>
-              <a:rPr lang="pt-BR" dirty="0">
-                <a:solidFill>
-                  <a:schemeClr val="bg1"/>
-                </a:solidFill>
-              </a:rPr>
-              <a:t>https://azure.microsoft.com/pt-br/pricing/details/cognitive-services/openai-service/</a:t>
-            </a:r>
-          </a:p>
-        </p:txBody>
-      </p:sp>
-      <p:sp>
-        <p:nvSpPr>
-          <p:cNvPr id="6" name="Espaço Reservado para Texto 2">
-            <a:extLst>
-              <a:ext uri="{FF2B5EF4-FFF2-40B4-BE49-F238E27FC236}">
-                <a16:creationId xmlns:a16="http://schemas.microsoft.com/office/drawing/2014/main" id="{4241B9D4-4E11-C865-F7EE-C8ADDF366F9D}"/>
-              </a:ext>
-            </a:extLst>
-          </p:cNvPr>
-          <p:cNvSpPr txBox="1">
-            <a:spLocks/>
-          </p:cNvSpPr>
-          <p:nvPr/>
-        </p:nvSpPr>
-        <p:spPr>
-          <a:xfrm>
-            <a:off x="451338" y="803485"/>
-            <a:ext cx="9795376" cy="923330"/>
-          </a:xfrm>
-          <a:prstGeom prst="rect">
-            <a:avLst/>
-          </a:prstGeom>
-        </p:spPr>
-        <p:txBody>
-          <a:bodyPr vert="horz" wrap="square" lIns="0" tIns="91440" rIns="146304" bIns="91440" rtlCol="0">
-            <a:spAutoFit/>
-          </a:bodyPr>
-          <a:lstStyle>
-            <a:lvl1pPr marL="0" marR="0" indent="0" algn="l" defTabSz="932742" rtl="0" eaLnBrk="1" fontAlgn="auto" latinLnBrk="0" hangingPunct="1">
-              <a:lnSpc>
-                <a:spcPct val="100000"/>
-              </a:lnSpc>
-              <a:spcBef>
-                <a:spcPts val="0"/>
-              </a:spcBef>
-              <a:spcAft>
-                <a:spcPts val="0"/>
-              </a:spcAft>
-              <a:buClrTx/>
-              <a:buSzPct val="90000"/>
-              <a:buFont typeface="Wingdings" panose="05000000000000000000" pitchFamily="2" charset="2"/>
-              <a:buNone/>
-              <a:tabLst/>
-              <a:defRPr sz="1800" kern="1200" spc="-50" baseline="0">
-                <a:solidFill>
-                  <a:schemeClr val="bg2"/>
-                </a:solidFill>
-                <a:latin typeface="+mj-lt"/>
-                <a:ea typeface="+mn-ea"/>
-                <a:cs typeface="+mn-cs"/>
-              </a:defRPr>
-            </a:lvl1pPr>
-            <a:lvl2pPr marL="0" marR="0" indent="0" algn="l" defTabSz="932742" rtl="0" eaLnBrk="1" fontAlgn="auto" latinLnBrk="0" hangingPunct="1">
-              <a:lnSpc>
-                <a:spcPct val="100000"/>
-              </a:lnSpc>
-              <a:spcBef>
-                <a:spcPts val="0"/>
-              </a:spcBef>
-              <a:spcAft>
-                <a:spcPts val="0"/>
-              </a:spcAft>
-              <a:buClrTx/>
-              <a:buSzPct val="90000"/>
-              <a:buFontTx/>
-              <a:buNone/>
-              <a:tabLst/>
-              <a:defRPr sz="1800" kern="1200" spc="0" baseline="0">
-                <a:solidFill>
-                  <a:srgbClr val="000000"/>
-                </a:solidFill>
-                <a:latin typeface="+mn-lt"/>
-                <a:ea typeface="+mn-ea"/>
-                <a:cs typeface="+mn-cs"/>
-              </a:defRPr>
-            </a:lvl2pPr>
-            <a:lvl3pPr marL="0" marR="0" indent="0" algn="l" defTabSz="932742" rtl="0" eaLnBrk="1" fontAlgn="auto" latinLnBrk="0" hangingPunct="1">
-              <a:lnSpc>
-                <a:spcPct val="100000"/>
-              </a:lnSpc>
-              <a:spcBef>
-                <a:spcPts val="0"/>
-              </a:spcBef>
-              <a:spcAft>
-                <a:spcPts val="0"/>
-              </a:spcAft>
-              <a:buClrTx/>
-              <a:buSzPct val="90000"/>
-              <a:buFont typeface="Wingdings" panose="05000000000000000000" pitchFamily="2" charset="2"/>
-              <a:buNone/>
-              <a:tabLst/>
-              <a:defRPr sz="1400" kern="1200" spc="0" baseline="0">
-                <a:solidFill>
-                  <a:schemeClr val="tx2"/>
-                </a:solidFill>
-                <a:latin typeface="+mj-lt"/>
-                <a:ea typeface="+mn-ea"/>
-                <a:cs typeface="+mn-cs"/>
-              </a:defRPr>
-            </a:lvl3pPr>
-            <a:lvl4pPr marL="0" marR="0" indent="0" algn="l" defTabSz="932742" rtl="0" eaLnBrk="1" fontAlgn="auto" latinLnBrk="0" hangingPunct="1">
-              <a:lnSpc>
-                <a:spcPct val="100000"/>
-              </a:lnSpc>
-              <a:spcBef>
-                <a:spcPts val="0"/>
-              </a:spcBef>
-              <a:spcAft>
-                <a:spcPts val="0"/>
-              </a:spcAft>
-              <a:buClrTx/>
-              <a:buSzPct val="90000"/>
-              <a:buFont typeface="Wingdings" panose="05000000000000000000" pitchFamily="2" charset="2"/>
-              <a:buNone/>
-              <a:tabLst/>
-              <a:defRPr sz="1400" kern="1200" spc="0" baseline="0">
-                <a:solidFill>
-                  <a:srgbClr val="000000"/>
-                </a:solidFill>
-                <a:latin typeface="+mn-lt"/>
-                <a:ea typeface="+mn-ea"/>
-                <a:cs typeface="+mn-cs"/>
-              </a:defRPr>
-            </a:lvl4pPr>
-            <a:lvl5pPr marL="0" marR="0" indent="0" algn="l" defTabSz="932742" rtl="0" eaLnBrk="1" fontAlgn="auto" latinLnBrk="0" hangingPunct="1">
-              <a:lnSpc>
-                <a:spcPct val="100000"/>
-              </a:lnSpc>
-              <a:spcBef>
-                <a:spcPts val="0"/>
-              </a:spcBef>
-              <a:spcAft>
-                <a:spcPts val="0"/>
-              </a:spcAft>
-              <a:buClrTx/>
-              <a:buSzPct val="90000"/>
-              <a:buFont typeface="Wingdings" panose="05000000000000000000" pitchFamily="2" charset="2"/>
-              <a:buNone/>
-              <a:tabLst/>
-              <a:defRPr sz="1050" b="1" kern="1200" spc="0" baseline="0">
-                <a:solidFill>
-                  <a:srgbClr val="000000"/>
-                </a:solidFill>
-                <a:latin typeface="+mn-lt"/>
-                <a:ea typeface="+mn-ea"/>
-                <a:cs typeface="+mn-cs"/>
-              </a:defRPr>
-            </a:lvl5pPr>
-            <a:lvl6pPr marL="2331854" indent="0" algn="l" defTabSz="932742" rtl="0" eaLnBrk="1" latinLnBrk="0" hangingPunct="1">
-              <a:spcBef>
-                <a:spcPct val="20000"/>
-              </a:spcBef>
-              <a:buFont typeface="Arial" pitchFamily="34" charset="0"/>
-              <a:buNone/>
-              <a:defRPr sz="2000" kern="1200">
-                <a:solidFill>
-                  <a:schemeClr val="tx1"/>
-                </a:solidFill>
-                <a:latin typeface="+mn-lt"/>
-                <a:ea typeface="+mn-ea"/>
-                <a:cs typeface="+mn-cs"/>
-              </a:defRPr>
-            </a:lvl6pPr>
-            <a:lvl7pPr marL="0" indent="0" algn="l" defTabSz="932742" rtl="0" eaLnBrk="1" latinLnBrk="0" hangingPunct="1">
-              <a:lnSpc>
-                <a:spcPct val="100000"/>
-              </a:lnSpc>
-              <a:spcBef>
-                <a:spcPts val="0"/>
-              </a:spcBef>
-              <a:spcAft>
-                <a:spcPts val="0"/>
-              </a:spcAft>
-              <a:buFont typeface="Arial" pitchFamily="34" charset="0"/>
-              <a:buNone/>
-              <a:defRPr sz="1000" kern="1200">
-                <a:solidFill>
-                  <a:srgbClr val="000000"/>
-                </a:solidFill>
-                <a:latin typeface="+mn-lt"/>
-                <a:ea typeface="+mn-ea"/>
-                <a:cs typeface="+mn-cs"/>
-              </a:defRPr>
-            </a:lvl7pPr>
-            <a:lvl8pPr marL="3497783" indent="-233186" algn="l" defTabSz="932742" rtl="0" eaLnBrk="1" latinLnBrk="0" hangingPunct="1">
-              <a:spcBef>
-                <a:spcPct val="20000"/>
-              </a:spcBef>
-              <a:buFont typeface="Arial" pitchFamily="34" charset="0"/>
-              <a:buChar char="•"/>
-              <a:defRPr sz="2000" kern="1200">
-                <a:solidFill>
-                  <a:schemeClr val="tx1"/>
-                </a:solidFill>
-                <a:latin typeface="+mn-lt"/>
-                <a:ea typeface="+mn-ea"/>
-                <a:cs typeface="+mn-cs"/>
-              </a:defRPr>
-            </a:lvl8pPr>
-            <a:lvl9pPr marL="3964155" indent="-233186" algn="l" defTabSz="932742" rtl="0" eaLnBrk="1" latinLnBrk="0" hangingPunct="1">
-              <a:spcBef>
-                <a:spcPct val="20000"/>
-              </a:spcBef>
-              <a:buFont typeface="Arial" pitchFamily="34" charset="0"/>
-              <a:buChar char="•"/>
-              <a:defRPr sz="2000" kern="1200">
-                <a:solidFill>
-                  <a:schemeClr val="tx1"/>
-                </a:solidFill>
-                <a:latin typeface="+mn-lt"/>
-                <a:ea typeface="+mn-ea"/>
-                <a:cs typeface="+mn-cs"/>
-              </a:defRPr>
-            </a:lvl9pPr>
-          </a:lstStyle>
-          <a:p>
-            <a:r>
-              <a:rPr lang="pt-BR" sz="4800" dirty="0"/>
-              <a:t>Tabela de Preços</a:t>
-            </a:r>
-          </a:p>
-        </p:txBody>
-      </p:sp>
-      <p:pic>
-        <p:nvPicPr>
-          <p:cNvPr id="3" name="Imagem 2">
-            <a:extLst>
-              <a:ext uri="{FF2B5EF4-FFF2-40B4-BE49-F238E27FC236}">
-                <a16:creationId xmlns:a16="http://schemas.microsoft.com/office/drawing/2014/main" id="{4F8DB885-E259-04C3-76DA-76A24DD6F6DC}"/>
-              </a:ext>
-            </a:extLst>
-          </p:cNvPr>
-          <p:cNvPicPr>
-            <a:picLocks noChangeAspect="1"/>
-          </p:cNvPicPr>
-          <p:nvPr/>
-        </p:nvPicPr>
-        <p:blipFill>
-          <a:blip r:embed="rId3"/>
-          <a:stretch>
-            <a:fillRect/>
-          </a:stretch>
-        </p:blipFill>
-        <p:spPr>
-          <a:xfrm>
-            <a:off x="4756826" y="2142479"/>
-            <a:ext cx="2725666" cy="2526798"/>
-          </a:xfrm>
-          <a:prstGeom prst="rect">
-            <a:avLst/>
-          </a:prstGeom>
-          <a:ln>
-            <a:noFill/>
-          </a:ln>
-          <a:effectLst>
-            <a:softEdge rad="112500"/>
-          </a:effectLst>
-        </p:spPr>
-      </p:pic>
-    </p:spTree>
-    <p:extLst>
-      <p:ext uri="{BB962C8B-B14F-4D97-AF65-F5344CB8AC3E}">
-        <p14:creationId xmlns:p14="http://schemas.microsoft.com/office/powerpoint/2010/main" val="2895380450"/>
-      </p:ext>
-    </p:extLst>
-  </p:cSld>
-  <p:clrMapOvr>
-    <a:masterClrMapping/>
-  </p:clrMapOvr>
-  <mc:AlternateContent xmlns:mc="http://schemas.openxmlformats.org/markup-compatibility/2006">
-    <mc:Choice xmlns:p14="http://schemas.microsoft.com/office/powerpoint/2010/main" Requires="p14">
-      <p:transition spd="med" p14:dur="700">
-        <p:fade/>
-      </p:transition>
-    </mc:Choice>
-    <mc:Fallback>
-      <p:transition spd="med">
-        <p:fade/>
-      </p:transition>
-    </mc:Fallback>
-  </mc:AlternateContent>
-</p:sld>
-</file>
-
-<file path=ppt/slides/slide6.xml><?xml version="1.0" encoding="utf-8"?>
-<p:sld xmlns:a="http://schemas.openxmlformats.org/drawingml/2006/main" xmlns:r="http://schemas.openxmlformats.org/officeDocument/2006/relationships" xmlns:p="http://schemas.openxmlformats.org/presentationml/2006/main">
-  <p:cSld>
-    <p:spTree>
-      <p:nvGrpSpPr>
-        <p:cNvPr id="1" name=""/>
-        <p:cNvGrpSpPr/>
-        <p:nvPr/>
-      </p:nvGrpSpPr>
-      <p:grpSpPr>
-        <a:xfrm>
-          <a:off x="0" y="0"/>
-          <a:ext cx="0" cy="0"/>
-          <a:chOff x="0" y="0"/>
-          <a:chExt cx="0" cy="0"/>
-        </a:xfrm>
-      </p:grpSpPr>
-      <p:sp>
-        <p:nvSpPr>
-          <p:cNvPr id="5" name="CaixaDeTexto 4">
-            <a:extLst>
-              <a:ext uri="{FF2B5EF4-FFF2-40B4-BE49-F238E27FC236}">
-                <a16:creationId xmlns:a16="http://schemas.microsoft.com/office/drawing/2014/main" id="{8ACDB991-EC5C-F38D-2382-DB6C1328DBFA}"/>
-              </a:ext>
-            </a:extLst>
-          </p:cNvPr>
-          <p:cNvSpPr txBox="1"/>
-          <p:nvPr/>
-        </p:nvSpPr>
-        <p:spPr>
-          <a:xfrm>
-            <a:off x="138619" y="5518294"/>
-            <a:ext cx="10649356" cy="369332"/>
-          </a:xfrm>
-          <a:prstGeom prst="rect">
-            <a:avLst/>
-          </a:prstGeom>
-          <a:noFill/>
-        </p:spPr>
-        <p:txBody>
-          <a:bodyPr wrap="square">
-            <a:spAutoFit/>
-          </a:bodyPr>
-          <a:lstStyle/>
-          <a:p>
-            <a:r>
-              <a:rPr lang="pt-BR" dirty="0">
-                <a:solidFill>
-                  <a:schemeClr val="bg1"/>
-                </a:solidFill>
-              </a:rPr>
-              <a:t>https://marketplace.visualstudio.com/items?itemName=mustaphalarhrouch.GPTPullRequestReview</a:t>
-            </a:r>
-          </a:p>
-        </p:txBody>
-      </p:sp>
-      <p:sp>
-        <p:nvSpPr>
-          <p:cNvPr id="6" name="Espaço Reservado para Texto 2">
-            <a:extLst>
-              <a:ext uri="{FF2B5EF4-FFF2-40B4-BE49-F238E27FC236}">
-                <a16:creationId xmlns:a16="http://schemas.microsoft.com/office/drawing/2014/main" id="{4241B9D4-4E11-C865-F7EE-C8ADDF366F9D}"/>
-              </a:ext>
-            </a:extLst>
-          </p:cNvPr>
-          <p:cNvSpPr txBox="1">
-            <a:spLocks/>
-          </p:cNvSpPr>
-          <p:nvPr/>
-        </p:nvSpPr>
-        <p:spPr>
-          <a:xfrm>
-            <a:off x="451338" y="803485"/>
-            <a:ext cx="9795376" cy="923330"/>
-          </a:xfrm>
-          <a:prstGeom prst="rect">
-            <a:avLst/>
-          </a:prstGeom>
-        </p:spPr>
-        <p:txBody>
-          <a:bodyPr vert="horz" wrap="square" lIns="0" tIns="91440" rIns="146304" bIns="91440" rtlCol="0">
-            <a:spAutoFit/>
-          </a:bodyPr>
-          <a:lstStyle>
-            <a:lvl1pPr marL="0" marR="0" indent="0" algn="l" defTabSz="932742" rtl="0" eaLnBrk="1" fontAlgn="auto" latinLnBrk="0" hangingPunct="1">
-              <a:lnSpc>
-                <a:spcPct val="100000"/>
-              </a:lnSpc>
-              <a:spcBef>
-                <a:spcPts val="0"/>
-              </a:spcBef>
-              <a:spcAft>
-                <a:spcPts val="0"/>
-              </a:spcAft>
-              <a:buClrTx/>
-              <a:buSzPct val="90000"/>
-              <a:buFont typeface="Wingdings" panose="05000000000000000000" pitchFamily="2" charset="2"/>
-              <a:buNone/>
-              <a:tabLst/>
-              <a:defRPr sz="1800" kern="1200" spc="-50" baseline="0">
-                <a:solidFill>
-                  <a:schemeClr val="bg2"/>
-                </a:solidFill>
-                <a:latin typeface="+mj-lt"/>
-                <a:ea typeface="+mn-ea"/>
-                <a:cs typeface="+mn-cs"/>
-              </a:defRPr>
-            </a:lvl1pPr>
-            <a:lvl2pPr marL="0" marR="0" indent="0" algn="l" defTabSz="932742" rtl="0" eaLnBrk="1" fontAlgn="auto" latinLnBrk="0" hangingPunct="1">
-              <a:lnSpc>
-                <a:spcPct val="100000"/>
-              </a:lnSpc>
-              <a:spcBef>
-                <a:spcPts val="0"/>
-              </a:spcBef>
-              <a:spcAft>
-                <a:spcPts val="0"/>
-              </a:spcAft>
-              <a:buClrTx/>
-              <a:buSzPct val="90000"/>
-              <a:buFontTx/>
-              <a:buNone/>
-              <a:tabLst/>
-              <a:defRPr sz="1800" kern="1200" spc="0" baseline="0">
-                <a:solidFill>
-                  <a:srgbClr val="000000"/>
-                </a:solidFill>
-                <a:latin typeface="+mn-lt"/>
-                <a:ea typeface="+mn-ea"/>
-                <a:cs typeface="+mn-cs"/>
-              </a:defRPr>
-            </a:lvl2pPr>
-            <a:lvl3pPr marL="0" marR="0" indent="0" algn="l" defTabSz="932742" rtl="0" eaLnBrk="1" fontAlgn="auto" latinLnBrk="0" hangingPunct="1">
-              <a:lnSpc>
-                <a:spcPct val="100000"/>
-              </a:lnSpc>
-              <a:spcBef>
-                <a:spcPts val="0"/>
-              </a:spcBef>
-              <a:spcAft>
-                <a:spcPts val="0"/>
-              </a:spcAft>
-              <a:buClrTx/>
-              <a:buSzPct val="90000"/>
-              <a:buFont typeface="Wingdings" panose="05000000000000000000" pitchFamily="2" charset="2"/>
-              <a:buNone/>
-              <a:tabLst/>
-              <a:defRPr sz="1400" kern="1200" spc="0" baseline="0">
-                <a:solidFill>
-                  <a:schemeClr val="tx2"/>
-                </a:solidFill>
-                <a:latin typeface="+mj-lt"/>
-                <a:ea typeface="+mn-ea"/>
-                <a:cs typeface="+mn-cs"/>
-              </a:defRPr>
-            </a:lvl3pPr>
-            <a:lvl4pPr marL="0" marR="0" indent="0" algn="l" defTabSz="932742" rtl="0" eaLnBrk="1" fontAlgn="auto" latinLnBrk="0" hangingPunct="1">
-              <a:lnSpc>
-                <a:spcPct val="100000"/>
-              </a:lnSpc>
-              <a:spcBef>
-                <a:spcPts val="0"/>
-              </a:spcBef>
-              <a:spcAft>
-                <a:spcPts val="0"/>
-              </a:spcAft>
-              <a:buClrTx/>
-              <a:buSzPct val="90000"/>
-              <a:buFont typeface="Wingdings" panose="05000000000000000000" pitchFamily="2" charset="2"/>
-              <a:buNone/>
-              <a:tabLst/>
-              <a:defRPr sz="1400" kern="1200" spc="0" baseline="0">
-                <a:solidFill>
-                  <a:srgbClr val="000000"/>
-                </a:solidFill>
-                <a:latin typeface="+mn-lt"/>
-                <a:ea typeface="+mn-ea"/>
-                <a:cs typeface="+mn-cs"/>
-              </a:defRPr>
-            </a:lvl4pPr>
-            <a:lvl5pPr marL="0" marR="0" indent="0" algn="l" defTabSz="932742" rtl="0" eaLnBrk="1" fontAlgn="auto" latinLnBrk="0" hangingPunct="1">
-              <a:lnSpc>
-                <a:spcPct val="100000"/>
-              </a:lnSpc>
-              <a:spcBef>
-                <a:spcPts val="0"/>
-              </a:spcBef>
-              <a:spcAft>
-                <a:spcPts val="0"/>
-              </a:spcAft>
-              <a:buClrTx/>
-              <a:buSzPct val="90000"/>
-              <a:buFont typeface="Wingdings" panose="05000000000000000000" pitchFamily="2" charset="2"/>
-              <a:buNone/>
-              <a:tabLst/>
-              <a:defRPr sz="1050" b="1" kern="1200" spc="0" baseline="0">
-                <a:solidFill>
-                  <a:srgbClr val="000000"/>
-                </a:solidFill>
-                <a:latin typeface="+mn-lt"/>
-                <a:ea typeface="+mn-ea"/>
-                <a:cs typeface="+mn-cs"/>
-              </a:defRPr>
-            </a:lvl5pPr>
-            <a:lvl6pPr marL="2331854" indent="0" algn="l" defTabSz="932742" rtl="0" eaLnBrk="1" latinLnBrk="0" hangingPunct="1">
-              <a:spcBef>
-                <a:spcPct val="20000"/>
-              </a:spcBef>
-              <a:buFont typeface="Arial" pitchFamily="34" charset="0"/>
-              <a:buNone/>
-              <a:defRPr sz="2000" kern="1200">
-                <a:solidFill>
-                  <a:schemeClr val="tx1"/>
-                </a:solidFill>
-                <a:latin typeface="+mn-lt"/>
-                <a:ea typeface="+mn-ea"/>
-                <a:cs typeface="+mn-cs"/>
-              </a:defRPr>
-            </a:lvl6pPr>
-            <a:lvl7pPr marL="0" indent="0" algn="l" defTabSz="932742" rtl="0" eaLnBrk="1" latinLnBrk="0" hangingPunct="1">
-              <a:lnSpc>
-                <a:spcPct val="100000"/>
-              </a:lnSpc>
-              <a:spcBef>
-                <a:spcPts val="0"/>
-              </a:spcBef>
-              <a:spcAft>
-                <a:spcPts val="0"/>
-              </a:spcAft>
-              <a:buFont typeface="Arial" pitchFamily="34" charset="0"/>
-              <a:buNone/>
-              <a:defRPr sz="1000" kern="1200">
-                <a:solidFill>
-                  <a:srgbClr val="000000"/>
-                </a:solidFill>
-                <a:latin typeface="+mn-lt"/>
-                <a:ea typeface="+mn-ea"/>
-                <a:cs typeface="+mn-cs"/>
-              </a:defRPr>
-            </a:lvl7pPr>
-            <a:lvl8pPr marL="3497783" indent="-233186" algn="l" defTabSz="932742" rtl="0" eaLnBrk="1" latinLnBrk="0" hangingPunct="1">
-              <a:spcBef>
-                <a:spcPct val="20000"/>
-              </a:spcBef>
-              <a:buFont typeface="Arial" pitchFamily="34" charset="0"/>
-              <a:buChar char="•"/>
-              <a:defRPr sz="2000" kern="1200">
-                <a:solidFill>
-                  <a:schemeClr val="tx1"/>
-                </a:solidFill>
-                <a:latin typeface="+mn-lt"/>
-                <a:ea typeface="+mn-ea"/>
-                <a:cs typeface="+mn-cs"/>
-              </a:defRPr>
-            </a:lvl8pPr>
-            <a:lvl9pPr marL="3964155" indent="-233186" algn="l" defTabSz="932742" rtl="0" eaLnBrk="1" latinLnBrk="0" hangingPunct="1">
-              <a:spcBef>
-                <a:spcPct val="20000"/>
-              </a:spcBef>
-              <a:buFont typeface="Arial" pitchFamily="34" charset="0"/>
-              <a:buChar char="•"/>
-              <a:defRPr sz="2000" kern="1200">
-                <a:solidFill>
-                  <a:schemeClr val="tx1"/>
-                </a:solidFill>
-                <a:latin typeface="+mn-lt"/>
-                <a:ea typeface="+mn-ea"/>
-                <a:cs typeface="+mn-cs"/>
-              </a:defRPr>
-            </a:lvl9pPr>
-          </a:lstStyle>
-          <a:p>
-            <a:r>
-              <a:rPr lang="pt-BR" sz="4800" dirty="0"/>
-              <a:t>Task de </a:t>
-            </a:r>
-            <a:r>
-              <a:rPr lang="pt-BR" sz="4800" dirty="0" err="1"/>
-              <a:t>pullrequest</a:t>
-            </a:r>
-            <a:endParaRPr lang="pt-BR" sz="4800" dirty="0"/>
-          </a:p>
-        </p:txBody>
-      </p:sp>
-      <p:pic>
-        <p:nvPicPr>
-          <p:cNvPr id="4" name="Imagem 3">
-            <a:extLst>
-              <a:ext uri="{FF2B5EF4-FFF2-40B4-BE49-F238E27FC236}">
-                <a16:creationId xmlns:a16="http://schemas.microsoft.com/office/drawing/2014/main" id="{A87DD783-77F1-74D5-B61E-50859A43DFE5}"/>
-              </a:ext>
-            </a:extLst>
-          </p:cNvPr>
-          <p:cNvPicPr>
-            <a:picLocks noChangeAspect="1"/>
-          </p:cNvPicPr>
-          <p:nvPr/>
-        </p:nvPicPr>
-        <p:blipFill>
-          <a:blip r:embed="rId3"/>
-          <a:stretch>
-            <a:fillRect/>
-          </a:stretch>
-        </p:blipFill>
-        <p:spPr>
-          <a:xfrm>
-            <a:off x="4912468" y="2273840"/>
-            <a:ext cx="2515139" cy="2356526"/>
-          </a:xfrm>
-          <a:prstGeom prst="rect">
-            <a:avLst/>
-          </a:prstGeom>
-          <a:ln>
-            <a:noFill/>
-          </a:ln>
-          <a:effectLst>
-            <a:softEdge rad="112500"/>
-          </a:effectLst>
-        </p:spPr>
-      </p:pic>
-    </p:spTree>
-    <p:extLst>
-      <p:ext uri="{BB962C8B-B14F-4D97-AF65-F5344CB8AC3E}">
-        <p14:creationId xmlns:p14="http://schemas.microsoft.com/office/powerpoint/2010/main" val="542209857"/>
-      </p:ext>
-    </p:extLst>
-  </p:cSld>
-  <p:clrMapOvr>
-    <a:masterClrMapping/>
-  </p:clrMapOvr>
-  <mc:AlternateContent xmlns:mc="http://schemas.openxmlformats.org/markup-compatibility/2006">
-    <mc:Choice xmlns:p14="http://schemas.microsoft.com/office/powerpoint/2010/main" Requires="p14">
-      <p:transition spd="med" p14:dur="700">
-        <p:fade/>
-      </p:transition>
-    </mc:Choice>
-    <mc:Fallback>
-      <p:transition spd="med">
-        <p:fade/>
-      </p:transition>
-    </mc:Fallback>
-  </mc:AlternateContent>
-</p:sld>
-</file>
-
-<file path=ppt/slides/slide7.xml><?xml version="1.0" encoding="utf-8"?>
+<file path=ppt/slides/slide10.xml><?xml version="1.0" encoding="utf-8"?>
 <p:sld xmlns:a="http://schemas.openxmlformats.org/drawingml/2006/main" xmlns:r="http://schemas.openxmlformats.org/officeDocument/2006/relationships" xmlns:p="http://schemas.openxmlformats.org/presentationml/2006/main">
   <p:cSld>
     <p:spTree>
@@ -24848,6 +23645,301 @@
   <p:clrMapOvr>
     <a:masterClrMapping/>
   </p:clrMapOvr>
+  <mc:AlternateContent xmlns:mc="http://schemas.openxmlformats.org/markup-compatibility/2006" xmlns:p14="http://schemas.microsoft.com/office/powerpoint/2010/main">
+    <mc:Choice Requires="p14">
+      <p:transition spd="med" p14:dur="700">
+        <p:fade/>
+      </p:transition>
+    </mc:Choice>
+    <mc:Fallback xmlns="">
+      <p:transition spd="med">
+        <p:fade/>
+      </p:transition>
+    </mc:Fallback>
+  </mc:AlternateContent>
+</p:sld>
+</file>
+
+<file path=ppt/slides/slide11.xml><?xml version="1.0" encoding="utf-8"?>
+<p:sld xmlns:a="http://schemas.openxmlformats.org/drawingml/2006/main" xmlns:r="http://schemas.openxmlformats.org/officeDocument/2006/relationships" xmlns:p="http://schemas.openxmlformats.org/presentationml/2006/main">
+  <p:cSld>
+    <p:spTree>
+      <p:nvGrpSpPr>
+        <p:cNvPr id="1" name=""/>
+        <p:cNvGrpSpPr/>
+        <p:nvPr/>
+      </p:nvGrpSpPr>
+      <p:grpSpPr>
+        <a:xfrm>
+          <a:off x="0" y="0"/>
+          <a:ext cx="0" cy="0"/>
+          <a:chOff x="0" y="0"/>
+          <a:chExt cx="0" cy="0"/>
+        </a:xfrm>
+      </p:grpSpPr>
+      <p:sp>
+        <p:nvSpPr>
+          <p:cNvPr id="6" name="Espaço Reservado para Texto 2">
+            <a:extLst>
+              <a:ext uri="{FF2B5EF4-FFF2-40B4-BE49-F238E27FC236}">
+                <a16:creationId xmlns:a16="http://schemas.microsoft.com/office/drawing/2014/main" id="{4241B9D4-4E11-C865-F7EE-C8ADDF366F9D}"/>
+              </a:ext>
+            </a:extLst>
+          </p:cNvPr>
+          <p:cNvSpPr txBox="1">
+            <a:spLocks/>
+          </p:cNvSpPr>
+          <p:nvPr/>
+        </p:nvSpPr>
+        <p:spPr>
+          <a:xfrm>
+            <a:off x="451338" y="803485"/>
+            <a:ext cx="9795376" cy="861774"/>
+          </a:xfrm>
+          <a:prstGeom prst="rect">
+            <a:avLst/>
+          </a:prstGeom>
+        </p:spPr>
+        <p:txBody>
+          <a:bodyPr vert="horz" wrap="square" lIns="0" tIns="91440" rIns="146304" bIns="91440" rtlCol="0">
+            <a:spAutoFit/>
+          </a:bodyPr>
+          <a:lstStyle>
+            <a:lvl1pPr marL="0" marR="0" indent="0" algn="l" defTabSz="932742" rtl="0" eaLnBrk="1" fontAlgn="auto" latinLnBrk="0" hangingPunct="1">
+              <a:lnSpc>
+                <a:spcPct val="100000"/>
+              </a:lnSpc>
+              <a:spcBef>
+                <a:spcPts val="0"/>
+              </a:spcBef>
+              <a:spcAft>
+                <a:spcPts val="0"/>
+              </a:spcAft>
+              <a:buClrTx/>
+              <a:buSzPct val="90000"/>
+              <a:buFont typeface="Wingdings" panose="05000000000000000000" pitchFamily="2" charset="2"/>
+              <a:buNone/>
+              <a:tabLst/>
+              <a:defRPr sz="1800" kern="1200" spc="-50" baseline="0">
+                <a:solidFill>
+                  <a:schemeClr val="bg2"/>
+                </a:solidFill>
+                <a:latin typeface="+mj-lt"/>
+                <a:ea typeface="+mn-ea"/>
+                <a:cs typeface="+mn-cs"/>
+              </a:defRPr>
+            </a:lvl1pPr>
+            <a:lvl2pPr marL="0" marR="0" indent="0" algn="l" defTabSz="932742" rtl="0" eaLnBrk="1" fontAlgn="auto" latinLnBrk="0" hangingPunct="1">
+              <a:lnSpc>
+                <a:spcPct val="100000"/>
+              </a:lnSpc>
+              <a:spcBef>
+                <a:spcPts val="0"/>
+              </a:spcBef>
+              <a:spcAft>
+                <a:spcPts val="0"/>
+              </a:spcAft>
+              <a:buClrTx/>
+              <a:buSzPct val="90000"/>
+              <a:buFontTx/>
+              <a:buNone/>
+              <a:tabLst/>
+              <a:defRPr sz="1800" kern="1200" spc="0" baseline="0">
+                <a:solidFill>
+                  <a:srgbClr val="000000"/>
+                </a:solidFill>
+                <a:latin typeface="+mn-lt"/>
+                <a:ea typeface="+mn-ea"/>
+                <a:cs typeface="+mn-cs"/>
+              </a:defRPr>
+            </a:lvl2pPr>
+            <a:lvl3pPr marL="0" marR="0" indent="0" algn="l" defTabSz="932742" rtl="0" eaLnBrk="1" fontAlgn="auto" latinLnBrk="0" hangingPunct="1">
+              <a:lnSpc>
+                <a:spcPct val="100000"/>
+              </a:lnSpc>
+              <a:spcBef>
+                <a:spcPts val="0"/>
+              </a:spcBef>
+              <a:spcAft>
+                <a:spcPts val="0"/>
+              </a:spcAft>
+              <a:buClrTx/>
+              <a:buSzPct val="90000"/>
+              <a:buFont typeface="Wingdings" panose="05000000000000000000" pitchFamily="2" charset="2"/>
+              <a:buNone/>
+              <a:tabLst/>
+              <a:defRPr sz="1400" kern="1200" spc="0" baseline="0">
+                <a:solidFill>
+                  <a:schemeClr val="tx2"/>
+                </a:solidFill>
+                <a:latin typeface="+mj-lt"/>
+                <a:ea typeface="+mn-ea"/>
+                <a:cs typeface="+mn-cs"/>
+              </a:defRPr>
+            </a:lvl3pPr>
+            <a:lvl4pPr marL="0" marR="0" indent="0" algn="l" defTabSz="932742" rtl="0" eaLnBrk="1" fontAlgn="auto" latinLnBrk="0" hangingPunct="1">
+              <a:lnSpc>
+                <a:spcPct val="100000"/>
+              </a:lnSpc>
+              <a:spcBef>
+                <a:spcPts val="0"/>
+              </a:spcBef>
+              <a:spcAft>
+                <a:spcPts val="0"/>
+              </a:spcAft>
+              <a:buClrTx/>
+              <a:buSzPct val="90000"/>
+              <a:buFont typeface="Wingdings" panose="05000000000000000000" pitchFamily="2" charset="2"/>
+              <a:buNone/>
+              <a:tabLst/>
+              <a:defRPr sz="1400" kern="1200" spc="0" baseline="0">
+                <a:solidFill>
+                  <a:srgbClr val="000000"/>
+                </a:solidFill>
+                <a:latin typeface="+mn-lt"/>
+                <a:ea typeface="+mn-ea"/>
+                <a:cs typeface="+mn-cs"/>
+              </a:defRPr>
+            </a:lvl4pPr>
+            <a:lvl5pPr marL="0" marR="0" indent="0" algn="l" defTabSz="932742" rtl="0" eaLnBrk="1" fontAlgn="auto" latinLnBrk="0" hangingPunct="1">
+              <a:lnSpc>
+                <a:spcPct val="100000"/>
+              </a:lnSpc>
+              <a:spcBef>
+                <a:spcPts val="0"/>
+              </a:spcBef>
+              <a:spcAft>
+                <a:spcPts val="0"/>
+              </a:spcAft>
+              <a:buClrTx/>
+              <a:buSzPct val="90000"/>
+              <a:buFont typeface="Wingdings" panose="05000000000000000000" pitchFamily="2" charset="2"/>
+              <a:buNone/>
+              <a:tabLst/>
+              <a:defRPr sz="1050" b="1" kern="1200" spc="0" baseline="0">
+                <a:solidFill>
+                  <a:srgbClr val="000000"/>
+                </a:solidFill>
+                <a:latin typeface="+mn-lt"/>
+                <a:ea typeface="+mn-ea"/>
+                <a:cs typeface="+mn-cs"/>
+              </a:defRPr>
+            </a:lvl5pPr>
+            <a:lvl6pPr marL="2331854" indent="0" algn="l" defTabSz="932742" rtl="0" eaLnBrk="1" latinLnBrk="0" hangingPunct="1">
+              <a:spcBef>
+                <a:spcPct val="20000"/>
+              </a:spcBef>
+              <a:buFont typeface="Arial" pitchFamily="34" charset="0"/>
+              <a:buNone/>
+              <a:defRPr sz="2000" kern="1200">
+                <a:solidFill>
+                  <a:schemeClr val="tx1"/>
+                </a:solidFill>
+                <a:latin typeface="+mn-lt"/>
+                <a:ea typeface="+mn-ea"/>
+                <a:cs typeface="+mn-cs"/>
+              </a:defRPr>
+            </a:lvl6pPr>
+            <a:lvl7pPr marL="0" indent="0" algn="l" defTabSz="932742" rtl="0" eaLnBrk="1" latinLnBrk="0" hangingPunct="1">
+              <a:lnSpc>
+                <a:spcPct val="100000"/>
+              </a:lnSpc>
+              <a:spcBef>
+                <a:spcPts val="0"/>
+              </a:spcBef>
+              <a:spcAft>
+                <a:spcPts val="0"/>
+              </a:spcAft>
+              <a:buFont typeface="Arial" pitchFamily="34" charset="0"/>
+              <a:buNone/>
+              <a:defRPr sz="1000" kern="1200">
+                <a:solidFill>
+                  <a:srgbClr val="000000"/>
+                </a:solidFill>
+                <a:latin typeface="+mn-lt"/>
+                <a:ea typeface="+mn-ea"/>
+                <a:cs typeface="+mn-cs"/>
+              </a:defRPr>
+            </a:lvl7pPr>
+            <a:lvl8pPr marL="3497783" indent="-233186" algn="l" defTabSz="932742" rtl="0" eaLnBrk="1" latinLnBrk="0" hangingPunct="1">
+              <a:spcBef>
+                <a:spcPct val="20000"/>
+              </a:spcBef>
+              <a:buFont typeface="Arial" pitchFamily="34" charset="0"/>
+              <a:buChar char="•"/>
+              <a:defRPr sz="2000" kern="1200">
+                <a:solidFill>
+                  <a:schemeClr val="tx1"/>
+                </a:solidFill>
+                <a:latin typeface="+mn-lt"/>
+                <a:ea typeface="+mn-ea"/>
+                <a:cs typeface="+mn-cs"/>
+              </a:defRPr>
+            </a:lvl8pPr>
+            <a:lvl9pPr marL="3964155" indent="-233186" algn="l" defTabSz="932742" rtl="0" eaLnBrk="1" latinLnBrk="0" hangingPunct="1">
+              <a:spcBef>
+                <a:spcPct val="20000"/>
+              </a:spcBef>
+              <a:buFont typeface="Arial" pitchFamily="34" charset="0"/>
+              <a:buChar char="•"/>
+              <a:defRPr sz="2000" kern="1200">
+                <a:solidFill>
+                  <a:schemeClr val="tx1"/>
+                </a:solidFill>
+                <a:latin typeface="+mn-lt"/>
+                <a:ea typeface="+mn-ea"/>
+                <a:cs typeface="+mn-cs"/>
+              </a:defRPr>
+            </a:lvl9pPr>
+          </a:lstStyle>
+          <a:p>
+            <a:r>
+              <a:rPr lang="pt-BR" sz="4400" dirty="0"/>
+              <a:t>Cotas</a:t>
+            </a:r>
+          </a:p>
+        </p:txBody>
+      </p:sp>
+      <p:pic>
+        <p:nvPicPr>
+          <p:cNvPr id="3" name="Imagem 2">
+            <a:extLst>
+              <a:ext uri="{FF2B5EF4-FFF2-40B4-BE49-F238E27FC236}">
+                <a16:creationId xmlns:a16="http://schemas.microsoft.com/office/drawing/2014/main" id="{63EEB2DD-6CC2-D4D9-110A-2F68E65FE16C}"/>
+              </a:ext>
+            </a:extLst>
+          </p:cNvPr>
+          <p:cNvPicPr>
+            <a:picLocks noChangeAspect="1"/>
+          </p:cNvPicPr>
+          <p:nvPr/>
+        </p:nvPicPr>
+        <p:blipFill>
+          <a:blip r:embed="rId3"/>
+          <a:stretch>
+            <a:fillRect/>
+          </a:stretch>
+        </p:blipFill>
+        <p:spPr>
+          <a:xfrm>
+            <a:off x="451338" y="1978703"/>
+            <a:ext cx="9074556" cy="4473799"/>
+          </a:xfrm>
+          <a:prstGeom prst="rect">
+            <a:avLst/>
+          </a:prstGeom>
+        </p:spPr>
+      </p:pic>
+    </p:spTree>
+    <p:extLst>
+      <p:ext uri="{BB962C8B-B14F-4D97-AF65-F5344CB8AC3E}">
+        <p14:creationId xmlns:p14="http://schemas.microsoft.com/office/powerpoint/2010/main" val="2495486148"/>
+      </p:ext>
+    </p:extLst>
+  </p:cSld>
+  <p:clrMapOvr>
+    <a:masterClrMapping/>
+  </p:clrMapOvr>
   <mc:AlternateContent xmlns:mc="http://schemas.openxmlformats.org/markup-compatibility/2006">
     <mc:Choice xmlns:p14="http://schemas.microsoft.com/office/powerpoint/2010/main" Requires="p14">
       <p:transition spd="med" p14:dur="700">
@@ -24863,7 +23955,7 @@
 </p:sld>
 </file>
 
-<file path=ppt/slides/slide8.xml><?xml version="1.0" encoding="utf-8"?>
+<file path=ppt/slides/slide12.xml><?xml version="1.0" encoding="utf-8"?>
 <p:sld xmlns:a="http://schemas.openxmlformats.org/drawingml/2006/main" xmlns:r="http://schemas.openxmlformats.org/officeDocument/2006/relationships" xmlns:p="http://schemas.openxmlformats.org/presentationml/2006/main">
   <p:cSld>
     <p:spTree>
@@ -24894,8 +23986,8 @@
         </p:nvSpPr>
         <p:spPr>
           <a:xfrm>
-            <a:off x="282102" y="1021404"/>
-            <a:ext cx="10739336" cy="923330"/>
+            <a:off x="451338" y="2745911"/>
+            <a:ext cx="10649356" cy="646331"/>
           </a:xfrm>
           <a:prstGeom prst="rect">
             <a:avLst/>
@@ -24909,29 +24001,302 @@
           <a:lstStyle/>
           <a:p>
             <a:r>
-              <a:rPr lang="pt-BR" dirty="0">
+              <a:rPr lang="pt-BR" b="0" i="0" dirty="0">
                 <a:solidFill>
                   <a:schemeClr val="bg1"/>
                 </a:solidFill>
+                <a:effectLst/>
+                <a:latin typeface="Segoe UI Web (West European)"/>
               </a:rPr>
-              <a:t>Resumo</a:t>
-            </a:r>
-          </a:p>
-          <a:p>
+              <a:t>https://{XXXXXXXX}.openai.azure.com/</a:t>
+            </a:r>
+            <a:r>
+              <a:rPr lang="pt-BR" b="0" i="0" dirty="0" err="1">
+                <a:solidFill>
+                  <a:schemeClr val="bg1"/>
+                </a:solidFill>
+                <a:effectLst/>
+                <a:latin typeface="Segoe UI Web (West European)"/>
+              </a:rPr>
+              <a:t>openai</a:t>
+            </a:r>
+            <a:r>
+              <a:rPr lang="pt-BR" b="0" i="0" dirty="0">
+                <a:solidFill>
+                  <a:schemeClr val="bg1"/>
+                </a:solidFill>
+                <a:effectLst/>
+                <a:latin typeface="Segoe UI Web (West European)"/>
+              </a:rPr>
+              <a:t>/</a:t>
+            </a:r>
+            <a:r>
+              <a:rPr lang="pt-BR" b="0" i="0" dirty="0" err="1">
+                <a:solidFill>
+                  <a:schemeClr val="bg1"/>
+                </a:solidFill>
+                <a:effectLst/>
+                <a:latin typeface="Segoe UI Web (West European)"/>
+              </a:rPr>
+              <a:t>deployments</a:t>
+            </a:r>
+            <a:r>
+              <a:rPr lang="pt-BR" b="0" i="0" dirty="0">
+                <a:solidFill>
+                  <a:schemeClr val="bg1"/>
+                </a:solidFill>
+                <a:effectLst/>
+                <a:latin typeface="Segoe UI Web (West European)"/>
+              </a:rPr>
+              <a:t>/{MODEL_NAME}/chat/</a:t>
+            </a:r>
+            <a:r>
+              <a:rPr lang="pt-BR" b="0" i="0" dirty="0" err="1">
+                <a:solidFill>
+                  <a:schemeClr val="bg1"/>
+                </a:solidFill>
+                <a:effectLst/>
+                <a:latin typeface="Segoe UI Web (West European)"/>
+              </a:rPr>
+              <a:t>completions?api-version</a:t>
+            </a:r>
+            <a:r>
+              <a:rPr lang="pt-BR" b="0" i="0" dirty="0">
+                <a:solidFill>
+                  <a:schemeClr val="bg1"/>
+                </a:solidFill>
+                <a:effectLst/>
+                <a:latin typeface="Segoe UI Web (West European)"/>
+              </a:rPr>
+              <a:t>={API_VERSION}</a:t>
+            </a:r>
             <a:endParaRPr lang="pt-BR" dirty="0">
               <a:solidFill>
                 <a:schemeClr val="bg1"/>
               </a:solidFill>
             </a:endParaRPr>
           </a:p>
+        </p:txBody>
+      </p:sp>
+      <p:sp>
+        <p:nvSpPr>
+          <p:cNvPr id="6" name="Espaço Reservado para Texto 2">
+            <a:extLst>
+              <a:ext uri="{FF2B5EF4-FFF2-40B4-BE49-F238E27FC236}">
+                <a16:creationId xmlns:a16="http://schemas.microsoft.com/office/drawing/2014/main" id="{4241B9D4-4E11-C865-F7EE-C8ADDF366F9D}"/>
+              </a:ext>
+            </a:extLst>
+          </p:cNvPr>
+          <p:cNvSpPr txBox="1">
+            <a:spLocks/>
+          </p:cNvSpPr>
+          <p:nvPr/>
+        </p:nvSpPr>
+        <p:spPr>
+          <a:xfrm>
+            <a:off x="451338" y="803485"/>
+            <a:ext cx="9795376" cy="861774"/>
+          </a:xfrm>
+          <a:prstGeom prst="rect">
+            <a:avLst/>
+          </a:prstGeom>
+        </p:spPr>
+        <p:txBody>
+          <a:bodyPr vert="horz" wrap="square" lIns="0" tIns="91440" rIns="146304" bIns="91440" rtlCol="0">
+            <a:spAutoFit/>
+          </a:bodyPr>
+          <a:lstStyle>
+            <a:lvl1pPr marL="0" marR="0" indent="0" algn="l" defTabSz="932742" rtl="0" eaLnBrk="1" fontAlgn="auto" latinLnBrk="0" hangingPunct="1">
+              <a:lnSpc>
+                <a:spcPct val="100000"/>
+              </a:lnSpc>
+              <a:spcBef>
+                <a:spcPts val="0"/>
+              </a:spcBef>
+              <a:spcAft>
+                <a:spcPts val="0"/>
+              </a:spcAft>
+              <a:buClrTx/>
+              <a:buSzPct val="90000"/>
+              <a:buFont typeface="Wingdings" panose="05000000000000000000" pitchFamily="2" charset="2"/>
+              <a:buNone/>
+              <a:tabLst/>
+              <a:defRPr sz="1800" kern="1200" spc="-50" baseline="0">
+                <a:solidFill>
+                  <a:schemeClr val="bg2"/>
+                </a:solidFill>
+                <a:latin typeface="+mj-lt"/>
+                <a:ea typeface="+mn-ea"/>
+                <a:cs typeface="+mn-cs"/>
+              </a:defRPr>
+            </a:lvl1pPr>
+            <a:lvl2pPr marL="0" marR="0" indent="0" algn="l" defTabSz="932742" rtl="0" eaLnBrk="1" fontAlgn="auto" latinLnBrk="0" hangingPunct="1">
+              <a:lnSpc>
+                <a:spcPct val="100000"/>
+              </a:lnSpc>
+              <a:spcBef>
+                <a:spcPts val="0"/>
+              </a:spcBef>
+              <a:spcAft>
+                <a:spcPts val="0"/>
+              </a:spcAft>
+              <a:buClrTx/>
+              <a:buSzPct val="90000"/>
+              <a:buFontTx/>
+              <a:buNone/>
+              <a:tabLst/>
+              <a:defRPr sz="1800" kern="1200" spc="0" baseline="0">
+                <a:solidFill>
+                  <a:srgbClr val="000000"/>
+                </a:solidFill>
+                <a:latin typeface="+mn-lt"/>
+                <a:ea typeface="+mn-ea"/>
+                <a:cs typeface="+mn-cs"/>
+              </a:defRPr>
+            </a:lvl2pPr>
+            <a:lvl3pPr marL="0" marR="0" indent="0" algn="l" defTabSz="932742" rtl="0" eaLnBrk="1" fontAlgn="auto" latinLnBrk="0" hangingPunct="1">
+              <a:lnSpc>
+                <a:spcPct val="100000"/>
+              </a:lnSpc>
+              <a:spcBef>
+                <a:spcPts val="0"/>
+              </a:spcBef>
+              <a:spcAft>
+                <a:spcPts val="0"/>
+              </a:spcAft>
+              <a:buClrTx/>
+              <a:buSzPct val="90000"/>
+              <a:buFont typeface="Wingdings" panose="05000000000000000000" pitchFamily="2" charset="2"/>
+              <a:buNone/>
+              <a:tabLst/>
+              <a:defRPr sz="1400" kern="1200" spc="0" baseline="0">
+                <a:solidFill>
+                  <a:schemeClr val="tx2"/>
+                </a:solidFill>
+                <a:latin typeface="+mj-lt"/>
+                <a:ea typeface="+mn-ea"/>
+                <a:cs typeface="+mn-cs"/>
+              </a:defRPr>
+            </a:lvl3pPr>
+            <a:lvl4pPr marL="0" marR="0" indent="0" algn="l" defTabSz="932742" rtl="0" eaLnBrk="1" fontAlgn="auto" latinLnBrk="0" hangingPunct="1">
+              <a:lnSpc>
+                <a:spcPct val="100000"/>
+              </a:lnSpc>
+              <a:spcBef>
+                <a:spcPts val="0"/>
+              </a:spcBef>
+              <a:spcAft>
+                <a:spcPts val="0"/>
+              </a:spcAft>
+              <a:buClrTx/>
+              <a:buSzPct val="90000"/>
+              <a:buFont typeface="Wingdings" panose="05000000000000000000" pitchFamily="2" charset="2"/>
+              <a:buNone/>
+              <a:tabLst/>
+              <a:defRPr sz="1400" kern="1200" spc="0" baseline="0">
+                <a:solidFill>
+                  <a:srgbClr val="000000"/>
+                </a:solidFill>
+                <a:latin typeface="+mn-lt"/>
+                <a:ea typeface="+mn-ea"/>
+                <a:cs typeface="+mn-cs"/>
+              </a:defRPr>
+            </a:lvl4pPr>
+            <a:lvl5pPr marL="0" marR="0" indent="0" algn="l" defTabSz="932742" rtl="0" eaLnBrk="1" fontAlgn="auto" latinLnBrk="0" hangingPunct="1">
+              <a:lnSpc>
+                <a:spcPct val="100000"/>
+              </a:lnSpc>
+              <a:spcBef>
+                <a:spcPts val="0"/>
+              </a:spcBef>
+              <a:spcAft>
+                <a:spcPts val="0"/>
+              </a:spcAft>
+              <a:buClrTx/>
+              <a:buSzPct val="90000"/>
+              <a:buFont typeface="Wingdings" panose="05000000000000000000" pitchFamily="2" charset="2"/>
+              <a:buNone/>
+              <a:tabLst/>
+              <a:defRPr sz="1050" b="1" kern="1200" spc="0" baseline="0">
+                <a:solidFill>
+                  <a:srgbClr val="000000"/>
+                </a:solidFill>
+                <a:latin typeface="+mn-lt"/>
+                <a:ea typeface="+mn-ea"/>
+                <a:cs typeface="+mn-cs"/>
+              </a:defRPr>
+            </a:lvl5pPr>
+            <a:lvl6pPr marL="2331854" indent="0" algn="l" defTabSz="932742" rtl="0" eaLnBrk="1" latinLnBrk="0" hangingPunct="1">
+              <a:spcBef>
+                <a:spcPct val="20000"/>
+              </a:spcBef>
+              <a:buFont typeface="Arial" pitchFamily="34" charset="0"/>
+              <a:buNone/>
+              <a:defRPr sz="2000" kern="1200">
+                <a:solidFill>
+                  <a:schemeClr val="tx1"/>
+                </a:solidFill>
+                <a:latin typeface="+mn-lt"/>
+                <a:ea typeface="+mn-ea"/>
+                <a:cs typeface="+mn-cs"/>
+              </a:defRPr>
+            </a:lvl6pPr>
+            <a:lvl7pPr marL="0" indent="0" algn="l" defTabSz="932742" rtl="0" eaLnBrk="1" latinLnBrk="0" hangingPunct="1">
+              <a:lnSpc>
+                <a:spcPct val="100000"/>
+              </a:lnSpc>
+              <a:spcBef>
+                <a:spcPts val="0"/>
+              </a:spcBef>
+              <a:spcAft>
+                <a:spcPts val="0"/>
+              </a:spcAft>
+              <a:buFont typeface="Arial" pitchFamily="34" charset="0"/>
+              <a:buNone/>
+              <a:defRPr sz="1000" kern="1200">
+                <a:solidFill>
+                  <a:srgbClr val="000000"/>
+                </a:solidFill>
+                <a:latin typeface="+mn-lt"/>
+                <a:ea typeface="+mn-ea"/>
+                <a:cs typeface="+mn-cs"/>
+              </a:defRPr>
+            </a:lvl7pPr>
+            <a:lvl8pPr marL="3497783" indent="-233186" algn="l" defTabSz="932742" rtl="0" eaLnBrk="1" latinLnBrk="0" hangingPunct="1">
+              <a:spcBef>
+                <a:spcPct val="20000"/>
+              </a:spcBef>
+              <a:buFont typeface="Arial" pitchFamily="34" charset="0"/>
+              <a:buChar char="•"/>
+              <a:defRPr sz="2000" kern="1200">
+                <a:solidFill>
+                  <a:schemeClr val="tx1"/>
+                </a:solidFill>
+                <a:latin typeface="+mn-lt"/>
+                <a:ea typeface="+mn-ea"/>
+                <a:cs typeface="+mn-cs"/>
+              </a:defRPr>
+            </a:lvl8pPr>
+            <a:lvl9pPr marL="3964155" indent="-233186" algn="l" defTabSz="932742" rtl="0" eaLnBrk="1" latinLnBrk="0" hangingPunct="1">
+              <a:spcBef>
+                <a:spcPct val="20000"/>
+              </a:spcBef>
+              <a:buFont typeface="Arial" pitchFamily="34" charset="0"/>
+              <a:buChar char="•"/>
+              <a:defRPr sz="2000" kern="1200">
+                <a:solidFill>
+                  <a:schemeClr val="tx1"/>
+                </a:solidFill>
+                <a:latin typeface="+mn-lt"/>
+                <a:ea typeface="+mn-ea"/>
+                <a:cs typeface="+mn-cs"/>
+              </a:defRPr>
+            </a:lvl9pPr>
+          </a:lstStyle>
           <a:p>
             <a:r>
-              <a:rPr lang="pt-BR" dirty="0">
-                <a:solidFill>
-                  <a:schemeClr val="bg1"/>
-                </a:solidFill>
-              </a:rPr>
-              <a:t>Token é uma palavra de retorno, “Pará" é um token, conjunto de caracteres</a:t>
+              <a:rPr lang="pt-BR" sz="4400" dirty="0"/>
+              <a:t>Demo</a:t>
             </a:r>
           </a:p>
         </p:txBody>
@@ -24939,7 +24304,7 @@
     </p:spTree>
     <p:extLst>
       <p:ext uri="{BB962C8B-B14F-4D97-AF65-F5344CB8AC3E}">
-        <p14:creationId xmlns:p14="http://schemas.microsoft.com/office/powerpoint/2010/main" val="931075014"/>
+        <p14:creationId xmlns:p14="http://schemas.microsoft.com/office/powerpoint/2010/main" val="2918752199"/>
       </p:ext>
     </p:extLst>
   </p:cSld>
@@ -24961,7 +24326,7 @@
 </p:sld>
 </file>
 
-<file path=ppt/slides/slide9.xml><?xml version="1.0" encoding="utf-8"?>
+<file path=ppt/slides/slide13.xml><?xml version="1.0" encoding="utf-8"?>
 <p:sld xmlns:a="http://schemas.openxmlformats.org/drawingml/2006/main" xmlns:r="http://schemas.openxmlformats.org/officeDocument/2006/relationships" xmlns:p="http://schemas.openxmlformats.org/presentationml/2006/main">
   <p:cSld>
     <p:spTree>
@@ -25078,6 +24443,2882 @@
     <p:extLst>
       <p:ext uri="{BB962C8B-B14F-4D97-AF65-F5344CB8AC3E}">
         <p14:creationId xmlns:p14="http://schemas.microsoft.com/office/powerpoint/2010/main" val="2949345726"/>
+      </p:ext>
+    </p:extLst>
+  </p:cSld>
+  <p:clrMapOvr>
+    <a:masterClrMapping/>
+  </p:clrMapOvr>
+  <mc:AlternateContent xmlns:mc="http://schemas.openxmlformats.org/markup-compatibility/2006" xmlns:p14="http://schemas.microsoft.com/office/powerpoint/2010/main">
+    <mc:Choice Requires="p14">
+      <p:transition spd="med" p14:dur="700">
+        <p:fade/>
+      </p:transition>
+    </mc:Choice>
+    <mc:Fallback xmlns="">
+      <p:transition spd="med">
+        <p:fade/>
+      </p:transition>
+    </mc:Fallback>
+  </mc:AlternateContent>
+</p:sld>
+</file>
+
+<file path=ppt/slides/slide2.xml><?xml version="1.0" encoding="utf-8"?>
+<p:sld xmlns:a="http://schemas.openxmlformats.org/drawingml/2006/main" xmlns:r="http://schemas.openxmlformats.org/officeDocument/2006/relationships" xmlns:p="http://schemas.openxmlformats.org/presentationml/2006/main">
+  <p:cSld>
+    <p:spTree>
+      <p:nvGrpSpPr>
+        <p:cNvPr id="1" name=""/>
+        <p:cNvGrpSpPr/>
+        <p:nvPr/>
+      </p:nvGrpSpPr>
+      <p:grpSpPr>
+        <a:xfrm>
+          <a:off x="0" y="0"/>
+          <a:ext cx="0" cy="0"/>
+          <a:chOff x="0" y="0"/>
+          <a:chExt cx="0" cy="0"/>
+        </a:xfrm>
+      </p:grpSpPr>
+      <p:sp>
+        <p:nvSpPr>
+          <p:cNvPr id="38" name="Espaço Reservado para Conteúdo 2">
+            <a:extLst>
+              <a:ext uri="{FF2B5EF4-FFF2-40B4-BE49-F238E27FC236}">
+                <a16:creationId xmlns:a16="http://schemas.microsoft.com/office/drawing/2014/main" id="{5FAF7519-8713-40CD-BB85-8A9456666ADD}"/>
+              </a:ext>
+            </a:extLst>
+          </p:cNvPr>
+          <p:cNvSpPr txBox="1">
+            <a:spLocks/>
+          </p:cNvSpPr>
+          <p:nvPr/>
+        </p:nvSpPr>
+        <p:spPr>
+          <a:xfrm>
+            <a:off x="5384626" y="1430959"/>
+            <a:ext cx="6805551" cy="3819537"/>
+          </a:xfrm>
+          <a:prstGeom prst="rect">
+            <a:avLst/>
+          </a:prstGeom>
+        </p:spPr>
+        <p:txBody>
+          <a:bodyPr vert="horz" lIns="91440" tIns="45720" rIns="91440" bIns="45720" rtlCol="0" anchor="t">
+            <a:normAutofit/>
+          </a:bodyPr>
+          <a:lstStyle>
+            <a:defPPr>
+              <a:defRPr lang="en-US"/>
+            </a:defPPr>
+            <a:lvl1pPr marL="342900" indent="-342900" defTabSz="914400">
+              <a:lnSpc>
+                <a:spcPct val="90000"/>
+              </a:lnSpc>
+              <a:spcBef>
+                <a:spcPts val="1000"/>
+              </a:spcBef>
+              <a:buFont typeface="Arial" panose="020B0604020202020204" pitchFamily="34" charset="0"/>
+              <a:buChar char="•"/>
+              <a:defRPr sz="2000">
+                <a:latin typeface="Montserrat"/>
+                <a:cs typeface="Arial"/>
+              </a:defRPr>
+            </a:lvl1pPr>
+            <a:lvl2pPr indent="0" algn="ctr" defTabSz="914400">
+              <a:lnSpc>
+                <a:spcPct val="90000"/>
+              </a:lnSpc>
+              <a:spcBef>
+                <a:spcPts val="500"/>
+              </a:spcBef>
+              <a:buFont typeface="Arial" panose="020B0604020202020204" pitchFamily="34" charset="0"/>
+              <a:buNone/>
+              <a:defRPr sz="2000"/>
+            </a:lvl2pPr>
+            <a:lvl3pPr indent="0" algn="ctr" defTabSz="914400">
+              <a:lnSpc>
+                <a:spcPct val="90000"/>
+              </a:lnSpc>
+              <a:spcBef>
+                <a:spcPts val="500"/>
+              </a:spcBef>
+              <a:buFont typeface="Arial" panose="020B0604020202020204" pitchFamily="34" charset="0"/>
+              <a:buNone/>
+            </a:lvl3pPr>
+            <a:lvl4pPr indent="0" algn="ctr" defTabSz="914400">
+              <a:lnSpc>
+                <a:spcPct val="90000"/>
+              </a:lnSpc>
+              <a:spcBef>
+                <a:spcPts val="500"/>
+              </a:spcBef>
+              <a:buFont typeface="Arial" panose="020B0604020202020204" pitchFamily="34" charset="0"/>
+              <a:buNone/>
+              <a:defRPr sz="1600"/>
+            </a:lvl4pPr>
+            <a:lvl5pPr indent="0" algn="ctr" defTabSz="914400">
+              <a:lnSpc>
+                <a:spcPct val="90000"/>
+              </a:lnSpc>
+              <a:spcBef>
+                <a:spcPts val="500"/>
+              </a:spcBef>
+              <a:buFont typeface="Arial" panose="020B0604020202020204" pitchFamily="34" charset="0"/>
+              <a:buNone/>
+              <a:defRPr sz="1600"/>
+            </a:lvl5pPr>
+            <a:lvl6pPr indent="0" algn="ctr" defTabSz="914400">
+              <a:lnSpc>
+                <a:spcPct val="90000"/>
+              </a:lnSpc>
+              <a:spcBef>
+                <a:spcPts val="500"/>
+              </a:spcBef>
+              <a:buFont typeface="Arial" panose="020B0604020202020204" pitchFamily="34" charset="0"/>
+              <a:buNone/>
+              <a:defRPr sz="1600"/>
+            </a:lvl6pPr>
+            <a:lvl7pPr indent="0" algn="ctr" defTabSz="914400">
+              <a:lnSpc>
+                <a:spcPct val="90000"/>
+              </a:lnSpc>
+              <a:spcBef>
+                <a:spcPts val="500"/>
+              </a:spcBef>
+              <a:buFont typeface="Arial" panose="020B0604020202020204" pitchFamily="34" charset="0"/>
+              <a:buNone/>
+              <a:defRPr sz="1600"/>
+            </a:lvl7pPr>
+            <a:lvl8pPr indent="0" algn="ctr" defTabSz="914400">
+              <a:lnSpc>
+                <a:spcPct val="90000"/>
+              </a:lnSpc>
+              <a:spcBef>
+                <a:spcPts val="500"/>
+              </a:spcBef>
+              <a:buFont typeface="Arial" panose="020B0604020202020204" pitchFamily="34" charset="0"/>
+              <a:buNone/>
+              <a:defRPr sz="1600"/>
+            </a:lvl8pPr>
+            <a:lvl9pPr indent="0" algn="ctr" defTabSz="914400">
+              <a:lnSpc>
+                <a:spcPct val="90000"/>
+              </a:lnSpc>
+              <a:spcBef>
+                <a:spcPts val="500"/>
+              </a:spcBef>
+              <a:buFont typeface="Arial" panose="020B0604020202020204" pitchFamily="34" charset="0"/>
+              <a:buNone/>
+              <a:defRPr sz="1600"/>
+            </a:lvl9pPr>
+          </a:lstStyle>
+          <a:p>
+            <a:r>
+              <a:rPr lang="pt-BR" sz="2200" dirty="0">
+                <a:latin typeface="+mn-lt"/>
+              </a:rPr>
+              <a:t>Engenheiro da Computação Universidade Positivo</a:t>
+            </a:r>
+          </a:p>
+          <a:p>
+            <a:r>
+              <a:rPr lang="pt-BR" sz="2200" dirty="0">
+                <a:latin typeface="+mn-lt"/>
+              </a:rPr>
+              <a:t>4 anos - Paraná Banco</a:t>
+            </a:r>
+          </a:p>
+          <a:p>
+            <a:r>
+              <a:rPr lang="pt-BR" sz="2200" dirty="0">
+                <a:latin typeface="+mn-lt"/>
+              </a:rPr>
+              <a:t>Sr. </a:t>
+            </a:r>
+            <a:r>
+              <a:rPr lang="pt-BR" sz="2200" dirty="0" err="1">
+                <a:latin typeface="+mn-lt"/>
+              </a:rPr>
+              <a:t>BackEnd</a:t>
+            </a:r>
+            <a:r>
+              <a:rPr lang="pt-BR" sz="2200" dirty="0">
+                <a:latin typeface="+mn-lt"/>
+              </a:rPr>
+              <a:t> </a:t>
+            </a:r>
+            <a:r>
+              <a:rPr lang="pt-BR" sz="2200" dirty="0" err="1">
+                <a:latin typeface="+mn-lt"/>
+              </a:rPr>
+              <a:t>Developer</a:t>
+            </a:r>
+            <a:r>
+              <a:rPr lang="pt-BR" sz="2200" dirty="0">
+                <a:latin typeface="+mn-lt"/>
+              </a:rPr>
+              <a:t> e </a:t>
+            </a:r>
+            <a:r>
+              <a:rPr lang="pt-BR" sz="2200" dirty="0" err="1">
+                <a:latin typeface="+mn-lt"/>
+              </a:rPr>
+              <a:t>Chapter</a:t>
+            </a:r>
+            <a:r>
+              <a:rPr lang="pt-BR" sz="2200" dirty="0">
+                <a:latin typeface="+mn-lt"/>
+              </a:rPr>
+              <a:t> </a:t>
+            </a:r>
+            <a:r>
+              <a:rPr lang="pt-BR" sz="2200" dirty="0" err="1">
+                <a:latin typeface="+mn-lt"/>
+              </a:rPr>
+              <a:t>leader</a:t>
+            </a:r>
+            <a:r>
+              <a:rPr lang="pt-BR" sz="2200" dirty="0">
+                <a:latin typeface="+mn-lt"/>
+              </a:rPr>
+              <a:t> </a:t>
+            </a:r>
+          </a:p>
+          <a:p>
+            <a:r>
+              <a:rPr lang="pt-BR" sz="2200" dirty="0">
+                <a:latin typeface="+mn-lt"/>
+              </a:rPr>
+              <a:t>Pós graduado em Engenharia de Software</a:t>
+            </a:r>
+          </a:p>
+          <a:p>
+            <a:r>
+              <a:rPr lang="pt-BR" sz="2200" dirty="0">
+                <a:latin typeface="+mn-lt"/>
+              </a:rPr>
+              <a:t>Certificados 483C#, AZ-900 e SC-900</a:t>
+            </a:r>
+          </a:p>
+          <a:p>
+            <a:r>
+              <a:rPr lang="pt-BR" sz="2200" dirty="0">
+                <a:latin typeface="+mn-lt"/>
+              </a:rPr>
+              <a:t>Cursando MBA em Arquitetura</a:t>
+            </a:r>
+          </a:p>
+          <a:p>
+            <a:r>
+              <a:rPr lang="pt-BR" sz="2200" dirty="0">
+                <a:latin typeface="+mn-lt"/>
+              </a:rPr>
+              <a:t>Amante de Tecnologia</a:t>
+            </a:r>
+          </a:p>
+          <a:p>
+            <a:endParaRPr lang="pt-BR" dirty="0"/>
+          </a:p>
+          <a:p>
+            <a:endParaRPr lang="pt-BR" dirty="0"/>
+          </a:p>
+          <a:p>
+            <a:endParaRPr lang="pt-BR" dirty="0"/>
+          </a:p>
+          <a:p>
+            <a:endParaRPr lang="pt-BR" dirty="0"/>
+          </a:p>
+          <a:p>
+            <a:endParaRPr lang="pt-BR" dirty="0"/>
+          </a:p>
+        </p:txBody>
+      </p:sp>
+      <p:sp>
+        <p:nvSpPr>
+          <p:cNvPr id="41" name="Título 1">
+            <a:extLst>
+              <a:ext uri="{FF2B5EF4-FFF2-40B4-BE49-F238E27FC236}">
+                <a16:creationId xmlns:a16="http://schemas.microsoft.com/office/drawing/2014/main" id="{B5C427DB-4D4E-4C34-8798-98B68A898847}"/>
+              </a:ext>
+            </a:extLst>
+          </p:cNvPr>
+          <p:cNvSpPr txBox="1">
+            <a:spLocks/>
+          </p:cNvSpPr>
+          <p:nvPr/>
+        </p:nvSpPr>
+        <p:spPr>
+          <a:xfrm>
+            <a:off x="6261413" y="584730"/>
+            <a:ext cx="3762934" cy="545298"/>
+          </a:xfrm>
+          <a:prstGeom prst="rect">
+            <a:avLst/>
+          </a:prstGeom>
+        </p:spPr>
+        <p:txBody>
+          <a:bodyPr vert="horz" lIns="91440" tIns="45720" rIns="91440" bIns="45720" rtlCol="0" anchor="b">
+            <a:normAutofit lnSpcReduction="10000"/>
+          </a:bodyPr>
+          <a:lstStyle>
+            <a:lvl1pPr algn="ctr" defTabSz="914400" rtl="0" eaLnBrk="1" latinLnBrk="0" hangingPunct="1">
+              <a:lnSpc>
+                <a:spcPct val="90000"/>
+              </a:lnSpc>
+              <a:spcBef>
+                <a:spcPct val="0"/>
+              </a:spcBef>
+              <a:buNone/>
+              <a:defRPr sz="6000" kern="1200">
+                <a:solidFill>
+                  <a:schemeClr val="tx1"/>
+                </a:solidFill>
+                <a:latin typeface="+mj-lt"/>
+                <a:ea typeface="+mj-ea"/>
+                <a:cs typeface="+mj-cs"/>
+              </a:defRPr>
+            </a:lvl1pPr>
+          </a:lstStyle>
+          <a:p>
+            <a:r>
+              <a:rPr lang="pt-BR" sz="3600">
+                <a:cs typeface="Arial"/>
+              </a:rPr>
+              <a:t>Quem</a:t>
+            </a:r>
+            <a:r>
+              <a:rPr lang="pt-BR" sz="3600">
+                <a:latin typeface="Segoe UI Semibold"/>
+                <a:cs typeface="Arial"/>
+              </a:rPr>
+              <a:t> sou eu</a:t>
+            </a:r>
+          </a:p>
+        </p:txBody>
+      </p:sp>
+      <p:pic>
+        <p:nvPicPr>
+          <p:cNvPr id="2" name="Imagem 2" descr="Pessoa posando para foto em local com neve e montanha ao fundo&#10;&#10;Descrição gerada automaticamente">
+            <a:extLst>
+              <a:ext uri="{FF2B5EF4-FFF2-40B4-BE49-F238E27FC236}">
+                <a16:creationId xmlns:a16="http://schemas.microsoft.com/office/drawing/2014/main" id="{67502666-436E-3AD6-956C-DA6EE7975EE4}"/>
+              </a:ext>
+            </a:extLst>
+          </p:cNvPr>
+          <p:cNvPicPr>
+            <a:picLocks noChangeAspect="1"/>
+          </p:cNvPicPr>
+          <p:nvPr/>
+        </p:nvPicPr>
+        <p:blipFill>
+          <a:blip r:embed="rId2"/>
+          <a:stretch>
+            <a:fillRect/>
+          </a:stretch>
+        </p:blipFill>
+        <p:spPr>
+          <a:xfrm>
+            <a:off x="1111740" y="1472922"/>
+            <a:ext cx="2744956" cy="2743200"/>
+          </a:xfrm>
+          <a:prstGeom prst="rect">
+            <a:avLst/>
+          </a:prstGeom>
+        </p:spPr>
+      </p:pic>
+      <p:pic>
+        <p:nvPicPr>
+          <p:cNvPr id="3" name="Imagem 3" descr="Código QR&#10;&#10;Descrição gerada automaticamente">
+            <a:extLst>
+              <a:ext uri="{FF2B5EF4-FFF2-40B4-BE49-F238E27FC236}">
+                <a16:creationId xmlns:a16="http://schemas.microsoft.com/office/drawing/2014/main" id="{8292FE87-2AEF-DA20-3210-6B49D9369B5A}"/>
+              </a:ext>
+            </a:extLst>
+          </p:cNvPr>
+          <p:cNvPicPr>
+            <a:picLocks noChangeAspect="1"/>
+          </p:cNvPicPr>
+          <p:nvPr/>
+        </p:nvPicPr>
+        <p:blipFill>
+          <a:blip r:embed="rId3"/>
+          <a:stretch>
+            <a:fillRect/>
+          </a:stretch>
+        </p:blipFill>
+        <p:spPr>
+          <a:xfrm>
+            <a:off x="1368443" y="4344778"/>
+            <a:ext cx="2231694" cy="2211217"/>
+          </a:xfrm>
+          <a:prstGeom prst="rect">
+            <a:avLst/>
+          </a:prstGeom>
+        </p:spPr>
+      </p:pic>
+      <p:sp>
+        <p:nvSpPr>
+          <p:cNvPr id="4" name="Título 1">
+            <a:extLst>
+              <a:ext uri="{FF2B5EF4-FFF2-40B4-BE49-F238E27FC236}">
+                <a16:creationId xmlns:a16="http://schemas.microsoft.com/office/drawing/2014/main" id="{9E25E884-09B8-9E8C-A2FC-DE17507BE25C}"/>
+              </a:ext>
+            </a:extLst>
+          </p:cNvPr>
+          <p:cNvSpPr txBox="1">
+            <a:spLocks/>
+          </p:cNvSpPr>
+          <p:nvPr/>
+        </p:nvSpPr>
+        <p:spPr>
+          <a:xfrm>
+            <a:off x="666480" y="864798"/>
+            <a:ext cx="3762934" cy="545298"/>
+          </a:xfrm>
+          <a:prstGeom prst="rect">
+            <a:avLst/>
+          </a:prstGeom>
+        </p:spPr>
+        <p:txBody>
+          <a:bodyPr vert="horz" lIns="91440" tIns="45720" rIns="91440" bIns="45720" rtlCol="0" anchor="b">
+            <a:normAutofit/>
+          </a:bodyPr>
+          <a:lstStyle>
+            <a:lvl1pPr algn="ctr" defTabSz="914400" rtl="0" eaLnBrk="1" latinLnBrk="0" hangingPunct="1">
+              <a:lnSpc>
+                <a:spcPct val="90000"/>
+              </a:lnSpc>
+              <a:spcBef>
+                <a:spcPct val="0"/>
+              </a:spcBef>
+              <a:buNone/>
+              <a:defRPr sz="6000" kern="1200">
+                <a:solidFill>
+                  <a:schemeClr val="tx1"/>
+                </a:solidFill>
+                <a:latin typeface="+mj-lt"/>
+                <a:ea typeface="+mj-ea"/>
+                <a:cs typeface="+mj-cs"/>
+              </a:defRPr>
+            </a:lvl1pPr>
+          </a:lstStyle>
+          <a:p>
+            <a:r>
+              <a:rPr lang="pt-BR" sz="3200">
+                <a:latin typeface="Segoe UI Semibold"/>
+                <a:cs typeface="Arial"/>
+              </a:rPr>
+              <a:t>João Antunes</a:t>
+            </a:r>
+          </a:p>
+        </p:txBody>
+      </p:sp>
+    </p:spTree>
+    <p:extLst>
+      <p:ext uri="{BB962C8B-B14F-4D97-AF65-F5344CB8AC3E}">
+        <p14:creationId xmlns:p14="http://schemas.microsoft.com/office/powerpoint/2010/main" val="3243610850"/>
+      </p:ext>
+    </p:extLst>
+  </p:cSld>
+  <p:clrMapOvr>
+    <a:masterClrMapping/>
+  </p:clrMapOvr>
+  <mc:AlternateContent xmlns:mc="http://schemas.openxmlformats.org/markup-compatibility/2006" xmlns:p14="http://schemas.microsoft.com/office/powerpoint/2010/main">
+    <mc:Choice Requires="p14">
+      <p:transition spd="med" p14:dur="700">
+        <p:fade/>
+      </p:transition>
+    </mc:Choice>
+    <mc:Fallback xmlns="">
+      <p:transition spd="med">
+        <p:fade/>
+      </p:transition>
+    </mc:Fallback>
+  </mc:AlternateContent>
+</p:sld>
+</file>
+
+<file path=ppt/slides/slide3.xml><?xml version="1.0" encoding="utf-8"?>
+<p:sld xmlns:a="http://schemas.openxmlformats.org/drawingml/2006/main" xmlns:r="http://schemas.openxmlformats.org/officeDocument/2006/relationships" xmlns:p="http://schemas.openxmlformats.org/presentationml/2006/main">
+  <p:cSld>
+    <p:spTree>
+      <p:nvGrpSpPr>
+        <p:cNvPr id="1" name=""/>
+        <p:cNvGrpSpPr/>
+        <p:nvPr/>
+      </p:nvGrpSpPr>
+      <p:grpSpPr>
+        <a:xfrm>
+          <a:off x="0" y="0"/>
+          <a:ext cx="0" cy="0"/>
+          <a:chOff x="0" y="0"/>
+          <a:chExt cx="0" cy="0"/>
+        </a:xfrm>
+      </p:grpSpPr>
+      <p:sp>
+        <p:nvSpPr>
+          <p:cNvPr id="3" name="Espaço Reservado para Texto 2">
+            <a:extLst>
+              <a:ext uri="{FF2B5EF4-FFF2-40B4-BE49-F238E27FC236}">
+                <a16:creationId xmlns:a16="http://schemas.microsoft.com/office/drawing/2014/main" id="{8E435BE1-BB00-2F2E-B55F-6181CD3CBC66}"/>
+              </a:ext>
+            </a:extLst>
+          </p:cNvPr>
+          <p:cNvSpPr>
+            <a:spLocks noGrp="1"/>
+          </p:cNvSpPr>
+          <p:nvPr>
+            <p:ph type="body" sz="quarter" idx="15"/>
+          </p:nvPr>
+        </p:nvSpPr>
+        <p:spPr>
+          <a:xfrm>
+            <a:off x="538886" y="1615693"/>
+            <a:ext cx="11523411" cy="1661993"/>
+          </a:xfrm>
+        </p:spPr>
+        <p:txBody>
+          <a:bodyPr/>
+          <a:lstStyle/>
+          <a:p>
+            <a:pPr marL="0" marR="0" lvl="0" indent="0" algn="just" defTabSz="914400" rtl="0" eaLnBrk="0" fontAlgn="base" latinLnBrk="0" hangingPunct="0">
+              <a:lnSpc>
+                <a:spcPct val="100000"/>
+              </a:lnSpc>
+              <a:spcBef>
+                <a:spcPct val="0"/>
+              </a:spcBef>
+              <a:spcAft>
+                <a:spcPct val="0"/>
+              </a:spcAft>
+              <a:buClrTx/>
+              <a:buSzTx/>
+              <a:buFontTx/>
+              <a:buNone/>
+              <a:tabLst/>
+            </a:pPr>
+            <a:endParaRPr lang="pt-PT" altLang="pt-BR" sz="2400" dirty="0">
+              <a:solidFill>
+                <a:schemeClr val="bg1"/>
+              </a:solidFill>
+              <a:latin typeface="Arial" panose="020B0604020202020204" pitchFamily="34" charset="0"/>
+              <a:cs typeface="Arial" panose="020B0604020202020204" pitchFamily="34" charset="0"/>
+            </a:endParaRPr>
+          </a:p>
+          <a:p>
+            <a:pPr marL="0" marR="0" lvl="0" indent="0" algn="just" defTabSz="914400" rtl="0" eaLnBrk="0" fontAlgn="base" latinLnBrk="0" hangingPunct="0">
+              <a:lnSpc>
+                <a:spcPct val="100000"/>
+              </a:lnSpc>
+              <a:spcBef>
+                <a:spcPct val="0"/>
+              </a:spcBef>
+              <a:spcAft>
+                <a:spcPct val="0"/>
+              </a:spcAft>
+              <a:buClrTx/>
+              <a:buSzTx/>
+              <a:buFontTx/>
+              <a:buNone/>
+              <a:tabLst/>
+            </a:pPr>
+            <a:r>
+              <a:rPr kumimoji="0" lang="pt-PT" altLang="pt-BR" sz="2400" b="0" i="0" u="none" strike="noStrike" cap="none" normalizeH="0" baseline="0" dirty="0">
+                <a:ln>
+                  <a:noFill/>
+                </a:ln>
+                <a:solidFill>
+                  <a:schemeClr val="bg1"/>
+                </a:solidFill>
+                <a:effectLst/>
+                <a:latin typeface="Arial" panose="020B0604020202020204" pitchFamily="34" charset="0"/>
+                <a:cs typeface="Arial" panose="020B0604020202020204" pitchFamily="34" charset="0"/>
+              </a:rPr>
+              <a:t>Objetivo: Foi projetada para usar em conjunto com o modelo GPT da AzureOpenAI para revisar PR’s fornecendo feedback’s como comentários no momento da solicitação do PR. </a:t>
+            </a:r>
+          </a:p>
+        </p:txBody>
+      </p:sp>
+      <p:sp>
+        <p:nvSpPr>
+          <p:cNvPr id="8" name="Espaço Reservado para Texto 2">
+            <a:extLst>
+              <a:ext uri="{FF2B5EF4-FFF2-40B4-BE49-F238E27FC236}">
+                <a16:creationId xmlns:a16="http://schemas.microsoft.com/office/drawing/2014/main" id="{B0A2DA19-2FA7-0E77-4EB4-1C324C7738EA}"/>
+              </a:ext>
+            </a:extLst>
+          </p:cNvPr>
+          <p:cNvSpPr txBox="1">
+            <a:spLocks/>
+          </p:cNvSpPr>
+          <p:nvPr/>
+        </p:nvSpPr>
+        <p:spPr>
+          <a:xfrm>
+            <a:off x="451338" y="803485"/>
+            <a:ext cx="9795376" cy="677108"/>
+          </a:xfrm>
+          <a:prstGeom prst="rect">
+            <a:avLst/>
+          </a:prstGeom>
+        </p:spPr>
+        <p:txBody>
+          <a:bodyPr vert="horz" wrap="square" lIns="0" tIns="91440" rIns="146304" bIns="91440" rtlCol="0">
+            <a:spAutoFit/>
+          </a:bodyPr>
+          <a:lstStyle>
+            <a:lvl1pPr marL="0" marR="0" indent="0" algn="l" defTabSz="932742" rtl="0" eaLnBrk="1" fontAlgn="auto" latinLnBrk="0" hangingPunct="1">
+              <a:lnSpc>
+                <a:spcPct val="100000"/>
+              </a:lnSpc>
+              <a:spcBef>
+                <a:spcPts val="0"/>
+              </a:spcBef>
+              <a:spcAft>
+                <a:spcPts val="0"/>
+              </a:spcAft>
+              <a:buClrTx/>
+              <a:buSzPct val="90000"/>
+              <a:buFont typeface="Wingdings" panose="05000000000000000000" pitchFamily="2" charset="2"/>
+              <a:buNone/>
+              <a:tabLst/>
+              <a:defRPr sz="1800" kern="1200" spc="-50" baseline="0">
+                <a:solidFill>
+                  <a:schemeClr val="bg2"/>
+                </a:solidFill>
+                <a:latin typeface="+mj-lt"/>
+                <a:ea typeface="+mn-ea"/>
+                <a:cs typeface="+mn-cs"/>
+              </a:defRPr>
+            </a:lvl1pPr>
+            <a:lvl2pPr marL="0" marR="0" indent="0" algn="l" defTabSz="932742" rtl="0" eaLnBrk="1" fontAlgn="auto" latinLnBrk="0" hangingPunct="1">
+              <a:lnSpc>
+                <a:spcPct val="100000"/>
+              </a:lnSpc>
+              <a:spcBef>
+                <a:spcPts val="0"/>
+              </a:spcBef>
+              <a:spcAft>
+                <a:spcPts val="0"/>
+              </a:spcAft>
+              <a:buClrTx/>
+              <a:buSzPct val="90000"/>
+              <a:buFontTx/>
+              <a:buNone/>
+              <a:tabLst/>
+              <a:defRPr sz="1800" kern="1200" spc="0" baseline="0">
+                <a:solidFill>
+                  <a:srgbClr val="000000"/>
+                </a:solidFill>
+                <a:latin typeface="+mn-lt"/>
+                <a:ea typeface="+mn-ea"/>
+                <a:cs typeface="+mn-cs"/>
+              </a:defRPr>
+            </a:lvl2pPr>
+            <a:lvl3pPr marL="0" marR="0" indent="0" algn="l" defTabSz="932742" rtl="0" eaLnBrk="1" fontAlgn="auto" latinLnBrk="0" hangingPunct="1">
+              <a:lnSpc>
+                <a:spcPct val="100000"/>
+              </a:lnSpc>
+              <a:spcBef>
+                <a:spcPts val="0"/>
+              </a:spcBef>
+              <a:spcAft>
+                <a:spcPts val="0"/>
+              </a:spcAft>
+              <a:buClrTx/>
+              <a:buSzPct val="90000"/>
+              <a:buFont typeface="Wingdings" panose="05000000000000000000" pitchFamily="2" charset="2"/>
+              <a:buNone/>
+              <a:tabLst/>
+              <a:defRPr sz="1400" kern="1200" spc="0" baseline="0">
+                <a:solidFill>
+                  <a:schemeClr val="tx2"/>
+                </a:solidFill>
+                <a:latin typeface="+mj-lt"/>
+                <a:ea typeface="+mn-ea"/>
+                <a:cs typeface="+mn-cs"/>
+              </a:defRPr>
+            </a:lvl3pPr>
+            <a:lvl4pPr marL="0" marR="0" indent="0" algn="l" defTabSz="932742" rtl="0" eaLnBrk="1" fontAlgn="auto" latinLnBrk="0" hangingPunct="1">
+              <a:lnSpc>
+                <a:spcPct val="100000"/>
+              </a:lnSpc>
+              <a:spcBef>
+                <a:spcPts val="0"/>
+              </a:spcBef>
+              <a:spcAft>
+                <a:spcPts val="0"/>
+              </a:spcAft>
+              <a:buClrTx/>
+              <a:buSzPct val="90000"/>
+              <a:buFont typeface="Wingdings" panose="05000000000000000000" pitchFamily="2" charset="2"/>
+              <a:buNone/>
+              <a:tabLst/>
+              <a:defRPr sz="1400" kern="1200" spc="0" baseline="0">
+                <a:solidFill>
+                  <a:srgbClr val="000000"/>
+                </a:solidFill>
+                <a:latin typeface="+mn-lt"/>
+                <a:ea typeface="+mn-ea"/>
+                <a:cs typeface="+mn-cs"/>
+              </a:defRPr>
+            </a:lvl4pPr>
+            <a:lvl5pPr marL="0" marR="0" indent="0" algn="l" defTabSz="932742" rtl="0" eaLnBrk="1" fontAlgn="auto" latinLnBrk="0" hangingPunct="1">
+              <a:lnSpc>
+                <a:spcPct val="100000"/>
+              </a:lnSpc>
+              <a:spcBef>
+                <a:spcPts val="0"/>
+              </a:spcBef>
+              <a:spcAft>
+                <a:spcPts val="0"/>
+              </a:spcAft>
+              <a:buClrTx/>
+              <a:buSzPct val="90000"/>
+              <a:buFont typeface="Wingdings" panose="05000000000000000000" pitchFamily="2" charset="2"/>
+              <a:buNone/>
+              <a:tabLst/>
+              <a:defRPr sz="1050" b="1" kern="1200" spc="0" baseline="0">
+                <a:solidFill>
+                  <a:srgbClr val="000000"/>
+                </a:solidFill>
+                <a:latin typeface="+mn-lt"/>
+                <a:ea typeface="+mn-ea"/>
+                <a:cs typeface="+mn-cs"/>
+              </a:defRPr>
+            </a:lvl5pPr>
+            <a:lvl6pPr marL="2331854" indent="0" algn="l" defTabSz="932742" rtl="0" eaLnBrk="1" latinLnBrk="0" hangingPunct="1">
+              <a:spcBef>
+                <a:spcPct val="20000"/>
+              </a:spcBef>
+              <a:buFont typeface="Arial" pitchFamily="34" charset="0"/>
+              <a:buNone/>
+              <a:defRPr sz="2000" kern="1200">
+                <a:solidFill>
+                  <a:schemeClr val="tx1"/>
+                </a:solidFill>
+                <a:latin typeface="+mn-lt"/>
+                <a:ea typeface="+mn-ea"/>
+                <a:cs typeface="+mn-cs"/>
+              </a:defRPr>
+            </a:lvl6pPr>
+            <a:lvl7pPr marL="0" indent="0" algn="l" defTabSz="932742" rtl="0" eaLnBrk="1" latinLnBrk="0" hangingPunct="1">
+              <a:lnSpc>
+                <a:spcPct val="100000"/>
+              </a:lnSpc>
+              <a:spcBef>
+                <a:spcPts val="0"/>
+              </a:spcBef>
+              <a:spcAft>
+                <a:spcPts val="0"/>
+              </a:spcAft>
+              <a:buFont typeface="Arial" pitchFamily="34" charset="0"/>
+              <a:buNone/>
+              <a:defRPr sz="1000" kern="1200">
+                <a:solidFill>
+                  <a:srgbClr val="000000"/>
+                </a:solidFill>
+                <a:latin typeface="+mn-lt"/>
+                <a:ea typeface="+mn-ea"/>
+                <a:cs typeface="+mn-cs"/>
+              </a:defRPr>
+            </a:lvl7pPr>
+            <a:lvl8pPr marL="3497783" indent="-233186" algn="l" defTabSz="932742" rtl="0" eaLnBrk="1" latinLnBrk="0" hangingPunct="1">
+              <a:spcBef>
+                <a:spcPct val="20000"/>
+              </a:spcBef>
+              <a:buFont typeface="Arial" pitchFamily="34" charset="0"/>
+              <a:buChar char="•"/>
+              <a:defRPr sz="2000" kern="1200">
+                <a:solidFill>
+                  <a:schemeClr val="tx1"/>
+                </a:solidFill>
+                <a:latin typeface="+mn-lt"/>
+                <a:ea typeface="+mn-ea"/>
+                <a:cs typeface="+mn-cs"/>
+              </a:defRPr>
+            </a:lvl8pPr>
+            <a:lvl9pPr marL="3964155" indent="-233186" algn="l" defTabSz="932742" rtl="0" eaLnBrk="1" latinLnBrk="0" hangingPunct="1">
+              <a:spcBef>
+                <a:spcPct val="20000"/>
+              </a:spcBef>
+              <a:buFont typeface="Arial" pitchFamily="34" charset="0"/>
+              <a:buChar char="•"/>
+              <a:defRPr sz="2000" kern="1200">
+                <a:solidFill>
+                  <a:schemeClr val="tx1"/>
+                </a:solidFill>
+                <a:latin typeface="+mn-lt"/>
+                <a:ea typeface="+mn-ea"/>
+                <a:cs typeface="+mn-cs"/>
+              </a:defRPr>
+            </a:lvl9pPr>
+          </a:lstStyle>
+          <a:p>
+            <a:pPr marL="0" marR="0" lvl="0" indent="0" algn="just" defTabSz="914400" rtl="0" eaLnBrk="0" fontAlgn="base" latinLnBrk="0" hangingPunct="0">
+              <a:lnSpc>
+                <a:spcPct val="100000"/>
+              </a:lnSpc>
+              <a:spcBef>
+                <a:spcPct val="0"/>
+              </a:spcBef>
+              <a:spcAft>
+                <a:spcPct val="0"/>
+              </a:spcAft>
+              <a:buClrTx/>
+              <a:buSzTx/>
+              <a:buFontTx/>
+              <a:buNone/>
+              <a:tabLst/>
+            </a:pPr>
+            <a:r>
+              <a:rPr lang="pt-PT" altLang="pt-BR" sz="3200" dirty="0">
+                <a:solidFill>
+                  <a:schemeClr val="bg1"/>
+                </a:solidFill>
+                <a:latin typeface="Arial" panose="020B0604020202020204" pitchFamily="34" charset="0"/>
+                <a:cs typeface="Arial" panose="020B0604020202020204" pitchFamily="34" charset="0"/>
+              </a:rPr>
+              <a:t>T</a:t>
+            </a:r>
+            <a:r>
+              <a:rPr kumimoji="0" lang="pt-PT" altLang="pt-BR" sz="3200" b="0" i="0" u="none" strike="noStrike" cap="none" normalizeH="0" baseline="0" dirty="0">
+                <a:ln>
+                  <a:noFill/>
+                </a:ln>
+                <a:solidFill>
+                  <a:schemeClr val="bg1"/>
+                </a:solidFill>
+                <a:effectLst/>
+                <a:latin typeface="Arial" panose="020B0604020202020204" pitchFamily="34" charset="0"/>
+                <a:cs typeface="Arial" panose="020B0604020202020204" pitchFamily="34" charset="0"/>
+              </a:rPr>
+              <a:t>arefa de revisão de pull request para Azure Pipelines</a:t>
+            </a:r>
+          </a:p>
+        </p:txBody>
+      </p:sp>
+    </p:spTree>
+    <p:extLst>
+      <p:ext uri="{BB962C8B-B14F-4D97-AF65-F5344CB8AC3E}">
+        <p14:creationId xmlns:p14="http://schemas.microsoft.com/office/powerpoint/2010/main" val="3628161881"/>
+      </p:ext>
+    </p:extLst>
+  </p:cSld>
+  <p:clrMapOvr>
+    <a:masterClrMapping/>
+  </p:clrMapOvr>
+  <mc:AlternateContent xmlns:mc="http://schemas.openxmlformats.org/markup-compatibility/2006" xmlns:p14="http://schemas.microsoft.com/office/powerpoint/2010/main">
+    <mc:Choice Requires="p14">
+      <p:transition spd="med" p14:dur="700">
+        <p:fade/>
+      </p:transition>
+    </mc:Choice>
+    <mc:Fallback xmlns="">
+      <p:transition spd="med">
+        <p:fade/>
+      </p:transition>
+    </mc:Fallback>
+  </mc:AlternateContent>
+</p:sld>
+</file>
+
+<file path=ppt/slides/slide4.xml><?xml version="1.0" encoding="utf-8"?>
+<p:sld xmlns:a="http://schemas.openxmlformats.org/drawingml/2006/main" xmlns:r="http://schemas.openxmlformats.org/officeDocument/2006/relationships" xmlns:p="http://schemas.openxmlformats.org/presentationml/2006/main">
+  <p:cSld>
+    <p:spTree>
+      <p:nvGrpSpPr>
+        <p:cNvPr id="1" name=""/>
+        <p:cNvGrpSpPr/>
+        <p:nvPr/>
+      </p:nvGrpSpPr>
+      <p:grpSpPr>
+        <a:xfrm>
+          <a:off x="0" y="0"/>
+          <a:ext cx="0" cy="0"/>
+          <a:chOff x="0" y="0"/>
+          <a:chExt cx="0" cy="0"/>
+        </a:xfrm>
+      </p:grpSpPr>
+      <p:sp>
+        <p:nvSpPr>
+          <p:cNvPr id="3" name="Espaço Reservado para Texto 2">
+            <a:extLst>
+              <a:ext uri="{FF2B5EF4-FFF2-40B4-BE49-F238E27FC236}">
+                <a16:creationId xmlns:a16="http://schemas.microsoft.com/office/drawing/2014/main" id="{8E435BE1-BB00-2F2E-B55F-6181CD3CBC66}"/>
+              </a:ext>
+            </a:extLst>
+          </p:cNvPr>
+          <p:cNvSpPr>
+            <a:spLocks noGrp="1"/>
+          </p:cNvSpPr>
+          <p:nvPr>
+            <p:ph type="body" sz="quarter" idx="15"/>
+          </p:nvPr>
+        </p:nvSpPr>
+        <p:spPr>
+          <a:xfrm>
+            <a:off x="538886" y="1615693"/>
+            <a:ext cx="11523411" cy="3508653"/>
+          </a:xfrm>
+        </p:spPr>
+        <p:txBody>
+          <a:bodyPr/>
+          <a:lstStyle/>
+          <a:p>
+            <a:pPr marL="0" marR="0" lvl="0" indent="0" algn="just" defTabSz="914400" rtl="0" eaLnBrk="0" fontAlgn="base" latinLnBrk="0" hangingPunct="0">
+              <a:lnSpc>
+                <a:spcPct val="100000"/>
+              </a:lnSpc>
+              <a:spcBef>
+                <a:spcPct val="0"/>
+              </a:spcBef>
+              <a:spcAft>
+                <a:spcPct val="0"/>
+              </a:spcAft>
+              <a:buClrTx/>
+              <a:buSzTx/>
+              <a:buFontTx/>
+              <a:buNone/>
+              <a:tabLst/>
+            </a:pPr>
+            <a:endParaRPr lang="pt-PT" altLang="pt-BR" sz="2400" dirty="0">
+              <a:solidFill>
+                <a:schemeClr val="bg1"/>
+              </a:solidFill>
+              <a:latin typeface="Arial" panose="020B0604020202020204" pitchFamily="34" charset="0"/>
+              <a:cs typeface="Arial" panose="020B0604020202020204" pitchFamily="34" charset="0"/>
+            </a:endParaRPr>
+          </a:p>
+          <a:p>
+            <a:pPr marL="0" marR="0" lvl="0" indent="0" algn="just" defTabSz="914400" rtl="0" eaLnBrk="0" fontAlgn="base" latinLnBrk="0" hangingPunct="0">
+              <a:lnSpc>
+                <a:spcPct val="100000"/>
+              </a:lnSpc>
+              <a:spcBef>
+                <a:spcPct val="0"/>
+              </a:spcBef>
+              <a:spcAft>
+                <a:spcPct val="0"/>
+              </a:spcAft>
+              <a:buClrTx/>
+              <a:buSzTx/>
+              <a:buFontTx/>
+              <a:buNone/>
+              <a:tabLst/>
+            </a:pPr>
+            <a:r>
+              <a:rPr kumimoji="0" lang="pt-PT" altLang="pt-BR" sz="2400" b="0" i="0" u="none" strike="noStrike" cap="none" normalizeH="0" baseline="0" dirty="0">
+                <a:ln>
+                  <a:noFill/>
+                </a:ln>
+                <a:solidFill>
+                  <a:schemeClr val="bg1"/>
+                </a:solidFill>
+                <a:effectLst/>
+                <a:latin typeface="Arial" panose="020B0604020202020204" pitchFamily="34" charset="0"/>
+                <a:cs typeface="Arial" panose="020B0604020202020204" pitchFamily="34" charset="0"/>
+              </a:rPr>
+              <a:t>Objetivo: Foi projetada para usar em conjunto com o modelo GPT da AzureOpenAI para revisar PR’s fornecendo feedback’s como comentários no momento da solicitação do PR. </a:t>
+            </a:r>
+          </a:p>
+          <a:p>
+            <a:pPr marL="0" marR="0" lvl="0" indent="0" algn="just" defTabSz="914400" rtl="0" eaLnBrk="0" fontAlgn="base" latinLnBrk="0" hangingPunct="0">
+              <a:lnSpc>
+                <a:spcPct val="100000"/>
+              </a:lnSpc>
+              <a:spcBef>
+                <a:spcPct val="0"/>
+              </a:spcBef>
+              <a:spcAft>
+                <a:spcPct val="0"/>
+              </a:spcAft>
+              <a:buClrTx/>
+              <a:buSzTx/>
+              <a:buFontTx/>
+              <a:buNone/>
+              <a:tabLst/>
+            </a:pPr>
+            <a:endParaRPr lang="pt-PT" altLang="pt-BR" sz="2400" dirty="0">
+              <a:solidFill>
+                <a:schemeClr val="bg1"/>
+              </a:solidFill>
+              <a:latin typeface="Arial" panose="020B0604020202020204" pitchFamily="34" charset="0"/>
+              <a:cs typeface="Arial" panose="020B0604020202020204" pitchFamily="34" charset="0"/>
+            </a:endParaRPr>
+          </a:p>
+          <a:p>
+            <a:pPr marL="0" marR="0" lvl="0" indent="0" algn="just" defTabSz="914400" rtl="0" eaLnBrk="0" fontAlgn="base" latinLnBrk="0" hangingPunct="0">
+              <a:lnSpc>
+                <a:spcPct val="100000"/>
+              </a:lnSpc>
+              <a:spcBef>
+                <a:spcPct val="0"/>
+              </a:spcBef>
+              <a:spcAft>
+                <a:spcPct val="0"/>
+              </a:spcAft>
+              <a:buClrTx/>
+              <a:buSzTx/>
+              <a:buFontTx/>
+              <a:buNone/>
+              <a:tabLst/>
+            </a:pPr>
+            <a:r>
+              <a:rPr lang="pt-PT" altLang="pt-BR" sz="2400" dirty="0">
+                <a:solidFill>
+                  <a:schemeClr val="bg1"/>
+                </a:solidFill>
+                <a:latin typeface="Arial" panose="020B0604020202020204" pitchFamily="34" charset="0"/>
+                <a:cs typeface="Arial" panose="020B0604020202020204" pitchFamily="34" charset="0"/>
+              </a:rPr>
+              <a:t>Ajudar com pontos que nós humanos deixamos passar nos momentos mais criticos e/ou dado a velocidades de aprovação de PR’s </a:t>
+            </a:r>
+          </a:p>
+          <a:p>
+            <a:pPr marL="0" marR="0" lvl="0" indent="0" algn="just" defTabSz="914400" rtl="0" eaLnBrk="0" fontAlgn="base" latinLnBrk="0" hangingPunct="0">
+              <a:lnSpc>
+                <a:spcPct val="100000"/>
+              </a:lnSpc>
+              <a:spcBef>
+                <a:spcPct val="0"/>
+              </a:spcBef>
+              <a:spcAft>
+                <a:spcPct val="0"/>
+              </a:spcAft>
+              <a:buClrTx/>
+              <a:buSzTx/>
+              <a:buFontTx/>
+              <a:buNone/>
+              <a:tabLst/>
+            </a:pPr>
+            <a:endParaRPr kumimoji="0" lang="pt-PT" altLang="pt-BR" sz="2400" b="0" i="0" u="none" strike="noStrike" cap="none" normalizeH="0" baseline="0" dirty="0">
+              <a:ln>
+                <a:noFill/>
+              </a:ln>
+              <a:solidFill>
+                <a:schemeClr val="bg1"/>
+              </a:solidFill>
+              <a:effectLst/>
+              <a:latin typeface="Arial" panose="020B0604020202020204" pitchFamily="34" charset="0"/>
+              <a:cs typeface="Arial" panose="020B0604020202020204" pitchFamily="34" charset="0"/>
+            </a:endParaRPr>
+          </a:p>
+          <a:p>
+            <a:pPr marL="0" marR="0" lvl="0" indent="0" algn="just" defTabSz="914400" rtl="0" eaLnBrk="0" fontAlgn="base" latinLnBrk="0" hangingPunct="0">
+              <a:lnSpc>
+                <a:spcPct val="100000"/>
+              </a:lnSpc>
+              <a:spcBef>
+                <a:spcPct val="0"/>
+              </a:spcBef>
+              <a:spcAft>
+                <a:spcPct val="0"/>
+              </a:spcAft>
+              <a:buClrTx/>
+              <a:buSzTx/>
+              <a:buFontTx/>
+              <a:buNone/>
+              <a:tabLst/>
+            </a:pPr>
+            <a:r>
+              <a:rPr kumimoji="0" lang="pt-PT" altLang="pt-BR" sz="2400" b="0" i="0" u="none" strike="noStrike" cap="none" normalizeH="0" baseline="0" dirty="0">
+                <a:ln>
+                  <a:noFill/>
+                </a:ln>
+                <a:solidFill>
+                  <a:schemeClr val="bg1"/>
+                </a:solidFill>
+                <a:effectLst/>
+                <a:latin typeface="Arial" panose="020B0604020202020204" pitchFamily="34" charset="0"/>
+                <a:cs typeface="Arial" panose="020B0604020202020204" pitchFamily="34" charset="0"/>
+              </a:rPr>
+              <a:t>Avaliação de si</a:t>
+            </a:r>
+            <a:r>
+              <a:rPr lang="pt-PT" altLang="pt-BR" sz="2400" dirty="0">
+                <a:solidFill>
+                  <a:schemeClr val="bg1"/>
+                </a:solidFill>
+                <a:latin typeface="Arial" panose="020B0604020202020204" pitchFamily="34" charset="0"/>
+                <a:cs typeface="Arial" panose="020B0604020202020204" pitchFamily="34" charset="0"/>
+              </a:rPr>
+              <a:t>ntaxes, bugs, degradação de performance, segurança etc.</a:t>
+            </a:r>
+            <a:endParaRPr kumimoji="0" lang="pt-PT" altLang="pt-BR" sz="2400" b="0" i="0" u="none" strike="noStrike" cap="none" normalizeH="0" baseline="0" dirty="0">
+              <a:ln>
+                <a:noFill/>
+              </a:ln>
+              <a:solidFill>
+                <a:schemeClr val="bg1"/>
+              </a:solidFill>
+              <a:effectLst/>
+              <a:latin typeface="Arial" panose="020B0604020202020204" pitchFamily="34" charset="0"/>
+              <a:cs typeface="Arial" panose="020B0604020202020204" pitchFamily="34" charset="0"/>
+            </a:endParaRPr>
+          </a:p>
+        </p:txBody>
+      </p:sp>
+      <p:sp>
+        <p:nvSpPr>
+          <p:cNvPr id="8" name="Espaço Reservado para Texto 2">
+            <a:extLst>
+              <a:ext uri="{FF2B5EF4-FFF2-40B4-BE49-F238E27FC236}">
+                <a16:creationId xmlns:a16="http://schemas.microsoft.com/office/drawing/2014/main" id="{B0A2DA19-2FA7-0E77-4EB4-1C324C7738EA}"/>
+              </a:ext>
+            </a:extLst>
+          </p:cNvPr>
+          <p:cNvSpPr txBox="1">
+            <a:spLocks/>
+          </p:cNvSpPr>
+          <p:nvPr/>
+        </p:nvSpPr>
+        <p:spPr>
+          <a:xfrm>
+            <a:off x="451338" y="803485"/>
+            <a:ext cx="9795376" cy="677108"/>
+          </a:xfrm>
+          <a:prstGeom prst="rect">
+            <a:avLst/>
+          </a:prstGeom>
+        </p:spPr>
+        <p:txBody>
+          <a:bodyPr vert="horz" wrap="square" lIns="0" tIns="91440" rIns="146304" bIns="91440" rtlCol="0">
+            <a:spAutoFit/>
+          </a:bodyPr>
+          <a:lstStyle>
+            <a:lvl1pPr marL="0" marR="0" indent="0" algn="l" defTabSz="932742" rtl="0" eaLnBrk="1" fontAlgn="auto" latinLnBrk="0" hangingPunct="1">
+              <a:lnSpc>
+                <a:spcPct val="100000"/>
+              </a:lnSpc>
+              <a:spcBef>
+                <a:spcPts val="0"/>
+              </a:spcBef>
+              <a:spcAft>
+                <a:spcPts val="0"/>
+              </a:spcAft>
+              <a:buClrTx/>
+              <a:buSzPct val="90000"/>
+              <a:buFont typeface="Wingdings" panose="05000000000000000000" pitchFamily="2" charset="2"/>
+              <a:buNone/>
+              <a:tabLst/>
+              <a:defRPr sz="1800" kern="1200" spc="-50" baseline="0">
+                <a:solidFill>
+                  <a:schemeClr val="bg2"/>
+                </a:solidFill>
+                <a:latin typeface="+mj-lt"/>
+                <a:ea typeface="+mn-ea"/>
+                <a:cs typeface="+mn-cs"/>
+              </a:defRPr>
+            </a:lvl1pPr>
+            <a:lvl2pPr marL="0" marR="0" indent="0" algn="l" defTabSz="932742" rtl="0" eaLnBrk="1" fontAlgn="auto" latinLnBrk="0" hangingPunct="1">
+              <a:lnSpc>
+                <a:spcPct val="100000"/>
+              </a:lnSpc>
+              <a:spcBef>
+                <a:spcPts val="0"/>
+              </a:spcBef>
+              <a:spcAft>
+                <a:spcPts val="0"/>
+              </a:spcAft>
+              <a:buClrTx/>
+              <a:buSzPct val="90000"/>
+              <a:buFontTx/>
+              <a:buNone/>
+              <a:tabLst/>
+              <a:defRPr sz="1800" kern="1200" spc="0" baseline="0">
+                <a:solidFill>
+                  <a:srgbClr val="000000"/>
+                </a:solidFill>
+                <a:latin typeface="+mn-lt"/>
+                <a:ea typeface="+mn-ea"/>
+                <a:cs typeface="+mn-cs"/>
+              </a:defRPr>
+            </a:lvl2pPr>
+            <a:lvl3pPr marL="0" marR="0" indent="0" algn="l" defTabSz="932742" rtl="0" eaLnBrk="1" fontAlgn="auto" latinLnBrk="0" hangingPunct="1">
+              <a:lnSpc>
+                <a:spcPct val="100000"/>
+              </a:lnSpc>
+              <a:spcBef>
+                <a:spcPts val="0"/>
+              </a:spcBef>
+              <a:spcAft>
+                <a:spcPts val="0"/>
+              </a:spcAft>
+              <a:buClrTx/>
+              <a:buSzPct val="90000"/>
+              <a:buFont typeface="Wingdings" panose="05000000000000000000" pitchFamily="2" charset="2"/>
+              <a:buNone/>
+              <a:tabLst/>
+              <a:defRPr sz="1400" kern="1200" spc="0" baseline="0">
+                <a:solidFill>
+                  <a:schemeClr val="tx2"/>
+                </a:solidFill>
+                <a:latin typeface="+mj-lt"/>
+                <a:ea typeface="+mn-ea"/>
+                <a:cs typeface="+mn-cs"/>
+              </a:defRPr>
+            </a:lvl3pPr>
+            <a:lvl4pPr marL="0" marR="0" indent="0" algn="l" defTabSz="932742" rtl="0" eaLnBrk="1" fontAlgn="auto" latinLnBrk="0" hangingPunct="1">
+              <a:lnSpc>
+                <a:spcPct val="100000"/>
+              </a:lnSpc>
+              <a:spcBef>
+                <a:spcPts val="0"/>
+              </a:spcBef>
+              <a:spcAft>
+                <a:spcPts val="0"/>
+              </a:spcAft>
+              <a:buClrTx/>
+              <a:buSzPct val="90000"/>
+              <a:buFont typeface="Wingdings" panose="05000000000000000000" pitchFamily="2" charset="2"/>
+              <a:buNone/>
+              <a:tabLst/>
+              <a:defRPr sz="1400" kern="1200" spc="0" baseline="0">
+                <a:solidFill>
+                  <a:srgbClr val="000000"/>
+                </a:solidFill>
+                <a:latin typeface="+mn-lt"/>
+                <a:ea typeface="+mn-ea"/>
+                <a:cs typeface="+mn-cs"/>
+              </a:defRPr>
+            </a:lvl4pPr>
+            <a:lvl5pPr marL="0" marR="0" indent="0" algn="l" defTabSz="932742" rtl="0" eaLnBrk="1" fontAlgn="auto" latinLnBrk="0" hangingPunct="1">
+              <a:lnSpc>
+                <a:spcPct val="100000"/>
+              </a:lnSpc>
+              <a:spcBef>
+                <a:spcPts val="0"/>
+              </a:spcBef>
+              <a:spcAft>
+                <a:spcPts val="0"/>
+              </a:spcAft>
+              <a:buClrTx/>
+              <a:buSzPct val="90000"/>
+              <a:buFont typeface="Wingdings" panose="05000000000000000000" pitchFamily="2" charset="2"/>
+              <a:buNone/>
+              <a:tabLst/>
+              <a:defRPr sz="1050" b="1" kern="1200" spc="0" baseline="0">
+                <a:solidFill>
+                  <a:srgbClr val="000000"/>
+                </a:solidFill>
+                <a:latin typeface="+mn-lt"/>
+                <a:ea typeface="+mn-ea"/>
+                <a:cs typeface="+mn-cs"/>
+              </a:defRPr>
+            </a:lvl5pPr>
+            <a:lvl6pPr marL="2331854" indent="0" algn="l" defTabSz="932742" rtl="0" eaLnBrk="1" latinLnBrk="0" hangingPunct="1">
+              <a:spcBef>
+                <a:spcPct val="20000"/>
+              </a:spcBef>
+              <a:buFont typeface="Arial" pitchFamily="34" charset="0"/>
+              <a:buNone/>
+              <a:defRPr sz="2000" kern="1200">
+                <a:solidFill>
+                  <a:schemeClr val="tx1"/>
+                </a:solidFill>
+                <a:latin typeface="+mn-lt"/>
+                <a:ea typeface="+mn-ea"/>
+                <a:cs typeface="+mn-cs"/>
+              </a:defRPr>
+            </a:lvl6pPr>
+            <a:lvl7pPr marL="0" indent="0" algn="l" defTabSz="932742" rtl="0" eaLnBrk="1" latinLnBrk="0" hangingPunct="1">
+              <a:lnSpc>
+                <a:spcPct val="100000"/>
+              </a:lnSpc>
+              <a:spcBef>
+                <a:spcPts val="0"/>
+              </a:spcBef>
+              <a:spcAft>
+                <a:spcPts val="0"/>
+              </a:spcAft>
+              <a:buFont typeface="Arial" pitchFamily="34" charset="0"/>
+              <a:buNone/>
+              <a:defRPr sz="1000" kern="1200">
+                <a:solidFill>
+                  <a:srgbClr val="000000"/>
+                </a:solidFill>
+                <a:latin typeface="+mn-lt"/>
+                <a:ea typeface="+mn-ea"/>
+                <a:cs typeface="+mn-cs"/>
+              </a:defRPr>
+            </a:lvl7pPr>
+            <a:lvl8pPr marL="3497783" indent="-233186" algn="l" defTabSz="932742" rtl="0" eaLnBrk="1" latinLnBrk="0" hangingPunct="1">
+              <a:spcBef>
+                <a:spcPct val="20000"/>
+              </a:spcBef>
+              <a:buFont typeface="Arial" pitchFamily="34" charset="0"/>
+              <a:buChar char="•"/>
+              <a:defRPr sz="2000" kern="1200">
+                <a:solidFill>
+                  <a:schemeClr val="tx1"/>
+                </a:solidFill>
+                <a:latin typeface="+mn-lt"/>
+                <a:ea typeface="+mn-ea"/>
+                <a:cs typeface="+mn-cs"/>
+              </a:defRPr>
+            </a:lvl8pPr>
+            <a:lvl9pPr marL="3964155" indent="-233186" algn="l" defTabSz="932742" rtl="0" eaLnBrk="1" latinLnBrk="0" hangingPunct="1">
+              <a:spcBef>
+                <a:spcPct val="20000"/>
+              </a:spcBef>
+              <a:buFont typeface="Arial" pitchFamily="34" charset="0"/>
+              <a:buChar char="•"/>
+              <a:defRPr sz="2000" kern="1200">
+                <a:solidFill>
+                  <a:schemeClr val="tx1"/>
+                </a:solidFill>
+                <a:latin typeface="+mn-lt"/>
+                <a:ea typeface="+mn-ea"/>
+                <a:cs typeface="+mn-cs"/>
+              </a:defRPr>
+            </a:lvl9pPr>
+          </a:lstStyle>
+          <a:p>
+            <a:pPr marL="0" marR="0" lvl="0" indent="0" algn="just" defTabSz="914400" rtl="0" eaLnBrk="0" fontAlgn="base" latinLnBrk="0" hangingPunct="0">
+              <a:lnSpc>
+                <a:spcPct val="100000"/>
+              </a:lnSpc>
+              <a:spcBef>
+                <a:spcPct val="0"/>
+              </a:spcBef>
+              <a:spcAft>
+                <a:spcPct val="0"/>
+              </a:spcAft>
+              <a:buClrTx/>
+              <a:buSzTx/>
+              <a:buFontTx/>
+              <a:buNone/>
+              <a:tabLst/>
+            </a:pPr>
+            <a:r>
+              <a:rPr lang="pt-PT" altLang="pt-BR" sz="3200" dirty="0">
+                <a:solidFill>
+                  <a:schemeClr val="bg1"/>
+                </a:solidFill>
+                <a:latin typeface="Arial" panose="020B0604020202020204" pitchFamily="34" charset="0"/>
+                <a:cs typeface="Arial" panose="020B0604020202020204" pitchFamily="34" charset="0"/>
+              </a:rPr>
+              <a:t>T</a:t>
+            </a:r>
+            <a:r>
+              <a:rPr kumimoji="0" lang="pt-PT" altLang="pt-BR" sz="3200" b="0" i="0" u="none" strike="noStrike" cap="none" normalizeH="0" baseline="0" dirty="0">
+                <a:ln>
+                  <a:noFill/>
+                </a:ln>
+                <a:solidFill>
+                  <a:schemeClr val="bg1"/>
+                </a:solidFill>
+                <a:effectLst/>
+                <a:latin typeface="Arial" panose="020B0604020202020204" pitchFamily="34" charset="0"/>
+                <a:cs typeface="Arial" panose="020B0604020202020204" pitchFamily="34" charset="0"/>
+              </a:rPr>
+              <a:t>arefa de revisão de pull request para Azure Pipelines</a:t>
+            </a:r>
+          </a:p>
+        </p:txBody>
+      </p:sp>
+    </p:spTree>
+    <p:extLst>
+      <p:ext uri="{BB962C8B-B14F-4D97-AF65-F5344CB8AC3E}">
+        <p14:creationId xmlns:p14="http://schemas.microsoft.com/office/powerpoint/2010/main" val="1385597587"/>
+      </p:ext>
+    </p:extLst>
+  </p:cSld>
+  <p:clrMapOvr>
+    <a:masterClrMapping/>
+  </p:clrMapOvr>
+  <mc:AlternateContent xmlns:mc="http://schemas.openxmlformats.org/markup-compatibility/2006">
+    <mc:Choice xmlns:p14="http://schemas.microsoft.com/office/powerpoint/2010/main" Requires="p14">
+      <p:transition spd="med" p14:dur="700">
+        <p:fade/>
+      </p:transition>
+    </mc:Choice>
+    <mc:Fallback>
+      <p:transition spd="med">
+        <p:fade/>
+      </p:transition>
+    </mc:Fallback>
+  </mc:AlternateContent>
+</p:sld>
+</file>
+
+<file path=ppt/slides/slide5.xml><?xml version="1.0" encoding="utf-8"?>
+<p:sld xmlns:a="http://schemas.openxmlformats.org/drawingml/2006/main" xmlns:r="http://schemas.openxmlformats.org/officeDocument/2006/relationships" xmlns:p="http://schemas.openxmlformats.org/presentationml/2006/main">
+  <p:cSld>
+    <p:spTree>
+      <p:nvGrpSpPr>
+        <p:cNvPr id="1" name=""/>
+        <p:cNvGrpSpPr/>
+        <p:nvPr/>
+      </p:nvGrpSpPr>
+      <p:grpSpPr>
+        <a:xfrm>
+          <a:off x="0" y="0"/>
+          <a:ext cx="0" cy="0"/>
+          <a:chOff x="0" y="0"/>
+          <a:chExt cx="0" cy="0"/>
+        </a:xfrm>
+      </p:grpSpPr>
+      <p:sp>
+        <p:nvSpPr>
+          <p:cNvPr id="3" name="Espaço Reservado para Texto 2">
+            <a:extLst>
+              <a:ext uri="{FF2B5EF4-FFF2-40B4-BE49-F238E27FC236}">
+                <a16:creationId xmlns:a16="http://schemas.microsoft.com/office/drawing/2014/main" id="{8E435BE1-BB00-2F2E-B55F-6181CD3CBC66}"/>
+              </a:ext>
+            </a:extLst>
+          </p:cNvPr>
+          <p:cNvSpPr>
+            <a:spLocks noGrp="1"/>
+          </p:cNvSpPr>
+          <p:nvPr>
+            <p:ph type="body" sz="quarter" idx="15"/>
+          </p:nvPr>
+        </p:nvSpPr>
+        <p:spPr>
+          <a:xfrm>
+            <a:off x="451338" y="5176016"/>
+            <a:ext cx="9795376" cy="738664"/>
+          </a:xfrm>
+        </p:spPr>
+        <p:txBody>
+          <a:bodyPr/>
+          <a:lstStyle/>
+          <a:p>
+            <a:r>
+              <a:rPr lang="pt-BR" dirty="0"/>
+              <a:t>https://customervoice.microsoft.com/Pages/ResponsePage.aspx?id=v4j5cvGGr0GRqy180BHbR7en2Ais5pxKtso_Pz4b1_xUOFA5Qk1UWDRBMjg0WFhPMkIzTzhKQ1dWNyQlQCN0PWcu</a:t>
+            </a:r>
+          </a:p>
+        </p:txBody>
+      </p:sp>
+      <p:pic>
+        <p:nvPicPr>
+          <p:cNvPr id="7" name="Imagem 6">
+            <a:extLst>
+              <a:ext uri="{FF2B5EF4-FFF2-40B4-BE49-F238E27FC236}">
+                <a16:creationId xmlns:a16="http://schemas.microsoft.com/office/drawing/2014/main" id="{B812E6CA-E671-5E1C-F0F0-4D59D6148E7C}"/>
+              </a:ext>
+            </a:extLst>
+          </p:cNvPr>
+          <p:cNvPicPr>
+            <a:picLocks noChangeAspect="1"/>
+          </p:cNvPicPr>
+          <p:nvPr/>
+        </p:nvPicPr>
+        <p:blipFill>
+          <a:blip r:embed="rId3"/>
+          <a:stretch>
+            <a:fillRect/>
+          </a:stretch>
+        </p:blipFill>
+        <p:spPr>
+          <a:xfrm>
+            <a:off x="4914411" y="2106999"/>
+            <a:ext cx="2607652" cy="2442611"/>
+          </a:xfrm>
+          <a:prstGeom prst="rect">
+            <a:avLst/>
+          </a:prstGeom>
+          <a:ln>
+            <a:noFill/>
+          </a:ln>
+          <a:effectLst>
+            <a:softEdge rad="112500"/>
+          </a:effectLst>
+        </p:spPr>
+        <p:style>
+          <a:lnRef idx="2">
+            <a:schemeClr val="accent3">
+              <a:shade val="15000"/>
+            </a:schemeClr>
+          </a:lnRef>
+          <a:fillRef idx="1">
+            <a:schemeClr val="accent3"/>
+          </a:fillRef>
+          <a:effectRef idx="0">
+            <a:schemeClr val="accent3"/>
+          </a:effectRef>
+          <a:fontRef idx="minor">
+            <a:schemeClr val="lt1"/>
+          </a:fontRef>
+        </p:style>
+      </p:pic>
+      <p:sp>
+        <p:nvSpPr>
+          <p:cNvPr id="8" name="Espaço Reservado para Texto 2">
+            <a:extLst>
+              <a:ext uri="{FF2B5EF4-FFF2-40B4-BE49-F238E27FC236}">
+                <a16:creationId xmlns:a16="http://schemas.microsoft.com/office/drawing/2014/main" id="{B0A2DA19-2FA7-0E77-4EB4-1C324C7738EA}"/>
+              </a:ext>
+            </a:extLst>
+          </p:cNvPr>
+          <p:cNvSpPr txBox="1">
+            <a:spLocks/>
+          </p:cNvSpPr>
+          <p:nvPr/>
+        </p:nvSpPr>
+        <p:spPr>
+          <a:xfrm>
+            <a:off x="451338" y="803485"/>
+            <a:ext cx="9795376" cy="677108"/>
+          </a:xfrm>
+          <a:prstGeom prst="rect">
+            <a:avLst/>
+          </a:prstGeom>
+        </p:spPr>
+        <p:txBody>
+          <a:bodyPr vert="horz" wrap="square" lIns="0" tIns="91440" rIns="146304" bIns="91440" rtlCol="0">
+            <a:spAutoFit/>
+          </a:bodyPr>
+          <a:lstStyle>
+            <a:lvl1pPr marL="0" marR="0" indent="0" algn="l" defTabSz="932742" rtl="0" eaLnBrk="1" fontAlgn="auto" latinLnBrk="0" hangingPunct="1">
+              <a:lnSpc>
+                <a:spcPct val="100000"/>
+              </a:lnSpc>
+              <a:spcBef>
+                <a:spcPts val="0"/>
+              </a:spcBef>
+              <a:spcAft>
+                <a:spcPts val="0"/>
+              </a:spcAft>
+              <a:buClrTx/>
+              <a:buSzPct val="90000"/>
+              <a:buFont typeface="Wingdings" panose="05000000000000000000" pitchFamily="2" charset="2"/>
+              <a:buNone/>
+              <a:tabLst/>
+              <a:defRPr sz="1800" kern="1200" spc="-50" baseline="0">
+                <a:solidFill>
+                  <a:schemeClr val="bg2"/>
+                </a:solidFill>
+                <a:latin typeface="+mj-lt"/>
+                <a:ea typeface="+mn-ea"/>
+                <a:cs typeface="+mn-cs"/>
+              </a:defRPr>
+            </a:lvl1pPr>
+            <a:lvl2pPr marL="0" marR="0" indent="0" algn="l" defTabSz="932742" rtl="0" eaLnBrk="1" fontAlgn="auto" latinLnBrk="0" hangingPunct="1">
+              <a:lnSpc>
+                <a:spcPct val="100000"/>
+              </a:lnSpc>
+              <a:spcBef>
+                <a:spcPts val="0"/>
+              </a:spcBef>
+              <a:spcAft>
+                <a:spcPts val="0"/>
+              </a:spcAft>
+              <a:buClrTx/>
+              <a:buSzPct val="90000"/>
+              <a:buFontTx/>
+              <a:buNone/>
+              <a:tabLst/>
+              <a:defRPr sz="1800" kern="1200" spc="0" baseline="0">
+                <a:solidFill>
+                  <a:srgbClr val="000000"/>
+                </a:solidFill>
+                <a:latin typeface="+mn-lt"/>
+                <a:ea typeface="+mn-ea"/>
+                <a:cs typeface="+mn-cs"/>
+              </a:defRPr>
+            </a:lvl2pPr>
+            <a:lvl3pPr marL="0" marR="0" indent="0" algn="l" defTabSz="932742" rtl="0" eaLnBrk="1" fontAlgn="auto" latinLnBrk="0" hangingPunct="1">
+              <a:lnSpc>
+                <a:spcPct val="100000"/>
+              </a:lnSpc>
+              <a:spcBef>
+                <a:spcPts val="0"/>
+              </a:spcBef>
+              <a:spcAft>
+                <a:spcPts val="0"/>
+              </a:spcAft>
+              <a:buClrTx/>
+              <a:buSzPct val="90000"/>
+              <a:buFont typeface="Wingdings" panose="05000000000000000000" pitchFamily="2" charset="2"/>
+              <a:buNone/>
+              <a:tabLst/>
+              <a:defRPr sz="1400" kern="1200" spc="0" baseline="0">
+                <a:solidFill>
+                  <a:schemeClr val="tx2"/>
+                </a:solidFill>
+                <a:latin typeface="+mj-lt"/>
+                <a:ea typeface="+mn-ea"/>
+                <a:cs typeface="+mn-cs"/>
+              </a:defRPr>
+            </a:lvl3pPr>
+            <a:lvl4pPr marL="0" marR="0" indent="0" algn="l" defTabSz="932742" rtl="0" eaLnBrk="1" fontAlgn="auto" latinLnBrk="0" hangingPunct="1">
+              <a:lnSpc>
+                <a:spcPct val="100000"/>
+              </a:lnSpc>
+              <a:spcBef>
+                <a:spcPts val="0"/>
+              </a:spcBef>
+              <a:spcAft>
+                <a:spcPts val="0"/>
+              </a:spcAft>
+              <a:buClrTx/>
+              <a:buSzPct val="90000"/>
+              <a:buFont typeface="Wingdings" panose="05000000000000000000" pitchFamily="2" charset="2"/>
+              <a:buNone/>
+              <a:tabLst/>
+              <a:defRPr sz="1400" kern="1200" spc="0" baseline="0">
+                <a:solidFill>
+                  <a:srgbClr val="000000"/>
+                </a:solidFill>
+                <a:latin typeface="+mn-lt"/>
+                <a:ea typeface="+mn-ea"/>
+                <a:cs typeface="+mn-cs"/>
+              </a:defRPr>
+            </a:lvl4pPr>
+            <a:lvl5pPr marL="0" marR="0" indent="0" algn="l" defTabSz="932742" rtl="0" eaLnBrk="1" fontAlgn="auto" latinLnBrk="0" hangingPunct="1">
+              <a:lnSpc>
+                <a:spcPct val="100000"/>
+              </a:lnSpc>
+              <a:spcBef>
+                <a:spcPts val="0"/>
+              </a:spcBef>
+              <a:spcAft>
+                <a:spcPts val="0"/>
+              </a:spcAft>
+              <a:buClrTx/>
+              <a:buSzPct val="90000"/>
+              <a:buFont typeface="Wingdings" panose="05000000000000000000" pitchFamily="2" charset="2"/>
+              <a:buNone/>
+              <a:tabLst/>
+              <a:defRPr sz="1050" b="1" kern="1200" spc="0" baseline="0">
+                <a:solidFill>
+                  <a:srgbClr val="000000"/>
+                </a:solidFill>
+                <a:latin typeface="+mn-lt"/>
+                <a:ea typeface="+mn-ea"/>
+                <a:cs typeface="+mn-cs"/>
+              </a:defRPr>
+            </a:lvl5pPr>
+            <a:lvl6pPr marL="2331854" indent="0" algn="l" defTabSz="932742" rtl="0" eaLnBrk="1" latinLnBrk="0" hangingPunct="1">
+              <a:spcBef>
+                <a:spcPct val="20000"/>
+              </a:spcBef>
+              <a:buFont typeface="Arial" pitchFamily="34" charset="0"/>
+              <a:buNone/>
+              <a:defRPr sz="2000" kern="1200">
+                <a:solidFill>
+                  <a:schemeClr val="tx1"/>
+                </a:solidFill>
+                <a:latin typeface="+mn-lt"/>
+                <a:ea typeface="+mn-ea"/>
+                <a:cs typeface="+mn-cs"/>
+              </a:defRPr>
+            </a:lvl6pPr>
+            <a:lvl7pPr marL="0" indent="0" algn="l" defTabSz="932742" rtl="0" eaLnBrk="1" latinLnBrk="0" hangingPunct="1">
+              <a:lnSpc>
+                <a:spcPct val="100000"/>
+              </a:lnSpc>
+              <a:spcBef>
+                <a:spcPts val="0"/>
+              </a:spcBef>
+              <a:spcAft>
+                <a:spcPts val="0"/>
+              </a:spcAft>
+              <a:buFont typeface="Arial" pitchFamily="34" charset="0"/>
+              <a:buNone/>
+              <a:defRPr sz="1000" kern="1200">
+                <a:solidFill>
+                  <a:srgbClr val="000000"/>
+                </a:solidFill>
+                <a:latin typeface="+mn-lt"/>
+                <a:ea typeface="+mn-ea"/>
+                <a:cs typeface="+mn-cs"/>
+              </a:defRPr>
+            </a:lvl7pPr>
+            <a:lvl8pPr marL="3497783" indent="-233186" algn="l" defTabSz="932742" rtl="0" eaLnBrk="1" latinLnBrk="0" hangingPunct="1">
+              <a:spcBef>
+                <a:spcPct val="20000"/>
+              </a:spcBef>
+              <a:buFont typeface="Arial" pitchFamily="34" charset="0"/>
+              <a:buChar char="•"/>
+              <a:defRPr sz="2000" kern="1200">
+                <a:solidFill>
+                  <a:schemeClr val="tx1"/>
+                </a:solidFill>
+                <a:latin typeface="+mn-lt"/>
+                <a:ea typeface="+mn-ea"/>
+                <a:cs typeface="+mn-cs"/>
+              </a:defRPr>
+            </a:lvl8pPr>
+            <a:lvl9pPr marL="3964155" indent="-233186" algn="l" defTabSz="932742" rtl="0" eaLnBrk="1" latinLnBrk="0" hangingPunct="1">
+              <a:spcBef>
+                <a:spcPct val="20000"/>
+              </a:spcBef>
+              <a:buFont typeface="Arial" pitchFamily="34" charset="0"/>
+              <a:buChar char="•"/>
+              <a:defRPr sz="2000" kern="1200">
+                <a:solidFill>
+                  <a:schemeClr val="tx1"/>
+                </a:solidFill>
+                <a:latin typeface="+mn-lt"/>
+                <a:ea typeface="+mn-ea"/>
+                <a:cs typeface="+mn-cs"/>
+              </a:defRPr>
+            </a:lvl9pPr>
+          </a:lstStyle>
+          <a:p>
+            <a:r>
+              <a:rPr lang="pt-BR" sz="3200" dirty="0"/>
+              <a:t>Formulário para ter acesso ao recurso </a:t>
+            </a:r>
+            <a:r>
+              <a:rPr lang="pt-BR" sz="3200" dirty="0" err="1"/>
+              <a:t>AzureOpenAI</a:t>
+            </a:r>
+            <a:endParaRPr lang="pt-BR" sz="3200" dirty="0"/>
+          </a:p>
+        </p:txBody>
+      </p:sp>
+    </p:spTree>
+    <p:extLst>
+      <p:ext uri="{BB962C8B-B14F-4D97-AF65-F5344CB8AC3E}">
+        <p14:creationId xmlns:p14="http://schemas.microsoft.com/office/powerpoint/2010/main" val="1714491406"/>
+      </p:ext>
+    </p:extLst>
+  </p:cSld>
+  <p:clrMapOvr>
+    <a:masterClrMapping/>
+  </p:clrMapOvr>
+  <mc:AlternateContent xmlns:mc="http://schemas.openxmlformats.org/markup-compatibility/2006">
+    <mc:Choice xmlns:p14="http://schemas.microsoft.com/office/powerpoint/2010/main" Requires="p14">
+      <p:transition spd="med" p14:dur="700">
+        <p:fade/>
+      </p:transition>
+    </mc:Choice>
+    <mc:Fallback>
+      <p:transition spd="med">
+        <p:fade/>
+      </p:transition>
+    </mc:Fallback>
+  </mc:AlternateContent>
+</p:sld>
+</file>
+
+<file path=ppt/slides/slide6.xml><?xml version="1.0" encoding="utf-8"?>
+<p:sld xmlns:a="http://schemas.openxmlformats.org/drawingml/2006/main" xmlns:r="http://schemas.openxmlformats.org/officeDocument/2006/relationships" xmlns:p="http://schemas.openxmlformats.org/presentationml/2006/main">
+  <p:cSld>
+    <p:spTree>
+      <p:nvGrpSpPr>
+        <p:cNvPr id="1" name=""/>
+        <p:cNvGrpSpPr/>
+        <p:nvPr/>
+      </p:nvGrpSpPr>
+      <p:grpSpPr>
+        <a:xfrm>
+          <a:off x="0" y="0"/>
+          <a:ext cx="0" cy="0"/>
+          <a:chOff x="0" y="0"/>
+          <a:chExt cx="0" cy="0"/>
+        </a:xfrm>
+      </p:grpSpPr>
+      <p:sp>
+        <p:nvSpPr>
+          <p:cNvPr id="5" name="CaixaDeTexto 4">
+            <a:extLst>
+              <a:ext uri="{FF2B5EF4-FFF2-40B4-BE49-F238E27FC236}">
+                <a16:creationId xmlns:a16="http://schemas.microsoft.com/office/drawing/2014/main" id="{8ACDB991-EC5C-F38D-2382-DB6C1328DBFA}"/>
+              </a:ext>
+            </a:extLst>
+          </p:cNvPr>
+          <p:cNvSpPr txBox="1"/>
+          <p:nvPr/>
+        </p:nvSpPr>
+        <p:spPr>
+          <a:xfrm>
+            <a:off x="848738" y="5352923"/>
+            <a:ext cx="10649356" cy="369332"/>
+          </a:xfrm>
+          <a:prstGeom prst="rect">
+            <a:avLst/>
+          </a:prstGeom>
+          <a:noFill/>
+        </p:spPr>
+        <p:txBody>
+          <a:bodyPr wrap="square">
+            <a:spAutoFit/>
+          </a:bodyPr>
+          <a:lstStyle/>
+          <a:p>
+            <a:r>
+              <a:rPr lang="pt-BR" dirty="0">
+                <a:solidFill>
+                  <a:schemeClr val="bg1"/>
+                </a:solidFill>
+              </a:rPr>
+              <a:t>https://learn.microsoft.com/pt-br/azure/</a:t>
+            </a:r>
+            <a:r>
+              <a:rPr lang="pt-BR" spc="-50" dirty="0">
+                <a:solidFill>
+                  <a:schemeClr val="bg1"/>
+                </a:solidFill>
+                <a:latin typeface="+mj-lt"/>
+              </a:rPr>
+              <a:t>ai-services</a:t>
+            </a:r>
+            <a:r>
+              <a:rPr lang="pt-BR" dirty="0">
+                <a:solidFill>
+                  <a:schemeClr val="bg1"/>
+                </a:solidFill>
+              </a:rPr>
+              <a:t>/openai/concepts/models</a:t>
+            </a:r>
+          </a:p>
+        </p:txBody>
+      </p:sp>
+      <p:sp>
+        <p:nvSpPr>
+          <p:cNvPr id="6" name="Espaço Reservado para Texto 2">
+            <a:extLst>
+              <a:ext uri="{FF2B5EF4-FFF2-40B4-BE49-F238E27FC236}">
+                <a16:creationId xmlns:a16="http://schemas.microsoft.com/office/drawing/2014/main" id="{4241B9D4-4E11-C865-F7EE-C8ADDF366F9D}"/>
+              </a:ext>
+            </a:extLst>
+          </p:cNvPr>
+          <p:cNvSpPr txBox="1">
+            <a:spLocks/>
+          </p:cNvSpPr>
+          <p:nvPr/>
+        </p:nvSpPr>
+        <p:spPr>
+          <a:xfrm>
+            <a:off x="451338" y="803485"/>
+            <a:ext cx="9795376" cy="923330"/>
+          </a:xfrm>
+          <a:prstGeom prst="rect">
+            <a:avLst/>
+          </a:prstGeom>
+        </p:spPr>
+        <p:txBody>
+          <a:bodyPr vert="horz" wrap="square" lIns="0" tIns="91440" rIns="146304" bIns="91440" rtlCol="0">
+            <a:spAutoFit/>
+          </a:bodyPr>
+          <a:lstStyle>
+            <a:lvl1pPr marL="0" marR="0" indent="0" algn="l" defTabSz="932742" rtl="0" eaLnBrk="1" fontAlgn="auto" latinLnBrk="0" hangingPunct="1">
+              <a:lnSpc>
+                <a:spcPct val="100000"/>
+              </a:lnSpc>
+              <a:spcBef>
+                <a:spcPts val="0"/>
+              </a:spcBef>
+              <a:spcAft>
+                <a:spcPts val="0"/>
+              </a:spcAft>
+              <a:buClrTx/>
+              <a:buSzPct val="90000"/>
+              <a:buFont typeface="Wingdings" panose="05000000000000000000" pitchFamily="2" charset="2"/>
+              <a:buNone/>
+              <a:tabLst/>
+              <a:defRPr sz="1800" kern="1200" spc="-50" baseline="0">
+                <a:solidFill>
+                  <a:schemeClr val="bg2"/>
+                </a:solidFill>
+                <a:latin typeface="+mj-lt"/>
+                <a:ea typeface="+mn-ea"/>
+                <a:cs typeface="+mn-cs"/>
+              </a:defRPr>
+            </a:lvl1pPr>
+            <a:lvl2pPr marL="0" marR="0" indent="0" algn="l" defTabSz="932742" rtl="0" eaLnBrk="1" fontAlgn="auto" latinLnBrk="0" hangingPunct="1">
+              <a:lnSpc>
+                <a:spcPct val="100000"/>
+              </a:lnSpc>
+              <a:spcBef>
+                <a:spcPts val="0"/>
+              </a:spcBef>
+              <a:spcAft>
+                <a:spcPts val="0"/>
+              </a:spcAft>
+              <a:buClrTx/>
+              <a:buSzPct val="90000"/>
+              <a:buFontTx/>
+              <a:buNone/>
+              <a:tabLst/>
+              <a:defRPr sz="1800" kern="1200" spc="0" baseline="0">
+                <a:solidFill>
+                  <a:srgbClr val="000000"/>
+                </a:solidFill>
+                <a:latin typeface="+mn-lt"/>
+                <a:ea typeface="+mn-ea"/>
+                <a:cs typeface="+mn-cs"/>
+              </a:defRPr>
+            </a:lvl2pPr>
+            <a:lvl3pPr marL="0" marR="0" indent="0" algn="l" defTabSz="932742" rtl="0" eaLnBrk="1" fontAlgn="auto" latinLnBrk="0" hangingPunct="1">
+              <a:lnSpc>
+                <a:spcPct val="100000"/>
+              </a:lnSpc>
+              <a:spcBef>
+                <a:spcPts val="0"/>
+              </a:spcBef>
+              <a:spcAft>
+                <a:spcPts val="0"/>
+              </a:spcAft>
+              <a:buClrTx/>
+              <a:buSzPct val="90000"/>
+              <a:buFont typeface="Wingdings" panose="05000000000000000000" pitchFamily="2" charset="2"/>
+              <a:buNone/>
+              <a:tabLst/>
+              <a:defRPr sz="1400" kern="1200" spc="0" baseline="0">
+                <a:solidFill>
+                  <a:schemeClr val="tx2"/>
+                </a:solidFill>
+                <a:latin typeface="+mj-lt"/>
+                <a:ea typeface="+mn-ea"/>
+                <a:cs typeface="+mn-cs"/>
+              </a:defRPr>
+            </a:lvl3pPr>
+            <a:lvl4pPr marL="0" marR="0" indent="0" algn="l" defTabSz="932742" rtl="0" eaLnBrk="1" fontAlgn="auto" latinLnBrk="0" hangingPunct="1">
+              <a:lnSpc>
+                <a:spcPct val="100000"/>
+              </a:lnSpc>
+              <a:spcBef>
+                <a:spcPts val="0"/>
+              </a:spcBef>
+              <a:spcAft>
+                <a:spcPts val="0"/>
+              </a:spcAft>
+              <a:buClrTx/>
+              <a:buSzPct val="90000"/>
+              <a:buFont typeface="Wingdings" panose="05000000000000000000" pitchFamily="2" charset="2"/>
+              <a:buNone/>
+              <a:tabLst/>
+              <a:defRPr sz="1400" kern="1200" spc="0" baseline="0">
+                <a:solidFill>
+                  <a:srgbClr val="000000"/>
+                </a:solidFill>
+                <a:latin typeface="+mn-lt"/>
+                <a:ea typeface="+mn-ea"/>
+                <a:cs typeface="+mn-cs"/>
+              </a:defRPr>
+            </a:lvl4pPr>
+            <a:lvl5pPr marL="0" marR="0" indent="0" algn="l" defTabSz="932742" rtl="0" eaLnBrk="1" fontAlgn="auto" latinLnBrk="0" hangingPunct="1">
+              <a:lnSpc>
+                <a:spcPct val="100000"/>
+              </a:lnSpc>
+              <a:spcBef>
+                <a:spcPts val="0"/>
+              </a:spcBef>
+              <a:spcAft>
+                <a:spcPts val="0"/>
+              </a:spcAft>
+              <a:buClrTx/>
+              <a:buSzPct val="90000"/>
+              <a:buFont typeface="Wingdings" panose="05000000000000000000" pitchFamily="2" charset="2"/>
+              <a:buNone/>
+              <a:tabLst/>
+              <a:defRPr sz="1050" b="1" kern="1200" spc="0" baseline="0">
+                <a:solidFill>
+                  <a:srgbClr val="000000"/>
+                </a:solidFill>
+                <a:latin typeface="+mn-lt"/>
+                <a:ea typeface="+mn-ea"/>
+                <a:cs typeface="+mn-cs"/>
+              </a:defRPr>
+            </a:lvl5pPr>
+            <a:lvl6pPr marL="2331854" indent="0" algn="l" defTabSz="932742" rtl="0" eaLnBrk="1" latinLnBrk="0" hangingPunct="1">
+              <a:spcBef>
+                <a:spcPct val="20000"/>
+              </a:spcBef>
+              <a:buFont typeface="Arial" pitchFamily="34" charset="0"/>
+              <a:buNone/>
+              <a:defRPr sz="2000" kern="1200">
+                <a:solidFill>
+                  <a:schemeClr val="tx1"/>
+                </a:solidFill>
+                <a:latin typeface="+mn-lt"/>
+                <a:ea typeface="+mn-ea"/>
+                <a:cs typeface="+mn-cs"/>
+              </a:defRPr>
+            </a:lvl6pPr>
+            <a:lvl7pPr marL="0" indent="0" algn="l" defTabSz="932742" rtl="0" eaLnBrk="1" latinLnBrk="0" hangingPunct="1">
+              <a:lnSpc>
+                <a:spcPct val="100000"/>
+              </a:lnSpc>
+              <a:spcBef>
+                <a:spcPts val="0"/>
+              </a:spcBef>
+              <a:spcAft>
+                <a:spcPts val="0"/>
+              </a:spcAft>
+              <a:buFont typeface="Arial" pitchFamily="34" charset="0"/>
+              <a:buNone/>
+              <a:defRPr sz="1000" kern="1200">
+                <a:solidFill>
+                  <a:srgbClr val="000000"/>
+                </a:solidFill>
+                <a:latin typeface="+mn-lt"/>
+                <a:ea typeface="+mn-ea"/>
+                <a:cs typeface="+mn-cs"/>
+              </a:defRPr>
+            </a:lvl7pPr>
+            <a:lvl8pPr marL="3497783" indent="-233186" algn="l" defTabSz="932742" rtl="0" eaLnBrk="1" latinLnBrk="0" hangingPunct="1">
+              <a:spcBef>
+                <a:spcPct val="20000"/>
+              </a:spcBef>
+              <a:buFont typeface="Arial" pitchFamily="34" charset="0"/>
+              <a:buChar char="•"/>
+              <a:defRPr sz="2000" kern="1200">
+                <a:solidFill>
+                  <a:schemeClr val="tx1"/>
+                </a:solidFill>
+                <a:latin typeface="+mn-lt"/>
+                <a:ea typeface="+mn-ea"/>
+                <a:cs typeface="+mn-cs"/>
+              </a:defRPr>
+            </a:lvl8pPr>
+            <a:lvl9pPr marL="3964155" indent="-233186" algn="l" defTabSz="932742" rtl="0" eaLnBrk="1" latinLnBrk="0" hangingPunct="1">
+              <a:spcBef>
+                <a:spcPct val="20000"/>
+              </a:spcBef>
+              <a:buFont typeface="Arial" pitchFamily="34" charset="0"/>
+              <a:buChar char="•"/>
+              <a:defRPr sz="2000" kern="1200">
+                <a:solidFill>
+                  <a:schemeClr val="tx1"/>
+                </a:solidFill>
+                <a:latin typeface="+mn-lt"/>
+                <a:ea typeface="+mn-ea"/>
+                <a:cs typeface="+mn-cs"/>
+              </a:defRPr>
+            </a:lvl9pPr>
+          </a:lstStyle>
+          <a:p>
+            <a:r>
+              <a:rPr lang="pt-BR" sz="4800" dirty="0"/>
+              <a:t>Localização dos Recursos</a:t>
+            </a:r>
+          </a:p>
+        </p:txBody>
+      </p:sp>
+      <p:pic>
+        <p:nvPicPr>
+          <p:cNvPr id="10" name="Imagem 9">
+            <a:extLst>
+              <a:ext uri="{FF2B5EF4-FFF2-40B4-BE49-F238E27FC236}">
+                <a16:creationId xmlns:a16="http://schemas.microsoft.com/office/drawing/2014/main" id="{641BE21B-644C-A5E7-017E-3EC70D9A16BB}"/>
+              </a:ext>
+            </a:extLst>
+          </p:cNvPr>
+          <p:cNvPicPr>
+            <a:picLocks noChangeAspect="1"/>
+          </p:cNvPicPr>
+          <p:nvPr/>
+        </p:nvPicPr>
+        <p:blipFill>
+          <a:blip r:embed="rId2"/>
+          <a:stretch>
+            <a:fillRect/>
+          </a:stretch>
+        </p:blipFill>
+        <p:spPr>
+          <a:xfrm>
+            <a:off x="4510796" y="2288240"/>
+            <a:ext cx="2541757" cy="2418044"/>
+          </a:xfrm>
+          <a:prstGeom prst="rect">
+            <a:avLst/>
+          </a:prstGeom>
+          <a:ln>
+            <a:noFill/>
+          </a:ln>
+          <a:effectLst>
+            <a:softEdge rad="112500"/>
+          </a:effectLst>
+        </p:spPr>
+      </p:pic>
+    </p:spTree>
+    <p:extLst>
+      <p:ext uri="{BB962C8B-B14F-4D97-AF65-F5344CB8AC3E}">
+        <p14:creationId xmlns:p14="http://schemas.microsoft.com/office/powerpoint/2010/main" val="2531184178"/>
+      </p:ext>
+    </p:extLst>
+  </p:cSld>
+  <p:clrMapOvr>
+    <a:masterClrMapping/>
+  </p:clrMapOvr>
+  <mc:AlternateContent xmlns:mc="http://schemas.openxmlformats.org/markup-compatibility/2006" xmlns:p14="http://schemas.microsoft.com/office/powerpoint/2010/main">
+    <mc:Choice Requires="p14">
+      <p:transition spd="med" p14:dur="700">
+        <p:fade/>
+      </p:transition>
+    </mc:Choice>
+    <mc:Fallback xmlns="">
+      <p:transition spd="med">
+        <p:fade/>
+      </p:transition>
+    </mc:Fallback>
+  </mc:AlternateContent>
+</p:sld>
+</file>
+
+<file path=ppt/slides/slide7.xml><?xml version="1.0" encoding="utf-8"?>
+<p:sld xmlns:a="http://schemas.openxmlformats.org/drawingml/2006/main" xmlns:r="http://schemas.openxmlformats.org/officeDocument/2006/relationships" xmlns:p="http://schemas.openxmlformats.org/presentationml/2006/main">
+  <p:cSld>
+    <p:spTree>
+      <p:nvGrpSpPr>
+        <p:cNvPr id="1" name=""/>
+        <p:cNvGrpSpPr/>
+        <p:nvPr/>
+      </p:nvGrpSpPr>
+      <p:grpSpPr>
+        <a:xfrm>
+          <a:off x="0" y="0"/>
+          <a:ext cx="0" cy="0"/>
+          <a:chOff x="0" y="0"/>
+          <a:chExt cx="0" cy="0"/>
+        </a:xfrm>
+      </p:grpSpPr>
+      <p:sp>
+        <p:nvSpPr>
+          <p:cNvPr id="5" name="CaixaDeTexto 4">
+            <a:extLst>
+              <a:ext uri="{FF2B5EF4-FFF2-40B4-BE49-F238E27FC236}">
+                <a16:creationId xmlns:a16="http://schemas.microsoft.com/office/drawing/2014/main" id="{8ACDB991-EC5C-F38D-2382-DB6C1328DBFA}"/>
+              </a:ext>
+            </a:extLst>
+          </p:cNvPr>
+          <p:cNvSpPr txBox="1"/>
+          <p:nvPr/>
+        </p:nvSpPr>
+        <p:spPr>
+          <a:xfrm>
+            <a:off x="138619" y="5518294"/>
+            <a:ext cx="10649356" cy="369332"/>
+          </a:xfrm>
+          <a:prstGeom prst="rect">
+            <a:avLst/>
+          </a:prstGeom>
+          <a:noFill/>
+        </p:spPr>
+        <p:txBody>
+          <a:bodyPr wrap="square">
+            <a:spAutoFit/>
+          </a:bodyPr>
+          <a:lstStyle/>
+          <a:p>
+            <a:r>
+              <a:rPr lang="pt-BR" dirty="0">
+                <a:solidFill>
+                  <a:schemeClr val="bg1"/>
+                </a:solidFill>
+              </a:rPr>
+              <a:t>https://azure.microsoft.com/pt-br/pricing/details/cognitive-services/openai-service/</a:t>
+            </a:r>
+          </a:p>
+        </p:txBody>
+      </p:sp>
+      <p:sp>
+        <p:nvSpPr>
+          <p:cNvPr id="6" name="Espaço Reservado para Texto 2">
+            <a:extLst>
+              <a:ext uri="{FF2B5EF4-FFF2-40B4-BE49-F238E27FC236}">
+                <a16:creationId xmlns:a16="http://schemas.microsoft.com/office/drawing/2014/main" id="{4241B9D4-4E11-C865-F7EE-C8ADDF366F9D}"/>
+              </a:ext>
+            </a:extLst>
+          </p:cNvPr>
+          <p:cNvSpPr txBox="1">
+            <a:spLocks/>
+          </p:cNvSpPr>
+          <p:nvPr/>
+        </p:nvSpPr>
+        <p:spPr>
+          <a:xfrm>
+            <a:off x="451338" y="803485"/>
+            <a:ext cx="9795376" cy="923330"/>
+          </a:xfrm>
+          <a:prstGeom prst="rect">
+            <a:avLst/>
+          </a:prstGeom>
+        </p:spPr>
+        <p:txBody>
+          <a:bodyPr vert="horz" wrap="square" lIns="0" tIns="91440" rIns="146304" bIns="91440" rtlCol="0">
+            <a:spAutoFit/>
+          </a:bodyPr>
+          <a:lstStyle>
+            <a:lvl1pPr marL="0" marR="0" indent="0" algn="l" defTabSz="932742" rtl="0" eaLnBrk="1" fontAlgn="auto" latinLnBrk="0" hangingPunct="1">
+              <a:lnSpc>
+                <a:spcPct val="100000"/>
+              </a:lnSpc>
+              <a:spcBef>
+                <a:spcPts val="0"/>
+              </a:spcBef>
+              <a:spcAft>
+                <a:spcPts val="0"/>
+              </a:spcAft>
+              <a:buClrTx/>
+              <a:buSzPct val="90000"/>
+              <a:buFont typeface="Wingdings" panose="05000000000000000000" pitchFamily="2" charset="2"/>
+              <a:buNone/>
+              <a:tabLst/>
+              <a:defRPr sz="1800" kern="1200" spc="-50" baseline="0">
+                <a:solidFill>
+                  <a:schemeClr val="bg2"/>
+                </a:solidFill>
+                <a:latin typeface="+mj-lt"/>
+                <a:ea typeface="+mn-ea"/>
+                <a:cs typeface="+mn-cs"/>
+              </a:defRPr>
+            </a:lvl1pPr>
+            <a:lvl2pPr marL="0" marR="0" indent="0" algn="l" defTabSz="932742" rtl="0" eaLnBrk="1" fontAlgn="auto" latinLnBrk="0" hangingPunct="1">
+              <a:lnSpc>
+                <a:spcPct val="100000"/>
+              </a:lnSpc>
+              <a:spcBef>
+                <a:spcPts val="0"/>
+              </a:spcBef>
+              <a:spcAft>
+                <a:spcPts val="0"/>
+              </a:spcAft>
+              <a:buClrTx/>
+              <a:buSzPct val="90000"/>
+              <a:buFontTx/>
+              <a:buNone/>
+              <a:tabLst/>
+              <a:defRPr sz="1800" kern="1200" spc="0" baseline="0">
+                <a:solidFill>
+                  <a:srgbClr val="000000"/>
+                </a:solidFill>
+                <a:latin typeface="+mn-lt"/>
+                <a:ea typeface="+mn-ea"/>
+                <a:cs typeface="+mn-cs"/>
+              </a:defRPr>
+            </a:lvl2pPr>
+            <a:lvl3pPr marL="0" marR="0" indent="0" algn="l" defTabSz="932742" rtl="0" eaLnBrk="1" fontAlgn="auto" latinLnBrk="0" hangingPunct="1">
+              <a:lnSpc>
+                <a:spcPct val="100000"/>
+              </a:lnSpc>
+              <a:spcBef>
+                <a:spcPts val="0"/>
+              </a:spcBef>
+              <a:spcAft>
+                <a:spcPts val="0"/>
+              </a:spcAft>
+              <a:buClrTx/>
+              <a:buSzPct val="90000"/>
+              <a:buFont typeface="Wingdings" panose="05000000000000000000" pitchFamily="2" charset="2"/>
+              <a:buNone/>
+              <a:tabLst/>
+              <a:defRPr sz="1400" kern="1200" spc="0" baseline="0">
+                <a:solidFill>
+                  <a:schemeClr val="tx2"/>
+                </a:solidFill>
+                <a:latin typeface="+mj-lt"/>
+                <a:ea typeface="+mn-ea"/>
+                <a:cs typeface="+mn-cs"/>
+              </a:defRPr>
+            </a:lvl3pPr>
+            <a:lvl4pPr marL="0" marR="0" indent="0" algn="l" defTabSz="932742" rtl="0" eaLnBrk="1" fontAlgn="auto" latinLnBrk="0" hangingPunct="1">
+              <a:lnSpc>
+                <a:spcPct val="100000"/>
+              </a:lnSpc>
+              <a:spcBef>
+                <a:spcPts val="0"/>
+              </a:spcBef>
+              <a:spcAft>
+                <a:spcPts val="0"/>
+              </a:spcAft>
+              <a:buClrTx/>
+              <a:buSzPct val="90000"/>
+              <a:buFont typeface="Wingdings" panose="05000000000000000000" pitchFamily="2" charset="2"/>
+              <a:buNone/>
+              <a:tabLst/>
+              <a:defRPr sz="1400" kern="1200" spc="0" baseline="0">
+                <a:solidFill>
+                  <a:srgbClr val="000000"/>
+                </a:solidFill>
+                <a:latin typeface="+mn-lt"/>
+                <a:ea typeface="+mn-ea"/>
+                <a:cs typeface="+mn-cs"/>
+              </a:defRPr>
+            </a:lvl4pPr>
+            <a:lvl5pPr marL="0" marR="0" indent="0" algn="l" defTabSz="932742" rtl="0" eaLnBrk="1" fontAlgn="auto" latinLnBrk="0" hangingPunct="1">
+              <a:lnSpc>
+                <a:spcPct val="100000"/>
+              </a:lnSpc>
+              <a:spcBef>
+                <a:spcPts val="0"/>
+              </a:spcBef>
+              <a:spcAft>
+                <a:spcPts val="0"/>
+              </a:spcAft>
+              <a:buClrTx/>
+              <a:buSzPct val="90000"/>
+              <a:buFont typeface="Wingdings" panose="05000000000000000000" pitchFamily="2" charset="2"/>
+              <a:buNone/>
+              <a:tabLst/>
+              <a:defRPr sz="1050" b="1" kern="1200" spc="0" baseline="0">
+                <a:solidFill>
+                  <a:srgbClr val="000000"/>
+                </a:solidFill>
+                <a:latin typeface="+mn-lt"/>
+                <a:ea typeface="+mn-ea"/>
+                <a:cs typeface="+mn-cs"/>
+              </a:defRPr>
+            </a:lvl5pPr>
+            <a:lvl6pPr marL="2331854" indent="0" algn="l" defTabSz="932742" rtl="0" eaLnBrk="1" latinLnBrk="0" hangingPunct="1">
+              <a:spcBef>
+                <a:spcPct val="20000"/>
+              </a:spcBef>
+              <a:buFont typeface="Arial" pitchFamily="34" charset="0"/>
+              <a:buNone/>
+              <a:defRPr sz="2000" kern="1200">
+                <a:solidFill>
+                  <a:schemeClr val="tx1"/>
+                </a:solidFill>
+                <a:latin typeface="+mn-lt"/>
+                <a:ea typeface="+mn-ea"/>
+                <a:cs typeface="+mn-cs"/>
+              </a:defRPr>
+            </a:lvl6pPr>
+            <a:lvl7pPr marL="0" indent="0" algn="l" defTabSz="932742" rtl="0" eaLnBrk="1" latinLnBrk="0" hangingPunct="1">
+              <a:lnSpc>
+                <a:spcPct val="100000"/>
+              </a:lnSpc>
+              <a:spcBef>
+                <a:spcPts val="0"/>
+              </a:spcBef>
+              <a:spcAft>
+                <a:spcPts val="0"/>
+              </a:spcAft>
+              <a:buFont typeface="Arial" pitchFamily="34" charset="0"/>
+              <a:buNone/>
+              <a:defRPr sz="1000" kern="1200">
+                <a:solidFill>
+                  <a:srgbClr val="000000"/>
+                </a:solidFill>
+                <a:latin typeface="+mn-lt"/>
+                <a:ea typeface="+mn-ea"/>
+                <a:cs typeface="+mn-cs"/>
+              </a:defRPr>
+            </a:lvl7pPr>
+            <a:lvl8pPr marL="3497783" indent="-233186" algn="l" defTabSz="932742" rtl="0" eaLnBrk="1" latinLnBrk="0" hangingPunct="1">
+              <a:spcBef>
+                <a:spcPct val="20000"/>
+              </a:spcBef>
+              <a:buFont typeface="Arial" pitchFamily="34" charset="0"/>
+              <a:buChar char="•"/>
+              <a:defRPr sz="2000" kern="1200">
+                <a:solidFill>
+                  <a:schemeClr val="tx1"/>
+                </a:solidFill>
+                <a:latin typeface="+mn-lt"/>
+                <a:ea typeface="+mn-ea"/>
+                <a:cs typeface="+mn-cs"/>
+              </a:defRPr>
+            </a:lvl8pPr>
+            <a:lvl9pPr marL="3964155" indent="-233186" algn="l" defTabSz="932742" rtl="0" eaLnBrk="1" latinLnBrk="0" hangingPunct="1">
+              <a:spcBef>
+                <a:spcPct val="20000"/>
+              </a:spcBef>
+              <a:buFont typeface="Arial" pitchFamily="34" charset="0"/>
+              <a:buChar char="•"/>
+              <a:defRPr sz="2000" kern="1200">
+                <a:solidFill>
+                  <a:schemeClr val="tx1"/>
+                </a:solidFill>
+                <a:latin typeface="+mn-lt"/>
+                <a:ea typeface="+mn-ea"/>
+                <a:cs typeface="+mn-cs"/>
+              </a:defRPr>
+            </a:lvl9pPr>
+          </a:lstStyle>
+          <a:p>
+            <a:r>
+              <a:rPr lang="pt-BR" sz="4800" dirty="0"/>
+              <a:t>Tabela de Preços</a:t>
+            </a:r>
+          </a:p>
+        </p:txBody>
+      </p:sp>
+      <p:pic>
+        <p:nvPicPr>
+          <p:cNvPr id="3" name="Imagem 2">
+            <a:extLst>
+              <a:ext uri="{FF2B5EF4-FFF2-40B4-BE49-F238E27FC236}">
+                <a16:creationId xmlns:a16="http://schemas.microsoft.com/office/drawing/2014/main" id="{4F8DB885-E259-04C3-76DA-76A24DD6F6DC}"/>
+              </a:ext>
+            </a:extLst>
+          </p:cNvPr>
+          <p:cNvPicPr>
+            <a:picLocks noChangeAspect="1"/>
+          </p:cNvPicPr>
+          <p:nvPr/>
+        </p:nvPicPr>
+        <p:blipFill>
+          <a:blip r:embed="rId3"/>
+          <a:stretch>
+            <a:fillRect/>
+          </a:stretch>
+        </p:blipFill>
+        <p:spPr>
+          <a:xfrm>
+            <a:off x="4756826" y="2142479"/>
+            <a:ext cx="2725666" cy="2526798"/>
+          </a:xfrm>
+          <a:prstGeom prst="rect">
+            <a:avLst/>
+          </a:prstGeom>
+          <a:ln>
+            <a:noFill/>
+          </a:ln>
+          <a:effectLst>
+            <a:softEdge rad="112500"/>
+          </a:effectLst>
+        </p:spPr>
+      </p:pic>
+    </p:spTree>
+    <p:extLst>
+      <p:ext uri="{BB962C8B-B14F-4D97-AF65-F5344CB8AC3E}">
+        <p14:creationId xmlns:p14="http://schemas.microsoft.com/office/powerpoint/2010/main" val="2895380450"/>
+      </p:ext>
+    </p:extLst>
+  </p:cSld>
+  <p:clrMapOvr>
+    <a:masterClrMapping/>
+  </p:clrMapOvr>
+  <mc:AlternateContent xmlns:mc="http://schemas.openxmlformats.org/markup-compatibility/2006" xmlns:p14="http://schemas.microsoft.com/office/powerpoint/2010/main">
+    <mc:Choice Requires="p14">
+      <p:transition spd="med" p14:dur="700">
+        <p:fade/>
+      </p:transition>
+    </mc:Choice>
+    <mc:Fallback xmlns="">
+      <p:transition spd="med">
+        <p:fade/>
+      </p:transition>
+    </mc:Fallback>
+  </mc:AlternateContent>
+</p:sld>
+</file>
+
+<file path=ppt/slides/slide8.xml><?xml version="1.0" encoding="utf-8"?>
+<p:sld xmlns:a="http://schemas.openxmlformats.org/drawingml/2006/main" xmlns:r="http://schemas.openxmlformats.org/officeDocument/2006/relationships" xmlns:p="http://schemas.openxmlformats.org/presentationml/2006/main">
+  <p:cSld>
+    <p:spTree>
+      <p:nvGrpSpPr>
+        <p:cNvPr id="1" name=""/>
+        <p:cNvGrpSpPr/>
+        <p:nvPr/>
+      </p:nvGrpSpPr>
+      <p:grpSpPr>
+        <a:xfrm>
+          <a:off x="0" y="0"/>
+          <a:ext cx="0" cy="0"/>
+          <a:chOff x="0" y="0"/>
+          <a:chExt cx="0" cy="0"/>
+        </a:xfrm>
+      </p:grpSpPr>
+      <p:sp>
+        <p:nvSpPr>
+          <p:cNvPr id="5" name="CaixaDeTexto 4">
+            <a:extLst>
+              <a:ext uri="{FF2B5EF4-FFF2-40B4-BE49-F238E27FC236}">
+                <a16:creationId xmlns:a16="http://schemas.microsoft.com/office/drawing/2014/main" id="{8ACDB991-EC5C-F38D-2382-DB6C1328DBFA}"/>
+              </a:ext>
+            </a:extLst>
+          </p:cNvPr>
+          <p:cNvSpPr txBox="1"/>
+          <p:nvPr/>
+        </p:nvSpPr>
+        <p:spPr>
+          <a:xfrm>
+            <a:off x="282102" y="1021404"/>
+            <a:ext cx="10739336" cy="1200329"/>
+          </a:xfrm>
+          <a:prstGeom prst="rect">
+            <a:avLst/>
+          </a:prstGeom>
+          <a:noFill/>
+        </p:spPr>
+        <p:txBody>
+          <a:bodyPr wrap="square">
+            <a:spAutoFit/>
+          </a:bodyPr>
+          <a:lstStyle/>
+          <a:p>
+            <a:r>
+              <a:rPr lang="pt-BR" sz="2400" dirty="0">
+                <a:solidFill>
+                  <a:schemeClr val="bg1"/>
+                </a:solidFill>
+              </a:rPr>
+              <a:t>Resumo</a:t>
+            </a:r>
+          </a:p>
+          <a:p>
+            <a:endParaRPr lang="pt-BR" sz="2400" dirty="0">
+              <a:solidFill>
+                <a:schemeClr val="bg1"/>
+              </a:solidFill>
+            </a:endParaRPr>
+          </a:p>
+          <a:p>
+            <a:r>
+              <a:rPr lang="pt-BR" sz="2400" dirty="0">
+                <a:solidFill>
+                  <a:schemeClr val="bg1"/>
+                </a:solidFill>
+              </a:rPr>
+              <a:t>Token é uma palavra de retorno, “Pará" é um token, conjunto de caracteres</a:t>
+            </a:r>
+          </a:p>
+        </p:txBody>
+      </p:sp>
+    </p:spTree>
+    <p:extLst>
+      <p:ext uri="{BB962C8B-B14F-4D97-AF65-F5344CB8AC3E}">
+        <p14:creationId xmlns:p14="http://schemas.microsoft.com/office/powerpoint/2010/main" val="931075014"/>
+      </p:ext>
+    </p:extLst>
+  </p:cSld>
+  <p:clrMapOvr>
+    <a:masterClrMapping/>
+  </p:clrMapOvr>
+  <mc:AlternateContent xmlns:mc="http://schemas.openxmlformats.org/markup-compatibility/2006" xmlns:p14="http://schemas.microsoft.com/office/powerpoint/2010/main">
+    <mc:Choice Requires="p14">
+      <p:transition spd="med" p14:dur="700">
+        <p:fade/>
+      </p:transition>
+    </mc:Choice>
+    <mc:Fallback xmlns="">
+      <p:transition spd="med">
+        <p:fade/>
+      </p:transition>
+    </mc:Fallback>
+  </mc:AlternateContent>
+</p:sld>
+</file>
+
+<file path=ppt/slides/slide9.xml><?xml version="1.0" encoding="utf-8"?>
+<p:sld xmlns:a="http://schemas.openxmlformats.org/drawingml/2006/main" xmlns:r="http://schemas.openxmlformats.org/officeDocument/2006/relationships" xmlns:p="http://schemas.openxmlformats.org/presentationml/2006/main">
+  <p:cSld>
+    <p:spTree>
+      <p:nvGrpSpPr>
+        <p:cNvPr id="1" name=""/>
+        <p:cNvGrpSpPr/>
+        <p:nvPr/>
+      </p:nvGrpSpPr>
+      <p:grpSpPr>
+        <a:xfrm>
+          <a:off x="0" y="0"/>
+          <a:ext cx="0" cy="0"/>
+          <a:chOff x="0" y="0"/>
+          <a:chExt cx="0" cy="0"/>
+        </a:xfrm>
+      </p:grpSpPr>
+      <p:sp>
+        <p:nvSpPr>
+          <p:cNvPr id="5" name="CaixaDeTexto 4">
+            <a:extLst>
+              <a:ext uri="{FF2B5EF4-FFF2-40B4-BE49-F238E27FC236}">
+                <a16:creationId xmlns:a16="http://schemas.microsoft.com/office/drawing/2014/main" id="{8ACDB991-EC5C-F38D-2382-DB6C1328DBFA}"/>
+              </a:ext>
+            </a:extLst>
+          </p:cNvPr>
+          <p:cNvSpPr txBox="1"/>
+          <p:nvPr/>
+        </p:nvSpPr>
+        <p:spPr>
+          <a:xfrm>
+            <a:off x="138619" y="5518294"/>
+            <a:ext cx="10649356" cy="369332"/>
+          </a:xfrm>
+          <a:prstGeom prst="rect">
+            <a:avLst/>
+          </a:prstGeom>
+          <a:noFill/>
+        </p:spPr>
+        <p:txBody>
+          <a:bodyPr wrap="square">
+            <a:spAutoFit/>
+          </a:bodyPr>
+          <a:lstStyle/>
+          <a:p>
+            <a:r>
+              <a:rPr lang="pt-BR" dirty="0">
+                <a:solidFill>
+                  <a:schemeClr val="bg1"/>
+                </a:solidFill>
+              </a:rPr>
+              <a:t>https://marketplace.visualstudio.com/items?itemName=mustaphalarhrouch.GPTPullRequestReview</a:t>
+            </a:r>
+          </a:p>
+        </p:txBody>
+      </p:sp>
+      <p:sp>
+        <p:nvSpPr>
+          <p:cNvPr id="6" name="Espaço Reservado para Texto 2">
+            <a:extLst>
+              <a:ext uri="{FF2B5EF4-FFF2-40B4-BE49-F238E27FC236}">
+                <a16:creationId xmlns:a16="http://schemas.microsoft.com/office/drawing/2014/main" id="{4241B9D4-4E11-C865-F7EE-C8ADDF366F9D}"/>
+              </a:ext>
+            </a:extLst>
+          </p:cNvPr>
+          <p:cNvSpPr txBox="1">
+            <a:spLocks/>
+          </p:cNvSpPr>
+          <p:nvPr/>
+        </p:nvSpPr>
+        <p:spPr>
+          <a:xfrm>
+            <a:off x="451338" y="803485"/>
+            <a:ext cx="9795376" cy="923330"/>
+          </a:xfrm>
+          <a:prstGeom prst="rect">
+            <a:avLst/>
+          </a:prstGeom>
+        </p:spPr>
+        <p:txBody>
+          <a:bodyPr vert="horz" wrap="square" lIns="0" tIns="91440" rIns="146304" bIns="91440" rtlCol="0">
+            <a:spAutoFit/>
+          </a:bodyPr>
+          <a:lstStyle>
+            <a:lvl1pPr marL="0" marR="0" indent="0" algn="l" defTabSz="932742" rtl="0" eaLnBrk="1" fontAlgn="auto" latinLnBrk="0" hangingPunct="1">
+              <a:lnSpc>
+                <a:spcPct val="100000"/>
+              </a:lnSpc>
+              <a:spcBef>
+                <a:spcPts val="0"/>
+              </a:spcBef>
+              <a:spcAft>
+                <a:spcPts val="0"/>
+              </a:spcAft>
+              <a:buClrTx/>
+              <a:buSzPct val="90000"/>
+              <a:buFont typeface="Wingdings" panose="05000000000000000000" pitchFamily="2" charset="2"/>
+              <a:buNone/>
+              <a:tabLst/>
+              <a:defRPr sz="1800" kern="1200" spc="-50" baseline="0">
+                <a:solidFill>
+                  <a:schemeClr val="bg2"/>
+                </a:solidFill>
+                <a:latin typeface="+mj-lt"/>
+                <a:ea typeface="+mn-ea"/>
+                <a:cs typeface="+mn-cs"/>
+              </a:defRPr>
+            </a:lvl1pPr>
+            <a:lvl2pPr marL="0" marR="0" indent="0" algn="l" defTabSz="932742" rtl="0" eaLnBrk="1" fontAlgn="auto" latinLnBrk="0" hangingPunct="1">
+              <a:lnSpc>
+                <a:spcPct val="100000"/>
+              </a:lnSpc>
+              <a:spcBef>
+                <a:spcPts val="0"/>
+              </a:spcBef>
+              <a:spcAft>
+                <a:spcPts val="0"/>
+              </a:spcAft>
+              <a:buClrTx/>
+              <a:buSzPct val="90000"/>
+              <a:buFontTx/>
+              <a:buNone/>
+              <a:tabLst/>
+              <a:defRPr sz="1800" kern="1200" spc="0" baseline="0">
+                <a:solidFill>
+                  <a:srgbClr val="000000"/>
+                </a:solidFill>
+                <a:latin typeface="+mn-lt"/>
+                <a:ea typeface="+mn-ea"/>
+                <a:cs typeface="+mn-cs"/>
+              </a:defRPr>
+            </a:lvl2pPr>
+            <a:lvl3pPr marL="0" marR="0" indent="0" algn="l" defTabSz="932742" rtl="0" eaLnBrk="1" fontAlgn="auto" latinLnBrk="0" hangingPunct="1">
+              <a:lnSpc>
+                <a:spcPct val="100000"/>
+              </a:lnSpc>
+              <a:spcBef>
+                <a:spcPts val="0"/>
+              </a:spcBef>
+              <a:spcAft>
+                <a:spcPts val="0"/>
+              </a:spcAft>
+              <a:buClrTx/>
+              <a:buSzPct val="90000"/>
+              <a:buFont typeface="Wingdings" panose="05000000000000000000" pitchFamily="2" charset="2"/>
+              <a:buNone/>
+              <a:tabLst/>
+              <a:defRPr sz="1400" kern="1200" spc="0" baseline="0">
+                <a:solidFill>
+                  <a:schemeClr val="tx2"/>
+                </a:solidFill>
+                <a:latin typeface="+mj-lt"/>
+                <a:ea typeface="+mn-ea"/>
+                <a:cs typeface="+mn-cs"/>
+              </a:defRPr>
+            </a:lvl3pPr>
+            <a:lvl4pPr marL="0" marR="0" indent="0" algn="l" defTabSz="932742" rtl="0" eaLnBrk="1" fontAlgn="auto" latinLnBrk="0" hangingPunct="1">
+              <a:lnSpc>
+                <a:spcPct val="100000"/>
+              </a:lnSpc>
+              <a:spcBef>
+                <a:spcPts val="0"/>
+              </a:spcBef>
+              <a:spcAft>
+                <a:spcPts val="0"/>
+              </a:spcAft>
+              <a:buClrTx/>
+              <a:buSzPct val="90000"/>
+              <a:buFont typeface="Wingdings" panose="05000000000000000000" pitchFamily="2" charset="2"/>
+              <a:buNone/>
+              <a:tabLst/>
+              <a:defRPr sz="1400" kern="1200" spc="0" baseline="0">
+                <a:solidFill>
+                  <a:srgbClr val="000000"/>
+                </a:solidFill>
+                <a:latin typeface="+mn-lt"/>
+                <a:ea typeface="+mn-ea"/>
+                <a:cs typeface="+mn-cs"/>
+              </a:defRPr>
+            </a:lvl4pPr>
+            <a:lvl5pPr marL="0" marR="0" indent="0" algn="l" defTabSz="932742" rtl="0" eaLnBrk="1" fontAlgn="auto" latinLnBrk="0" hangingPunct="1">
+              <a:lnSpc>
+                <a:spcPct val="100000"/>
+              </a:lnSpc>
+              <a:spcBef>
+                <a:spcPts val="0"/>
+              </a:spcBef>
+              <a:spcAft>
+                <a:spcPts val="0"/>
+              </a:spcAft>
+              <a:buClrTx/>
+              <a:buSzPct val="90000"/>
+              <a:buFont typeface="Wingdings" panose="05000000000000000000" pitchFamily="2" charset="2"/>
+              <a:buNone/>
+              <a:tabLst/>
+              <a:defRPr sz="1050" b="1" kern="1200" spc="0" baseline="0">
+                <a:solidFill>
+                  <a:srgbClr val="000000"/>
+                </a:solidFill>
+                <a:latin typeface="+mn-lt"/>
+                <a:ea typeface="+mn-ea"/>
+                <a:cs typeface="+mn-cs"/>
+              </a:defRPr>
+            </a:lvl5pPr>
+            <a:lvl6pPr marL="2331854" indent="0" algn="l" defTabSz="932742" rtl="0" eaLnBrk="1" latinLnBrk="0" hangingPunct="1">
+              <a:spcBef>
+                <a:spcPct val="20000"/>
+              </a:spcBef>
+              <a:buFont typeface="Arial" pitchFamily="34" charset="0"/>
+              <a:buNone/>
+              <a:defRPr sz="2000" kern="1200">
+                <a:solidFill>
+                  <a:schemeClr val="tx1"/>
+                </a:solidFill>
+                <a:latin typeface="+mn-lt"/>
+                <a:ea typeface="+mn-ea"/>
+                <a:cs typeface="+mn-cs"/>
+              </a:defRPr>
+            </a:lvl6pPr>
+            <a:lvl7pPr marL="0" indent="0" algn="l" defTabSz="932742" rtl="0" eaLnBrk="1" latinLnBrk="0" hangingPunct="1">
+              <a:lnSpc>
+                <a:spcPct val="100000"/>
+              </a:lnSpc>
+              <a:spcBef>
+                <a:spcPts val="0"/>
+              </a:spcBef>
+              <a:spcAft>
+                <a:spcPts val="0"/>
+              </a:spcAft>
+              <a:buFont typeface="Arial" pitchFamily="34" charset="0"/>
+              <a:buNone/>
+              <a:defRPr sz="1000" kern="1200">
+                <a:solidFill>
+                  <a:srgbClr val="000000"/>
+                </a:solidFill>
+                <a:latin typeface="+mn-lt"/>
+                <a:ea typeface="+mn-ea"/>
+                <a:cs typeface="+mn-cs"/>
+              </a:defRPr>
+            </a:lvl7pPr>
+            <a:lvl8pPr marL="3497783" indent="-233186" algn="l" defTabSz="932742" rtl="0" eaLnBrk="1" latinLnBrk="0" hangingPunct="1">
+              <a:spcBef>
+                <a:spcPct val="20000"/>
+              </a:spcBef>
+              <a:buFont typeface="Arial" pitchFamily="34" charset="0"/>
+              <a:buChar char="•"/>
+              <a:defRPr sz="2000" kern="1200">
+                <a:solidFill>
+                  <a:schemeClr val="tx1"/>
+                </a:solidFill>
+                <a:latin typeface="+mn-lt"/>
+                <a:ea typeface="+mn-ea"/>
+                <a:cs typeface="+mn-cs"/>
+              </a:defRPr>
+            </a:lvl8pPr>
+            <a:lvl9pPr marL="3964155" indent="-233186" algn="l" defTabSz="932742" rtl="0" eaLnBrk="1" latinLnBrk="0" hangingPunct="1">
+              <a:spcBef>
+                <a:spcPct val="20000"/>
+              </a:spcBef>
+              <a:buFont typeface="Arial" pitchFamily="34" charset="0"/>
+              <a:buChar char="•"/>
+              <a:defRPr sz="2000" kern="1200">
+                <a:solidFill>
+                  <a:schemeClr val="tx1"/>
+                </a:solidFill>
+                <a:latin typeface="+mn-lt"/>
+                <a:ea typeface="+mn-ea"/>
+                <a:cs typeface="+mn-cs"/>
+              </a:defRPr>
+            </a:lvl9pPr>
+          </a:lstStyle>
+          <a:p>
+            <a:r>
+              <a:rPr lang="pt-BR" sz="4800" dirty="0"/>
+              <a:t>Task de </a:t>
+            </a:r>
+            <a:r>
+              <a:rPr lang="pt-BR" sz="4800" dirty="0" err="1"/>
+              <a:t>pullrequest</a:t>
+            </a:r>
+            <a:endParaRPr lang="pt-BR" sz="4800" dirty="0"/>
+          </a:p>
+        </p:txBody>
+      </p:sp>
+      <p:pic>
+        <p:nvPicPr>
+          <p:cNvPr id="4" name="Imagem 3">
+            <a:extLst>
+              <a:ext uri="{FF2B5EF4-FFF2-40B4-BE49-F238E27FC236}">
+                <a16:creationId xmlns:a16="http://schemas.microsoft.com/office/drawing/2014/main" id="{A87DD783-77F1-74D5-B61E-50859A43DFE5}"/>
+              </a:ext>
+            </a:extLst>
+          </p:cNvPr>
+          <p:cNvPicPr>
+            <a:picLocks noChangeAspect="1"/>
+          </p:cNvPicPr>
+          <p:nvPr/>
+        </p:nvPicPr>
+        <p:blipFill>
+          <a:blip r:embed="rId3"/>
+          <a:stretch>
+            <a:fillRect/>
+          </a:stretch>
+        </p:blipFill>
+        <p:spPr>
+          <a:xfrm>
+            <a:off x="4912468" y="2273840"/>
+            <a:ext cx="2515139" cy="2356526"/>
+          </a:xfrm>
+          <a:prstGeom prst="rect">
+            <a:avLst/>
+          </a:prstGeom>
+          <a:ln>
+            <a:noFill/>
+          </a:ln>
+          <a:effectLst>
+            <a:softEdge rad="112500"/>
+          </a:effectLst>
+        </p:spPr>
+      </p:pic>
+    </p:spTree>
+    <p:extLst>
+      <p:ext uri="{BB962C8B-B14F-4D97-AF65-F5344CB8AC3E}">
+        <p14:creationId xmlns:p14="http://schemas.microsoft.com/office/powerpoint/2010/main" val="542209857"/>
       </p:ext>
     </p:extLst>
   </p:cSld>
@@ -26270,15 +28511,6 @@
 </file>
 
 <file path=customXml/item1.xml><?xml version="1.0" encoding="utf-8"?>
-<?mso-contentType ?>
-<FormTemplates xmlns="http://schemas.microsoft.com/sharepoint/v3/contenttype/forms">
-  <Display>DocumentLibraryForm</Display>
-  <Edit>DocumentLibraryForm</Edit>
-  <New>DocumentLibraryForm</New>
-</FormTemplates>
-</file>
-
-<file path=customXml/item2.xml><?xml version="1.0" encoding="utf-8"?>
 <ct:contentTypeSchema xmlns:ct="http://schemas.microsoft.com/office/2006/metadata/contentType" xmlns:ma="http://schemas.microsoft.com/office/2006/metadata/properties/metaAttributes" ct:_="" ma:_="" ma:contentTypeName="Document" ma:contentTypeID="0x010100C19B4546D391A349BE05AD29F9530504" ma:contentTypeVersion="8" ma:contentTypeDescription="Create a new document." ma:contentTypeScope="" ma:versionID="abefe0faccb33ea1c30b003d8120f948">
   <xsd:schema xmlns:xsd="http://www.w3.org/2001/XMLSchema" xmlns:xs="http://www.w3.org/2001/XMLSchema" xmlns:p="http://schemas.microsoft.com/office/2006/metadata/properties" xmlns:ns2="573658d2-825f-470e-8b88-a4a2deb94391" xmlns:ns3="9537331d-6386-4ea3-bab7-14a523f5dc52" targetNamespace="http://schemas.microsoft.com/office/2006/metadata/properties" ma:root="true" ma:fieldsID="aea6fda388b4fa532bd11596e8506557" ns2:_="" ns3:_="">
     <xsd:import namespace="573658d2-825f-470e-8b88-a4a2deb94391"/>
@@ -26455,6 +28687,15 @@
 </ct:contentTypeSchema>
 </file>
 
+<file path=customXml/item2.xml><?xml version="1.0" encoding="utf-8"?>
+<?mso-contentType ?>
+<FormTemplates xmlns="http://schemas.microsoft.com/sharepoint/v3/contenttype/forms">
+  <Display>DocumentLibraryForm</Display>
+  <Edit>DocumentLibraryForm</Edit>
+  <New>DocumentLibraryForm</New>
+</FormTemplates>
+</file>
+
 <file path=customXml/item3.xml><?xml version="1.0" encoding="utf-8"?>
 <p:properties xmlns:p="http://schemas.microsoft.com/office/2006/metadata/properties" xmlns:xsi="http://www.w3.org/2001/XMLSchema-instance" xmlns:pc="http://schemas.microsoft.com/office/infopath/2007/PartnerControls">
   <documentManagement>
@@ -26467,14 +28708,6 @@
 </file>
 
 <file path=customXml/itemProps1.xml><?xml version="1.0" encoding="utf-8"?>
-<ds:datastoreItem xmlns:ds="http://schemas.openxmlformats.org/officeDocument/2006/customXml" ds:itemID="{758FDAC0-319D-4A54-8D8E-1D42CB1F8004}">
-  <ds:schemaRefs>
-    <ds:schemaRef ds:uri="http://schemas.microsoft.com/sharepoint/v3/contenttype/forms"/>
-  </ds:schemaRefs>
-</ds:datastoreItem>
-</file>
-
-<file path=customXml/itemProps2.xml><?xml version="1.0" encoding="utf-8"?>
 <ds:datastoreItem xmlns:ds="http://schemas.openxmlformats.org/officeDocument/2006/customXml" ds:itemID="{614BD38F-8FF7-405C-9634-7E23E9D27E95}">
   <ds:schemaRefs>
     <ds:schemaRef ds:uri="573658d2-825f-470e-8b88-a4a2deb94391"/>
@@ -26489,6 +28722,14 @@
     <ds:schemaRef ds:uri="http://schemas.microsoft.com/office/infopath/2007/PartnerControls"/>
     <ds:schemaRef ds:uri="http://schemas.openxmlformats.org/package/2006/metadata/core-properties"/>
     <ds:schemaRef ds:uri="http://www.w3.org/2001/XMLSchema"/>
+  </ds:schemaRefs>
+</ds:datastoreItem>
+</file>
+
+<file path=customXml/itemProps2.xml><?xml version="1.0" encoding="utf-8"?>
+<ds:datastoreItem xmlns:ds="http://schemas.openxmlformats.org/officeDocument/2006/customXml" ds:itemID="{758FDAC0-319D-4A54-8D8E-1D42CB1F8004}">
+  <ds:schemaRefs>
+    <ds:schemaRef ds:uri="http://schemas.microsoft.com/sharepoint/v3/contenttype/forms"/>
   </ds:schemaRefs>
 </ds:datastoreItem>
 </file>

--- a/AzureOpenAI.pptx
+++ b/AzureOpenAI.pptx
@@ -6,25 +6,24 @@
     <p:sldMasterId id="2147484608" r:id="rId5"/>
   </p:sldMasterIdLst>
   <p:notesMasterIdLst>
-    <p:notesMasterId r:id="rId19"/>
+    <p:notesMasterId r:id="rId18"/>
   </p:notesMasterIdLst>
   <p:handoutMasterIdLst>
-    <p:handoutMasterId r:id="rId20"/>
+    <p:handoutMasterId r:id="rId19"/>
   </p:handoutMasterIdLst>
   <p:sldIdLst>
     <p:sldId id="1678" r:id="rId6"/>
     <p:sldId id="1680" r:id="rId7"/>
-    <p:sldId id="1707" r:id="rId8"/>
-    <p:sldId id="1714" r:id="rId9"/>
-    <p:sldId id="1713" r:id="rId10"/>
-    <p:sldId id="1708" r:id="rId11"/>
-    <p:sldId id="1709" r:id="rId12"/>
-    <p:sldId id="1710" r:id="rId13"/>
-    <p:sldId id="1711" r:id="rId14"/>
-    <p:sldId id="1712" r:id="rId15"/>
-    <p:sldId id="1716" r:id="rId16"/>
-    <p:sldId id="1715" r:id="rId17"/>
-    <p:sldId id="1706" r:id="rId18"/>
+    <p:sldId id="1714" r:id="rId8"/>
+    <p:sldId id="1713" r:id="rId9"/>
+    <p:sldId id="1708" r:id="rId10"/>
+    <p:sldId id="1709" r:id="rId11"/>
+    <p:sldId id="1710" r:id="rId12"/>
+    <p:sldId id="1711" r:id="rId13"/>
+    <p:sldId id="1712" r:id="rId14"/>
+    <p:sldId id="1716" r:id="rId15"/>
+    <p:sldId id="1715" r:id="rId16"/>
+    <p:sldId id="1706" r:id="rId17"/>
   </p:sldIdLst>
   <p:sldSz cx="12436475" cy="6994525"/>
   <p:notesSz cx="6858000" cy="9144000"/>
@@ -130,7 +129,6 @@
           <p14:sldIdLst>
             <p14:sldId id="1678"/>
             <p14:sldId id="1680"/>
-            <p14:sldId id="1707"/>
             <p14:sldId id="1714"/>
             <p14:sldId id="1713"/>
             <p14:sldId id="1708"/>
@@ -3134,7 +3132,7 @@
               <a:rPr lang="en-US" smtClean="0">
                 <a:latin typeface="Segoe UI" pitchFamily="34" charset="0"/>
               </a:rPr>
-              <a:t>10/13/2023 3:20 PM</a:t>
+              <a:t>10/13/2023 3:44 PM</a:t>
             </a:fld>
             <a:endParaRPr lang="en-US">
               <a:latin typeface="Segoe UI" pitchFamily="34" charset="0"/>
@@ -3412,7 +3410,7 @@
           <a:p>
             <a:fld id="{DCE60099-03E7-4FA1-8A7F-E6E6CFB0F855}" type="datetime8">
               <a:rPr lang="en-US" smtClean="0"/>
-              <a:t>10/13/2023 3:20 PM</a:t>
+              <a:t>10/13/2023 3:44 PM</a:t>
             </a:fld>
             <a:endParaRPr lang="en-US"/>
           </a:p>
@@ -3799,7 +3797,385 @@
 </p:notes>
 </file>
 
-<file path=ppt/notesSlides/notesSlide10.xml><?xml version="1.0" encoding="utf-8"?>
+<file path=ppt/notesSlides/notesSlide2.xml><?xml version="1.0" encoding="utf-8"?>
+<p:notes xmlns:a="http://schemas.openxmlformats.org/drawingml/2006/main" xmlns:r="http://schemas.openxmlformats.org/officeDocument/2006/relationships" xmlns:p="http://schemas.openxmlformats.org/presentationml/2006/main">
+  <p:cSld>
+    <p:spTree>
+      <p:nvGrpSpPr>
+        <p:cNvPr id="1" name=""/>
+        <p:cNvGrpSpPr/>
+        <p:nvPr/>
+      </p:nvGrpSpPr>
+      <p:grpSpPr>
+        <a:xfrm>
+          <a:off x="0" y="0"/>
+          <a:ext cx="0" cy="0"/>
+          <a:chOff x="0" y="0"/>
+          <a:chExt cx="0" cy="0"/>
+        </a:xfrm>
+      </p:grpSpPr>
+      <p:sp>
+        <p:nvSpPr>
+          <p:cNvPr id="2" name="Espaço Reservado para Imagem de Slide 1"/>
+          <p:cNvSpPr>
+            <a:spLocks noGrp="1" noRot="1" noChangeAspect="1"/>
+          </p:cNvSpPr>
+          <p:nvPr>
+            <p:ph type="sldImg"/>
+          </p:nvPr>
+        </p:nvSpPr>
+        <p:spPr/>
+      </p:sp>
+      <p:sp>
+        <p:nvSpPr>
+          <p:cNvPr id="3" name="Espaço Reservado para Anotações 2"/>
+          <p:cNvSpPr>
+            <a:spLocks noGrp="1"/>
+          </p:cNvSpPr>
+          <p:nvPr>
+            <p:ph type="body" idx="1"/>
+          </p:nvPr>
+        </p:nvSpPr>
+        <p:spPr/>
+        <p:txBody>
+          <a:bodyPr/>
+          <a:lstStyle/>
+          <a:p>
+            <a:pPr marL="0" marR="0" lvl="0" indent="0" algn="l" defTabSz="932742" rtl="0" eaLnBrk="1" fontAlgn="auto" latinLnBrk="0" hangingPunct="1">
+              <a:lnSpc>
+                <a:spcPct val="90000"/>
+              </a:lnSpc>
+              <a:spcBef>
+                <a:spcPts val="0"/>
+              </a:spcBef>
+              <a:spcAft>
+                <a:spcPts val="340"/>
+              </a:spcAft>
+              <a:buClrTx/>
+              <a:buSzTx/>
+              <a:buFontTx/>
+              <a:buNone/>
+              <a:tabLst/>
+              <a:defRPr/>
+            </a:pPr>
+            <a:r>
+              <a:rPr lang="pt-BR" dirty="0"/>
+              <a:t>Solicitar acesso via </a:t>
+            </a:r>
+            <a:r>
+              <a:rPr lang="pt-BR" dirty="0" err="1"/>
+              <a:t>form</a:t>
+            </a:r>
+            <a:r>
+              <a:rPr lang="pt-BR" dirty="0"/>
+              <a:t> do recurso </a:t>
+            </a:r>
+            <a:r>
+              <a:rPr lang="pt-BR" dirty="0" err="1"/>
+              <a:t>azureopenai</a:t>
+            </a:r>
+            <a:r>
+              <a:rPr lang="pt-BR" dirty="0"/>
+              <a:t>(tempo de resposta da </a:t>
+            </a:r>
+            <a:r>
+              <a:rPr lang="pt-BR" dirty="0" err="1"/>
+              <a:t>solicitacao</a:t>
+            </a:r>
+            <a:r>
+              <a:rPr lang="pt-BR" dirty="0"/>
+              <a:t> menciona ate 10 dias uteis, comigo levou 2 dias)</a:t>
+            </a:r>
+          </a:p>
+          <a:p>
+            <a:endParaRPr lang="pt-BR" dirty="0"/>
+          </a:p>
+        </p:txBody>
+      </p:sp>
+      <p:sp>
+        <p:nvSpPr>
+          <p:cNvPr id="4" name="Espaço Reservado para Cabeçalho 3"/>
+          <p:cNvSpPr>
+            <a:spLocks noGrp="1"/>
+          </p:cNvSpPr>
+          <p:nvPr>
+            <p:ph type="hdr" sz="quarter"/>
+          </p:nvPr>
+        </p:nvSpPr>
+        <p:spPr/>
+        <p:txBody>
+          <a:bodyPr/>
+          <a:lstStyle/>
+          <a:p>
+            <a:endParaRPr lang="en-US"/>
+          </a:p>
+        </p:txBody>
+      </p:sp>
+      <p:sp>
+        <p:nvSpPr>
+          <p:cNvPr id="5" name="Espaço Reservado para Rodapé 4"/>
+          <p:cNvSpPr>
+            <a:spLocks noGrp="1"/>
+          </p:cNvSpPr>
+          <p:nvPr>
+            <p:ph type="ftr" sz="quarter" idx="4"/>
+          </p:nvPr>
+        </p:nvSpPr>
+        <p:spPr/>
+        <p:txBody>
+          <a:bodyPr/>
+          <a:lstStyle/>
+          <a:p>
+            <a:pPr defTabSz="914099" eaLnBrk="0" hangingPunct="0"/>
+            <a:r>
+              <a:rPr lang="en-US" sz="400">
+                <a:gradFill>
+                  <a:gsLst>
+                    <a:gs pos="0">
+                      <a:prstClr val="black"/>
+                    </a:gs>
+                    <a:gs pos="100000">
+                      <a:prstClr val="black"/>
+                    </a:gs>
+                  </a:gsLst>
+                  <a:lin ang="5400000" scaled="0"/>
+                </a:gradFill>
+                <a:latin typeface="Segoe UI" pitchFamily="34" charset="0"/>
+                <a:ea typeface="Segoe UI" pitchFamily="34" charset="0"/>
+                <a:cs typeface="Segoe UI" pitchFamily="34" charset="0"/>
+              </a:rPr>
+              <a:t>© Microsoft Corporation</a:t>
+            </a:r>
+          </a:p>
+        </p:txBody>
+      </p:sp>
+      <p:sp>
+        <p:nvSpPr>
+          <p:cNvPr id="6" name="Espaço Reservado para Número de Slide 5"/>
+          <p:cNvSpPr>
+            <a:spLocks noGrp="1"/>
+          </p:cNvSpPr>
+          <p:nvPr>
+            <p:ph type="sldNum" sz="quarter" idx="5"/>
+          </p:nvPr>
+        </p:nvSpPr>
+        <p:spPr/>
+        <p:txBody>
+          <a:bodyPr/>
+          <a:lstStyle/>
+          <a:p>
+            <a:fld id="{B4008EB6-D09E-4580-8CD6-DDB14511944F}" type="slidenum">
+              <a:rPr lang="en-US" smtClean="0"/>
+              <a:pPr/>
+              <a:t>3</a:t>
+            </a:fld>
+            <a:endParaRPr lang="en-US"/>
+          </a:p>
+        </p:txBody>
+      </p:sp>
+    </p:spTree>
+    <p:extLst>
+      <p:ext uri="{BB962C8B-B14F-4D97-AF65-F5344CB8AC3E}">
+        <p14:creationId xmlns:p14="http://schemas.microsoft.com/office/powerpoint/2010/main" val="3869780487"/>
+      </p:ext>
+    </p:extLst>
+  </p:cSld>
+  <p:clrMapOvr>
+    <a:masterClrMapping/>
+  </p:clrMapOvr>
+</p:notes>
+</file>
+
+<file path=ppt/notesSlides/notesSlide3.xml><?xml version="1.0" encoding="utf-8"?>
+<p:notes xmlns:a="http://schemas.openxmlformats.org/drawingml/2006/main" xmlns:r="http://schemas.openxmlformats.org/officeDocument/2006/relationships" xmlns:p="http://schemas.openxmlformats.org/presentationml/2006/main">
+  <p:cSld>
+    <p:spTree>
+      <p:nvGrpSpPr>
+        <p:cNvPr id="1" name=""/>
+        <p:cNvGrpSpPr/>
+        <p:nvPr/>
+      </p:nvGrpSpPr>
+      <p:grpSpPr>
+        <a:xfrm>
+          <a:off x="0" y="0"/>
+          <a:ext cx="0" cy="0"/>
+          <a:chOff x="0" y="0"/>
+          <a:chExt cx="0" cy="0"/>
+        </a:xfrm>
+      </p:grpSpPr>
+      <p:sp>
+        <p:nvSpPr>
+          <p:cNvPr id="2" name="Espaço Reservado para Imagem de Slide 1"/>
+          <p:cNvSpPr>
+            <a:spLocks noGrp="1" noRot="1" noChangeAspect="1"/>
+          </p:cNvSpPr>
+          <p:nvPr>
+            <p:ph type="sldImg"/>
+          </p:nvPr>
+        </p:nvSpPr>
+        <p:spPr/>
+      </p:sp>
+      <p:sp>
+        <p:nvSpPr>
+          <p:cNvPr id="3" name="Espaço Reservado para Anotações 2"/>
+          <p:cNvSpPr>
+            <a:spLocks noGrp="1"/>
+          </p:cNvSpPr>
+          <p:nvPr>
+            <p:ph type="body" idx="1"/>
+          </p:nvPr>
+        </p:nvSpPr>
+        <p:spPr/>
+        <p:txBody>
+          <a:bodyPr/>
+          <a:lstStyle/>
+          <a:p>
+            <a:pPr marL="0" marR="0" lvl="0" indent="0" algn="l" defTabSz="932742" rtl="0" eaLnBrk="1" fontAlgn="auto" latinLnBrk="0" hangingPunct="1">
+              <a:lnSpc>
+                <a:spcPct val="90000"/>
+              </a:lnSpc>
+              <a:spcBef>
+                <a:spcPts val="0"/>
+              </a:spcBef>
+              <a:spcAft>
+                <a:spcPts val="340"/>
+              </a:spcAft>
+              <a:buClrTx/>
+              <a:buSzTx/>
+              <a:buFontTx/>
+              <a:buNone/>
+              <a:tabLst/>
+              <a:defRPr/>
+            </a:pPr>
+            <a:r>
+              <a:rPr lang="pt-BR" dirty="0"/>
+              <a:t>Solicitar acesso via </a:t>
+            </a:r>
+            <a:r>
+              <a:rPr lang="pt-BR" dirty="0" err="1"/>
+              <a:t>form</a:t>
+            </a:r>
+            <a:r>
+              <a:rPr lang="pt-BR" dirty="0"/>
+              <a:t> do recurso </a:t>
+            </a:r>
+            <a:r>
+              <a:rPr lang="pt-BR" dirty="0" err="1"/>
+              <a:t>azureopenai</a:t>
+            </a:r>
+            <a:r>
+              <a:rPr lang="pt-BR" dirty="0"/>
+              <a:t>(tempo de resposta da </a:t>
+            </a:r>
+            <a:r>
+              <a:rPr lang="pt-BR" dirty="0" err="1"/>
+              <a:t>solicitacao</a:t>
+            </a:r>
+            <a:r>
+              <a:rPr lang="pt-BR" dirty="0"/>
+              <a:t> menciona ate 10 dias uteis, comigo levou 2 dias)</a:t>
+            </a:r>
+          </a:p>
+          <a:p>
+            <a:endParaRPr lang="pt-BR" dirty="0"/>
+          </a:p>
+        </p:txBody>
+      </p:sp>
+      <p:sp>
+        <p:nvSpPr>
+          <p:cNvPr id="4" name="Espaço Reservado para Cabeçalho 3"/>
+          <p:cNvSpPr>
+            <a:spLocks noGrp="1"/>
+          </p:cNvSpPr>
+          <p:nvPr>
+            <p:ph type="hdr" sz="quarter"/>
+          </p:nvPr>
+        </p:nvSpPr>
+        <p:spPr/>
+        <p:txBody>
+          <a:bodyPr/>
+          <a:lstStyle/>
+          <a:p>
+            <a:endParaRPr lang="en-US"/>
+          </a:p>
+        </p:txBody>
+      </p:sp>
+      <p:sp>
+        <p:nvSpPr>
+          <p:cNvPr id="5" name="Espaço Reservado para Rodapé 4"/>
+          <p:cNvSpPr>
+            <a:spLocks noGrp="1"/>
+          </p:cNvSpPr>
+          <p:nvPr>
+            <p:ph type="ftr" sz="quarter" idx="4"/>
+          </p:nvPr>
+        </p:nvSpPr>
+        <p:spPr/>
+        <p:txBody>
+          <a:bodyPr/>
+          <a:lstStyle/>
+          <a:p>
+            <a:pPr defTabSz="914099" eaLnBrk="0" hangingPunct="0"/>
+            <a:r>
+              <a:rPr lang="en-US" sz="400">
+                <a:gradFill>
+                  <a:gsLst>
+                    <a:gs pos="0">
+                      <a:prstClr val="black"/>
+                    </a:gs>
+                    <a:gs pos="100000">
+                      <a:prstClr val="black"/>
+                    </a:gs>
+                  </a:gsLst>
+                  <a:lin ang="5400000" scaled="0"/>
+                </a:gradFill>
+                <a:latin typeface="Segoe UI" pitchFamily="34" charset="0"/>
+                <a:ea typeface="Segoe UI" pitchFamily="34" charset="0"/>
+                <a:cs typeface="Segoe UI" pitchFamily="34" charset="0"/>
+              </a:rPr>
+              <a:t>© Microsoft Corporation</a:t>
+            </a:r>
+          </a:p>
+        </p:txBody>
+      </p:sp>
+      <p:sp>
+        <p:nvSpPr>
+          <p:cNvPr id="6" name="Espaço Reservado para Número de Slide 5"/>
+          <p:cNvSpPr>
+            <a:spLocks noGrp="1"/>
+          </p:cNvSpPr>
+          <p:nvPr>
+            <p:ph type="sldNum" sz="quarter" idx="5"/>
+          </p:nvPr>
+        </p:nvSpPr>
+        <p:spPr/>
+        <p:txBody>
+          <a:bodyPr/>
+          <a:lstStyle/>
+          <a:p>
+            <a:fld id="{B4008EB6-D09E-4580-8CD6-DDB14511944F}" type="slidenum">
+              <a:rPr lang="en-US" smtClean="0"/>
+              <a:pPr/>
+              <a:t>4</a:t>
+            </a:fld>
+            <a:endParaRPr lang="en-US"/>
+          </a:p>
+        </p:txBody>
+      </p:sp>
+    </p:spTree>
+    <p:extLst>
+      <p:ext uri="{BB962C8B-B14F-4D97-AF65-F5344CB8AC3E}">
+        <p14:creationId xmlns:p14="http://schemas.microsoft.com/office/powerpoint/2010/main" val="1796332136"/>
+      </p:ext>
+    </p:extLst>
+  </p:cSld>
+  <p:clrMapOvr>
+    <a:masterClrMapping/>
+  </p:clrMapOvr>
+</p:notes>
+</file>
+
+<file path=ppt/notesSlides/notesSlide4.xml><?xml version="1.0" encoding="utf-8"?>
 <p:notes xmlns:a="http://schemas.openxmlformats.org/drawingml/2006/main" xmlns:r="http://schemas.openxmlformats.org/officeDocument/2006/relationships" xmlns:p="http://schemas.openxmlformats.org/presentationml/2006/main">
   <p:cSld>
     <p:spTree>
@@ -3922,7 +4298,7 @@
             <a:fld id="{B4008EB6-D09E-4580-8CD6-DDB14511944F}" type="slidenum">
               <a:rPr lang="en-US" smtClean="0"/>
               <a:pPr/>
-              <a:t>12</a:t>
+              <a:t>6</a:t>
             </a:fld>
             <a:endParaRPr lang="en-US"/>
           </a:p>
@@ -3931,574 +4307,7 @@
     </p:spTree>
     <p:extLst>
       <p:ext uri="{BB962C8B-B14F-4D97-AF65-F5344CB8AC3E}">
-        <p14:creationId xmlns:p14="http://schemas.microsoft.com/office/powerpoint/2010/main" val="994224619"/>
-      </p:ext>
-    </p:extLst>
-  </p:cSld>
-  <p:clrMapOvr>
-    <a:masterClrMapping/>
-  </p:clrMapOvr>
-</p:notes>
-</file>
-
-<file path=ppt/notesSlides/notesSlide2.xml><?xml version="1.0" encoding="utf-8"?>
-<p:notes xmlns:a="http://schemas.openxmlformats.org/drawingml/2006/main" xmlns:r="http://schemas.openxmlformats.org/officeDocument/2006/relationships" xmlns:p="http://schemas.openxmlformats.org/presentationml/2006/main">
-  <p:cSld>
-    <p:spTree>
-      <p:nvGrpSpPr>
-        <p:cNvPr id="1" name=""/>
-        <p:cNvGrpSpPr/>
-        <p:nvPr/>
-      </p:nvGrpSpPr>
-      <p:grpSpPr>
-        <a:xfrm>
-          <a:off x="0" y="0"/>
-          <a:ext cx="0" cy="0"/>
-          <a:chOff x="0" y="0"/>
-          <a:chExt cx="0" cy="0"/>
-        </a:xfrm>
-      </p:grpSpPr>
-      <p:sp>
-        <p:nvSpPr>
-          <p:cNvPr id="2" name="Espaço Reservado para Imagem de Slide 1"/>
-          <p:cNvSpPr>
-            <a:spLocks noGrp="1" noRot="1" noChangeAspect="1"/>
-          </p:cNvSpPr>
-          <p:nvPr>
-            <p:ph type="sldImg"/>
-          </p:nvPr>
-        </p:nvSpPr>
-        <p:spPr/>
-      </p:sp>
-      <p:sp>
-        <p:nvSpPr>
-          <p:cNvPr id="3" name="Espaço Reservado para Anotações 2"/>
-          <p:cNvSpPr>
-            <a:spLocks noGrp="1"/>
-          </p:cNvSpPr>
-          <p:nvPr>
-            <p:ph type="body" idx="1"/>
-          </p:nvPr>
-        </p:nvSpPr>
-        <p:spPr/>
-        <p:txBody>
-          <a:bodyPr/>
-          <a:lstStyle/>
-          <a:p>
-            <a:pPr marL="0" marR="0" lvl="0" indent="0" algn="l" defTabSz="932742" rtl="0" eaLnBrk="1" fontAlgn="auto" latinLnBrk="0" hangingPunct="1">
-              <a:lnSpc>
-                <a:spcPct val="90000"/>
-              </a:lnSpc>
-              <a:spcBef>
-                <a:spcPts val="0"/>
-              </a:spcBef>
-              <a:spcAft>
-                <a:spcPts val="340"/>
-              </a:spcAft>
-              <a:buClrTx/>
-              <a:buSzTx/>
-              <a:buFontTx/>
-              <a:buNone/>
-              <a:tabLst/>
-              <a:defRPr/>
-            </a:pPr>
-            <a:r>
-              <a:rPr lang="pt-BR" dirty="0"/>
-              <a:t>Solicitar acesso via </a:t>
-            </a:r>
-            <a:r>
-              <a:rPr lang="pt-BR" dirty="0" err="1"/>
-              <a:t>form</a:t>
-            </a:r>
-            <a:r>
-              <a:rPr lang="pt-BR" dirty="0"/>
-              <a:t> do recurso </a:t>
-            </a:r>
-            <a:r>
-              <a:rPr lang="pt-BR" dirty="0" err="1"/>
-              <a:t>azureopenai</a:t>
-            </a:r>
-            <a:r>
-              <a:rPr lang="pt-BR" dirty="0"/>
-              <a:t>(tempo de resposta da </a:t>
-            </a:r>
-            <a:r>
-              <a:rPr lang="pt-BR" dirty="0" err="1"/>
-              <a:t>solicitacao</a:t>
-            </a:r>
-            <a:r>
-              <a:rPr lang="pt-BR" dirty="0"/>
-              <a:t> menciona ate 10 dias uteis, comigo levou 2 dias)</a:t>
-            </a:r>
-          </a:p>
-          <a:p>
-            <a:endParaRPr lang="pt-BR" dirty="0"/>
-          </a:p>
-        </p:txBody>
-      </p:sp>
-      <p:sp>
-        <p:nvSpPr>
-          <p:cNvPr id="4" name="Espaço Reservado para Cabeçalho 3"/>
-          <p:cNvSpPr>
-            <a:spLocks noGrp="1"/>
-          </p:cNvSpPr>
-          <p:nvPr>
-            <p:ph type="hdr" sz="quarter"/>
-          </p:nvPr>
-        </p:nvSpPr>
-        <p:spPr/>
-        <p:txBody>
-          <a:bodyPr/>
-          <a:lstStyle/>
-          <a:p>
-            <a:endParaRPr lang="en-US"/>
-          </a:p>
-        </p:txBody>
-      </p:sp>
-      <p:sp>
-        <p:nvSpPr>
-          <p:cNvPr id="5" name="Espaço Reservado para Rodapé 4"/>
-          <p:cNvSpPr>
-            <a:spLocks noGrp="1"/>
-          </p:cNvSpPr>
-          <p:nvPr>
-            <p:ph type="ftr" sz="quarter" idx="4"/>
-          </p:nvPr>
-        </p:nvSpPr>
-        <p:spPr/>
-        <p:txBody>
-          <a:bodyPr/>
-          <a:lstStyle/>
-          <a:p>
-            <a:pPr defTabSz="914099" eaLnBrk="0" hangingPunct="0"/>
-            <a:r>
-              <a:rPr lang="en-US" sz="400">
-                <a:gradFill>
-                  <a:gsLst>
-                    <a:gs pos="0">
-                      <a:prstClr val="black"/>
-                    </a:gs>
-                    <a:gs pos="100000">
-                      <a:prstClr val="black"/>
-                    </a:gs>
-                  </a:gsLst>
-                  <a:lin ang="5400000" scaled="0"/>
-                </a:gradFill>
-                <a:latin typeface="Segoe UI" pitchFamily="34" charset="0"/>
-                <a:ea typeface="Segoe UI" pitchFamily="34" charset="0"/>
-                <a:cs typeface="Segoe UI" pitchFamily="34" charset="0"/>
-              </a:rPr>
-              <a:t>© Microsoft Corporation</a:t>
-            </a:r>
-          </a:p>
-        </p:txBody>
-      </p:sp>
-      <p:sp>
-        <p:nvSpPr>
-          <p:cNvPr id="6" name="Espaço Reservado para Número de Slide 5"/>
-          <p:cNvSpPr>
-            <a:spLocks noGrp="1"/>
-          </p:cNvSpPr>
-          <p:nvPr>
-            <p:ph type="sldNum" sz="quarter" idx="5"/>
-          </p:nvPr>
-        </p:nvSpPr>
-        <p:spPr/>
-        <p:txBody>
-          <a:bodyPr/>
-          <a:lstStyle/>
-          <a:p>
-            <a:fld id="{B4008EB6-D09E-4580-8CD6-DDB14511944F}" type="slidenum">
-              <a:rPr lang="en-US" smtClean="0"/>
-              <a:pPr/>
-              <a:t>3</a:t>
-            </a:fld>
-            <a:endParaRPr lang="en-US"/>
-          </a:p>
-        </p:txBody>
-      </p:sp>
-    </p:spTree>
-    <p:extLst>
-      <p:ext uri="{BB962C8B-B14F-4D97-AF65-F5344CB8AC3E}">
-        <p14:creationId xmlns:p14="http://schemas.microsoft.com/office/powerpoint/2010/main" val="116033880"/>
-      </p:ext>
-    </p:extLst>
-  </p:cSld>
-  <p:clrMapOvr>
-    <a:masterClrMapping/>
-  </p:clrMapOvr>
-</p:notes>
-</file>
-
-<file path=ppt/notesSlides/notesSlide3.xml><?xml version="1.0" encoding="utf-8"?>
-<p:notes xmlns:a="http://schemas.openxmlformats.org/drawingml/2006/main" xmlns:r="http://schemas.openxmlformats.org/officeDocument/2006/relationships" xmlns:p="http://schemas.openxmlformats.org/presentationml/2006/main">
-  <p:cSld>
-    <p:spTree>
-      <p:nvGrpSpPr>
-        <p:cNvPr id="1" name=""/>
-        <p:cNvGrpSpPr/>
-        <p:nvPr/>
-      </p:nvGrpSpPr>
-      <p:grpSpPr>
-        <a:xfrm>
-          <a:off x="0" y="0"/>
-          <a:ext cx="0" cy="0"/>
-          <a:chOff x="0" y="0"/>
-          <a:chExt cx="0" cy="0"/>
-        </a:xfrm>
-      </p:grpSpPr>
-      <p:sp>
-        <p:nvSpPr>
-          <p:cNvPr id="2" name="Espaço Reservado para Imagem de Slide 1"/>
-          <p:cNvSpPr>
-            <a:spLocks noGrp="1" noRot="1" noChangeAspect="1"/>
-          </p:cNvSpPr>
-          <p:nvPr>
-            <p:ph type="sldImg"/>
-          </p:nvPr>
-        </p:nvSpPr>
-        <p:spPr/>
-      </p:sp>
-      <p:sp>
-        <p:nvSpPr>
-          <p:cNvPr id="3" name="Espaço Reservado para Anotações 2"/>
-          <p:cNvSpPr>
-            <a:spLocks noGrp="1"/>
-          </p:cNvSpPr>
-          <p:nvPr>
-            <p:ph type="body" idx="1"/>
-          </p:nvPr>
-        </p:nvSpPr>
-        <p:spPr/>
-        <p:txBody>
-          <a:bodyPr/>
-          <a:lstStyle/>
-          <a:p>
-            <a:pPr marL="0" marR="0" lvl="0" indent="0" algn="l" defTabSz="932742" rtl="0" eaLnBrk="1" fontAlgn="auto" latinLnBrk="0" hangingPunct="1">
-              <a:lnSpc>
-                <a:spcPct val="90000"/>
-              </a:lnSpc>
-              <a:spcBef>
-                <a:spcPts val="0"/>
-              </a:spcBef>
-              <a:spcAft>
-                <a:spcPts val="340"/>
-              </a:spcAft>
-              <a:buClrTx/>
-              <a:buSzTx/>
-              <a:buFontTx/>
-              <a:buNone/>
-              <a:tabLst/>
-              <a:defRPr/>
-            </a:pPr>
-            <a:r>
-              <a:rPr lang="pt-BR" dirty="0"/>
-              <a:t>Solicitar acesso via </a:t>
-            </a:r>
-            <a:r>
-              <a:rPr lang="pt-BR" dirty="0" err="1"/>
-              <a:t>form</a:t>
-            </a:r>
-            <a:r>
-              <a:rPr lang="pt-BR" dirty="0"/>
-              <a:t> do recurso </a:t>
-            </a:r>
-            <a:r>
-              <a:rPr lang="pt-BR" dirty="0" err="1"/>
-              <a:t>azureopenai</a:t>
-            </a:r>
-            <a:r>
-              <a:rPr lang="pt-BR" dirty="0"/>
-              <a:t>(tempo de resposta da </a:t>
-            </a:r>
-            <a:r>
-              <a:rPr lang="pt-BR" dirty="0" err="1"/>
-              <a:t>solicitacao</a:t>
-            </a:r>
-            <a:r>
-              <a:rPr lang="pt-BR" dirty="0"/>
-              <a:t> menciona ate 10 dias uteis, comigo levou 2 dias)</a:t>
-            </a:r>
-          </a:p>
-          <a:p>
-            <a:endParaRPr lang="pt-BR" dirty="0"/>
-          </a:p>
-        </p:txBody>
-      </p:sp>
-      <p:sp>
-        <p:nvSpPr>
-          <p:cNvPr id="4" name="Espaço Reservado para Cabeçalho 3"/>
-          <p:cNvSpPr>
-            <a:spLocks noGrp="1"/>
-          </p:cNvSpPr>
-          <p:nvPr>
-            <p:ph type="hdr" sz="quarter"/>
-          </p:nvPr>
-        </p:nvSpPr>
-        <p:spPr/>
-        <p:txBody>
-          <a:bodyPr/>
-          <a:lstStyle/>
-          <a:p>
-            <a:endParaRPr lang="en-US"/>
-          </a:p>
-        </p:txBody>
-      </p:sp>
-      <p:sp>
-        <p:nvSpPr>
-          <p:cNvPr id="5" name="Espaço Reservado para Rodapé 4"/>
-          <p:cNvSpPr>
-            <a:spLocks noGrp="1"/>
-          </p:cNvSpPr>
-          <p:nvPr>
-            <p:ph type="ftr" sz="quarter" idx="4"/>
-          </p:nvPr>
-        </p:nvSpPr>
-        <p:spPr/>
-        <p:txBody>
-          <a:bodyPr/>
-          <a:lstStyle/>
-          <a:p>
-            <a:pPr defTabSz="914099" eaLnBrk="0" hangingPunct="0"/>
-            <a:r>
-              <a:rPr lang="en-US" sz="400">
-                <a:gradFill>
-                  <a:gsLst>
-                    <a:gs pos="0">
-                      <a:prstClr val="black"/>
-                    </a:gs>
-                    <a:gs pos="100000">
-                      <a:prstClr val="black"/>
-                    </a:gs>
-                  </a:gsLst>
-                  <a:lin ang="5400000" scaled="0"/>
-                </a:gradFill>
-                <a:latin typeface="Segoe UI" pitchFamily="34" charset="0"/>
-                <a:ea typeface="Segoe UI" pitchFamily="34" charset="0"/>
-                <a:cs typeface="Segoe UI" pitchFamily="34" charset="0"/>
-              </a:rPr>
-              <a:t>© Microsoft Corporation</a:t>
-            </a:r>
-          </a:p>
-        </p:txBody>
-      </p:sp>
-      <p:sp>
-        <p:nvSpPr>
-          <p:cNvPr id="6" name="Espaço Reservado para Número de Slide 5"/>
-          <p:cNvSpPr>
-            <a:spLocks noGrp="1"/>
-          </p:cNvSpPr>
-          <p:nvPr>
-            <p:ph type="sldNum" sz="quarter" idx="5"/>
-          </p:nvPr>
-        </p:nvSpPr>
-        <p:spPr/>
-        <p:txBody>
-          <a:bodyPr/>
-          <a:lstStyle/>
-          <a:p>
-            <a:fld id="{B4008EB6-D09E-4580-8CD6-DDB14511944F}" type="slidenum">
-              <a:rPr lang="en-US" smtClean="0"/>
-              <a:pPr/>
-              <a:t>4</a:t>
-            </a:fld>
-            <a:endParaRPr lang="en-US"/>
-          </a:p>
-        </p:txBody>
-      </p:sp>
-    </p:spTree>
-    <p:extLst>
-      <p:ext uri="{BB962C8B-B14F-4D97-AF65-F5344CB8AC3E}">
-        <p14:creationId xmlns:p14="http://schemas.microsoft.com/office/powerpoint/2010/main" val="3869780487"/>
-      </p:ext>
-    </p:extLst>
-  </p:cSld>
-  <p:clrMapOvr>
-    <a:masterClrMapping/>
-  </p:clrMapOvr>
-</p:notes>
-</file>
-
-<file path=ppt/notesSlides/notesSlide4.xml><?xml version="1.0" encoding="utf-8"?>
-<p:notes xmlns:a="http://schemas.openxmlformats.org/drawingml/2006/main" xmlns:r="http://schemas.openxmlformats.org/officeDocument/2006/relationships" xmlns:p="http://schemas.openxmlformats.org/presentationml/2006/main">
-  <p:cSld>
-    <p:spTree>
-      <p:nvGrpSpPr>
-        <p:cNvPr id="1" name=""/>
-        <p:cNvGrpSpPr/>
-        <p:nvPr/>
-      </p:nvGrpSpPr>
-      <p:grpSpPr>
-        <a:xfrm>
-          <a:off x="0" y="0"/>
-          <a:ext cx="0" cy="0"/>
-          <a:chOff x="0" y="0"/>
-          <a:chExt cx="0" cy="0"/>
-        </a:xfrm>
-      </p:grpSpPr>
-      <p:sp>
-        <p:nvSpPr>
-          <p:cNvPr id="2" name="Espaço Reservado para Imagem de Slide 1"/>
-          <p:cNvSpPr>
-            <a:spLocks noGrp="1" noRot="1" noChangeAspect="1"/>
-          </p:cNvSpPr>
-          <p:nvPr>
-            <p:ph type="sldImg"/>
-          </p:nvPr>
-        </p:nvSpPr>
-        <p:spPr/>
-      </p:sp>
-      <p:sp>
-        <p:nvSpPr>
-          <p:cNvPr id="3" name="Espaço Reservado para Anotações 2"/>
-          <p:cNvSpPr>
-            <a:spLocks noGrp="1"/>
-          </p:cNvSpPr>
-          <p:nvPr>
-            <p:ph type="body" idx="1"/>
-          </p:nvPr>
-        </p:nvSpPr>
-        <p:spPr/>
-        <p:txBody>
-          <a:bodyPr/>
-          <a:lstStyle/>
-          <a:p>
-            <a:pPr marL="0" marR="0" lvl="0" indent="0" algn="l" defTabSz="932742" rtl="0" eaLnBrk="1" fontAlgn="auto" latinLnBrk="0" hangingPunct="1">
-              <a:lnSpc>
-                <a:spcPct val="90000"/>
-              </a:lnSpc>
-              <a:spcBef>
-                <a:spcPts val="0"/>
-              </a:spcBef>
-              <a:spcAft>
-                <a:spcPts val="340"/>
-              </a:spcAft>
-              <a:buClrTx/>
-              <a:buSzTx/>
-              <a:buFontTx/>
-              <a:buNone/>
-              <a:tabLst/>
-              <a:defRPr/>
-            </a:pPr>
-            <a:r>
-              <a:rPr lang="pt-BR" dirty="0"/>
-              <a:t>Solicitar acesso via </a:t>
-            </a:r>
-            <a:r>
-              <a:rPr lang="pt-BR" dirty="0" err="1"/>
-              <a:t>form</a:t>
-            </a:r>
-            <a:r>
-              <a:rPr lang="pt-BR" dirty="0"/>
-              <a:t> do recurso </a:t>
-            </a:r>
-            <a:r>
-              <a:rPr lang="pt-BR" dirty="0" err="1"/>
-              <a:t>azureopenai</a:t>
-            </a:r>
-            <a:r>
-              <a:rPr lang="pt-BR" dirty="0"/>
-              <a:t>(tempo de resposta da </a:t>
-            </a:r>
-            <a:r>
-              <a:rPr lang="pt-BR" dirty="0" err="1"/>
-              <a:t>solicitacao</a:t>
-            </a:r>
-            <a:r>
-              <a:rPr lang="pt-BR" dirty="0"/>
-              <a:t> menciona ate 10 dias uteis, comigo levou 2 dias)</a:t>
-            </a:r>
-          </a:p>
-          <a:p>
-            <a:endParaRPr lang="pt-BR" dirty="0"/>
-          </a:p>
-        </p:txBody>
-      </p:sp>
-      <p:sp>
-        <p:nvSpPr>
-          <p:cNvPr id="4" name="Espaço Reservado para Cabeçalho 3"/>
-          <p:cNvSpPr>
-            <a:spLocks noGrp="1"/>
-          </p:cNvSpPr>
-          <p:nvPr>
-            <p:ph type="hdr" sz="quarter"/>
-          </p:nvPr>
-        </p:nvSpPr>
-        <p:spPr/>
-        <p:txBody>
-          <a:bodyPr/>
-          <a:lstStyle/>
-          <a:p>
-            <a:endParaRPr lang="en-US"/>
-          </a:p>
-        </p:txBody>
-      </p:sp>
-      <p:sp>
-        <p:nvSpPr>
-          <p:cNvPr id="5" name="Espaço Reservado para Rodapé 4"/>
-          <p:cNvSpPr>
-            <a:spLocks noGrp="1"/>
-          </p:cNvSpPr>
-          <p:nvPr>
-            <p:ph type="ftr" sz="quarter" idx="4"/>
-          </p:nvPr>
-        </p:nvSpPr>
-        <p:spPr/>
-        <p:txBody>
-          <a:bodyPr/>
-          <a:lstStyle/>
-          <a:p>
-            <a:pPr defTabSz="914099" eaLnBrk="0" hangingPunct="0"/>
-            <a:r>
-              <a:rPr lang="en-US" sz="400">
-                <a:gradFill>
-                  <a:gsLst>
-                    <a:gs pos="0">
-                      <a:prstClr val="black"/>
-                    </a:gs>
-                    <a:gs pos="100000">
-                      <a:prstClr val="black"/>
-                    </a:gs>
-                  </a:gsLst>
-                  <a:lin ang="5400000" scaled="0"/>
-                </a:gradFill>
-                <a:latin typeface="Segoe UI" pitchFamily="34" charset="0"/>
-                <a:ea typeface="Segoe UI" pitchFamily="34" charset="0"/>
-                <a:cs typeface="Segoe UI" pitchFamily="34" charset="0"/>
-              </a:rPr>
-              <a:t>© Microsoft Corporation</a:t>
-            </a:r>
-          </a:p>
-        </p:txBody>
-      </p:sp>
-      <p:sp>
-        <p:nvSpPr>
-          <p:cNvPr id="6" name="Espaço Reservado para Número de Slide 5"/>
-          <p:cNvSpPr>
-            <a:spLocks noGrp="1"/>
-          </p:cNvSpPr>
-          <p:nvPr>
-            <p:ph type="sldNum" sz="quarter" idx="5"/>
-          </p:nvPr>
-        </p:nvSpPr>
-        <p:spPr/>
-        <p:txBody>
-          <a:bodyPr/>
-          <a:lstStyle/>
-          <a:p>
-            <a:fld id="{B4008EB6-D09E-4580-8CD6-DDB14511944F}" type="slidenum">
-              <a:rPr lang="en-US" smtClean="0"/>
-              <a:pPr/>
-              <a:t>5</a:t>
-            </a:fld>
-            <a:endParaRPr lang="en-US"/>
-          </a:p>
-        </p:txBody>
-      </p:sp>
-    </p:spTree>
-    <p:extLst>
-      <p:ext uri="{BB962C8B-B14F-4D97-AF65-F5344CB8AC3E}">
-        <p14:creationId xmlns:p14="http://schemas.microsoft.com/office/powerpoint/2010/main" val="1796332136"/>
+        <p14:creationId xmlns:p14="http://schemas.microsoft.com/office/powerpoint/2010/main" val="3350812317"/>
       </p:ext>
     </p:extLst>
   </p:cSld>
@@ -4640,7 +4449,7 @@
     </p:spTree>
     <p:extLst>
       <p:ext uri="{BB962C8B-B14F-4D97-AF65-F5344CB8AC3E}">
-        <p14:creationId xmlns:p14="http://schemas.microsoft.com/office/powerpoint/2010/main" val="3350812317"/>
+        <p14:creationId xmlns:p14="http://schemas.microsoft.com/office/powerpoint/2010/main" val="2112005226"/>
       </p:ext>
     </p:extLst>
   </p:cSld>
@@ -4782,7 +4591,7 @@
     </p:spTree>
     <p:extLst>
       <p:ext uri="{BB962C8B-B14F-4D97-AF65-F5344CB8AC3E}">
-        <p14:creationId xmlns:p14="http://schemas.microsoft.com/office/powerpoint/2010/main" val="2112005226"/>
+        <p14:creationId xmlns:p14="http://schemas.microsoft.com/office/powerpoint/2010/main" val="1173386525"/>
       </p:ext>
     </p:extLst>
   </p:cSld>
@@ -4924,7 +4733,7 @@
     </p:spTree>
     <p:extLst>
       <p:ext uri="{BB962C8B-B14F-4D97-AF65-F5344CB8AC3E}">
-        <p14:creationId xmlns:p14="http://schemas.microsoft.com/office/powerpoint/2010/main" val="1173386525"/>
+        <p14:creationId xmlns:p14="http://schemas.microsoft.com/office/powerpoint/2010/main" val="554059990"/>
       </p:ext>
     </p:extLst>
   </p:cSld>
@@ -5066,7 +4875,7 @@
     </p:spTree>
     <p:extLst>
       <p:ext uri="{BB962C8B-B14F-4D97-AF65-F5344CB8AC3E}">
-        <p14:creationId xmlns:p14="http://schemas.microsoft.com/office/powerpoint/2010/main" val="554059990"/>
+        <p14:creationId xmlns:p14="http://schemas.microsoft.com/office/powerpoint/2010/main" val="274415803"/>
       </p:ext>
     </p:extLst>
   </p:cSld>
@@ -5208,7 +5017,7 @@
     </p:spTree>
     <p:extLst>
       <p:ext uri="{BB962C8B-B14F-4D97-AF65-F5344CB8AC3E}">
-        <p14:creationId xmlns:p14="http://schemas.microsoft.com/office/powerpoint/2010/main" val="274415803"/>
+        <p14:creationId xmlns:p14="http://schemas.microsoft.com/office/powerpoint/2010/main" val="994224619"/>
       </p:ext>
     </p:extLst>
   </p:cSld>
@@ -23303,112 +23112,6 @@
       </p:grpSpPr>
       <p:sp>
         <p:nvSpPr>
-          <p:cNvPr id="5" name="CaixaDeTexto 4">
-            <a:extLst>
-              <a:ext uri="{FF2B5EF4-FFF2-40B4-BE49-F238E27FC236}">
-                <a16:creationId xmlns:a16="http://schemas.microsoft.com/office/drawing/2014/main" id="{8ACDB991-EC5C-F38D-2382-DB6C1328DBFA}"/>
-              </a:ext>
-            </a:extLst>
-          </p:cNvPr>
-          <p:cNvSpPr txBox="1"/>
-          <p:nvPr/>
-        </p:nvSpPr>
-        <p:spPr>
-          <a:xfrm>
-            <a:off x="451338" y="2745911"/>
-            <a:ext cx="10649356" cy="646331"/>
-          </a:xfrm>
-          <a:prstGeom prst="rect">
-            <a:avLst/>
-          </a:prstGeom>
-          <a:noFill/>
-        </p:spPr>
-        <p:txBody>
-          <a:bodyPr wrap="square">
-            <a:spAutoFit/>
-          </a:bodyPr>
-          <a:lstStyle/>
-          <a:p>
-            <a:r>
-              <a:rPr lang="pt-BR" b="0" i="0" dirty="0">
-                <a:solidFill>
-                  <a:schemeClr val="bg1"/>
-                </a:solidFill>
-                <a:effectLst/>
-                <a:latin typeface="Segoe UI Web (West European)"/>
-              </a:rPr>
-              <a:t>https://{XXXXXXXX}.openai.azure.com/</a:t>
-            </a:r>
-            <a:r>
-              <a:rPr lang="pt-BR" b="0" i="0" dirty="0" err="1">
-                <a:solidFill>
-                  <a:schemeClr val="bg1"/>
-                </a:solidFill>
-                <a:effectLst/>
-                <a:latin typeface="Segoe UI Web (West European)"/>
-              </a:rPr>
-              <a:t>openai</a:t>
-            </a:r>
-            <a:r>
-              <a:rPr lang="pt-BR" b="0" i="0" dirty="0">
-                <a:solidFill>
-                  <a:schemeClr val="bg1"/>
-                </a:solidFill>
-                <a:effectLst/>
-                <a:latin typeface="Segoe UI Web (West European)"/>
-              </a:rPr>
-              <a:t>/</a:t>
-            </a:r>
-            <a:r>
-              <a:rPr lang="pt-BR" b="0" i="0" dirty="0" err="1">
-                <a:solidFill>
-                  <a:schemeClr val="bg1"/>
-                </a:solidFill>
-                <a:effectLst/>
-                <a:latin typeface="Segoe UI Web (West European)"/>
-              </a:rPr>
-              <a:t>deployments</a:t>
-            </a:r>
-            <a:r>
-              <a:rPr lang="pt-BR" b="0" i="0" dirty="0">
-                <a:solidFill>
-                  <a:schemeClr val="bg1"/>
-                </a:solidFill>
-                <a:effectLst/>
-                <a:latin typeface="Segoe UI Web (West European)"/>
-              </a:rPr>
-              <a:t>/{MODEL_NAME}/chat/</a:t>
-            </a:r>
-            <a:r>
-              <a:rPr lang="pt-BR" b="0" i="0" dirty="0" err="1">
-                <a:solidFill>
-                  <a:schemeClr val="bg1"/>
-                </a:solidFill>
-                <a:effectLst/>
-                <a:latin typeface="Segoe UI Web (West European)"/>
-              </a:rPr>
-              <a:t>completions?api-version</a:t>
-            </a:r>
-            <a:r>
-              <a:rPr lang="pt-BR" b="0" i="0" dirty="0">
-                <a:solidFill>
-                  <a:schemeClr val="bg1"/>
-                </a:solidFill>
-                <a:effectLst/>
-                <a:latin typeface="Segoe UI Web (West European)"/>
-              </a:rPr>
-              <a:t>={API_VERSION}</a:t>
-            </a:r>
-            <a:endParaRPr lang="pt-BR" dirty="0">
-              <a:solidFill>
-                <a:schemeClr val="bg1"/>
-              </a:solidFill>
-            </a:endParaRPr>
-          </a:p>
-        </p:txBody>
-      </p:sp>
-      <p:sp>
-        <p:nvSpPr>
           <p:cNvPr id="6" name="Espaço Reservado para Texto 2">
             <a:extLst>
               <a:ext uri="{FF2B5EF4-FFF2-40B4-BE49-F238E27FC236}">
@@ -23625,20 +23328,45 @@
           <a:p>
             <a:r>
               <a:rPr lang="pt-BR" sz="4400" dirty="0"/>
-              <a:t>Configuração da Task de </a:t>
-            </a:r>
-            <a:r>
-              <a:rPr lang="pt-BR" sz="4400" dirty="0" err="1"/>
-              <a:t>pullrequest</a:t>
-            </a:r>
-            <a:endParaRPr lang="pt-BR" sz="4400" dirty="0"/>
+              <a:t>Cotas</a:t>
+            </a:r>
           </a:p>
         </p:txBody>
       </p:sp>
+      <p:pic>
+        <p:nvPicPr>
+          <p:cNvPr id="3" name="Imagem 2">
+            <a:extLst>
+              <a:ext uri="{FF2B5EF4-FFF2-40B4-BE49-F238E27FC236}">
+                <a16:creationId xmlns:a16="http://schemas.microsoft.com/office/drawing/2014/main" id="{63EEB2DD-6CC2-D4D9-110A-2F68E65FE16C}"/>
+              </a:ext>
+            </a:extLst>
+          </p:cNvPr>
+          <p:cNvPicPr>
+            <a:picLocks noChangeAspect="1"/>
+          </p:cNvPicPr>
+          <p:nvPr/>
+        </p:nvPicPr>
+        <p:blipFill>
+          <a:blip r:embed="rId3"/>
+          <a:stretch>
+            <a:fillRect/>
+          </a:stretch>
+        </p:blipFill>
+        <p:spPr>
+          <a:xfrm>
+            <a:off x="451338" y="1978703"/>
+            <a:ext cx="9074556" cy="4473799"/>
+          </a:xfrm>
+          <a:prstGeom prst="rect">
+            <a:avLst/>
+          </a:prstGeom>
+        </p:spPr>
+      </p:pic>
     </p:spTree>
     <p:extLst>
       <p:ext uri="{BB962C8B-B14F-4D97-AF65-F5344CB8AC3E}">
-        <p14:creationId xmlns:p14="http://schemas.microsoft.com/office/powerpoint/2010/main" val="416104535"/>
+        <p14:creationId xmlns:p14="http://schemas.microsoft.com/office/powerpoint/2010/main" val="2495486148"/>
       </p:ext>
     </p:extLst>
   </p:cSld>
@@ -23895,407 +23623,6 @@
           <a:p>
             <a:r>
               <a:rPr lang="pt-BR" sz="4400" dirty="0"/>
-              <a:t>Cotas</a:t>
-            </a:r>
-          </a:p>
-        </p:txBody>
-      </p:sp>
-      <p:pic>
-        <p:nvPicPr>
-          <p:cNvPr id="3" name="Imagem 2">
-            <a:extLst>
-              <a:ext uri="{FF2B5EF4-FFF2-40B4-BE49-F238E27FC236}">
-                <a16:creationId xmlns:a16="http://schemas.microsoft.com/office/drawing/2014/main" id="{63EEB2DD-6CC2-D4D9-110A-2F68E65FE16C}"/>
-              </a:ext>
-            </a:extLst>
-          </p:cNvPr>
-          <p:cNvPicPr>
-            <a:picLocks noChangeAspect="1"/>
-          </p:cNvPicPr>
-          <p:nvPr/>
-        </p:nvPicPr>
-        <p:blipFill>
-          <a:blip r:embed="rId3"/>
-          <a:stretch>
-            <a:fillRect/>
-          </a:stretch>
-        </p:blipFill>
-        <p:spPr>
-          <a:xfrm>
-            <a:off x="451338" y="1978703"/>
-            <a:ext cx="9074556" cy="4473799"/>
-          </a:xfrm>
-          <a:prstGeom prst="rect">
-            <a:avLst/>
-          </a:prstGeom>
-        </p:spPr>
-      </p:pic>
-    </p:spTree>
-    <p:extLst>
-      <p:ext uri="{BB962C8B-B14F-4D97-AF65-F5344CB8AC3E}">
-        <p14:creationId xmlns:p14="http://schemas.microsoft.com/office/powerpoint/2010/main" val="2495486148"/>
-      </p:ext>
-    </p:extLst>
-  </p:cSld>
-  <p:clrMapOvr>
-    <a:masterClrMapping/>
-  </p:clrMapOvr>
-  <mc:AlternateContent xmlns:mc="http://schemas.openxmlformats.org/markup-compatibility/2006">
-    <mc:Choice xmlns:p14="http://schemas.microsoft.com/office/powerpoint/2010/main" Requires="p14">
-      <p:transition spd="med" p14:dur="700">
-        <p:fade/>
-      </p:transition>
-    </mc:Choice>
-    <mc:Fallback>
-      <p:transition spd="med">
-        <p:fade/>
-      </p:transition>
-    </mc:Fallback>
-  </mc:AlternateContent>
-</p:sld>
-</file>
-
-<file path=ppt/slides/slide12.xml><?xml version="1.0" encoding="utf-8"?>
-<p:sld xmlns:a="http://schemas.openxmlformats.org/drawingml/2006/main" xmlns:r="http://schemas.openxmlformats.org/officeDocument/2006/relationships" xmlns:p="http://schemas.openxmlformats.org/presentationml/2006/main">
-  <p:cSld>
-    <p:spTree>
-      <p:nvGrpSpPr>
-        <p:cNvPr id="1" name=""/>
-        <p:cNvGrpSpPr/>
-        <p:nvPr/>
-      </p:nvGrpSpPr>
-      <p:grpSpPr>
-        <a:xfrm>
-          <a:off x="0" y="0"/>
-          <a:ext cx="0" cy="0"/>
-          <a:chOff x="0" y="0"/>
-          <a:chExt cx="0" cy="0"/>
-        </a:xfrm>
-      </p:grpSpPr>
-      <p:sp>
-        <p:nvSpPr>
-          <p:cNvPr id="5" name="CaixaDeTexto 4">
-            <a:extLst>
-              <a:ext uri="{FF2B5EF4-FFF2-40B4-BE49-F238E27FC236}">
-                <a16:creationId xmlns:a16="http://schemas.microsoft.com/office/drawing/2014/main" id="{8ACDB991-EC5C-F38D-2382-DB6C1328DBFA}"/>
-              </a:ext>
-            </a:extLst>
-          </p:cNvPr>
-          <p:cNvSpPr txBox="1"/>
-          <p:nvPr/>
-        </p:nvSpPr>
-        <p:spPr>
-          <a:xfrm>
-            <a:off x="451338" y="2745911"/>
-            <a:ext cx="10649356" cy="646331"/>
-          </a:xfrm>
-          <a:prstGeom prst="rect">
-            <a:avLst/>
-          </a:prstGeom>
-          <a:noFill/>
-        </p:spPr>
-        <p:txBody>
-          <a:bodyPr wrap="square">
-            <a:spAutoFit/>
-          </a:bodyPr>
-          <a:lstStyle/>
-          <a:p>
-            <a:r>
-              <a:rPr lang="pt-BR" b="0" i="0" dirty="0">
-                <a:solidFill>
-                  <a:schemeClr val="bg1"/>
-                </a:solidFill>
-                <a:effectLst/>
-                <a:latin typeface="Segoe UI Web (West European)"/>
-              </a:rPr>
-              <a:t>https://{XXXXXXXX}.openai.azure.com/</a:t>
-            </a:r>
-            <a:r>
-              <a:rPr lang="pt-BR" b="0" i="0" dirty="0" err="1">
-                <a:solidFill>
-                  <a:schemeClr val="bg1"/>
-                </a:solidFill>
-                <a:effectLst/>
-                <a:latin typeface="Segoe UI Web (West European)"/>
-              </a:rPr>
-              <a:t>openai</a:t>
-            </a:r>
-            <a:r>
-              <a:rPr lang="pt-BR" b="0" i="0" dirty="0">
-                <a:solidFill>
-                  <a:schemeClr val="bg1"/>
-                </a:solidFill>
-                <a:effectLst/>
-                <a:latin typeface="Segoe UI Web (West European)"/>
-              </a:rPr>
-              <a:t>/</a:t>
-            </a:r>
-            <a:r>
-              <a:rPr lang="pt-BR" b="0" i="0" dirty="0" err="1">
-                <a:solidFill>
-                  <a:schemeClr val="bg1"/>
-                </a:solidFill>
-                <a:effectLst/>
-                <a:latin typeface="Segoe UI Web (West European)"/>
-              </a:rPr>
-              <a:t>deployments</a:t>
-            </a:r>
-            <a:r>
-              <a:rPr lang="pt-BR" b="0" i="0" dirty="0">
-                <a:solidFill>
-                  <a:schemeClr val="bg1"/>
-                </a:solidFill>
-                <a:effectLst/>
-                <a:latin typeface="Segoe UI Web (West European)"/>
-              </a:rPr>
-              <a:t>/{MODEL_NAME}/chat/</a:t>
-            </a:r>
-            <a:r>
-              <a:rPr lang="pt-BR" b="0" i="0" dirty="0" err="1">
-                <a:solidFill>
-                  <a:schemeClr val="bg1"/>
-                </a:solidFill>
-                <a:effectLst/>
-                <a:latin typeface="Segoe UI Web (West European)"/>
-              </a:rPr>
-              <a:t>completions?api-version</a:t>
-            </a:r>
-            <a:r>
-              <a:rPr lang="pt-BR" b="0" i="0" dirty="0">
-                <a:solidFill>
-                  <a:schemeClr val="bg1"/>
-                </a:solidFill>
-                <a:effectLst/>
-                <a:latin typeface="Segoe UI Web (West European)"/>
-              </a:rPr>
-              <a:t>={API_VERSION}</a:t>
-            </a:r>
-            <a:endParaRPr lang="pt-BR" dirty="0">
-              <a:solidFill>
-                <a:schemeClr val="bg1"/>
-              </a:solidFill>
-            </a:endParaRPr>
-          </a:p>
-        </p:txBody>
-      </p:sp>
-      <p:sp>
-        <p:nvSpPr>
-          <p:cNvPr id="6" name="Espaço Reservado para Texto 2">
-            <a:extLst>
-              <a:ext uri="{FF2B5EF4-FFF2-40B4-BE49-F238E27FC236}">
-                <a16:creationId xmlns:a16="http://schemas.microsoft.com/office/drawing/2014/main" id="{4241B9D4-4E11-C865-F7EE-C8ADDF366F9D}"/>
-              </a:ext>
-            </a:extLst>
-          </p:cNvPr>
-          <p:cNvSpPr txBox="1">
-            <a:spLocks/>
-          </p:cNvSpPr>
-          <p:nvPr/>
-        </p:nvSpPr>
-        <p:spPr>
-          <a:xfrm>
-            <a:off x="451338" y="803485"/>
-            <a:ext cx="9795376" cy="861774"/>
-          </a:xfrm>
-          <a:prstGeom prst="rect">
-            <a:avLst/>
-          </a:prstGeom>
-        </p:spPr>
-        <p:txBody>
-          <a:bodyPr vert="horz" wrap="square" lIns="0" tIns="91440" rIns="146304" bIns="91440" rtlCol="0">
-            <a:spAutoFit/>
-          </a:bodyPr>
-          <a:lstStyle>
-            <a:lvl1pPr marL="0" marR="0" indent="0" algn="l" defTabSz="932742" rtl="0" eaLnBrk="1" fontAlgn="auto" latinLnBrk="0" hangingPunct="1">
-              <a:lnSpc>
-                <a:spcPct val="100000"/>
-              </a:lnSpc>
-              <a:spcBef>
-                <a:spcPts val="0"/>
-              </a:spcBef>
-              <a:spcAft>
-                <a:spcPts val="0"/>
-              </a:spcAft>
-              <a:buClrTx/>
-              <a:buSzPct val="90000"/>
-              <a:buFont typeface="Wingdings" panose="05000000000000000000" pitchFamily="2" charset="2"/>
-              <a:buNone/>
-              <a:tabLst/>
-              <a:defRPr sz="1800" kern="1200" spc="-50" baseline="0">
-                <a:solidFill>
-                  <a:schemeClr val="bg2"/>
-                </a:solidFill>
-                <a:latin typeface="+mj-lt"/>
-                <a:ea typeface="+mn-ea"/>
-                <a:cs typeface="+mn-cs"/>
-              </a:defRPr>
-            </a:lvl1pPr>
-            <a:lvl2pPr marL="0" marR="0" indent="0" algn="l" defTabSz="932742" rtl="0" eaLnBrk="1" fontAlgn="auto" latinLnBrk="0" hangingPunct="1">
-              <a:lnSpc>
-                <a:spcPct val="100000"/>
-              </a:lnSpc>
-              <a:spcBef>
-                <a:spcPts val="0"/>
-              </a:spcBef>
-              <a:spcAft>
-                <a:spcPts val="0"/>
-              </a:spcAft>
-              <a:buClrTx/>
-              <a:buSzPct val="90000"/>
-              <a:buFontTx/>
-              <a:buNone/>
-              <a:tabLst/>
-              <a:defRPr sz="1800" kern="1200" spc="0" baseline="0">
-                <a:solidFill>
-                  <a:srgbClr val="000000"/>
-                </a:solidFill>
-                <a:latin typeface="+mn-lt"/>
-                <a:ea typeface="+mn-ea"/>
-                <a:cs typeface="+mn-cs"/>
-              </a:defRPr>
-            </a:lvl2pPr>
-            <a:lvl3pPr marL="0" marR="0" indent="0" algn="l" defTabSz="932742" rtl="0" eaLnBrk="1" fontAlgn="auto" latinLnBrk="0" hangingPunct="1">
-              <a:lnSpc>
-                <a:spcPct val="100000"/>
-              </a:lnSpc>
-              <a:spcBef>
-                <a:spcPts val="0"/>
-              </a:spcBef>
-              <a:spcAft>
-                <a:spcPts val="0"/>
-              </a:spcAft>
-              <a:buClrTx/>
-              <a:buSzPct val="90000"/>
-              <a:buFont typeface="Wingdings" panose="05000000000000000000" pitchFamily="2" charset="2"/>
-              <a:buNone/>
-              <a:tabLst/>
-              <a:defRPr sz="1400" kern="1200" spc="0" baseline="0">
-                <a:solidFill>
-                  <a:schemeClr val="tx2"/>
-                </a:solidFill>
-                <a:latin typeface="+mj-lt"/>
-                <a:ea typeface="+mn-ea"/>
-                <a:cs typeface="+mn-cs"/>
-              </a:defRPr>
-            </a:lvl3pPr>
-            <a:lvl4pPr marL="0" marR="0" indent="0" algn="l" defTabSz="932742" rtl="0" eaLnBrk="1" fontAlgn="auto" latinLnBrk="0" hangingPunct="1">
-              <a:lnSpc>
-                <a:spcPct val="100000"/>
-              </a:lnSpc>
-              <a:spcBef>
-                <a:spcPts val="0"/>
-              </a:spcBef>
-              <a:spcAft>
-                <a:spcPts val="0"/>
-              </a:spcAft>
-              <a:buClrTx/>
-              <a:buSzPct val="90000"/>
-              <a:buFont typeface="Wingdings" panose="05000000000000000000" pitchFamily="2" charset="2"/>
-              <a:buNone/>
-              <a:tabLst/>
-              <a:defRPr sz="1400" kern="1200" spc="0" baseline="0">
-                <a:solidFill>
-                  <a:srgbClr val="000000"/>
-                </a:solidFill>
-                <a:latin typeface="+mn-lt"/>
-                <a:ea typeface="+mn-ea"/>
-                <a:cs typeface="+mn-cs"/>
-              </a:defRPr>
-            </a:lvl4pPr>
-            <a:lvl5pPr marL="0" marR="0" indent="0" algn="l" defTabSz="932742" rtl="0" eaLnBrk="1" fontAlgn="auto" latinLnBrk="0" hangingPunct="1">
-              <a:lnSpc>
-                <a:spcPct val="100000"/>
-              </a:lnSpc>
-              <a:spcBef>
-                <a:spcPts val="0"/>
-              </a:spcBef>
-              <a:spcAft>
-                <a:spcPts val="0"/>
-              </a:spcAft>
-              <a:buClrTx/>
-              <a:buSzPct val="90000"/>
-              <a:buFont typeface="Wingdings" panose="05000000000000000000" pitchFamily="2" charset="2"/>
-              <a:buNone/>
-              <a:tabLst/>
-              <a:defRPr sz="1050" b="1" kern="1200" spc="0" baseline="0">
-                <a:solidFill>
-                  <a:srgbClr val="000000"/>
-                </a:solidFill>
-                <a:latin typeface="+mn-lt"/>
-                <a:ea typeface="+mn-ea"/>
-                <a:cs typeface="+mn-cs"/>
-              </a:defRPr>
-            </a:lvl5pPr>
-            <a:lvl6pPr marL="2331854" indent="0" algn="l" defTabSz="932742" rtl="0" eaLnBrk="1" latinLnBrk="0" hangingPunct="1">
-              <a:spcBef>
-                <a:spcPct val="20000"/>
-              </a:spcBef>
-              <a:buFont typeface="Arial" pitchFamily="34" charset="0"/>
-              <a:buNone/>
-              <a:defRPr sz="2000" kern="1200">
-                <a:solidFill>
-                  <a:schemeClr val="tx1"/>
-                </a:solidFill>
-                <a:latin typeface="+mn-lt"/>
-                <a:ea typeface="+mn-ea"/>
-                <a:cs typeface="+mn-cs"/>
-              </a:defRPr>
-            </a:lvl6pPr>
-            <a:lvl7pPr marL="0" indent="0" algn="l" defTabSz="932742" rtl="0" eaLnBrk="1" latinLnBrk="0" hangingPunct="1">
-              <a:lnSpc>
-                <a:spcPct val="100000"/>
-              </a:lnSpc>
-              <a:spcBef>
-                <a:spcPts val="0"/>
-              </a:spcBef>
-              <a:spcAft>
-                <a:spcPts val="0"/>
-              </a:spcAft>
-              <a:buFont typeface="Arial" pitchFamily="34" charset="0"/>
-              <a:buNone/>
-              <a:defRPr sz="1000" kern="1200">
-                <a:solidFill>
-                  <a:srgbClr val="000000"/>
-                </a:solidFill>
-                <a:latin typeface="+mn-lt"/>
-                <a:ea typeface="+mn-ea"/>
-                <a:cs typeface="+mn-cs"/>
-              </a:defRPr>
-            </a:lvl7pPr>
-            <a:lvl8pPr marL="3497783" indent="-233186" algn="l" defTabSz="932742" rtl="0" eaLnBrk="1" latinLnBrk="0" hangingPunct="1">
-              <a:spcBef>
-                <a:spcPct val="20000"/>
-              </a:spcBef>
-              <a:buFont typeface="Arial" pitchFamily="34" charset="0"/>
-              <a:buChar char="•"/>
-              <a:defRPr sz="2000" kern="1200">
-                <a:solidFill>
-                  <a:schemeClr val="tx1"/>
-                </a:solidFill>
-                <a:latin typeface="+mn-lt"/>
-                <a:ea typeface="+mn-ea"/>
-                <a:cs typeface="+mn-cs"/>
-              </a:defRPr>
-            </a:lvl8pPr>
-            <a:lvl9pPr marL="3964155" indent="-233186" algn="l" defTabSz="932742" rtl="0" eaLnBrk="1" latinLnBrk="0" hangingPunct="1">
-              <a:spcBef>
-                <a:spcPct val="20000"/>
-              </a:spcBef>
-              <a:buFont typeface="Arial" pitchFamily="34" charset="0"/>
-              <a:buChar char="•"/>
-              <a:defRPr sz="2000" kern="1200">
-                <a:solidFill>
-                  <a:schemeClr val="tx1"/>
-                </a:solidFill>
-                <a:latin typeface="+mn-lt"/>
-                <a:ea typeface="+mn-ea"/>
-                <a:cs typeface="+mn-cs"/>
-              </a:defRPr>
-            </a:lvl9pPr>
-          </a:lstStyle>
-          <a:p>
-            <a:r>
-              <a:rPr lang="pt-BR" sz="4400" dirty="0"/>
               <a:t>Demo</a:t>
             </a:r>
           </a:p>
@@ -24311,13 +23638,13 @@
   <p:clrMapOvr>
     <a:masterClrMapping/>
   </p:clrMapOvr>
-  <mc:AlternateContent xmlns:mc="http://schemas.openxmlformats.org/markup-compatibility/2006">
-    <mc:Choice xmlns:p14="http://schemas.microsoft.com/office/powerpoint/2010/main" Requires="p14">
+  <mc:AlternateContent xmlns:mc="http://schemas.openxmlformats.org/markup-compatibility/2006" xmlns:p14="http://schemas.microsoft.com/office/powerpoint/2010/main">
+    <mc:Choice Requires="p14">
       <p:transition spd="med" p14:dur="700">
         <p:fade/>
       </p:transition>
     </mc:Choice>
-    <mc:Fallback>
+    <mc:Fallback xmlns="">
       <p:transition spd="med">
         <p:fade/>
       </p:transition>
@@ -24326,7 +23653,7 @@
 </p:sld>
 </file>
 
-<file path=ppt/slides/slide13.xml><?xml version="1.0" encoding="utf-8"?>
+<file path=ppt/slides/slide12.xml><?xml version="1.0" encoding="utf-8"?>
 <p:sld xmlns:a="http://schemas.openxmlformats.org/drawingml/2006/main" xmlns:r="http://schemas.openxmlformats.org/officeDocument/2006/relationships" xmlns:p="http://schemas.openxmlformats.org/presentationml/2006/main">
   <p:cSld>
     <p:spTree>
@@ -24976,7 +24303,7 @@
         <p:spPr>
           <a:xfrm>
             <a:off x="538886" y="1615693"/>
-            <a:ext cx="11523411" cy="1661993"/>
+            <a:ext cx="11523411" cy="3508653"/>
           </a:xfrm>
         </p:spPr>
         <p:txBody>
@@ -25038,6 +24365,141 @@
               </a:rPr>
               <a:t>Objetivo: Foi projetada para usar em conjunto com o modelo GPT da AzureOpenAI para revisar PR’s fornecendo feedback’s como comentários no momento da solicitação do PR. </a:t>
             </a:r>
+          </a:p>
+          <a:p>
+            <a:pPr marL="0" marR="0" lvl="0" indent="0" algn="just" defTabSz="914400" rtl="0" eaLnBrk="0" fontAlgn="base" latinLnBrk="0" hangingPunct="0">
+              <a:lnSpc>
+                <a:spcPct val="100000"/>
+              </a:lnSpc>
+              <a:spcBef>
+                <a:spcPct val="0"/>
+              </a:spcBef>
+              <a:spcAft>
+                <a:spcPct val="0"/>
+              </a:spcAft>
+              <a:buClrTx/>
+              <a:buSzTx/>
+              <a:buFontTx/>
+              <a:buNone/>
+              <a:tabLst/>
+            </a:pPr>
+            <a:endParaRPr lang="pt-PT" altLang="pt-BR" sz="2400" dirty="0">
+              <a:solidFill>
+                <a:schemeClr val="bg1"/>
+              </a:solidFill>
+              <a:latin typeface="Arial" panose="020B0604020202020204" pitchFamily="34" charset="0"/>
+              <a:cs typeface="Arial" panose="020B0604020202020204" pitchFamily="34" charset="0"/>
+            </a:endParaRPr>
+          </a:p>
+          <a:p>
+            <a:pPr marL="0" marR="0" lvl="0" indent="0" algn="just" defTabSz="914400" rtl="0" eaLnBrk="0" fontAlgn="base" latinLnBrk="0" hangingPunct="0">
+              <a:lnSpc>
+                <a:spcPct val="100000"/>
+              </a:lnSpc>
+              <a:spcBef>
+                <a:spcPct val="0"/>
+              </a:spcBef>
+              <a:spcAft>
+                <a:spcPct val="0"/>
+              </a:spcAft>
+              <a:buClrTx/>
+              <a:buSzTx/>
+              <a:buFontTx/>
+              <a:buNone/>
+              <a:tabLst/>
+            </a:pPr>
+            <a:r>
+              <a:rPr lang="pt-PT" altLang="pt-BR" sz="2400" dirty="0">
+                <a:solidFill>
+                  <a:schemeClr val="bg1"/>
+                </a:solidFill>
+                <a:latin typeface="Arial" panose="020B0604020202020204" pitchFamily="34" charset="0"/>
+                <a:cs typeface="Arial" panose="020B0604020202020204" pitchFamily="34" charset="0"/>
+              </a:rPr>
+              <a:t>Ajudar com pontos que nós humanos deixamos passar nos momentos mais criticos e/ou dado a velocidades de aprovação de PR’s </a:t>
+            </a:r>
+          </a:p>
+          <a:p>
+            <a:pPr marL="0" marR="0" lvl="0" indent="0" algn="just" defTabSz="914400" rtl="0" eaLnBrk="0" fontAlgn="base" latinLnBrk="0" hangingPunct="0">
+              <a:lnSpc>
+                <a:spcPct val="100000"/>
+              </a:lnSpc>
+              <a:spcBef>
+                <a:spcPct val="0"/>
+              </a:spcBef>
+              <a:spcAft>
+                <a:spcPct val="0"/>
+              </a:spcAft>
+              <a:buClrTx/>
+              <a:buSzTx/>
+              <a:buFontTx/>
+              <a:buNone/>
+              <a:tabLst/>
+            </a:pPr>
+            <a:endParaRPr kumimoji="0" lang="pt-PT" altLang="pt-BR" sz="2400" b="0" i="0" u="none" strike="noStrike" cap="none" normalizeH="0" baseline="0" dirty="0">
+              <a:ln>
+                <a:noFill/>
+              </a:ln>
+              <a:solidFill>
+                <a:schemeClr val="bg1"/>
+              </a:solidFill>
+              <a:effectLst/>
+              <a:latin typeface="Arial" panose="020B0604020202020204" pitchFamily="34" charset="0"/>
+              <a:cs typeface="Arial" panose="020B0604020202020204" pitchFamily="34" charset="0"/>
+            </a:endParaRPr>
+          </a:p>
+          <a:p>
+            <a:pPr marL="0" marR="0" lvl="0" indent="0" algn="just" defTabSz="914400" rtl="0" eaLnBrk="0" fontAlgn="base" latinLnBrk="0" hangingPunct="0">
+              <a:lnSpc>
+                <a:spcPct val="100000"/>
+              </a:lnSpc>
+              <a:spcBef>
+                <a:spcPct val="0"/>
+              </a:spcBef>
+              <a:spcAft>
+                <a:spcPct val="0"/>
+              </a:spcAft>
+              <a:buClrTx/>
+              <a:buSzTx/>
+              <a:buFontTx/>
+              <a:buNone/>
+              <a:tabLst/>
+            </a:pPr>
+            <a:r>
+              <a:rPr kumimoji="0" lang="pt-PT" altLang="pt-BR" sz="2400" b="0" i="0" u="none" strike="noStrike" cap="none" normalizeH="0" baseline="0" dirty="0">
+                <a:ln>
+                  <a:noFill/>
+                </a:ln>
+                <a:solidFill>
+                  <a:schemeClr val="bg1"/>
+                </a:solidFill>
+                <a:effectLst/>
+                <a:latin typeface="Arial" panose="020B0604020202020204" pitchFamily="34" charset="0"/>
+                <a:cs typeface="Arial" panose="020B0604020202020204" pitchFamily="34" charset="0"/>
+              </a:rPr>
+              <a:t>Avaliação de si</a:t>
+            </a:r>
+            <a:r>
+              <a:rPr lang="pt-PT" altLang="pt-BR" sz="2400" dirty="0">
+                <a:solidFill>
+                  <a:schemeClr val="bg1"/>
+                </a:solidFill>
+                <a:latin typeface="Arial" panose="020B0604020202020204" pitchFamily="34" charset="0"/>
+                <a:cs typeface="Arial" panose="020B0604020202020204" pitchFamily="34" charset="0"/>
+              </a:rPr>
+              <a:t>ntaxes, bugs, degradação de performance, segurança etc.</a:t>
+            </a:r>
+            <a:endParaRPr kumimoji="0" lang="pt-PT" altLang="pt-BR" sz="2400" b="0" i="0" u="none" strike="noStrike" cap="none" normalizeH="0" baseline="0" dirty="0">
+              <a:ln>
+                <a:noFill/>
+              </a:ln>
+              <a:solidFill>
+                <a:schemeClr val="bg1"/>
+              </a:solidFill>
+              <a:effectLst/>
+              <a:latin typeface="Arial" panose="020B0604020202020204" pitchFamily="34" charset="0"/>
+              <a:cs typeface="Arial" panose="020B0604020202020204" pitchFamily="34" charset="0"/>
+            </a:endParaRPr>
           </a:p>
         </p:txBody>
       </p:sp>
@@ -25303,7 +24765,7 @@
     </p:spTree>
     <p:extLst>
       <p:ext uri="{BB962C8B-B14F-4D97-AF65-F5344CB8AC3E}">
-        <p14:creationId xmlns:p14="http://schemas.microsoft.com/office/powerpoint/2010/main" val="3628161881"/>
+        <p14:creationId xmlns:p14="http://schemas.microsoft.com/office/powerpoint/2010/main" val="1385597587"/>
       </p:ext>
     </p:extLst>
   </p:cSld>
@@ -25360,526 +24822,6 @@
         </p:nvSpPr>
         <p:spPr>
           <a:xfrm>
-            <a:off x="538886" y="1615693"/>
-            <a:ext cx="11523411" cy="3508653"/>
-          </a:xfrm>
-        </p:spPr>
-        <p:txBody>
-          <a:bodyPr/>
-          <a:lstStyle/>
-          <a:p>
-            <a:pPr marL="0" marR="0" lvl="0" indent="0" algn="just" defTabSz="914400" rtl="0" eaLnBrk="0" fontAlgn="base" latinLnBrk="0" hangingPunct="0">
-              <a:lnSpc>
-                <a:spcPct val="100000"/>
-              </a:lnSpc>
-              <a:spcBef>
-                <a:spcPct val="0"/>
-              </a:spcBef>
-              <a:spcAft>
-                <a:spcPct val="0"/>
-              </a:spcAft>
-              <a:buClrTx/>
-              <a:buSzTx/>
-              <a:buFontTx/>
-              <a:buNone/>
-              <a:tabLst/>
-            </a:pPr>
-            <a:endParaRPr lang="pt-PT" altLang="pt-BR" sz="2400" dirty="0">
-              <a:solidFill>
-                <a:schemeClr val="bg1"/>
-              </a:solidFill>
-              <a:latin typeface="Arial" panose="020B0604020202020204" pitchFamily="34" charset="0"/>
-              <a:cs typeface="Arial" panose="020B0604020202020204" pitchFamily="34" charset="0"/>
-            </a:endParaRPr>
-          </a:p>
-          <a:p>
-            <a:pPr marL="0" marR="0" lvl="0" indent="0" algn="just" defTabSz="914400" rtl="0" eaLnBrk="0" fontAlgn="base" latinLnBrk="0" hangingPunct="0">
-              <a:lnSpc>
-                <a:spcPct val="100000"/>
-              </a:lnSpc>
-              <a:spcBef>
-                <a:spcPct val="0"/>
-              </a:spcBef>
-              <a:spcAft>
-                <a:spcPct val="0"/>
-              </a:spcAft>
-              <a:buClrTx/>
-              <a:buSzTx/>
-              <a:buFontTx/>
-              <a:buNone/>
-              <a:tabLst/>
-            </a:pPr>
-            <a:r>
-              <a:rPr kumimoji="0" lang="pt-PT" altLang="pt-BR" sz="2400" b="0" i="0" u="none" strike="noStrike" cap="none" normalizeH="0" baseline="0" dirty="0">
-                <a:ln>
-                  <a:noFill/>
-                </a:ln>
-                <a:solidFill>
-                  <a:schemeClr val="bg1"/>
-                </a:solidFill>
-                <a:effectLst/>
-                <a:latin typeface="Arial" panose="020B0604020202020204" pitchFamily="34" charset="0"/>
-                <a:cs typeface="Arial" panose="020B0604020202020204" pitchFamily="34" charset="0"/>
-              </a:rPr>
-              <a:t>Objetivo: Foi projetada para usar em conjunto com o modelo GPT da AzureOpenAI para revisar PR’s fornecendo feedback’s como comentários no momento da solicitação do PR. </a:t>
-            </a:r>
-          </a:p>
-          <a:p>
-            <a:pPr marL="0" marR="0" lvl="0" indent="0" algn="just" defTabSz="914400" rtl="0" eaLnBrk="0" fontAlgn="base" latinLnBrk="0" hangingPunct="0">
-              <a:lnSpc>
-                <a:spcPct val="100000"/>
-              </a:lnSpc>
-              <a:spcBef>
-                <a:spcPct val="0"/>
-              </a:spcBef>
-              <a:spcAft>
-                <a:spcPct val="0"/>
-              </a:spcAft>
-              <a:buClrTx/>
-              <a:buSzTx/>
-              <a:buFontTx/>
-              <a:buNone/>
-              <a:tabLst/>
-            </a:pPr>
-            <a:endParaRPr lang="pt-PT" altLang="pt-BR" sz="2400" dirty="0">
-              <a:solidFill>
-                <a:schemeClr val="bg1"/>
-              </a:solidFill>
-              <a:latin typeface="Arial" panose="020B0604020202020204" pitchFamily="34" charset="0"/>
-              <a:cs typeface="Arial" panose="020B0604020202020204" pitchFamily="34" charset="0"/>
-            </a:endParaRPr>
-          </a:p>
-          <a:p>
-            <a:pPr marL="0" marR="0" lvl="0" indent="0" algn="just" defTabSz="914400" rtl="0" eaLnBrk="0" fontAlgn="base" latinLnBrk="0" hangingPunct="0">
-              <a:lnSpc>
-                <a:spcPct val="100000"/>
-              </a:lnSpc>
-              <a:spcBef>
-                <a:spcPct val="0"/>
-              </a:spcBef>
-              <a:spcAft>
-                <a:spcPct val="0"/>
-              </a:spcAft>
-              <a:buClrTx/>
-              <a:buSzTx/>
-              <a:buFontTx/>
-              <a:buNone/>
-              <a:tabLst/>
-            </a:pPr>
-            <a:r>
-              <a:rPr lang="pt-PT" altLang="pt-BR" sz="2400" dirty="0">
-                <a:solidFill>
-                  <a:schemeClr val="bg1"/>
-                </a:solidFill>
-                <a:latin typeface="Arial" panose="020B0604020202020204" pitchFamily="34" charset="0"/>
-                <a:cs typeface="Arial" panose="020B0604020202020204" pitchFamily="34" charset="0"/>
-              </a:rPr>
-              <a:t>Ajudar com pontos que nós humanos deixamos passar nos momentos mais criticos e/ou dado a velocidades de aprovação de PR’s </a:t>
-            </a:r>
-          </a:p>
-          <a:p>
-            <a:pPr marL="0" marR="0" lvl="0" indent="0" algn="just" defTabSz="914400" rtl="0" eaLnBrk="0" fontAlgn="base" latinLnBrk="0" hangingPunct="0">
-              <a:lnSpc>
-                <a:spcPct val="100000"/>
-              </a:lnSpc>
-              <a:spcBef>
-                <a:spcPct val="0"/>
-              </a:spcBef>
-              <a:spcAft>
-                <a:spcPct val="0"/>
-              </a:spcAft>
-              <a:buClrTx/>
-              <a:buSzTx/>
-              <a:buFontTx/>
-              <a:buNone/>
-              <a:tabLst/>
-            </a:pPr>
-            <a:endParaRPr kumimoji="0" lang="pt-PT" altLang="pt-BR" sz="2400" b="0" i="0" u="none" strike="noStrike" cap="none" normalizeH="0" baseline="0" dirty="0">
-              <a:ln>
-                <a:noFill/>
-              </a:ln>
-              <a:solidFill>
-                <a:schemeClr val="bg1"/>
-              </a:solidFill>
-              <a:effectLst/>
-              <a:latin typeface="Arial" panose="020B0604020202020204" pitchFamily="34" charset="0"/>
-              <a:cs typeface="Arial" panose="020B0604020202020204" pitchFamily="34" charset="0"/>
-            </a:endParaRPr>
-          </a:p>
-          <a:p>
-            <a:pPr marL="0" marR="0" lvl="0" indent="0" algn="just" defTabSz="914400" rtl="0" eaLnBrk="0" fontAlgn="base" latinLnBrk="0" hangingPunct="0">
-              <a:lnSpc>
-                <a:spcPct val="100000"/>
-              </a:lnSpc>
-              <a:spcBef>
-                <a:spcPct val="0"/>
-              </a:spcBef>
-              <a:spcAft>
-                <a:spcPct val="0"/>
-              </a:spcAft>
-              <a:buClrTx/>
-              <a:buSzTx/>
-              <a:buFontTx/>
-              <a:buNone/>
-              <a:tabLst/>
-            </a:pPr>
-            <a:r>
-              <a:rPr kumimoji="0" lang="pt-PT" altLang="pt-BR" sz="2400" b="0" i="0" u="none" strike="noStrike" cap="none" normalizeH="0" baseline="0" dirty="0">
-                <a:ln>
-                  <a:noFill/>
-                </a:ln>
-                <a:solidFill>
-                  <a:schemeClr val="bg1"/>
-                </a:solidFill>
-                <a:effectLst/>
-                <a:latin typeface="Arial" panose="020B0604020202020204" pitchFamily="34" charset="0"/>
-                <a:cs typeface="Arial" panose="020B0604020202020204" pitchFamily="34" charset="0"/>
-              </a:rPr>
-              <a:t>Avaliação de si</a:t>
-            </a:r>
-            <a:r>
-              <a:rPr lang="pt-PT" altLang="pt-BR" sz="2400" dirty="0">
-                <a:solidFill>
-                  <a:schemeClr val="bg1"/>
-                </a:solidFill>
-                <a:latin typeface="Arial" panose="020B0604020202020204" pitchFamily="34" charset="0"/>
-                <a:cs typeface="Arial" panose="020B0604020202020204" pitchFamily="34" charset="0"/>
-              </a:rPr>
-              <a:t>ntaxes, bugs, degradação de performance, segurança etc.</a:t>
-            </a:r>
-            <a:endParaRPr kumimoji="0" lang="pt-PT" altLang="pt-BR" sz="2400" b="0" i="0" u="none" strike="noStrike" cap="none" normalizeH="0" baseline="0" dirty="0">
-              <a:ln>
-                <a:noFill/>
-              </a:ln>
-              <a:solidFill>
-                <a:schemeClr val="bg1"/>
-              </a:solidFill>
-              <a:effectLst/>
-              <a:latin typeface="Arial" panose="020B0604020202020204" pitchFamily="34" charset="0"/>
-              <a:cs typeface="Arial" panose="020B0604020202020204" pitchFamily="34" charset="0"/>
-            </a:endParaRPr>
-          </a:p>
-        </p:txBody>
-      </p:sp>
-      <p:sp>
-        <p:nvSpPr>
-          <p:cNvPr id="8" name="Espaço Reservado para Texto 2">
-            <a:extLst>
-              <a:ext uri="{FF2B5EF4-FFF2-40B4-BE49-F238E27FC236}">
-                <a16:creationId xmlns:a16="http://schemas.microsoft.com/office/drawing/2014/main" id="{B0A2DA19-2FA7-0E77-4EB4-1C324C7738EA}"/>
-              </a:ext>
-            </a:extLst>
-          </p:cNvPr>
-          <p:cNvSpPr txBox="1">
-            <a:spLocks/>
-          </p:cNvSpPr>
-          <p:nvPr/>
-        </p:nvSpPr>
-        <p:spPr>
-          <a:xfrm>
-            <a:off x="451338" y="803485"/>
-            <a:ext cx="9795376" cy="677108"/>
-          </a:xfrm>
-          <a:prstGeom prst="rect">
-            <a:avLst/>
-          </a:prstGeom>
-        </p:spPr>
-        <p:txBody>
-          <a:bodyPr vert="horz" wrap="square" lIns="0" tIns="91440" rIns="146304" bIns="91440" rtlCol="0">
-            <a:spAutoFit/>
-          </a:bodyPr>
-          <a:lstStyle>
-            <a:lvl1pPr marL="0" marR="0" indent="0" algn="l" defTabSz="932742" rtl="0" eaLnBrk="1" fontAlgn="auto" latinLnBrk="0" hangingPunct="1">
-              <a:lnSpc>
-                <a:spcPct val="100000"/>
-              </a:lnSpc>
-              <a:spcBef>
-                <a:spcPts val="0"/>
-              </a:spcBef>
-              <a:spcAft>
-                <a:spcPts val="0"/>
-              </a:spcAft>
-              <a:buClrTx/>
-              <a:buSzPct val="90000"/>
-              <a:buFont typeface="Wingdings" panose="05000000000000000000" pitchFamily="2" charset="2"/>
-              <a:buNone/>
-              <a:tabLst/>
-              <a:defRPr sz="1800" kern="1200" spc="-50" baseline="0">
-                <a:solidFill>
-                  <a:schemeClr val="bg2"/>
-                </a:solidFill>
-                <a:latin typeface="+mj-lt"/>
-                <a:ea typeface="+mn-ea"/>
-                <a:cs typeface="+mn-cs"/>
-              </a:defRPr>
-            </a:lvl1pPr>
-            <a:lvl2pPr marL="0" marR="0" indent="0" algn="l" defTabSz="932742" rtl="0" eaLnBrk="1" fontAlgn="auto" latinLnBrk="0" hangingPunct="1">
-              <a:lnSpc>
-                <a:spcPct val="100000"/>
-              </a:lnSpc>
-              <a:spcBef>
-                <a:spcPts val="0"/>
-              </a:spcBef>
-              <a:spcAft>
-                <a:spcPts val="0"/>
-              </a:spcAft>
-              <a:buClrTx/>
-              <a:buSzPct val="90000"/>
-              <a:buFontTx/>
-              <a:buNone/>
-              <a:tabLst/>
-              <a:defRPr sz="1800" kern="1200" spc="0" baseline="0">
-                <a:solidFill>
-                  <a:srgbClr val="000000"/>
-                </a:solidFill>
-                <a:latin typeface="+mn-lt"/>
-                <a:ea typeface="+mn-ea"/>
-                <a:cs typeface="+mn-cs"/>
-              </a:defRPr>
-            </a:lvl2pPr>
-            <a:lvl3pPr marL="0" marR="0" indent="0" algn="l" defTabSz="932742" rtl="0" eaLnBrk="1" fontAlgn="auto" latinLnBrk="0" hangingPunct="1">
-              <a:lnSpc>
-                <a:spcPct val="100000"/>
-              </a:lnSpc>
-              <a:spcBef>
-                <a:spcPts val="0"/>
-              </a:spcBef>
-              <a:spcAft>
-                <a:spcPts val="0"/>
-              </a:spcAft>
-              <a:buClrTx/>
-              <a:buSzPct val="90000"/>
-              <a:buFont typeface="Wingdings" panose="05000000000000000000" pitchFamily="2" charset="2"/>
-              <a:buNone/>
-              <a:tabLst/>
-              <a:defRPr sz="1400" kern="1200" spc="0" baseline="0">
-                <a:solidFill>
-                  <a:schemeClr val="tx2"/>
-                </a:solidFill>
-                <a:latin typeface="+mj-lt"/>
-                <a:ea typeface="+mn-ea"/>
-                <a:cs typeface="+mn-cs"/>
-              </a:defRPr>
-            </a:lvl3pPr>
-            <a:lvl4pPr marL="0" marR="0" indent="0" algn="l" defTabSz="932742" rtl="0" eaLnBrk="1" fontAlgn="auto" latinLnBrk="0" hangingPunct="1">
-              <a:lnSpc>
-                <a:spcPct val="100000"/>
-              </a:lnSpc>
-              <a:spcBef>
-                <a:spcPts val="0"/>
-              </a:spcBef>
-              <a:spcAft>
-                <a:spcPts val="0"/>
-              </a:spcAft>
-              <a:buClrTx/>
-              <a:buSzPct val="90000"/>
-              <a:buFont typeface="Wingdings" panose="05000000000000000000" pitchFamily="2" charset="2"/>
-              <a:buNone/>
-              <a:tabLst/>
-              <a:defRPr sz="1400" kern="1200" spc="0" baseline="0">
-                <a:solidFill>
-                  <a:srgbClr val="000000"/>
-                </a:solidFill>
-                <a:latin typeface="+mn-lt"/>
-                <a:ea typeface="+mn-ea"/>
-                <a:cs typeface="+mn-cs"/>
-              </a:defRPr>
-            </a:lvl4pPr>
-            <a:lvl5pPr marL="0" marR="0" indent="0" algn="l" defTabSz="932742" rtl="0" eaLnBrk="1" fontAlgn="auto" latinLnBrk="0" hangingPunct="1">
-              <a:lnSpc>
-                <a:spcPct val="100000"/>
-              </a:lnSpc>
-              <a:spcBef>
-                <a:spcPts val="0"/>
-              </a:spcBef>
-              <a:spcAft>
-                <a:spcPts val="0"/>
-              </a:spcAft>
-              <a:buClrTx/>
-              <a:buSzPct val="90000"/>
-              <a:buFont typeface="Wingdings" panose="05000000000000000000" pitchFamily="2" charset="2"/>
-              <a:buNone/>
-              <a:tabLst/>
-              <a:defRPr sz="1050" b="1" kern="1200" spc="0" baseline="0">
-                <a:solidFill>
-                  <a:srgbClr val="000000"/>
-                </a:solidFill>
-                <a:latin typeface="+mn-lt"/>
-                <a:ea typeface="+mn-ea"/>
-                <a:cs typeface="+mn-cs"/>
-              </a:defRPr>
-            </a:lvl5pPr>
-            <a:lvl6pPr marL="2331854" indent="0" algn="l" defTabSz="932742" rtl="0" eaLnBrk="1" latinLnBrk="0" hangingPunct="1">
-              <a:spcBef>
-                <a:spcPct val="20000"/>
-              </a:spcBef>
-              <a:buFont typeface="Arial" pitchFamily="34" charset="0"/>
-              <a:buNone/>
-              <a:defRPr sz="2000" kern="1200">
-                <a:solidFill>
-                  <a:schemeClr val="tx1"/>
-                </a:solidFill>
-                <a:latin typeface="+mn-lt"/>
-                <a:ea typeface="+mn-ea"/>
-                <a:cs typeface="+mn-cs"/>
-              </a:defRPr>
-            </a:lvl6pPr>
-            <a:lvl7pPr marL="0" indent="0" algn="l" defTabSz="932742" rtl="0" eaLnBrk="1" latinLnBrk="0" hangingPunct="1">
-              <a:lnSpc>
-                <a:spcPct val="100000"/>
-              </a:lnSpc>
-              <a:spcBef>
-                <a:spcPts val="0"/>
-              </a:spcBef>
-              <a:spcAft>
-                <a:spcPts val="0"/>
-              </a:spcAft>
-              <a:buFont typeface="Arial" pitchFamily="34" charset="0"/>
-              <a:buNone/>
-              <a:defRPr sz="1000" kern="1200">
-                <a:solidFill>
-                  <a:srgbClr val="000000"/>
-                </a:solidFill>
-                <a:latin typeface="+mn-lt"/>
-                <a:ea typeface="+mn-ea"/>
-                <a:cs typeface="+mn-cs"/>
-              </a:defRPr>
-            </a:lvl7pPr>
-            <a:lvl8pPr marL="3497783" indent="-233186" algn="l" defTabSz="932742" rtl="0" eaLnBrk="1" latinLnBrk="0" hangingPunct="1">
-              <a:spcBef>
-                <a:spcPct val="20000"/>
-              </a:spcBef>
-              <a:buFont typeface="Arial" pitchFamily="34" charset="0"/>
-              <a:buChar char="•"/>
-              <a:defRPr sz="2000" kern="1200">
-                <a:solidFill>
-                  <a:schemeClr val="tx1"/>
-                </a:solidFill>
-                <a:latin typeface="+mn-lt"/>
-                <a:ea typeface="+mn-ea"/>
-                <a:cs typeface="+mn-cs"/>
-              </a:defRPr>
-            </a:lvl8pPr>
-            <a:lvl9pPr marL="3964155" indent="-233186" algn="l" defTabSz="932742" rtl="0" eaLnBrk="1" latinLnBrk="0" hangingPunct="1">
-              <a:spcBef>
-                <a:spcPct val="20000"/>
-              </a:spcBef>
-              <a:buFont typeface="Arial" pitchFamily="34" charset="0"/>
-              <a:buChar char="•"/>
-              <a:defRPr sz="2000" kern="1200">
-                <a:solidFill>
-                  <a:schemeClr val="tx1"/>
-                </a:solidFill>
-                <a:latin typeface="+mn-lt"/>
-                <a:ea typeface="+mn-ea"/>
-                <a:cs typeface="+mn-cs"/>
-              </a:defRPr>
-            </a:lvl9pPr>
-          </a:lstStyle>
-          <a:p>
-            <a:pPr marL="0" marR="0" lvl="0" indent="0" algn="just" defTabSz="914400" rtl="0" eaLnBrk="0" fontAlgn="base" latinLnBrk="0" hangingPunct="0">
-              <a:lnSpc>
-                <a:spcPct val="100000"/>
-              </a:lnSpc>
-              <a:spcBef>
-                <a:spcPct val="0"/>
-              </a:spcBef>
-              <a:spcAft>
-                <a:spcPct val="0"/>
-              </a:spcAft>
-              <a:buClrTx/>
-              <a:buSzTx/>
-              <a:buFontTx/>
-              <a:buNone/>
-              <a:tabLst/>
-            </a:pPr>
-            <a:r>
-              <a:rPr lang="pt-PT" altLang="pt-BR" sz="3200" dirty="0">
-                <a:solidFill>
-                  <a:schemeClr val="bg1"/>
-                </a:solidFill>
-                <a:latin typeface="Arial" panose="020B0604020202020204" pitchFamily="34" charset="0"/>
-                <a:cs typeface="Arial" panose="020B0604020202020204" pitchFamily="34" charset="0"/>
-              </a:rPr>
-              <a:t>T</a:t>
-            </a:r>
-            <a:r>
-              <a:rPr kumimoji="0" lang="pt-PT" altLang="pt-BR" sz="3200" b="0" i="0" u="none" strike="noStrike" cap="none" normalizeH="0" baseline="0" dirty="0">
-                <a:ln>
-                  <a:noFill/>
-                </a:ln>
-                <a:solidFill>
-                  <a:schemeClr val="bg1"/>
-                </a:solidFill>
-                <a:effectLst/>
-                <a:latin typeface="Arial" panose="020B0604020202020204" pitchFamily="34" charset="0"/>
-                <a:cs typeface="Arial" panose="020B0604020202020204" pitchFamily="34" charset="0"/>
-              </a:rPr>
-              <a:t>arefa de revisão de pull request para Azure Pipelines</a:t>
-            </a:r>
-          </a:p>
-        </p:txBody>
-      </p:sp>
-    </p:spTree>
-    <p:extLst>
-      <p:ext uri="{BB962C8B-B14F-4D97-AF65-F5344CB8AC3E}">
-        <p14:creationId xmlns:p14="http://schemas.microsoft.com/office/powerpoint/2010/main" val="1385597587"/>
-      </p:ext>
-    </p:extLst>
-  </p:cSld>
-  <p:clrMapOvr>
-    <a:masterClrMapping/>
-  </p:clrMapOvr>
-  <mc:AlternateContent xmlns:mc="http://schemas.openxmlformats.org/markup-compatibility/2006">
-    <mc:Choice xmlns:p14="http://schemas.microsoft.com/office/powerpoint/2010/main" Requires="p14">
-      <p:transition spd="med" p14:dur="700">
-        <p:fade/>
-      </p:transition>
-    </mc:Choice>
-    <mc:Fallback>
-      <p:transition spd="med">
-        <p:fade/>
-      </p:transition>
-    </mc:Fallback>
-  </mc:AlternateContent>
-</p:sld>
-</file>
-
-<file path=ppt/slides/slide5.xml><?xml version="1.0" encoding="utf-8"?>
-<p:sld xmlns:a="http://schemas.openxmlformats.org/drawingml/2006/main" xmlns:r="http://schemas.openxmlformats.org/officeDocument/2006/relationships" xmlns:p="http://schemas.openxmlformats.org/presentationml/2006/main">
-  <p:cSld>
-    <p:spTree>
-      <p:nvGrpSpPr>
-        <p:cNvPr id="1" name=""/>
-        <p:cNvGrpSpPr/>
-        <p:nvPr/>
-      </p:nvGrpSpPr>
-      <p:grpSpPr>
-        <a:xfrm>
-          <a:off x="0" y="0"/>
-          <a:ext cx="0" cy="0"/>
-          <a:chOff x="0" y="0"/>
-          <a:chExt cx="0" cy="0"/>
-        </a:xfrm>
-      </p:grpSpPr>
-      <p:sp>
-        <p:nvSpPr>
-          <p:cNvPr id="3" name="Espaço Reservado para Texto 2">
-            <a:extLst>
-              <a:ext uri="{FF2B5EF4-FFF2-40B4-BE49-F238E27FC236}">
-                <a16:creationId xmlns:a16="http://schemas.microsoft.com/office/drawing/2014/main" id="{8E435BE1-BB00-2F2E-B55F-6181CD3CBC66}"/>
-              </a:ext>
-            </a:extLst>
-          </p:cNvPr>
-          <p:cNvSpPr>
-            <a:spLocks noGrp="1"/>
-          </p:cNvSpPr>
-          <p:nvPr>
-            <p:ph type="body" sz="quarter" idx="15"/>
-          </p:nvPr>
-        </p:nvSpPr>
-        <p:spPr>
-          <a:xfrm>
             <a:off x="451338" y="5176016"/>
             <a:ext cx="9795376" cy="738664"/>
           </a:xfrm>
@@ -25917,7 +24859,7 @@
         </p:blipFill>
         <p:spPr>
           <a:xfrm>
-            <a:off x="4914411" y="2106999"/>
+            <a:off x="4593399" y="2106999"/>
             <a:ext cx="2607652" cy="2442611"/>
           </a:xfrm>
           <a:prstGeom prst="rect">
@@ -26185,13 +25127,13 @@
   <p:clrMapOvr>
     <a:masterClrMapping/>
   </p:clrMapOvr>
-  <mc:AlternateContent xmlns:mc="http://schemas.openxmlformats.org/markup-compatibility/2006">
-    <mc:Choice xmlns:p14="http://schemas.microsoft.com/office/powerpoint/2010/main" Requires="p14">
+  <mc:AlternateContent xmlns:mc="http://schemas.openxmlformats.org/markup-compatibility/2006" xmlns:p14="http://schemas.microsoft.com/office/powerpoint/2010/main">
+    <mc:Choice Requires="p14">
       <p:transition spd="med" p14:dur="700">
         <p:fade/>
       </p:transition>
     </mc:Choice>
-    <mc:Fallback>
+    <mc:Fallback xmlns="">
       <p:transition spd="med">
         <p:fade/>
       </p:transition>
@@ -26200,7 +25142,7 @@
 </p:sld>
 </file>
 
-<file path=ppt/slides/slide6.xml><?xml version="1.0" encoding="utf-8"?>
+<file path=ppt/slides/slide5.xml><?xml version="1.0" encoding="utf-8"?>
 <p:sld xmlns:a="http://schemas.openxmlformats.org/drawingml/2006/main" xmlns:r="http://schemas.openxmlformats.org/officeDocument/2006/relationships" xmlns:p="http://schemas.openxmlformats.org/presentationml/2006/main">
   <p:cSld>
     <p:spTree>
@@ -26557,7 +25499,7 @@
 </p:sld>
 </file>
 
-<file path=ppt/slides/slide7.xml><?xml version="1.0" encoding="utf-8"?>
+<file path=ppt/slides/slide6.xml><?xml version="1.0" encoding="utf-8"?>
 <p:sld xmlns:a="http://schemas.openxmlformats.org/drawingml/2006/main" xmlns:r="http://schemas.openxmlformats.org/officeDocument/2006/relationships" xmlns:p="http://schemas.openxmlformats.org/presentationml/2006/main">
   <p:cSld>
     <p:spTree>
@@ -26858,8 +25800,8 @@
         </p:blipFill>
         <p:spPr>
           <a:xfrm>
-            <a:off x="4756826" y="2142479"/>
-            <a:ext cx="2725666" cy="2526798"/>
+            <a:off x="4557455" y="2142478"/>
+            <a:ext cx="2925037" cy="2711623"/>
           </a:xfrm>
           <a:prstGeom prst="rect">
             <a:avLst/>
@@ -26876,6 +25818,104 @@
     <p:extLst>
       <p:ext uri="{BB962C8B-B14F-4D97-AF65-F5344CB8AC3E}">
         <p14:creationId xmlns:p14="http://schemas.microsoft.com/office/powerpoint/2010/main" val="2895380450"/>
+      </p:ext>
+    </p:extLst>
+  </p:cSld>
+  <p:clrMapOvr>
+    <a:masterClrMapping/>
+  </p:clrMapOvr>
+  <mc:AlternateContent xmlns:mc="http://schemas.openxmlformats.org/markup-compatibility/2006" xmlns:p14="http://schemas.microsoft.com/office/powerpoint/2010/main">
+    <mc:Choice Requires="p14">
+      <p:transition spd="med" p14:dur="700">
+        <p:fade/>
+      </p:transition>
+    </mc:Choice>
+    <mc:Fallback xmlns="">
+      <p:transition spd="med">
+        <p:fade/>
+      </p:transition>
+    </mc:Fallback>
+  </mc:AlternateContent>
+</p:sld>
+</file>
+
+<file path=ppt/slides/slide7.xml><?xml version="1.0" encoding="utf-8"?>
+<p:sld xmlns:a="http://schemas.openxmlformats.org/drawingml/2006/main" xmlns:r="http://schemas.openxmlformats.org/officeDocument/2006/relationships" xmlns:p="http://schemas.openxmlformats.org/presentationml/2006/main">
+  <p:cSld>
+    <p:spTree>
+      <p:nvGrpSpPr>
+        <p:cNvPr id="1" name=""/>
+        <p:cNvGrpSpPr/>
+        <p:nvPr/>
+      </p:nvGrpSpPr>
+      <p:grpSpPr>
+        <a:xfrm>
+          <a:off x="0" y="0"/>
+          <a:ext cx="0" cy="0"/>
+          <a:chOff x="0" y="0"/>
+          <a:chExt cx="0" cy="0"/>
+        </a:xfrm>
+      </p:grpSpPr>
+      <p:sp>
+        <p:nvSpPr>
+          <p:cNvPr id="5" name="CaixaDeTexto 4">
+            <a:extLst>
+              <a:ext uri="{FF2B5EF4-FFF2-40B4-BE49-F238E27FC236}">
+                <a16:creationId xmlns:a16="http://schemas.microsoft.com/office/drawing/2014/main" id="{8ACDB991-EC5C-F38D-2382-DB6C1328DBFA}"/>
+              </a:ext>
+            </a:extLst>
+          </p:cNvPr>
+          <p:cNvSpPr txBox="1"/>
+          <p:nvPr/>
+        </p:nvSpPr>
+        <p:spPr>
+          <a:xfrm>
+            <a:off x="282102" y="1021404"/>
+            <a:ext cx="10739336" cy="1200329"/>
+          </a:xfrm>
+          <a:prstGeom prst="rect">
+            <a:avLst/>
+          </a:prstGeom>
+          <a:noFill/>
+        </p:spPr>
+        <p:txBody>
+          <a:bodyPr wrap="square">
+            <a:spAutoFit/>
+          </a:bodyPr>
+          <a:lstStyle/>
+          <a:p>
+            <a:r>
+              <a:rPr lang="pt-BR" sz="2400" dirty="0">
+                <a:solidFill>
+                  <a:schemeClr val="bg1"/>
+                </a:solidFill>
+              </a:rPr>
+              <a:t>Resumo</a:t>
+            </a:r>
+          </a:p>
+          <a:p>
+            <a:endParaRPr lang="pt-BR" sz="2400" dirty="0">
+              <a:solidFill>
+                <a:schemeClr val="bg1"/>
+              </a:solidFill>
+            </a:endParaRPr>
+          </a:p>
+          <a:p>
+            <a:r>
+              <a:rPr lang="pt-BR" sz="2400" dirty="0">
+                <a:solidFill>
+                  <a:schemeClr val="bg1"/>
+                </a:solidFill>
+              </a:rPr>
+              <a:t>Token é uma palavra de retorno, “Pará" é um token, conjunto de caracteres</a:t>
+            </a:r>
+          </a:p>
+        </p:txBody>
+      </p:sp>
+    </p:spTree>
+    <p:extLst>
+      <p:ext uri="{BB962C8B-B14F-4D97-AF65-F5344CB8AC3E}">
+        <p14:creationId xmlns:p14="http://schemas.microsoft.com/office/powerpoint/2010/main" val="931075014"/>
       </p:ext>
     </p:extLst>
   </p:cSld>
@@ -26928,8 +25968,8 @@
         </p:nvSpPr>
         <p:spPr>
           <a:xfrm>
-            <a:off x="282102" y="1021404"/>
-            <a:ext cx="10739336" cy="1200329"/>
+            <a:off x="138619" y="5518294"/>
+            <a:ext cx="10649356" cy="369332"/>
           </a:xfrm>
           <a:prstGeom prst="rect">
             <a:avLst/>
@@ -26943,37 +25983,284 @@
           <a:lstStyle/>
           <a:p>
             <a:r>
-              <a:rPr lang="pt-BR" sz="2400" dirty="0">
+              <a:rPr lang="pt-BR" dirty="0">
                 <a:solidFill>
                   <a:schemeClr val="bg1"/>
                 </a:solidFill>
               </a:rPr>
-              <a:t>Resumo</a:t>
-            </a:r>
-          </a:p>
-          <a:p>
-            <a:endParaRPr lang="pt-BR" sz="2400" dirty="0">
-              <a:solidFill>
-                <a:schemeClr val="bg1"/>
-              </a:solidFill>
-            </a:endParaRPr>
-          </a:p>
-          <a:p>
-            <a:r>
-              <a:rPr lang="pt-BR" sz="2400" dirty="0">
-                <a:solidFill>
-                  <a:schemeClr val="bg1"/>
-                </a:solidFill>
-              </a:rPr>
-              <a:t>Token é uma palavra de retorno, “Pará" é um token, conjunto de caracteres</a:t>
+              <a:t>https://marketplace.visualstudio.com/items?itemName=mustaphalarhrouch.GPTPullRequestReview</a:t>
             </a:r>
           </a:p>
         </p:txBody>
       </p:sp>
+      <p:sp>
+        <p:nvSpPr>
+          <p:cNvPr id="6" name="Espaço Reservado para Texto 2">
+            <a:extLst>
+              <a:ext uri="{FF2B5EF4-FFF2-40B4-BE49-F238E27FC236}">
+                <a16:creationId xmlns:a16="http://schemas.microsoft.com/office/drawing/2014/main" id="{4241B9D4-4E11-C865-F7EE-C8ADDF366F9D}"/>
+              </a:ext>
+            </a:extLst>
+          </p:cNvPr>
+          <p:cNvSpPr txBox="1">
+            <a:spLocks/>
+          </p:cNvSpPr>
+          <p:nvPr/>
+        </p:nvSpPr>
+        <p:spPr>
+          <a:xfrm>
+            <a:off x="451338" y="803485"/>
+            <a:ext cx="9795376" cy="923330"/>
+          </a:xfrm>
+          <a:prstGeom prst="rect">
+            <a:avLst/>
+          </a:prstGeom>
+        </p:spPr>
+        <p:txBody>
+          <a:bodyPr vert="horz" wrap="square" lIns="0" tIns="91440" rIns="146304" bIns="91440" rtlCol="0">
+            <a:spAutoFit/>
+          </a:bodyPr>
+          <a:lstStyle>
+            <a:lvl1pPr marL="0" marR="0" indent="0" algn="l" defTabSz="932742" rtl="0" eaLnBrk="1" fontAlgn="auto" latinLnBrk="0" hangingPunct="1">
+              <a:lnSpc>
+                <a:spcPct val="100000"/>
+              </a:lnSpc>
+              <a:spcBef>
+                <a:spcPts val="0"/>
+              </a:spcBef>
+              <a:spcAft>
+                <a:spcPts val="0"/>
+              </a:spcAft>
+              <a:buClrTx/>
+              <a:buSzPct val="90000"/>
+              <a:buFont typeface="Wingdings" panose="05000000000000000000" pitchFamily="2" charset="2"/>
+              <a:buNone/>
+              <a:tabLst/>
+              <a:defRPr sz="1800" kern="1200" spc="-50" baseline="0">
+                <a:solidFill>
+                  <a:schemeClr val="bg2"/>
+                </a:solidFill>
+                <a:latin typeface="+mj-lt"/>
+                <a:ea typeface="+mn-ea"/>
+                <a:cs typeface="+mn-cs"/>
+              </a:defRPr>
+            </a:lvl1pPr>
+            <a:lvl2pPr marL="0" marR="0" indent="0" algn="l" defTabSz="932742" rtl="0" eaLnBrk="1" fontAlgn="auto" latinLnBrk="0" hangingPunct="1">
+              <a:lnSpc>
+                <a:spcPct val="100000"/>
+              </a:lnSpc>
+              <a:spcBef>
+                <a:spcPts val="0"/>
+              </a:spcBef>
+              <a:spcAft>
+                <a:spcPts val="0"/>
+              </a:spcAft>
+              <a:buClrTx/>
+              <a:buSzPct val="90000"/>
+              <a:buFontTx/>
+              <a:buNone/>
+              <a:tabLst/>
+              <a:defRPr sz="1800" kern="1200" spc="0" baseline="0">
+                <a:solidFill>
+                  <a:srgbClr val="000000"/>
+                </a:solidFill>
+                <a:latin typeface="+mn-lt"/>
+                <a:ea typeface="+mn-ea"/>
+                <a:cs typeface="+mn-cs"/>
+              </a:defRPr>
+            </a:lvl2pPr>
+            <a:lvl3pPr marL="0" marR="0" indent="0" algn="l" defTabSz="932742" rtl="0" eaLnBrk="1" fontAlgn="auto" latinLnBrk="0" hangingPunct="1">
+              <a:lnSpc>
+                <a:spcPct val="100000"/>
+              </a:lnSpc>
+              <a:spcBef>
+                <a:spcPts val="0"/>
+              </a:spcBef>
+              <a:spcAft>
+                <a:spcPts val="0"/>
+              </a:spcAft>
+              <a:buClrTx/>
+              <a:buSzPct val="90000"/>
+              <a:buFont typeface="Wingdings" panose="05000000000000000000" pitchFamily="2" charset="2"/>
+              <a:buNone/>
+              <a:tabLst/>
+              <a:defRPr sz="1400" kern="1200" spc="0" baseline="0">
+                <a:solidFill>
+                  <a:schemeClr val="tx2"/>
+                </a:solidFill>
+                <a:latin typeface="+mj-lt"/>
+                <a:ea typeface="+mn-ea"/>
+                <a:cs typeface="+mn-cs"/>
+              </a:defRPr>
+            </a:lvl3pPr>
+            <a:lvl4pPr marL="0" marR="0" indent="0" algn="l" defTabSz="932742" rtl="0" eaLnBrk="1" fontAlgn="auto" latinLnBrk="0" hangingPunct="1">
+              <a:lnSpc>
+                <a:spcPct val="100000"/>
+              </a:lnSpc>
+              <a:spcBef>
+                <a:spcPts val="0"/>
+              </a:spcBef>
+              <a:spcAft>
+                <a:spcPts val="0"/>
+              </a:spcAft>
+              <a:buClrTx/>
+              <a:buSzPct val="90000"/>
+              <a:buFont typeface="Wingdings" panose="05000000000000000000" pitchFamily="2" charset="2"/>
+              <a:buNone/>
+              <a:tabLst/>
+              <a:defRPr sz="1400" kern="1200" spc="0" baseline="0">
+                <a:solidFill>
+                  <a:srgbClr val="000000"/>
+                </a:solidFill>
+                <a:latin typeface="+mn-lt"/>
+                <a:ea typeface="+mn-ea"/>
+                <a:cs typeface="+mn-cs"/>
+              </a:defRPr>
+            </a:lvl4pPr>
+            <a:lvl5pPr marL="0" marR="0" indent="0" algn="l" defTabSz="932742" rtl="0" eaLnBrk="1" fontAlgn="auto" latinLnBrk="0" hangingPunct="1">
+              <a:lnSpc>
+                <a:spcPct val="100000"/>
+              </a:lnSpc>
+              <a:spcBef>
+                <a:spcPts val="0"/>
+              </a:spcBef>
+              <a:spcAft>
+                <a:spcPts val="0"/>
+              </a:spcAft>
+              <a:buClrTx/>
+              <a:buSzPct val="90000"/>
+              <a:buFont typeface="Wingdings" panose="05000000000000000000" pitchFamily="2" charset="2"/>
+              <a:buNone/>
+              <a:tabLst/>
+              <a:defRPr sz="1050" b="1" kern="1200" spc="0" baseline="0">
+                <a:solidFill>
+                  <a:srgbClr val="000000"/>
+                </a:solidFill>
+                <a:latin typeface="+mn-lt"/>
+                <a:ea typeface="+mn-ea"/>
+                <a:cs typeface="+mn-cs"/>
+              </a:defRPr>
+            </a:lvl5pPr>
+            <a:lvl6pPr marL="2331854" indent="0" algn="l" defTabSz="932742" rtl="0" eaLnBrk="1" latinLnBrk="0" hangingPunct="1">
+              <a:spcBef>
+                <a:spcPct val="20000"/>
+              </a:spcBef>
+              <a:buFont typeface="Arial" pitchFamily="34" charset="0"/>
+              <a:buNone/>
+              <a:defRPr sz="2000" kern="1200">
+                <a:solidFill>
+                  <a:schemeClr val="tx1"/>
+                </a:solidFill>
+                <a:latin typeface="+mn-lt"/>
+                <a:ea typeface="+mn-ea"/>
+                <a:cs typeface="+mn-cs"/>
+              </a:defRPr>
+            </a:lvl6pPr>
+            <a:lvl7pPr marL="0" indent="0" algn="l" defTabSz="932742" rtl="0" eaLnBrk="1" latinLnBrk="0" hangingPunct="1">
+              <a:lnSpc>
+                <a:spcPct val="100000"/>
+              </a:lnSpc>
+              <a:spcBef>
+                <a:spcPts val="0"/>
+              </a:spcBef>
+              <a:spcAft>
+                <a:spcPts val="0"/>
+              </a:spcAft>
+              <a:buFont typeface="Arial" pitchFamily="34" charset="0"/>
+              <a:buNone/>
+              <a:defRPr sz="1000" kern="1200">
+                <a:solidFill>
+                  <a:srgbClr val="000000"/>
+                </a:solidFill>
+                <a:latin typeface="+mn-lt"/>
+                <a:ea typeface="+mn-ea"/>
+                <a:cs typeface="+mn-cs"/>
+              </a:defRPr>
+            </a:lvl7pPr>
+            <a:lvl8pPr marL="3497783" indent="-233186" algn="l" defTabSz="932742" rtl="0" eaLnBrk="1" latinLnBrk="0" hangingPunct="1">
+              <a:spcBef>
+                <a:spcPct val="20000"/>
+              </a:spcBef>
+              <a:buFont typeface="Arial" pitchFamily="34" charset="0"/>
+              <a:buChar char="•"/>
+              <a:defRPr sz="2000" kern="1200">
+                <a:solidFill>
+                  <a:schemeClr val="tx1"/>
+                </a:solidFill>
+                <a:latin typeface="+mn-lt"/>
+                <a:ea typeface="+mn-ea"/>
+                <a:cs typeface="+mn-cs"/>
+              </a:defRPr>
+            </a:lvl8pPr>
+            <a:lvl9pPr marL="3964155" indent="-233186" algn="l" defTabSz="932742" rtl="0" eaLnBrk="1" latinLnBrk="0" hangingPunct="1">
+              <a:spcBef>
+                <a:spcPct val="20000"/>
+              </a:spcBef>
+              <a:buFont typeface="Arial" pitchFamily="34" charset="0"/>
+              <a:buChar char="•"/>
+              <a:defRPr sz="2000" kern="1200">
+                <a:solidFill>
+                  <a:schemeClr val="tx1"/>
+                </a:solidFill>
+                <a:latin typeface="+mn-lt"/>
+                <a:ea typeface="+mn-ea"/>
+                <a:cs typeface="+mn-cs"/>
+              </a:defRPr>
+            </a:lvl9pPr>
+          </a:lstStyle>
+          <a:p>
+            <a:r>
+              <a:rPr lang="pt-BR" sz="4800" dirty="0"/>
+              <a:t>Task de </a:t>
+            </a:r>
+            <a:r>
+              <a:rPr lang="pt-BR" sz="4800" dirty="0" err="1"/>
+              <a:t>pullrequest</a:t>
+            </a:r>
+            <a:endParaRPr lang="pt-BR" sz="4800" dirty="0"/>
+          </a:p>
+        </p:txBody>
+      </p:sp>
+      <p:pic>
+        <p:nvPicPr>
+          <p:cNvPr id="4" name="Imagem 3">
+            <a:extLst>
+              <a:ext uri="{FF2B5EF4-FFF2-40B4-BE49-F238E27FC236}">
+                <a16:creationId xmlns:a16="http://schemas.microsoft.com/office/drawing/2014/main" id="{A87DD783-77F1-74D5-B61E-50859A43DFE5}"/>
+              </a:ext>
+            </a:extLst>
+          </p:cNvPr>
+          <p:cNvPicPr>
+            <a:picLocks noChangeAspect="1"/>
+          </p:cNvPicPr>
+          <p:nvPr/>
+        </p:nvPicPr>
+        <p:blipFill>
+          <a:blip r:embed="rId3"/>
+          <a:stretch>
+            <a:fillRect/>
+          </a:stretch>
+        </p:blipFill>
+        <p:spPr>
+          <a:xfrm>
+            <a:off x="4523362" y="2233033"/>
+            <a:ext cx="2952884" cy="2766665"/>
+          </a:xfrm>
+          <a:prstGeom prst="rect">
+            <a:avLst/>
+          </a:prstGeom>
+          <a:ln>
+            <a:noFill/>
+          </a:ln>
+          <a:effectLst>
+            <a:softEdge rad="112500"/>
+          </a:effectLst>
+        </p:spPr>
+      </p:pic>
     </p:spTree>
     <p:extLst>
       <p:ext uri="{BB962C8B-B14F-4D97-AF65-F5344CB8AC3E}">
-        <p14:creationId xmlns:p14="http://schemas.microsoft.com/office/powerpoint/2010/main" val="931075014"/>
+        <p14:creationId xmlns:p14="http://schemas.microsoft.com/office/powerpoint/2010/main" val="542209857"/>
       </p:ext>
     </p:extLst>
   </p:cSld>
@@ -27026,8 +26313,8 @@
         </p:nvSpPr>
         <p:spPr>
           <a:xfrm>
-            <a:off x="138619" y="5518294"/>
-            <a:ext cx="10649356" cy="369332"/>
+            <a:off x="451338" y="2016336"/>
+            <a:ext cx="10649356" cy="646331"/>
           </a:xfrm>
           <a:prstGeom prst="rect">
             <a:avLst/>
@@ -27041,13 +26328,80 @@
           <a:lstStyle/>
           <a:p>
             <a:r>
-              <a:rPr lang="pt-BR" dirty="0">
+              <a:rPr lang="pt-BR" b="0" i="0" dirty="0">
                 <a:solidFill>
                   <a:schemeClr val="bg1"/>
                 </a:solidFill>
+                <a:effectLst/>
+                <a:latin typeface="Segoe UI Web (West European)"/>
               </a:rPr>
-              <a:t>https://marketplace.visualstudio.com/items?itemName=mustaphalarhrouch.GPTPullRequestReview</a:t>
-            </a:r>
+              <a:t>https://{XXXXXXXX}.openai.azure.com/</a:t>
+            </a:r>
+            <a:r>
+              <a:rPr lang="pt-BR" b="0" i="0" dirty="0" err="1">
+                <a:solidFill>
+                  <a:schemeClr val="bg1"/>
+                </a:solidFill>
+                <a:effectLst/>
+                <a:latin typeface="Segoe UI Web (West European)"/>
+              </a:rPr>
+              <a:t>openai</a:t>
+            </a:r>
+            <a:r>
+              <a:rPr lang="pt-BR" b="0" i="0" dirty="0">
+                <a:solidFill>
+                  <a:schemeClr val="bg1"/>
+                </a:solidFill>
+                <a:effectLst/>
+                <a:latin typeface="Segoe UI Web (West European)"/>
+              </a:rPr>
+              <a:t>/</a:t>
+            </a:r>
+            <a:r>
+              <a:rPr lang="pt-BR" b="0" i="0" dirty="0" err="1">
+                <a:solidFill>
+                  <a:schemeClr val="bg1"/>
+                </a:solidFill>
+                <a:effectLst/>
+                <a:latin typeface="Segoe UI Web (West European)"/>
+              </a:rPr>
+              <a:t>deployments</a:t>
+            </a:r>
+            <a:r>
+              <a:rPr lang="pt-BR" b="0" i="0" dirty="0">
+                <a:solidFill>
+                  <a:schemeClr val="bg1"/>
+                </a:solidFill>
+                <a:effectLst/>
+                <a:latin typeface="Segoe UI Web (West European)"/>
+              </a:rPr>
+              <a:t>/{MODEL_NAME}/chat/</a:t>
+            </a:r>
+            <a:r>
+              <a:rPr lang="pt-BR" b="0" i="0" dirty="0" err="1">
+                <a:solidFill>
+                  <a:schemeClr val="bg1"/>
+                </a:solidFill>
+                <a:effectLst/>
+                <a:latin typeface="Segoe UI Web (West European)"/>
+              </a:rPr>
+              <a:t>completions?api-version</a:t>
+            </a:r>
+            <a:r>
+              <a:rPr lang="pt-BR" b="0" i="0" dirty="0">
+                <a:solidFill>
+                  <a:schemeClr val="bg1"/>
+                </a:solidFill>
+                <a:effectLst/>
+                <a:latin typeface="Segoe UI Web (West European)"/>
+              </a:rPr>
+              <a:t>={API_VERSION}</a:t>
+            </a:r>
+            <a:endParaRPr lang="pt-BR" dirty="0">
+              <a:solidFill>
+                <a:schemeClr val="bg1"/>
+              </a:solidFill>
+            </a:endParaRPr>
           </a:p>
         </p:txBody>
       </p:sp>
@@ -27068,7 +26422,7 @@
         <p:spPr>
           <a:xfrm>
             <a:off x="451338" y="803485"/>
-            <a:ext cx="9795376" cy="923330"/>
+            <a:ext cx="9795376" cy="861774"/>
           </a:xfrm>
           <a:prstGeom prst="rect">
             <a:avLst/>
@@ -27268,23 +26622,23 @@
           </a:lstStyle>
           <a:p>
             <a:r>
-              <a:rPr lang="pt-BR" sz="4800" dirty="0"/>
-              <a:t>Task de </a:t>
-            </a:r>
-            <a:r>
-              <a:rPr lang="pt-BR" sz="4800" dirty="0" err="1"/>
+              <a:rPr lang="pt-BR" sz="4400" dirty="0"/>
+              <a:t>Configuração da Task de </a:t>
+            </a:r>
+            <a:r>
+              <a:rPr lang="pt-BR" sz="4400" dirty="0" err="1"/>
               <a:t>pullrequest</a:t>
             </a:r>
-            <a:endParaRPr lang="pt-BR" sz="4800" dirty="0"/>
+            <a:endParaRPr lang="pt-BR" sz="4400" dirty="0"/>
           </a:p>
         </p:txBody>
       </p:sp>
       <p:pic>
         <p:nvPicPr>
-          <p:cNvPr id="4" name="Imagem 3">
+          <p:cNvPr id="3" name="Imagem 2">
             <a:extLst>
               <a:ext uri="{FF2B5EF4-FFF2-40B4-BE49-F238E27FC236}">
-                <a16:creationId xmlns:a16="http://schemas.microsoft.com/office/drawing/2014/main" id="{A87DD783-77F1-74D5-B61E-50859A43DFE5}"/>
+                <a16:creationId xmlns:a16="http://schemas.microsoft.com/office/drawing/2014/main" id="{9F159EAE-92D0-2E23-4B2C-1E520288D069}"/>
               </a:ext>
             </a:extLst>
           </p:cNvPr>
@@ -27301,8 +26655,8 @@
         </p:blipFill>
         <p:spPr>
           <a:xfrm>
-            <a:off x="4912468" y="2273840"/>
-            <a:ext cx="2515139" cy="2356526"/>
+            <a:off x="451338" y="4630570"/>
+            <a:ext cx="2485272" cy="1970143"/>
           </a:xfrm>
           <a:prstGeom prst="rect">
             <a:avLst/>
@@ -27315,10 +26669,64 @@
           </a:effectLst>
         </p:spPr>
       </p:pic>
+      <p:sp>
+        <p:nvSpPr>
+          <p:cNvPr id="7" name="CaixaDeTexto 6">
+            <a:extLst>
+              <a:ext uri="{FF2B5EF4-FFF2-40B4-BE49-F238E27FC236}">
+                <a16:creationId xmlns:a16="http://schemas.microsoft.com/office/drawing/2014/main" id="{8AC7BCC5-4C56-09F3-2599-CC343019684E}"/>
+              </a:ext>
+            </a:extLst>
+          </p:cNvPr>
+          <p:cNvSpPr txBox="1"/>
+          <p:nvPr/>
+        </p:nvSpPr>
+        <p:spPr>
+          <a:xfrm>
+            <a:off x="451338" y="3900164"/>
+            <a:ext cx="9485525" cy="646331"/>
+          </a:xfrm>
+          <a:prstGeom prst="rect">
+            <a:avLst/>
+          </a:prstGeom>
+          <a:noFill/>
+        </p:spPr>
+        <p:txBody>
+          <a:bodyPr wrap="square">
+            <a:spAutoFit/>
+          </a:bodyPr>
+          <a:lstStyle/>
+          <a:p>
+            <a:r>
+              <a:rPr lang="pt-BR" dirty="0" err="1">
+                <a:solidFill>
+                  <a:schemeClr val="bg1"/>
+                </a:solidFill>
+              </a:rPr>
+              <a:t>API_Version</a:t>
+            </a:r>
+            <a:br>
+              <a:rPr lang="pt-BR" dirty="0">
+                <a:solidFill>
+                  <a:schemeClr val="bg1"/>
+                </a:solidFill>
+              </a:rPr>
+            </a:br>
+            <a:r>
+              <a:rPr lang="pt-BR" dirty="0">
+                <a:solidFill>
+                  <a:schemeClr val="bg1"/>
+                </a:solidFill>
+              </a:rPr>
+              <a:t>https://learn.microsoft.com/en-us/azure/ai-services/openai/reference</a:t>
+            </a:r>
+          </a:p>
+        </p:txBody>
+      </p:sp>
     </p:spTree>
     <p:extLst>
       <p:ext uri="{BB962C8B-B14F-4D97-AF65-F5344CB8AC3E}">
-        <p14:creationId xmlns:p14="http://schemas.microsoft.com/office/powerpoint/2010/main" val="542209857"/>
+        <p14:creationId xmlns:p14="http://schemas.microsoft.com/office/powerpoint/2010/main" val="416104535"/>
       </p:ext>
     </p:extLst>
   </p:cSld>
@@ -28511,6 +27919,15 @@
 </file>
 
 <file path=customXml/item1.xml><?xml version="1.0" encoding="utf-8"?>
+<?mso-contentType ?>
+<FormTemplates xmlns="http://schemas.microsoft.com/sharepoint/v3/contenttype/forms">
+  <Display>DocumentLibraryForm</Display>
+  <Edit>DocumentLibraryForm</Edit>
+  <New>DocumentLibraryForm</New>
+</FormTemplates>
+</file>
+
+<file path=customXml/item2.xml><?xml version="1.0" encoding="utf-8"?>
 <ct:contentTypeSchema xmlns:ct="http://schemas.microsoft.com/office/2006/metadata/contentType" xmlns:ma="http://schemas.microsoft.com/office/2006/metadata/properties/metaAttributes" ct:_="" ma:_="" ma:contentTypeName="Document" ma:contentTypeID="0x010100C19B4546D391A349BE05AD29F9530504" ma:contentTypeVersion="8" ma:contentTypeDescription="Create a new document." ma:contentTypeScope="" ma:versionID="abefe0faccb33ea1c30b003d8120f948">
   <xsd:schema xmlns:xsd="http://www.w3.org/2001/XMLSchema" xmlns:xs="http://www.w3.org/2001/XMLSchema" xmlns:p="http://schemas.microsoft.com/office/2006/metadata/properties" xmlns:ns2="573658d2-825f-470e-8b88-a4a2deb94391" xmlns:ns3="9537331d-6386-4ea3-bab7-14a523f5dc52" targetNamespace="http://schemas.microsoft.com/office/2006/metadata/properties" ma:root="true" ma:fieldsID="aea6fda388b4fa532bd11596e8506557" ns2:_="" ns3:_="">
     <xsd:import namespace="573658d2-825f-470e-8b88-a4a2deb94391"/>
@@ -28687,15 +28104,6 @@
 </ct:contentTypeSchema>
 </file>
 
-<file path=customXml/item2.xml><?xml version="1.0" encoding="utf-8"?>
-<?mso-contentType ?>
-<FormTemplates xmlns="http://schemas.microsoft.com/sharepoint/v3/contenttype/forms">
-  <Display>DocumentLibraryForm</Display>
-  <Edit>DocumentLibraryForm</Edit>
-  <New>DocumentLibraryForm</New>
-</FormTemplates>
-</file>
-
 <file path=customXml/item3.xml><?xml version="1.0" encoding="utf-8"?>
 <p:properties xmlns:p="http://schemas.microsoft.com/office/2006/metadata/properties" xmlns:xsi="http://www.w3.org/2001/XMLSchema-instance" xmlns:pc="http://schemas.microsoft.com/office/infopath/2007/PartnerControls">
   <documentManagement>
@@ -28708,6 +28116,14 @@
 </file>
 
 <file path=customXml/itemProps1.xml><?xml version="1.0" encoding="utf-8"?>
+<ds:datastoreItem xmlns:ds="http://schemas.openxmlformats.org/officeDocument/2006/customXml" ds:itemID="{758FDAC0-319D-4A54-8D8E-1D42CB1F8004}">
+  <ds:schemaRefs>
+    <ds:schemaRef ds:uri="http://schemas.microsoft.com/sharepoint/v3/contenttype/forms"/>
+  </ds:schemaRefs>
+</ds:datastoreItem>
+</file>
+
+<file path=customXml/itemProps2.xml><?xml version="1.0" encoding="utf-8"?>
 <ds:datastoreItem xmlns:ds="http://schemas.openxmlformats.org/officeDocument/2006/customXml" ds:itemID="{614BD38F-8FF7-405C-9634-7E23E9D27E95}">
   <ds:schemaRefs>
     <ds:schemaRef ds:uri="573658d2-825f-470e-8b88-a4a2deb94391"/>
@@ -28722,14 +28138,6 @@
     <ds:schemaRef ds:uri="http://schemas.microsoft.com/office/infopath/2007/PartnerControls"/>
     <ds:schemaRef ds:uri="http://schemas.openxmlformats.org/package/2006/metadata/core-properties"/>
     <ds:schemaRef ds:uri="http://www.w3.org/2001/XMLSchema"/>
-  </ds:schemaRefs>
-</ds:datastoreItem>
-</file>
-
-<file path=customXml/itemProps2.xml><?xml version="1.0" encoding="utf-8"?>
-<ds:datastoreItem xmlns:ds="http://schemas.openxmlformats.org/officeDocument/2006/customXml" ds:itemID="{758FDAC0-319D-4A54-8D8E-1D42CB1F8004}">
-  <ds:schemaRefs>
-    <ds:schemaRef ds:uri="http://schemas.microsoft.com/sharepoint/v3/contenttype/forms"/>
   </ds:schemaRefs>
 </ds:datastoreItem>
 </file>

--- a/AzureOpenAI.pptx
+++ b/AzureOpenAI.pptx
@@ -3132,7 +3132,7 @@
               <a:rPr lang="en-US" smtClean="0">
                 <a:latin typeface="Segoe UI" pitchFamily="34" charset="0"/>
               </a:rPr>
-              <a:t>10/13/2023 3:44 PM</a:t>
+              <a:t>10/16/2023 9:14 PM</a:t>
             </a:fld>
             <a:endParaRPr lang="en-US">
               <a:latin typeface="Segoe UI" pitchFamily="34" charset="0"/>
@@ -3410,7 +3410,7 @@
           <a:p>
             <a:fld id="{DCE60099-03E7-4FA1-8A7F-E6E6CFB0F855}" type="datetime8">
               <a:rPr lang="en-US" smtClean="0"/>
-              <a:t>10/13/2023 3:44 PM</a:t>
+              <a:t>10/16/2023 9:14 PM</a:t>
             </a:fld>
             <a:endParaRPr lang="en-US"/>
           </a:p>
@@ -24363,7 +24363,31 @@
                 <a:latin typeface="Arial" panose="020B0604020202020204" pitchFamily="34" charset="0"/>
                 <a:cs typeface="Arial" panose="020B0604020202020204" pitchFamily="34" charset="0"/>
               </a:rPr>
-              <a:t>Objetivo: Foi projetada para usar em conjunto com o modelo GPT da AzureOpenAI para revisar PR’s fornecendo feedback’s como comentários no momento da solicitação do PR. </a:t>
+              <a:t>Objetivo: A taks foi projetada para usar em conjunto com o modelo GPT da AzureOpenAI para revisar PR’s fornecendo feedback’s </a:t>
+            </a:r>
+            <a:r>
+              <a:rPr lang="pt-PT" altLang="pt-BR" sz="2400" dirty="0">
+                <a:solidFill>
+                  <a:schemeClr val="bg1"/>
+                </a:solidFill>
+                <a:latin typeface="Arial" panose="020B0604020202020204" pitchFamily="34" charset="0"/>
+                <a:cs typeface="Arial" panose="020B0604020202020204" pitchFamily="34" charset="0"/>
+              </a:rPr>
+              <a:t>de forma de</a:t>
+            </a:r>
+            <a:r>
+              <a:rPr kumimoji="0" lang="pt-PT" altLang="pt-BR" sz="2400" b="0" i="0" u="none" strike="noStrike" cap="none" normalizeH="0" baseline="0" dirty="0">
+                <a:ln>
+                  <a:noFill/>
+                </a:ln>
+                <a:solidFill>
+                  <a:schemeClr val="bg1"/>
+                </a:solidFill>
+                <a:effectLst/>
+                <a:latin typeface="Arial" panose="020B0604020202020204" pitchFamily="34" charset="0"/>
+                <a:cs typeface="Arial" panose="020B0604020202020204" pitchFamily="34" charset="0"/>
+              </a:rPr>
+              <a:t> comentários no momento da solicitação do PR. </a:t>
             </a:r>
           </a:p>
           <a:p>
@@ -24743,7 +24767,7 @@
                 <a:latin typeface="Arial" panose="020B0604020202020204" pitchFamily="34" charset="0"/>
                 <a:cs typeface="Arial" panose="020B0604020202020204" pitchFamily="34" charset="0"/>
               </a:rPr>
-              <a:t>T</a:t>
+              <a:t>Task</a:t>
             </a:r>
             <a:r>
               <a:rPr kumimoji="0" lang="pt-PT" altLang="pt-BR" sz="3200" b="0" i="0" u="none" strike="noStrike" cap="none" normalizeH="0" baseline="0" dirty="0">
@@ -24757,7 +24781,7 @@
                 <a:latin typeface="Arial" panose="020B0604020202020204" pitchFamily="34" charset="0"/>
                 <a:cs typeface="Arial" panose="020B0604020202020204" pitchFamily="34" charset="0"/>
               </a:rPr>
-              <a:t>arefa de revisão de pull request para Azure Pipelines</a:t>
+              <a:t> de revisão de pull request para Azure Pipelines</a:t>
             </a:r>
           </a:p>
         </p:txBody>
@@ -27919,15 +27943,6 @@
 </file>
 
 <file path=customXml/item1.xml><?xml version="1.0" encoding="utf-8"?>
-<?mso-contentType ?>
-<FormTemplates xmlns="http://schemas.microsoft.com/sharepoint/v3/contenttype/forms">
-  <Display>DocumentLibraryForm</Display>
-  <Edit>DocumentLibraryForm</Edit>
-  <New>DocumentLibraryForm</New>
-</FormTemplates>
-</file>
-
-<file path=customXml/item2.xml><?xml version="1.0" encoding="utf-8"?>
 <ct:contentTypeSchema xmlns:ct="http://schemas.microsoft.com/office/2006/metadata/contentType" xmlns:ma="http://schemas.microsoft.com/office/2006/metadata/properties/metaAttributes" ct:_="" ma:_="" ma:contentTypeName="Document" ma:contentTypeID="0x010100C19B4546D391A349BE05AD29F9530504" ma:contentTypeVersion="8" ma:contentTypeDescription="Create a new document." ma:contentTypeScope="" ma:versionID="abefe0faccb33ea1c30b003d8120f948">
   <xsd:schema xmlns:xsd="http://www.w3.org/2001/XMLSchema" xmlns:xs="http://www.w3.org/2001/XMLSchema" xmlns:p="http://schemas.microsoft.com/office/2006/metadata/properties" xmlns:ns2="573658d2-825f-470e-8b88-a4a2deb94391" xmlns:ns3="9537331d-6386-4ea3-bab7-14a523f5dc52" targetNamespace="http://schemas.microsoft.com/office/2006/metadata/properties" ma:root="true" ma:fieldsID="aea6fda388b4fa532bd11596e8506557" ns2:_="" ns3:_="">
     <xsd:import namespace="573658d2-825f-470e-8b88-a4a2deb94391"/>
@@ -28104,6 +28119,15 @@
 </ct:contentTypeSchema>
 </file>
 
+<file path=customXml/item2.xml><?xml version="1.0" encoding="utf-8"?>
+<?mso-contentType ?>
+<FormTemplates xmlns="http://schemas.microsoft.com/sharepoint/v3/contenttype/forms">
+  <Display>DocumentLibraryForm</Display>
+  <Edit>DocumentLibraryForm</Edit>
+  <New>DocumentLibraryForm</New>
+</FormTemplates>
+</file>
+
 <file path=customXml/item3.xml><?xml version="1.0" encoding="utf-8"?>
 <p:properties xmlns:p="http://schemas.microsoft.com/office/2006/metadata/properties" xmlns:xsi="http://www.w3.org/2001/XMLSchema-instance" xmlns:pc="http://schemas.microsoft.com/office/infopath/2007/PartnerControls">
   <documentManagement>
@@ -28116,14 +28140,6 @@
 </file>
 
 <file path=customXml/itemProps1.xml><?xml version="1.0" encoding="utf-8"?>
-<ds:datastoreItem xmlns:ds="http://schemas.openxmlformats.org/officeDocument/2006/customXml" ds:itemID="{758FDAC0-319D-4A54-8D8E-1D42CB1F8004}">
-  <ds:schemaRefs>
-    <ds:schemaRef ds:uri="http://schemas.microsoft.com/sharepoint/v3/contenttype/forms"/>
-  </ds:schemaRefs>
-</ds:datastoreItem>
-</file>
-
-<file path=customXml/itemProps2.xml><?xml version="1.0" encoding="utf-8"?>
 <ds:datastoreItem xmlns:ds="http://schemas.openxmlformats.org/officeDocument/2006/customXml" ds:itemID="{614BD38F-8FF7-405C-9634-7E23E9D27E95}">
   <ds:schemaRefs>
     <ds:schemaRef ds:uri="573658d2-825f-470e-8b88-a4a2deb94391"/>
@@ -28138,6 +28154,14 @@
     <ds:schemaRef ds:uri="http://schemas.microsoft.com/office/infopath/2007/PartnerControls"/>
     <ds:schemaRef ds:uri="http://schemas.openxmlformats.org/package/2006/metadata/core-properties"/>
     <ds:schemaRef ds:uri="http://www.w3.org/2001/XMLSchema"/>
+  </ds:schemaRefs>
+</ds:datastoreItem>
+</file>
+
+<file path=customXml/itemProps2.xml><?xml version="1.0" encoding="utf-8"?>
+<ds:datastoreItem xmlns:ds="http://schemas.openxmlformats.org/officeDocument/2006/customXml" ds:itemID="{758FDAC0-319D-4A54-8D8E-1D42CB1F8004}">
+  <ds:schemaRefs>
+    <ds:schemaRef ds:uri="http://schemas.microsoft.com/sharepoint/v3/contenttype/forms"/>
   </ds:schemaRefs>
 </ds:datastoreItem>
 </file>

--- a/AzureOpenAI.pptx
+++ b/AzureOpenAI.pptx
@@ -3132,7 +3132,7 @@
               <a:rPr lang="en-US" smtClean="0">
                 <a:latin typeface="Segoe UI" pitchFamily="34" charset="0"/>
               </a:rPr>
-              <a:t>10/16/2023 9:14 PM</a:t>
+              <a:t>10/18/2023 10:50 AM</a:t>
             </a:fld>
             <a:endParaRPr lang="en-US">
               <a:latin typeface="Segoe UI" pitchFamily="34" charset="0"/>
@@ -3410,7 +3410,7 @@
           <a:p>
             <a:fld id="{DCE60099-03E7-4FA1-8A7F-E6E6CFB0F855}" type="datetime8">
               <a:rPr lang="en-US" smtClean="0"/>
-              <a:t>10/16/2023 9:14 PM</a:t>
+              <a:t>10/18/2023 10:50 AM</a:t>
             </a:fld>
             <a:endParaRPr lang="en-US"/>
           </a:p>
@@ -23824,8 +23824,8 @@
         </p:nvSpPr>
         <p:spPr>
           <a:xfrm>
-            <a:off x="5384626" y="1430959"/>
-            <a:ext cx="6805551" cy="3819537"/>
+            <a:off x="4740104" y="1410096"/>
+            <a:ext cx="7438926" cy="3819537"/>
           </a:xfrm>
           <a:prstGeom prst="rect">
             <a:avLst/>
@@ -23946,7 +23946,7 @@
               <a:rPr lang="pt-BR" sz="2200" dirty="0">
                 <a:latin typeface="+mn-lt"/>
               </a:rPr>
-              <a:t>Engenheiro da Computação Universidade Positivo</a:t>
+              <a:t>Engenheiro da Computação pela Universidade Positivo</a:t>
             </a:r>
           </a:p>
           <a:p>
@@ -24078,7 +24078,7 @@
         </p:nvSpPr>
         <p:spPr>
           <a:xfrm>
-            <a:off x="6261413" y="584730"/>
+            <a:off x="5648571" y="672279"/>
             <a:ext cx="3762934" cy="545298"/>
           </a:xfrm>
           <a:prstGeom prst="rect">
@@ -24781,7 +24781,7 @@
                 <a:latin typeface="Arial" panose="020B0604020202020204" pitchFamily="34" charset="0"/>
                 <a:cs typeface="Arial" panose="020B0604020202020204" pitchFamily="34" charset="0"/>
               </a:rPr>
-              <a:t> de revisão de pull request para Azure Pipelines</a:t>
+              <a:t> de revisão de pull request do Azure Pipelines</a:t>
             </a:r>
           </a:p>
         </p:txBody>
@@ -24846,16 +24846,24 @@
         </p:nvSpPr>
         <p:spPr>
           <a:xfrm>
-            <a:off x="451338" y="5176016"/>
-            <a:ext cx="9795376" cy="738664"/>
+            <a:off x="859898" y="4670178"/>
+            <a:ext cx="11221853" cy="738664"/>
           </a:xfrm>
+          <a:noFill/>
         </p:spPr>
         <p:txBody>
-          <a:bodyPr/>
+          <a:bodyPr wrap="square">
+            <a:spAutoFit/>
+          </a:bodyPr>
           <a:lstStyle/>
           <a:p>
             <a:r>
-              <a:rPr lang="pt-BR" dirty="0"/>
+              <a:rPr lang="pt-BR" dirty="0">
+                <a:solidFill>
+                  <a:schemeClr val="bg1"/>
+                </a:solidFill>
+                <a:latin typeface="+mn-lt"/>
+              </a:rPr>
               <a:t>https://customervoice.microsoft.com/Pages/ResponsePage.aspx?id=v4j5cvGGr0GRqy180BHbR7en2Ais5pxKtso_Pz4b1_xUOFA5Qk1UWDRBMjg0WFhPMkIzTzhKQ1dWNyQlQCN0PWcu</a:t>
             </a:r>
           </a:p>
@@ -25197,7 +25205,7 @@
         </p:nvSpPr>
         <p:spPr>
           <a:xfrm>
-            <a:off x="848738" y="5352923"/>
+            <a:off x="2249521" y="4778992"/>
             <a:ext cx="10649356" cy="369332"/>
           </a:xfrm>
           <a:prstGeom prst="rect">
@@ -25554,7 +25562,7 @@
         </p:nvSpPr>
         <p:spPr>
           <a:xfrm>
-            <a:off x="138619" y="5518294"/>
+            <a:off x="1928508" y="5085098"/>
             <a:ext cx="10649356" cy="369332"/>
           </a:xfrm>
           <a:prstGeom prst="rect">
@@ -25992,7 +26000,7 @@
         </p:nvSpPr>
         <p:spPr>
           <a:xfrm>
-            <a:off x="138619" y="5518294"/>
+            <a:off x="675126" y="5136584"/>
             <a:ext cx="10649356" cy="369332"/>
           </a:xfrm>
           <a:prstGeom prst="rect">
@@ -27943,6 +27951,15 @@
 </file>
 
 <file path=customXml/item1.xml><?xml version="1.0" encoding="utf-8"?>
+<?mso-contentType ?>
+<FormTemplates xmlns="http://schemas.microsoft.com/sharepoint/v3/contenttype/forms">
+  <Display>DocumentLibraryForm</Display>
+  <Edit>DocumentLibraryForm</Edit>
+  <New>DocumentLibraryForm</New>
+</FormTemplates>
+</file>
+
+<file path=customXml/item2.xml><?xml version="1.0" encoding="utf-8"?>
 <ct:contentTypeSchema xmlns:ct="http://schemas.microsoft.com/office/2006/metadata/contentType" xmlns:ma="http://schemas.microsoft.com/office/2006/metadata/properties/metaAttributes" ct:_="" ma:_="" ma:contentTypeName="Document" ma:contentTypeID="0x010100C19B4546D391A349BE05AD29F9530504" ma:contentTypeVersion="8" ma:contentTypeDescription="Create a new document." ma:contentTypeScope="" ma:versionID="abefe0faccb33ea1c30b003d8120f948">
   <xsd:schema xmlns:xsd="http://www.w3.org/2001/XMLSchema" xmlns:xs="http://www.w3.org/2001/XMLSchema" xmlns:p="http://schemas.microsoft.com/office/2006/metadata/properties" xmlns:ns2="573658d2-825f-470e-8b88-a4a2deb94391" xmlns:ns3="9537331d-6386-4ea3-bab7-14a523f5dc52" targetNamespace="http://schemas.microsoft.com/office/2006/metadata/properties" ma:root="true" ma:fieldsID="aea6fda388b4fa532bd11596e8506557" ns2:_="" ns3:_="">
     <xsd:import namespace="573658d2-825f-470e-8b88-a4a2deb94391"/>
@@ -28119,15 +28136,6 @@
 </ct:contentTypeSchema>
 </file>
 
-<file path=customXml/item2.xml><?xml version="1.0" encoding="utf-8"?>
-<?mso-contentType ?>
-<FormTemplates xmlns="http://schemas.microsoft.com/sharepoint/v3/contenttype/forms">
-  <Display>DocumentLibraryForm</Display>
-  <Edit>DocumentLibraryForm</Edit>
-  <New>DocumentLibraryForm</New>
-</FormTemplates>
-</file>
-
 <file path=customXml/item3.xml><?xml version="1.0" encoding="utf-8"?>
 <p:properties xmlns:p="http://schemas.microsoft.com/office/2006/metadata/properties" xmlns:xsi="http://www.w3.org/2001/XMLSchema-instance" xmlns:pc="http://schemas.microsoft.com/office/infopath/2007/PartnerControls">
   <documentManagement>
@@ -28140,6 +28148,14 @@
 </file>
 
 <file path=customXml/itemProps1.xml><?xml version="1.0" encoding="utf-8"?>
+<ds:datastoreItem xmlns:ds="http://schemas.openxmlformats.org/officeDocument/2006/customXml" ds:itemID="{758FDAC0-319D-4A54-8D8E-1D42CB1F8004}">
+  <ds:schemaRefs>
+    <ds:schemaRef ds:uri="http://schemas.microsoft.com/sharepoint/v3/contenttype/forms"/>
+  </ds:schemaRefs>
+</ds:datastoreItem>
+</file>
+
+<file path=customXml/itemProps2.xml><?xml version="1.0" encoding="utf-8"?>
 <ds:datastoreItem xmlns:ds="http://schemas.openxmlformats.org/officeDocument/2006/customXml" ds:itemID="{614BD38F-8FF7-405C-9634-7E23E9D27E95}">
   <ds:schemaRefs>
     <ds:schemaRef ds:uri="573658d2-825f-470e-8b88-a4a2deb94391"/>
@@ -28154,14 +28170,6 @@
     <ds:schemaRef ds:uri="http://schemas.microsoft.com/office/infopath/2007/PartnerControls"/>
     <ds:schemaRef ds:uri="http://schemas.openxmlformats.org/package/2006/metadata/core-properties"/>
     <ds:schemaRef ds:uri="http://www.w3.org/2001/XMLSchema"/>
-  </ds:schemaRefs>
-</ds:datastoreItem>
-</file>
-
-<file path=customXml/itemProps2.xml><?xml version="1.0" encoding="utf-8"?>
-<ds:datastoreItem xmlns:ds="http://schemas.openxmlformats.org/officeDocument/2006/customXml" ds:itemID="{758FDAC0-319D-4A54-8D8E-1D42CB1F8004}">
-  <ds:schemaRefs>
-    <ds:schemaRef ds:uri="http://schemas.microsoft.com/sharepoint/v3/contenttype/forms"/>
   </ds:schemaRefs>
 </ds:datastoreItem>
 </file>

--- a/AzureOpenAI.pptx
+++ b/AzureOpenAI.pptx
@@ -6,24 +6,25 @@
     <p:sldMasterId id="2147484608" r:id="rId5"/>
   </p:sldMasterIdLst>
   <p:notesMasterIdLst>
-    <p:notesMasterId r:id="rId18"/>
+    <p:notesMasterId r:id="rId19"/>
   </p:notesMasterIdLst>
   <p:handoutMasterIdLst>
-    <p:handoutMasterId r:id="rId19"/>
+    <p:handoutMasterId r:id="rId20"/>
   </p:handoutMasterIdLst>
   <p:sldIdLst>
     <p:sldId id="1678" r:id="rId6"/>
     <p:sldId id="1680" r:id="rId7"/>
     <p:sldId id="1714" r:id="rId8"/>
-    <p:sldId id="1713" r:id="rId9"/>
-    <p:sldId id="1708" r:id="rId10"/>
-    <p:sldId id="1709" r:id="rId11"/>
-    <p:sldId id="1710" r:id="rId12"/>
-    <p:sldId id="1711" r:id="rId13"/>
-    <p:sldId id="1712" r:id="rId14"/>
-    <p:sldId id="1716" r:id="rId15"/>
-    <p:sldId id="1715" r:id="rId16"/>
-    <p:sldId id="1706" r:id="rId17"/>
+    <p:sldId id="1717" r:id="rId9"/>
+    <p:sldId id="1713" r:id="rId10"/>
+    <p:sldId id="1708" r:id="rId11"/>
+    <p:sldId id="1709" r:id="rId12"/>
+    <p:sldId id="1710" r:id="rId13"/>
+    <p:sldId id="1711" r:id="rId14"/>
+    <p:sldId id="1712" r:id="rId15"/>
+    <p:sldId id="1716" r:id="rId16"/>
+    <p:sldId id="1715" r:id="rId17"/>
+    <p:sldId id="1706" r:id="rId18"/>
   </p:sldIdLst>
   <p:sldSz cx="12436475" cy="6994525"/>
   <p:notesSz cx="6858000" cy="9144000"/>
@@ -130,6 +131,7 @@
             <p14:sldId id="1678"/>
             <p14:sldId id="1680"/>
             <p14:sldId id="1714"/>
+            <p14:sldId id="1717"/>
             <p14:sldId id="1713"/>
             <p14:sldId id="1708"/>
             <p14:sldId id="1709"/>
@@ -3132,7 +3134,7 @@
               <a:rPr lang="en-US" smtClean="0">
                 <a:latin typeface="Segoe UI" pitchFamily="34" charset="0"/>
               </a:rPr>
-              <a:t>10/18/2023 10:50 AM</a:t>
+              <a:t>10/18/2023 10:54 AM</a:t>
             </a:fld>
             <a:endParaRPr lang="en-US">
               <a:latin typeface="Segoe UI" pitchFamily="34" charset="0"/>
@@ -3410,7 +3412,7 @@
           <a:p>
             <a:fld id="{DCE60099-03E7-4FA1-8A7F-E6E6CFB0F855}" type="datetime8">
               <a:rPr lang="en-US" smtClean="0"/>
-              <a:t>10/18/2023 10:50 AM</a:t>
+              <a:t>10/18/2023 10:54 AM</a:t>
             </a:fld>
             <a:endParaRPr lang="en-US"/>
           </a:p>
@@ -3797,6 +3799,290 @@
 </p:notes>
 </file>
 
+<file path=ppt/notesSlides/notesSlide10.xml><?xml version="1.0" encoding="utf-8"?>
+<p:notes xmlns:a="http://schemas.openxmlformats.org/drawingml/2006/main" xmlns:r="http://schemas.openxmlformats.org/officeDocument/2006/relationships" xmlns:p="http://schemas.openxmlformats.org/presentationml/2006/main">
+  <p:cSld>
+    <p:spTree>
+      <p:nvGrpSpPr>
+        <p:cNvPr id="1" name=""/>
+        <p:cNvGrpSpPr/>
+        <p:nvPr/>
+      </p:nvGrpSpPr>
+      <p:grpSpPr>
+        <a:xfrm>
+          <a:off x="0" y="0"/>
+          <a:ext cx="0" cy="0"/>
+          <a:chOff x="0" y="0"/>
+          <a:chExt cx="0" cy="0"/>
+        </a:xfrm>
+      </p:grpSpPr>
+      <p:sp>
+        <p:nvSpPr>
+          <p:cNvPr id="2" name="Espaço Reservado para Imagem de Slide 1"/>
+          <p:cNvSpPr>
+            <a:spLocks noGrp="1" noRot="1" noChangeAspect="1"/>
+          </p:cNvSpPr>
+          <p:nvPr>
+            <p:ph type="sldImg"/>
+          </p:nvPr>
+        </p:nvSpPr>
+        <p:spPr/>
+      </p:sp>
+      <p:sp>
+        <p:nvSpPr>
+          <p:cNvPr id="3" name="Espaço Reservado para Anotações 2"/>
+          <p:cNvSpPr>
+            <a:spLocks noGrp="1"/>
+          </p:cNvSpPr>
+          <p:nvPr>
+            <p:ph type="body" idx="1"/>
+          </p:nvPr>
+        </p:nvSpPr>
+        <p:spPr/>
+        <p:txBody>
+          <a:bodyPr/>
+          <a:lstStyle/>
+          <a:p>
+            <a:endParaRPr lang="pt-BR" dirty="0"/>
+          </a:p>
+        </p:txBody>
+      </p:sp>
+      <p:sp>
+        <p:nvSpPr>
+          <p:cNvPr id="4" name="Espaço Reservado para Cabeçalho 3"/>
+          <p:cNvSpPr>
+            <a:spLocks noGrp="1"/>
+          </p:cNvSpPr>
+          <p:nvPr>
+            <p:ph type="hdr" sz="quarter"/>
+          </p:nvPr>
+        </p:nvSpPr>
+        <p:spPr/>
+        <p:txBody>
+          <a:bodyPr/>
+          <a:lstStyle/>
+          <a:p>
+            <a:endParaRPr lang="en-US"/>
+          </a:p>
+        </p:txBody>
+      </p:sp>
+      <p:sp>
+        <p:nvSpPr>
+          <p:cNvPr id="5" name="Espaço Reservado para Rodapé 4"/>
+          <p:cNvSpPr>
+            <a:spLocks noGrp="1"/>
+          </p:cNvSpPr>
+          <p:nvPr>
+            <p:ph type="ftr" sz="quarter" idx="4"/>
+          </p:nvPr>
+        </p:nvSpPr>
+        <p:spPr/>
+        <p:txBody>
+          <a:bodyPr/>
+          <a:lstStyle/>
+          <a:p>
+            <a:pPr defTabSz="914099" eaLnBrk="0" hangingPunct="0"/>
+            <a:r>
+              <a:rPr lang="en-US" sz="400">
+                <a:gradFill>
+                  <a:gsLst>
+                    <a:gs pos="0">
+                      <a:prstClr val="black"/>
+                    </a:gs>
+                    <a:gs pos="100000">
+                      <a:prstClr val="black"/>
+                    </a:gs>
+                  </a:gsLst>
+                  <a:lin ang="5400000" scaled="0"/>
+                </a:gradFill>
+                <a:latin typeface="Segoe UI" pitchFamily="34" charset="0"/>
+                <a:ea typeface="Segoe UI" pitchFamily="34" charset="0"/>
+                <a:cs typeface="Segoe UI" pitchFamily="34" charset="0"/>
+              </a:rPr>
+              <a:t>© Microsoft Corporation</a:t>
+            </a:r>
+          </a:p>
+        </p:txBody>
+      </p:sp>
+      <p:sp>
+        <p:nvSpPr>
+          <p:cNvPr id="6" name="Espaço Reservado para Número de Slide 5"/>
+          <p:cNvSpPr>
+            <a:spLocks noGrp="1"/>
+          </p:cNvSpPr>
+          <p:nvPr>
+            <p:ph type="sldNum" sz="quarter" idx="5"/>
+          </p:nvPr>
+        </p:nvSpPr>
+        <p:spPr/>
+        <p:txBody>
+          <a:bodyPr/>
+          <a:lstStyle/>
+          <a:p>
+            <a:fld id="{B4008EB6-D09E-4580-8CD6-DDB14511944F}" type="slidenum">
+              <a:rPr lang="en-US" smtClean="0"/>
+              <a:pPr/>
+              <a:t>11</a:t>
+            </a:fld>
+            <a:endParaRPr lang="en-US"/>
+          </a:p>
+        </p:txBody>
+      </p:sp>
+    </p:spTree>
+    <p:extLst>
+      <p:ext uri="{BB962C8B-B14F-4D97-AF65-F5344CB8AC3E}">
+        <p14:creationId xmlns:p14="http://schemas.microsoft.com/office/powerpoint/2010/main" val="274415803"/>
+      </p:ext>
+    </p:extLst>
+  </p:cSld>
+  <p:clrMapOvr>
+    <a:masterClrMapping/>
+  </p:clrMapOvr>
+</p:notes>
+</file>
+
+<file path=ppt/notesSlides/notesSlide11.xml><?xml version="1.0" encoding="utf-8"?>
+<p:notes xmlns:a="http://schemas.openxmlformats.org/drawingml/2006/main" xmlns:r="http://schemas.openxmlformats.org/officeDocument/2006/relationships" xmlns:p="http://schemas.openxmlformats.org/presentationml/2006/main">
+  <p:cSld>
+    <p:spTree>
+      <p:nvGrpSpPr>
+        <p:cNvPr id="1" name=""/>
+        <p:cNvGrpSpPr/>
+        <p:nvPr/>
+      </p:nvGrpSpPr>
+      <p:grpSpPr>
+        <a:xfrm>
+          <a:off x="0" y="0"/>
+          <a:ext cx="0" cy="0"/>
+          <a:chOff x="0" y="0"/>
+          <a:chExt cx="0" cy="0"/>
+        </a:xfrm>
+      </p:grpSpPr>
+      <p:sp>
+        <p:nvSpPr>
+          <p:cNvPr id="2" name="Espaço Reservado para Imagem de Slide 1"/>
+          <p:cNvSpPr>
+            <a:spLocks noGrp="1" noRot="1" noChangeAspect="1"/>
+          </p:cNvSpPr>
+          <p:nvPr>
+            <p:ph type="sldImg"/>
+          </p:nvPr>
+        </p:nvSpPr>
+        <p:spPr/>
+      </p:sp>
+      <p:sp>
+        <p:nvSpPr>
+          <p:cNvPr id="3" name="Espaço Reservado para Anotações 2"/>
+          <p:cNvSpPr>
+            <a:spLocks noGrp="1"/>
+          </p:cNvSpPr>
+          <p:nvPr>
+            <p:ph type="body" idx="1"/>
+          </p:nvPr>
+        </p:nvSpPr>
+        <p:spPr/>
+        <p:txBody>
+          <a:bodyPr/>
+          <a:lstStyle/>
+          <a:p>
+            <a:endParaRPr lang="pt-BR" dirty="0"/>
+          </a:p>
+        </p:txBody>
+      </p:sp>
+      <p:sp>
+        <p:nvSpPr>
+          <p:cNvPr id="4" name="Espaço Reservado para Cabeçalho 3"/>
+          <p:cNvSpPr>
+            <a:spLocks noGrp="1"/>
+          </p:cNvSpPr>
+          <p:nvPr>
+            <p:ph type="hdr" sz="quarter"/>
+          </p:nvPr>
+        </p:nvSpPr>
+        <p:spPr/>
+        <p:txBody>
+          <a:bodyPr/>
+          <a:lstStyle/>
+          <a:p>
+            <a:endParaRPr lang="en-US"/>
+          </a:p>
+        </p:txBody>
+      </p:sp>
+      <p:sp>
+        <p:nvSpPr>
+          <p:cNvPr id="5" name="Espaço Reservado para Rodapé 4"/>
+          <p:cNvSpPr>
+            <a:spLocks noGrp="1"/>
+          </p:cNvSpPr>
+          <p:nvPr>
+            <p:ph type="ftr" sz="quarter" idx="4"/>
+          </p:nvPr>
+        </p:nvSpPr>
+        <p:spPr/>
+        <p:txBody>
+          <a:bodyPr/>
+          <a:lstStyle/>
+          <a:p>
+            <a:pPr defTabSz="914099" eaLnBrk="0" hangingPunct="0"/>
+            <a:r>
+              <a:rPr lang="en-US" sz="400">
+                <a:gradFill>
+                  <a:gsLst>
+                    <a:gs pos="0">
+                      <a:prstClr val="black"/>
+                    </a:gs>
+                    <a:gs pos="100000">
+                      <a:prstClr val="black"/>
+                    </a:gs>
+                  </a:gsLst>
+                  <a:lin ang="5400000" scaled="0"/>
+                </a:gradFill>
+                <a:latin typeface="Segoe UI" pitchFamily="34" charset="0"/>
+                <a:ea typeface="Segoe UI" pitchFamily="34" charset="0"/>
+                <a:cs typeface="Segoe UI" pitchFamily="34" charset="0"/>
+              </a:rPr>
+              <a:t>© Microsoft Corporation</a:t>
+            </a:r>
+          </a:p>
+        </p:txBody>
+      </p:sp>
+      <p:sp>
+        <p:nvSpPr>
+          <p:cNvPr id="6" name="Espaço Reservado para Número de Slide 5"/>
+          <p:cNvSpPr>
+            <a:spLocks noGrp="1"/>
+          </p:cNvSpPr>
+          <p:nvPr>
+            <p:ph type="sldNum" sz="quarter" idx="5"/>
+          </p:nvPr>
+        </p:nvSpPr>
+        <p:spPr/>
+        <p:txBody>
+          <a:bodyPr/>
+          <a:lstStyle/>
+          <a:p>
+            <a:fld id="{B4008EB6-D09E-4580-8CD6-DDB14511944F}" type="slidenum">
+              <a:rPr lang="en-US" smtClean="0"/>
+              <a:pPr/>
+              <a:t>12</a:t>
+            </a:fld>
+            <a:endParaRPr lang="en-US"/>
+          </a:p>
+        </p:txBody>
+      </p:sp>
+    </p:spTree>
+    <p:extLst>
+      <p:ext uri="{BB962C8B-B14F-4D97-AF65-F5344CB8AC3E}">
+        <p14:creationId xmlns:p14="http://schemas.microsoft.com/office/powerpoint/2010/main" val="994224619"/>
+      </p:ext>
+    </p:extLst>
+  </p:cSld>
+  <p:clrMapOvr>
+    <a:masterClrMapping/>
+  </p:clrMapOvr>
+</p:notes>
+</file>
+
 <file path=ppt/notesSlides/notesSlide2.xml><?xml version="1.0" encoding="utf-8"?>
 <p:notes xmlns:a="http://schemas.openxmlformats.org/drawingml/2006/main" xmlns:r="http://schemas.openxmlformats.org/officeDocument/2006/relationships" xmlns:p="http://schemas.openxmlformats.org/presentationml/2006/main">
   <p:cSld>
@@ -3841,53 +4127,6 @@
           <a:bodyPr/>
           <a:lstStyle/>
           <a:p>
-            <a:pPr marL="0" marR="0" lvl="0" indent="0" algn="l" defTabSz="932742" rtl="0" eaLnBrk="1" fontAlgn="auto" latinLnBrk="0" hangingPunct="1">
-              <a:lnSpc>
-                <a:spcPct val="90000"/>
-              </a:lnSpc>
-              <a:spcBef>
-                <a:spcPts val="0"/>
-              </a:spcBef>
-              <a:spcAft>
-                <a:spcPts val="340"/>
-              </a:spcAft>
-              <a:buClrTx/>
-              <a:buSzTx/>
-              <a:buFontTx/>
-              <a:buNone/>
-              <a:tabLst/>
-              <a:defRPr/>
-            </a:pPr>
-            <a:r>
-              <a:rPr lang="pt-BR" dirty="0"/>
-              <a:t>Solicitar acesso via </a:t>
-            </a:r>
-            <a:r>
-              <a:rPr lang="pt-BR" dirty="0" err="1"/>
-              <a:t>form</a:t>
-            </a:r>
-            <a:r>
-              <a:rPr lang="pt-BR" dirty="0"/>
-              <a:t> do recurso </a:t>
-            </a:r>
-            <a:r>
-              <a:rPr lang="pt-BR" dirty="0" err="1"/>
-              <a:t>azureopenai</a:t>
-            </a:r>
-            <a:r>
-              <a:rPr lang="pt-BR" dirty="0"/>
-              <a:t>(tempo de resposta da </a:t>
-            </a:r>
-            <a:r>
-              <a:rPr lang="pt-BR" dirty="0" err="1"/>
-              <a:t>solicitacao</a:t>
-            </a:r>
-            <a:r>
-              <a:rPr lang="pt-BR" dirty="0"/>
-              <a:t> menciona ate 10 dias uteis, comigo levou 2 dias)</a:t>
-            </a:r>
-          </a:p>
-          <a:p>
             <a:endParaRPr lang="pt-BR" dirty="0"/>
           </a:p>
         </p:txBody>
@@ -3967,7 +4206,7 @@
             <a:fld id="{B4008EB6-D09E-4580-8CD6-DDB14511944F}" type="slidenum">
               <a:rPr lang="en-US" smtClean="0"/>
               <a:pPr/>
-              <a:t>3</a:t>
+              <a:t>2</a:t>
             </a:fld>
             <a:endParaRPr lang="en-US"/>
           </a:p>
@@ -3976,7 +4215,7 @@
     </p:spTree>
     <p:extLst>
       <p:ext uri="{BB962C8B-B14F-4D97-AF65-F5344CB8AC3E}">
-        <p14:creationId xmlns:p14="http://schemas.microsoft.com/office/powerpoint/2010/main" val="3869780487"/>
+        <p14:creationId xmlns:p14="http://schemas.microsoft.com/office/powerpoint/2010/main" val="1268772309"/>
       </p:ext>
     </p:extLst>
   </p:cSld>
@@ -4030,50 +4269,29 @@
           <a:bodyPr/>
           <a:lstStyle/>
           <a:p>
-            <a:pPr marL="0" marR="0" lvl="0" indent="0" algn="l" defTabSz="932742" rtl="0" eaLnBrk="1" fontAlgn="auto" latinLnBrk="0" hangingPunct="1">
-              <a:lnSpc>
-                <a:spcPct val="90000"/>
-              </a:lnSpc>
-              <a:spcBef>
-                <a:spcPts val="0"/>
-              </a:spcBef>
-              <a:spcAft>
-                <a:spcPts val="340"/>
-              </a:spcAft>
-              <a:buClrTx/>
-              <a:buSzTx/>
-              <a:buFontTx/>
-              <a:buNone/>
-              <a:tabLst/>
-              <a:defRPr/>
-            </a:pPr>
-            <a:r>
-              <a:rPr lang="pt-BR" dirty="0"/>
-              <a:t>Solicitar acesso via </a:t>
-            </a:r>
-            <a:r>
-              <a:rPr lang="pt-BR" dirty="0" err="1"/>
-              <a:t>form</a:t>
-            </a:r>
-            <a:r>
-              <a:rPr lang="pt-BR" dirty="0"/>
-              <a:t> do recurso </a:t>
-            </a:r>
-            <a:r>
-              <a:rPr lang="pt-BR" dirty="0" err="1"/>
-              <a:t>azureopenai</a:t>
-            </a:r>
-            <a:r>
-              <a:rPr lang="pt-BR" dirty="0"/>
-              <a:t>(tempo de resposta da </a:t>
-            </a:r>
-            <a:r>
-              <a:rPr lang="pt-BR" dirty="0" err="1"/>
-              <a:t>solicitacao</a:t>
-            </a:r>
-            <a:r>
-              <a:rPr lang="pt-BR" dirty="0"/>
-              <a:t> menciona ate 10 dias uteis, comigo levou 2 dias)</a:t>
+            <a:pPr algn="l"/>
+            <a:r>
+              <a:rPr lang="pt-BR" b="0" i="0" dirty="0">
+                <a:solidFill>
+                  <a:srgbClr val="58595B"/>
+                </a:solidFill>
+                <a:effectLst/>
+                <a:latin typeface="Montserrat" panose="00000500000000000000" pitchFamily="2" charset="0"/>
+              </a:rPr>
+              <a:t>Paraná banco é considerado pioneiro no crédito consignado, oferece este serviço desde 1995 e hoje é especialista no segmento, oferecendo-o para aposentados e pensionistas do INSS, servidores públicos (federais, estaduais e municipais) e profissionais das Forças Armadas para contratação em nossas lojas físicas ou pela internet.</a:t>
+            </a:r>
+          </a:p>
+          <a:p>
+            <a:pPr algn="l"/>
+            <a:r>
+              <a:rPr lang="pt-BR" b="0" i="0" dirty="0">
+                <a:solidFill>
+                  <a:srgbClr val="58595B"/>
+                </a:solidFill>
+                <a:effectLst/>
+                <a:latin typeface="Montserrat" panose="00000500000000000000" pitchFamily="2" charset="0"/>
+              </a:rPr>
+              <a:t>Atualmente, possuí 20 lojas próprias e mais de 135 correspondentes exclusivos. Estamos presentes em todo o país, oferecendo empréstimos com segurança e transparência para quem deseja quitar dívidas maiores, investir em algo ou mesmo realizar um sonho.</a:t>
             </a:r>
           </a:p>
           <a:p>
@@ -4156,7 +4374,7 @@
             <a:fld id="{B4008EB6-D09E-4580-8CD6-DDB14511944F}" type="slidenum">
               <a:rPr lang="en-US" smtClean="0"/>
               <a:pPr/>
-              <a:t>4</a:t>
+              <a:t>3</a:t>
             </a:fld>
             <a:endParaRPr lang="en-US"/>
           </a:p>
@@ -4165,7 +4383,7 @@
     </p:spTree>
     <p:extLst>
       <p:ext uri="{BB962C8B-B14F-4D97-AF65-F5344CB8AC3E}">
-        <p14:creationId xmlns:p14="http://schemas.microsoft.com/office/powerpoint/2010/main" val="1796332136"/>
+        <p14:creationId xmlns:p14="http://schemas.microsoft.com/office/powerpoint/2010/main" val="3869780487"/>
       </p:ext>
     </p:extLst>
   </p:cSld>
@@ -4219,6 +4437,53 @@
           <a:bodyPr/>
           <a:lstStyle/>
           <a:p>
+            <a:pPr marL="0" marR="0" lvl="0" indent="0" algn="l" defTabSz="932742" rtl="0" eaLnBrk="1" fontAlgn="auto" latinLnBrk="0" hangingPunct="1">
+              <a:lnSpc>
+                <a:spcPct val="90000"/>
+              </a:lnSpc>
+              <a:spcBef>
+                <a:spcPts val="0"/>
+              </a:spcBef>
+              <a:spcAft>
+                <a:spcPts val="340"/>
+              </a:spcAft>
+              <a:buClrTx/>
+              <a:buSzTx/>
+              <a:buFontTx/>
+              <a:buNone/>
+              <a:tabLst/>
+              <a:defRPr/>
+            </a:pPr>
+            <a:r>
+              <a:rPr lang="pt-BR" dirty="0"/>
+              <a:t>Solicitar acesso via </a:t>
+            </a:r>
+            <a:r>
+              <a:rPr lang="pt-BR" dirty="0" err="1"/>
+              <a:t>form</a:t>
+            </a:r>
+            <a:r>
+              <a:rPr lang="pt-BR" dirty="0"/>
+              <a:t> do recurso </a:t>
+            </a:r>
+            <a:r>
+              <a:rPr lang="pt-BR" dirty="0" err="1"/>
+              <a:t>azureopenai</a:t>
+            </a:r>
+            <a:r>
+              <a:rPr lang="pt-BR" dirty="0"/>
+              <a:t>(tempo de resposta da </a:t>
+            </a:r>
+            <a:r>
+              <a:rPr lang="pt-BR" dirty="0" err="1"/>
+              <a:t>solicitacao</a:t>
+            </a:r>
+            <a:r>
+              <a:rPr lang="pt-BR" dirty="0"/>
+              <a:t> menciona ate 10 dias uteis, comigo levou 2 dias)</a:t>
+            </a:r>
+          </a:p>
+          <a:p>
             <a:endParaRPr lang="pt-BR" dirty="0"/>
           </a:p>
         </p:txBody>
@@ -4298,7 +4563,7 @@
             <a:fld id="{B4008EB6-D09E-4580-8CD6-DDB14511944F}" type="slidenum">
               <a:rPr lang="en-US" smtClean="0"/>
               <a:pPr/>
-              <a:t>6</a:t>
+              <a:t>4</a:t>
             </a:fld>
             <a:endParaRPr lang="en-US"/>
           </a:p>
@@ -4307,7 +4572,7 @@
     </p:spTree>
     <p:extLst>
       <p:ext uri="{BB962C8B-B14F-4D97-AF65-F5344CB8AC3E}">
-        <p14:creationId xmlns:p14="http://schemas.microsoft.com/office/powerpoint/2010/main" val="3350812317"/>
+        <p14:creationId xmlns:p14="http://schemas.microsoft.com/office/powerpoint/2010/main" val="627931561"/>
       </p:ext>
     </p:extLst>
   </p:cSld>
@@ -4361,6 +4626,53 @@
           <a:bodyPr/>
           <a:lstStyle/>
           <a:p>
+            <a:pPr marL="0" marR="0" lvl="0" indent="0" algn="l" defTabSz="932742" rtl="0" eaLnBrk="1" fontAlgn="auto" latinLnBrk="0" hangingPunct="1">
+              <a:lnSpc>
+                <a:spcPct val="90000"/>
+              </a:lnSpc>
+              <a:spcBef>
+                <a:spcPts val="0"/>
+              </a:spcBef>
+              <a:spcAft>
+                <a:spcPts val="340"/>
+              </a:spcAft>
+              <a:buClrTx/>
+              <a:buSzTx/>
+              <a:buFontTx/>
+              <a:buNone/>
+              <a:tabLst/>
+              <a:defRPr/>
+            </a:pPr>
+            <a:r>
+              <a:rPr lang="pt-BR" dirty="0"/>
+              <a:t>Solicitar acesso via </a:t>
+            </a:r>
+            <a:r>
+              <a:rPr lang="pt-BR" dirty="0" err="1"/>
+              <a:t>form</a:t>
+            </a:r>
+            <a:r>
+              <a:rPr lang="pt-BR" dirty="0"/>
+              <a:t> do recurso </a:t>
+            </a:r>
+            <a:r>
+              <a:rPr lang="pt-BR" dirty="0" err="1"/>
+              <a:t>azureopenai</a:t>
+            </a:r>
+            <a:r>
+              <a:rPr lang="pt-BR" dirty="0"/>
+              <a:t>(tempo de resposta da </a:t>
+            </a:r>
+            <a:r>
+              <a:rPr lang="pt-BR" dirty="0" err="1"/>
+              <a:t>solicitacao</a:t>
+            </a:r>
+            <a:r>
+              <a:rPr lang="pt-BR" dirty="0"/>
+              <a:t> menciona ate 10 dias uteis, comigo levou 2 dias)</a:t>
+            </a:r>
+          </a:p>
+          <a:p>
             <a:endParaRPr lang="pt-BR" dirty="0"/>
           </a:p>
         </p:txBody>
@@ -4440,7 +4752,7 @@
             <a:fld id="{B4008EB6-D09E-4580-8CD6-DDB14511944F}" type="slidenum">
               <a:rPr lang="en-US" smtClean="0"/>
               <a:pPr/>
-              <a:t>7</a:t>
+              <a:t>5</a:t>
             </a:fld>
             <a:endParaRPr lang="en-US"/>
           </a:p>
@@ -4449,7 +4761,7 @@
     </p:spTree>
     <p:extLst>
       <p:ext uri="{BB962C8B-B14F-4D97-AF65-F5344CB8AC3E}">
-        <p14:creationId xmlns:p14="http://schemas.microsoft.com/office/powerpoint/2010/main" val="2112005226"/>
+        <p14:creationId xmlns:p14="http://schemas.microsoft.com/office/powerpoint/2010/main" val="1796332136"/>
       </p:ext>
     </p:extLst>
   </p:cSld>
@@ -4582,7 +4894,7 @@
             <a:fld id="{B4008EB6-D09E-4580-8CD6-DDB14511944F}" type="slidenum">
               <a:rPr lang="en-US" smtClean="0"/>
               <a:pPr/>
-              <a:t>8</a:t>
+              <a:t>7</a:t>
             </a:fld>
             <a:endParaRPr lang="en-US"/>
           </a:p>
@@ -4591,7 +4903,7 @@
     </p:spTree>
     <p:extLst>
       <p:ext uri="{BB962C8B-B14F-4D97-AF65-F5344CB8AC3E}">
-        <p14:creationId xmlns:p14="http://schemas.microsoft.com/office/powerpoint/2010/main" val="1173386525"/>
+        <p14:creationId xmlns:p14="http://schemas.microsoft.com/office/powerpoint/2010/main" val="3350812317"/>
       </p:ext>
     </p:extLst>
   </p:cSld>
@@ -4724,7 +5036,7 @@
             <a:fld id="{B4008EB6-D09E-4580-8CD6-DDB14511944F}" type="slidenum">
               <a:rPr lang="en-US" smtClean="0"/>
               <a:pPr/>
-              <a:t>9</a:t>
+              <a:t>8</a:t>
             </a:fld>
             <a:endParaRPr lang="en-US"/>
           </a:p>
@@ -4733,7 +5045,7 @@
     </p:spTree>
     <p:extLst>
       <p:ext uri="{BB962C8B-B14F-4D97-AF65-F5344CB8AC3E}">
-        <p14:creationId xmlns:p14="http://schemas.microsoft.com/office/powerpoint/2010/main" val="554059990"/>
+        <p14:creationId xmlns:p14="http://schemas.microsoft.com/office/powerpoint/2010/main" val="2112005226"/>
       </p:ext>
     </p:extLst>
   </p:cSld>
@@ -4866,7 +5178,7 @@
             <a:fld id="{B4008EB6-D09E-4580-8CD6-DDB14511944F}" type="slidenum">
               <a:rPr lang="en-US" smtClean="0"/>
               <a:pPr/>
-              <a:t>10</a:t>
+              <a:t>9</a:t>
             </a:fld>
             <a:endParaRPr lang="en-US"/>
           </a:p>
@@ -4875,7 +5187,7 @@
     </p:spTree>
     <p:extLst>
       <p:ext uri="{BB962C8B-B14F-4D97-AF65-F5344CB8AC3E}">
-        <p14:creationId xmlns:p14="http://schemas.microsoft.com/office/powerpoint/2010/main" val="274415803"/>
+        <p14:creationId xmlns:p14="http://schemas.microsoft.com/office/powerpoint/2010/main" val="1173386525"/>
       </p:ext>
     </p:extLst>
   </p:cSld>
@@ -5008,7 +5320,7 @@
             <a:fld id="{B4008EB6-D09E-4580-8CD6-DDB14511944F}" type="slidenum">
               <a:rPr lang="en-US" smtClean="0"/>
               <a:pPr/>
-              <a:t>11</a:t>
+              <a:t>10</a:t>
             </a:fld>
             <a:endParaRPr lang="en-US"/>
           </a:p>
@@ -5017,7 +5329,7 @@
     </p:spTree>
     <p:extLst>
       <p:ext uri="{BB962C8B-B14F-4D97-AF65-F5344CB8AC3E}">
-        <p14:creationId xmlns:p14="http://schemas.microsoft.com/office/powerpoint/2010/main" val="994224619"/>
+        <p14:creationId xmlns:p14="http://schemas.microsoft.com/office/powerpoint/2010/main" val="554059990"/>
       </p:ext>
     </p:extLst>
   </p:cSld>
@@ -23112,6 +23424,112 @@
       </p:grpSpPr>
       <p:sp>
         <p:nvSpPr>
+          <p:cNvPr id="5" name="CaixaDeTexto 4">
+            <a:extLst>
+              <a:ext uri="{FF2B5EF4-FFF2-40B4-BE49-F238E27FC236}">
+                <a16:creationId xmlns:a16="http://schemas.microsoft.com/office/drawing/2014/main" id="{8ACDB991-EC5C-F38D-2382-DB6C1328DBFA}"/>
+              </a:ext>
+            </a:extLst>
+          </p:cNvPr>
+          <p:cNvSpPr txBox="1"/>
+          <p:nvPr/>
+        </p:nvSpPr>
+        <p:spPr>
+          <a:xfrm>
+            <a:off x="451338" y="2016336"/>
+            <a:ext cx="10649356" cy="646331"/>
+          </a:xfrm>
+          <a:prstGeom prst="rect">
+            <a:avLst/>
+          </a:prstGeom>
+          <a:noFill/>
+        </p:spPr>
+        <p:txBody>
+          <a:bodyPr wrap="square">
+            <a:spAutoFit/>
+          </a:bodyPr>
+          <a:lstStyle/>
+          <a:p>
+            <a:r>
+              <a:rPr lang="pt-BR" b="0" i="0" dirty="0">
+                <a:solidFill>
+                  <a:schemeClr val="bg1"/>
+                </a:solidFill>
+                <a:effectLst/>
+                <a:latin typeface="Segoe UI Web (West European)"/>
+              </a:rPr>
+              <a:t>https://{XXXXXXXX}.openai.azure.com/</a:t>
+            </a:r>
+            <a:r>
+              <a:rPr lang="pt-BR" b="0" i="0" dirty="0" err="1">
+                <a:solidFill>
+                  <a:schemeClr val="bg1"/>
+                </a:solidFill>
+                <a:effectLst/>
+                <a:latin typeface="Segoe UI Web (West European)"/>
+              </a:rPr>
+              <a:t>openai</a:t>
+            </a:r>
+            <a:r>
+              <a:rPr lang="pt-BR" b="0" i="0" dirty="0">
+                <a:solidFill>
+                  <a:schemeClr val="bg1"/>
+                </a:solidFill>
+                <a:effectLst/>
+                <a:latin typeface="Segoe UI Web (West European)"/>
+              </a:rPr>
+              <a:t>/</a:t>
+            </a:r>
+            <a:r>
+              <a:rPr lang="pt-BR" b="0" i="0" dirty="0" err="1">
+                <a:solidFill>
+                  <a:schemeClr val="bg1"/>
+                </a:solidFill>
+                <a:effectLst/>
+                <a:latin typeface="Segoe UI Web (West European)"/>
+              </a:rPr>
+              <a:t>deployments</a:t>
+            </a:r>
+            <a:r>
+              <a:rPr lang="pt-BR" b="0" i="0" dirty="0">
+                <a:solidFill>
+                  <a:schemeClr val="bg1"/>
+                </a:solidFill>
+                <a:effectLst/>
+                <a:latin typeface="Segoe UI Web (West European)"/>
+              </a:rPr>
+              <a:t>/{MODEL_NAME}/chat/</a:t>
+            </a:r>
+            <a:r>
+              <a:rPr lang="pt-BR" b="0" i="0" dirty="0" err="1">
+                <a:solidFill>
+                  <a:schemeClr val="bg1"/>
+                </a:solidFill>
+                <a:effectLst/>
+                <a:latin typeface="Segoe UI Web (West European)"/>
+              </a:rPr>
+              <a:t>completions?api-version</a:t>
+            </a:r>
+            <a:r>
+              <a:rPr lang="pt-BR" b="0" i="0" dirty="0">
+                <a:solidFill>
+                  <a:schemeClr val="bg1"/>
+                </a:solidFill>
+                <a:effectLst/>
+                <a:latin typeface="Segoe UI Web (West European)"/>
+              </a:rPr>
+              <a:t>={API_VERSION}</a:t>
+            </a:r>
+            <a:endParaRPr lang="pt-BR" dirty="0">
+              <a:solidFill>
+                <a:schemeClr val="bg1"/>
+              </a:solidFill>
+            </a:endParaRPr>
+          </a:p>
+        </p:txBody>
+      </p:sp>
+      <p:sp>
+        <p:nvSpPr>
           <p:cNvPr id="6" name="Espaço Reservado para Texto 2">
             <a:extLst>
               <a:ext uri="{FF2B5EF4-FFF2-40B4-BE49-F238E27FC236}">
@@ -23328,6 +23746,366 @@
           <a:p>
             <a:r>
               <a:rPr lang="pt-BR" sz="4400" dirty="0"/>
+              <a:t>Configuração da Task de </a:t>
+            </a:r>
+            <a:r>
+              <a:rPr lang="pt-BR" sz="4400" dirty="0" err="1"/>
+              <a:t>pullrequest</a:t>
+            </a:r>
+            <a:endParaRPr lang="pt-BR" sz="4400" dirty="0"/>
+          </a:p>
+        </p:txBody>
+      </p:sp>
+      <p:pic>
+        <p:nvPicPr>
+          <p:cNvPr id="3" name="Imagem 2">
+            <a:extLst>
+              <a:ext uri="{FF2B5EF4-FFF2-40B4-BE49-F238E27FC236}">
+                <a16:creationId xmlns:a16="http://schemas.microsoft.com/office/drawing/2014/main" id="{9F159EAE-92D0-2E23-4B2C-1E520288D069}"/>
+              </a:ext>
+            </a:extLst>
+          </p:cNvPr>
+          <p:cNvPicPr>
+            <a:picLocks noChangeAspect="1"/>
+          </p:cNvPicPr>
+          <p:nvPr/>
+        </p:nvPicPr>
+        <p:blipFill>
+          <a:blip r:embed="rId3"/>
+          <a:stretch>
+            <a:fillRect/>
+          </a:stretch>
+        </p:blipFill>
+        <p:spPr>
+          <a:xfrm>
+            <a:off x="451338" y="4630570"/>
+            <a:ext cx="2485272" cy="1970143"/>
+          </a:xfrm>
+          <a:prstGeom prst="rect">
+            <a:avLst/>
+          </a:prstGeom>
+          <a:ln>
+            <a:noFill/>
+          </a:ln>
+          <a:effectLst>
+            <a:softEdge rad="112500"/>
+          </a:effectLst>
+        </p:spPr>
+      </p:pic>
+      <p:sp>
+        <p:nvSpPr>
+          <p:cNvPr id="7" name="CaixaDeTexto 6">
+            <a:extLst>
+              <a:ext uri="{FF2B5EF4-FFF2-40B4-BE49-F238E27FC236}">
+                <a16:creationId xmlns:a16="http://schemas.microsoft.com/office/drawing/2014/main" id="{8AC7BCC5-4C56-09F3-2599-CC343019684E}"/>
+              </a:ext>
+            </a:extLst>
+          </p:cNvPr>
+          <p:cNvSpPr txBox="1"/>
+          <p:nvPr/>
+        </p:nvSpPr>
+        <p:spPr>
+          <a:xfrm>
+            <a:off x="451338" y="3900164"/>
+            <a:ext cx="9485525" cy="646331"/>
+          </a:xfrm>
+          <a:prstGeom prst="rect">
+            <a:avLst/>
+          </a:prstGeom>
+          <a:noFill/>
+        </p:spPr>
+        <p:txBody>
+          <a:bodyPr wrap="square">
+            <a:spAutoFit/>
+          </a:bodyPr>
+          <a:lstStyle/>
+          <a:p>
+            <a:r>
+              <a:rPr lang="pt-BR" dirty="0" err="1">
+                <a:solidFill>
+                  <a:schemeClr val="bg1"/>
+                </a:solidFill>
+              </a:rPr>
+              <a:t>API_Version</a:t>
+            </a:r>
+            <a:br>
+              <a:rPr lang="pt-BR" dirty="0">
+                <a:solidFill>
+                  <a:schemeClr val="bg1"/>
+                </a:solidFill>
+              </a:rPr>
+            </a:br>
+            <a:r>
+              <a:rPr lang="pt-BR" dirty="0">
+                <a:solidFill>
+                  <a:schemeClr val="bg1"/>
+                </a:solidFill>
+              </a:rPr>
+              <a:t>https://learn.microsoft.com/en-us/azure/ai-services/openai/reference</a:t>
+            </a:r>
+          </a:p>
+        </p:txBody>
+      </p:sp>
+    </p:spTree>
+    <p:extLst>
+      <p:ext uri="{BB962C8B-B14F-4D97-AF65-F5344CB8AC3E}">
+        <p14:creationId xmlns:p14="http://schemas.microsoft.com/office/powerpoint/2010/main" val="416104535"/>
+      </p:ext>
+    </p:extLst>
+  </p:cSld>
+  <p:clrMapOvr>
+    <a:masterClrMapping/>
+  </p:clrMapOvr>
+  <mc:AlternateContent xmlns:mc="http://schemas.openxmlformats.org/markup-compatibility/2006" xmlns:p14="http://schemas.microsoft.com/office/powerpoint/2010/main">
+    <mc:Choice Requires="p14">
+      <p:transition spd="med" p14:dur="700">
+        <p:fade/>
+      </p:transition>
+    </mc:Choice>
+    <mc:Fallback xmlns="">
+      <p:transition spd="med">
+        <p:fade/>
+      </p:transition>
+    </mc:Fallback>
+  </mc:AlternateContent>
+</p:sld>
+</file>
+
+<file path=ppt/slides/slide11.xml><?xml version="1.0" encoding="utf-8"?>
+<p:sld xmlns:a="http://schemas.openxmlformats.org/drawingml/2006/main" xmlns:r="http://schemas.openxmlformats.org/officeDocument/2006/relationships" xmlns:p="http://schemas.openxmlformats.org/presentationml/2006/main">
+  <p:cSld>
+    <p:spTree>
+      <p:nvGrpSpPr>
+        <p:cNvPr id="1" name=""/>
+        <p:cNvGrpSpPr/>
+        <p:nvPr/>
+      </p:nvGrpSpPr>
+      <p:grpSpPr>
+        <a:xfrm>
+          <a:off x="0" y="0"/>
+          <a:ext cx="0" cy="0"/>
+          <a:chOff x="0" y="0"/>
+          <a:chExt cx="0" cy="0"/>
+        </a:xfrm>
+      </p:grpSpPr>
+      <p:sp>
+        <p:nvSpPr>
+          <p:cNvPr id="6" name="Espaço Reservado para Texto 2">
+            <a:extLst>
+              <a:ext uri="{FF2B5EF4-FFF2-40B4-BE49-F238E27FC236}">
+                <a16:creationId xmlns:a16="http://schemas.microsoft.com/office/drawing/2014/main" id="{4241B9D4-4E11-C865-F7EE-C8ADDF366F9D}"/>
+              </a:ext>
+            </a:extLst>
+          </p:cNvPr>
+          <p:cNvSpPr txBox="1">
+            <a:spLocks/>
+          </p:cNvSpPr>
+          <p:nvPr/>
+        </p:nvSpPr>
+        <p:spPr>
+          <a:xfrm>
+            <a:off x="451338" y="803485"/>
+            <a:ext cx="9795376" cy="923330"/>
+          </a:xfrm>
+          <a:prstGeom prst="rect">
+            <a:avLst/>
+          </a:prstGeom>
+        </p:spPr>
+        <p:txBody>
+          <a:bodyPr vert="horz" wrap="square" lIns="0" tIns="91440" rIns="146304" bIns="91440" rtlCol="0">
+            <a:spAutoFit/>
+          </a:bodyPr>
+          <a:lstStyle>
+            <a:lvl1pPr marL="0" marR="0" indent="0" algn="l" defTabSz="932742" rtl="0" eaLnBrk="1" fontAlgn="auto" latinLnBrk="0" hangingPunct="1">
+              <a:lnSpc>
+                <a:spcPct val="100000"/>
+              </a:lnSpc>
+              <a:spcBef>
+                <a:spcPts val="0"/>
+              </a:spcBef>
+              <a:spcAft>
+                <a:spcPts val="0"/>
+              </a:spcAft>
+              <a:buClrTx/>
+              <a:buSzPct val="90000"/>
+              <a:buFont typeface="Wingdings" panose="05000000000000000000" pitchFamily="2" charset="2"/>
+              <a:buNone/>
+              <a:tabLst/>
+              <a:defRPr sz="1800" kern="1200" spc="-50" baseline="0">
+                <a:solidFill>
+                  <a:schemeClr val="bg2"/>
+                </a:solidFill>
+                <a:latin typeface="+mj-lt"/>
+                <a:ea typeface="+mn-ea"/>
+                <a:cs typeface="+mn-cs"/>
+              </a:defRPr>
+            </a:lvl1pPr>
+            <a:lvl2pPr marL="0" marR="0" indent="0" algn="l" defTabSz="932742" rtl="0" eaLnBrk="1" fontAlgn="auto" latinLnBrk="0" hangingPunct="1">
+              <a:lnSpc>
+                <a:spcPct val="100000"/>
+              </a:lnSpc>
+              <a:spcBef>
+                <a:spcPts val="0"/>
+              </a:spcBef>
+              <a:spcAft>
+                <a:spcPts val="0"/>
+              </a:spcAft>
+              <a:buClrTx/>
+              <a:buSzPct val="90000"/>
+              <a:buFontTx/>
+              <a:buNone/>
+              <a:tabLst/>
+              <a:defRPr sz="1800" kern="1200" spc="0" baseline="0">
+                <a:solidFill>
+                  <a:srgbClr val="000000"/>
+                </a:solidFill>
+                <a:latin typeface="+mn-lt"/>
+                <a:ea typeface="+mn-ea"/>
+                <a:cs typeface="+mn-cs"/>
+              </a:defRPr>
+            </a:lvl2pPr>
+            <a:lvl3pPr marL="0" marR="0" indent="0" algn="l" defTabSz="932742" rtl="0" eaLnBrk="1" fontAlgn="auto" latinLnBrk="0" hangingPunct="1">
+              <a:lnSpc>
+                <a:spcPct val="100000"/>
+              </a:lnSpc>
+              <a:spcBef>
+                <a:spcPts val="0"/>
+              </a:spcBef>
+              <a:spcAft>
+                <a:spcPts val="0"/>
+              </a:spcAft>
+              <a:buClrTx/>
+              <a:buSzPct val="90000"/>
+              <a:buFont typeface="Wingdings" panose="05000000000000000000" pitchFamily="2" charset="2"/>
+              <a:buNone/>
+              <a:tabLst/>
+              <a:defRPr sz="1400" kern="1200" spc="0" baseline="0">
+                <a:solidFill>
+                  <a:schemeClr val="tx2"/>
+                </a:solidFill>
+                <a:latin typeface="+mj-lt"/>
+                <a:ea typeface="+mn-ea"/>
+                <a:cs typeface="+mn-cs"/>
+              </a:defRPr>
+            </a:lvl3pPr>
+            <a:lvl4pPr marL="0" marR="0" indent="0" algn="l" defTabSz="932742" rtl="0" eaLnBrk="1" fontAlgn="auto" latinLnBrk="0" hangingPunct="1">
+              <a:lnSpc>
+                <a:spcPct val="100000"/>
+              </a:lnSpc>
+              <a:spcBef>
+                <a:spcPts val="0"/>
+              </a:spcBef>
+              <a:spcAft>
+                <a:spcPts val="0"/>
+              </a:spcAft>
+              <a:buClrTx/>
+              <a:buSzPct val="90000"/>
+              <a:buFont typeface="Wingdings" panose="05000000000000000000" pitchFamily="2" charset="2"/>
+              <a:buNone/>
+              <a:tabLst/>
+              <a:defRPr sz="1400" kern="1200" spc="0" baseline="0">
+                <a:solidFill>
+                  <a:srgbClr val="000000"/>
+                </a:solidFill>
+                <a:latin typeface="+mn-lt"/>
+                <a:ea typeface="+mn-ea"/>
+                <a:cs typeface="+mn-cs"/>
+              </a:defRPr>
+            </a:lvl4pPr>
+            <a:lvl5pPr marL="0" marR="0" indent="0" algn="l" defTabSz="932742" rtl="0" eaLnBrk="1" fontAlgn="auto" latinLnBrk="0" hangingPunct="1">
+              <a:lnSpc>
+                <a:spcPct val="100000"/>
+              </a:lnSpc>
+              <a:spcBef>
+                <a:spcPts val="0"/>
+              </a:spcBef>
+              <a:spcAft>
+                <a:spcPts val="0"/>
+              </a:spcAft>
+              <a:buClrTx/>
+              <a:buSzPct val="90000"/>
+              <a:buFont typeface="Wingdings" panose="05000000000000000000" pitchFamily="2" charset="2"/>
+              <a:buNone/>
+              <a:tabLst/>
+              <a:defRPr sz="1050" b="1" kern="1200" spc="0" baseline="0">
+                <a:solidFill>
+                  <a:srgbClr val="000000"/>
+                </a:solidFill>
+                <a:latin typeface="+mn-lt"/>
+                <a:ea typeface="+mn-ea"/>
+                <a:cs typeface="+mn-cs"/>
+              </a:defRPr>
+            </a:lvl5pPr>
+            <a:lvl6pPr marL="2331854" indent="0" algn="l" defTabSz="932742" rtl="0" eaLnBrk="1" latinLnBrk="0" hangingPunct="1">
+              <a:spcBef>
+                <a:spcPct val="20000"/>
+              </a:spcBef>
+              <a:buFont typeface="Arial" pitchFamily="34" charset="0"/>
+              <a:buNone/>
+              <a:defRPr sz="2000" kern="1200">
+                <a:solidFill>
+                  <a:schemeClr val="tx1"/>
+                </a:solidFill>
+                <a:latin typeface="+mn-lt"/>
+                <a:ea typeface="+mn-ea"/>
+                <a:cs typeface="+mn-cs"/>
+              </a:defRPr>
+            </a:lvl6pPr>
+            <a:lvl7pPr marL="0" indent="0" algn="l" defTabSz="932742" rtl="0" eaLnBrk="1" latinLnBrk="0" hangingPunct="1">
+              <a:lnSpc>
+                <a:spcPct val="100000"/>
+              </a:lnSpc>
+              <a:spcBef>
+                <a:spcPts val="0"/>
+              </a:spcBef>
+              <a:spcAft>
+                <a:spcPts val="0"/>
+              </a:spcAft>
+              <a:buFont typeface="Arial" pitchFamily="34" charset="0"/>
+              <a:buNone/>
+              <a:defRPr sz="1000" kern="1200">
+                <a:solidFill>
+                  <a:srgbClr val="000000"/>
+                </a:solidFill>
+                <a:latin typeface="+mn-lt"/>
+                <a:ea typeface="+mn-ea"/>
+                <a:cs typeface="+mn-cs"/>
+              </a:defRPr>
+            </a:lvl7pPr>
+            <a:lvl8pPr marL="3497783" indent="-233186" algn="l" defTabSz="932742" rtl="0" eaLnBrk="1" latinLnBrk="0" hangingPunct="1">
+              <a:spcBef>
+                <a:spcPct val="20000"/>
+              </a:spcBef>
+              <a:buFont typeface="Arial" pitchFamily="34" charset="0"/>
+              <a:buChar char="•"/>
+              <a:defRPr sz="2000" kern="1200">
+                <a:solidFill>
+                  <a:schemeClr val="tx1"/>
+                </a:solidFill>
+                <a:latin typeface="+mn-lt"/>
+                <a:ea typeface="+mn-ea"/>
+                <a:cs typeface="+mn-cs"/>
+              </a:defRPr>
+            </a:lvl8pPr>
+            <a:lvl9pPr marL="3964155" indent="-233186" algn="l" defTabSz="932742" rtl="0" eaLnBrk="1" latinLnBrk="0" hangingPunct="1">
+              <a:spcBef>
+                <a:spcPct val="20000"/>
+              </a:spcBef>
+              <a:buFont typeface="Arial" pitchFamily="34" charset="0"/>
+              <a:buChar char="•"/>
+              <a:defRPr sz="2000" kern="1200">
+                <a:solidFill>
+                  <a:schemeClr val="tx1"/>
+                </a:solidFill>
+                <a:latin typeface="+mn-lt"/>
+                <a:ea typeface="+mn-ea"/>
+                <a:cs typeface="+mn-cs"/>
+              </a:defRPr>
+            </a:lvl9pPr>
+          </a:lstStyle>
+          <a:p>
+            <a:r>
+              <a:rPr lang="pt-BR" sz="4800" dirty="0"/>
               <a:t>Cotas</a:t>
             </a:r>
           </a:p>
@@ -23388,7 +24166,7 @@
 </p:sld>
 </file>
 
-<file path=ppt/slides/slide11.xml><?xml version="1.0" encoding="utf-8"?>
+<file path=ppt/slides/slide12.xml><?xml version="1.0" encoding="utf-8"?>
 <p:sld xmlns:a="http://schemas.openxmlformats.org/drawingml/2006/main" xmlns:r="http://schemas.openxmlformats.org/officeDocument/2006/relationships" xmlns:p="http://schemas.openxmlformats.org/presentationml/2006/main">
   <p:cSld>
     <p:spTree>
@@ -23422,7 +24200,7 @@
         <p:spPr>
           <a:xfrm>
             <a:off x="451338" y="803485"/>
-            <a:ext cx="9795376" cy="861774"/>
+            <a:ext cx="9795376" cy="923330"/>
           </a:xfrm>
           <a:prstGeom prst="rect">
             <a:avLst/>
@@ -23622,7 +24400,7 @@
           </a:lstStyle>
           <a:p>
             <a:r>
-              <a:rPr lang="pt-BR" sz="4400" dirty="0"/>
+              <a:rPr lang="pt-BR" sz="4800" dirty="0"/>
               <a:t>Demo</a:t>
             </a:r>
           </a:p>
@@ -23653,7 +24431,7 @@
 </p:sld>
 </file>
 
-<file path=ppt/slides/slide12.xml><?xml version="1.0" encoding="utf-8"?>
+<file path=ppt/slides/slide13.xml><?xml version="1.0" encoding="utf-8"?>
 <p:sld xmlns:a="http://schemas.openxmlformats.org/drawingml/2006/main" xmlns:r="http://schemas.openxmlformats.org/officeDocument/2006/relationships" xmlns:p="http://schemas.openxmlformats.org/presentationml/2006/main">
   <p:cSld>
     <p:spTree>
@@ -23758,11 +24536,13 @@
           <a:p>
             <a:r>
               <a:rPr lang="pt-BR" dirty="0">
-                <a:cs typeface="Segoe UI"/>
+                <a:solidFill>
+                  <a:srgbClr val="0078D4"/>
+                </a:solidFill>
+                <a:cs typeface="+mn-cs"/>
               </a:rPr>
               <a:t>Muito obrigado!</a:t>
             </a:r>
-            <a:endParaRPr lang="pt-BR" dirty="0"/>
           </a:p>
         </p:txBody>
       </p:sp>
@@ -23833,7 +24613,7 @@
         </p:spPr>
         <p:txBody>
           <a:bodyPr vert="horz" lIns="91440" tIns="45720" rIns="91440" bIns="45720" rtlCol="0" anchor="t">
-            <a:normAutofit/>
+            <a:normAutofit lnSpcReduction="10000"/>
           </a:bodyPr>
           <a:lstStyle>
             <a:defPPr>
@@ -23954,7 +24734,23 @@
               <a:rPr lang="pt-BR" sz="2200" dirty="0">
                 <a:latin typeface="+mn-lt"/>
               </a:rPr>
-              <a:t>4 anos - Paraná Banco</a:t>
+              <a:t>4 anos de Paraná Banco</a:t>
+            </a:r>
+          </a:p>
+          <a:p>
+            <a:r>
+              <a:rPr lang="pt-BR" sz="2200" dirty="0">
+                <a:latin typeface="+mn-lt"/>
+              </a:rPr>
+              <a:t>Pai do Alexandre</a:t>
+            </a:r>
+          </a:p>
+          <a:p>
+            <a:r>
+              <a:rPr lang="pt-BR" sz="2200" dirty="0">
+                <a:latin typeface="+mn-lt"/>
+              </a:rPr>
+              <a:t>Morando em Curitiba-PR</a:t>
             </a:r>
           </a:p>
           <a:p>
@@ -24034,8 +24830,17 @@
               <a:rPr lang="pt-BR" sz="2200" dirty="0">
                 <a:latin typeface="+mn-lt"/>
               </a:rPr>
-              <a:t>Cursando MBA em Arquitetura</a:t>
-            </a:r>
+              <a:t>Cursando MBA em Arquitetura pela </a:t>
+            </a:r>
+            <a:r>
+              <a:rPr lang="pt-BR" sz="2200" dirty="0" err="1">
+                <a:latin typeface="+mn-lt"/>
+              </a:rPr>
+              <a:t>XPe</a:t>
+            </a:r>
+            <a:endParaRPr lang="pt-BR" sz="2200" dirty="0">
+              <a:latin typeface="+mn-lt"/>
+            </a:endParaRPr>
           </a:p>
           <a:p>
             <a:r>
@@ -24140,7 +24945,7 @@
           <p:nvPr/>
         </p:nvPicPr>
         <p:blipFill>
-          <a:blip r:embed="rId2"/>
+          <a:blip r:embed="rId3"/>
           <a:stretch>
             <a:fillRect/>
           </a:stretch>
@@ -24170,7 +24975,7 @@
           <p:nvPr/>
         </p:nvPicPr>
         <p:blipFill>
-          <a:blip r:embed="rId3"/>
+          <a:blip r:embed="rId4"/>
           <a:stretch>
             <a:fillRect/>
           </a:stretch>
@@ -24286,249 +25091,6 @@
       </p:grpSpPr>
       <p:sp>
         <p:nvSpPr>
-          <p:cNvPr id="3" name="Espaço Reservado para Texto 2">
-            <a:extLst>
-              <a:ext uri="{FF2B5EF4-FFF2-40B4-BE49-F238E27FC236}">
-                <a16:creationId xmlns:a16="http://schemas.microsoft.com/office/drawing/2014/main" id="{8E435BE1-BB00-2F2E-B55F-6181CD3CBC66}"/>
-              </a:ext>
-            </a:extLst>
-          </p:cNvPr>
-          <p:cNvSpPr>
-            <a:spLocks noGrp="1"/>
-          </p:cNvSpPr>
-          <p:nvPr>
-            <p:ph type="body" sz="quarter" idx="15"/>
-          </p:nvPr>
-        </p:nvSpPr>
-        <p:spPr>
-          <a:xfrm>
-            <a:off x="538886" y="1615693"/>
-            <a:ext cx="11523411" cy="3508653"/>
-          </a:xfrm>
-        </p:spPr>
-        <p:txBody>
-          <a:bodyPr/>
-          <a:lstStyle/>
-          <a:p>
-            <a:pPr marL="0" marR="0" lvl="0" indent="0" algn="just" defTabSz="914400" rtl="0" eaLnBrk="0" fontAlgn="base" latinLnBrk="0" hangingPunct="0">
-              <a:lnSpc>
-                <a:spcPct val="100000"/>
-              </a:lnSpc>
-              <a:spcBef>
-                <a:spcPct val="0"/>
-              </a:spcBef>
-              <a:spcAft>
-                <a:spcPct val="0"/>
-              </a:spcAft>
-              <a:buClrTx/>
-              <a:buSzTx/>
-              <a:buFontTx/>
-              <a:buNone/>
-              <a:tabLst/>
-            </a:pPr>
-            <a:endParaRPr lang="pt-PT" altLang="pt-BR" sz="2400" dirty="0">
-              <a:solidFill>
-                <a:schemeClr val="bg1"/>
-              </a:solidFill>
-              <a:latin typeface="Arial" panose="020B0604020202020204" pitchFamily="34" charset="0"/>
-              <a:cs typeface="Arial" panose="020B0604020202020204" pitchFamily="34" charset="0"/>
-            </a:endParaRPr>
-          </a:p>
-          <a:p>
-            <a:pPr marL="0" marR="0" lvl="0" indent="0" algn="just" defTabSz="914400" rtl="0" eaLnBrk="0" fontAlgn="base" latinLnBrk="0" hangingPunct="0">
-              <a:lnSpc>
-                <a:spcPct val="100000"/>
-              </a:lnSpc>
-              <a:spcBef>
-                <a:spcPct val="0"/>
-              </a:spcBef>
-              <a:spcAft>
-                <a:spcPct val="0"/>
-              </a:spcAft>
-              <a:buClrTx/>
-              <a:buSzTx/>
-              <a:buFontTx/>
-              <a:buNone/>
-              <a:tabLst/>
-            </a:pPr>
-            <a:r>
-              <a:rPr kumimoji="0" lang="pt-PT" altLang="pt-BR" sz="2400" b="0" i="0" u="none" strike="noStrike" cap="none" normalizeH="0" baseline="0" dirty="0">
-                <a:ln>
-                  <a:noFill/>
-                </a:ln>
-                <a:solidFill>
-                  <a:schemeClr val="bg1"/>
-                </a:solidFill>
-                <a:effectLst/>
-                <a:latin typeface="Arial" panose="020B0604020202020204" pitchFamily="34" charset="0"/>
-                <a:cs typeface="Arial" panose="020B0604020202020204" pitchFamily="34" charset="0"/>
-              </a:rPr>
-              <a:t>Objetivo: A taks foi projetada para usar em conjunto com o modelo GPT da AzureOpenAI para revisar PR’s fornecendo feedback’s </a:t>
-            </a:r>
-            <a:r>
-              <a:rPr lang="pt-PT" altLang="pt-BR" sz="2400" dirty="0">
-                <a:solidFill>
-                  <a:schemeClr val="bg1"/>
-                </a:solidFill>
-                <a:latin typeface="Arial" panose="020B0604020202020204" pitchFamily="34" charset="0"/>
-                <a:cs typeface="Arial" panose="020B0604020202020204" pitchFamily="34" charset="0"/>
-              </a:rPr>
-              <a:t>de forma de</a:t>
-            </a:r>
-            <a:r>
-              <a:rPr kumimoji="0" lang="pt-PT" altLang="pt-BR" sz="2400" b="0" i="0" u="none" strike="noStrike" cap="none" normalizeH="0" baseline="0" dirty="0">
-                <a:ln>
-                  <a:noFill/>
-                </a:ln>
-                <a:solidFill>
-                  <a:schemeClr val="bg1"/>
-                </a:solidFill>
-                <a:effectLst/>
-                <a:latin typeface="Arial" panose="020B0604020202020204" pitchFamily="34" charset="0"/>
-                <a:cs typeface="Arial" panose="020B0604020202020204" pitchFamily="34" charset="0"/>
-              </a:rPr>
-              <a:t> comentários no momento da solicitação do PR. </a:t>
-            </a:r>
-          </a:p>
-          <a:p>
-            <a:pPr marL="0" marR="0" lvl="0" indent="0" algn="just" defTabSz="914400" rtl="0" eaLnBrk="0" fontAlgn="base" latinLnBrk="0" hangingPunct="0">
-              <a:lnSpc>
-                <a:spcPct val="100000"/>
-              </a:lnSpc>
-              <a:spcBef>
-                <a:spcPct val="0"/>
-              </a:spcBef>
-              <a:spcAft>
-                <a:spcPct val="0"/>
-              </a:spcAft>
-              <a:buClrTx/>
-              <a:buSzTx/>
-              <a:buFontTx/>
-              <a:buNone/>
-              <a:tabLst/>
-            </a:pPr>
-            <a:endParaRPr lang="pt-PT" altLang="pt-BR" sz="2400" dirty="0">
-              <a:solidFill>
-                <a:schemeClr val="bg1"/>
-              </a:solidFill>
-              <a:latin typeface="Arial" panose="020B0604020202020204" pitchFamily="34" charset="0"/>
-              <a:cs typeface="Arial" panose="020B0604020202020204" pitchFamily="34" charset="0"/>
-            </a:endParaRPr>
-          </a:p>
-          <a:p>
-            <a:pPr marL="0" marR="0" lvl="0" indent="0" algn="just" defTabSz="914400" rtl="0" eaLnBrk="0" fontAlgn="base" latinLnBrk="0" hangingPunct="0">
-              <a:lnSpc>
-                <a:spcPct val="100000"/>
-              </a:lnSpc>
-              <a:spcBef>
-                <a:spcPct val="0"/>
-              </a:spcBef>
-              <a:spcAft>
-                <a:spcPct val="0"/>
-              </a:spcAft>
-              <a:buClrTx/>
-              <a:buSzTx/>
-              <a:buFontTx/>
-              <a:buNone/>
-              <a:tabLst/>
-            </a:pPr>
-            <a:r>
-              <a:rPr lang="pt-PT" altLang="pt-BR" sz="2400" dirty="0">
-                <a:solidFill>
-                  <a:schemeClr val="bg1"/>
-                </a:solidFill>
-                <a:latin typeface="Arial" panose="020B0604020202020204" pitchFamily="34" charset="0"/>
-                <a:cs typeface="Arial" panose="020B0604020202020204" pitchFamily="34" charset="0"/>
-              </a:rPr>
-              <a:t>Ajudar com pontos que nós humanos deixamos passar nos momentos mais criticos e/ou dado a velocidades de aprovação de PR’s </a:t>
-            </a:r>
-          </a:p>
-          <a:p>
-            <a:pPr marL="0" marR="0" lvl="0" indent="0" algn="just" defTabSz="914400" rtl="0" eaLnBrk="0" fontAlgn="base" latinLnBrk="0" hangingPunct="0">
-              <a:lnSpc>
-                <a:spcPct val="100000"/>
-              </a:lnSpc>
-              <a:spcBef>
-                <a:spcPct val="0"/>
-              </a:spcBef>
-              <a:spcAft>
-                <a:spcPct val="0"/>
-              </a:spcAft>
-              <a:buClrTx/>
-              <a:buSzTx/>
-              <a:buFontTx/>
-              <a:buNone/>
-              <a:tabLst/>
-            </a:pPr>
-            <a:endParaRPr kumimoji="0" lang="pt-PT" altLang="pt-BR" sz="2400" b="0" i="0" u="none" strike="noStrike" cap="none" normalizeH="0" baseline="0" dirty="0">
-              <a:ln>
-                <a:noFill/>
-              </a:ln>
-              <a:solidFill>
-                <a:schemeClr val="bg1"/>
-              </a:solidFill>
-              <a:effectLst/>
-              <a:latin typeface="Arial" panose="020B0604020202020204" pitchFamily="34" charset="0"/>
-              <a:cs typeface="Arial" panose="020B0604020202020204" pitchFamily="34" charset="0"/>
-            </a:endParaRPr>
-          </a:p>
-          <a:p>
-            <a:pPr marL="0" marR="0" lvl="0" indent="0" algn="just" defTabSz="914400" rtl="0" eaLnBrk="0" fontAlgn="base" latinLnBrk="0" hangingPunct="0">
-              <a:lnSpc>
-                <a:spcPct val="100000"/>
-              </a:lnSpc>
-              <a:spcBef>
-                <a:spcPct val="0"/>
-              </a:spcBef>
-              <a:spcAft>
-                <a:spcPct val="0"/>
-              </a:spcAft>
-              <a:buClrTx/>
-              <a:buSzTx/>
-              <a:buFontTx/>
-              <a:buNone/>
-              <a:tabLst/>
-            </a:pPr>
-            <a:r>
-              <a:rPr kumimoji="0" lang="pt-PT" altLang="pt-BR" sz="2400" b="0" i="0" u="none" strike="noStrike" cap="none" normalizeH="0" baseline="0" dirty="0">
-                <a:ln>
-                  <a:noFill/>
-                </a:ln>
-                <a:solidFill>
-                  <a:schemeClr val="bg1"/>
-                </a:solidFill>
-                <a:effectLst/>
-                <a:latin typeface="Arial" panose="020B0604020202020204" pitchFamily="34" charset="0"/>
-                <a:cs typeface="Arial" panose="020B0604020202020204" pitchFamily="34" charset="0"/>
-              </a:rPr>
-              <a:t>Avaliação de si</a:t>
-            </a:r>
-            <a:r>
-              <a:rPr lang="pt-PT" altLang="pt-BR" sz="2400" dirty="0">
-                <a:solidFill>
-                  <a:schemeClr val="bg1"/>
-                </a:solidFill>
-                <a:latin typeface="Arial" panose="020B0604020202020204" pitchFamily="34" charset="0"/>
-                <a:cs typeface="Arial" panose="020B0604020202020204" pitchFamily="34" charset="0"/>
-              </a:rPr>
-              <a:t>ntaxes, bugs, degradação de performance, segurança etc.</a:t>
-            </a:r>
-            <a:endParaRPr kumimoji="0" lang="pt-PT" altLang="pt-BR" sz="2400" b="0" i="0" u="none" strike="noStrike" cap="none" normalizeH="0" baseline="0" dirty="0">
-              <a:ln>
-                <a:noFill/>
-              </a:ln>
-              <a:solidFill>
-                <a:schemeClr val="bg1"/>
-              </a:solidFill>
-              <a:effectLst/>
-              <a:latin typeface="Arial" panose="020B0604020202020204" pitchFamily="34" charset="0"/>
-              <a:cs typeface="Arial" panose="020B0604020202020204" pitchFamily="34" charset="0"/>
-            </a:endParaRPr>
-          </a:p>
-        </p:txBody>
-      </p:sp>
-      <p:sp>
-        <p:nvSpPr>
           <p:cNvPr id="8" name="Espaço Reservado para Texto 2">
             <a:extLst>
               <a:ext uri="{FF2B5EF4-FFF2-40B4-BE49-F238E27FC236}">
@@ -24544,7 +25106,7 @@
         <p:spPr>
           <a:xfrm>
             <a:off x="451338" y="803485"/>
-            <a:ext cx="9795376" cy="677108"/>
+            <a:ext cx="9795376" cy="923330"/>
           </a:xfrm>
           <a:prstGeom prst="rect">
             <a:avLst/>
@@ -24760,28 +25322,8 @@
               <a:tabLst/>
             </a:pPr>
             <a:r>
-              <a:rPr lang="pt-PT" altLang="pt-BR" sz="3200" dirty="0">
-                <a:solidFill>
-                  <a:schemeClr val="bg1"/>
-                </a:solidFill>
-                <a:latin typeface="Arial" panose="020B0604020202020204" pitchFamily="34" charset="0"/>
-                <a:cs typeface="Arial" panose="020B0604020202020204" pitchFamily="34" charset="0"/>
-              </a:rPr>
-              <a:t>Task</a:t>
-            </a:r>
-            <a:r>
-              <a:rPr kumimoji="0" lang="pt-PT" altLang="pt-BR" sz="3200" b="0" i="0" u="none" strike="noStrike" cap="none" normalizeH="0" baseline="0" dirty="0">
-                <a:ln>
-                  <a:noFill/>
-                </a:ln>
-                <a:solidFill>
-                  <a:schemeClr val="bg1"/>
-                </a:solidFill>
-                <a:effectLst/>
-                <a:latin typeface="Arial" panose="020B0604020202020204" pitchFamily="34" charset="0"/>
-                <a:cs typeface="Arial" panose="020B0604020202020204" pitchFamily="34" charset="0"/>
-              </a:rPr>
-              <a:t> de revisão de pull request do Azure Pipelines</a:t>
+              <a:rPr lang="pt-PT" altLang="pt-BR" sz="4800" dirty="0"/>
+              <a:t>Momento Merchant</a:t>
             </a:r>
           </a:p>
         </p:txBody>
@@ -24812,6 +25354,530 @@
 </file>
 
 <file path=ppt/slides/slide4.xml><?xml version="1.0" encoding="utf-8"?>
+<p:sld xmlns:a="http://schemas.openxmlformats.org/drawingml/2006/main" xmlns:r="http://schemas.openxmlformats.org/officeDocument/2006/relationships" xmlns:p="http://schemas.openxmlformats.org/presentationml/2006/main">
+  <p:cSld>
+    <p:spTree>
+      <p:nvGrpSpPr>
+        <p:cNvPr id="1" name=""/>
+        <p:cNvGrpSpPr/>
+        <p:nvPr/>
+      </p:nvGrpSpPr>
+      <p:grpSpPr>
+        <a:xfrm>
+          <a:off x="0" y="0"/>
+          <a:ext cx="0" cy="0"/>
+          <a:chOff x="0" y="0"/>
+          <a:chExt cx="0" cy="0"/>
+        </a:xfrm>
+      </p:grpSpPr>
+      <p:sp>
+        <p:nvSpPr>
+          <p:cNvPr id="3" name="Espaço Reservado para Texto 2">
+            <a:extLst>
+              <a:ext uri="{FF2B5EF4-FFF2-40B4-BE49-F238E27FC236}">
+                <a16:creationId xmlns:a16="http://schemas.microsoft.com/office/drawing/2014/main" id="{8E435BE1-BB00-2F2E-B55F-6181CD3CBC66}"/>
+              </a:ext>
+            </a:extLst>
+          </p:cNvPr>
+          <p:cNvSpPr>
+            <a:spLocks noGrp="1"/>
+          </p:cNvSpPr>
+          <p:nvPr>
+            <p:ph type="body" sz="quarter" idx="15"/>
+          </p:nvPr>
+        </p:nvSpPr>
+        <p:spPr>
+          <a:xfrm>
+            <a:off x="456531" y="1878823"/>
+            <a:ext cx="11523411" cy="3508653"/>
+          </a:xfrm>
+        </p:spPr>
+        <p:txBody>
+          <a:bodyPr/>
+          <a:lstStyle/>
+          <a:p>
+            <a:pPr marL="0" marR="0" lvl="0" indent="0" algn="just" defTabSz="914400" rtl="0" eaLnBrk="0" fontAlgn="base" latinLnBrk="0" hangingPunct="0">
+              <a:lnSpc>
+                <a:spcPct val="100000"/>
+              </a:lnSpc>
+              <a:spcBef>
+                <a:spcPct val="0"/>
+              </a:spcBef>
+              <a:spcAft>
+                <a:spcPct val="0"/>
+              </a:spcAft>
+              <a:buClrTx/>
+              <a:buSzTx/>
+              <a:buFontTx/>
+              <a:buNone/>
+              <a:tabLst/>
+            </a:pPr>
+            <a:endParaRPr lang="pt-PT" altLang="pt-BR" sz="2400" dirty="0">
+              <a:solidFill>
+                <a:schemeClr val="bg1"/>
+              </a:solidFill>
+              <a:latin typeface="Arial" panose="020B0604020202020204" pitchFamily="34" charset="0"/>
+              <a:cs typeface="Arial" panose="020B0604020202020204" pitchFamily="34" charset="0"/>
+            </a:endParaRPr>
+          </a:p>
+          <a:p>
+            <a:pPr marL="0" marR="0" lvl="0" indent="0" algn="just" defTabSz="914400" rtl="0" eaLnBrk="0" fontAlgn="base" latinLnBrk="0" hangingPunct="0">
+              <a:lnSpc>
+                <a:spcPct val="100000"/>
+              </a:lnSpc>
+              <a:spcBef>
+                <a:spcPct val="0"/>
+              </a:spcBef>
+              <a:spcAft>
+                <a:spcPct val="0"/>
+              </a:spcAft>
+              <a:buClrTx/>
+              <a:buSzTx/>
+              <a:buFontTx/>
+              <a:buNone/>
+              <a:tabLst/>
+            </a:pPr>
+            <a:r>
+              <a:rPr kumimoji="0" lang="pt-PT" altLang="pt-BR" sz="2400" b="0" i="0" u="none" strike="noStrike" cap="none" normalizeH="0" baseline="0" dirty="0">
+                <a:ln>
+                  <a:noFill/>
+                </a:ln>
+                <a:solidFill>
+                  <a:schemeClr val="bg1"/>
+                </a:solidFill>
+                <a:effectLst/>
+                <a:latin typeface="Arial" panose="020B0604020202020204" pitchFamily="34" charset="0"/>
+                <a:cs typeface="Arial" panose="020B0604020202020204" pitchFamily="34" charset="0"/>
+              </a:rPr>
+              <a:t>Objetivo: A taks foi projetada para usar em conjunto com o modelo GPT da AzureOpenAI para revisar PR’s fornecendo feedback’s </a:t>
+            </a:r>
+            <a:r>
+              <a:rPr lang="pt-PT" altLang="pt-BR" sz="2400" dirty="0">
+                <a:solidFill>
+                  <a:schemeClr val="bg1"/>
+                </a:solidFill>
+                <a:latin typeface="Arial" panose="020B0604020202020204" pitchFamily="34" charset="0"/>
+                <a:cs typeface="Arial" panose="020B0604020202020204" pitchFamily="34" charset="0"/>
+              </a:rPr>
+              <a:t>de forma de</a:t>
+            </a:r>
+            <a:r>
+              <a:rPr kumimoji="0" lang="pt-PT" altLang="pt-BR" sz="2400" b="0" i="0" u="none" strike="noStrike" cap="none" normalizeH="0" baseline="0" dirty="0">
+                <a:ln>
+                  <a:noFill/>
+                </a:ln>
+                <a:solidFill>
+                  <a:schemeClr val="bg1"/>
+                </a:solidFill>
+                <a:effectLst/>
+                <a:latin typeface="Arial" panose="020B0604020202020204" pitchFamily="34" charset="0"/>
+                <a:cs typeface="Arial" panose="020B0604020202020204" pitchFamily="34" charset="0"/>
+              </a:rPr>
+              <a:t> comentários no momento da solicitação do PR. </a:t>
+            </a:r>
+          </a:p>
+          <a:p>
+            <a:pPr marL="0" marR="0" lvl="0" indent="0" algn="just" defTabSz="914400" rtl="0" eaLnBrk="0" fontAlgn="base" latinLnBrk="0" hangingPunct="0">
+              <a:lnSpc>
+                <a:spcPct val="100000"/>
+              </a:lnSpc>
+              <a:spcBef>
+                <a:spcPct val="0"/>
+              </a:spcBef>
+              <a:spcAft>
+                <a:spcPct val="0"/>
+              </a:spcAft>
+              <a:buClrTx/>
+              <a:buSzTx/>
+              <a:buFontTx/>
+              <a:buNone/>
+              <a:tabLst/>
+            </a:pPr>
+            <a:endParaRPr lang="pt-PT" altLang="pt-BR" sz="2400" dirty="0">
+              <a:solidFill>
+                <a:schemeClr val="bg1"/>
+              </a:solidFill>
+              <a:latin typeface="Arial" panose="020B0604020202020204" pitchFamily="34" charset="0"/>
+              <a:cs typeface="Arial" panose="020B0604020202020204" pitchFamily="34" charset="0"/>
+            </a:endParaRPr>
+          </a:p>
+          <a:p>
+            <a:pPr marL="0" marR="0" lvl="0" indent="0" algn="just" defTabSz="914400" rtl="0" eaLnBrk="0" fontAlgn="base" latinLnBrk="0" hangingPunct="0">
+              <a:lnSpc>
+                <a:spcPct val="100000"/>
+              </a:lnSpc>
+              <a:spcBef>
+                <a:spcPct val="0"/>
+              </a:spcBef>
+              <a:spcAft>
+                <a:spcPct val="0"/>
+              </a:spcAft>
+              <a:buClrTx/>
+              <a:buSzTx/>
+              <a:buFontTx/>
+              <a:buNone/>
+              <a:tabLst/>
+            </a:pPr>
+            <a:r>
+              <a:rPr lang="pt-PT" altLang="pt-BR" sz="2400" dirty="0">
+                <a:solidFill>
+                  <a:schemeClr val="bg1"/>
+                </a:solidFill>
+                <a:latin typeface="Arial" panose="020B0604020202020204" pitchFamily="34" charset="0"/>
+                <a:cs typeface="Arial" panose="020B0604020202020204" pitchFamily="34" charset="0"/>
+              </a:rPr>
+              <a:t>Ajudar com pontos que nós humanos deixamos passar nos momentos mais criticos e/ou dado a velocidades de aprovação de PR’s </a:t>
+            </a:r>
+          </a:p>
+          <a:p>
+            <a:pPr marL="0" marR="0" lvl="0" indent="0" algn="just" defTabSz="914400" rtl="0" eaLnBrk="0" fontAlgn="base" latinLnBrk="0" hangingPunct="0">
+              <a:lnSpc>
+                <a:spcPct val="100000"/>
+              </a:lnSpc>
+              <a:spcBef>
+                <a:spcPct val="0"/>
+              </a:spcBef>
+              <a:spcAft>
+                <a:spcPct val="0"/>
+              </a:spcAft>
+              <a:buClrTx/>
+              <a:buSzTx/>
+              <a:buFontTx/>
+              <a:buNone/>
+              <a:tabLst/>
+            </a:pPr>
+            <a:endParaRPr kumimoji="0" lang="pt-PT" altLang="pt-BR" sz="2400" b="0" i="0" u="none" strike="noStrike" cap="none" normalizeH="0" baseline="0" dirty="0">
+              <a:ln>
+                <a:noFill/>
+              </a:ln>
+              <a:solidFill>
+                <a:schemeClr val="bg1"/>
+              </a:solidFill>
+              <a:effectLst/>
+              <a:latin typeface="Arial" panose="020B0604020202020204" pitchFamily="34" charset="0"/>
+              <a:cs typeface="Arial" panose="020B0604020202020204" pitchFamily="34" charset="0"/>
+            </a:endParaRPr>
+          </a:p>
+          <a:p>
+            <a:pPr marL="0" marR="0" lvl="0" indent="0" algn="just" defTabSz="914400" rtl="0" eaLnBrk="0" fontAlgn="base" latinLnBrk="0" hangingPunct="0">
+              <a:lnSpc>
+                <a:spcPct val="100000"/>
+              </a:lnSpc>
+              <a:spcBef>
+                <a:spcPct val="0"/>
+              </a:spcBef>
+              <a:spcAft>
+                <a:spcPct val="0"/>
+              </a:spcAft>
+              <a:buClrTx/>
+              <a:buSzTx/>
+              <a:buFontTx/>
+              <a:buNone/>
+              <a:tabLst/>
+            </a:pPr>
+            <a:r>
+              <a:rPr kumimoji="0" lang="pt-PT" altLang="pt-BR" sz="2400" b="0" i="0" u="none" strike="noStrike" cap="none" normalizeH="0" baseline="0" dirty="0">
+                <a:ln>
+                  <a:noFill/>
+                </a:ln>
+                <a:solidFill>
+                  <a:schemeClr val="bg1"/>
+                </a:solidFill>
+                <a:effectLst/>
+                <a:latin typeface="Arial" panose="020B0604020202020204" pitchFamily="34" charset="0"/>
+                <a:cs typeface="Arial" panose="020B0604020202020204" pitchFamily="34" charset="0"/>
+              </a:rPr>
+              <a:t>Avaliação de si</a:t>
+            </a:r>
+            <a:r>
+              <a:rPr lang="pt-PT" altLang="pt-BR" sz="2400" dirty="0">
+                <a:solidFill>
+                  <a:schemeClr val="bg1"/>
+                </a:solidFill>
+                <a:latin typeface="Arial" panose="020B0604020202020204" pitchFamily="34" charset="0"/>
+                <a:cs typeface="Arial" panose="020B0604020202020204" pitchFamily="34" charset="0"/>
+              </a:rPr>
+              <a:t>ntaxes, bugs, degradação de performance, segurança etc.</a:t>
+            </a:r>
+            <a:endParaRPr kumimoji="0" lang="pt-PT" altLang="pt-BR" sz="2400" b="0" i="0" u="none" strike="noStrike" cap="none" normalizeH="0" baseline="0" dirty="0">
+              <a:ln>
+                <a:noFill/>
+              </a:ln>
+              <a:solidFill>
+                <a:schemeClr val="bg1"/>
+              </a:solidFill>
+              <a:effectLst/>
+              <a:latin typeface="Arial" panose="020B0604020202020204" pitchFamily="34" charset="0"/>
+              <a:cs typeface="Arial" panose="020B0604020202020204" pitchFamily="34" charset="0"/>
+            </a:endParaRPr>
+          </a:p>
+        </p:txBody>
+      </p:sp>
+      <p:sp>
+        <p:nvSpPr>
+          <p:cNvPr id="8" name="Espaço Reservado para Texto 2">
+            <a:extLst>
+              <a:ext uri="{FF2B5EF4-FFF2-40B4-BE49-F238E27FC236}">
+                <a16:creationId xmlns:a16="http://schemas.microsoft.com/office/drawing/2014/main" id="{B0A2DA19-2FA7-0E77-4EB4-1C324C7738EA}"/>
+              </a:ext>
+            </a:extLst>
+          </p:cNvPr>
+          <p:cNvSpPr txBox="1">
+            <a:spLocks/>
+          </p:cNvSpPr>
+          <p:nvPr/>
+        </p:nvSpPr>
+        <p:spPr>
+          <a:xfrm>
+            <a:off x="451338" y="803485"/>
+            <a:ext cx="11837644" cy="800219"/>
+          </a:xfrm>
+          <a:prstGeom prst="rect">
+            <a:avLst/>
+          </a:prstGeom>
+        </p:spPr>
+        <p:txBody>
+          <a:bodyPr vert="horz" wrap="square" lIns="0" tIns="91440" rIns="146304" bIns="91440" rtlCol="0">
+            <a:spAutoFit/>
+          </a:bodyPr>
+          <a:lstStyle>
+            <a:lvl1pPr marL="0" marR="0" indent="0" algn="l" defTabSz="932742" rtl="0" eaLnBrk="1" fontAlgn="auto" latinLnBrk="0" hangingPunct="1">
+              <a:lnSpc>
+                <a:spcPct val="100000"/>
+              </a:lnSpc>
+              <a:spcBef>
+                <a:spcPts val="0"/>
+              </a:spcBef>
+              <a:spcAft>
+                <a:spcPts val="0"/>
+              </a:spcAft>
+              <a:buClrTx/>
+              <a:buSzPct val="90000"/>
+              <a:buFont typeface="Wingdings" panose="05000000000000000000" pitchFamily="2" charset="2"/>
+              <a:buNone/>
+              <a:tabLst/>
+              <a:defRPr sz="1800" kern="1200" spc="-50" baseline="0">
+                <a:solidFill>
+                  <a:schemeClr val="bg2"/>
+                </a:solidFill>
+                <a:latin typeface="+mj-lt"/>
+                <a:ea typeface="+mn-ea"/>
+                <a:cs typeface="+mn-cs"/>
+              </a:defRPr>
+            </a:lvl1pPr>
+            <a:lvl2pPr marL="0" marR="0" indent="0" algn="l" defTabSz="932742" rtl="0" eaLnBrk="1" fontAlgn="auto" latinLnBrk="0" hangingPunct="1">
+              <a:lnSpc>
+                <a:spcPct val="100000"/>
+              </a:lnSpc>
+              <a:spcBef>
+                <a:spcPts val="0"/>
+              </a:spcBef>
+              <a:spcAft>
+                <a:spcPts val="0"/>
+              </a:spcAft>
+              <a:buClrTx/>
+              <a:buSzPct val="90000"/>
+              <a:buFontTx/>
+              <a:buNone/>
+              <a:tabLst/>
+              <a:defRPr sz="1800" kern="1200" spc="0" baseline="0">
+                <a:solidFill>
+                  <a:srgbClr val="000000"/>
+                </a:solidFill>
+                <a:latin typeface="+mn-lt"/>
+                <a:ea typeface="+mn-ea"/>
+                <a:cs typeface="+mn-cs"/>
+              </a:defRPr>
+            </a:lvl2pPr>
+            <a:lvl3pPr marL="0" marR="0" indent="0" algn="l" defTabSz="932742" rtl="0" eaLnBrk="1" fontAlgn="auto" latinLnBrk="0" hangingPunct="1">
+              <a:lnSpc>
+                <a:spcPct val="100000"/>
+              </a:lnSpc>
+              <a:spcBef>
+                <a:spcPts val="0"/>
+              </a:spcBef>
+              <a:spcAft>
+                <a:spcPts val="0"/>
+              </a:spcAft>
+              <a:buClrTx/>
+              <a:buSzPct val="90000"/>
+              <a:buFont typeface="Wingdings" panose="05000000000000000000" pitchFamily="2" charset="2"/>
+              <a:buNone/>
+              <a:tabLst/>
+              <a:defRPr sz="1400" kern="1200" spc="0" baseline="0">
+                <a:solidFill>
+                  <a:schemeClr val="tx2"/>
+                </a:solidFill>
+                <a:latin typeface="+mj-lt"/>
+                <a:ea typeface="+mn-ea"/>
+                <a:cs typeface="+mn-cs"/>
+              </a:defRPr>
+            </a:lvl3pPr>
+            <a:lvl4pPr marL="0" marR="0" indent="0" algn="l" defTabSz="932742" rtl="0" eaLnBrk="1" fontAlgn="auto" latinLnBrk="0" hangingPunct="1">
+              <a:lnSpc>
+                <a:spcPct val="100000"/>
+              </a:lnSpc>
+              <a:spcBef>
+                <a:spcPts val="0"/>
+              </a:spcBef>
+              <a:spcAft>
+                <a:spcPts val="0"/>
+              </a:spcAft>
+              <a:buClrTx/>
+              <a:buSzPct val="90000"/>
+              <a:buFont typeface="Wingdings" panose="05000000000000000000" pitchFamily="2" charset="2"/>
+              <a:buNone/>
+              <a:tabLst/>
+              <a:defRPr sz="1400" kern="1200" spc="0" baseline="0">
+                <a:solidFill>
+                  <a:srgbClr val="000000"/>
+                </a:solidFill>
+                <a:latin typeface="+mn-lt"/>
+                <a:ea typeface="+mn-ea"/>
+                <a:cs typeface="+mn-cs"/>
+              </a:defRPr>
+            </a:lvl4pPr>
+            <a:lvl5pPr marL="0" marR="0" indent="0" algn="l" defTabSz="932742" rtl="0" eaLnBrk="1" fontAlgn="auto" latinLnBrk="0" hangingPunct="1">
+              <a:lnSpc>
+                <a:spcPct val="100000"/>
+              </a:lnSpc>
+              <a:spcBef>
+                <a:spcPts val="0"/>
+              </a:spcBef>
+              <a:spcAft>
+                <a:spcPts val="0"/>
+              </a:spcAft>
+              <a:buClrTx/>
+              <a:buSzPct val="90000"/>
+              <a:buFont typeface="Wingdings" panose="05000000000000000000" pitchFamily="2" charset="2"/>
+              <a:buNone/>
+              <a:tabLst/>
+              <a:defRPr sz="1050" b="1" kern="1200" spc="0" baseline="0">
+                <a:solidFill>
+                  <a:srgbClr val="000000"/>
+                </a:solidFill>
+                <a:latin typeface="+mn-lt"/>
+                <a:ea typeface="+mn-ea"/>
+                <a:cs typeface="+mn-cs"/>
+              </a:defRPr>
+            </a:lvl5pPr>
+            <a:lvl6pPr marL="2331854" indent="0" algn="l" defTabSz="932742" rtl="0" eaLnBrk="1" latinLnBrk="0" hangingPunct="1">
+              <a:spcBef>
+                <a:spcPct val="20000"/>
+              </a:spcBef>
+              <a:buFont typeface="Arial" pitchFamily="34" charset="0"/>
+              <a:buNone/>
+              <a:defRPr sz="2000" kern="1200">
+                <a:solidFill>
+                  <a:schemeClr val="tx1"/>
+                </a:solidFill>
+                <a:latin typeface="+mn-lt"/>
+                <a:ea typeface="+mn-ea"/>
+                <a:cs typeface="+mn-cs"/>
+              </a:defRPr>
+            </a:lvl6pPr>
+            <a:lvl7pPr marL="0" indent="0" algn="l" defTabSz="932742" rtl="0" eaLnBrk="1" latinLnBrk="0" hangingPunct="1">
+              <a:lnSpc>
+                <a:spcPct val="100000"/>
+              </a:lnSpc>
+              <a:spcBef>
+                <a:spcPts val="0"/>
+              </a:spcBef>
+              <a:spcAft>
+                <a:spcPts val="0"/>
+              </a:spcAft>
+              <a:buFont typeface="Arial" pitchFamily="34" charset="0"/>
+              <a:buNone/>
+              <a:defRPr sz="1000" kern="1200">
+                <a:solidFill>
+                  <a:srgbClr val="000000"/>
+                </a:solidFill>
+                <a:latin typeface="+mn-lt"/>
+                <a:ea typeface="+mn-ea"/>
+                <a:cs typeface="+mn-cs"/>
+              </a:defRPr>
+            </a:lvl7pPr>
+            <a:lvl8pPr marL="3497783" indent="-233186" algn="l" defTabSz="932742" rtl="0" eaLnBrk="1" latinLnBrk="0" hangingPunct="1">
+              <a:spcBef>
+                <a:spcPct val="20000"/>
+              </a:spcBef>
+              <a:buFont typeface="Arial" pitchFamily="34" charset="0"/>
+              <a:buChar char="•"/>
+              <a:defRPr sz="2000" kern="1200">
+                <a:solidFill>
+                  <a:schemeClr val="tx1"/>
+                </a:solidFill>
+                <a:latin typeface="+mn-lt"/>
+                <a:ea typeface="+mn-ea"/>
+                <a:cs typeface="+mn-cs"/>
+              </a:defRPr>
+            </a:lvl8pPr>
+            <a:lvl9pPr marL="3964155" indent="-233186" algn="l" defTabSz="932742" rtl="0" eaLnBrk="1" latinLnBrk="0" hangingPunct="1">
+              <a:spcBef>
+                <a:spcPct val="20000"/>
+              </a:spcBef>
+              <a:buFont typeface="Arial" pitchFamily="34" charset="0"/>
+              <a:buChar char="•"/>
+              <a:defRPr sz="2000" kern="1200">
+                <a:solidFill>
+                  <a:schemeClr val="tx1"/>
+                </a:solidFill>
+                <a:latin typeface="+mn-lt"/>
+                <a:ea typeface="+mn-ea"/>
+                <a:cs typeface="+mn-cs"/>
+              </a:defRPr>
+            </a:lvl9pPr>
+          </a:lstStyle>
+          <a:p>
+            <a:pPr marL="0" marR="0" lvl="0" indent="0" defTabSz="914400" rtl="0" eaLnBrk="0" fontAlgn="base" latinLnBrk="0" hangingPunct="0">
+              <a:lnSpc>
+                <a:spcPct val="100000"/>
+              </a:lnSpc>
+              <a:spcBef>
+                <a:spcPct val="0"/>
+              </a:spcBef>
+              <a:spcAft>
+                <a:spcPct val="0"/>
+              </a:spcAft>
+              <a:buClrTx/>
+              <a:buSzTx/>
+              <a:buFontTx/>
+              <a:buNone/>
+              <a:tabLst/>
+            </a:pPr>
+            <a:r>
+              <a:rPr lang="pt-PT" altLang="pt-BR" sz="4000" dirty="0"/>
+              <a:t>Task de revisão de pull request do Azure Pipelines</a:t>
+            </a:r>
+          </a:p>
+        </p:txBody>
+      </p:sp>
+    </p:spTree>
+    <p:extLst>
+      <p:ext uri="{BB962C8B-B14F-4D97-AF65-F5344CB8AC3E}">
+        <p14:creationId xmlns:p14="http://schemas.microsoft.com/office/powerpoint/2010/main" val="3653583380"/>
+      </p:ext>
+    </p:extLst>
+  </p:cSld>
+  <p:clrMapOvr>
+    <a:masterClrMapping/>
+  </p:clrMapOvr>
+  <mc:AlternateContent xmlns:mc="http://schemas.openxmlformats.org/markup-compatibility/2006">
+    <mc:Choice xmlns:p14="http://schemas.microsoft.com/office/powerpoint/2010/main" Requires="p14">
+      <p:transition spd="med" p14:dur="700">
+        <p:fade/>
+      </p:transition>
+    </mc:Choice>
+    <mc:Fallback>
+      <p:transition spd="med">
+        <p:fade/>
+      </p:transition>
+    </mc:Fallback>
+  </mc:AlternateContent>
+</p:sld>
+</file>
+
+<file path=ppt/slides/slide5.xml><?xml version="1.0" encoding="utf-8"?>
 <p:sld xmlns:a="http://schemas.openxmlformats.org/drawingml/2006/main" xmlns:r="http://schemas.openxmlformats.org/officeDocument/2006/relationships" xmlns:p="http://schemas.openxmlformats.org/presentationml/2006/main">
   <p:cSld>
     <p:spTree>
@@ -25174,7 +26240,7 @@
 </p:sld>
 </file>
 
-<file path=ppt/slides/slide5.xml><?xml version="1.0" encoding="utf-8"?>
+<file path=ppt/slides/slide6.xml><?xml version="1.0" encoding="utf-8"?>
 <p:sld xmlns:a="http://schemas.openxmlformats.org/drawingml/2006/main" xmlns:r="http://schemas.openxmlformats.org/officeDocument/2006/relationships" xmlns:p="http://schemas.openxmlformats.org/presentationml/2006/main">
   <p:cSld>
     <p:spTree>
@@ -25205,7 +26271,7 @@
         </p:nvSpPr>
         <p:spPr>
           <a:xfrm>
-            <a:off x="2249521" y="4778992"/>
+            <a:off x="1903158" y="5083043"/>
             <a:ext cx="10649356" cy="369332"/>
           </a:xfrm>
           <a:prstGeom prst="rect">
@@ -25531,7 +26597,7 @@
 </p:sld>
 </file>
 
-<file path=ppt/slides/slide6.xml><?xml version="1.0" encoding="utf-8"?>
+<file path=ppt/slides/slide7.xml><?xml version="1.0" encoding="utf-8"?>
 <p:sld xmlns:a="http://schemas.openxmlformats.org/drawingml/2006/main" xmlns:r="http://schemas.openxmlformats.org/officeDocument/2006/relationships" xmlns:p="http://schemas.openxmlformats.org/presentationml/2006/main">
   <p:cSld>
     <p:spTree>
@@ -25562,7 +26628,7 @@
         </p:nvSpPr>
         <p:spPr>
           <a:xfrm>
-            <a:off x="1928508" y="5085098"/>
+            <a:off x="1787119" y="5085098"/>
             <a:ext cx="10649356" cy="369332"/>
           </a:xfrm>
           <a:prstGeom prst="rect">
@@ -25871,7 +26937,7 @@
 </p:sld>
 </file>
 
-<file path=ppt/slides/slide7.xml><?xml version="1.0" encoding="utf-8"?>
+<file path=ppt/slides/slide8.xml><?xml version="1.0" encoding="utf-8"?>
 <p:sld xmlns:a="http://schemas.openxmlformats.org/drawingml/2006/main" xmlns:r="http://schemas.openxmlformats.org/officeDocument/2006/relationships" xmlns:p="http://schemas.openxmlformats.org/presentationml/2006/main">
   <p:cSld>
     <p:spTree>
@@ -25903,7 +26969,7 @@
         <p:spPr>
           <a:xfrm>
             <a:off x="282102" y="1021404"/>
-            <a:ext cx="10739336" cy="1200329"/>
+            <a:ext cx="10739336" cy="1569660"/>
           </a:xfrm>
           <a:prstGeom prst="rect">
             <a:avLst/>
@@ -25917,10 +26983,11 @@
           <a:lstStyle/>
           <a:p>
             <a:r>
-              <a:rPr lang="pt-BR" sz="2400" dirty="0">
-                <a:solidFill>
-                  <a:schemeClr val="bg1"/>
-                </a:solidFill>
+              <a:rPr lang="pt-BR" sz="4800" spc="-50" dirty="0">
+                <a:solidFill>
+                  <a:schemeClr val="bg2"/>
+                </a:solidFill>
+                <a:latin typeface="+mj-lt"/>
               </a:rPr>
               <a:t>Resumo</a:t>
             </a:r>
@@ -25948,351 +27015,6 @@
     <p:extLst>
       <p:ext uri="{BB962C8B-B14F-4D97-AF65-F5344CB8AC3E}">
         <p14:creationId xmlns:p14="http://schemas.microsoft.com/office/powerpoint/2010/main" val="931075014"/>
-      </p:ext>
-    </p:extLst>
-  </p:cSld>
-  <p:clrMapOvr>
-    <a:masterClrMapping/>
-  </p:clrMapOvr>
-  <mc:AlternateContent xmlns:mc="http://schemas.openxmlformats.org/markup-compatibility/2006" xmlns:p14="http://schemas.microsoft.com/office/powerpoint/2010/main">
-    <mc:Choice Requires="p14">
-      <p:transition spd="med" p14:dur="700">
-        <p:fade/>
-      </p:transition>
-    </mc:Choice>
-    <mc:Fallback xmlns="">
-      <p:transition spd="med">
-        <p:fade/>
-      </p:transition>
-    </mc:Fallback>
-  </mc:AlternateContent>
-</p:sld>
-</file>
-
-<file path=ppt/slides/slide8.xml><?xml version="1.0" encoding="utf-8"?>
-<p:sld xmlns:a="http://schemas.openxmlformats.org/drawingml/2006/main" xmlns:r="http://schemas.openxmlformats.org/officeDocument/2006/relationships" xmlns:p="http://schemas.openxmlformats.org/presentationml/2006/main">
-  <p:cSld>
-    <p:spTree>
-      <p:nvGrpSpPr>
-        <p:cNvPr id="1" name=""/>
-        <p:cNvGrpSpPr/>
-        <p:nvPr/>
-      </p:nvGrpSpPr>
-      <p:grpSpPr>
-        <a:xfrm>
-          <a:off x="0" y="0"/>
-          <a:ext cx="0" cy="0"/>
-          <a:chOff x="0" y="0"/>
-          <a:chExt cx="0" cy="0"/>
-        </a:xfrm>
-      </p:grpSpPr>
-      <p:sp>
-        <p:nvSpPr>
-          <p:cNvPr id="5" name="CaixaDeTexto 4">
-            <a:extLst>
-              <a:ext uri="{FF2B5EF4-FFF2-40B4-BE49-F238E27FC236}">
-                <a16:creationId xmlns:a16="http://schemas.microsoft.com/office/drawing/2014/main" id="{8ACDB991-EC5C-F38D-2382-DB6C1328DBFA}"/>
-              </a:ext>
-            </a:extLst>
-          </p:cNvPr>
-          <p:cNvSpPr txBox="1"/>
-          <p:nvPr/>
-        </p:nvSpPr>
-        <p:spPr>
-          <a:xfrm>
-            <a:off x="675126" y="5136584"/>
-            <a:ext cx="10649356" cy="369332"/>
-          </a:xfrm>
-          <a:prstGeom prst="rect">
-            <a:avLst/>
-          </a:prstGeom>
-          <a:noFill/>
-        </p:spPr>
-        <p:txBody>
-          <a:bodyPr wrap="square">
-            <a:spAutoFit/>
-          </a:bodyPr>
-          <a:lstStyle/>
-          <a:p>
-            <a:r>
-              <a:rPr lang="pt-BR" dirty="0">
-                <a:solidFill>
-                  <a:schemeClr val="bg1"/>
-                </a:solidFill>
-              </a:rPr>
-              <a:t>https://marketplace.visualstudio.com/items?itemName=mustaphalarhrouch.GPTPullRequestReview</a:t>
-            </a:r>
-          </a:p>
-        </p:txBody>
-      </p:sp>
-      <p:sp>
-        <p:nvSpPr>
-          <p:cNvPr id="6" name="Espaço Reservado para Texto 2">
-            <a:extLst>
-              <a:ext uri="{FF2B5EF4-FFF2-40B4-BE49-F238E27FC236}">
-                <a16:creationId xmlns:a16="http://schemas.microsoft.com/office/drawing/2014/main" id="{4241B9D4-4E11-C865-F7EE-C8ADDF366F9D}"/>
-              </a:ext>
-            </a:extLst>
-          </p:cNvPr>
-          <p:cNvSpPr txBox="1">
-            <a:spLocks/>
-          </p:cNvSpPr>
-          <p:nvPr/>
-        </p:nvSpPr>
-        <p:spPr>
-          <a:xfrm>
-            <a:off x="451338" y="803485"/>
-            <a:ext cx="9795376" cy="923330"/>
-          </a:xfrm>
-          <a:prstGeom prst="rect">
-            <a:avLst/>
-          </a:prstGeom>
-        </p:spPr>
-        <p:txBody>
-          <a:bodyPr vert="horz" wrap="square" lIns="0" tIns="91440" rIns="146304" bIns="91440" rtlCol="0">
-            <a:spAutoFit/>
-          </a:bodyPr>
-          <a:lstStyle>
-            <a:lvl1pPr marL="0" marR="0" indent="0" algn="l" defTabSz="932742" rtl="0" eaLnBrk="1" fontAlgn="auto" latinLnBrk="0" hangingPunct="1">
-              <a:lnSpc>
-                <a:spcPct val="100000"/>
-              </a:lnSpc>
-              <a:spcBef>
-                <a:spcPts val="0"/>
-              </a:spcBef>
-              <a:spcAft>
-                <a:spcPts val="0"/>
-              </a:spcAft>
-              <a:buClrTx/>
-              <a:buSzPct val="90000"/>
-              <a:buFont typeface="Wingdings" panose="05000000000000000000" pitchFamily="2" charset="2"/>
-              <a:buNone/>
-              <a:tabLst/>
-              <a:defRPr sz="1800" kern="1200" spc="-50" baseline="0">
-                <a:solidFill>
-                  <a:schemeClr val="bg2"/>
-                </a:solidFill>
-                <a:latin typeface="+mj-lt"/>
-                <a:ea typeface="+mn-ea"/>
-                <a:cs typeface="+mn-cs"/>
-              </a:defRPr>
-            </a:lvl1pPr>
-            <a:lvl2pPr marL="0" marR="0" indent="0" algn="l" defTabSz="932742" rtl="0" eaLnBrk="1" fontAlgn="auto" latinLnBrk="0" hangingPunct="1">
-              <a:lnSpc>
-                <a:spcPct val="100000"/>
-              </a:lnSpc>
-              <a:spcBef>
-                <a:spcPts val="0"/>
-              </a:spcBef>
-              <a:spcAft>
-                <a:spcPts val="0"/>
-              </a:spcAft>
-              <a:buClrTx/>
-              <a:buSzPct val="90000"/>
-              <a:buFontTx/>
-              <a:buNone/>
-              <a:tabLst/>
-              <a:defRPr sz="1800" kern="1200" spc="0" baseline="0">
-                <a:solidFill>
-                  <a:srgbClr val="000000"/>
-                </a:solidFill>
-                <a:latin typeface="+mn-lt"/>
-                <a:ea typeface="+mn-ea"/>
-                <a:cs typeface="+mn-cs"/>
-              </a:defRPr>
-            </a:lvl2pPr>
-            <a:lvl3pPr marL="0" marR="0" indent="0" algn="l" defTabSz="932742" rtl="0" eaLnBrk="1" fontAlgn="auto" latinLnBrk="0" hangingPunct="1">
-              <a:lnSpc>
-                <a:spcPct val="100000"/>
-              </a:lnSpc>
-              <a:spcBef>
-                <a:spcPts val="0"/>
-              </a:spcBef>
-              <a:spcAft>
-                <a:spcPts val="0"/>
-              </a:spcAft>
-              <a:buClrTx/>
-              <a:buSzPct val="90000"/>
-              <a:buFont typeface="Wingdings" panose="05000000000000000000" pitchFamily="2" charset="2"/>
-              <a:buNone/>
-              <a:tabLst/>
-              <a:defRPr sz="1400" kern="1200" spc="0" baseline="0">
-                <a:solidFill>
-                  <a:schemeClr val="tx2"/>
-                </a:solidFill>
-                <a:latin typeface="+mj-lt"/>
-                <a:ea typeface="+mn-ea"/>
-                <a:cs typeface="+mn-cs"/>
-              </a:defRPr>
-            </a:lvl3pPr>
-            <a:lvl4pPr marL="0" marR="0" indent="0" algn="l" defTabSz="932742" rtl="0" eaLnBrk="1" fontAlgn="auto" latinLnBrk="0" hangingPunct="1">
-              <a:lnSpc>
-                <a:spcPct val="100000"/>
-              </a:lnSpc>
-              <a:spcBef>
-                <a:spcPts val="0"/>
-              </a:spcBef>
-              <a:spcAft>
-                <a:spcPts val="0"/>
-              </a:spcAft>
-              <a:buClrTx/>
-              <a:buSzPct val="90000"/>
-              <a:buFont typeface="Wingdings" panose="05000000000000000000" pitchFamily="2" charset="2"/>
-              <a:buNone/>
-              <a:tabLst/>
-              <a:defRPr sz="1400" kern="1200" spc="0" baseline="0">
-                <a:solidFill>
-                  <a:srgbClr val="000000"/>
-                </a:solidFill>
-                <a:latin typeface="+mn-lt"/>
-                <a:ea typeface="+mn-ea"/>
-                <a:cs typeface="+mn-cs"/>
-              </a:defRPr>
-            </a:lvl4pPr>
-            <a:lvl5pPr marL="0" marR="0" indent="0" algn="l" defTabSz="932742" rtl="0" eaLnBrk="1" fontAlgn="auto" latinLnBrk="0" hangingPunct="1">
-              <a:lnSpc>
-                <a:spcPct val="100000"/>
-              </a:lnSpc>
-              <a:spcBef>
-                <a:spcPts val="0"/>
-              </a:spcBef>
-              <a:spcAft>
-                <a:spcPts val="0"/>
-              </a:spcAft>
-              <a:buClrTx/>
-              <a:buSzPct val="90000"/>
-              <a:buFont typeface="Wingdings" panose="05000000000000000000" pitchFamily="2" charset="2"/>
-              <a:buNone/>
-              <a:tabLst/>
-              <a:defRPr sz="1050" b="1" kern="1200" spc="0" baseline="0">
-                <a:solidFill>
-                  <a:srgbClr val="000000"/>
-                </a:solidFill>
-                <a:latin typeface="+mn-lt"/>
-                <a:ea typeface="+mn-ea"/>
-                <a:cs typeface="+mn-cs"/>
-              </a:defRPr>
-            </a:lvl5pPr>
-            <a:lvl6pPr marL="2331854" indent="0" algn="l" defTabSz="932742" rtl="0" eaLnBrk="1" latinLnBrk="0" hangingPunct="1">
-              <a:spcBef>
-                <a:spcPct val="20000"/>
-              </a:spcBef>
-              <a:buFont typeface="Arial" pitchFamily="34" charset="0"/>
-              <a:buNone/>
-              <a:defRPr sz="2000" kern="1200">
-                <a:solidFill>
-                  <a:schemeClr val="tx1"/>
-                </a:solidFill>
-                <a:latin typeface="+mn-lt"/>
-                <a:ea typeface="+mn-ea"/>
-                <a:cs typeface="+mn-cs"/>
-              </a:defRPr>
-            </a:lvl6pPr>
-            <a:lvl7pPr marL="0" indent="0" algn="l" defTabSz="932742" rtl="0" eaLnBrk="1" latinLnBrk="0" hangingPunct="1">
-              <a:lnSpc>
-                <a:spcPct val="100000"/>
-              </a:lnSpc>
-              <a:spcBef>
-                <a:spcPts val="0"/>
-              </a:spcBef>
-              <a:spcAft>
-                <a:spcPts val="0"/>
-              </a:spcAft>
-              <a:buFont typeface="Arial" pitchFamily="34" charset="0"/>
-              <a:buNone/>
-              <a:defRPr sz="1000" kern="1200">
-                <a:solidFill>
-                  <a:srgbClr val="000000"/>
-                </a:solidFill>
-                <a:latin typeface="+mn-lt"/>
-                <a:ea typeface="+mn-ea"/>
-                <a:cs typeface="+mn-cs"/>
-              </a:defRPr>
-            </a:lvl7pPr>
-            <a:lvl8pPr marL="3497783" indent="-233186" algn="l" defTabSz="932742" rtl="0" eaLnBrk="1" latinLnBrk="0" hangingPunct="1">
-              <a:spcBef>
-                <a:spcPct val="20000"/>
-              </a:spcBef>
-              <a:buFont typeface="Arial" pitchFamily="34" charset="0"/>
-              <a:buChar char="•"/>
-              <a:defRPr sz="2000" kern="1200">
-                <a:solidFill>
-                  <a:schemeClr val="tx1"/>
-                </a:solidFill>
-                <a:latin typeface="+mn-lt"/>
-                <a:ea typeface="+mn-ea"/>
-                <a:cs typeface="+mn-cs"/>
-              </a:defRPr>
-            </a:lvl8pPr>
-            <a:lvl9pPr marL="3964155" indent="-233186" algn="l" defTabSz="932742" rtl="0" eaLnBrk="1" latinLnBrk="0" hangingPunct="1">
-              <a:spcBef>
-                <a:spcPct val="20000"/>
-              </a:spcBef>
-              <a:buFont typeface="Arial" pitchFamily="34" charset="0"/>
-              <a:buChar char="•"/>
-              <a:defRPr sz="2000" kern="1200">
-                <a:solidFill>
-                  <a:schemeClr val="tx1"/>
-                </a:solidFill>
-                <a:latin typeface="+mn-lt"/>
-                <a:ea typeface="+mn-ea"/>
-                <a:cs typeface="+mn-cs"/>
-              </a:defRPr>
-            </a:lvl9pPr>
-          </a:lstStyle>
-          <a:p>
-            <a:r>
-              <a:rPr lang="pt-BR" sz="4800" dirty="0"/>
-              <a:t>Task de </a:t>
-            </a:r>
-            <a:r>
-              <a:rPr lang="pt-BR" sz="4800" dirty="0" err="1"/>
-              <a:t>pullrequest</a:t>
-            </a:r>
-            <a:endParaRPr lang="pt-BR" sz="4800" dirty="0"/>
-          </a:p>
-        </p:txBody>
-      </p:sp>
-      <p:pic>
-        <p:nvPicPr>
-          <p:cNvPr id="4" name="Imagem 3">
-            <a:extLst>
-              <a:ext uri="{FF2B5EF4-FFF2-40B4-BE49-F238E27FC236}">
-                <a16:creationId xmlns:a16="http://schemas.microsoft.com/office/drawing/2014/main" id="{A87DD783-77F1-74D5-B61E-50859A43DFE5}"/>
-              </a:ext>
-            </a:extLst>
-          </p:cNvPr>
-          <p:cNvPicPr>
-            <a:picLocks noChangeAspect="1"/>
-          </p:cNvPicPr>
-          <p:nvPr/>
-        </p:nvPicPr>
-        <p:blipFill>
-          <a:blip r:embed="rId3"/>
-          <a:stretch>
-            <a:fillRect/>
-          </a:stretch>
-        </p:blipFill>
-        <p:spPr>
-          <a:xfrm>
-            <a:off x="4523362" y="2233033"/>
-            <a:ext cx="2952884" cy="2766665"/>
-          </a:xfrm>
-          <a:prstGeom prst="rect">
-            <a:avLst/>
-          </a:prstGeom>
-          <a:ln>
-            <a:noFill/>
-          </a:ln>
-          <a:effectLst>
-            <a:softEdge rad="112500"/>
-          </a:effectLst>
-        </p:spPr>
-      </p:pic>
-    </p:spTree>
-    <p:extLst>
-      <p:ext uri="{BB962C8B-B14F-4D97-AF65-F5344CB8AC3E}">
-        <p14:creationId xmlns:p14="http://schemas.microsoft.com/office/powerpoint/2010/main" val="542209857"/>
       </p:ext>
     </p:extLst>
   </p:cSld>
@@ -26345,8 +27067,8 @@
         </p:nvSpPr>
         <p:spPr>
           <a:xfrm>
-            <a:off x="451338" y="2016336"/>
-            <a:ext cx="10649356" cy="646331"/>
+            <a:off x="675126" y="5136584"/>
+            <a:ext cx="10649356" cy="369332"/>
           </a:xfrm>
           <a:prstGeom prst="rect">
             <a:avLst/>
@@ -26360,80 +27082,13 @@
           <a:lstStyle/>
           <a:p>
             <a:r>
-              <a:rPr lang="pt-BR" b="0" i="0" dirty="0">
+              <a:rPr lang="pt-BR" dirty="0">
                 <a:solidFill>
                   <a:schemeClr val="bg1"/>
                 </a:solidFill>
-                <a:effectLst/>
-                <a:latin typeface="Segoe UI Web (West European)"/>
               </a:rPr>
-              <a:t>https://{XXXXXXXX}.openai.azure.com/</a:t>
-            </a:r>
-            <a:r>
-              <a:rPr lang="pt-BR" b="0" i="0" dirty="0" err="1">
-                <a:solidFill>
-                  <a:schemeClr val="bg1"/>
-                </a:solidFill>
-                <a:effectLst/>
-                <a:latin typeface="Segoe UI Web (West European)"/>
-              </a:rPr>
-              <a:t>openai</a:t>
-            </a:r>
-            <a:r>
-              <a:rPr lang="pt-BR" b="0" i="0" dirty="0">
-                <a:solidFill>
-                  <a:schemeClr val="bg1"/>
-                </a:solidFill>
-                <a:effectLst/>
-                <a:latin typeface="Segoe UI Web (West European)"/>
-              </a:rPr>
-              <a:t>/</a:t>
-            </a:r>
-            <a:r>
-              <a:rPr lang="pt-BR" b="0" i="0" dirty="0" err="1">
-                <a:solidFill>
-                  <a:schemeClr val="bg1"/>
-                </a:solidFill>
-                <a:effectLst/>
-                <a:latin typeface="Segoe UI Web (West European)"/>
-              </a:rPr>
-              <a:t>deployments</a:t>
-            </a:r>
-            <a:r>
-              <a:rPr lang="pt-BR" b="0" i="0" dirty="0">
-                <a:solidFill>
-                  <a:schemeClr val="bg1"/>
-                </a:solidFill>
-                <a:effectLst/>
-                <a:latin typeface="Segoe UI Web (West European)"/>
-              </a:rPr>
-              <a:t>/{MODEL_NAME}/chat/</a:t>
-            </a:r>
-            <a:r>
-              <a:rPr lang="pt-BR" b="0" i="0" dirty="0" err="1">
-                <a:solidFill>
-                  <a:schemeClr val="bg1"/>
-                </a:solidFill>
-                <a:effectLst/>
-                <a:latin typeface="Segoe UI Web (West European)"/>
-              </a:rPr>
-              <a:t>completions?api-version</a:t>
-            </a:r>
-            <a:r>
-              <a:rPr lang="pt-BR" b="0" i="0" dirty="0">
-                <a:solidFill>
-                  <a:schemeClr val="bg1"/>
-                </a:solidFill>
-                <a:effectLst/>
-                <a:latin typeface="Segoe UI Web (West European)"/>
-              </a:rPr>
-              <a:t>={API_VERSION}</a:t>
-            </a:r>
-            <a:endParaRPr lang="pt-BR" dirty="0">
-              <a:solidFill>
-                <a:schemeClr val="bg1"/>
-              </a:solidFill>
-            </a:endParaRPr>
+              <a:t>https://marketplace.visualstudio.com/items?itemName=mustaphalarhrouch.GPTPullRequestReview</a:t>
+            </a:r>
           </a:p>
         </p:txBody>
       </p:sp>
@@ -26454,7 +27109,7 @@
         <p:spPr>
           <a:xfrm>
             <a:off x="451338" y="803485"/>
-            <a:ext cx="9795376" cy="861774"/>
+            <a:ext cx="9795376" cy="923330"/>
           </a:xfrm>
           <a:prstGeom prst="rect">
             <a:avLst/>
@@ -26654,23 +27309,23 @@
           </a:lstStyle>
           <a:p>
             <a:r>
-              <a:rPr lang="pt-BR" sz="4400" dirty="0"/>
-              <a:t>Configuração da Task de </a:t>
-            </a:r>
-            <a:r>
-              <a:rPr lang="pt-BR" sz="4400" dirty="0" err="1"/>
+              <a:rPr lang="pt-BR" sz="4800" dirty="0"/>
+              <a:t>Task de </a:t>
+            </a:r>
+            <a:r>
+              <a:rPr lang="pt-BR" sz="4800" dirty="0" err="1"/>
               <a:t>pullrequest</a:t>
             </a:r>
-            <a:endParaRPr lang="pt-BR" sz="4400" dirty="0"/>
+            <a:endParaRPr lang="pt-BR" sz="4800" dirty="0"/>
           </a:p>
         </p:txBody>
       </p:sp>
       <p:pic>
         <p:nvPicPr>
-          <p:cNvPr id="3" name="Imagem 2">
+          <p:cNvPr id="4" name="Imagem 3">
             <a:extLst>
               <a:ext uri="{FF2B5EF4-FFF2-40B4-BE49-F238E27FC236}">
-                <a16:creationId xmlns:a16="http://schemas.microsoft.com/office/drawing/2014/main" id="{9F159EAE-92D0-2E23-4B2C-1E520288D069}"/>
+                <a16:creationId xmlns:a16="http://schemas.microsoft.com/office/drawing/2014/main" id="{A87DD783-77F1-74D5-B61E-50859A43DFE5}"/>
               </a:ext>
             </a:extLst>
           </p:cNvPr>
@@ -26687,8 +27342,8 @@
         </p:blipFill>
         <p:spPr>
           <a:xfrm>
-            <a:off x="451338" y="4630570"/>
-            <a:ext cx="2485272" cy="1970143"/>
+            <a:off x="4523362" y="2233033"/>
+            <a:ext cx="2952884" cy="2766665"/>
           </a:xfrm>
           <a:prstGeom prst="rect">
             <a:avLst/>
@@ -26701,64 +27356,10 @@
           </a:effectLst>
         </p:spPr>
       </p:pic>
-      <p:sp>
-        <p:nvSpPr>
-          <p:cNvPr id="7" name="CaixaDeTexto 6">
-            <a:extLst>
-              <a:ext uri="{FF2B5EF4-FFF2-40B4-BE49-F238E27FC236}">
-                <a16:creationId xmlns:a16="http://schemas.microsoft.com/office/drawing/2014/main" id="{8AC7BCC5-4C56-09F3-2599-CC343019684E}"/>
-              </a:ext>
-            </a:extLst>
-          </p:cNvPr>
-          <p:cNvSpPr txBox="1"/>
-          <p:nvPr/>
-        </p:nvSpPr>
-        <p:spPr>
-          <a:xfrm>
-            <a:off x="451338" y="3900164"/>
-            <a:ext cx="9485525" cy="646331"/>
-          </a:xfrm>
-          <a:prstGeom prst="rect">
-            <a:avLst/>
-          </a:prstGeom>
-          <a:noFill/>
-        </p:spPr>
-        <p:txBody>
-          <a:bodyPr wrap="square">
-            <a:spAutoFit/>
-          </a:bodyPr>
-          <a:lstStyle/>
-          <a:p>
-            <a:r>
-              <a:rPr lang="pt-BR" dirty="0" err="1">
-                <a:solidFill>
-                  <a:schemeClr val="bg1"/>
-                </a:solidFill>
-              </a:rPr>
-              <a:t>API_Version</a:t>
-            </a:r>
-            <a:br>
-              <a:rPr lang="pt-BR" dirty="0">
-                <a:solidFill>
-                  <a:schemeClr val="bg1"/>
-                </a:solidFill>
-              </a:rPr>
-            </a:br>
-            <a:r>
-              <a:rPr lang="pt-BR" dirty="0">
-                <a:solidFill>
-                  <a:schemeClr val="bg1"/>
-                </a:solidFill>
-              </a:rPr>
-              <a:t>https://learn.microsoft.com/en-us/azure/ai-services/openai/reference</a:t>
-            </a:r>
-          </a:p>
-        </p:txBody>
-      </p:sp>
     </p:spTree>
     <p:extLst>
       <p:ext uri="{BB962C8B-B14F-4D97-AF65-F5344CB8AC3E}">
-        <p14:creationId xmlns:p14="http://schemas.microsoft.com/office/powerpoint/2010/main" val="416104535"/>
+        <p14:creationId xmlns:p14="http://schemas.microsoft.com/office/powerpoint/2010/main" val="542209857"/>
       </p:ext>
     </p:extLst>
   </p:cSld>
@@ -27951,15 +28552,6 @@
 </file>
 
 <file path=customXml/item1.xml><?xml version="1.0" encoding="utf-8"?>
-<?mso-contentType ?>
-<FormTemplates xmlns="http://schemas.microsoft.com/sharepoint/v3/contenttype/forms">
-  <Display>DocumentLibraryForm</Display>
-  <Edit>DocumentLibraryForm</Edit>
-  <New>DocumentLibraryForm</New>
-</FormTemplates>
-</file>
-
-<file path=customXml/item2.xml><?xml version="1.0" encoding="utf-8"?>
 <ct:contentTypeSchema xmlns:ct="http://schemas.microsoft.com/office/2006/metadata/contentType" xmlns:ma="http://schemas.microsoft.com/office/2006/metadata/properties/metaAttributes" ct:_="" ma:_="" ma:contentTypeName="Document" ma:contentTypeID="0x010100C19B4546D391A349BE05AD29F9530504" ma:contentTypeVersion="8" ma:contentTypeDescription="Create a new document." ma:contentTypeScope="" ma:versionID="abefe0faccb33ea1c30b003d8120f948">
   <xsd:schema xmlns:xsd="http://www.w3.org/2001/XMLSchema" xmlns:xs="http://www.w3.org/2001/XMLSchema" xmlns:p="http://schemas.microsoft.com/office/2006/metadata/properties" xmlns:ns2="573658d2-825f-470e-8b88-a4a2deb94391" xmlns:ns3="9537331d-6386-4ea3-bab7-14a523f5dc52" targetNamespace="http://schemas.microsoft.com/office/2006/metadata/properties" ma:root="true" ma:fieldsID="aea6fda388b4fa532bd11596e8506557" ns2:_="" ns3:_="">
     <xsd:import namespace="573658d2-825f-470e-8b88-a4a2deb94391"/>
@@ -28136,6 +28728,15 @@
 </ct:contentTypeSchema>
 </file>
 
+<file path=customXml/item2.xml><?xml version="1.0" encoding="utf-8"?>
+<?mso-contentType ?>
+<FormTemplates xmlns="http://schemas.microsoft.com/sharepoint/v3/contenttype/forms">
+  <Display>DocumentLibraryForm</Display>
+  <Edit>DocumentLibraryForm</Edit>
+  <New>DocumentLibraryForm</New>
+</FormTemplates>
+</file>
+
 <file path=customXml/item3.xml><?xml version="1.0" encoding="utf-8"?>
 <p:properties xmlns:p="http://schemas.microsoft.com/office/2006/metadata/properties" xmlns:xsi="http://www.w3.org/2001/XMLSchema-instance" xmlns:pc="http://schemas.microsoft.com/office/infopath/2007/PartnerControls">
   <documentManagement>
@@ -28148,14 +28749,6 @@
 </file>
 
 <file path=customXml/itemProps1.xml><?xml version="1.0" encoding="utf-8"?>
-<ds:datastoreItem xmlns:ds="http://schemas.openxmlformats.org/officeDocument/2006/customXml" ds:itemID="{758FDAC0-319D-4A54-8D8E-1D42CB1F8004}">
-  <ds:schemaRefs>
-    <ds:schemaRef ds:uri="http://schemas.microsoft.com/sharepoint/v3/contenttype/forms"/>
-  </ds:schemaRefs>
-</ds:datastoreItem>
-</file>
-
-<file path=customXml/itemProps2.xml><?xml version="1.0" encoding="utf-8"?>
 <ds:datastoreItem xmlns:ds="http://schemas.openxmlformats.org/officeDocument/2006/customXml" ds:itemID="{614BD38F-8FF7-405C-9634-7E23E9D27E95}">
   <ds:schemaRefs>
     <ds:schemaRef ds:uri="573658d2-825f-470e-8b88-a4a2deb94391"/>
@@ -28170,6 +28763,14 @@
     <ds:schemaRef ds:uri="http://schemas.microsoft.com/office/infopath/2007/PartnerControls"/>
     <ds:schemaRef ds:uri="http://schemas.openxmlformats.org/package/2006/metadata/core-properties"/>
     <ds:schemaRef ds:uri="http://www.w3.org/2001/XMLSchema"/>
+  </ds:schemaRefs>
+</ds:datastoreItem>
+</file>
+
+<file path=customXml/itemProps2.xml><?xml version="1.0" encoding="utf-8"?>
+<ds:datastoreItem xmlns:ds="http://schemas.openxmlformats.org/officeDocument/2006/customXml" ds:itemID="{758FDAC0-319D-4A54-8D8E-1D42CB1F8004}">
+  <ds:schemaRefs>
+    <ds:schemaRef ds:uri="http://schemas.microsoft.com/sharepoint/v3/contenttype/forms"/>
   </ds:schemaRefs>
 </ds:datastoreItem>
 </file>

--- a/AzureOpenAI.pptx
+++ b/AzureOpenAI.pptx
@@ -6,10 +6,10 @@
     <p:sldMasterId id="2147484608" r:id="rId5"/>
   </p:sldMasterIdLst>
   <p:notesMasterIdLst>
-    <p:notesMasterId r:id="rId19"/>
+    <p:notesMasterId r:id="rId25"/>
   </p:notesMasterIdLst>
   <p:handoutMasterIdLst>
-    <p:handoutMasterId r:id="rId20"/>
+    <p:handoutMasterId r:id="rId26"/>
   </p:handoutMasterIdLst>
   <p:sldIdLst>
     <p:sldId id="1678" r:id="rId6"/>
@@ -23,8 +23,14 @@
     <p:sldId id="1711" r:id="rId14"/>
     <p:sldId id="1712" r:id="rId15"/>
     <p:sldId id="1716" r:id="rId16"/>
-    <p:sldId id="1715" r:id="rId17"/>
-    <p:sldId id="1706" r:id="rId18"/>
+    <p:sldId id="1720" r:id="rId17"/>
+    <p:sldId id="1722" r:id="rId18"/>
+    <p:sldId id="1715" r:id="rId19"/>
+    <p:sldId id="1718" r:id="rId20"/>
+    <p:sldId id="1719" r:id="rId21"/>
+    <p:sldId id="1721" r:id="rId22"/>
+    <p:sldId id="1725" r:id="rId23"/>
+    <p:sldId id="1706" r:id="rId24"/>
   </p:sldIdLst>
   <p:sldSz cx="12436475" cy="6994525"/>
   <p:notesSz cx="6858000" cy="9144000"/>
@@ -139,7 +145,13 @@
             <p14:sldId id="1711"/>
             <p14:sldId id="1712"/>
             <p14:sldId id="1716"/>
+            <p14:sldId id="1720"/>
+            <p14:sldId id="1722"/>
             <p14:sldId id="1715"/>
+            <p14:sldId id="1718"/>
+            <p14:sldId id="1719"/>
+            <p14:sldId id="1721"/>
+            <p14:sldId id="1725"/>
             <p14:sldId id="1706"/>
           </p14:sldIdLst>
         </p14:section>
@@ -3134,7 +3146,7 @@
               <a:rPr lang="en-US" smtClean="0">
                 <a:latin typeface="Segoe UI" pitchFamily="34" charset="0"/>
               </a:rPr>
-              <a:t>10/18/2023 10:54 AM</a:t>
+              <a:t>10/20/2023 10:51 AM</a:t>
             </a:fld>
             <a:endParaRPr lang="en-US">
               <a:latin typeface="Segoe UI" pitchFamily="34" charset="0"/>
@@ -3412,7 +3424,7 @@
           <a:p>
             <a:fld id="{DCE60099-03E7-4FA1-8A7F-E6E6CFB0F855}" type="datetime8">
               <a:rPr lang="en-US" smtClean="0"/>
-              <a:t>10/18/2023 10:54 AM</a:t>
+              <a:t>10/20/2023 10:20 AM</a:t>
             </a:fld>
             <a:endParaRPr lang="en-US"/>
           </a:p>
@@ -4064,7 +4076,7 @@
             <a:fld id="{B4008EB6-D09E-4580-8CD6-DDB14511944F}" type="slidenum">
               <a:rPr lang="en-US" smtClean="0"/>
               <a:pPr/>
-              <a:t>12</a:t>
+              <a:t>14</a:t>
             </a:fld>
             <a:endParaRPr lang="en-US"/>
           </a:p>
@@ -24185,6 +24197,283 @@
       </p:grpSpPr>
       <p:sp>
         <p:nvSpPr>
+          <p:cNvPr id="3" name="Espaço Reservado para Texto 2">
+            <a:extLst>
+              <a:ext uri="{FF2B5EF4-FFF2-40B4-BE49-F238E27FC236}">
+                <a16:creationId xmlns:a16="http://schemas.microsoft.com/office/drawing/2014/main" id="{181D9804-2358-46E9-C4B4-C4DEAC205FED}"/>
+              </a:ext>
+            </a:extLst>
+          </p:cNvPr>
+          <p:cNvSpPr>
+            <a:spLocks noGrp="1"/>
+          </p:cNvSpPr>
+          <p:nvPr>
+            <p:ph type="body" sz="quarter" idx="15"/>
+          </p:nvPr>
+        </p:nvSpPr>
+        <p:spPr>
+          <a:xfrm>
+            <a:off x="437276" y="5021488"/>
+            <a:ext cx="11124577" cy="738664"/>
+          </a:xfrm>
+        </p:spPr>
+        <p:txBody>
+          <a:bodyPr/>
+          <a:lstStyle/>
+          <a:p>
+            <a:r>
+              <a:rPr lang="pt-BR" dirty="0">
+                <a:solidFill>
+                  <a:schemeClr val="bg1"/>
+                </a:solidFill>
+                <a:latin typeface="+mn-lt"/>
+              </a:rPr>
+              <a:t>https://customervoice.microsoft.com/Pages/ResponsePage.aspx?id=v4j5cvGGr0GRqy180BHbR4xPXO648sJKt4GoXAed-0pURVJWRU4yRTMxRkszU0NXRFFTTEhaT1g1NyQlQCN0PWcu</a:t>
+            </a:r>
+          </a:p>
+        </p:txBody>
+      </p:sp>
+      <p:sp>
+        <p:nvSpPr>
+          <p:cNvPr id="5" name="CaixaDeTexto 4">
+            <a:extLst>
+              <a:ext uri="{FF2B5EF4-FFF2-40B4-BE49-F238E27FC236}">
+                <a16:creationId xmlns:a16="http://schemas.microsoft.com/office/drawing/2014/main" id="{76763EC9-DCC5-2F4A-1740-BD5FBE6B2845}"/>
+              </a:ext>
+            </a:extLst>
+          </p:cNvPr>
+          <p:cNvSpPr txBox="1"/>
+          <p:nvPr/>
+        </p:nvSpPr>
+        <p:spPr>
+          <a:xfrm>
+            <a:off x="437276" y="890240"/>
+            <a:ext cx="10875991" cy="1323439"/>
+          </a:xfrm>
+          <a:prstGeom prst="rect">
+            <a:avLst/>
+          </a:prstGeom>
+          <a:noFill/>
+        </p:spPr>
+        <p:txBody>
+          <a:bodyPr wrap="square">
+            <a:spAutoFit/>
+          </a:bodyPr>
+          <a:lstStyle/>
+          <a:p>
+            <a:r>
+              <a:rPr lang="pt-BR" sz="4000" spc="-50" dirty="0">
+                <a:solidFill>
+                  <a:schemeClr val="bg2"/>
+                </a:solidFill>
+                <a:latin typeface="+mj-lt"/>
+              </a:rPr>
+              <a:t>Formulário para ter acesso ao recurso </a:t>
+            </a:r>
+            <a:r>
+              <a:rPr lang="pt-BR" sz="4000" spc="-50" dirty="0" err="1">
+                <a:solidFill>
+                  <a:schemeClr val="bg2"/>
+                </a:solidFill>
+                <a:latin typeface="+mj-lt"/>
+              </a:rPr>
+              <a:t>AzureOpenAI</a:t>
+            </a:r>
+            <a:endParaRPr lang="pt-BR" sz="4000" spc="-50" dirty="0">
+              <a:solidFill>
+                <a:schemeClr val="bg2"/>
+              </a:solidFill>
+              <a:latin typeface="+mj-lt"/>
+            </a:endParaRPr>
+          </a:p>
+        </p:txBody>
+      </p:sp>
+      <p:pic>
+        <p:nvPicPr>
+          <p:cNvPr id="9" name="Imagem 8">
+            <a:extLst>
+              <a:ext uri="{FF2B5EF4-FFF2-40B4-BE49-F238E27FC236}">
+                <a16:creationId xmlns:a16="http://schemas.microsoft.com/office/drawing/2014/main" id="{C7957C49-E2FA-62D3-186A-A00F479EF58A}"/>
+              </a:ext>
+            </a:extLst>
+          </p:cNvPr>
+          <p:cNvPicPr>
+            <a:picLocks noChangeAspect="1"/>
+          </p:cNvPicPr>
+          <p:nvPr/>
+        </p:nvPicPr>
+        <p:blipFill>
+          <a:blip r:embed="rId2"/>
+          <a:stretch>
+            <a:fillRect/>
+          </a:stretch>
+        </p:blipFill>
+        <p:spPr>
+          <a:xfrm>
+            <a:off x="4941651" y="2226843"/>
+            <a:ext cx="2065325" cy="2055347"/>
+          </a:xfrm>
+          <a:prstGeom prst="rect">
+            <a:avLst/>
+          </a:prstGeom>
+        </p:spPr>
+      </p:pic>
+    </p:spTree>
+    <p:extLst>
+      <p:ext uri="{BB962C8B-B14F-4D97-AF65-F5344CB8AC3E}">
+        <p14:creationId xmlns:p14="http://schemas.microsoft.com/office/powerpoint/2010/main" val="3321899180"/>
+      </p:ext>
+    </p:extLst>
+  </p:cSld>
+  <p:clrMapOvr>
+    <a:masterClrMapping/>
+  </p:clrMapOvr>
+  <mc:AlternateContent xmlns:mc="http://schemas.openxmlformats.org/markup-compatibility/2006" xmlns:p14="http://schemas.microsoft.com/office/powerpoint/2010/main">
+    <mc:Choice Requires="p14">
+      <p:transition spd="med" p14:dur="700">
+        <p:fade/>
+      </p:transition>
+    </mc:Choice>
+    <mc:Fallback xmlns="">
+      <p:transition spd="med">
+        <p:fade/>
+      </p:transition>
+    </mc:Fallback>
+  </mc:AlternateContent>
+</p:sld>
+</file>
+
+<file path=ppt/slides/slide13.xml><?xml version="1.0" encoding="utf-8"?>
+<p:sld xmlns:a="http://schemas.openxmlformats.org/drawingml/2006/main" xmlns:r="http://schemas.openxmlformats.org/officeDocument/2006/relationships" xmlns:p="http://schemas.openxmlformats.org/presentationml/2006/main">
+  <p:cSld>
+    <p:spTree>
+      <p:nvGrpSpPr>
+        <p:cNvPr id="1" name=""/>
+        <p:cNvGrpSpPr/>
+        <p:nvPr/>
+      </p:nvGrpSpPr>
+      <p:grpSpPr>
+        <a:xfrm>
+          <a:off x="0" y="0"/>
+          <a:ext cx="0" cy="0"/>
+          <a:chOff x="0" y="0"/>
+          <a:chExt cx="0" cy="0"/>
+        </a:xfrm>
+      </p:grpSpPr>
+      <p:sp>
+        <p:nvSpPr>
+          <p:cNvPr id="5" name="CaixaDeTexto 4">
+            <a:extLst>
+              <a:ext uri="{FF2B5EF4-FFF2-40B4-BE49-F238E27FC236}">
+                <a16:creationId xmlns:a16="http://schemas.microsoft.com/office/drawing/2014/main" id="{76763EC9-DCC5-2F4A-1740-BD5FBE6B2845}"/>
+              </a:ext>
+            </a:extLst>
+          </p:cNvPr>
+          <p:cNvSpPr txBox="1"/>
+          <p:nvPr/>
+        </p:nvSpPr>
+        <p:spPr>
+          <a:xfrm>
+            <a:off x="437276" y="890240"/>
+            <a:ext cx="10875991" cy="707886"/>
+          </a:xfrm>
+          <a:prstGeom prst="rect">
+            <a:avLst/>
+          </a:prstGeom>
+          <a:noFill/>
+        </p:spPr>
+        <p:txBody>
+          <a:bodyPr wrap="square">
+            <a:spAutoFit/>
+          </a:bodyPr>
+          <a:lstStyle/>
+          <a:p>
+            <a:r>
+              <a:rPr lang="pt-BR" sz="4000" spc="-50" dirty="0">
+                <a:solidFill>
+                  <a:schemeClr val="bg2"/>
+                </a:solidFill>
+                <a:latin typeface="+mj-lt"/>
+              </a:rPr>
+              <a:t>Branch Policies</a:t>
+            </a:r>
+          </a:p>
+        </p:txBody>
+      </p:sp>
+      <p:pic>
+        <p:nvPicPr>
+          <p:cNvPr id="4" name="Imagem 3">
+            <a:extLst>
+              <a:ext uri="{FF2B5EF4-FFF2-40B4-BE49-F238E27FC236}">
+                <a16:creationId xmlns:a16="http://schemas.microsoft.com/office/drawing/2014/main" id="{342D94F6-8541-0262-1ABE-5EBBF4B38AE0}"/>
+              </a:ext>
+            </a:extLst>
+          </p:cNvPr>
+          <p:cNvPicPr>
+            <a:picLocks noChangeAspect="1"/>
+          </p:cNvPicPr>
+          <p:nvPr/>
+        </p:nvPicPr>
+        <p:blipFill>
+          <a:blip r:embed="rId2"/>
+          <a:stretch>
+            <a:fillRect/>
+          </a:stretch>
+        </p:blipFill>
+        <p:spPr>
+          <a:xfrm>
+            <a:off x="563736" y="1884498"/>
+            <a:ext cx="8344623" cy="1844200"/>
+          </a:xfrm>
+          <a:prstGeom prst="rect">
+            <a:avLst/>
+          </a:prstGeom>
+        </p:spPr>
+      </p:pic>
+    </p:spTree>
+    <p:extLst>
+      <p:ext uri="{BB962C8B-B14F-4D97-AF65-F5344CB8AC3E}">
+        <p14:creationId xmlns:p14="http://schemas.microsoft.com/office/powerpoint/2010/main" val="243249444"/>
+      </p:ext>
+    </p:extLst>
+  </p:cSld>
+  <p:clrMapOvr>
+    <a:masterClrMapping/>
+  </p:clrMapOvr>
+  <mc:AlternateContent xmlns:mc="http://schemas.openxmlformats.org/markup-compatibility/2006">
+    <mc:Choice xmlns:p14="http://schemas.microsoft.com/office/powerpoint/2010/main" Requires="p14">
+      <p:transition spd="med" p14:dur="700">
+        <p:fade/>
+      </p:transition>
+    </mc:Choice>
+    <mc:Fallback>
+      <p:transition spd="med">
+        <p:fade/>
+      </p:transition>
+    </mc:Fallback>
+  </mc:AlternateContent>
+</p:sld>
+</file>
+
+<file path=ppt/slides/slide14.xml><?xml version="1.0" encoding="utf-8"?>
+<p:sld xmlns:a="http://schemas.openxmlformats.org/drawingml/2006/main" xmlns:r="http://schemas.openxmlformats.org/officeDocument/2006/relationships" xmlns:p="http://schemas.openxmlformats.org/presentationml/2006/main">
+  <p:cSld>
+    <p:spTree>
+      <p:nvGrpSpPr>
+        <p:cNvPr id="1" name=""/>
+        <p:cNvGrpSpPr/>
+        <p:nvPr/>
+      </p:nvGrpSpPr>
+      <p:grpSpPr>
+        <a:xfrm>
+          <a:off x="0" y="0"/>
+          <a:ext cx="0" cy="0"/>
+          <a:chOff x="0" y="0"/>
+          <a:chExt cx="0" cy="0"/>
+        </a:xfrm>
+      </p:grpSpPr>
+      <p:sp>
+        <p:nvSpPr>
           <p:cNvPr id="6" name="Espaço Reservado para Texto 2">
             <a:extLst>
               <a:ext uri="{FF2B5EF4-FFF2-40B4-BE49-F238E27FC236}">
@@ -24431,7 +24720,545 @@
 </p:sld>
 </file>
 
-<file path=ppt/slides/slide13.xml><?xml version="1.0" encoding="utf-8"?>
+<file path=ppt/slides/slide15.xml><?xml version="1.0" encoding="utf-8"?>
+<p:sld xmlns:a="http://schemas.openxmlformats.org/drawingml/2006/main" xmlns:r="http://schemas.openxmlformats.org/officeDocument/2006/relationships" xmlns:p="http://schemas.openxmlformats.org/presentationml/2006/main">
+  <p:cSld>
+    <p:spTree>
+      <p:nvGrpSpPr>
+        <p:cNvPr id="1" name=""/>
+        <p:cNvGrpSpPr/>
+        <p:nvPr/>
+      </p:nvGrpSpPr>
+      <p:grpSpPr>
+        <a:xfrm>
+          <a:off x="0" y="0"/>
+          <a:ext cx="0" cy="0"/>
+          <a:chOff x="0" y="0"/>
+          <a:chExt cx="0" cy="0"/>
+        </a:xfrm>
+      </p:grpSpPr>
+      <p:sp>
+        <p:nvSpPr>
+          <p:cNvPr id="2" name="Título 1">
+            <a:extLst>
+              <a:ext uri="{FF2B5EF4-FFF2-40B4-BE49-F238E27FC236}">
+                <a16:creationId xmlns:a16="http://schemas.microsoft.com/office/drawing/2014/main" id="{5D48D0EA-0763-3E2F-7D7C-22B3D75271B6}"/>
+              </a:ext>
+            </a:extLst>
+          </p:cNvPr>
+          <p:cNvSpPr>
+            <a:spLocks noGrp="1"/>
+          </p:cNvSpPr>
+          <p:nvPr>
+            <p:ph type="title"/>
+          </p:nvPr>
+        </p:nvSpPr>
+        <p:spPr>
+          <a:xfrm>
+            <a:off x="409568" y="0"/>
+            <a:ext cx="9823498" cy="1828800"/>
+          </a:xfrm>
+        </p:spPr>
+        <p:txBody>
+          <a:bodyPr/>
+          <a:lstStyle/>
+          <a:p>
+            <a:r>
+              <a:rPr lang="pt-BR" dirty="0"/>
+              <a:t>Resultados</a:t>
+            </a:r>
+          </a:p>
+        </p:txBody>
+      </p:sp>
+      <p:pic>
+        <p:nvPicPr>
+          <p:cNvPr id="5" name="Imagem 4">
+            <a:extLst>
+              <a:ext uri="{FF2B5EF4-FFF2-40B4-BE49-F238E27FC236}">
+                <a16:creationId xmlns:a16="http://schemas.microsoft.com/office/drawing/2014/main" id="{A08DE2CA-8272-8741-8B5C-868FF338D783}"/>
+              </a:ext>
+            </a:extLst>
+          </p:cNvPr>
+          <p:cNvPicPr>
+            <a:picLocks noChangeAspect="1"/>
+          </p:cNvPicPr>
+          <p:nvPr/>
+        </p:nvPicPr>
+        <p:blipFill>
+          <a:blip r:embed="rId2"/>
+          <a:stretch>
+            <a:fillRect/>
+          </a:stretch>
+        </p:blipFill>
+        <p:spPr>
+          <a:xfrm>
+            <a:off x="2632716" y="3342051"/>
+            <a:ext cx="7171041" cy="3589331"/>
+          </a:xfrm>
+          <a:prstGeom prst="rect">
+            <a:avLst/>
+          </a:prstGeom>
+        </p:spPr>
+      </p:pic>
+      <p:pic>
+        <p:nvPicPr>
+          <p:cNvPr id="7" name="Imagem 6">
+            <a:extLst>
+              <a:ext uri="{FF2B5EF4-FFF2-40B4-BE49-F238E27FC236}">
+                <a16:creationId xmlns:a16="http://schemas.microsoft.com/office/drawing/2014/main" id="{2F7EDD19-4719-20E7-70DA-22AF8A6DD8E5}"/>
+              </a:ext>
+            </a:extLst>
+          </p:cNvPr>
+          <p:cNvPicPr>
+            <a:picLocks noChangeAspect="1"/>
+          </p:cNvPicPr>
+          <p:nvPr/>
+        </p:nvPicPr>
+        <p:blipFill rotWithShape="1">
+          <a:blip r:embed="rId3"/>
+          <a:srcRect t="44860"/>
+          <a:stretch/>
+        </p:blipFill>
+        <p:spPr>
+          <a:xfrm>
+            <a:off x="2632716" y="1741251"/>
+            <a:ext cx="5867908" cy="1479117"/>
+          </a:xfrm>
+          <a:prstGeom prst="rect">
+            <a:avLst/>
+          </a:prstGeom>
+        </p:spPr>
+      </p:pic>
+    </p:spTree>
+    <p:extLst>
+      <p:ext uri="{BB962C8B-B14F-4D97-AF65-F5344CB8AC3E}">
+        <p14:creationId xmlns:p14="http://schemas.microsoft.com/office/powerpoint/2010/main" val="2196107633"/>
+      </p:ext>
+    </p:extLst>
+  </p:cSld>
+  <p:clrMapOvr>
+    <a:masterClrMapping/>
+  </p:clrMapOvr>
+  <mc:AlternateContent xmlns:mc="http://schemas.openxmlformats.org/markup-compatibility/2006" xmlns:p14="http://schemas.microsoft.com/office/powerpoint/2010/main">
+    <mc:Choice Requires="p14">
+      <p:transition spd="med" p14:dur="700">
+        <p:fade/>
+      </p:transition>
+    </mc:Choice>
+    <mc:Fallback xmlns="">
+      <p:transition spd="med">
+        <p:fade/>
+      </p:transition>
+    </mc:Fallback>
+  </mc:AlternateContent>
+</p:sld>
+</file>
+
+<file path=ppt/slides/slide16.xml><?xml version="1.0" encoding="utf-8"?>
+<p:sld xmlns:a="http://schemas.openxmlformats.org/drawingml/2006/main" xmlns:r="http://schemas.openxmlformats.org/officeDocument/2006/relationships" xmlns:p="http://schemas.openxmlformats.org/presentationml/2006/main">
+  <p:cSld>
+    <p:spTree>
+      <p:nvGrpSpPr>
+        <p:cNvPr id="1" name=""/>
+        <p:cNvGrpSpPr/>
+        <p:nvPr/>
+      </p:nvGrpSpPr>
+      <p:grpSpPr>
+        <a:xfrm>
+          <a:off x="0" y="0"/>
+          <a:ext cx="0" cy="0"/>
+          <a:chOff x="0" y="0"/>
+          <a:chExt cx="0" cy="0"/>
+        </a:xfrm>
+      </p:grpSpPr>
+      <p:sp>
+        <p:nvSpPr>
+          <p:cNvPr id="2" name="Título 1">
+            <a:extLst>
+              <a:ext uri="{FF2B5EF4-FFF2-40B4-BE49-F238E27FC236}">
+                <a16:creationId xmlns:a16="http://schemas.microsoft.com/office/drawing/2014/main" id="{5D48D0EA-0763-3E2F-7D7C-22B3D75271B6}"/>
+              </a:ext>
+            </a:extLst>
+          </p:cNvPr>
+          <p:cNvSpPr>
+            <a:spLocks noGrp="1"/>
+          </p:cNvSpPr>
+          <p:nvPr>
+            <p:ph type="title"/>
+          </p:nvPr>
+        </p:nvSpPr>
+        <p:spPr>
+          <a:xfrm>
+            <a:off x="409568" y="0"/>
+            <a:ext cx="9823498" cy="1828800"/>
+          </a:xfrm>
+        </p:spPr>
+        <p:txBody>
+          <a:bodyPr/>
+          <a:lstStyle/>
+          <a:p>
+            <a:r>
+              <a:rPr lang="pt-BR" dirty="0"/>
+              <a:t>Resultados</a:t>
+            </a:r>
+          </a:p>
+        </p:txBody>
+      </p:sp>
+      <p:pic>
+        <p:nvPicPr>
+          <p:cNvPr id="8" name="Imagem 7">
+            <a:extLst>
+              <a:ext uri="{FF2B5EF4-FFF2-40B4-BE49-F238E27FC236}">
+                <a16:creationId xmlns:a16="http://schemas.microsoft.com/office/drawing/2014/main" id="{AECA69BF-DF82-5E20-FF2E-5E25F2182B98}"/>
+              </a:ext>
+            </a:extLst>
+          </p:cNvPr>
+          <p:cNvPicPr>
+            <a:picLocks noChangeAspect="1"/>
+          </p:cNvPicPr>
+          <p:nvPr/>
+        </p:nvPicPr>
+        <p:blipFill>
+          <a:blip r:embed="rId2"/>
+          <a:stretch>
+            <a:fillRect/>
+          </a:stretch>
+        </p:blipFill>
+        <p:spPr>
+          <a:xfrm>
+            <a:off x="4147875" y="739045"/>
+            <a:ext cx="5883150" cy="2179509"/>
+          </a:xfrm>
+          <a:prstGeom prst="rect">
+            <a:avLst/>
+          </a:prstGeom>
+        </p:spPr>
+      </p:pic>
+      <p:pic>
+        <p:nvPicPr>
+          <p:cNvPr id="10" name="Imagem 9">
+            <a:extLst>
+              <a:ext uri="{FF2B5EF4-FFF2-40B4-BE49-F238E27FC236}">
+                <a16:creationId xmlns:a16="http://schemas.microsoft.com/office/drawing/2014/main" id="{3145366F-D1F2-C968-54CD-1CC7A6FCF964}"/>
+              </a:ext>
+            </a:extLst>
+          </p:cNvPr>
+          <p:cNvPicPr>
+            <a:picLocks noChangeAspect="1"/>
+          </p:cNvPicPr>
+          <p:nvPr/>
+        </p:nvPicPr>
+        <p:blipFill>
+          <a:blip r:embed="rId3"/>
+          <a:stretch>
+            <a:fillRect/>
+          </a:stretch>
+        </p:blipFill>
+        <p:spPr>
+          <a:xfrm>
+            <a:off x="4147875" y="3076392"/>
+            <a:ext cx="6957663" cy="3429297"/>
+          </a:xfrm>
+          <a:prstGeom prst="rect">
+            <a:avLst/>
+          </a:prstGeom>
+        </p:spPr>
+      </p:pic>
+    </p:spTree>
+    <p:extLst>
+      <p:ext uri="{BB962C8B-B14F-4D97-AF65-F5344CB8AC3E}">
+        <p14:creationId xmlns:p14="http://schemas.microsoft.com/office/powerpoint/2010/main" val="503978530"/>
+      </p:ext>
+    </p:extLst>
+  </p:cSld>
+  <p:clrMapOvr>
+    <a:masterClrMapping/>
+  </p:clrMapOvr>
+  <mc:AlternateContent xmlns:mc="http://schemas.openxmlformats.org/markup-compatibility/2006">
+    <mc:Choice xmlns:p14="http://schemas.microsoft.com/office/powerpoint/2010/main" Requires="p14">
+      <p:transition spd="med" p14:dur="700">
+        <p:fade/>
+      </p:transition>
+    </mc:Choice>
+    <mc:Fallback>
+      <p:transition spd="med">
+        <p:fade/>
+      </p:transition>
+    </mc:Fallback>
+  </mc:AlternateContent>
+</p:sld>
+</file>
+
+<file path=ppt/slides/slide17.xml><?xml version="1.0" encoding="utf-8"?>
+<p:sld xmlns:a="http://schemas.openxmlformats.org/drawingml/2006/main" xmlns:r="http://schemas.openxmlformats.org/officeDocument/2006/relationships" xmlns:p="http://schemas.openxmlformats.org/presentationml/2006/main">
+  <p:cSld>
+    <p:spTree>
+      <p:nvGrpSpPr>
+        <p:cNvPr id="1" name=""/>
+        <p:cNvGrpSpPr/>
+        <p:nvPr/>
+      </p:nvGrpSpPr>
+      <p:grpSpPr>
+        <a:xfrm>
+          <a:off x="0" y="0"/>
+          <a:ext cx="0" cy="0"/>
+          <a:chOff x="0" y="0"/>
+          <a:chExt cx="0" cy="0"/>
+        </a:xfrm>
+      </p:grpSpPr>
+      <p:sp>
+        <p:nvSpPr>
+          <p:cNvPr id="2" name="Título 1">
+            <a:extLst>
+              <a:ext uri="{FF2B5EF4-FFF2-40B4-BE49-F238E27FC236}">
+                <a16:creationId xmlns:a16="http://schemas.microsoft.com/office/drawing/2014/main" id="{5D48D0EA-0763-3E2F-7D7C-22B3D75271B6}"/>
+              </a:ext>
+            </a:extLst>
+          </p:cNvPr>
+          <p:cNvSpPr>
+            <a:spLocks noGrp="1"/>
+          </p:cNvSpPr>
+          <p:nvPr>
+            <p:ph type="title"/>
+          </p:nvPr>
+        </p:nvSpPr>
+        <p:spPr>
+          <a:xfrm>
+            <a:off x="409568" y="0"/>
+            <a:ext cx="9823498" cy="1828800"/>
+          </a:xfrm>
+        </p:spPr>
+        <p:txBody>
+          <a:bodyPr/>
+          <a:lstStyle/>
+          <a:p>
+            <a:r>
+              <a:rPr lang="pt-BR" dirty="0"/>
+              <a:t>Resultados</a:t>
+            </a:r>
+          </a:p>
+        </p:txBody>
+      </p:sp>
+      <p:pic>
+        <p:nvPicPr>
+          <p:cNvPr id="5" name="Imagem 4">
+            <a:extLst>
+              <a:ext uri="{FF2B5EF4-FFF2-40B4-BE49-F238E27FC236}">
+                <a16:creationId xmlns:a16="http://schemas.microsoft.com/office/drawing/2014/main" id="{20C5C286-C99C-3F5E-A57D-F3110AB890BF}"/>
+              </a:ext>
+            </a:extLst>
+          </p:cNvPr>
+          <p:cNvPicPr>
+            <a:picLocks noChangeAspect="1"/>
+          </p:cNvPicPr>
+          <p:nvPr/>
+        </p:nvPicPr>
+        <p:blipFill>
+          <a:blip r:embed="rId2"/>
+          <a:stretch>
+            <a:fillRect/>
+          </a:stretch>
+        </p:blipFill>
+        <p:spPr>
+          <a:xfrm>
+            <a:off x="1870940" y="4240748"/>
+            <a:ext cx="7468247" cy="2598645"/>
+          </a:xfrm>
+          <a:prstGeom prst="rect">
+            <a:avLst/>
+          </a:prstGeom>
+        </p:spPr>
+      </p:pic>
+      <p:pic>
+        <p:nvPicPr>
+          <p:cNvPr id="7" name="Imagem 6">
+            <a:extLst>
+              <a:ext uri="{FF2B5EF4-FFF2-40B4-BE49-F238E27FC236}">
+                <a16:creationId xmlns:a16="http://schemas.microsoft.com/office/drawing/2014/main" id="{F3289502-83F3-8FD7-8B44-E0234A685975}"/>
+              </a:ext>
+            </a:extLst>
+          </p:cNvPr>
+          <p:cNvPicPr>
+            <a:picLocks noChangeAspect="1"/>
+          </p:cNvPicPr>
+          <p:nvPr/>
+        </p:nvPicPr>
+        <p:blipFill rotWithShape="1">
+          <a:blip r:embed="rId3"/>
+          <a:srcRect t="20074" b="30370"/>
+          <a:stretch/>
+        </p:blipFill>
+        <p:spPr>
+          <a:xfrm>
+            <a:off x="1870940" y="2096310"/>
+            <a:ext cx="8847587" cy="1876928"/>
+          </a:xfrm>
+          <a:prstGeom prst="rect">
+            <a:avLst/>
+          </a:prstGeom>
+        </p:spPr>
+      </p:pic>
+    </p:spTree>
+    <p:extLst>
+      <p:ext uri="{BB962C8B-B14F-4D97-AF65-F5344CB8AC3E}">
+        <p14:creationId xmlns:p14="http://schemas.microsoft.com/office/powerpoint/2010/main" val="3272390269"/>
+      </p:ext>
+    </p:extLst>
+  </p:cSld>
+  <p:clrMapOvr>
+    <a:masterClrMapping/>
+  </p:clrMapOvr>
+  <mc:AlternateContent xmlns:mc="http://schemas.openxmlformats.org/markup-compatibility/2006">
+    <mc:Choice xmlns:p14="http://schemas.microsoft.com/office/powerpoint/2010/main" Requires="p14">
+      <p:transition spd="med" p14:dur="700">
+        <p:fade/>
+      </p:transition>
+    </mc:Choice>
+    <mc:Fallback>
+      <p:transition spd="med">
+        <p:fade/>
+      </p:transition>
+    </mc:Fallback>
+  </mc:AlternateContent>
+</p:sld>
+</file>
+
+<file path=ppt/slides/slide18.xml><?xml version="1.0" encoding="utf-8"?>
+<p:sld xmlns:a="http://schemas.openxmlformats.org/drawingml/2006/main" xmlns:r="http://schemas.openxmlformats.org/officeDocument/2006/relationships" xmlns:p="http://schemas.openxmlformats.org/presentationml/2006/main">
+  <p:cSld>
+    <p:spTree>
+      <p:nvGrpSpPr>
+        <p:cNvPr id="1" name=""/>
+        <p:cNvGrpSpPr/>
+        <p:nvPr/>
+      </p:nvGrpSpPr>
+      <p:grpSpPr>
+        <a:xfrm>
+          <a:off x="0" y="0"/>
+          <a:ext cx="0" cy="0"/>
+          <a:chOff x="0" y="0"/>
+          <a:chExt cx="0" cy="0"/>
+        </a:xfrm>
+      </p:grpSpPr>
+      <p:sp>
+        <p:nvSpPr>
+          <p:cNvPr id="2" name="Título 1">
+            <a:extLst>
+              <a:ext uri="{FF2B5EF4-FFF2-40B4-BE49-F238E27FC236}">
+                <a16:creationId xmlns:a16="http://schemas.microsoft.com/office/drawing/2014/main" id="{5D48D0EA-0763-3E2F-7D7C-22B3D75271B6}"/>
+              </a:ext>
+            </a:extLst>
+          </p:cNvPr>
+          <p:cNvSpPr>
+            <a:spLocks noGrp="1"/>
+          </p:cNvSpPr>
+          <p:nvPr>
+            <p:ph type="title"/>
+          </p:nvPr>
+        </p:nvSpPr>
+        <p:spPr>
+          <a:xfrm>
+            <a:off x="409568" y="0"/>
+            <a:ext cx="9823498" cy="1828800"/>
+          </a:xfrm>
+        </p:spPr>
+        <p:txBody>
+          <a:bodyPr/>
+          <a:lstStyle/>
+          <a:p>
+            <a:r>
+              <a:rPr lang="pt-BR" dirty="0"/>
+              <a:t>Resultados</a:t>
+            </a:r>
+          </a:p>
+        </p:txBody>
+      </p:sp>
+      <p:pic>
+        <p:nvPicPr>
+          <p:cNvPr id="4" name="Imagem 3">
+            <a:extLst>
+              <a:ext uri="{FF2B5EF4-FFF2-40B4-BE49-F238E27FC236}">
+                <a16:creationId xmlns:a16="http://schemas.microsoft.com/office/drawing/2014/main" id="{7BB1C9B6-ADF1-938C-2492-C4A8817F611E}"/>
+              </a:ext>
+            </a:extLst>
+          </p:cNvPr>
+          <p:cNvPicPr>
+            <a:picLocks noChangeAspect="1"/>
+          </p:cNvPicPr>
+          <p:nvPr/>
+        </p:nvPicPr>
+        <p:blipFill>
+          <a:blip r:embed="rId2"/>
+          <a:stretch>
+            <a:fillRect/>
+          </a:stretch>
+        </p:blipFill>
+        <p:spPr>
+          <a:xfrm>
+            <a:off x="1870940" y="4047809"/>
+            <a:ext cx="7292972" cy="2751058"/>
+          </a:xfrm>
+          <a:prstGeom prst="rect">
+            <a:avLst/>
+          </a:prstGeom>
+        </p:spPr>
+      </p:pic>
+      <p:pic>
+        <p:nvPicPr>
+          <p:cNvPr id="8" name="Imagem 7">
+            <a:extLst>
+              <a:ext uri="{FF2B5EF4-FFF2-40B4-BE49-F238E27FC236}">
+                <a16:creationId xmlns:a16="http://schemas.microsoft.com/office/drawing/2014/main" id="{865125D8-49DC-3C75-D019-FA1E998CF6E2}"/>
+              </a:ext>
+            </a:extLst>
+          </p:cNvPr>
+          <p:cNvPicPr>
+            <a:picLocks noChangeAspect="1"/>
+          </p:cNvPicPr>
+          <p:nvPr/>
+        </p:nvPicPr>
+        <p:blipFill>
+          <a:blip r:embed="rId3"/>
+          <a:stretch>
+            <a:fillRect/>
+          </a:stretch>
+        </p:blipFill>
+        <p:spPr>
+          <a:xfrm>
+            <a:off x="1870940" y="1644044"/>
+            <a:ext cx="7392041" cy="2286198"/>
+          </a:xfrm>
+          <a:prstGeom prst="rect">
+            <a:avLst/>
+          </a:prstGeom>
+        </p:spPr>
+      </p:pic>
+    </p:spTree>
+    <p:extLst>
+      <p:ext uri="{BB962C8B-B14F-4D97-AF65-F5344CB8AC3E}">
+        <p14:creationId xmlns:p14="http://schemas.microsoft.com/office/powerpoint/2010/main" val="220784927"/>
+      </p:ext>
+    </p:extLst>
+  </p:cSld>
+  <p:clrMapOvr>
+    <a:masterClrMapping/>
+  </p:clrMapOvr>
+  <mc:AlternateContent xmlns:mc="http://schemas.openxmlformats.org/markup-compatibility/2006">
+    <mc:Choice xmlns:p14="http://schemas.microsoft.com/office/powerpoint/2010/main" Requires="p14">
+      <p:transition spd="med" p14:dur="700">
+        <p:fade/>
+      </p:transition>
+    </mc:Choice>
+    <mc:Fallback>
+      <p:transition spd="med">
+        <p:fade/>
+      </p:transition>
+    </mc:Fallback>
+  </mc:AlternateContent>
+</p:sld>
+</file>
+
+<file path=ppt/slides/slide19.xml><?xml version="1.0" encoding="utf-8"?>
 <p:sld xmlns:a="http://schemas.openxmlformats.org/drawingml/2006/main" xmlns:r="http://schemas.openxmlformats.org/officeDocument/2006/relationships" xmlns:p="http://schemas.openxmlformats.org/presentationml/2006/main">
   <p:cSld>
     <p:spTree>
@@ -25328,6 +26155,78 @@
           </a:p>
         </p:txBody>
       </p:sp>
+      <p:sp>
+        <p:nvSpPr>
+          <p:cNvPr id="3" name="CaixaDeTexto 2">
+            <a:extLst>
+              <a:ext uri="{FF2B5EF4-FFF2-40B4-BE49-F238E27FC236}">
+                <a16:creationId xmlns:a16="http://schemas.microsoft.com/office/drawing/2014/main" id="{F3B9607D-5A5D-5AB4-2FEF-DD1CECDD59EB}"/>
+              </a:ext>
+            </a:extLst>
+          </p:cNvPr>
+          <p:cNvSpPr txBox="1"/>
+          <p:nvPr/>
+        </p:nvSpPr>
+        <p:spPr>
+          <a:xfrm>
+            <a:off x="451338" y="2010358"/>
+            <a:ext cx="11202398" cy="4062651"/>
+          </a:xfrm>
+          <a:prstGeom prst="rect">
+            <a:avLst/>
+          </a:prstGeom>
+          <a:noFill/>
+        </p:spPr>
+        <p:txBody>
+          <a:bodyPr wrap="square">
+            <a:spAutoFit/>
+          </a:bodyPr>
+          <a:lstStyle/>
+          <a:p>
+            <a:pPr algn="l"/>
+            <a:r>
+              <a:rPr lang="pt-BR" sz="2400" spc="-50" dirty="0">
+                <a:solidFill>
+                  <a:schemeClr val="bg1"/>
+                </a:solidFill>
+                <a:latin typeface="Arial" panose="020B0604020202020204" pitchFamily="34" charset="0"/>
+                <a:cs typeface="Arial" panose="020B0604020202020204" pitchFamily="34" charset="0"/>
+              </a:rPr>
+              <a:t>Paraná banco é considerado pioneiro no crédito consignado, oferece este serviço desde 1995 e hoje é especialista no segmento, oferecendo-o para aposentados e pensionistas do INSS, servidores públicos (federais, estaduais e municipais) e profissionais das Forças Armadas para contratação em nossas lojas físicas ou pela internet.</a:t>
+            </a:r>
+          </a:p>
+          <a:p>
+            <a:pPr algn="l"/>
+            <a:endParaRPr lang="pt-BR" sz="2400" spc="-50" dirty="0">
+              <a:solidFill>
+                <a:schemeClr val="bg1"/>
+              </a:solidFill>
+              <a:latin typeface="Arial" panose="020B0604020202020204" pitchFamily="34" charset="0"/>
+              <a:cs typeface="Arial" panose="020B0604020202020204" pitchFamily="34" charset="0"/>
+            </a:endParaRPr>
+          </a:p>
+          <a:p>
+            <a:pPr algn="l"/>
+            <a:r>
+              <a:rPr lang="pt-BR" sz="2400" spc="-50" dirty="0">
+                <a:solidFill>
+                  <a:schemeClr val="bg1"/>
+                </a:solidFill>
+                <a:latin typeface="Arial" panose="020B0604020202020204" pitchFamily="34" charset="0"/>
+                <a:cs typeface="Arial" panose="020B0604020202020204" pitchFamily="34" charset="0"/>
+              </a:rPr>
+              <a:t>Atualmente, possuí 20 lojas próprias e mais de 135 correspondentes exclusivos. Estamos presentes em todo o país, oferecendo empréstimos com segurança e transparência para quem deseja quitar dívidas maiores, investir em algo ou mesmo realizar um sonho.</a:t>
+            </a:r>
+          </a:p>
+          <a:p>
+            <a:endParaRPr lang="pt-BR" dirty="0">
+              <a:solidFill>
+                <a:schemeClr val="bg1"/>
+              </a:solidFill>
+            </a:endParaRPr>
+          </a:p>
+        </p:txBody>
+      </p:sp>
     </p:spTree>
     <p:extLst>
       <p:ext uri="{BB962C8B-B14F-4D97-AF65-F5344CB8AC3E}">
@@ -25862,13 +26761,13 @@
   <p:clrMapOvr>
     <a:masterClrMapping/>
   </p:clrMapOvr>
-  <mc:AlternateContent xmlns:mc="http://schemas.openxmlformats.org/markup-compatibility/2006">
-    <mc:Choice xmlns:p14="http://schemas.microsoft.com/office/powerpoint/2010/main" Requires="p14">
+  <mc:AlternateContent xmlns:mc="http://schemas.openxmlformats.org/markup-compatibility/2006" xmlns:p14="http://schemas.microsoft.com/office/powerpoint/2010/main">
+    <mc:Choice Requires="p14">
       <p:transition spd="med" p14:dur="700">
         <p:fade/>
       </p:transition>
     </mc:Choice>
-    <mc:Fallback>
+    <mc:Fallback xmlns="">
       <p:transition spd="med">
         <p:fade/>
       </p:transition>
@@ -26271,7 +27170,7 @@
         </p:nvSpPr>
         <p:spPr>
           <a:xfrm>
-            <a:off x="1903158" y="5083043"/>
+            <a:off x="1727875" y="5170592"/>
             <a:ext cx="10649356" cy="369332"/>
           </a:xfrm>
           <a:prstGeom prst="rect">
@@ -28552,6 +29451,15 @@
 </file>
 
 <file path=customXml/item1.xml><?xml version="1.0" encoding="utf-8"?>
+<?mso-contentType ?>
+<FormTemplates xmlns="http://schemas.microsoft.com/sharepoint/v3/contenttype/forms">
+  <Display>DocumentLibraryForm</Display>
+  <Edit>DocumentLibraryForm</Edit>
+  <New>DocumentLibraryForm</New>
+</FormTemplates>
+</file>
+
+<file path=customXml/item2.xml><?xml version="1.0" encoding="utf-8"?>
 <ct:contentTypeSchema xmlns:ct="http://schemas.microsoft.com/office/2006/metadata/contentType" xmlns:ma="http://schemas.microsoft.com/office/2006/metadata/properties/metaAttributes" ct:_="" ma:_="" ma:contentTypeName="Document" ma:contentTypeID="0x010100C19B4546D391A349BE05AD29F9530504" ma:contentTypeVersion="8" ma:contentTypeDescription="Create a new document." ma:contentTypeScope="" ma:versionID="abefe0faccb33ea1c30b003d8120f948">
   <xsd:schema xmlns:xsd="http://www.w3.org/2001/XMLSchema" xmlns:xs="http://www.w3.org/2001/XMLSchema" xmlns:p="http://schemas.microsoft.com/office/2006/metadata/properties" xmlns:ns2="573658d2-825f-470e-8b88-a4a2deb94391" xmlns:ns3="9537331d-6386-4ea3-bab7-14a523f5dc52" targetNamespace="http://schemas.microsoft.com/office/2006/metadata/properties" ma:root="true" ma:fieldsID="aea6fda388b4fa532bd11596e8506557" ns2:_="" ns3:_="">
     <xsd:import namespace="573658d2-825f-470e-8b88-a4a2deb94391"/>
@@ -28728,15 +29636,6 @@
 </ct:contentTypeSchema>
 </file>
 
-<file path=customXml/item2.xml><?xml version="1.0" encoding="utf-8"?>
-<?mso-contentType ?>
-<FormTemplates xmlns="http://schemas.microsoft.com/sharepoint/v3/contenttype/forms">
-  <Display>DocumentLibraryForm</Display>
-  <Edit>DocumentLibraryForm</Edit>
-  <New>DocumentLibraryForm</New>
-</FormTemplates>
-</file>
-
 <file path=customXml/item3.xml><?xml version="1.0" encoding="utf-8"?>
 <p:properties xmlns:p="http://schemas.microsoft.com/office/2006/metadata/properties" xmlns:xsi="http://www.w3.org/2001/XMLSchema-instance" xmlns:pc="http://schemas.microsoft.com/office/infopath/2007/PartnerControls">
   <documentManagement>
@@ -28749,6 +29648,14 @@
 </file>
 
 <file path=customXml/itemProps1.xml><?xml version="1.0" encoding="utf-8"?>
+<ds:datastoreItem xmlns:ds="http://schemas.openxmlformats.org/officeDocument/2006/customXml" ds:itemID="{758FDAC0-319D-4A54-8D8E-1D42CB1F8004}">
+  <ds:schemaRefs>
+    <ds:schemaRef ds:uri="http://schemas.microsoft.com/sharepoint/v3/contenttype/forms"/>
+  </ds:schemaRefs>
+</ds:datastoreItem>
+</file>
+
+<file path=customXml/itemProps2.xml><?xml version="1.0" encoding="utf-8"?>
 <ds:datastoreItem xmlns:ds="http://schemas.openxmlformats.org/officeDocument/2006/customXml" ds:itemID="{614BD38F-8FF7-405C-9634-7E23E9D27E95}">
   <ds:schemaRefs>
     <ds:schemaRef ds:uri="573658d2-825f-470e-8b88-a4a2deb94391"/>
@@ -28763,14 +29670,6 @@
     <ds:schemaRef ds:uri="http://schemas.microsoft.com/office/infopath/2007/PartnerControls"/>
     <ds:schemaRef ds:uri="http://schemas.openxmlformats.org/package/2006/metadata/core-properties"/>
     <ds:schemaRef ds:uri="http://www.w3.org/2001/XMLSchema"/>
-  </ds:schemaRefs>
-</ds:datastoreItem>
-</file>
-
-<file path=customXml/itemProps2.xml><?xml version="1.0" encoding="utf-8"?>
-<ds:datastoreItem xmlns:ds="http://schemas.openxmlformats.org/officeDocument/2006/customXml" ds:itemID="{758FDAC0-319D-4A54-8D8E-1D42CB1F8004}">
-  <ds:schemaRefs>
-    <ds:schemaRef ds:uri="http://schemas.microsoft.com/sharepoint/v3/contenttype/forms"/>
   </ds:schemaRefs>
 </ds:datastoreItem>
 </file>

--- a/AzureOpenAI.pptx
+++ b/AzureOpenAI.pptx
@@ -6,10 +6,10 @@
     <p:sldMasterId id="2147484608" r:id="rId5"/>
   </p:sldMasterIdLst>
   <p:notesMasterIdLst>
-    <p:notesMasterId r:id="rId25"/>
+    <p:notesMasterId r:id="rId26"/>
   </p:notesMasterIdLst>
   <p:handoutMasterIdLst>
-    <p:handoutMasterId r:id="rId26"/>
+    <p:handoutMasterId r:id="rId27"/>
   </p:handoutMasterIdLst>
   <p:sldIdLst>
     <p:sldId id="1678" r:id="rId6"/>
@@ -25,12 +25,13 @@
     <p:sldId id="1716" r:id="rId16"/>
     <p:sldId id="1720" r:id="rId17"/>
     <p:sldId id="1722" r:id="rId18"/>
-    <p:sldId id="1715" r:id="rId19"/>
-    <p:sldId id="1718" r:id="rId20"/>
-    <p:sldId id="1719" r:id="rId21"/>
-    <p:sldId id="1721" r:id="rId22"/>
-    <p:sldId id="1725" r:id="rId23"/>
-    <p:sldId id="1706" r:id="rId24"/>
+    <p:sldId id="1726" r:id="rId19"/>
+    <p:sldId id="1715" r:id="rId20"/>
+    <p:sldId id="1718" r:id="rId21"/>
+    <p:sldId id="1719" r:id="rId22"/>
+    <p:sldId id="1721" r:id="rId23"/>
+    <p:sldId id="1725" r:id="rId24"/>
+    <p:sldId id="1706" r:id="rId25"/>
   </p:sldIdLst>
   <p:sldSz cx="12436475" cy="6994525"/>
   <p:notesSz cx="6858000" cy="9144000"/>
@@ -147,6 +148,7 @@
             <p14:sldId id="1716"/>
             <p14:sldId id="1720"/>
             <p14:sldId id="1722"/>
+            <p14:sldId id="1726"/>
             <p14:sldId id="1715"/>
             <p14:sldId id="1718"/>
             <p14:sldId id="1719"/>
@@ -3146,7 +3148,7 @@
               <a:rPr lang="en-US" smtClean="0">
                 <a:latin typeface="Segoe UI" pitchFamily="34" charset="0"/>
               </a:rPr>
-              <a:t>10/20/2023 10:51 AM</a:t>
+              <a:t>10/20/2023 2:47 PM</a:t>
             </a:fld>
             <a:endParaRPr lang="en-US">
               <a:latin typeface="Segoe UI" pitchFamily="34" charset="0"/>
@@ -3424,7 +3426,7 @@
           <a:p>
             <a:fld id="{DCE60099-03E7-4FA1-8A7F-E6E6CFB0F855}" type="datetime8">
               <a:rPr lang="en-US" smtClean="0"/>
-              <a:t>10/20/2023 10:20 AM</a:t>
+              <a:t>10/20/2023 2:46 PM</a:t>
             </a:fld>
             <a:endParaRPr lang="en-US"/>
           </a:p>
@@ -4076,7 +4078,7 @@
             <a:fld id="{B4008EB6-D09E-4580-8CD6-DDB14511944F}" type="slidenum">
               <a:rPr lang="en-US" smtClean="0"/>
               <a:pPr/>
-              <a:t>14</a:t>
+              <a:t>15</a:t>
             </a:fld>
             <a:endParaRPr lang="en-US"/>
           </a:p>
@@ -24440,6 +24442,118 @@
   <p:clrMapOvr>
     <a:masterClrMapping/>
   </p:clrMapOvr>
+  <mc:AlternateContent xmlns:mc="http://schemas.openxmlformats.org/markup-compatibility/2006" xmlns:p14="http://schemas.microsoft.com/office/powerpoint/2010/main">
+    <mc:Choice Requires="p14">
+      <p:transition spd="med" p14:dur="700">
+        <p:fade/>
+      </p:transition>
+    </mc:Choice>
+    <mc:Fallback xmlns="">
+      <p:transition spd="med">
+        <p:fade/>
+      </p:transition>
+    </mc:Fallback>
+  </mc:AlternateContent>
+</p:sld>
+</file>
+
+<file path=ppt/slides/slide14.xml><?xml version="1.0" encoding="utf-8"?>
+<p:sld xmlns:a="http://schemas.openxmlformats.org/drawingml/2006/main" xmlns:r="http://schemas.openxmlformats.org/officeDocument/2006/relationships" xmlns:p="http://schemas.openxmlformats.org/presentationml/2006/main">
+  <p:cSld>
+    <p:spTree>
+      <p:nvGrpSpPr>
+        <p:cNvPr id="1" name=""/>
+        <p:cNvGrpSpPr/>
+        <p:nvPr/>
+      </p:nvGrpSpPr>
+      <p:grpSpPr>
+        <a:xfrm>
+          <a:off x="0" y="0"/>
+          <a:ext cx="0" cy="0"/>
+          <a:chOff x="0" y="0"/>
+          <a:chExt cx="0" cy="0"/>
+        </a:xfrm>
+      </p:grpSpPr>
+      <p:sp>
+        <p:nvSpPr>
+          <p:cNvPr id="5" name="CaixaDeTexto 4">
+            <a:extLst>
+              <a:ext uri="{FF2B5EF4-FFF2-40B4-BE49-F238E27FC236}">
+                <a16:creationId xmlns:a16="http://schemas.microsoft.com/office/drawing/2014/main" id="{76763EC9-DCC5-2F4A-1740-BD5FBE6B2845}"/>
+              </a:ext>
+            </a:extLst>
+          </p:cNvPr>
+          <p:cNvSpPr txBox="1"/>
+          <p:nvPr/>
+        </p:nvSpPr>
+        <p:spPr>
+          <a:xfrm>
+            <a:off x="437276" y="890240"/>
+            <a:ext cx="10875991" cy="707886"/>
+          </a:xfrm>
+          <a:prstGeom prst="rect">
+            <a:avLst/>
+          </a:prstGeom>
+          <a:noFill/>
+        </p:spPr>
+        <p:txBody>
+          <a:bodyPr wrap="square">
+            <a:spAutoFit/>
+          </a:bodyPr>
+          <a:lstStyle/>
+          <a:p>
+            <a:r>
+              <a:rPr lang="pt-BR" sz="4000" spc="-50" dirty="0">
+                <a:solidFill>
+                  <a:schemeClr val="bg2"/>
+                </a:solidFill>
+                <a:latin typeface="+mj-lt"/>
+              </a:rPr>
+              <a:t>Configuração do Repositório</a:t>
+            </a:r>
+          </a:p>
+        </p:txBody>
+      </p:sp>
+      <p:pic>
+        <p:nvPicPr>
+          <p:cNvPr id="7" name="Imagem 6">
+            <a:extLst>
+              <a:ext uri="{FF2B5EF4-FFF2-40B4-BE49-F238E27FC236}">
+                <a16:creationId xmlns:a16="http://schemas.microsoft.com/office/drawing/2014/main" id="{3C80378B-CF1B-54E6-9018-316C86E13C8C}"/>
+              </a:ext>
+            </a:extLst>
+          </p:cNvPr>
+          <p:cNvPicPr>
+            <a:picLocks noChangeAspect="1"/>
+          </p:cNvPicPr>
+          <p:nvPr/>
+        </p:nvPicPr>
+        <p:blipFill>
+          <a:blip r:embed="rId2"/>
+          <a:stretch>
+            <a:fillRect/>
+          </a:stretch>
+        </p:blipFill>
+        <p:spPr>
+          <a:xfrm>
+            <a:off x="591444" y="2537816"/>
+            <a:ext cx="9152413" cy="3566469"/>
+          </a:xfrm>
+          <a:prstGeom prst="rect">
+            <a:avLst/>
+          </a:prstGeom>
+        </p:spPr>
+      </p:pic>
+    </p:spTree>
+    <p:extLst>
+      <p:ext uri="{BB962C8B-B14F-4D97-AF65-F5344CB8AC3E}">
+        <p14:creationId xmlns:p14="http://schemas.microsoft.com/office/powerpoint/2010/main" val="1974814557"/>
+      </p:ext>
+    </p:extLst>
+  </p:cSld>
+  <p:clrMapOvr>
+    <a:masterClrMapping/>
+  </p:clrMapOvr>
   <mc:AlternateContent xmlns:mc="http://schemas.openxmlformats.org/markup-compatibility/2006">
     <mc:Choice xmlns:p14="http://schemas.microsoft.com/office/powerpoint/2010/main" Requires="p14">
       <p:transition spd="med" p14:dur="700">
@@ -24455,7 +24569,7 @@
 </p:sld>
 </file>
 
-<file path=ppt/slides/slide14.xml><?xml version="1.0" encoding="utf-8"?>
+<file path=ppt/slides/slide15.xml><?xml version="1.0" encoding="utf-8"?>
 <p:sld xmlns:a="http://schemas.openxmlformats.org/drawingml/2006/main" xmlns:r="http://schemas.openxmlformats.org/officeDocument/2006/relationships" xmlns:p="http://schemas.openxmlformats.org/presentationml/2006/main">
   <p:cSld>
     <p:spTree>
@@ -24720,7 +24834,7 @@
 </p:sld>
 </file>
 
-<file path=ppt/slides/slide15.xml><?xml version="1.0" encoding="utf-8"?>
+<file path=ppt/slides/slide16.xml><?xml version="1.0" encoding="utf-8"?>
 <p:sld xmlns:a="http://schemas.openxmlformats.org/drawingml/2006/main" xmlns:r="http://schemas.openxmlformats.org/officeDocument/2006/relationships" xmlns:p="http://schemas.openxmlformats.org/presentationml/2006/main">
   <p:cSld>
     <p:spTree>
@@ -24854,7 +24968,7 @@
 </p:sld>
 </file>
 
-<file path=ppt/slides/slide16.xml><?xml version="1.0" encoding="utf-8"?>
+<file path=ppt/slides/slide17.xml><?xml version="1.0" encoding="utf-8"?>
 <p:sld xmlns:a="http://schemas.openxmlformats.org/drawingml/2006/main" xmlns:r="http://schemas.openxmlformats.org/officeDocument/2006/relationships" xmlns:p="http://schemas.openxmlformats.org/presentationml/2006/main">
   <p:cSld>
     <p:spTree>
@@ -24974,13 +25088,13 @@
   <p:clrMapOvr>
     <a:masterClrMapping/>
   </p:clrMapOvr>
-  <mc:AlternateContent xmlns:mc="http://schemas.openxmlformats.org/markup-compatibility/2006">
-    <mc:Choice xmlns:p14="http://schemas.microsoft.com/office/powerpoint/2010/main" Requires="p14">
+  <mc:AlternateContent xmlns:mc="http://schemas.openxmlformats.org/markup-compatibility/2006" xmlns:p14="http://schemas.microsoft.com/office/powerpoint/2010/main">
+    <mc:Choice Requires="p14">
       <p:transition spd="med" p14:dur="700">
         <p:fade/>
       </p:transition>
     </mc:Choice>
-    <mc:Fallback>
+    <mc:Fallback xmlns="">
       <p:transition spd="med">
         <p:fade/>
       </p:transition>
@@ -24989,7 +25103,7 @@
 </p:sld>
 </file>
 
-<file path=ppt/slides/slide17.xml><?xml version="1.0" encoding="utf-8"?>
+<file path=ppt/slides/slide18.xml><?xml version="1.0" encoding="utf-8"?>
 <p:sld xmlns:a="http://schemas.openxmlformats.org/drawingml/2006/main" xmlns:r="http://schemas.openxmlformats.org/officeDocument/2006/relationships" xmlns:p="http://schemas.openxmlformats.org/presentationml/2006/main">
   <p:cSld>
     <p:spTree>
@@ -25108,13 +25222,13 @@
   <p:clrMapOvr>
     <a:masterClrMapping/>
   </p:clrMapOvr>
-  <mc:AlternateContent xmlns:mc="http://schemas.openxmlformats.org/markup-compatibility/2006">
-    <mc:Choice xmlns:p14="http://schemas.microsoft.com/office/powerpoint/2010/main" Requires="p14">
+  <mc:AlternateContent xmlns:mc="http://schemas.openxmlformats.org/markup-compatibility/2006" xmlns:p14="http://schemas.microsoft.com/office/powerpoint/2010/main">
+    <mc:Choice Requires="p14">
       <p:transition spd="med" p14:dur="700">
         <p:fade/>
       </p:transition>
     </mc:Choice>
-    <mc:Fallback>
+    <mc:Fallback xmlns="">
       <p:transition spd="med">
         <p:fade/>
       </p:transition>
@@ -25123,7 +25237,7 @@
 </p:sld>
 </file>
 
-<file path=ppt/slides/slide18.xml><?xml version="1.0" encoding="utf-8"?>
+<file path=ppt/slides/slide19.xml><?xml version="1.0" encoding="utf-8"?>
 <p:sld xmlns:a="http://schemas.openxmlformats.org/drawingml/2006/main" xmlns:r="http://schemas.openxmlformats.org/officeDocument/2006/relationships" xmlns:p="http://schemas.openxmlformats.org/presentationml/2006/main">
   <p:cSld>
     <p:spTree>
@@ -25243,13 +25357,13 @@
   <p:clrMapOvr>
     <a:masterClrMapping/>
   </p:clrMapOvr>
-  <mc:AlternateContent xmlns:mc="http://schemas.openxmlformats.org/markup-compatibility/2006">
-    <mc:Choice xmlns:p14="http://schemas.microsoft.com/office/powerpoint/2010/main" Requires="p14">
+  <mc:AlternateContent xmlns:mc="http://schemas.openxmlformats.org/markup-compatibility/2006" xmlns:p14="http://schemas.microsoft.com/office/powerpoint/2010/main">
+    <mc:Choice Requires="p14">
       <p:transition spd="med" p14:dur="700">
         <p:fade/>
       </p:transition>
     </mc:Choice>
-    <mc:Fallback>
+    <mc:Fallback xmlns="">
       <p:transition spd="med">
         <p:fade/>
       </p:transition>
@@ -25258,7 +25372,508 @@
 </p:sld>
 </file>
 
-<file path=ppt/slides/slide19.xml><?xml version="1.0" encoding="utf-8"?>
+<file path=ppt/slides/slide2.xml><?xml version="1.0" encoding="utf-8"?>
+<p:sld xmlns:a="http://schemas.openxmlformats.org/drawingml/2006/main" xmlns:r="http://schemas.openxmlformats.org/officeDocument/2006/relationships" xmlns:p="http://schemas.openxmlformats.org/presentationml/2006/main">
+  <p:cSld>
+    <p:spTree>
+      <p:nvGrpSpPr>
+        <p:cNvPr id="1" name=""/>
+        <p:cNvGrpSpPr/>
+        <p:nvPr/>
+      </p:nvGrpSpPr>
+      <p:grpSpPr>
+        <a:xfrm>
+          <a:off x="0" y="0"/>
+          <a:ext cx="0" cy="0"/>
+          <a:chOff x="0" y="0"/>
+          <a:chExt cx="0" cy="0"/>
+        </a:xfrm>
+      </p:grpSpPr>
+      <p:sp>
+        <p:nvSpPr>
+          <p:cNvPr id="38" name="Espaço Reservado para Conteúdo 2">
+            <a:extLst>
+              <a:ext uri="{FF2B5EF4-FFF2-40B4-BE49-F238E27FC236}">
+                <a16:creationId xmlns:a16="http://schemas.microsoft.com/office/drawing/2014/main" id="{5FAF7519-8713-40CD-BB85-8A9456666ADD}"/>
+              </a:ext>
+            </a:extLst>
+          </p:cNvPr>
+          <p:cNvSpPr txBox="1">
+            <a:spLocks/>
+          </p:cNvSpPr>
+          <p:nvPr/>
+        </p:nvSpPr>
+        <p:spPr>
+          <a:xfrm>
+            <a:off x="4740104" y="1410096"/>
+            <a:ext cx="7438926" cy="3819537"/>
+          </a:xfrm>
+          <a:prstGeom prst="rect">
+            <a:avLst/>
+          </a:prstGeom>
+        </p:spPr>
+        <p:txBody>
+          <a:bodyPr vert="horz" lIns="91440" tIns="45720" rIns="91440" bIns="45720" rtlCol="0" anchor="t">
+            <a:normAutofit lnSpcReduction="10000"/>
+          </a:bodyPr>
+          <a:lstStyle>
+            <a:defPPr>
+              <a:defRPr lang="en-US"/>
+            </a:defPPr>
+            <a:lvl1pPr marL="342900" indent="-342900" defTabSz="914400">
+              <a:lnSpc>
+                <a:spcPct val="90000"/>
+              </a:lnSpc>
+              <a:spcBef>
+                <a:spcPts val="1000"/>
+              </a:spcBef>
+              <a:buFont typeface="Arial" panose="020B0604020202020204" pitchFamily="34" charset="0"/>
+              <a:buChar char="•"/>
+              <a:defRPr sz="2000">
+                <a:latin typeface="Montserrat"/>
+                <a:cs typeface="Arial"/>
+              </a:defRPr>
+            </a:lvl1pPr>
+            <a:lvl2pPr indent="0" algn="ctr" defTabSz="914400">
+              <a:lnSpc>
+                <a:spcPct val="90000"/>
+              </a:lnSpc>
+              <a:spcBef>
+                <a:spcPts val="500"/>
+              </a:spcBef>
+              <a:buFont typeface="Arial" panose="020B0604020202020204" pitchFamily="34" charset="0"/>
+              <a:buNone/>
+              <a:defRPr sz="2000"/>
+            </a:lvl2pPr>
+            <a:lvl3pPr indent="0" algn="ctr" defTabSz="914400">
+              <a:lnSpc>
+                <a:spcPct val="90000"/>
+              </a:lnSpc>
+              <a:spcBef>
+                <a:spcPts val="500"/>
+              </a:spcBef>
+              <a:buFont typeface="Arial" panose="020B0604020202020204" pitchFamily="34" charset="0"/>
+              <a:buNone/>
+            </a:lvl3pPr>
+            <a:lvl4pPr indent="0" algn="ctr" defTabSz="914400">
+              <a:lnSpc>
+                <a:spcPct val="90000"/>
+              </a:lnSpc>
+              <a:spcBef>
+                <a:spcPts val="500"/>
+              </a:spcBef>
+              <a:buFont typeface="Arial" panose="020B0604020202020204" pitchFamily="34" charset="0"/>
+              <a:buNone/>
+              <a:defRPr sz="1600"/>
+            </a:lvl4pPr>
+            <a:lvl5pPr indent="0" algn="ctr" defTabSz="914400">
+              <a:lnSpc>
+                <a:spcPct val="90000"/>
+              </a:lnSpc>
+              <a:spcBef>
+                <a:spcPts val="500"/>
+              </a:spcBef>
+              <a:buFont typeface="Arial" panose="020B0604020202020204" pitchFamily="34" charset="0"/>
+              <a:buNone/>
+              <a:defRPr sz="1600"/>
+            </a:lvl5pPr>
+            <a:lvl6pPr indent="0" algn="ctr" defTabSz="914400">
+              <a:lnSpc>
+                <a:spcPct val="90000"/>
+              </a:lnSpc>
+              <a:spcBef>
+                <a:spcPts val="500"/>
+              </a:spcBef>
+              <a:buFont typeface="Arial" panose="020B0604020202020204" pitchFamily="34" charset="0"/>
+              <a:buNone/>
+              <a:defRPr sz="1600"/>
+            </a:lvl6pPr>
+            <a:lvl7pPr indent="0" algn="ctr" defTabSz="914400">
+              <a:lnSpc>
+                <a:spcPct val="90000"/>
+              </a:lnSpc>
+              <a:spcBef>
+                <a:spcPts val="500"/>
+              </a:spcBef>
+              <a:buFont typeface="Arial" panose="020B0604020202020204" pitchFamily="34" charset="0"/>
+              <a:buNone/>
+              <a:defRPr sz="1600"/>
+            </a:lvl7pPr>
+            <a:lvl8pPr indent="0" algn="ctr" defTabSz="914400">
+              <a:lnSpc>
+                <a:spcPct val="90000"/>
+              </a:lnSpc>
+              <a:spcBef>
+                <a:spcPts val="500"/>
+              </a:spcBef>
+              <a:buFont typeface="Arial" panose="020B0604020202020204" pitchFamily="34" charset="0"/>
+              <a:buNone/>
+              <a:defRPr sz="1600"/>
+            </a:lvl8pPr>
+            <a:lvl9pPr indent="0" algn="ctr" defTabSz="914400">
+              <a:lnSpc>
+                <a:spcPct val="90000"/>
+              </a:lnSpc>
+              <a:spcBef>
+                <a:spcPts val="500"/>
+              </a:spcBef>
+              <a:buFont typeface="Arial" panose="020B0604020202020204" pitchFamily="34" charset="0"/>
+              <a:buNone/>
+              <a:defRPr sz="1600"/>
+            </a:lvl9pPr>
+          </a:lstStyle>
+          <a:p>
+            <a:r>
+              <a:rPr lang="pt-BR" sz="2200" dirty="0">
+                <a:latin typeface="+mn-lt"/>
+              </a:rPr>
+              <a:t>Engenheiro da Computação pela Universidade Positivo</a:t>
+            </a:r>
+          </a:p>
+          <a:p>
+            <a:r>
+              <a:rPr lang="pt-BR" sz="2200" dirty="0">
+                <a:latin typeface="+mn-lt"/>
+              </a:rPr>
+              <a:t>4 anos de Paraná Banco</a:t>
+            </a:r>
+          </a:p>
+          <a:p>
+            <a:r>
+              <a:rPr lang="pt-BR" sz="2200" dirty="0">
+                <a:latin typeface="+mn-lt"/>
+              </a:rPr>
+              <a:t>Pai do Alexandre</a:t>
+            </a:r>
+          </a:p>
+          <a:p>
+            <a:r>
+              <a:rPr lang="pt-BR" sz="2200" dirty="0">
+                <a:latin typeface="+mn-lt"/>
+              </a:rPr>
+              <a:t>Morando em Curitiba-PR</a:t>
+            </a:r>
+          </a:p>
+          <a:p>
+            <a:r>
+              <a:rPr lang="pt-BR" sz="2200" dirty="0">
+                <a:latin typeface="+mn-lt"/>
+              </a:rPr>
+              <a:t>Sr. </a:t>
+            </a:r>
+            <a:r>
+              <a:rPr lang="pt-BR" sz="2200" dirty="0" err="1">
+                <a:latin typeface="+mn-lt"/>
+              </a:rPr>
+              <a:t>BackEnd</a:t>
+            </a:r>
+            <a:r>
+              <a:rPr lang="pt-BR" sz="2200" dirty="0">
+                <a:latin typeface="+mn-lt"/>
+              </a:rPr>
+              <a:t> </a:t>
+            </a:r>
+            <a:r>
+              <a:rPr lang="pt-BR" sz="2200" dirty="0" err="1">
+                <a:latin typeface="+mn-lt"/>
+              </a:rPr>
+              <a:t>Developer</a:t>
+            </a:r>
+            <a:r>
+              <a:rPr lang="pt-BR" sz="2200" dirty="0">
+                <a:latin typeface="+mn-lt"/>
+              </a:rPr>
+              <a:t> e </a:t>
+            </a:r>
+            <a:r>
+              <a:rPr lang="pt-BR" sz="2200" dirty="0" err="1">
+                <a:latin typeface="+mn-lt"/>
+              </a:rPr>
+              <a:t>Chapter</a:t>
+            </a:r>
+            <a:r>
+              <a:rPr lang="pt-BR" sz="2200" dirty="0">
+                <a:latin typeface="+mn-lt"/>
+              </a:rPr>
+              <a:t> </a:t>
+            </a:r>
+            <a:r>
+              <a:rPr lang="pt-BR" sz="2200" dirty="0" err="1">
+                <a:latin typeface="+mn-lt"/>
+              </a:rPr>
+              <a:t>leader</a:t>
+            </a:r>
+            <a:r>
+              <a:rPr lang="pt-BR" sz="2200" dirty="0">
+                <a:latin typeface="+mn-lt"/>
+              </a:rPr>
+              <a:t> </a:t>
+            </a:r>
+          </a:p>
+          <a:p>
+            <a:r>
+              <a:rPr lang="pt-BR" sz="2200" dirty="0">
+                <a:latin typeface="+mn-lt"/>
+              </a:rPr>
+              <a:t>Pós graduado em Engenharia de Software</a:t>
+            </a:r>
+          </a:p>
+          <a:p>
+            <a:r>
+              <a:rPr lang="pt-BR" sz="2200" dirty="0">
+                <a:latin typeface="+mn-lt"/>
+              </a:rPr>
+              <a:t>Certificados 483C#, AZ-900 e SC-900</a:t>
+            </a:r>
+          </a:p>
+          <a:p>
+            <a:r>
+              <a:rPr lang="pt-BR" sz="2200" dirty="0">
+                <a:latin typeface="+mn-lt"/>
+              </a:rPr>
+              <a:t>Cursando MBA em Arquitetura pela </a:t>
+            </a:r>
+            <a:r>
+              <a:rPr lang="pt-BR" sz="2200" dirty="0" err="1">
+                <a:latin typeface="+mn-lt"/>
+              </a:rPr>
+              <a:t>XPe</a:t>
+            </a:r>
+            <a:endParaRPr lang="pt-BR" sz="2200" dirty="0">
+              <a:latin typeface="+mn-lt"/>
+            </a:endParaRPr>
+          </a:p>
+          <a:p>
+            <a:r>
+              <a:rPr lang="pt-BR" sz="2200" dirty="0">
+                <a:latin typeface="+mn-lt"/>
+              </a:rPr>
+              <a:t>Amante de Tecnologia</a:t>
+            </a:r>
+          </a:p>
+          <a:p>
+            <a:endParaRPr lang="pt-BR" dirty="0"/>
+          </a:p>
+          <a:p>
+            <a:endParaRPr lang="pt-BR" dirty="0"/>
+          </a:p>
+          <a:p>
+            <a:endParaRPr lang="pt-BR" dirty="0"/>
+          </a:p>
+          <a:p>
+            <a:endParaRPr lang="pt-BR" dirty="0"/>
+          </a:p>
+          <a:p>
+            <a:endParaRPr lang="pt-BR" dirty="0"/>
+          </a:p>
+        </p:txBody>
+      </p:sp>
+      <p:sp>
+        <p:nvSpPr>
+          <p:cNvPr id="41" name="Título 1">
+            <a:extLst>
+              <a:ext uri="{FF2B5EF4-FFF2-40B4-BE49-F238E27FC236}">
+                <a16:creationId xmlns:a16="http://schemas.microsoft.com/office/drawing/2014/main" id="{B5C427DB-4D4E-4C34-8798-98B68A898847}"/>
+              </a:ext>
+            </a:extLst>
+          </p:cNvPr>
+          <p:cNvSpPr txBox="1">
+            <a:spLocks/>
+          </p:cNvSpPr>
+          <p:nvPr/>
+        </p:nvSpPr>
+        <p:spPr>
+          <a:xfrm>
+            <a:off x="5648571" y="672279"/>
+            <a:ext cx="3762934" cy="545298"/>
+          </a:xfrm>
+          <a:prstGeom prst="rect">
+            <a:avLst/>
+          </a:prstGeom>
+        </p:spPr>
+        <p:txBody>
+          <a:bodyPr vert="horz" lIns="91440" tIns="45720" rIns="91440" bIns="45720" rtlCol="0" anchor="b">
+            <a:normAutofit lnSpcReduction="10000"/>
+          </a:bodyPr>
+          <a:lstStyle>
+            <a:lvl1pPr algn="ctr" defTabSz="914400" rtl="0" eaLnBrk="1" latinLnBrk="0" hangingPunct="1">
+              <a:lnSpc>
+                <a:spcPct val="90000"/>
+              </a:lnSpc>
+              <a:spcBef>
+                <a:spcPct val="0"/>
+              </a:spcBef>
+              <a:buNone/>
+              <a:defRPr sz="6000" kern="1200">
+                <a:solidFill>
+                  <a:schemeClr val="tx1"/>
+                </a:solidFill>
+                <a:latin typeface="+mj-lt"/>
+                <a:ea typeface="+mj-ea"/>
+                <a:cs typeface="+mj-cs"/>
+              </a:defRPr>
+            </a:lvl1pPr>
+          </a:lstStyle>
+          <a:p>
+            <a:r>
+              <a:rPr lang="pt-BR" sz="3600">
+                <a:cs typeface="Arial"/>
+              </a:rPr>
+              <a:t>Quem</a:t>
+            </a:r>
+            <a:r>
+              <a:rPr lang="pt-BR" sz="3600">
+                <a:latin typeface="Segoe UI Semibold"/>
+                <a:cs typeface="Arial"/>
+              </a:rPr>
+              <a:t> sou eu</a:t>
+            </a:r>
+          </a:p>
+        </p:txBody>
+      </p:sp>
+      <p:pic>
+        <p:nvPicPr>
+          <p:cNvPr id="2" name="Imagem 2" descr="Pessoa posando para foto em local com neve e montanha ao fundo&#10;&#10;Descrição gerada automaticamente">
+            <a:extLst>
+              <a:ext uri="{FF2B5EF4-FFF2-40B4-BE49-F238E27FC236}">
+                <a16:creationId xmlns:a16="http://schemas.microsoft.com/office/drawing/2014/main" id="{67502666-436E-3AD6-956C-DA6EE7975EE4}"/>
+              </a:ext>
+            </a:extLst>
+          </p:cNvPr>
+          <p:cNvPicPr>
+            <a:picLocks noChangeAspect="1"/>
+          </p:cNvPicPr>
+          <p:nvPr/>
+        </p:nvPicPr>
+        <p:blipFill>
+          <a:blip r:embed="rId3"/>
+          <a:stretch>
+            <a:fillRect/>
+          </a:stretch>
+        </p:blipFill>
+        <p:spPr>
+          <a:xfrm>
+            <a:off x="1111740" y="1472922"/>
+            <a:ext cx="2744956" cy="2743200"/>
+          </a:xfrm>
+          <a:prstGeom prst="rect">
+            <a:avLst/>
+          </a:prstGeom>
+        </p:spPr>
+      </p:pic>
+      <p:pic>
+        <p:nvPicPr>
+          <p:cNvPr id="3" name="Imagem 3" descr="Código QR&#10;&#10;Descrição gerada automaticamente">
+            <a:extLst>
+              <a:ext uri="{FF2B5EF4-FFF2-40B4-BE49-F238E27FC236}">
+                <a16:creationId xmlns:a16="http://schemas.microsoft.com/office/drawing/2014/main" id="{8292FE87-2AEF-DA20-3210-6B49D9369B5A}"/>
+              </a:ext>
+            </a:extLst>
+          </p:cNvPr>
+          <p:cNvPicPr>
+            <a:picLocks noChangeAspect="1"/>
+          </p:cNvPicPr>
+          <p:nvPr/>
+        </p:nvPicPr>
+        <p:blipFill>
+          <a:blip r:embed="rId4"/>
+          <a:stretch>
+            <a:fillRect/>
+          </a:stretch>
+        </p:blipFill>
+        <p:spPr>
+          <a:xfrm>
+            <a:off x="1368443" y="4344778"/>
+            <a:ext cx="2231694" cy="2211217"/>
+          </a:xfrm>
+          <a:prstGeom prst="rect">
+            <a:avLst/>
+          </a:prstGeom>
+        </p:spPr>
+      </p:pic>
+      <p:sp>
+        <p:nvSpPr>
+          <p:cNvPr id="4" name="Título 1">
+            <a:extLst>
+              <a:ext uri="{FF2B5EF4-FFF2-40B4-BE49-F238E27FC236}">
+                <a16:creationId xmlns:a16="http://schemas.microsoft.com/office/drawing/2014/main" id="{9E25E884-09B8-9E8C-A2FC-DE17507BE25C}"/>
+              </a:ext>
+            </a:extLst>
+          </p:cNvPr>
+          <p:cNvSpPr txBox="1">
+            <a:spLocks/>
+          </p:cNvSpPr>
+          <p:nvPr/>
+        </p:nvSpPr>
+        <p:spPr>
+          <a:xfrm>
+            <a:off x="666480" y="864798"/>
+            <a:ext cx="3762934" cy="545298"/>
+          </a:xfrm>
+          <a:prstGeom prst="rect">
+            <a:avLst/>
+          </a:prstGeom>
+        </p:spPr>
+        <p:txBody>
+          <a:bodyPr vert="horz" lIns="91440" tIns="45720" rIns="91440" bIns="45720" rtlCol="0" anchor="b">
+            <a:normAutofit/>
+          </a:bodyPr>
+          <a:lstStyle>
+            <a:lvl1pPr algn="ctr" defTabSz="914400" rtl="0" eaLnBrk="1" latinLnBrk="0" hangingPunct="1">
+              <a:lnSpc>
+                <a:spcPct val="90000"/>
+              </a:lnSpc>
+              <a:spcBef>
+                <a:spcPct val="0"/>
+              </a:spcBef>
+              <a:buNone/>
+              <a:defRPr sz="6000" kern="1200">
+                <a:solidFill>
+                  <a:schemeClr val="tx1"/>
+                </a:solidFill>
+                <a:latin typeface="+mj-lt"/>
+                <a:ea typeface="+mj-ea"/>
+                <a:cs typeface="+mj-cs"/>
+              </a:defRPr>
+            </a:lvl1pPr>
+          </a:lstStyle>
+          <a:p>
+            <a:r>
+              <a:rPr lang="pt-BR" sz="3200">
+                <a:latin typeface="Segoe UI Semibold"/>
+                <a:cs typeface="Arial"/>
+              </a:rPr>
+              <a:t>João Antunes</a:t>
+            </a:r>
+          </a:p>
+        </p:txBody>
+      </p:sp>
+    </p:spTree>
+    <p:extLst>
+      <p:ext uri="{BB962C8B-B14F-4D97-AF65-F5344CB8AC3E}">
+        <p14:creationId xmlns:p14="http://schemas.microsoft.com/office/powerpoint/2010/main" val="3243610850"/>
+      </p:ext>
+    </p:extLst>
+  </p:cSld>
+  <p:clrMapOvr>
+    <a:masterClrMapping/>
+  </p:clrMapOvr>
+  <mc:AlternateContent xmlns:mc="http://schemas.openxmlformats.org/markup-compatibility/2006" xmlns:p14="http://schemas.microsoft.com/office/powerpoint/2010/main">
+    <mc:Choice Requires="p14">
+      <p:transition spd="med" p14:dur="700">
+        <p:fade/>
+      </p:transition>
+    </mc:Choice>
+    <mc:Fallback xmlns="">
+      <p:transition spd="med">
+        <p:fade/>
+      </p:transition>
+    </mc:Fallback>
+  </mc:AlternateContent>
+</p:sld>
+</file>
+
+<file path=ppt/slides/slide20.xml><?xml version="1.0" encoding="utf-8"?>
 <p:sld xmlns:a="http://schemas.openxmlformats.org/drawingml/2006/main" xmlns:r="http://schemas.openxmlformats.org/officeDocument/2006/relationships" xmlns:p="http://schemas.openxmlformats.org/presentationml/2006/main">
   <p:cSld>
     <p:spTree>
@@ -25377,507 +25992,6 @@
     <p:extLst>
       <p:ext uri="{BB962C8B-B14F-4D97-AF65-F5344CB8AC3E}">
         <p14:creationId xmlns:p14="http://schemas.microsoft.com/office/powerpoint/2010/main" val="2949345726"/>
-      </p:ext>
-    </p:extLst>
-  </p:cSld>
-  <p:clrMapOvr>
-    <a:masterClrMapping/>
-  </p:clrMapOvr>
-  <mc:AlternateContent xmlns:mc="http://schemas.openxmlformats.org/markup-compatibility/2006" xmlns:p14="http://schemas.microsoft.com/office/powerpoint/2010/main">
-    <mc:Choice Requires="p14">
-      <p:transition spd="med" p14:dur="700">
-        <p:fade/>
-      </p:transition>
-    </mc:Choice>
-    <mc:Fallback xmlns="">
-      <p:transition spd="med">
-        <p:fade/>
-      </p:transition>
-    </mc:Fallback>
-  </mc:AlternateContent>
-</p:sld>
-</file>
-
-<file path=ppt/slides/slide2.xml><?xml version="1.0" encoding="utf-8"?>
-<p:sld xmlns:a="http://schemas.openxmlformats.org/drawingml/2006/main" xmlns:r="http://schemas.openxmlformats.org/officeDocument/2006/relationships" xmlns:p="http://schemas.openxmlformats.org/presentationml/2006/main">
-  <p:cSld>
-    <p:spTree>
-      <p:nvGrpSpPr>
-        <p:cNvPr id="1" name=""/>
-        <p:cNvGrpSpPr/>
-        <p:nvPr/>
-      </p:nvGrpSpPr>
-      <p:grpSpPr>
-        <a:xfrm>
-          <a:off x="0" y="0"/>
-          <a:ext cx="0" cy="0"/>
-          <a:chOff x="0" y="0"/>
-          <a:chExt cx="0" cy="0"/>
-        </a:xfrm>
-      </p:grpSpPr>
-      <p:sp>
-        <p:nvSpPr>
-          <p:cNvPr id="38" name="Espaço Reservado para Conteúdo 2">
-            <a:extLst>
-              <a:ext uri="{FF2B5EF4-FFF2-40B4-BE49-F238E27FC236}">
-                <a16:creationId xmlns:a16="http://schemas.microsoft.com/office/drawing/2014/main" id="{5FAF7519-8713-40CD-BB85-8A9456666ADD}"/>
-              </a:ext>
-            </a:extLst>
-          </p:cNvPr>
-          <p:cNvSpPr txBox="1">
-            <a:spLocks/>
-          </p:cNvSpPr>
-          <p:nvPr/>
-        </p:nvSpPr>
-        <p:spPr>
-          <a:xfrm>
-            <a:off x="4740104" y="1410096"/>
-            <a:ext cx="7438926" cy="3819537"/>
-          </a:xfrm>
-          <a:prstGeom prst="rect">
-            <a:avLst/>
-          </a:prstGeom>
-        </p:spPr>
-        <p:txBody>
-          <a:bodyPr vert="horz" lIns="91440" tIns="45720" rIns="91440" bIns="45720" rtlCol="0" anchor="t">
-            <a:normAutofit lnSpcReduction="10000"/>
-          </a:bodyPr>
-          <a:lstStyle>
-            <a:defPPr>
-              <a:defRPr lang="en-US"/>
-            </a:defPPr>
-            <a:lvl1pPr marL="342900" indent="-342900" defTabSz="914400">
-              <a:lnSpc>
-                <a:spcPct val="90000"/>
-              </a:lnSpc>
-              <a:spcBef>
-                <a:spcPts val="1000"/>
-              </a:spcBef>
-              <a:buFont typeface="Arial" panose="020B0604020202020204" pitchFamily="34" charset="0"/>
-              <a:buChar char="•"/>
-              <a:defRPr sz="2000">
-                <a:latin typeface="Montserrat"/>
-                <a:cs typeface="Arial"/>
-              </a:defRPr>
-            </a:lvl1pPr>
-            <a:lvl2pPr indent="0" algn="ctr" defTabSz="914400">
-              <a:lnSpc>
-                <a:spcPct val="90000"/>
-              </a:lnSpc>
-              <a:spcBef>
-                <a:spcPts val="500"/>
-              </a:spcBef>
-              <a:buFont typeface="Arial" panose="020B0604020202020204" pitchFamily="34" charset="0"/>
-              <a:buNone/>
-              <a:defRPr sz="2000"/>
-            </a:lvl2pPr>
-            <a:lvl3pPr indent="0" algn="ctr" defTabSz="914400">
-              <a:lnSpc>
-                <a:spcPct val="90000"/>
-              </a:lnSpc>
-              <a:spcBef>
-                <a:spcPts val="500"/>
-              </a:spcBef>
-              <a:buFont typeface="Arial" panose="020B0604020202020204" pitchFamily="34" charset="0"/>
-              <a:buNone/>
-            </a:lvl3pPr>
-            <a:lvl4pPr indent="0" algn="ctr" defTabSz="914400">
-              <a:lnSpc>
-                <a:spcPct val="90000"/>
-              </a:lnSpc>
-              <a:spcBef>
-                <a:spcPts val="500"/>
-              </a:spcBef>
-              <a:buFont typeface="Arial" panose="020B0604020202020204" pitchFamily="34" charset="0"/>
-              <a:buNone/>
-              <a:defRPr sz="1600"/>
-            </a:lvl4pPr>
-            <a:lvl5pPr indent="0" algn="ctr" defTabSz="914400">
-              <a:lnSpc>
-                <a:spcPct val="90000"/>
-              </a:lnSpc>
-              <a:spcBef>
-                <a:spcPts val="500"/>
-              </a:spcBef>
-              <a:buFont typeface="Arial" panose="020B0604020202020204" pitchFamily="34" charset="0"/>
-              <a:buNone/>
-              <a:defRPr sz="1600"/>
-            </a:lvl5pPr>
-            <a:lvl6pPr indent="0" algn="ctr" defTabSz="914400">
-              <a:lnSpc>
-                <a:spcPct val="90000"/>
-              </a:lnSpc>
-              <a:spcBef>
-                <a:spcPts val="500"/>
-              </a:spcBef>
-              <a:buFont typeface="Arial" panose="020B0604020202020204" pitchFamily="34" charset="0"/>
-              <a:buNone/>
-              <a:defRPr sz="1600"/>
-            </a:lvl6pPr>
-            <a:lvl7pPr indent="0" algn="ctr" defTabSz="914400">
-              <a:lnSpc>
-                <a:spcPct val="90000"/>
-              </a:lnSpc>
-              <a:spcBef>
-                <a:spcPts val="500"/>
-              </a:spcBef>
-              <a:buFont typeface="Arial" panose="020B0604020202020204" pitchFamily="34" charset="0"/>
-              <a:buNone/>
-              <a:defRPr sz="1600"/>
-            </a:lvl7pPr>
-            <a:lvl8pPr indent="0" algn="ctr" defTabSz="914400">
-              <a:lnSpc>
-                <a:spcPct val="90000"/>
-              </a:lnSpc>
-              <a:spcBef>
-                <a:spcPts val="500"/>
-              </a:spcBef>
-              <a:buFont typeface="Arial" panose="020B0604020202020204" pitchFamily="34" charset="0"/>
-              <a:buNone/>
-              <a:defRPr sz="1600"/>
-            </a:lvl8pPr>
-            <a:lvl9pPr indent="0" algn="ctr" defTabSz="914400">
-              <a:lnSpc>
-                <a:spcPct val="90000"/>
-              </a:lnSpc>
-              <a:spcBef>
-                <a:spcPts val="500"/>
-              </a:spcBef>
-              <a:buFont typeface="Arial" panose="020B0604020202020204" pitchFamily="34" charset="0"/>
-              <a:buNone/>
-              <a:defRPr sz="1600"/>
-            </a:lvl9pPr>
-          </a:lstStyle>
-          <a:p>
-            <a:r>
-              <a:rPr lang="pt-BR" sz="2200" dirty="0">
-                <a:latin typeface="+mn-lt"/>
-              </a:rPr>
-              <a:t>Engenheiro da Computação pela Universidade Positivo</a:t>
-            </a:r>
-          </a:p>
-          <a:p>
-            <a:r>
-              <a:rPr lang="pt-BR" sz="2200" dirty="0">
-                <a:latin typeface="+mn-lt"/>
-              </a:rPr>
-              <a:t>4 anos de Paraná Banco</a:t>
-            </a:r>
-          </a:p>
-          <a:p>
-            <a:r>
-              <a:rPr lang="pt-BR" sz="2200" dirty="0">
-                <a:latin typeface="+mn-lt"/>
-              </a:rPr>
-              <a:t>Pai do Alexandre</a:t>
-            </a:r>
-          </a:p>
-          <a:p>
-            <a:r>
-              <a:rPr lang="pt-BR" sz="2200" dirty="0">
-                <a:latin typeface="+mn-lt"/>
-              </a:rPr>
-              <a:t>Morando em Curitiba-PR</a:t>
-            </a:r>
-          </a:p>
-          <a:p>
-            <a:r>
-              <a:rPr lang="pt-BR" sz="2200" dirty="0">
-                <a:latin typeface="+mn-lt"/>
-              </a:rPr>
-              <a:t>Sr. </a:t>
-            </a:r>
-            <a:r>
-              <a:rPr lang="pt-BR" sz="2200" dirty="0" err="1">
-                <a:latin typeface="+mn-lt"/>
-              </a:rPr>
-              <a:t>BackEnd</a:t>
-            </a:r>
-            <a:r>
-              <a:rPr lang="pt-BR" sz="2200" dirty="0">
-                <a:latin typeface="+mn-lt"/>
-              </a:rPr>
-              <a:t> </a:t>
-            </a:r>
-            <a:r>
-              <a:rPr lang="pt-BR" sz="2200" dirty="0" err="1">
-                <a:latin typeface="+mn-lt"/>
-              </a:rPr>
-              <a:t>Developer</a:t>
-            </a:r>
-            <a:r>
-              <a:rPr lang="pt-BR" sz="2200" dirty="0">
-                <a:latin typeface="+mn-lt"/>
-              </a:rPr>
-              <a:t> e </a:t>
-            </a:r>
-            <a:r>
-              <a:rPr lang="pt-BR" sz="2200" dirty="0" err="1">
-                <a:latin typeface="+mn-lt"/>
-              </a:rPr>
-              <a:t>Chapter</a:t>
-            </a:r>
-            <a:r>
-              <a:rPr lang="pt-BR" sz="2200" dirty="0">
-                <a:latin typeface="+mn-lt"/>
-              </a:rPr>
-              <a:t> </a:t>
-            </a:r>
-            <a:r>
-              <a:rPr lang="pt-BR" sz="2200" dirty="0" err="1">
-                <a:latin typeface="+mn-lt"/>
-              </a:rPr>
-              <a:t>leader</a:t>
-            </a:r>
-            <a:r>
-              <a:rPr lang="pt-BR" sz="2200" dirty="0">
-                <a:latin typeface="+mn-lt"/>
-              </a:rPr>
-              <a:t> </a:t>
-            </a:r>
-          </a:p>
-          <a:p>
-            <a:r>
-              <a:rPr lang="pt-BR" sz="2200" dirty="0">
-                <a:latin typeface="+mn-lt"/>
-              </a:rPr>
-              <a:t>Pós graduado em Engenharia de Software</a:t>
-            </a:r>
-          </a:p>
-          <a:p>
-            <a:r>
-              <a:rPr lang="pt-BR" sz="2200" dirty="0">
-                <a:latin typeface="+mn-lt"/>
-              </a:rPr>
-              <a:t>Certificados 483C#, AZ-900 e SC-900</a:t>
-            </a:r>
-          </a:p>
-          <a:p>
-            <a:r>
-              <a:rPr lang="pt-BR" sz="2200" dirty="0">
-                <a:latin typeface="+mn-lt"/>
-              </a:rPr>
-              <a:t>Cursando MBA em Arquitetura pela </a:t>
-            </a:r>
-            <a:r>
-              <a:rPr lang="pt-BR" sz="2200" dirty="0" err="1">
-                <a:latin typeface="+mn-lt"/>
-              </a:rPr>
-              <a:t>XPe</a:t>
-            </a:r>
-            <a:endParaRPr lang="pt-BR" sz="2200" dirty="0">
-              <a:latin typeface="+mn-lt"/>
-            </a:endParaRPr>
-          </a:p>
-          <a:p>
-            <a:r>
-              <a:rPr lang="pt-BR" sz="2200" dirty="0">
-                <a:latin typeface="+mn-lt"/>
-              </a:rPr>
-              <a:t>Amante de Tecnologia</a:t>
-            </a:r>
-          </a:p>
-          <a:p>
-            <a:endParaRPr lang="pt-BR" dirty="0"/>
-          </a:p>
-          <a:p>
-            <a:endParaRPr lang="pt-BR" dirty="0"/>
-          </a:p>
-          <a:p>
-            <a:endParaRPr lang="pt-BR" dirty="0"/>
-          </a:p>
-          <a:p>
-            <a:endParaRPr lang="pt-BR" dirty="0"/>
-          </a:p>
-          <a:p>
-            <a:endParaRPr lang="pt-BR" dirty="0"/>
-          </a:p>
-        </p:txBody>
-      </p:sp>
-      <p:sp>
-        <p:nvSpPr>
-          <p:cNvPr id="41" name="Título 1">
-            <a:extLst>
-              <a:ext uri="{FF2B5EF4-FFF2-40B4-BE49-F238E27FC236}">
-                <a16:creationId xmlns:a16="http://schemas.microsoft.com/office/drawing/2014/main" id="{B5C427DB-4D4E-4C34-8798-98B68A898847}"/>
-              </a:ext>
-            </a:extLst>
-          </p:cNvPr>
-          <p:cNvSpPr txBox="1">
-            <a:spLocks/>
-          </p:cNvSpPr>
-          <p:nvPr/>
-        </p:nvSpPr>
-        <p:spPr>
-          <a:xfrm>
-            <a:off x="5648571" y="672279"/>
-            <a:ext cx="3762934" cy="545298"/>
-          </a:xfrm>
-          <a:prstGeom prst="rect">
-            <a:avLst/>
-          </a:prstGeom>
-        </p:spPr>
-        <p:txBody>
-          <a:bodyPr vert="horz" lIns="91440" tIns="45720" rIns="91440" bIns="45720" rtlCol="0" anchor="b">
-            <a:normAutofit lnSpcReduction="10000"/>
-          </a:bodyPr>
-          <a:lstStyle>
-            <a:lvl1pPr algn="ctr" defTabSz="914400" rtl="0" eaLnBrk="1" latinLnBrk="0" hangingPunct="1">
-              <a:lnSpc>
-                <a:spcPct val="90000"/>
-              </a:lnSpc>
-              <a:spcBef>
-                <a:spcPct val="0"/>
-              </a:spcBef>
-              <a:buNone/>
-              <a:defRPr sz="6000" kern="1200">
-                <a:solidFill>
-                  <a:schemeClr val="tx1"/>
-                </a:solidFill>
-                <a:latin typeface="+mj-lt"/>
-                <a:ea typeface="+mj-ea"/>
-                <a:cs typeface="+mj-cs"/>
-              </a:defRPr>
-            </a:lvl1pPr>
-          </a:lstStyle>
-          <a:p>
-            <a:r>
-              <a:rPr lang="pt-BR" sz="3600">
-                <a:cs typeface="Arial"/>
-              </a:rPr>
-              <a:t>Quem</a:t>
-            </a:r>
-            <a:r>
-              <a:rPr lang="pt-BR" sz="3600">
-                <a:latin typeface="Segoe UI Semibold"/>
-                <a:cs typeface="Arial"/>
-              </a:rPr>
-              <a:t> sou eu</a:t>
-            </a:r>
-          </a:p>
-        </p:txBody>
-      </p:sp>
-      <p:pic>
-        <p:nvPicPr>
-          <p:cNvPr id="2" name="Imagem 2" descr="Pessoa posando para foto em local com neve e montanha ao fundo&#10;&#10;Descrição gerada automaticamente">
-            <a:extLst>
-              <a:ext uri="{FF2B5EF4-FFF2-40B4-BE49-F238E27FC236}">
-                <a16:creationId xmlns:a16="http://schemas.microsoft.com/office/drawing/2014/main" id="{67502666-436E-3AD6-956C-DA6EE7975EE4}"/>
-              </a:ext>
-            </a:extLst>
-          </p:cNvPr>
-          <p:cNvPicPr>
-            <a:picLocks noChangeAspect="1"/>
-          </p:cNvPicPr>
-          <p:nvPr/>
-        </p:nvPicPr>
-        <p:blipFill>
-          <a:blip r:embed="rId3"/>
-          <a:stretch>
-            <a:fillRect/>
-          </a:stretch>
-        </p:blipFill>
-        <p:spPr>
-          <a:xfrm>
-            <a:off x="1111740" y="1472922"/>
-            <a:ext cx="2744956" cy="2743200"/>
-          </a:xfrm>
-          <a:prstGeom prst="rect">
-            <a:avLst/>
-          </a:prstGeom>
-        </p:spPr>
-      </p:pic>
-      <p:pic>
-        <p:nvPicPr>
-          <p:cNvPr id="3" name="Imagem 3" descr="Código QR&#10;&#10;Descrição gerada automaticamente">
-            <a:extLst>
-              <a:ext uri="{FF2B5EF4-FFF2-40B4-BE49-F238E27FC236}">
-                <a16:creationId xmlns:a16="http://schemas.microsoft.com/office/drawing/2014/main" id="{8292FE87-2AEF-DA20-3210-6B49D9369B5A}"/>
-              </a:ext>
-            </a:extLst>
-          </p:cNvPr>
-          <p:cNvPicPr>
-            <a:picLocks noChangeAspect="1"/>
-          </p:cNvPicPr>
-          <p:nvPr/>
-        </p:nvPicPr>
-        <p:blipFill>
-          <a:blip r:embed="rId4"/>
-          <a:stretch>
-            <a:fillRect/>
-          </a:stretch>
-        </p:blipFill>
-        <p:spPr>
-          <a:xfrm>
-            <a:off x="1368443" y="4344778"/>
-            <a:ext cx="2231694" cy="2211217"/>
-          </a:xfrm>
-          <a:prstGeom prst="rect">
-            <a:avLst/>
-          </a:prstGeom>
-        </p:spPr>
-      </p:pic>
-      <p:sp>
-        <p:nvSpPr>
-          <p:cNvPr id="4" name="Título 1">
-            <a:extLst>
-              <a:ext uri="{FF2B5EF4-FFF2-40B4-BE49-F238E27FC236}">
-                <a16:creationId xmlns:a16="http://schemas.microsoft.com/office/drawing/2014/main" id="{9E25E884-09B8-9E8C-A2FC-DE17507BE25C}"/>
-              </a:ext>
-            </a:extLst>
-          </p:cNvPr>
-          <p:cNvSpPr txBox="1">
-            <a:spLocks/>
-          </p:cNvSpPr>
-          <p:nvPr/>
-        </p:nvSpPr>
-        <p:spPr>
-          <a:xfrm>
-            <a:off x="666480" y="864798"/>
-            <a:ext cx="3762934" cy="545298"/>
-          </a:xfrm>
-          <a:prstGeom prst="rect">
-            <a:avLst/>
-          </a:prstGeom>
-        </p:spPr>
-        <p:txBody>
-          <a:bodyPr vert="horz" lIns="91440" tIns="45720" rIns="91440" bIns="45720" rtlCol="0" anchor="b">
-            <a:normAutofit/>
-          </a:bodyPr>
-          <a:lstStyle>
-            <a:lvl1pPr algn="ctr" defTabSz="914400" rtl="0" eaLnBrk="1" latinLnBrk="0" hangingPunct="1">
-              <a:lnSpc>
-                <a:spcPct val="90000"/>
-              </a:lnSpc>
-              <a:spcBef>
-                <a:spcPct val="0"/>
-              </a:spcBef>
-              <a:buNone/>
-              <a:defRPr sz="6000" kern="1200">
-                <a:solidFill>
-                  <a:schemeClr val="tx1"/>
-                </a:solidFill>
-                <a:latin typeface="+mj-lt"/>
-                <a:ea typeface="+mj-ea"/>
-                <a:cs typeface="+mj-cs"/>
-              </a:defRPr>
-            </a:lvl1pPr>
-          </a:lstStyle>
-          <a:p>
-            <a:r>
-              <a:rPr lang="pt-BR" sz="3200">
-                <a:latin typeface="Segoe UI Semibold"/>
-                <a:cs typeface="Arial"/>
-              </a:rPr>
-              <a:t>João Antunes</a:t>
-            </a:r>
-          </a:p>
-        </p:txBody>
-      </p:sp>
-    </p:spTree>
-    <p:extLst>
-      <p:ext uri="{BB962C8B-B14F-4D97-AF65-F5344CB8AC3E}">
-        <p14:creationId xmlns:p14="http://schemas.microsoft.com/office/powerpoint/2010/main" val="3243610850"/>
       </p:ext>
     </p:extLst>
   </p:cSld>
@@ -29451,15 +29565,6 @@
 </file>
 
 <file path=customXml/item1.xml><?xml version="1.0" encoding="utf-8"?>
-<?mso-contentType ?>
-<FormTemplates xmlns="http://schemas.microsoft.com/sharepoint/v3/contenttype/forms">
-  <Display>DocumentLibraryForm</Display>
-  <Edit>DocumentLibraryForm</Edit>
-  <New>DocumentLibraryForm</New>
-</FormTemplates>
-</file>
-
-<file path=customXml/item2.xml><?xml version="1.0" encoding="utf-8"?>
 <ct:contentTypeSchema xmlns:ct="http://schemas.microsoft.com/office/2006/metadata/contentType" xmlns:ma="http://schemas.microsoft.com/office/2006/metadata/properties/metaAttributes" ct:_="" ma:_="" ma:contentTypeName="Document" ma:contentTypeID="0x010100C19B4546D391A349BE05AD29F9530504" ma:contentTypeVersion="8" ma:contentTypeDescription="Create a new document." ma:contentTypeScope="" ma:versionID="abefe0faccb33ea1c30b003d8120f948">
   <xsd:schema xmlns:xsd="http://www.w3.org/2001/XMLSchema" xmlns:xs="http://www.w3.org/2001/XMLSchema" xmlns:p="http://schemas.microsoft.com/office/2006/metadata/properties" xmlns:ns2="573658d2-825f-470e-8b88-a4a2deb94391" xmlns:ns3="9537331d-6386-4ea3-bab7-14a523f5dc52" targetNamespace="http://schemas.microsoft.com/office/2006/metadata/properties" ma:root="true" ma:fieldsID="aea6fda388b4fa532bd11596e8506557" ns2:_="" ns3:_="">
     <xsd:import namespace="573658d2-825f-470e-8b88-a4a2deb94391"/>
@@ -29636,6 +29741,15 @@
 </ct:contentTypeSchema>
 </file>
 
+<file path=customXml/item2.xml><?xml version="1.0" encoding="utf-8"?>
+<?mso-contentType ?>
+<FormTemplates xmlns="http://schemas.microsoft.com/sharepoint/v3/contenttype/forms">
+  <Display>DocumentLibraryForm</Display>
+  <Edit>DocumentLibraryForm</Edit>
+  <New>DocumentLibraryForm</New>
+</FormTemplates>
+</file>
+
 <file path=customXml/item3.xml><?xml version="1.0" encoding="utf-8"?>
 <p:properties xmlns:p="http://schemas.microsoft.com/office/2006/metadata/properties" xmlns:xsi="http://www.w3.org/2001/XMLSchema-instance" xmlns:pc="http://schemas.microsoft.com/office/infopath/2007/PartnerControls">
   <documentManagement>
@@ -29648,14 +29762,6 @@
 </file>
 
 <file path=customXml/itemProps1.xml><?xml version="1.0" encoding="utf-8"?>
-<ds:datastoreItem xmlns:ds="http://schemas.openxmlformats.org/officeDocument/2006/customXml" ds:itemID="{758FDAC0-319D-4A54-8D8E-1D42CB1F8004}">
-  <ds:schemaRefs>
-    <ds:schemaRef ds:uri="http://schemas.microsoft.com/sharepoint/v3/contenttype/forms"/>
-  </ds:schemaRefs>
-</ds:datastoreItem>
-</file>
-
-<file path=customXml/itemProps2.xml><?xml version="1.0" encoding="utf-8"?>
 <ds:datastoreItem xmlns:ds="http://schemas.openxmlformats.org/officeDocument/2006/customXml" ds:itemID="{614BD38F-8FF7-405C-9634-7E23E9D27E95}">
   <ds:schemaRefs>
     <ds:schemaRef ds:uri="573658d2-825f-470e-8b88-a4a2deb94391"/>
@@ -29670,6 +29776,14 @@
     <ds:schemaRef ds:uri="http://schemas.microsoft.com/office/infopath/2007/PartnerControls"/>
     <ds:schemaRef ds:uri="http://schemas.openxmlformats.org/package/2006/metadata/core-properties"/>
     <ds:schemaRef ds:uri="http://www.w3.org/2001/XMLSchema"/>
+  </ds:schemaRefs>
+</ds:datastoreItem>
+</file>
+
+<file path=customXml/itemProps2.xml><?xml version="1.0" encoding="utf-8"?>
+<ds:datastoreItem xmlns:ds="http://schemas.openxmlformats.org/officeDocument/2006/customXml" ds:itemID="{758FDAC0-319D-4A54-8D8E-1D42CB1F8004}">
+  <ds:schemaRefs>
+    <ds:schemaRef ds:uri="http://schemas.microsoft.com/sharepoint/v3/contenttype/forms"/>
   </ds:schemaRefs>
 </ds:datastoreItem>
 </file>

--- a/AzureOpenAI.pptx
+++ b/AzureOpenAI.pptx
@@ -6,32 +6,35 @@
     <p:sldMasterId id="2147484608" r:id="rId5"/>
   </p:sldMasterIdLst>
   <p:notesMasterIdLst>
-    <p:notesMasterId r:id="rId26"/>
+    <p:notesMasterId r:id="rId29"/>
   </p:notesMasterIdLst>
   <p:handoutMasterIdLst>
-    <p:handoutMasterId r:id="rId27"/>
+    <p:handoutMasterId r:id="rId30"/>
   </p:handoutMasterIdLst>
   <p:sldIdLst>
     <p:sldId id="1678" r:id="rId6"/>
     <p:sldId id="1680" r:id="rId7"/>
     <p:sldId id="1714" r:id="rId8"/>
-    <p:sldId id="1717" r:id="rId9"/>
-    <p:sldId id="1713" r:id="rId10"/>
-    <p:sldId id="1708" r:id="rId11"/>
-    <p:sldId id="1709" r:id="rId12"/>
-    <p:sldId id="1710" r:id="rId13"/>
-    <p:sldId id="1711" r:id="rId14"/>
-    <p:sldId id="1712" r:id="rId15"/>
-    <p:sldId id="1716" r:id="rId16"/>
-    <p:sldId id="1720" r:id="rId17"/>
-    <p:sldId id="1722" r:id="rId18"/>
-    <p:sldId id="1726" r:id="rId19"/>
-    <p:sldId id="1715" r:id="rId20"/>
-    <p:sldId id="1718" r:id="rId21"/>
-    <p:sldId id="1719" r:id="rId22"/>
-    <p:sldId id="1721" r:id="rId23"/>
-    <p:sldId id="1725" r:id="rId24"/>
-    <p:sldId id="1706" r:id="rId25"/>
+    <p:sldId id="1727" r:id="rId9"/>
+    <p:sldId id="1732" r:id="rId10"/>
+    <p:sldId id="1729" r:id="rId11"/>
+    <p:sldId id="1728" r:id="rId12"/>
+    <p:sldId id="1731" r:id="rId13"/>
+    <p:sldId id="1717" r:id="rId14"/>
+    <p:sldId id="1713" r:id="rId15"/>
+    <p:sldId id="1708" r:id="rId16"/>
+    <p:sldId id="1709" r:id="rId17"/>
+    <p:sldId id="1710" r:id="rId18"/>
+    <p:sldId id="1711" r:id="rId19"/>
+    <p:sldId id="1712" r:id="rId20"/>
+    <p:sldId id="1722" r:id="rId21"/>
+    <p:sldId id="1715" r:id="rId22"/>
+    <p:sldId id="1718" r:id="rId23"/>
+    <p:sldId id="1734" r:id="rId24"/>
+    <p:sldId id="1719" r:id="rId25"/>
+    <p:sldId id="1721" r:id="rId26"/>
+    <p:sldId id="1725" r:id="rId27"/>
+    <p:sldId id="1706" r:id="rId28"/>
   </p:sldIdLst>
   <p:sldSz cx="12436475" cy="6994525"/>
   <p:notesSz cx="6858000" cy="9144000"/>
@@ -138,6 +141,11 @@
             <p14:sldId id="1678"/>
             <p14:sldId id="1680"/>
             <p14:sldId id="1714"/>
+            <p14:sldId id="1727"/>
+            <p14:sldId id="1732"/>
+            <p14:sldId id="1729"/>
+            <p14:sldId id="1728"/>
+            <p14:sldId id="1731"/>
             <p14:sldId id="1717"/>
             <p14:sldId id="1713"/>
             <p14:sldId id="1708"/>
@@ -145,12 +153,10 @@
             <p14:sldId id="1710"/>
             <p14:sldId id="1711"/>
             <p14:sldId id="1712"/>
-            <p14:sldId id="1716"/>
-            <p14:sldId id="1720"/>
             <p14:sldId id="1722"/>
-            <p14:sldId id="1726"/>
             <p14:sldId id="1715"/>
             <p14:sldId id="1718"/>
+            <p14:sldId id="1734"/>
             <p14:sldId id="1719"/>
             <p14:sldId id="1721"/>
             <p14:sldId id="1725"/>
@@ -3148,7 +3154,7 @@
               <a:rPr lang="en-US" smtClean="0">
                 <a:latin typeface="Segoe UI" pitchFamily="34" charset="0"/>
               </a:rPr>
-              <a:t>10/20/2023 2:47 PM</a:t>
+              <a:t>10/30/2023 9:55 PM</a:t>
             </a:fld>
             <a:endParaRPr lang="en-US">
               <a:latin typeface="Segoe UI" pitchFamily="34" charset="0"/>
@@ -3426,7 +3432,7 @@
           <a:p>
             <a:fld id="{DCE60099-03E7-4FA1-8A7F-E6E6CFB0F855}" type="datetime8">
               <a:rPr lang="en-US" smtClean="0"/>
-              <a:t>10/20/2023 2:46 PM</a:t>
+              <a:t>10/30/2023 9:54 PM</a:t>
             </a:fld>
             <a:endParaRPr lang="en-US"/>
           </a:p>
@@ -3857,6 +3863,53 @@
           <a:bodyPr/>
           <a:lstStyle/>
           <a:p>
+            <a:pPr marL="0" marR="0" lvl="0" indent="0" algn="l" defTabSz="932742" rtl="0" eaLnBrk="1" fontAlgn="auto" latinLnBrk="0" hangingPunct="1">
+              <a:lnSpc>
+                <a:spcPct val="90000"/>
+              </a:lnSpc>
+              <a:spcBef>
+                <a:spcPts val="0"/>
+              </a:spcBef>
+              <a:spcAft>
+                <a:spcPts val="340"/>
+              </a:spcAft>
+              <a:buClrTx/>
+              <a:buSzTx/>
+              <a:buFontTx/>
+              <a:buNone/>
+              <a:tabLst/>
+              <a:defRPr/>
+            </a:pPr>
+            <a:r>
+              <a:rPr lang="pt-BR" dirty="0"/>
+              <a:t>Solicitar acesso via </a:t>
+            </a:r>
+            <a:r>
+              <a:rPr lang="pt-BR" dirty="0" err="1"/>
+              <a:t>form</a:t>
+            </a:r>
+            <a:r>
+              <a:rPr lang="pt-BR" dirty="0"/>
+              <a:t> do recurso </a:t>
+            </a:r>
+            <a:r>
+              <a:rPr lang="pt-BR" dirty="0" err="1"/>
+              <a:t>azureopenai</a:t>
+            </a:r>
+            <a:r>
+              <a:rPr lang="pt-BR" dirty="0"/>
+              <a:t>(tempo de resposta da </a:t>
+            </a:r>
+            <a:r>
+              <a:rPr lang="pt-BR" dirty="0" err="1"/>
+              <a:t>solicitacao</a:t>
+            </a:r>
+            <a:r>
+              <a:rPr lang="pt-BR" dirty="0"/>
+              <a:t> menciona ate 10 dias uteis, comigo levou 2 dias)</a:t>
+            </a:r>
+          </a:p>
+          <a:p>
             <a:endParaRPr lang="pt-BR" dirty="0"/>
           </a:p>
         </p:txBody>
@@ -3936,7 +3989,7 @@
             <a:fld id="{B4008EB6-D09E-4580-8CD6-DDB14511944F}" type="slidenum">
               <a:rPr lang="en-US" smtClean="0"/>
               <a:pPr/>
-              <a:t>11</a:t>
+              <a:t>10</a:t>
             </a:fld>
             <a:endParaRPr lang="en-US"/>
           </a:p>
@@ -3945,7 +3998,7 @@
     </p:spTree>
     <p:extLst>
       <p:ext uri="{BB962C8B-B14F-4D97-AF65-F5344CB8AC3E}">
-        <p14:creationId xmlns:p14="http://schemas.microsoft.com/office/powerpoint/2010/main" val="274415803"/>
+        <p14:creationId xmlns:p14="http://schemas.microsoft.com/office/powerpoint/2010/main" val="1796332136"/>
       </p:ext>
     </p:extLst>
   </p:cSld>
@@ -4078,7 +4131,575 @@
             <a:fld id="{B4008EB6-D09E-4580-8CD6-DDB14511944F}" type="slidenum">
               <a:rPr lang="en-US" smtClean="0"/>
               <a:pPr/>
+              <a:t>12</a:t>
+            </a:fld>
+            <a:endParaRPr lang="en-US"/>
+          </a:p>
+        </p:txBody>
+      </p:sp>
+    </p:spTree>
+    <p:extLst>
+      <p:ext uri="{BB962C8B-B14F-4D97-AF65-F5344CB8AC3E}">
+        <p14:creationId xmlns:p14="http://schemas.microsoft.com/office/powerpoint/2010/main" val="3350812317"/>
+      </p:ext>
+    </p:extLst>
+  </p:cSld>
+  <p:clrMapOvr>
+    <a:masterClrMapping/>
+  </p:clrMapOvr>
+</p:notes>
+</file>
+
+<file path=ppt/notesSlides/notesSlide12.xml><?xml version="1.0" encoding="utf-8"?>
+<p:notes xmlns:a="http://schemas.openxmlformats.org/drawingml/2006/main" xmlns:r="http://schemas.openxmlformats.org/officeDocument/2006/relationships" xmlns:p="http://schemas.openxmlformats.org/presentationml/2006/main">
+  <p:cSld>
+    <p:spTree>
+      <p:nvGrpSpPr>
+        <p:cNvPr id="1" name=""/>
+        <p:cNvGrpSpPr/>
+        <p:nvPr/>
+      </p:nvGrpSpPr>
+      <p:grpSpPr>
+        <a:xfrm>
+          <a:off x="0" y="0"/>
+          <a:ext cx="0" cy="0"/>
+          <a:chOff x="0" y="0"/>
+          <a:chExt cx="0" cy="0"/>
+        </a:xfrm>
+      </p:grpSpPr>
+      <p:sp>
+        <p:nvSpPr>
+          <p:cNvPr id="2" name="Espaço Reservado para Imagem de Slide 1"/>
+          <p:cNvSpPr>
+            <a:spLocks noGrp="1" noRot="1" noChangeAspect="1"/>
+          </p:cNvSpPr>
+          <p:nvPr>
+            <p:ph type="sldImg"/>
+          </p:nvPr>
+        </p:nvSpPr>
+        <p:spPr/>
+      </p:sp>
+      <p:sp>
+        <p:nvSpPr>
+          <p:cNvPr id="3" name="Espaço Reservado para Anotações 2"/>
+          <p:cNvSpPr>
+            <a:spLocks noGrp="1"/>
+          </p:cNvSpPr>
+          <p:nvPr>
+            <p:ph type="body" idx="1"/>
+          </p:nvPr>
+        </p:nvSpPr>
+        <p:spPr/>
+        <p:txBody>
+          <a:bodyPr/>
+          <a:lstStyle/>
+          <a:p>
+            <a:endParaRPr lang="pt-BR" dirty="0"/>
+          </a:p>
+        </p:txBody>
+      </p:sp>
+      <p:sp>
+        <p:nvSpPr>
+          <p:cNvPr id="4" name="Espaço Reservado para Cabeçalho 3"/>
+          <p:cNvSpPr>
+            <a:spLocks noGrp="1"/>
+          </p:cNvSpPr>
+          <p:nvPr>
+            <p:ph type="hdr" sz="quarter"/>
+          </p:nvPr>
+        </p:nvSpPr>
+        <p:spPr/>
+        <p:txBody>
+          <a:bodyPr/>
+          <a:lstStyle/>
+          <a:p>
+            <a:endParaRPr lang="en-US"/>
+          </a:p>
+        </p:txBody>
+      </p:sp>
+      <p:sp>
+        <p:nvSpPr>
+          <p:cNvPr id="5" name="Espaço Reservado para Rodapé 4"/>
+          <p:cNvSpPr>
+            <a:spLocks noGrp="1"/>
+          </p:cNvSpPr>
+          <p:nvPr>
+            <p:ph type="ftr" sz="quarter" idx="4"/>
+          </p:nvPr>
+        </p:nvSpPr>
+        <p:spPr/>
+        <p:txBody>
+          <a:bodyPr/>
+          <a:lstStyle/>
+          <a:p>
+            <a:pPr defTabSz="914099" eaLnBrk="0" hangingPunct="0"/>
+            <a:r>
+              <a:rPr lang="en-US" sz="400">
+                <a:gradFill>
+                  <a:gsLst>
+                    <a:gs pos="0">
+                      <a:prstClr val="black"/>
+                    </a:gs>
+                    <a:gs pos="100000">
+                      <a:prstClr val="black"/>
+                    </a:gs>
+                  </a:gsLst>
+                  <a:lin ang="5400000" scaled="0"/>
+                </a:gradFill>
+                <a:latin typeface="Segoe UI" pitchFamily="34" charset="0"/>
+                <a:ea typeface="Segoe UI" pitchFamily="34" charset="0"/>
+                <a:cs typeface="Segoe UI" pitchFamily="34" charset="0"/>
+              </a:rPr>
+              <a:t>© Microsoft Corporation</a:t>
+            </a:r>
+          </a:p>
+        </p:txBody>
+      </p:sp>
+      <p:sp>
+        <p:nvSpPr>
+          <p:cNvPr id="6" name="Espaço Reservado para Número de Slide 5"/>
+          <p:cNvSpPr>
+            <a:spLocks noGrp="1"/>
+          </p:cNvSpPr>
+          <p:nvPr>
+            <p:ph type="sldNum" sz="quarter" idx="5"/>
+          </p:nvPr>
+        </p:nvSpPr>
+        <p:spPr/>
+        <p:txBody>
+          <a:bodyPr/>
+          <a:lstStyle/>
+          <a:p>
+            <a:fld id="{B4008EB6-D09E-4580-8CD6-DDB14511944F}" type="slidenum">
+              <a:rPr lang="en-US" smtClean="0"/>
+              <a:pPr/>
+              <a:t>13</a:t>
+            </a:fld>
+            <a:endParaRPr lang="en-US"/>
+          </a:p>
+        </p:txBody>
+      </p:sp>
+    </p:spTree>
+    <p:extLst>
+      <p:ext uri="{BB962C8B-B14F-4D97-AF65-F5344CB8AC3E}">
+        <p14:creationId xmlns:p14="http://schemas.microsoft.com/office/powerpoint/2010/main" val="2112005226"/>
+      </p:ext>
+    </p:extLst>
+  </p:cSld>
+  <p:clrMapOvr>
+    <a:masterClrMapping/>
+  </p:clrMapOvr>
+</p:notes>
+</file>
+
+<file path=ppt/notesSlides/notesSlide13.xml><?xml version="1.0" encoding="utf-8"?>
+<p:notes xmlns:a="http://schemas.openxmlformats.org/drawingml/2006/main" xmlns:r="http://schemas.openxmlformats.org/officeDocument/2006/relationships" xmlns:p="http://schemas.openxmlformats.org/presentationml/2006/main">
+  <p:cSld>
+    <p:spTree>
+      <p:nvGrpSpPr>
+        <p:cNvPr id="1" name=""/>
+        <p:cNvGrpSpPr/>
+        <p:nvPr/>
+      </p:nvGrpSpPr>
+      <p:grpSpPr>
+        <a:xfrm>
+          <a:off x="0" y="0"/>
+          <a:ext cx="0" cy="0"/>
+          <a:chOff x="0" y="0"/>
+          <a:chExt cx="0" cy="0"/>
+        </a:xfrm>
+      </p:grpSpPr>
+      <p:sp>
+        <p:nvSpPr>
+          <p:cNvPr id="2" name="Espaço Reservado para Imagem de Slide 1"/>
+          <p:cNvSpPr>
+            <a:spLocks noGrp="1" noRot="1" noChangeAspect="1"/>
+          </p:cNvSpPr>
+          <p:nvPr>
+            <p:ph type="sldImg"/>
+          </p:nvPr>
+        </p:nvSpPr>
+        <p:spPr/>
+      </p:sp>
+      <p:sp>
+        <p:nvSpPr>
+          <p:cNvPr id="3" name="Espaço Reservado para Anotações 2"/>
+          <p:cNvSpPr>
+            <a:spLocks noGrp="1"/>
+          </p:cNvSpPr>
+          <p:nvPr>
+            <p:ph type="body" idx="1"/>
+          </p:nvPr>
+        </p:nvSpPr>
+        <p:spPr/>
+        <p:txBody>
+          <a:bodyPr/>
+          <a:lstStyle/>
+          <a:p>
+            <a:endParaRPr lang="pt-BR" dirty="0"/>
+          </a:p>
+        </p:txBody>
+      </p:sp>
+      <p:sp>
+        <p:nvSpPr>
+          <p:cNvPr id="4" name="Espaço Reservado para Cabeçalho 3"/>
+          <p:cNvSpPr>
+            <a:spLocks noGrp="1"/>
+          </p:cNvSpPr>
+          <p:nvPr>
+            <p:ph type="hdr" sz="quarter"/>
+          </p:nvPr>
+        </p:nvSpPr>
+        <p:spPr/>
+        <p:txBody>
+          <a:bodyPr/>
+          <a:lstStyle/>
+          <a:p>
+            <a:endParaRPr lang="en-US"/>
+          </a:p>
+        </p:txBody>
+      </p:sp>
+      <p:sp>
+        <p:nvSpPr>
+          <p:cNvPr id="5" name="Espaço Reservado para Rodapé 4"/>
+          <p:cNvSpPr>
+            <a:spLocks noGrp="1"/>
+          </p:cNvSpPr>
+          <p:nvPr>
+            <p:ph type="ftr" sz="quarter" idx="4"/>
+          </p:nvPr>
+        </p:nvSpPr>
+        <p:spPr/>
+        <p:txBody>
+          <a:bodyPr/>
+          <a:lstStyle/>
+          <a:p>
+            <a:pPr defTabSz="914099" eaLnBrk="0" hangingPunct="0"/>
+            <a:r>
+              <a:rPr lang="en-US" sz="400">
+                <a:gradFill>
+                  <a:gsLst>
+                    <a:gs pos="0">
+                      <a:prstClr val="black"/>
+                    </a:gs>
+                    <a:gs pos="100000">
+                      <a:prstClr val="black"/>
+                    </a:gs>
+                  </a:gsLst>
+                  <a:lin ang="5400000" scaled="0"/>
+                </a:gradFill>
+                <a:latin typeface="Segoe UI" pitchFamily="34" charset="0"/>
+                <a:ea typeface="Segoe UI" pitchFamily="34" charset="0"/>
+                <a:cs typeface="Segoe UI" pitchFamily="34" charset="0"/>
+              </a:rPr>
+              <a:t>© Microsoft Corporation</a:t>
+            </a:r>
+          </a:p>
+        </p:txBody>
+      </p:sp>
+      <p:sp>
+        <p:nvSpPr>
+          <p:cNvPr id="6" name="Espaço Reservado para Número de Slide 5"/>
+          <p:cNvSpPr>
+            <a:spLocks noGrp="1"/>
+          </p:cNvSpPr>
+          <p:nvPr>
+            <p:ph type="sldNum" sz="quarter" idx="5"/>
+          </p:nvPr>
+        </p:nvSpPr>
+        <p:spPr/>
+        <p:txBody>
+          <a:bodyPr/>
+          <a:lstStyle/>
+          <a:p>
+            <a:fld id="{B4008EB6-D09E-4580-8CD6-DDB14511944F}" type="slidenum">
+              <a:rPr lang="en-US" smtClean="0"/>
+              <a:pPr/>
+              <a:t>14</a:t>
+            </a:fld>
+            <a:endParaRPr lang="en-US"/>
+          </a:p>
+        </p:txBody>
+      </p:sp>
+    </p:spTree>
+    <p:extLst>
+      <p:ext uri="{BB962C8B-B14F-4D97-AF65-F5344CB8AC3E}">
+        <p14:creationId xmlns:p14="http://schemas.microsoft.com/office/powerpoint/2010/main" val="1173386525"/>
+      </p:ext>
+    </p:extLst>
+  </p:cSld>
+  <p:clrMapOvr>
+    <a:masterClrMapping/>
+  </p:clrMapOvr>
+</p:notes>
+</file>
+
+<file path=ppt/notesSlides/notesSlide14.xml><?xml version="1.0" encoding="utf-8"?>
+<p:notes xmlns:a="http://schemas.openxmlformats.org/drawingml/2006/main" xmlns:r="http://schemas.openxmlformats.org/officeDocument/2006/relationships" xmlns:p="http://schemas.openxmlformats.org/presentationml/2006/main">
+  <p:cSld>
+    <p:spTree>
+      <p:nvGrpSpPr>
+        <p:cNvPr id="1" name=""/>
+        <p:cNvGrpSpPr/>
+        <p:nvPr/>
+      </p:nvGrpSpPr>
+      <p:grpSpPr>
+        <a:xfrm>
+          <a:off x="0" y="0"/>
+          <a:ext cx="0" cy="0"/>
+          <a:chOff x="0" y="0"/>
+          <a:chExt cx="0" cy="0"/>
+        </a:xfrm>
+      </p:grpSpPr>
+      <p:sp>
+        <p:nvSpPr>
+          <p:cNvPr id="2" name="Espaço Reservado para Imagem de Slide 1"/>
+          <p:cNvSpPr>
+            <a:spLocks noGrp="1" noRot="1" noChangeAspect="1"/>
+          </p:cNvSpPr>
+          <p:nvPr>
+            <p:ph type="sldImg"/>
+          </p:nvPr>
+        </p:nvSpPr>
+        <p:spPr/>
+      </p:sp>
+      <p:sp>
+        <p:nvSpPr>
+          <p:cNvPr id="3" name="Espaço Reservado para Anotações 2"/>
+          <p:cNvSpPr>
+            <a:spLocks noGrp="1"/>
+          </p:cNvSpPr>
+          <p:nvPr>
+            <p:ph type="body" idx="1"/>
+          </p:nvPr>
+        </p:nvSpPr>
+        <p:spPr/>
+        <p:txBody>
+          <a:bodyPr/>
+          <a:lstStyle/>
+          <a:p>
+            <a:endParaRPr lang="pt-BR" dirty="0"/>
+          </a:p>
+        </p:txBody>
+      </p:sp>
+      <p:sp>
+        <p:nvSpPr>
+          <p:cNvPr id="4" name="Espaço Reservado para Cabeçalho 3"/>
+          <p:cNvSpPr>
+            <a:spLocks noGrp="1"/>
+          </p:cNvSpPr>
+          <p:nvPr>
+            <p:ph type="hdr" sz="quarter"/>
+          </p:nvPr>
+        </p:nvSpPr>
+        <p:spPr/>
+        <p:txBody>
+          <a:bodyPr/>
+          <a:lstStyle/>
+          <a:p>
+            <a:endParaRPr lang="en-US"/>
+          </a:p>
+        </p:txBody>
+      </p:sp>
+      <p:sp>
+        <p:nvSpPr>
+          <p:cNvPr id="5" name="Espaço Reservado para Rodapé 4"/>
+          <p:cNvSpPr>
+            <a:spLocks noGrp="1"/>
+          </p:cNvSpPr>
+          <p:nvPr>
+            <p:ph type="ftr" sz="quarter" idx="4"/>
+          </p:nvPr>
+        </p:nvSpPr>
+        <p:spPr/>
+        <p:txBody>
+          <a:bodyPr/>
+          <a:lstStyle/>
+          <a:p>
+            <a:pPr defTabSz="914099" eaLnBrk="0" hangingPunct="0"/>
+            <a:r>
+              <a:rPr lang="en-US" sz="400">
+                <a:gradFill>
+                  <a:gsLst>
+                    <a:gs pos="0">
+                      <a:prstClr val="black"/>
+                    </a:gs>
+                    <a:gs pos="100000">
+                      <a:prstClr val="black"/>
+                    </a:gs>
+                  </a:gsLst>
+                  <a:lin ang="5400000" scaled="0"/>
+                </a:gradFill>
+                <a:latin typeface="Segoe UI" pitchFamily="34" charset="0"/>
+                <a:ea typeface="Segoe UI" pitchFamily="34" charset="0"/>
+                <a:cs typeface="Segoe UI" pitchFamily="34" charset="0"/>
+              </a:rPr>
+              <a:t>© Microsoft Corporation</a:t>
+            </a:r>
+          </a:p>
+        </p:txBody>
+      </p:sp>
+      <p:sp>
+        <p:nvSpPr>
+          <p:cNvPr id="6" name="Espaço Reservado para Número de Slide 5"/>
+          <p:cNvSpPr>
+            <a:spLocks noGrp="1"/>
+          </p:cNvSpPr>
+          <p:nvPr>
+            <p:ph type="sldNum" sz="quarter" idx="5"/>
+          </p:nvPr>
+        </p:nvSpPr>
+        <p:spPr/>
+        <p:txBody>
+          <a:bodyPr/>
+          <a:lstStyle/>
+          <a:p>
+            <a:fld id="{B4008EB6-D09E-4580-8CD6-DDB14511944F}" type="slidenum">
+              <a:rPr lang="en-US" smtClean="0"/>
+              <a:pPr/>
               <a:t>15</a:t>
+            </a:fld>
+            <a:endParaRPr lang="en-US"/>
+          </a:p>
+        </p:txBody>
+      </p:sp>
+    </p:spTree>
+    <p:extLst>
+      <p:ext uri="{BB962C8B-B14F-4D97-AF65-F5344CB8AC3E}">
+        <p14:creationId xmlns:p14="http://schemas.microsoft.com/office/powerpoint/2010/main" val="554059990"/>
+      </p:ext>
+    </p:extLst>
+  </p:cSld>
+  <p:clrMapOvr>
+    <a:masterClrMapping/>
+  </p:clrMapOvr>
+</p:notes>
+</file>
+
+<file path=ppt/notesSlides/notesSlide15.xml><?xml version="1.0" encoding="utf-8"?>
+<p:notes xmlns:a="http://schemas.openxmlformats.org/drawingml/2006/main" xmlns:r="http://schemas.openxmlformats.org/officeDocument/2006/relationships" xmlns:p="http://schemas.openxmlformats.org/presentationml/2006/main">
+  <p:cSld>
+    <p:spTree>
+      <p:nvGrpSpPr>
+        <p:cNvPr id="1" name=""/>
+        <p:cNvGrpSpPr/>
+        <p:nvPr/>
+      </p:nvGrpSpPr>
+      <p:grpSpPr>
+        <a:xfrm>
+          <a:off x="0" y="0"/>
+          <a:ext cx="0" cy="0"/>
+          <a:chOff x="0" y="0"/>
+          <a:chExt cx="0" cy="0"/>
+        </a:xfrm>
+      </p:grpSpPr>
+      <p:sp>
+        <p:nvSpPr>
+          <p:cNvPr id="2" name="Espaço Reservado para Imagem de Slide 1"/>
+          <p:cNvSpPr>
+            <a:spLocks noGrp="1" noRot="1" noChangeAspect="1"/>
+          </p:cNvSpPr>
+          <p:nvPr>
+            <p:ph type="sldImg"/>
+          </p:nvPr>
+        </p:nvSpPr>
+        <p:spPr/>
+      </p:sp>
+      <p:sp>
+        <p:nvSpPr>
+          <p:cNvPr id="3" name="Espaço Reservado para Anotações 2"/>
+          <p:cNvSpPr>
+            <a:spLocks noGrp="1"/>
+          </p:cNvSpPr>
+          <p:nvPr>
+            <p:ph type="body" idx="1"/>
+          </p:nvPr>
+        </p:nvSpPr>
+        <p:spPr/>
+        <p:txBody>
+          <a:bodyPr/>
+          <a:lstStyle/>
+          <a:p>
+            <a:endParaRPr lang="pt-BR" dirty="0"/>
+          </a:p>
+        </p:txBody>
+      </p:sp>
+      <p:sp>
+        <p:nvSpPr>
+          <p:cNvPr id="4" name="Espaço Reservado para Cabeçalho 3"/>
+          <p:cNvSpPr>
+            <a:spLocks noGrp="1"/>
+          </p:cNvSpPr>
+          <p:nvPr>
+            <p:ph type="hdr" sz="quarter"/>
+          </p:nvPr>
+        </p:nvSpPr>
+        <p:spPr/>
+        <p:txBody>
+          <a:bodyPr/>
+          <a:lstStyle/>
+          <a:p>
+            <a:endParaRPr lang="en-US"/>
+          </a:p>
+        </p:txBody>
+      </p:sp>
+      <p:sp>
+        <p:nvSpPr>
+          <p:cNvPr id="5" name="Espaço Reservado para Rodapé 4"/>
+          <p:cNvSpPr>
+            <a:spLocks noGrp="1"/>
+          </p:cNvSpPr>
+          <p:nvPr>
+            <p:ph type="ftr" sz="quarter" idx="4"/>
+          </p:nvPr>
+        </p:nvSpPr>
+        <p:spPr/>
+        <p:txBody>
+          <a:bodyPr/>
+          <a:lstStyle/>
+          <a:p>
+            <a:pPr defTabSz="914099" eaLnBrk="0" hangingPunct="0"/>
+            <a:r>
+              <a:rPr lang="en-US" sz="400">
+                <a:gradFill>
+                  <a:gsLst>
+                    <a:gs pos="0">
+                      <a:prstClr val="black"/>
+                    </a:gs>
+                    <a:gs pos="100000">
+                      <a:prstClr val="black"/>
+                    </a:gs>
+                  </a:gsLst>
+                  <a:lin ang="5400000" scaled="0"/>
+                </a:gradFill>
+                <a:latin typeface="Segoe UI" pitchFamily="34" charset="0"/>
+                <a:ea typeface="Segoe UI" pitchFamily="34" charset="0"/>
+                <a:cs typeface="Segoe UI" pitchFamily="34" charset="0"/>
+              </a:rPr>
+              <a:t>© Microsoft Corporation</a:t>
+            </a:r>
+          </a:p>
+        </p:txBody>
+      </p:sp>
+      <p:sp>
+        <p:nvSpPr>
+          <p:cNvPr id="6" name="Espaço Reservado para Número de Slide 5"/>
+          <p:cNvSpPr>
+            <a:spLocks noGrp="1"/>
+          </p:cNvSpPr>
+          <p:nvPr>
+            <p:ph type="sldNum" sz="quarter" idx="5"/>
+          </p:nvPr>
+        </p:nvSpPr>
+        <p:spPr/>
+        <p:txBody>
+          <a:bodyPr/>
+          <a:lstStyle/>
+          <a:p>
+            <a:fld id="{B4008EB6-D09E-4580-8CD6-DDB14511944F}" type="slidenum">
+              <a:rPr lang="en-US" smtClean="0"/>
+              <a:pPr/>
+              <a:t>17</a:t>
             </a:fld>
             <a:endParaRPr lang="en-US"/>
           </a:p>
@@ -4451,50 +5072,29 @@
           <a:bodyPr/>
           <a:lstStyle/>
           <a:p>
-            <a:pPr marL="0" marR="0" lvl="0" indent="0" algn="l" defTabSz="932742" rtl="0" eaLnBrk="1" fontAlgn="auto" latinLnBrk="0" hangingPunct="1">
-              <a:lnSpc>
-                <a:spcPct val="90000"/>
-              </a:lnSpc>
-              <a:spcBef>
-                <a:spcPts val="0"/>
-              </a:spcBef>
-              <a:spcAft>
-                <a:spcPts val="340"/>
-              </a:spcAft>
-              <a:buClrTx/>
-              <a:buSzTx/>
-              <a:buFontTx/>
-              <a:buNone/>
-              <a:tabLst/>
-              <a:defRPr/>
-            </a:pPr>
-            <a:r>
-              <a:rPr lang="pt-BR" dirty="0"/>
-              <a:t>Solicitar acesso via </a:t>
-            </a:r>
-            <a:r>
-              <a:rPr lang="pt-BR" dirty="0" err="1"/>
-              <a:t>form</a:t>
-            </a:r>
-            <a:r>
-              <a:rPr lang="pt-BR" dirty="0"/>
-              <a:t> do recurso </a:t>
-            </a:r>
-            <a:r>
-              <a:rPr lang="pt-BR" dirty="0" err="1"/>
-              <a:t>azureopenai</a:t>
-            </a:r>
-            <a:r>
-              <a:rPr lang="pt-BR" dirty="0"/>
-              <a:t>(tempo de resposta da </a:t>
-            </a:r>
-            <a:r>
-              <a:rPr lang="pt-BR" dirty="0" err="1"/>
-              <a:t>solicitacao</a:t>
-            </a:r>
-            <a:r>
-              <a:rPr lang="pt-BR" dirty="0"/>
-              <a:t> menciona ate 10 dias uteis, comigo levou 2 dias)</a:t>
+            <a:pPr algn="l"/>
+            <a:r>
+              <a:rPr lang="pt-BR" b="0" i="0" dirty="0">
+                <a:solidFill>
+                  <a:srgbClr val="58595B"/>
+                </a:solidFill>
+                <a:effectLst/>
+                <a:latin typeface="Montserrat" panose="00000500000000000000" pitchFamily="2" charset="0"/>
+              </a:rPr>
+              <a:t>Paraná banco é considerado pioneiro no crédito consignado, oferece este serviço desde 1995 e hoje é especialista no segmento, oferecendo-o para aposentados e pensionistas do INSS, servidores públicos (federais, estaduais e municipais) e profissionais das Forças Armadas para contratação em nossas lojas físicas ou pela internet.</a:t>
+            </a:r>
+          </a:p>
+          <a:p>
+            <a:pPr algn="l"/>
+            <a:r>
+              <a:rPr lang="pt-BR" b="0" i="0" dirty="0">
+                <a:solidFill>
+                  <a:srgbClr val="58595B"/>
+                </a:solidFill>
+                <a:effectLst/>
+                <a:latin typeface="Montserrat" panose="00000500000000000000" pitchFamily="2" charset="0"/>
+              </a:rPr>
+              <a:t>Atualmente, possuí 20 lojas próprias e mais de 135 correspondentes exclusivos. Estamos presentes em todo o país, oferecendo empréstimos com segurança e transparência para quem deseja quitar dívidas maiores, investir em algo ou mesmo realizar um sonho.</a:t>
             </a:r>
           </a:p>
           <a:p>
@@ -4586,7 +5186,7 @@
     </p:spTree>
     <p:extLst>
       <p:ext uri="{BB962C8B-B14F-4D97-AF65-F5344CB8AC3E}">
-        <p14:creationId xmlns:p14="http://schemas.microsoft.com/office/powerpoint/2010/main" val="627931561"/>
+        <p14:creationId xmlns:p14="http://schemas.microsoft.com/office/powerpoint/2010/main" val="2751782502"/>
       </p:ext>
     </p:extLst>
   </p:cSld>
@@ -4775,7 +5375,7 @@
     </p:spTree>
     <p:extLst>
       <p:ext uri="{BB962C8B-B14F-4D97-AF65-F5344CB8AC3E}">
-        <p14:creationId xmlns:p14="http://schemas.microsoft.com/office/powerpoint/2010/main" val="1796332136"/>
+        <p14:creationId xmlns:p14="http://schemas.microsoft.com/office/powerpoint/2010/main" val="1090016557"/>
       </p:ext>
     </p:extLst>
   </p:cSld>
@@ -4829,6 +5429,53 @@
           <a:bodyPr/>
           <a:lstStyle/>
           <a:p>
+            <a:pPr marL="0" marR="0" lvl="0" indent="0" algn="l" defTabSz="932742" rtl="0" eaLnBrk="1" fontAlgn="auto" latinLnBrk="0" hangingPunct="1">
+              <a:lnSpc>
+                <a:spcPct val="90000"/>
+              </a:lnSpc>
+              <a:spcBef>
+                <a:spcPts val="0"/>
+              </a:spcBef>
+              <a:spcAft>
+                <a:spcPts val="340"/>
+              </a:spcAft>
+              <a:buClrTx/>
+              <a:buSzTx/>
+              <a:buFontTx/>
+              <a:buNone/>
+              <a:tabLst/>
+              <a:defRPr/>
+            </a:pPr>
+            <a:r>
+              <a:rPr lang="pt-BR" dirty="0"/>
+              <a:t>Solicitar acesso via </a:t>
+            </a:r>
+            <a:r>
+              <a:rPr lang="pt-BR" dirty="0" err="1"/>
+              <a:t>form</a:t>
+            </a:r>
+            <a:r>
+              <a:rPr lang="pt-BR" dirty="0"/>
+              <a:t> do recurso </a:t>
+            </a:r>
+            <a:r>
+              <a:rPr lang="pt-BR" dirty="0" err="1"/>
+              <a:t>azureopenai</a:t>
+            </a:r>
+            <a:r>
+              <a:rPr lang="pt-BR" dirty="0"/>
+              <a:t>(tempo de resposta da </a:t>
+            </a:r>
+            <a:r>
+              <a:rPr lang="pt-BR" dirty="0" err="1"/>
+              <a:t>solicitacao</a:t>
+            </a:r>
+            <a:r>
+              <a:rPr lang="pt-BR" dirty="0"/>
+              <a:t> menciona ate 10 dias uteis, comigo levou 2 dias)</a:t>
+            </a:r>
+          </a:p>
+          <a:p>
             <a:endParaRPr lang="pt-BR" dirty="0"/>
           </a:p>
         </p:txBody>
@@ -4908,7 +5555,7 @@
             <a:fld id="{B4008EB6-D09E-4580-8CD6-DDB14511944F}" type="slidenum">
               <a:rPr lang="en-US" smtClean="0"/>
               <a:pPr/>
-              <a:t>7</a:t>
+              <a:t>6</a:t>
             </a:fld>
             <a:endParaRPr lang="en-US"/>
           </a:p>
@@ -4917,7 +5564,7 @@
     </p:spTree>
     <p:extLst>
       <p:ext uri="{BB962C8B-B14F-4D97-AF65-F5344CB8AC3E}">
-        <p14:creationId xmlns:p14="http://schemas.microsoft.com/office/powerpoint/2010/main" val="3350812317"/>
+        <p14:creationId xmlns:p14="http://schemas.microsoft.com/office/powerpoint/2010/main" val="1382492881"/>
       </p:ext>
     </p:extLst>
   </p:cSld>
@@ -4971,6 +5618,53 @@
           <a:bodyPr/>
           <a:lstStyle/>
           <a:p>
+            <a:pPr marL="0" marR="0" lvl="0" indent="0" algn="l" defTabSz="932742" rtl="0" eaLnBrk="1" fontAlgn="auto" latinLnBrk="0" hangingPunct="1">
+              <a:lnSpc>
+                <a:spcPct val="90000"/>
+              </a:lnSpc>
+              <a:spcBef>
+                <a:spcPts val="0"/>
+              </a:spcBef>
+              <a:spcAft>
+                <a:spcPts val="340"/>
+              </a:spcAft>
+              <a:buClrTx/>
+              <a:buSzTx/>
+              <a:buFontTx/>
+              <a:buNone/>
+              <a:tabLst/>
+              <a:defRPr/>
+            </a:pPr>
+            <a:r>
+              <a:rPr lang="pt-BR" dirty="0"/>
+              <a:t>Solicitar acesso via </a:t>
+            </a:r>
+            <a:r>
+              <a:rPr lang="pt-BR" dirty="0" err="1"/>
+              <a:t>form</a:t>
+            </a:r>
+            <a:r>
+              <a:rPr lang="pt-BR" dirty="0"/>
+              <a:t> do recurso </a:t>
+            </a:r>
+            <a:r>
+              <a:rPr lang="pt-BR" dirty="0" err="1"/>
+              <a:t>azureopenai</a:t>
+            </a:r>
+            <a:r>
+              <a:rPr lang="pt-BR" dirty="0"/>
+              <a:t>(tempo de resposta da </a:t>
+            </a:r>
+            <a:r>
+              <a:rPr lang="pt-BR" dirty="0" err="1"/>
+              <a:t>solicitacao</a:t>
+            </a:r>
+            <a:r>
+              <a:rPr lang="pt-BR" dirty="0"/>
+              <a:t> menciona ate 10 dias uteis, comigo levou 2 dias)</a:t>
+            </a:r>
+          </a:p>
+          <a:p>
             <a:endParaRPr lang="pt-BR" dirty="0"/>
           </a:p>
         </p:txBody>
@@ -5050,7 +5744,7 @@
             <a:fld id="{B4008EB6-D09E-4580-8CD6-DDB14511944F}" type="slidenum">
               <a:rPr lang="en-US" smtClean="0"/>
               <a:pPr/>
-              <a:t>8</a:t>
+              <a:t>7</a:t>
             </a:fld>
             <a:endParaRPr lang="en-US"/>
           </a:p>
@@ -5059,7 +5753,7 @@
     </p:spTree>
     <p:extLst>
       <p:ext uri="{BB962C8B-B14F-4D97-AF65-F5344CB8AC3E}">
-        <p14:creationId xmlns:p14="http://schemas.microsoft.com/office/powerpoint/2010/main" val="2112005226"/>
+        <p14:creationId xmlns:p14="http://schemas.microsoft.com/office/powerpoint/2010/main" val="1238259769"/>
       </p:ext>
     </p:extLst>
   </p:cSld>
@@ -5113,6 +5807,53 @@
           <a:bodyPr/>
           <a:lstStyle/>
           <a:p>
+            <a:pPr marL="0" marR="0" lvl="0" indent="0" algn="l" defTabSz="932742" rtl="0" eaLnBrk="1" fontAlgn="auto" latinLnBrk="0" hangingPunct="1">
+              <a:lnSpc>
+                <a:spcPct val="90000"/>
+              </a:lnSpc>
+              <a:spcBef>
+                <a:spcPts val="0"/>
+              </a:spcBef>
+              <a:spcAft>
+                <a:spcPts val="340"/>
+              </a:spcAft>
+              <a:buClrTx/>
+              <a:buSzTx/>
+              <a:buFontTx/>
+              <a:buNone/>
+              <a:tabLst/>
+              <a:defRPr/>
+            </a:pPr>
+            <a:r>
+              <a:rPr lang="pt-BR" dirty="0"/>
+              <a:t>Solicitar acesso via </a:t>
+            </a:r>
+            <a:r>
+              <a:rPr lang="pt-BR" dirty="0" err="1"/>
+              <a:t>form</a:t>
+            </a:r>
+            <a:r>
+              <a:rPr lang="pt-BR" dirty="0"/>
+              <a:t> do recurso </a:t>
+            </a:r>
+            <a:r>
+              <a:rPr lang="pt-BR" dirty="0" err="1"/>
+              <a:t>azureopenai</a:t>
+            </a:r>
+            <a:r>
+              <a:rPr lang="pt-BR" dirty="0"/>
+              <a:t>(tempo de resposta da </a:t>
+            </a:r>
+            <a:r>
+              <a:rPr lang="pt-BR" dirty="0" err="1"/>
+              <a:t>solicitacao</a:t>
+            </a:r>
+            <a:r>
+              <a:rPr lang="pt-BR" dirty="0"/>
+              <a:t> menciona ate 10 dias uteis, comigo levou 2 dias)</a:t>
+            </a:r>
+          </a:p>
+          <a:p>
             <a:endParaRPr lang="pt-BR" dirty="0"/>
           </a:p>
         </p:txBody>
@@ -5192,7 +5933,7 @@
             <a:fld id="{B4008EB6-D09E-4580-8CD6-DDB14511944F}" type="slidenum">
               <a:rPr lang="en-US" smtClean="0"/>
               <a:pPr/>
-              <a:t>9</a:t>
+              <a:t>8</a:t>
             </a:fld>
             <a:endParaRPr lang="en-US"/>
           </a:p>
@@ -5201,7 +5942,7 @@
     </p:spTree>
     <p:extLst>
       <p:ext uri="{BB962C8B-B14F-4D97-AF65-F5344CB8AC3E}">
-        <p14:creationId xmlns:p14="http://schemas.microsoft.com/office/powerpoint/2010/main" val="1173386525"/>
+        <p14:creationId xmlns:p14="http://schemas.microsoft.com/office/powerpoint/2010/main" val="3161800085"/>
       </p:ext>
     </p:extLst>
   </p:cSld>
@@ -5255,6 +5996,53 @@
           <a:bodyPr/>
           <a:lstStyle/>
           <a:p>
+            <a:pPr marL="0" marR="0" lvl="0" indent="0" algn="l" defTabSz="932742" rtl="0" eaLnBrk="1" fontAlgn="auto" latinLnBrk="0" hangingPunct="1">
+              <a:lnSpc>
+                <a:spcPct val="90000"/>
+              </a:lnSpc>
+              <a:spcBef>
+                <a:spcPts val="0"/>
+              </a:spcBef>
+              <a:spcAft>
+                <a:spcPts val="340"/>
+              </a:spcAft>
+              <a:buClrTx/>
+              <a:buSzTx/>
+              <a:buFontTx/>
+              <a:buNone/>
+              <a:tabLst/>
+              <a:defRPr/>
+            </a:pPr>
+            <a:r>
+              <a:rPr lang="pt-BR" dirty="0"/>
+              <a:t>Solicitar acesso via </a:t>
+            </a:r>
+            <a:r>
+              <a:rPr lang="pt-BR" dirty="0" err="1"/>
+              <a:t>form</a:t>
+            </a:r>
+            <a:r>
+              <a:rPr lang="pt-BR" dirty="0"/>
+              <a:t> do recurso </a:t>
+            </a:r>
+            <a:r>
+              <a:rPr lang="pt-BR" dirty="0" err="1"/>
+              <a:t>azureopenai</a:t>
+            </a:r>
+            <a:r>
+              <a:rPr lang="pt-BR" dirty="0"/>
+              <a:t>(tempo de resposta da </a:t>
+            </a:r>
+            <a:r>
+              <a:rPr lang="pt-BR" dirty="0" err="1"/>
+              <a:t>solicitacao</a:t>
+            </a:r>
+            <a:r>
+              <a:rPr lang="pt-BR" dirty="0"/>
+              <a:t> menciona ate 10 dias uteis, comigo levou 2 dias)</a:t>
+            </a:r>
+          </a:p>
+          <a:p>
             <a:endParaRPr lang="pt-BR" dirty="0"/>
           </a:p>
         </p:txBody>
@@ -5334,7 +6122,7 @@
             <a:fld id="{B4008EB6-D09E-4580-8CD6-DDB14511944F}" type="slidenum">
               <a:rPr lang="en-US" smtClean="0"/>
               <a:pPr/>
-              <a:t>10</a:t>
+              <a:t>9</a:t>
             </a:fld>
             <a:endParaRPr lang="en-US"/>
           </a:p>
@@ -5343,7 +6131,7 @@
     </p:spTree>
     <p:extLst>
       <p:ext uri="{BB962C8B-B14F-4D97-AF65-F5344CB8AC3E}">
-        <p14:creationId xmlns:p14="http://schemas.microsoft.com/office/powerpoint/2010/main" val="554059990"/>
+        <p14:creationId xmlns:p14="http://schemas.microsoft.com/office/powerpoint/2010/main" val="627931561"/>
       </p:ext>
     </p:extLst>
   </p:cSld>
@@ -23438,6 +24226,1867 @@
       </p:grpSpPr>
       <p:sp>
         <p:nvSpPr>
+          <p:cNvPr id="3" name="Espaço Reservado para Texto 2">
+            <a:extLst>
+              <a:ext uri="{FF2B5EF4-FFF2-40B4-BE49-F238E27FC236}">
+                <a16:creationId xmlns:a16="http://schemas.microsoft.com/office/drawing/2014/main" id="{8E435BE1-BB00-2F2E-B55F-6181CD3CBC66}"/>
+              </a:ext>
+            </a:extLst>
+          </p:cNvPr>
+          <p:cNvSpPr>
+            <a:spLocks noGrp="1"/>
+          </p:cNvSpPr>
+          <p:nvPr>
+            <p:ph type="body" sz="quarter" idx="15"/>
+          </p:nvPr>
+        </p:nvSpPr>
+        <p:spPr>
+          <a:xfrm>
+            <a:off x="451338" y="4806684"/>
+            <a:ext cx="11221853" cy="738664"/>
+          </a:xfrm>
+          <a:noFill/>
+        </p:spPr>
+        <p:txBody>
+          <a:bodyPr wrap="square">
+            <a:spAutoFit/>
+          </a:bodyPr>
+          <a:lstStyle/>
+          <a:p>
+            <a:r>
+              <a:rPr lang="pt-BR" dirty="0">
+                <a:solidFill>
+                  <a:schemeClr val="bg1"/>
+                </a:solidFill>
+                <a:latin typeface="+mn-lt"/>
+              </a:rPr>
+              <a:t>https://customervoice.microsoft.com/Pages/ResponsePage.aspx?id=v4j5cvGGr0GRqy180BHbR7en2Ais5pxKtso_Pz4b1_xUOFA5Qk1UWDRBMjg0WFhPMkIzTzhKQ1dWNyQlQCN0PWcu</a:t>
+            </a:r>
+          </a:p>
+        </p:txBody>
+      </p:sp>
+      <p:pic>
+        <p:nvPicPr>
+          <p:cNvPr id="7" name="Imagem 6">
+            <a:extLst>
+              <a:ext uri="{FF2B5EF4-FFF2-40B4-BE49-F238E27FC236}">
+                <a16:creationId xmlns:a16="http://schemas.microsoft.com/office/drawing/2014/main" id="{B812E6CA-E671-5E1C-F0F0-4D59D6148E7C}"/>
+              </a:ext>
+            </a:extLst>
+          </p:cNvPr>
+          <p:cNvPicPr>
+            <a:picLocks noChangeAspect="1"/>
+          </p:cNvPicPr>
+          <p:nvPr/>
+        </p:nvPicPr>
+        <p:blipFill>
+          <a:blip r:embed="rId3"/>
+          <a:stretch>
+            <a:fillRect/>
+          </a:stretch>
+        </p:blipFill>
+        <p:spPr>
+          <a:xfrm>
+            <a:off x="4593399" y="2106999"/>
+            <a:ext cx="2607652" cy="2442611"/>
+          </a:xfrm>
+          <a:prstGeom prst="rect">
+            <a:avLst/>
+          </a:prstGeom>
+          <a:ln>
+            <a:noFill/>
+          </a:ln>
+          <a:effectLst>
+            <a:softEdge rad="112500"/>
+          </a:effectLst>
+        </p:spPr>
+        <p:style>
+          <a:lnRef idx="2">
+            <a:schemeClr val="accent3">
+              <a:shade val="15000"/>
+            </a:schemeClr>
+          </a:lnRef>
+          <a:fillRef idx="1">
+            <a:schemeClr val="accent3"/>
+          </a:fillRef>
+          <a:effectRef idx="0">
+            <a:schemeClr val="accent3"/>
+          </a:effectRef>
+          <a:fontRef idx="minor">
+            <a:schemeClr val="lt1"/>
+          </a:fontRef>
+        </p:style>
+      </p:pic>
+      <p:sp>
+        <p:nvSpPr>
+          <p:cNvPr id="8" name="Espaço Reservado para Texto 2">
+            <a:extLst>
+              <a:ext uri="{FF2B5EF4-FFF2-40B4-BE49-F238E27FC236}">
+                <a16:creationId xmlns:a16="http://schemas.microsoft.com/office/drawing/2014/main" id="{B0A2DA19-2FA7-0E77-4EB4-1C324C7738EA}"/>
+              </a:ext>
+            </a:extLst>
+          </p:cNvPr>
+          <p:cNvSpPr txBox="1">
+            <a:spLocks/>
+          </p:cNvSpPr>
+          <p:nvPr/>
+        </p:nvSpPr>
+        <p:spPr>
+          <a:xfrm>
+            <a:off x="451338" y="803485"/>
+            <a:ext cx="9795376" cy="677108"/>
+          </a:xfrm>
+          <a:prstGeom prst="rect">
+            <a:avLst/>
+          </a:prstGeom>
+        </p:spPr>
+        <p:txBody>
+          <a:bodyPr vert="horz" wrap="square" lIns="0" tIns="91440" rIns="146304" bIns="91440" rtlCol="0">
+            <a:spAutoFit/>
+          </a:bodyPr>
+          <a:lstStyle>
+            <a:lvl1pPr marL="0" marR="0" indent="0" algn="l" defTabSz="932742" rtl="0" eaLnBrk="1" fontAlgn="auto" latinLnBrk="0" hangingPunct="1">
+              <a:lnSpc>
+                <a:spcPct val="100000"/>
+              </a:lnSpc>
+              <a:spcBef>
+                <a:spcPts val="0"/>
+              </a:spcBef>
+              <a:spcAft>
+                <a:spcPts val="0"/>
+              </a:spcAft>
+              <a:buClrTx/>
+              <a:buSzPct val="90000"/>
+              <a:buFont typeface="Wingdings" panose="05000000000000000000" pitchFamily="2" charset="2"/>
+              <a:buNone/>
+              <a:tabLst/>
+              <a:defRPr sz="1800" kern="1200" spc="-50" baseline="0">
+                <a:solidFill>
+                  <a:schemeClr val="bg2"/>
+                </a:solidFill>
+                <a:latin typeface="+mj-lt"/>
+                <a:ea typeface="+mn-ea"/>
+                <a:cs typeface="+mn-cs"/>
+              </a:defRPr>
+            </a:lvl1pPr>
+            <a:lvl2pPr marL="0" marR="0" indent="0" algn="l" defTabSz="932742" rtl="0" eaLnBrk="1" fontAlgn="auto" latinLnBrk="0" hangingPunct="1">
+              <a:lnSpc>
+                <a:spcPct val="100000"/>
+              </a:lnSpc>
+              <a:spcBef>
+                <a:spcPts val="0"/>
+              </a:spcBef>
+              <a:spcAft>
+                <a:spcPts val="0"/>
+              </a:spcAft>
+              <a:buClrTx/>
+              <a:buSzPct val="90000"/>
+              <a:buFontTx/>
+              <a:buNone/>
+              <a:tabLst/>
+              <a:defRPr sz="1800" kern="1200" spc="0" baseline="0">
+                <a:solidFill>
+                  <a:srgbClr val="000000"/>
+                </a:solidFill>
+                <a:latin typeface="+mn-lt"/>
+                <a:ea typeface="+mn-ea"/>
+                <a:cs typeface="+mn-cs"/>
+              </a:defRPr>
+            </a:lvl2pPr>
+            <a:lvl3pPr marL="0" marR="0" indent="0" algn="l" defTabSz="932742" rtl="0" eaLnBrk="1" fontAlgn="auto" latinLnBrk="0" hangingPunct="1">
+              <a:lnSpc>
+                <a:spcPct val="100000"/>
+              </a:lnSpc>
+              <a:spcBef>
+                <a:spcPts val="0"/>
+              </a:spcBef>
+              <a:spcAft>
+                <a:spcPts val="0"/>
+              </a:spcAft>
+              <a:buClrTx/>
+              <a:buSzPct val="90000"/>
+              <a:buFont typeface="Wingdings" panose="05000000000000000000" pitchFamily="2" charset="2"/>
+              <a:buNone/>
+              <a:tabLst/>
+              <a:defRPr sz="1400" kern="1200" spc="0" baseline="0">
+                <a:solidFill>
+                  <a:schemeClr val="tx2"/>
+                </a:solidFill>
+                <a:latin typeface="+mj-lt"/>
+                <a:ea typeface="+mn-ea"/>
+                <a:cs typeface="+mn-cs"/>
+              </a:defRPr>
+            </a:lvl3pPr>
+            <a:lvl4pPr marL="0" marR="0" indent="0" algn="l" defTabSz="932742" rtl="0" eaLnBrk="1" fontAlgn="auto" latinLnBrk="0" hangingPunct="1">
+              <a:lnSpc>
+                <a:spcPct val="100000"/>
+              </a:lnSpc>
+              <a:spcBef>
+                <a:spcPts val="0"/>
+              </a:spcBef>
+              <a:spcAft>
+                <a:spcPts val="0"/>
+              </a:spcAft>
+              <a:buClrTx/>
+              <a:buSzPct val="90000"/>
+              <a:buFont typeface="Wingdings" panose="05000000000000000000" pitchFamily="2" charset="2"/>
+              <a:buNone/>
+              <a:tabLst/>
+              <a:defRPr sz="1400" kern="1200" spc="0" baseline="0">
+                <a:solidFill>
+                  <a:srgbClr val="000000"/>
+                </a:solidFill>
+                <a:latin typeface="+mn-lt"/>
+                <a:ea typeface="+mn-ea"/>
+                <a:cs typeface="+mn-cs"/>
+              </a:defRPr>
+            </a:lvl4pPr>
+            <a:lvl5pPr marL="0" marR="0" indent="0" algn="l" defTabSz="932742" rtl="0" eaLnBrk="1" fontAlgn="auto" latinLnBrk="0" hangingPunct="1">
+              <a:lnSpc>
+                <a:spcPct val="100000"/>
+              </a:lnSpc>
+              <a:spcBef>
+                <a:spcPts val="0"/>
+              </a:spcBef>
+              <a:spcAft>
+                <a:spcPts val="0"/>
+              </a:spcAft>
+              <a:buClrTx/>
+              <a:buSzPct val="90000"/>
+              <a:buFont typeface="Wingdings" panose="05000000000000000000" pitchFamily="2" charset="2"/>
+              <a:buNone/>
+              <a:tabLst/>
+              <a:defRPr sz="1050" b="1" kern="1200" spc="0" baseline="0">
+                <a:solidFill>
+                  <a:srgbClr val="000000"/>
+                </a:solidFill>
+                <a:latin typeface="+mn-lt"/>
+                <a:ea typeface="+mn-ea"/>
+                <a:cs typeface="+mn-cs"/>
+              </a:defRPr>
+            </a:lvl5pPr>
+            <a:lvl6pPr marL="2331854" indent="0" algn="l" defTabSz="932742" rtl="0" eaLnBrk="1" latinLnBrk="0" hangingPunct="1">
+              <a:spcBef>
+                <a:spcPct val="20000"/>
+              </a:spcBef>
+              <a:buFont typeface="Arial" pitchFamily="34" charset="0"/>
+              <a:buNone/>
+              <a:defRPr sz="2000" kern="1200">
+                <a:solidFill>
+                  <a:schemeClr val="tx1"/>
+                </a:solidFill>
+                <a:latin typeface="+mn-lt"/>
+                <a:ea typeface="+mn-ea"/>
+                <a:cs typeface="+mn-cs"/>
+              </a:defRPr>
+            </a:lvl6pPr>
+            <a:lvl7pPr marL="0" indent="0" algn="l" defTabSz="932742" rtl="0" eaLnBrk="1" latinLnBrk="0" hangingPunct="1">
+              <a:lnSpc>
+                <a:spcPct val="100000"/>
+              </a:lnSpc>
+              <a:spcBef>
+                <a:spcPts val="0"/>
+              </a:spcBef>
+              <a:spcAft>
+                <a:spcPts val="0"/>
+              </a:spcAft>
+              <a:buFont typeface="Arial" pitchFamily="34" charset="0"/>
+              <a:buNone/>
+              <a:defRPr sz="1000" kern="1200">
+                <a:solidFill>
+                  <a:srgbClr val="000000"/>
+                </a:solidFill>
+                <a:latin typeface="+mn-lt"/>
+                <a:ea typeface="+mn-ea"/>
+                <a:cs typeface="+mn-cs"/>
+              </a:defRPr>
+            </a:lvl7pPr>
+            <a:lvl8pPr marL="3497783" indent="-233186" algn="l" defTabSz="932742" rtl="0" eaLnBrk="1" latinLnBrk="0" hangingPunct="1">
+              <a:spcBef>
+                <a:spcPct val="20000"/>
+              </a:spcBef>
+              <a:buFont typeface="Arial" pitchFamily="34" charset="0"/>
+              <a:buChar char="•"/>
+              <a:defRPr sz="2000" kern="1200">
+                <a:solidFill>
+                  <a:schemeClr val="tx1"/>
+                </a:solidFill>
+                <a:latin typeface="+mn-lt"/>
+                <a:ea typeface="+mn-ea"/>
+                <a:cs typeface="+mn-cs"/>
+              </a:defRPr>
+            </a:lvl8pPr>
+            <a:lvl9pPr marL="3964155" indent="-233186" algn="l" defTabSz="932742" rtl="0" eaLnBrk="1" latinLnBrk="0" hangingPunct="1">
+              <a:spcBef>
+                <a:spcPct val="20000"/>
+              </a:spcBef>
+              <a:buFont typeface="Arial" pitchFamily="34" charset="0"/>
+              <a:buChar char="•"/>
+              <a:defRPr sz="2000" kern="1200">
+                <a:solidFill>
+                  <a:schemeClr val="tx1"/>
+                </a:solidFill>
+                <a:latin typeface="+mn-lt"/>
+                <a:ea typeface="+mn-ea"/>
+                <a:cs typeface="+mn-cs"/>
+              </a:defRPr>
+            </a:lvl9pPr>
+          </a:lstStyle>
+          <a:p>
+            <a:r>
+              <a:rPr lang="pt-BR" sz="3200" dirty="0"/>
+              <a:t>Formulário para ter acesso ao recurso </a:t>
+            </a:r>
+            <a:r>
+              <a:rPr lang="pt-BR" sz="3200" dirty="0" err="1"/>
+              <a:t>AzureOpenAI</a:t>
+            </a:r>
+            <a:endParaRPr lang="pt-BR" sz="3200" dirty="0"/>
+          </a:p>
+        </p:txBody>
+      </p:sp>
+    </p:spTree>
+    <p:extLst>
+      <p:ext uri="{BB962C8B-B14F-4D97-AF65-F5344CB8AC3E}">
+        <p14:creationId xmlns:p14="http://schemas.microsoft.com/office/powerpoint/2010/main" val="1714491406"/>
+      </p:ext>
+    </p:extLst>
+  </p:cSld>
+  <p:clrMapOvr>
+    <a:masterClrMapping/>
+  </p:clrMapOvr>
+  <mc:AlternateContent xmlns:mc="http://schemas.openxmlformats.org/markup-compatibility/2006" xmlns:p14="http://schemas.microsoft.com/office/powerpoint/2010/main">
+    <mc:Choice Requires="p14">
+      <p:transition spd="med" p14:dur="700">
+        <p:fade/>
+      </p:transition>
+    </mc:Choice>
+    <mc:Fallback xmlns="">
+      <p:transition spd="med">
+        <p:fade/>
+      </p:transition>
+    </mc:Fallback>
+  </mc:AlternateContent>
+</p:sld>
+</file>
+
+<file path=ppt/slides/slide11.xml><?xml version="1.0" encoding="utf-8"?>
+<p:sld xmlns:a="http://schemas.openxmlformats.org/drawingml/2006/main" xmlns:r="http://schemas.openxmlformats.org/officeDocument/2006/relationships" xmlns:p="http://schemas.openxmlformats.org/presentationml/2006/main">
+  <p:cSld>
+    <p:spTree>
+      <p:nvGrpSpPr>
+        <p:cNvPr id="1" name=""/>
+        <p:cNvGrpSpPr/>
+        <p:nvPr/>
+      </p:nvGrpSpPr>
+      <p:grpSpPr>
+        <a:xfrm>
+          <a:off x="0" y="0"/>
+          <a:ext cx="0" cy="0"/>
+          <a:chOff x="0" y="0"/>
+          <a:chExt cx="0" cy="0"/>
+        </a:xfrm>
+      </p:grpSpPr>
+      <p:sp>
+        <p:nvSpPr>
+          <p:cNvPr id="5" name="CaixaDeTexto 4">
+            <a:extLst>
+              <a:ext uri="{FF2B5EF4-FFF2-40B4-BE49-F238E27FC236}">
+                <a16:creationId xmlns:a16="http://schemas.microsoft.com/office/drawing/2014/main" id="{8ACDB991-EC5C-F38D-2382-DB6C1328DBFA}"/>
+              </a:ext>
+            </a:extLst>
+          </p:cNvPr>
+          <p:cNvSpPr txBox="1"/>
+          <p:nvPr/>
+        </p:nvSpPr>
+        <p:spPr>
+          <a:xfrm>
+            <a:off x="456996" y="5267709"/>
+            <a:ext cx="10649356" cy="369332"/>
+          </a:xfrm>
+          <a:prstGeom prst="rect">
+            <a:avLst/>
+          </a:prstGeom>
+          <a:noFill/>
+        </p:spPr>
+        <p:txBody>
+          <a:bodyPr wrap="square">
+            <a:spAutoFit/>
+          </a:bodyPr>
+          <a:lstStyle/>
+          <a:p>
+            <a:r>
+              <a:rPr lang="pt-BR" dirty="0">
+                <a:solidFill>
+                  <a:schemeClr val="bg1"/>
+                </a:solidFill>
+              </a:rPr>
+              <a:t>https://learn.microsoft.com/pt-br/azure/</a:t>
+            </a:r>
+            <a:r>
+              <a:rPr lang="pt-BR" spc="-50" dirty="0">
+                <a:solidFill>
+                  <a:schemeClr val="bg1"/>
+                </a:solidFill>
+                <a:latin typeface="+mj-lt"/>
+              </a:rPr>
+              <a:t>ai-services</a:t>
+            </a:r>
+            <a:r>
+              <a:rPr lang="pt-BR" dirty="0">
+                <a:solidFill>
+                  <a:schemeClr val="bg1"/>
+                </a:solidFill>
+              </a:rPr>
+              <a:t>/openai/concepts/models</a:t>
+            </a:r>
+          </a:p>
+        </p:txBody>
+      </p:sp>
+      <p:sp>
+        <p:nvSpPr>
+          <p:cNvPr id="6" name="Espaço Reservado para Texto 2">
+            <a:extLst>
+              <a:ext uri="{FF2B5EF4-FFF2-40B4-BE49-F238E27FC236}">
+                <a16:creationId xmlns:a16="http://schemas.microsoft.com/office/drawing/2014/main" id="{4241B9D4-4E11-C865-F7EE-C8ADDF366F9D}"/>
+              </a:ext>
+            </a:extLst>
+          </p:cNvPr>
+          <p:cNvSpPr txBox="1">
+            <a:spLocks/>
+          </p:cNvSpPr>
+          <p:nvPr/>
+        </p:nvSpPr>
+        <p:spPr>
+          <a:xfrm>
+            <a:off x="451338" y="803485"/>
+            <a:ext cx="9795376" cy="923330"/>
+          </a:xfrm>
+          <a:prstGeom prst="rect">
+            <a:avLst/>
+          </a:prstGeom>
+        </p:spPr>
+        <p:txBody>
+          <a:bodyPr vert="horz" wrap="square" lIns="0" tIns="91440" rIns="146304" bIns="91440" rtlCol="0">
+            <a:spAutoFit/>
+          </a:bodyPr>
+          <a:lstStyle>
+            <a:lvl1pPr marL="0" marR="0" indent="0" algn="l" defTabSz="932742" rtl="0" eaLnBrk="1" fontAlgn="auto" latinLnBrk="0" hangingPunct="1">
+              <a:lnSpc>
+                <a:spcPct val="100000"/>
+              </a:lnSpc>
+              <a:spcBef>
+                <a:spcPts val="0"/>
+              </a:spcBef>
+              <a:spcAft>
+                <a:spcPts val="0"/>
+              </a:spcAft>
+              <a:buClrTx/>
+              <a:buSzPct val="90000"/>
+              <a:buFont typeface="Wingdings" panose="05000000000000000000" pitchFamily="2" charset="2"/>
+              <a:buNone/>
+              <a:tabLst/>
+              <a:defRPr sz="1800" kern="1200" spc="-50" baseline="0">
+                <a:solidFill>
+                  <a:schemeClr val="bg2"/>
+                </a:solidFill>
+                <a:latin typeface="+mj-lt"/>
+                <a:ea typeface="+mn-ea"/>
+                <a:cs typeface="+mn-cs"/>
+              </a:defRPr>
+            </a:lvl1pPr>
+            <a:lvl2pPr marL="0" marR="0" indent="0" algn="l" defTabSz="932742" rtl="0" eaLnBrk="1" fontAlgn="auto" latinLnBrk="0" hangingPunct="1">
+              <a:lnSpc>
+                <a:spcPct val="100000"/>
+              </a:lnSpc>
+              <a:spcBef>
+                <a:spcPts val="0"/>
+              </a:spcBef>
+              <a:spcAft>
+                <a:spcPts val="0"/>
+              </a:spcAft>
+              <a:buClrTx/>
+              <a:buSzPct val="90000"/>
+              <a:buFontTx/>
+              <a:buNone/>
+              <a:tabLst/>
+              <a:defRPr sz="1800" kern="1200" spc="0" baseline="0">
+                <a:solidFill>
+                  <a:srgbClr val="000000"/>
+                </a:solidFill>
+                <a:latin typeface="+mn-lt"/>
+                <a:ea typeface="+mn-ea"/>
+                <a:cs typeface="+mn-cs"/>
+              </a:defRPr>
+            </a:lvl2pPr>
+            <a:lvl3pPr marL="0" marR="0" indent="0" algn="l" defTabSz="932742" rtl="0" eaLnBrk="1" fontAlgn="auto" latinLnBrk="0" hangingPunct="1">
+              <a:lnSpc>
+                <a:spcPct val="100000"/>
+              </a:lnSpc>
+              <a:spcBef>
+                <a:spcPts val="0"/>
+              </a:spcBef>
+              <a:spcAft>
+                <a:spcPts val="0"/>
+              </a:spcAft>
+              <a:buClrTx/>
+              <a:buSzPct val="90000"/>
+              <a:buFont typeface="Wingdings" panose="05000000000000000000" pitchFamily="2" charset="2"/>
+              <a:buNone/>
+              <a:tabLst/>
+              <a:defRPr sz="1400" kern="1200" spc="0" baseline="0">
+                <a:solidFill>
+                  <a:schemeClr val="tx2"/>
+                </a:solidFill>
+                <a:latin typeface="+mj-lt"/>
+                <a:ea typeface="+mn-ea"/>
+                <a:cs typeface="+mn-cs"/>
+              </a:defRPr>
+            </a:lvl3pPr>
+            <a:lvl4pPr marL="0" marR="0" indent="0" algn="l" defTabSz="932742" rtl="0" eaLnBrk="1" fontAlgn="auto" latinLnBrk="0" hangingPunct="1">
+              <a:lnSpc>
+                <a:spcPct val="100000"/>
+              </a:lnSpc>
+              <a:spcBef>
+                <a:spcPts val="0"/>
+              </a:spcBef>
+              <a:spcAft>
+                <a:spcPts val="0"/>
+              </a:spcAft>
+              <a:buClrTx/>
+              <a:buSzPct val="90000"/>
+              <a:buFont typeface="Wingdings" panose="05000000000000000000" pitchFamily="2" charset="2"/>
+              <a:buNone/>
+              <a:tabLst/>
+              <a:defRPr sz="1400" kern="1200" spc="0" baseline="0">
+                <a:solidFill>
+                  <a:srgbClr val="000000"/>
+                </a:solidFill>
+                <a:latin typeface="+mn-lt"/>
+                <a:ea typeface="+mn-ea"/>
+                <a:cs typeface="+mn-cs"/>
+              </a:defRPr>
+            </a:lvl4pPr>
+            <a:lvl5pPr marL="0" marR="0" indent="0" algn="l" defTabSz="932742" rtl="0" eaLnBrk="1" fontAlgn="auto" latinLnBrk="0" hangingPunct="1">
+              <a:lnSpc>
+                <a:spcPct val="100000"/>
+              </a:lnSpc>
+              <a:spcBef>
+                <a:spcPts val="0"/>
+              </a:spcBef>
+              <a:spcAft>
+                <a:spcPts val="0"/>
+              </a:spcAft>
+              <a:buClrTx/>
+              <a:buSzPct val="90000"/>
+              <a:buFont typeface="Wingdings" panose="05000000000000000000" pitchFamily="2" charset="2"/>
+              <a:buNone/>
+              <a:tabLst/>
+              <a:defRPr sz="1050" b="1" kern="1200" spc="0" baseline="0">
+                <a:solidFill>
+                  <a:srgbClr val="000000"/>
+                </a:solidFill>
+                <a:latin typeface="+mn-lt"/>
+                <a:ea typeface="+mn-ea"/>
+                <a:cs typeface="+mn-cs"/>
+              </a:defRPr>
+            </a:lvl5pPr>
+            <a:lvl6pPr marL="2331854" indent="0" algn="l" defTabSz="932742" rtl="0" eaLnBrk="1" latinLnBrk="0" hangingPunct="1">
+              <a:spcBef>
+                <a:spcPct val="20000"/>
+              </a:spcBef>
+              <a:buFont typeface="Arial" pitchFamily="34" charset="0"/>
+              <a:buNone/>
+              <a:defRPr sz="2000" kern="1200">
+                <a:solidFill>
+                  <a:schemeClr val="tx1"/>
+                </a:solidFill>
+                <a:latin typeface="+mn-lt"/>
+                <a:ea typeface="+mn-ea"/>
+                <a:cs typeface="+mn-cs"/>
+              </a:defRPr>
+            </a:lvl6pPr>
+            <a:lvl7pPr marL="0" indent="0" algn="l" defTabSz="932742" rtl="0" eaLnBrk="1" latinLnBrk="0" hangingPunct="1">
+              <a:lnSpc>
+                <a:spcPct val="100000"/>
+              </a:lnSpc>
+              <a:spcBef>
+                <a:spcPts val="0"/>
+              </a:spcBef>
+              <a:spcAft>
+                <a:spcPts val="0"/>
+              </a:spcAft>
+              <a:buFont typeface="Arial" pitchFamily="34" charset="0"/>
+              <a:buNone/>
+              <a:defRPr sz="1000" kern="1200">
+                <a:solidFill>
+                  <a:srgbClr val="000000"/>
+                </a:solidFill>
+                <a:latin typeface="+mn-lt"/>
+                <a:ea typeface="+mn-ea"/>
+                <a:cs typeface="+mn-cs"/>
+              </a:defRPr>
+            </a:lvl7pPr>
+            <a:lvl8pPr marL="3497783" indent="-233186" algn="l" defTabSz="932742" rtl="0" eaLnBrk="1" latinLnBrk="0" hangingPunct="1">
+              <a:spcBef>
+                <a:spcPct val="20000"/>
+              </a:spcBef>
+              <a:buFont typeface="Arial" pitchFamily="34" charset="0"/>
+              <a:buChar char="•"/>
+              <a:defRPr sz="2000" kern="1200">
+                <a:solidFill>
+                  <a:schemeClr val="tx1"/>
+                </a:solidFill>
+                <a:latin typeface="+mn-lt"/>
+                <a:ea typeface="+mn-ea"/>
+                <a:cs typeface="+mn-cs"/>
+              </a:defRPr>
+            </a:lvl8pPr>
+            <a:lvl9pPr marL="3964155" indent="-233186" algn="l" defTabSz="932742" rtl="0" eaLnBrk="1" latinLnBrk="0" hangingPunct="1">
+              <a:spcBef>
+                <a:spcPct val="20000"/>
+              </a:spcBef>
+              <a:buFont typeface="Arial" pitchFamily="34" charset="0"/>
+              <a:buChar char="•"/>
+              <a:defRPr sz="2000" kern="1200">
+                <a:solidFill>
+                  <a:schemeClr val="tx1"/>
+                </a:solidFill>
+                <a:latin typeface="+mn-lt"/>
+                <a:ea typeface="+mn-ea"/>
+                <a:cs typeface="+mn-cs"/>
+              </a:defRPr>
+            </a:lvl9pPr>
+          </a:lstStyle>
+          <a:p>
+            <a:r>
+              <a:rPr lang="pt-BR" sz="4800" dirty="0"/>
+              <a:t>Localização dos Recursos</a:t>
+            </a:r>
+          </a:p>
+        </p:txBody>
+      </p:sp>
+      <p:pic>
+        <p:nvPicPr>
+          <p:cNvPr id="10" name="Imagem 9">
+            <a:extLst>
+              <a:ext uri="{FF2B5EF4-FFF2-40B4-BE49-F238E27FC236}">
+                <a16:creationId xmlns:a16="http://schemas.microsoft.com/office/drawing/2014/main" id="{641BE21B-644C-A5E7-017E-3EC70D9A16BB}"/>
+              </a:ext>
+            </a:extLst>
+          </p:cNvPr>
+          <p:cNvPicPr>
+            <a:picLocks noChangeAspect="1"/>
+          </p:cNvPicPr>
+          <p:nvPr/>
+        </p:nvPicPr>
+        <p:blipFill>
+          <a:blip r:embed="rId2"/>
+          <a:stretch>
+            <a:fillRect/>
+          </a:stretch>
+        </p:blipFill>
+        <p:spPr>
+          <a:xfrm>
+            <a:off x="4510796" y="2288240"/>
+            <a:ext cx="2541757" cy="2418044"/>
+          </a:xfrm>
+          <a:prstGeom prst="rect">
+            <a:avLst/>
+          </a:prstGeom>
+          <a:ln>
+            <a:noFill/>
+          </a:ln>
+          <a:effectLst>
+            <a:softEdge rad="112500"/>
+          </a:effectLst>
+        </p:spPr>
+      </p:pic>
+    </p:spTree>
+    <p:extLst>
+      <p:ext uri="{BB962C8B-B14F-4D97-AF65-F5344CB8AC3E}">
+        <p14:creationId xmlns:p14="http://schemas.microsoft.com/office/powerpoint/2010/main" val="2531184178"/>
+      </p:ext>
+    </p:extLst>
+  </p:cSld>
+  <p:clrMapOvr>
+    <a:masterClrMapping/>
+  </p:clrMapOvr>
+  <mc:AlternateContent xmlns:mc="http://schemas.openxmlformats.org/markup-compatibility/2006" xmlns:p14="http://schemas.microsoft.com/office/powerpoint/2010/main">
+    <mc:Choice Requires="p14">
+      <p:transition spd="med" p14:dur="700">
+        <p:fade/>
+      </p:transition>
+    </mc:Choice>
+    <mc:Fallback xmlns="">
+      <p:transition spd="med">
+        <p:fade/>
+      </p:transition>
+    </mc:Fallback>
+  </mc:AlternateContent>
+</p:sld>
+</file>
+
+<file path=ppt/slides/slide12.xml><?xml version="1.0" encoding="utf-8"?>
+<p:sld xmlns:a="http://schemas.openxmlformats.org/drawingml/2006/main" xmlns:r="http://schemas.openxmlformats.org/officeDocument/2006/relationships" xmlns:p="http://schemas.openxmlformats.org/presentationml/2006/main">
+  <p:cSld>
+    <p:spTree>
+      <p:nvGrpSpPr>
+        <p:cNvPr id="1" name=""/>
+        <p:cNvGrpSpPr/>
+        <p:nvPr/>
+      </p:nvGrpSpPr>
+      <p:grpSpPr>
+        <a:xfrm>
+          <a:off x="0" y="0"/>
+          <a:ext cx="0" cy="0"/>
+          <a:chOff x="0" y="0"/>
+          <a:chExt cx="0" cy="0"/>
+        </a:xfrm>
+      </p:grpSpPr>
+      <p:sp>
+        <p:nvSpPr>
+          <p:cNvPr id="5" name="CaixaDeTexto 4">
+            <a:extLst>
+              <a:ext uri="{FF2B5EF4-FFF2-40B4-BE49-F238E27FC236}">
+                <a16:creationId xmlns:a16="http://schemas.microsoft.com/office/drawing/2014/main" id="{8ACDB991-EC5C-F38D-2382-DB6C1328DBFA}"/>
+              </a:ext>
+            </a:extLst>
+          </p:cNvPr>
+          <p:cNvSpPr txBox="1"/>
+          <p:nvPr/>
+        </p:nvSpPr>
+        <p:spPr>
+          <a:xfrm>
+            <a:off x="451338" y="4994564"/>
+            <a:ext cx="10649356" cy="369332"/>
+          </a:xfrm>
+          <a:prstGeom prst="rect">
+            <a:avLst/>
+          </a:prstGeom>
+          <a:noFill/>
+        </p:spPr>
+        <p:txBody>
+          <a:bodyPr wrap="square">
+            <a:spAutoFit/>
+          </a:bodyPr>
+          <a:lstStyle/>
+          <a:p>
+            <a:r>
+              <a:rPr lang="pt-BR" dirty="0">
+                <a:solidFill>
+                  <a:schemeClr val="bg1"/>
+                </a:solidFill>
+              </a:rPr>
+              <a:t>https://azure.microsoft.com/pt-br/pricing/details/cognitive-services/openai-service/</a:t>
+            </a:r>
+          </a:p>
+        </p:txBody>
+      </p:sp>
+      <p:sp>
+        <p:nvSpPr>
+          <p:cNvPr id="6" name="Espaço Reservado para Texto 2">
+            <a:extLst>
+              <a:ext uri="{FF2B5EF4-FFF2-40B4-BE49-F238E27FC236}">
+                <a16:creationId xmlns:a16="http://schemas.microsoft.com/office/drawing/2014/main" id="{4241B9D4-4E11-C865-F7EE-C8ADDF366F9D}"/>
+              </a:ext>
+            </a:extLst>
+          </p:cNvPr>
+          <p:cNvSpPr txBox="1">
+            <a:spLocks/>
+          </p:cNvSpPr>
+          <p:nvPr/>
+        </p:nvSpPr>
+        <p:spPr>
+          <a:xfrm>
+            <a:off x="451338" y="803485"/>
+            <a:ext cx="9795376" cy="923330"/>
+          </a:xfrm>
+          <a:prstGeom prst="rect">
+            <a:avLst/>
+          </a:prstGeom>
+        </p:spPr>
+        <p:txBody>
+          <a:bodyPr vert="horz" wrap="square" lIns="0" tIns="91440" rIns="146304" bIns="91440" rtlCol="0">
+            <a:spAutoFit/>
+          </a:bodyPr>
+          <a:lstStyle>
+            <a:lvl1pPr marL="0" marR="0" indent="0" algn="l" defTabSz="932742" rtl="0" eaLnBrk="1" fontAlgn="auto" latinLnBrk="0" hangingPunct="1">
+              <a:lnSpc>
+                <a:spcPct val="100000"/>
+              </a:lnSpc>
+              <a:spcBef>
+                <a:spcPts val="0"/>
+              </a:spcBef>
+              <a:spcAft>
+                <a:spcPts val="0"/>
+              </a:spcAft>
+              <a:buClrTx/>
+              <a:buSzPct val="90000"/>
+              <a:buFont typeface="Wingdings" panose="05000000000000000000" pitchFamily="2" charset="2"/>
+              <a:buNone/>
+              <a:tabLst/>
+              <a:defRPr sz="1800" kern="1200" spc="-50" baseline="0">
+                <a:solidFill>
+                  <a:schemeClr val="bg2"/>
+                </a:solidFill>
+                <a:latin typeface="+mj-lt"/>
+                <a:ea typeface="+mn-ea"/>
+                <a:cs typeface="+mn-cs"/>
+              </a:defRPr>
+            </a:lvl1pPr>
+            <a:lvl2pPr marL="0" marR="0" indent="0" algn="l" defTabSz="932742" rtl="0" eaLnBrk="1" fontAlgn="auto" latinLnBrk="0" hangingPunct="1">
+              <a:lnSpc>
+                <a:spcPct val="100000"/>
+              </a:lnSpc>
+              <a:spcBef>
+                <a:spcPts val="0"/>
+              </a:spcBef>
+              <a:spcAft>
+                <a:spcPts val="0"/>
+              </a:spcAft>
+              <a:buClrTx/>
+              <a:buSzPct val="90000"/>
+              <a:buFontTx/>
+              <a:buNone/>
+              <a:tabLst/>
+              <a:defRPr sz="1800" kern="1200" spc="0" baseline="0">
+                <a:solidFill>
+                  <a:srgbClr val="000000"/>
+                </a:solidFill>
+                <a:latin typeface="+mn-lt"/>
+                <a:ea typeface="+mn-ea"/>
+                <a:cs typeface="+mn-cs"/>
+              </a:defRPr>
+            </a:lvl2pPr>
+            <a:lvl3pPr marL="0" marR="0" indent="0" algn="l" defTabSz="932742" rtl="0" eaLnBrk="1" fontAlgn="auto" latinLnBrk="0" hangingPunct="1">
+              <a:lnSpc>
+                <a:spcPct val="100000"/>
+              </a:lnSpc>
+              <a:spcBef>
+                <a:spcPts val="0"/>
+              </a:spcBef>
+              <a:spcAft>
+                <a:spcPts val="0"/>
+              </a:spcAft>
+              <a:buClrTx/>
+              <a:buSzPct val="90000"/>
+              <a:buFont typeface="Wingdings" panose="05000000000000000000" pitchFamily="2" charset="2"/>
+              <a:buNone/>
+              <a:tabLst/>
+              <a:defRPr sz="1400" kern="1200" spc="0" baseline="0">
+                <a:solidFill>
+                  <a:schemeClr val="tx2"/>
+                </a:solidFill>
+                <a:latin typeface="+mj-lt"/>
+                <a:ea typeface="+mn-ea"/>
+                <a:cs typeface="+mn-cs"/>
+              </a:defRPr>
+            </a:lvl3pPr>
+            <a:lvl4pPr marL="0" marR="0" indent="0" algn="l" defTabSz="932742" rtl="0" eaLnBrk="1" fontAlgn="auto" latinLnBrk="0" hangingPunct="1">
+              <a:lnSpc>
+                <a:spcPct val="100000"/>
+              </a:lnSpc>
+              <a:spcBef>
+                <a:spcPts val="0"/>
+              </a:spcBef>
+              <a:spcAft>
+                <a:spcPts val="0"/>
+              </a:spcAft>
+              <a:buClrTx/>
+              <a:buSzPct val="90000"/>
+              <a:buFont typeface="Wingdings" panose="05000000000000000000" pitchFamily="2" charset="2"/>
+              <a:buNone/>
+              <a:tabLst/>
+              <a:defRPr sz="1400" kern="1200" spc="0" baseline="0">
+                <a:solidFill>
+                  <a:srgbClr val="000000"/>
+                </a:solidFill>
+                <a:latin typeface="+mn-lt"/>
+                <a:ea typeface="+mn-ea"/>
+                <a:cs typeface="+mn-cs"/>
+              </a:defRPr>
+            </a:lvl4pPr>
+            <a:lvl5pPr marL="0" marR="0" indent="0" algn="l" defTabSz="932742" rtl="0" eaLnBrk="1" fontAlgn="auto" latinLnBrk="0" hangingPunct="1">
+              <a:lnSpc>
+                <a:spcPct val="100000"/>
+              </a:lnSpc>
+              <a:spcBef>
+                <a:spcPts val="0"/>
+              </a:spcBef>
+              <a:spcAft>
+                <a:spcPts val="0"/>
+              </a:spcAft>
+              <a:buClrTx/>
+              <a:buSzPct val="90000"/>
+              <a:buFont typeface="Wingdings" panose="05000000000000000000" pitchFamily="2" charset="2"/>
+              <a:buNone/>
+              <a:tabLst/>
+              <a:defRPr sz="1050" b="1" kern="1200" spc="0" baseline="0">
+                <a:solidFill>
+                  <a:srgbClr val="000000"/>
+                </a:solidFill>
+                <a:latin typeface="+mn-lt"/>
+                <a:ea typeface="+mn-ea"/>
+                <a:cs typeface="+mn-cs"/>
+              </a:defRPr>
+            </a:lvl5pPr>
+            <a:lvl6pPr marL="2331854" indent="0" algn="l" defTabSz="932742" rtl="0" eaLnBrk="1" latinLnBrk="0" hangingPunct="1">
+              <a:spcBef>
+                <a:spcPct val="20000"/>
+              </a:spcBef>
+              <a:buFont typeface="Arial" pitchFamily="34" charset="0"/>
+              <a:buNone/>
+              <a:defRPr sz="2000" kern="1200">
+                <a:solidFill>
+                  <a:schemeClr val="tx1"/>
+                </a:solidFill>
+                <a:latin typeface="+mn-lt"/>
+                <a:ea typeface="+mn-ea"/>
+                <a:cs typeface="+mn-cs"/>
+              </a:defRPr>
+            </a:lvl6pPr>
+            <a:lvl7pPr marL="0" indent="0" algn="l" defTabSz="932742" rtl="0" eaLnBrk="1" latinLnBrk="0" hangingPunct="1">
+              <a:lnSpc>
+                <a:spcPct val="100000"/>
+              </a:lnSpc>
+              <a:spcBef>
+                <a:spcPts val="0"/>
+              </a:spcBef>
+              <a:spcAft>
+                <a:spcPts val="0"/>
+              </a:spcAft>
+              <a:buFont typeface="Arial" pitchFamily="34" charset="0"/>
+              <a:buNone/>
+              <a:defRPr sz="1000" kern="1200">
+                <a:solidFill>
+                  <a:srgbClr val="000000"/>
+                </a:solidFill>
+                <a:latin typeface="+mn-lt"/>
+                <a:ea typeface="+mn-ea"/>
+                <a:cs typeface="+mn-cs"/>
+              </a:defRPr>
+            </a:lvl7pPr>
+            <a:lvl8pPr marL="3497783" indent="-233186" algn="l" defTabSz="932742" rtl="0" eaLnBrk="1" latinLnBrk="0" hangingPunct="1">
+              <a:spcBef>
+                <a:spcPct val="20000"/>
+              </a:spcBef>
+              <a:buFont typeface="Arial" pitchFamily="34" charset="0"/>
+              <a:buChar char="•"/>
+              <a:defRPr sz="2000" kern="1200">
+                <a:solidFill>
+                  <a:schemeClr val="tx1"/>
+                </a:solidFill>
+                <a:latin typeface="+mn-lt"/>
+                <a:ea typeface="+mn-ea"/>
+                <a:cs typeface="+mn-cs"/>
+              </a:defRPr>
+            </a:lvl8pPr>
+            <a:lvl9pPr marL="3964155" indent="-233186" algn="l" defTabSz="932742" rtl="0" eaLnBrk="1" latinLnBrk="0" hangingPunct="1">
+              <a:spcBef>
+                <a:spcPct val="20000"/>
+              </a:spcBef>
+              <a:buFont typeface="Arial" pitchFamily="34" charset="0"/>
+              <a:buChar char="•"/>
+              <a:defRPr sz="2000" kern="1200">
+                <a:solidFill>
+                  <a:schemeClr val="tx1"/>
+                </a:solidFill>
+                <a:latin typeface="+mn-lt"/>
+                <a:ea typeface="+mn-ea"/>
+                <a:cs typeface="+mn-cs"/>
+              </a:defRPr>
+            </a:lvl9pPr>
+          </a:lstStyle>
+          <a:p>
+            <a:r>
+              <a:rPr lang="pt-BR" sz="4800" dirty="0"/>
+              <a:t>Tabela de Preços</a:t>
+            </a:r>
+          </a:p>
+        </p:txBody>
+      </p:sp>
+      <p:pic>
+        <p:nvPicPr>
+          <p:cNvPr id="3" name="Imagem 2">
+            <a:extLst>
+              <a:ext uri="{FF2B5EF4-FFF2-40B4-BE49-F238E27FC236}">
+                <a16:creationId xmlns:a16="http://schemas.microsoft.com/office/drawing/2014/main" id="{4F8DB885-E259-04C3-76DA-76A24DD6F6DC}"/>
+              </a:ext>
+            </a:extLst>
+          </p:cNvPr>
+          <p:cNvPicPr>
+            <a:picLocks noChangeAspect="1"/>
+          </p:cNvPicPr>
+          <p:nvPr/>
+        </p:nvPicPr>
+        <p:blipFill>
+          <a:blip r:embed="rId3"/>
+          <a:stretch>
+            <a:fillRect/>
+          </a:stretch>
+        </p:blipFill>
+        <p:spPr>
+          <a:xfrm>
+            <a:off x="4557455" y="2142478"/>
+            <a:ext cx="2925037" cy="2711623"/>
+          </a:xfrm>
+          <a:prstGeom prst="rect">
+            <a:avLst/>
+          </a:prstGeom>
+          <a:ln>
+            <a:noFill/>
+          </a:ln>
+          <a:effectLst>
+            <a:softEdge rad="112500"/>
+          </a:effectLst>
+        </p:spPr>
+      </p:pic>
+    </p:spTree>
+    <p:extLst>
+      <p:ext uri="{BB962C8B-B14F-4D97-AF65-F5344CB8AC3E}">
+        <p14:creationId xmlns:p14="http://schemas.microsoft.com/office/powerpoint/2010/main" val="2895380450"/>
+      </p:ext>
+    </p:extLst>
+  </p:cSld>
+  <p:clrMapOvr>
+    <a:masterClrMapping/>
+  </p:clrMapOvr>
+  <mc:AlternateContent xmlns:mc="http://schemas.openxmlformats.org/markup-compatibility/2006" xmlns:p14="http://schemas.microsoft.com/office/powerpoint/2010/main">
+    <mc:Choice Requires="p14">
+      <p:transition spd="med" p14:dur="700">
+        <p:fade/>
+      </p:transition>
+    </mc:Choice>
+    <mc:Fallback xmlns="">
+      <p:transition spd="med">
+        <p:fade/>
+      </p:transition>
+    </mc:Fallback>
+  </mc:AlternateContent>
+</p:sld>
+</file>
+
+<file path=ppt/slides/slide13.xml><?xml version="1.0" encoding="utf-8"?>
+<p:sld xmlns:a="http://schemas.openxmlformats.org/drawingml/2006/main" xmlns:r="http://schemas.openxmlformats.org/officeDocument/2006/relationships" xmlns:p="http://schemas.openxmlformats.org/presentationml/2006/main">
+  <p:cSld>
+    <p:spTree>
+      <p:nvGrpSpPr>
+        <p:cNvPr id="1" name=""/>
+        <p:cNvGrpSpPr/>
+        <p:nvPr/>
+      </p:nvGrpSpPr>
+      <p:grpSpPr>
+        <a:xfrm>
+          <a:off x="0" y="0"/>
+          <a:ext cx="0" cy="0"/>
+          <a:chOff x="0" y="0"/>
+          <a:chExt cx="0" cy="0"/>
+        </a:xfrm>
+      </p:grpSpPr>
+      <p:sp>
+        <p:nvSpPr>
+          <p:cNvPr id="5" name="CaixaDeTexto 4">
+            <a:extLst>
+              <a:ext uri="{FF2B5EF4-FFF2-40B4-BE49-F238E27FC236}">
+                <a16:creationId xmlns:a16="http://schemas.microsoft.com/office/drawing/2014/main" id="{8ACDB991-EC5C-F38D-2382-DB6C1328DBFA}"/>
+              </a:ext>
+            </a:extLst>
+          </p:cNvPr>
+          <p:cNvSpPr txBox="1"/>
+          <p:nvPr/>
+        </p:nvSpPr>
+        <p:spPr>
+          <a:xfrm>
+            <a:off x="372638" y="876549"/>
+            <a:ext cx="10739336" cy="3046988"/>
+          </a:xfrm>
+          <a:prstGeom prst="rect">
+            <a:avLst/>
+          </a:prstGeom>
+          <a:noFill/>
+        </p:spPr>
+        <p:txBody>
+          <a:bodyPr wrap="square">
+            <a:spAutoFit/>
+          </a:bodyPr>
+          <a:lstStyle/>
+          <a:p>
+            <a:r>
+              <a:rPr lang="pt-BR" sz="4800" spc="-50" dirty="0">
+                <a:solidFill>
+                  <a:schemeClr val="bg2"/>
+                </a:solidFill>
+                <a:latin typeface="+mj-lt"/>
+              </a:rPr>
+              <a:t>Token</a:t>
+            </a:r>
+          </a:p>
+          <a:p>
+            <a:endParaRPr lang="pt-BR" sz="2400" dirty="0">
+              <a:solidFill>
+                <a:schemeClr val="bg1"/>
+              </a:solidFill>
+            </a:endParaRPr>
+          </a:p>
+          <a:p>
+            <a:endParaRPr lang="pt-BR" sz="2400" dirty="0">
+              <a:solidFill>
+                <a:schemeClr val="bg1"/>
+              </a:solidFill>
+            </a:endParaRPr>
+          </a:p>
+          <a:p>
+            <a:endParaRPr lang="pt-BR" sz="2400" dirty="0">
+              <a:solidFill>
+                <a:schemeClr val="bg1"/>
+              </a:solidFill>
+            </a:endParaRPr>
+          </a:p>
+          <a:p>
+            <a:endParaRPr lang="pt-BR" sz="2400" dirty="0">
+              <a:solidFill>
+                <a:schemeClr val="bg1"/>
+              </a:solidFill>
+            </a:endParaRPr>
+          </a:p>
+          <a:p>
+            <a:endParaRPr lang="pt-BR" sz="2400" dirty="0">
+              <a:solidFill>
+                <a:schemeClr val="bg1"/>
+              </a:solidFill>
+            </a:endParaRPr>
+          </a:p>
+          <a:p>
+            <a:endParaRPr lang="pt-BR" sz="2400" dirty="0">
+              <a:solidFill>
+                <a:schemeClr val="bg1"/>
+              </a:solidFill>
+            </a:endParaRPr>
+          </a:p>
+        </p:txBody>
+      </p:sp>
+      <p:sp>
+        <p:nvSpPr>
+          <p:cNvPr id="2" name="Rectangle 1">
+            <a:extLst>
+              <a:ext uri="{FF2B5EF4-FFF2-40B4-BE49-F238E27FC236}">
+                <a16:creationId xmlns:a16="http://schemas.microsoft.com/office/drawing/2014/main" id="{957F678A-9EBD-608F-8309-E2A1ED260534}"/>
+              </a:ext>
+            </a:extLst>
+          </p:cNvPr>
+          <p:cNvSpPr>
+            <a:spLocks noChangeArrowheads="1"/>
+          </p:cNvSpPr>
+          <p:nvPr/>
+        </p:nvSpPr>
+        <p:spPr bwMode="auto">
+          <a:xfrm>
+            <a:off x="282102" y="1760849"/>
+            <a:ext cx="10458569" cy="1131785"/>
+          </a:xfrm>
+          <a:prstGeom prst="rect">
+            <a:avLst/>
+          </a:prstGeom>
+          <a:noFill/>
+          <a:ln>
+            <a:noFill/>
+          </a:ln>
+          <a:effectLst/>
+          <a:extLst>
+            <a:ext uri="{909E8E84-426E-40DD-AFC4-6F175D3DCCD1}">
+              <a14:hiddenFill xmlns:a14="http://schemas.microsoft.com/office/drawing/2010/main">
+                <a:solidFill>
+                  <a:schemeClr val="accent1"/>
+                </a:solidFill>
+              </a14:hiddenFill>
+            </a:ext>
+            <a:ext uri="{91240B29-F687-4F45-9708-019B960494DF}">
+              <a14:hiddenLine xmlns:a14="http://schemas.microsoft.com/office/drawing/2010/main" w="9525">
+                <a:solidFill>
+                  <a:schemeClr val="tx1"/>
+                </a:solidFill>
+                <a:miter lim="800000"/>
+                <a:headEnd/>
+                <a:tailEnd/>
+              </a14:hiddenLine>
+            </a:ext>
+            <a:ext uri="{AF507438-7753-43E0-B8FC-AC1667EBCBE1}">
+              <a14:hiddenEffects xmlns:a14="http://schemas.microsoft.com/office/drawing/2010/main">
+                <a:effectLst>
+                  <a:outerShdw dist="35921" dir="2700000" algn="ctr" rotWithShape="0">
+                    <a:schemeClr val="bg2"/>
+                  </a:outerShdw>
+                </a:effectLst>
+              </a14:hiddenEffects>
+            </a:ext>
+          </a:extLst>
+        </p:spPr>
+        <p:txBody>
+          <a:bodyPr vert="horz" wrap="none" lIns="91440" tIns="45720" rIns="91440" bIns="45720" numCol="1" anchor="ctr" anchorCtr="0" compatLnSpc="1">
+            <a:prstTxWarp prst="textNoShape">
+              <a:avLst/>
+            </a:prstTxWarp>
+            <a:spAutoFit/>
+          </a:bodyPr>
+          <a:lstStyle>
+            <a:lvl1pPr eaLnBrk="0" fontAlgn="base" hangingPunct="0">
+              <a:spcBef>
+                <a:spcPct val="0"/>
+              </a:spcBef>
+              <a:spcAft>
+                <a:spcPct val="0"/>
+              </a:spcAft>
+              <a:defRPr>
+                <a:solidFill>
+                  <a:schemeClr val="tx1"/>
+                </a:solidFill>
+                <a:latin typeface="Arial" panose="020B0604020202020204" pitchFamily="34" charset="0"/>
+              </a:defRPr>
+            </a:lvl1pPr>
+            <a:lvl2pPr marL="457200" eaLnBrk="0" fontAlgn="base" hangingPunct="0">
+              <a:spcBef>
+                <a:spcPct val="0"/>
+              </a:spcBef>
+              <a:spcAft>
+                <a:spcPct val="0"/>
+              </a:spcAft>
+              <a:defRPr>
+                <a:solidFill>
+                  <a:schemeClr val="tx1"/>
+                </a:solidFill>
+                <a:latin typeface="Arial" panose="020B0604020202020204" pitchFamily="34" charset="0"/>
+              </a:defRPr>
+            </a:lvl2pPr>
+            <a:lvl3pPr marL="914400" eaLnBrk="0" fontAlgn="base" hangingPunct="0">
+              <a:spcBef>
+                <a:spcPct val="0"/>
+              </a:spcBef>
+              <a:spcAft>
+                <a:spcPct val="0"/>
+              </a:spcAft>
+              <a:defRPr>
+                <a:solidFill>
+                  <a:schemeClr val="tx1"/>
+                </a:solidFill>
+                <a:latin typeface="Arial" panose="020B0604020202020204" pitchFamily="34" charset="0"/>
+              </a:defRPr>
+            </a:lvl3pPr>
+            <a:lvl4pPr marL="1371600" eaLnBrk="0" fontAlgn="base" hangingPunct="0">
+              <a:spcBef>
+                <a:spcPct val="0"/>
+              </a:spcBef>
+              <a:spcAft>
+                <a:spcPct val="0"/>
+              </a:spcAft>
+              <a:defRPr>
+                <a:solidFill>
+                  <a:schemeClr val="tx1"/>
+                </a:solidFill>
+                <a:latin typeface="Arial" panose="020B0604020202020204" pitchFamily="34" charset="0"/>
+              </a:defRPr>
+            </a:lvl4pPr>
+            <a:lvl5pPr marL="1828800" eaLnBrk="0" fontAlgn="base" hangingPunct="0">
+              <a:spcBef>
+                <a:spcPct val="0"/>
+              </a:spcBef>
+              <a:spcAft>
+                <a:spcPct val="0"/>
+              </a:spcAft>
+              <a:defRPr>
+                <a:solidFill>
+                  <a:schemeClr val="tx1"/>
+                </a:solidFill>
+                <a:latin typeface="Arial" panose="020B0604020202020204" pitchFamily="34" charset="0"/>
+              </a:defRPr>
+            </a:lvl5pPr>
+            <a:lvl6pPr marL="2286000" eaLnBrk="0" fontAlgn="base" hangingPunct="0">
+              <a:spcBef>
+                <a:spcPct val="0"/>
+              </a:spcBef>
+              <a:spcAft>
+                <a:spcPct val="0"/>
+              </a:spcAft>
+              <a:defRPr>
+                <a:solidFill>
+                  <a:schemeClr val="tx1"/>
+                </a:solidFill>
+                <a:latin typeface="Arial" panose="020B0604020202020204" pitchFamily="34" charset="0"/>
+              </a:defRPr>
+            </a:lvl6pPr>
+            <a:lvl7pPr marL="2743200" eaLnBrk="0" fontAlgn="base" hangingPunct="0">
+              <a:spcBef>
+                <a:spcPct val="0"/>
+              </a:spcBef>
+              <a:spcAft>
+                <a:spcPct val="0"/>
+              </a:spcAft>
+              <a:defRPr>
+                <a:solidFill>
+                  <a:schemeClr val="tx1"/>
+                </a:solidFill>
+                <a:latin typeface="Arial" panose="020B0604020202020204" pitchFamily="34" charset="0"/>
+              </a:defRPr>
+            </a:lvl7pPr>
+            <a:lvl8pPr marL="3200400" eaLnBrk="0" fontAlgn="base" hangingPunct="0">
+              <a:spcBef>
+                <a:spcPct val="0"/>
+              </a:spcBef>
+              <a:spcAft>
+                <a:spcPct val="0"/>
+              </a:spcAft>
+              <a:defRPr>
+                <a:solidFill>
+                  <a:schemeClr val="tx1"/>
+                </a:solidFill>
+                <a:latin typeface="Arial" panose="020B0604020202020204" pitchFamily="34" charset="0"/>
+              </a:defRPr>
+            </a:lvl8pPr>
+            <a:lvl9pPr marL="3657600" eaLnBrk="0" fontAlgn="base" hangingPunct="0">
+              <a:spcBef>
+                <a:spcPct val="0"/>
+              </a:spcBef>
+              <a:spcAft>
+                <a:spcPct val="0"/>
+              </a:spcAft>
+              <a:defRPr>
+                <a:solidFill>
+                  <a:schemeClr val="tx1"/>
+                </a:solidFill>
+                <a:latin typeface="Arial" panose="020B0604020202020204" pitchFamily="34" charset="0"/>
+              </a:defRPr>
+            </a:lvl9pPr>
+          </a:lstStyle>
+          <a:p>
+            <a:pPr marL="0" marR="0" lvl="0" indent="0" algn="l" defTabSz="914400" rtl="0" eaLnBrk="0" fontAlgn="base" latinLnBrk="0" hangingPunct="0">
+              <a:lnSpc>
+                <a:spcPct val="150000"/>
+              </a:lnSpc>
+              <a:spcBef>
+                <a:spcPct val="0"/>
+              </a:spcBef>
+              <a:spcAft>
+                <a:spcPct val="0"/>
+              </a:spcAft>
+              <a:buClrTx/>
+              <a:buSzTx/>
+              <a:buFontTx/>
+              <a:buNone/>
+              <a:tabLst/>
+            </a:pPr>
+            <a:r>
+              <a:rPr kumimoji="0" lang="pt-BR" altLang="pt-BR" sz="1200" b="0" i="0" u="none" strike="noStrike" cap="none" normalizeH="0" baseline="0" dirty="0">
+                <a:ln>
+                  <a:noFill/>
+                </a:ln>
+                <a:solidFill>
+                  <a:srgbClr val="161616"/>
+                </a:solidFill>
+                <a:effectLst/>
+                <a:latin typeface="Segoe UI" panose="020B0502040204020203" pitchFamily="34" charset="0"/>
+                <a:cs typeface="Segoe UI" panose="020B0502040204020203" pitchFamily="34" charset="0"/>
+              </a:rPr>
+              <a:t> </a:t>
+            </a:r>
+            <a:r>
+              <a:rPr lang="pt-BR" altLang="pt-BR" sz="2400" dirty="0">
+                <a:solidFill>
+                  <a:schemeClr val="bg1"/>
+                </a:solidFill>
+                <a:latin typeface="+mn-lt"/>
+              </a:rPr>
+              <a:t>Por exemplo, a palavra "hambúrguer" é dividida nos tokens </a:t>
+            </a:r>
+            <a:r>
+              <a:rPr lang="pt-BR" altLang="pt-BR" sz="2400" dirty="0" err="1">
+                <a:solidFill>
+                  <a:schemeClr val="bg1"/>
+                </a:solidFill>
+                <a:latin typeface="+mn-lt"/>
+              </a:rPr>
+              <a:t>ham</a:t>
+            </a:r>
+            <a:r>
+              <a:rPr lang="pt-BR" altLang="pt-BR" sz="2400" dirty="0">
+                <a:solidFill>
+                  <a:schemeClr val="bg1"/>
+                </a:solidFill>
+                <a:latin typeface="+mn-lt"/>
+              </a:rPr>
+              <a:t>, </a:t>
+            </a:r>
+            <a:r>
+              <a:rPr lang="pt-BR" altLang="pt-BR" sz="2400" dirty="0" err="1">
+                <a:solidFill>
+                  <a:schemeClr val="bg1"/>
+                </a:solidFill>
+                <a:latin typeface="+mn-lt"/>
+              </a:rPr>
+              <a:t>bur</a:t>
+            </a:r>
+            <a:r>
+              <a:rPr lang="pt-BR" altLang="pt-BR" sz="2400" dirty="0">
+                <a:solidFill>
+                  <a:schemeClr val="bg1"/>
+                </a:solidFill>
+                <a:latin typeface="+mn-lt"/>
+              </a:rPr>
+              <a:t> e </a:t>
+            </a:r>
+            <a:r>
+              <a:rPr lang="pt-BR" altLang="pt-BR" sz="2400" dirty="0" err="1">
+                <a:solidFill>
+                  <a:schemeClr val="bg1"/>
+                </a:solidFill>
+                <a:latin typeface="+mn-lt"/>
+              </a:rPr>
+              <a:t>ger</a:t>
+            </a:r>
+            <a:r>
+              <a:rPr lang="pt-BR" altLang="pt-BR" sz="2400" dirty="0">
+                <a:solidFill>
+                  <a:schemeClr val="bg1"/>
+                </a:solidFill>
+                <a:latin typeface="+mn-lt"/>
+              </a:rPr>
+              <a:t>, </a:t>
+            </a:r>
+          </a:p>
+          <a:p>
+            <a:pPr marL="0" marR="0" lvl="0" indent="0" algn="l" defTabSz="914400" rtl="0" eaLnBrk="0" fontAlgn="base" latinLnBrk="0" hangingPunct="0">
+              <a:lnSpc>
+                <a:spcPct val="150000"/>
+              </a:lnSpc>
+              <a:spcBef>
+                <a:spcPct val="0"/>
+              </a:spcBef>
+              <a:spcAft>
+                <a:spcPct val="0"/>
+              </a:spcAft>
+              <a:buClrTx/>
+              <a:buSzTx/>
+              <a:buFontTx/>
+              <a:buNone/>
+              <a:tabLst/>
+            </a:pPr>
+            <a:r>
+              <a:rPr lang="pt-BR" altLang="pt-BR" sz="2400" dirty="0">
+                <a:solidFill>
+                  <a:schemeClr val="bg1"/>
+                </a:solidFill>
+                <a:latin typeface="+mn-lt"/>
+              </a:rPr>
+              <a:t>enquanto uma palavra curta e comum como "</a:t>
+            </a:r>
+            <a:r>
+              <a:rPr lang="pt-BR" sz="2400" dirty="0">
+                <a:solidFill>
+                  <a:schemeClr val="bg1"/>
+                </a:solidFill>
+              </a:rPr>
+              <a:t> Pará </a:t>
+            </a:r>
+            <a:r>
+              <a:rPr lang="pt-BR" altLang="pt-BR" sz="2400" dirty="0">
+                <a:solidFill>
+                  <a:schemeClr val="bg1"/>
+                </a:solidFill>
+                <a:latin typeface="+mn-lt"/>
+              </a:rPr>
+              <a:t>" é um único token </a:t>
+            </a:r>
+          </a:p>
+        </p:txBody>
+      </p:sp>
+    </p:spTree>
+    <p:extLst>
+      <p:ext uri="{BB962C8B-B14F-4D97-AF65-F5344CB8AC3E}">
+        <p14:creationId xmlns:p14="http://schemas.microsoft.com/office/powerpoint/2010/main" val="931075014"/>
+      </p:ext>
+    </p:extLst>
+  </p:cSld>
+  <p:clrMapOvr>
+    <a:masterClrMapping/>
+  </p:clrMapOvr>
+  <mc:AlternateContent xmlns:mc="http://schemas.openxmlformats.org/markup-compatibility/2006" xmlns:p14="http://schemas.microsoft.com/office/powerpoint/2010/main">
+    <mc:Choice Requires="p14">
+      <p:transition spd="med" p14:dur="700">
+        <p:fade/>
+      </p:transition>
+    </mc:Choice>
+    <mc:Fallback xmlns="">
+      <p:transition spd="med">
+        <p:fade/>
+      </p:transition>
+    </mc:Fallback>
+  </mc:AlternateContent>
+</p:sld>
+</file>
+
+<file path=ppt/slides/slide14.xml><?xml version="1.0" encoding="utf-8"?>
+<p:sld xmlns:a="http://schemas.openxmlformats.org/drawingml/2006/main" xmlns:r="http://schemas.openxmlformats.org/officeDocument/2006/relationships" xmlns:p="http://schemas.openxmlformats.org/presentationml/2006/main">
+  <p:cSld>
+    <p:spTree>
+      <p:nvGrpSpPr>
+        <p:cNvPr id="1" name=""/>
+        <p:cNvGrpSpPr/>
+        <p:nvPr/>
+      </p:nvGrpSpPr>
+      <p:grpSpPr>
+        <a:xfrm>
+          <a:off x="0" y="0"/>
+          <a:ext cx="0" cy="0"/>
+          <a:chOff x="0" y="0"/>
+          <a:chExt cx="0" cy="0"/>
+        </a:xfrm>
+      </p:grpSpPr>
+      <p:sp>
+        <p:nvSpPr>
+          <p:cNvPr id="5" name="CaixaDeTexto 4">
+            <a:extLst>
+              <a:ext uri="{FF2B5EF4-FFF2-40B4-BE49-F238E27FC236}">
+                <a16:creationId xmlns:a16="http://schemas.microsoft.com/office/drawing/2014/main" id="{8ACDB991-EC5C-F38D-2382-DB6C1328DBFA}"/>
+              </a:ext>
+            </a:extLst>
+          </p:cNvPr>
+          <p:cNvSpPr txBox="1"/>
+          <p:nvPr/>
+        </p:nvSpPr>
+        <p:spPr>
+          <a:xfrm>
+            <a:off x="451338" y="5136584"/>
+            <a:ext cx="10649356" cy="369332"/>
+          </a:xfrm>
+          <a:prstGeom prst="rect">
+            <a:avLst/>
+          </a:prstGeom>
+          <a:noFill/>
+        </p:spPr>
+        <p:txBody>
+          <a:bodyPr wrap="square">
+            <a:spAutoFit/>
+          </a:bodyPr>
+          <a:lstStyle/>
+          <a:p>
+            <a:r>
+              <a:rPr lang="pt-BR" dirty="0">
+                <a:solidFill>
+                  <a:schemeClr val="bg1"/>
+                </a:solidFill>
+              </a:rPr>
+              <a:t>https://marketplace.visualstudio.com/items?itemName=mustaphalarhrouch.GPTPullRequestReview</a:t>
+            </a:r>
+          </a:p>
+        </p:txBody>
+      </p:sp>
+      <p:sp>
+        <p:nvSpPr>
+          <p:cNvPr id="6" name="Espaço Reservado para Texto 2">
+            <a:extLst>
+              <a:ext uri="{FF2B5EF4-FFF2-40B4-BE49-F238E27FC236}">
+                <a16:creationId xmlns:a16="http://schemas.microsoft.com/office/drawing/2014/main" id="{4241B9D4-4E11-C865-F7EE-C8ADDF366F9D}"/>
+              </a:ext>
+            </a:extLst>
+          </p:cNvPr>
+          <p:cNvSpPr txBox="1">
+            <a:spLocks/>
+          </p:cNvSpPr>
+          <p:nvPr/>
+        </p:nvSpPr>
+        <p:spPr>
+          <a:xfrm>
+            <a:off x="451338" y="803485"/>
+            <a:ext cx="9795376" cy="923330"/>
+          </a:xfrm>
+          <a:prstGeom prst="rect">
+            <a:avLst/>
+          </a:prstGeom>
+        </p:spPr>
+        <p:txBody>
+          <a:bodyPr vert="horz" wrap="square" lIns="0" tIns="91440" rIns="146304" bIns="91440" rtlCol="0">
+            <a:spAutoFit/>
+          </a:bodyPr>
+          <a:lstStyle>
+            <a:lvl1pPr marL="0" marR="0" indent="0" algn="l" defTabSz="932742" rtl="0" eaLnBrk="1" fontAlgn="auto" latinLnBrk="0" hangingPunct="1">
+              <a:lnSpc>
+                <a:spcPct val="100000"/>
+              </a:lnSpc>
+              <a:spcBef>
+                <a:spcPts val="0"/>
+              </a:spcBef>
+              <a:spcAft>
+                <a:spcPts val="0"/>
+              </a:spcAft>
+              <a:buClrTx/>
+              <a:buSzPct val="90000"/>
+              <a:buFont typeface="Wingdings" panose="05000000000000000000" pitchFamily="2" charset="2"/>
+              <a:buNone/>
+              <a:tabLst/>
+              <a:defRPr sz="1800" kern="1200" spc="-50" baseline="0">
+                <a:solidFill>
+                  <a:schemeClr val="bg2"/>
+                </a:solidFill>
+                <a:latin typeface="+mj-lt"/>
+                <a:ea typeface="+mn-ea"/>
+                <a:cs typeface="+mn-cs"/>
+              </a:defRPr>
+            </a:lvl1pPr>
+            <a:lvl2pPr marL="0" marR="0" indent="0" algn="l" defTabSz="932742" rtl="0" eaLnBrk="1" fontAlgn="auto" latinLnBrk="0" hangingPunct="1">
+              <a:lnSpc>
+                <a:spcPct val="100000"/>
+              </a:lnSpc>
+              <a:spcBef>
+                <a:spcPts val="0"/>
+              </a:spcBef>
+              <a:spcAft>
+                <a:spcPts val="0"/>
+              </a:spcAft>
+              <a:buClrTx/>
+              <a:buSzPct val="90000"/>
+              <a:buFontTx/>
+              <a:buNone/>
+              <a:tabLst/>
+              <a:defRPr sz="1800" kern="1200" spc="0" baseline="0">
+                <a:solidFill>
+                  <a:srgbClr val="000000"/>
+                </a:solidFill>
+                <a:latin typeface="+mn-lt"/>
+                <a:ea typeface="+mn-ea"/>
+                <a:cs typeface="+mn-cs"/>
+              </a:defRPr>
+            </a:lvl2pPr>
+            <a:lvl3pPr marL="0" marR="0" indent="0" algn="l" defTabSz="932742" rtl="0" eaLnBrk="1" fontAlgn="auto" latinLnBrk="0" hangingPunct="1">
+              <a:lnSpc>
+                <a:spcPct val="100000"/>
+              </a:lnSpc>
+              <a:spcBef>
+                <a:spcPts val="0"/>
+              </a:spcBef>
+              <a:spcAft>
+                <a:spcPts val="0"/>
+              </a:spcAft>
+              <a:buClrTx/>
+              <a:buSzPct val="90000"/>
+              <a:buFont typeface="Wingdings" panose="05000000000000000000" pitchFamily="2" charset="2"/>
+              <a:buNone/>
+              <a:tabLst/>
+              <a:defRPr sz="1400" kern="1200" spc="0" baseline="0">
+                <a:solidFill>
+                  <a:schemeClr val="tx2"/>
+                </a:solidFill>
+                <a:latin typeface="+mj-lt"/>
+                <a:ea typeface="+mn-ea"/>
+                <a:cs typeface="+mn-cs"/>
+              </a:defRPr>
+            </a:lvl3pPr>
+            <a:lvl4pPr marL="0" marR="0" indent="0" algn="l" defTabSz="932742" rtl="0" eaLnBrk="1" fontAlgn="auto" latinLnBrk="0" hangingPunct="1">
+              <a:lnSpc>
+                <a:spcPct val="100000"/>
+              </a:lnSpc>
+              <a:spcBef>
+                <a:spcPts val="0"/>
+              </a:spcBef>
+              <a:spcAft>
+                <a:spcPts val="0"/>
+              </a:spcAft>
+              <a:buClrTx/>
+              <a:buSzPct val="90000"/>
+              <a:buFont typeface="Wingdings" panose="05000000000000000000" pitchFamily="2" charset="2"/>
+              <a:buNone/>
+              <a:tabLst/>
+              <a:defRPr sz="1400" kern="1200" spc="0" baseline="0">
+                <a:solidFill>
+                  <a:srgbClr val="000000"/>
+                </a:solidFill>
+                <a:latin typeface="+mn-lt"/>
+                <a:ea typeface="+mn-ea"/>
+                <a:cs typeface="+mn-cs"/>
+              </a:defRPr>
+            </a:lvl4pPr>
+            <a:lvl5pPr marL="0" marR="0" indent="0" algn="l" defTabSz="932742" rtl="0" eaLnBrk="1" fontAlgn="auto" latinLnBrk="0" hangingPunct="1">
+              <a:lnSpc>
+                <a:spcPct val="100000"/>
+              </a:lnSpc>
+              <a:spcBef>
+                <a:spcPts val="0"/>
+              </a:spcBef>
+              <a:spcAft>
+                <a:spcPts val="0"/>
+              </a:spcAft>
+              <a:buClrTx/>
+              <a:buSzPct val="90000"/>
+              <a:buFont typeface="Wingdings" panose="05000000000000000000" pitchFamily="2" charset="2"/>
+              <a:buNone/>
+              <a:tabLst/>
+              <a:defRPr sz="1050" b="1" kern="1200" spc="0" baseline="0">
+                <a:solidFill>
+                  <a:srgbClr val="000000"/>
+                </a:solidFill>
+                <a:latin typeface="+mn-lt"/>
+                <a:ea typeface="+mn-ea"/>
+                <a:cs typeface="+mn-cs"/>
+              </a:defRPr>
+            </a:lvl5pPr>
+            <a:lvl6pPr marL="2331854" indent="0" algn="l" defTabSz="932742" rtl="0" eaLnBrk="1" latinLnBrk="0" hangingPunct="1">
+              <a:spcBef>
+                <a:spcPct val="20000"/>
+              </a:spcBef>
+              <a:buFont typeface="Arial" pitchFamily="34" charset="0"/>
+              <a:buNone/>
+              <a:defRPr sz="2000" kern="1200">
+                <a:solidFill>
+                  <a:schemeClr val="tx1"/>
+                </a:solidFill>
+                <a:latin typeface="+mn-lt"/>
+                <a:ea typeface="+mn-ea"/>
+                <a:cs typeface="+mn-cs"/>
+              </a:defRPr>
+            </a:lvl6pPr>
+            <a:lvl7pPr marL="0" indent="0" algn="l" defTabSz="932742" rtl="0" eaLnBrk="1" latinLnBrk="0" hangingPunct="1">
+              <a:lnSpc>
+                <a:spcPct val="100000"/>
+              </a:lnSpc>
+              <a:spcBef>
+                <a:spcPts val="0"/>
+              </a:spcBef>
+              <a:spcAft>
+                <a:spcPts val="0"/>
+              </a:spcAft>
+              <a:buFont typeface="Arial" pitchFamily="34" charset="0"/>
+              <a:buNone/>
+              <a:defRPr sz="1000" kern="1200">
+                <a:solidFill>
+                  <a:srgbClr val="000000"/>
+                </a:solidFill>
+                <a:latin typeface="+mn-lt"/>
+                <a:ea typeface="+mn-ea"/>
+                <a:cs typeface="+mn-cs"/>
+              </a:defRPr>
+            </a:lvl7pPr>
+            <a:lvl8pPr marL="3497783" indent="-233186" algn="l" defTabSz="932742" rtl="0" eaLnBrk="1" latinLnBrk="0" hangingPunct="1">
+              <a:spcBef>
+                <a:spcPct val="20000"/>
+              </a:spcBef>
+              <a:buFont typeface="Arial" pitchFamily="34" charset="0"/>
+              <a:buChar char="•"/>
+              <a:defRPr sz="2000" kern="1200">
+                <a:solidFill>
+                  <a:schemeClr val="tx1"/>
+                </a:solidFill>
+                <a:latin typeface="+mn-lt"/>
+                <a:ea typeface="+mn-ea"/>
+                <a:cs typeface="+mn-cs"/>
+              </a:defRPr>
+            </a:lvl8pPr>
+            <a:lvl9pPr marL="3964155" indent="-233186" algn="l" defTabSz="932742" rtl="0" eaLnBrk="1" latinLnBrk="0" hangingPunct="1">
+              <a:spcBef>
+                <a:spcPct val="20000"/>
+              </a:spcBef>
+              <a:buFont typeface="Arial" pitchFamily="34" charset="0"/>
+              <a:buChar char="•"/>
+              <a:defRPr sz="2000" kern="1200">
+                <a:solidFill>
+                  <a:schemeClr val="tx1"/>
+                </a:solidFill>
+                <a:latin typeface="+mn-lt"/>
+                <a:ea typeface="+mn-ea"/>
+                <a:cs typeface="+mn-cs"/>
+              </a:defRPr>
+            </a:lvl9pPr>
+          </a:lstStyle>
+          <a:p>
+            <a:r>
+              <a:rPr lang="pt-BR" sz="4800" dirty="0"/>
+              <a:t>Task de </a:t>
+            </a:r>
+            <a:r>
+              <a:rPr lang="pt-BR" sz="4800" dirty="0" err="1"/>
+              <a:t>pullrequest</a:t>
+            </a:r>
+            <a:endParaRPr lang="pt-BR" sz="4800" dirty="0"/>
+          </a:p>
+        </p:txBody>
+      </p:sp>
+      <p:pic>
+        <p:nvPicPr>
+          <p:cNvPr id="4" name="Imagem 3">
+            <a:extLst>
+              <a:ext uri="{FF2B5EF4-FFF2-40B4-BE49-F238E27FC236}">
+                <a16:creationId xmlns:a16="http://schemas.microsoft.com/office/drawing/2014/main" id="{A87DD783-77F1-74D5-B61E-50859A43DFE5}"/>
+              </a:ext>
+            </a:extLst>
+          </p:cNvPr>
+          <p:cNvPicPr>
+            <a:picLocks noChangeAspect="1"/>
+          </p:cNvPicPr>
+          <p:nvPr/>
+        </p:nvPicPr>
+        <p:blipFill>
+          <a:blip r:embed="rId3"/>
+          <a:stretch>
+            <a:fillRect/>
+          </a:stretch>
+        </p:blipFill>
+        <p:spPr>
+          <a:xfrm>
+            <a:off x="4523362" y="2233033"/>
+            <a:ext cx="2952884" cy="2766665"/>
+          </a:xfrm>
+          <a:prstGeom prst="rect">
+            <a:avLst/>
+          </a:prstGeom>
+          <a:ln>
+            <a:noFill/>
+          </a:ln>
+          <a:effectLst>
+            <a:softEdge rad="112500"/>
+          </a:effectLst>
+        </p:spPr>
+      </p:pic>
+    </p:spTree>
+    <p:extLst>
+      <p:ext uri="{BB962C8B-B14F-4D97-AF65-F5344CB8AC3E}">
+        <p14:creationId xmlns:p14="http://schemas.microsoft.com/office/powerpoint/2010/main" val="542209857"/>
+      </p:ext>
+    </p:extLst>
+  </p:cSld>
+  <p:clrMapOvr>
+    <a:masterClrMapping/>
+  </p:clrMapOvr>
+  <mc:AlternateContent xmlns:mc="http://schemas.openxmlformats.org/markup-compatibility/2006" xmlns:p14="http://schemas.microsoft.com/office/powerpoint/2010/main">
+    <mc:Choice Requires="p14">
+      <p:transition spd="med" p14:dur="700">
+        <p:fade/>
+      </p:transition>
+    </mc:Choice>
+    <mc:Fallback xmlns="">
+      <p:transition spd="med">
+        <p:fade/>
+      </p:transition>
+    </mc:Fallback>
+  </mc:AlternateContent>
+</p:sld>
+</file>
+
+<file path=ppt/slides/slide15.xml><?xml version="1.0" encoding="utf-8"?>
+<p:sld xmlns:a="http://schemas.openxmlformats.org/drawingml/2006/main" xmlns:r="http://schemas.openxmlformats.org/officeDocument/2006/relationships" xmlns:p="http://schemas.openxmlformats.org/presentationml/2006/main">
+  <p:cSld>
+    <p:spTree>
+      <p:nvGrpSpPr>
+        <p:cNvPr id="1" name=""/>
+        <p:cNvGrpSpPr/>
+        <p:nvPr/>
+      </p:nvGrpSpPr>
+      <p:grpSpPr>
+        <a:xfrm>
+          <a:off x="0" y="0"/>
+          <a:ext cx="0" cy="0"/>
+          <a:chOff x="0" y="0"/>
+          <a:chExt cx="0" cy="0"/>
+        </a:xfrm>
+      </p:grpSpPr>
+      <p:sp>
+        <p:nvSpPr>
           <p:cNvPr id="5" name="CaixaDeTexto 4">
             <a:extLst>
               <a:ext uri="{FF2B5EF4-FFF2-40B4-BE49-F238E27FC236}">
@@ -23885,7 +26534,611 @@
 </p:sld>
 </file>
 
-<file path=ppt/slides/slide11.xml><?xml version="1.0" encoding="utf-8"?>
+<file path=ppt/slides/slide16.xml><?xml version="1.0" encoding="utf-8"?>
+<p:sld xmlns:a="http://schemas.openxmlformats.org/drawingml/2006/main" xmlns:r="http://schemas.openxmlformats.org/officeDocument/2006/relationships" xmlns:p="http://schemas.openxmlformats.org/presentationml/2006/main">
+  <p:cSld>
+    <p:spTree>
+      <p:nvGrpSpPr>
+        <p:cNvPr id="1" name=""/>
+        <p:cNvGrpSpPr/>
+        <p:nvPr/>
+      </p:nvGrpSpPr>
+      <p:grpSpPr>
+        <a:xfrm>
+          <a:off x="0" y="0"/>
+          <a:ext cx="0" cy="0"/>
+          <a:chOff x="0" y="0"/>
+          <a:chExt cx="0" cy="0"/>
+        </a:xfrm>
+      </p:grpSpPr>
+      <p:sp>
+        <p:nvSpPr>
+          <p:cNvPr id="5" name="CaixaDeTexto 4">
+            <a:extLst>
+              <a:ext uri="{FF2B5EF4-FFF2-40B4-BE49-F238E27FC236}">
+                <a16:creationId xmlns:a16="http://schemas.microsoft.com/office/drawing/2014/main" id="{76763EC9-DCC5-2F4A-1740-BD5FBE6B2845}"/>
+              </a:ext>
+            </a:extLst>
+          </p:cNvPr>
+          <p:cNvSpPr txBox="1"/>
+          <p:nvPr/>
+        </p:nvSpPr>
+        <p:spPr>
+          <a:xfrm>
+            <a:off x="437276" y="890240"/>
+            <a:ext cx="10875991" cy="707886"/>
+          </a:xfrm>
+          <a:prstGeom prst="rect">
+            <a:avLst/>
+          </a:prstGeom>
+          <a:noFill/>
+        </p:spPr>
+        <p:txBody>
+          <a:bodyPr wrap="square">
+            <a:spAutoFit/>
+          </a:bodyPr>
+          <a:lstStyle/>
+          <a:p>
+            <a:r>
+              <a:rPr lang="pt-BR" sz="4000" spc="-50" dirty="0">
+                <a:solidFill>
+                  <a:schemeClr val="bg2"/>
+                </a:solidFill>
+                <a:latin typeface="+mj-lt"/>
+              </a:rPr>
+              <a:t>Pontos relevantes antes do demo</a:t>
+            </a:r>
+          </a:p>
+        </p:txBody>
+      </p:sp>
+      <p:pic>
+        <p:nvPicPr>
+          <p:cNvPr id="4" name="Imagem 3">
+            <a:extLst>
+              <a:ext uri="{FF2B5EF4-FFF2-40B4-BE49-F238E27FC236}">
+                <a16:creationId xmlns:a16="http://schemas.microsoft.com/office/drawing/2014/main" id="{342D94F6-8541-0262-1ABE-5EBBF4B38AE0}"/>
+              </a:ext>
+            </a:extLst>
+          </p:cNvPr>
+          <p:cNvPicPr>
+            <a:picLocks noChangeAspect="1"/>
+          </p:cNvPicPr>
+          <p:nvPr/>
+        </p:nvPicPr>
+        <p:blipFill>
+          <a:blip r:embed="rId2"/>
+          <a:stretch>
+            <a:fillRect/>
+          </a:stretch>
+        </p:blipFill>
+        <p:spPr>
+          <a:xfrm>
+            <a:off x="373901" y="2306838"/>
+            <a:ext cx="7330597" cy="1620096"/>
+          </a:xfrm>
+          <a:prstGeom prst="rect">
+            <a:avLst/>
+          </a:prstGeom>
+        </p:spPr>
+      </p:pic>
+      <p:pic>
+        <p:nvPicPr>
+          <p:cNvPr id="2" name="Imagem 1">
+            <a:extLst>
+              <a:ext uri="{FF2B5EF4-FFF2-40B4-BE49-F238E27FC236}">
+                <a16:creationId xmlns:a16="http://schemas.microsoft.com/office/drawing/2014/main" id="{F4F41DDC-F741-2E71-D208-0D3FBB9B777F}"/>
+              </a:ext>
+            </a:extLst>
+          </p:cNvPr>
+          <p:cNvPicPr>
+            <a:picLocks noChangeAspect="1"/>
+          </p:cNvPicPr>
+          <p:nvPr/>
+        </p:nvPicPr>
+        <p:blipFill>
+          <a:blip r:embed="rId3"/>
+          <a:stretch>
+            <a:fillRect/>
+          </a:stretch>
+        </p:blipFill>
+        <p:spPr>
+          <a:xfrm>
+            <a:off x="408881" y="4635646"/>
+            <a:ext cx="5809356" cy="2263762"/>
+          </a:xfrm>
+          <a:prstGeom prst="rect">
+            <a:avLst/>
+          </a:prstGeom>
+        </p:spPr>
+      </p:pic>
+      <p:sp>
+        <p:nvSpPr>
+          <p:cNvPr id="3" name="Espaço Reservado para Texto 2">
+            <a:extLst>
+              <a:ext uri="{FF2B5EF4-FFF2-40B4-BE49-F238E27FC236}">
+                <a16:creationId xmlns:a16="http://schemas.microsoft.com/office/drawing/2014/main" id="{EA0F3938-FEFD-65C1-6F98-726A36A64E04}"/>
+              </a:ext>
+            </a:extLst>
+          </p:cNvPr>
+          <p:cNvSpPr txBox="1">
+            <a:spLocks/>
+          </p:cNvSpPr>
+          <p:nvPr/>
+        </p:nvSpPr>
+        <p:spPr>
+          <a:xfrm>
+            <a:off x="373901" y="4143203"/>
+            <a:ext cx="9795376" cy="492443"/>
+          </a:xfrm>
+          <a:prstGeom prst="rect">
+            <a:avLst/>
+          </a:prstGeom>
+        </p:spPr>
+        <p:txBody>
+          <a:bodyPr vert="horz" wrap="square" lIns="0" tIns="91440" rIns="146304" bIns="91440" rtlCol="0">
+            <a:spAutoFit/>
+          </a:bodyPr>
+          <a:lstStyle>
+            <a:lvl1pPr marL="0" marR="0" indent="0" algn="l" defTabSz="932742" rtl="0" eaLnBrk="1" fontAlgn="auto" latinLnBrk="0" hangingPunct="1">
+              <a:lnSpc>
+                <a:spcPct val="100000"/>
+              </a:lnSpc>
+              <a:spcBef>
+                <a:spcPts val="0"/>
+              </a:spcBef>
+              <a:spcAft>
+                <a:spcPts val="0"/>
+              </a:spcAft>
+              <a:buClrTx/>
+              <a:buSzPct val="90000"/>
+              <a:buFont typeface="Wingdings" panose="05000000000000000000" pitchFamily="2" charset="2"/>
+              <a:buNone/>
+              <a:tabLst/>
+              <a:defRPr sz="1800" kern="1200" spc="-50" baseline="0">
+                <a:solidFill>
+                  <a:schemeClr val="bg2"/>
+                </a:solidFill>
+                <a:latin typeface="+mj-lt"/>
+                <a:ea typeface="+mn-ea"/>
+                <a:cs typeface="+mn-cs"/>
+              </a:defRPr>
+            </a:lvl1pPr>
+            <a:lvl2pPr marL="0" marR="0" indent="0" algn="l" defTabSz="932742" rtl="0" eaLnBrk="1" fontAlgn="auto" latinLnBrk="0" hangingPunct="1">
+              <a:lnSpc>
+                <a:spcPct val="100000"/>
+              </a:lnSpc>
+              <a:spcBef>
+                <a:spcPts val="0"/>
+              </a:spcBef>
+              <a:spcAft>
+                <a:spcPts val="0"/>
+              </a:spcAft>
+              <a:buClrTx/>
+              <a:buSzPct val="90000"/>
+              <a:buFontTx/>
+              <a:buNone/>
+              <a:tabLst/>
+              <a:defRPr sz="1800" kern="1200" spc="0" baseline="0">
+                <a:solidFill>
+                  <a:srgbClr val="000000"/>
+                </a:solidFill>
+                <a:latin typeface="+mn-lt"/>
+                <a:ea typeface="+mn-ea"/>
+                <a:cs typeface="+mn-cs"/>
+              </a:defRPr>
+            </a:lvl2pPr>
+            <a:lvl3pPr marL="0" marR="0" indent="0" algn="l" defTabSz="932742" rtl="0" eaLnBrk="1" fontAlgn="auto" latinLnBrk="0" hangingPunct="1">
+              <a:lnSpc>
+                <a:spcPct val="100000"/>
+              </a:lnSpc>
+              <a:spcBef>
+                <a:spcPts val="0"/>
+              </a:spcBef>
+              <a:spcAft>
+                <a:spcPts val="0"/>
+              </a:spcAft>
+              <a:buClrTx/>
+              <a:buSzPct val="90000"/>
+              <a:buFont typeface="Wingdings" panose="05000000000000000000" pitchFamily="2" charset="2"/>
+              <a:buNone/>
+              <a:tabLst/>
+              <a:defRPr sz="1400" kern="1200" spc="0" baseline="0">
+                <a:solidFill>
+                  <a:schemeClr val="tx2"/>
+                </a:solidFill>
+                <a:latin typeface="+mj-lt"/>
+                <a:ea typeface="+mn-ea"/>
+                <a:cs typeface="+mn-cs"/>
+              </a:defRPr>
+            </a:lvl3pPr>
+            <a:lvl4pPr marL="0" marR="0" indent="0" algn="l" defTabSz="932742" rtl="0" eaLnBrk="1" fontAlgn="auto" latinLnBrk="0" hangingPunct="1">
+              <a:lnSpc>
+                <a:spcPct val="100000"/>
+              </a:lnSpc>
+              <a:spcBef>
+                <a:spcPts val="0"/>
+              </a:spcBef>
+              <a:spcAft>
+                <a:spcPts val="0"/>
+              </a:spcAft>
+              <a:buClrTx/>
+              <a:buSzPct val="90000"/>
+              <a:buFont typeface="Wingdings" panose="05000000000000000000" pitchFamily="2" charset="2"/>
+              <a:buNone/>
+              <a:tabLst/>
+              <a:defRPr sz="1400" kern="1200" spc="0" baseline="0">
+                <a:solidFill>
+                  <a:srgbClr val="000000"/>
+                </a:solidFill>
+                <a:latin typeface="+mn-lt"/>
+                <a:ea typeface="+mn-ea"/>
+                <a:cs typeface="+mn-cs"/>
+              </a:defRPr>
+            </a:lvl4pPr>
+            <a:lvl5pPr marL="0" marR="0" indent="0" algn="l" defTabSz="932742" rtl="0" eaLnBrk="1" fontAlgn="auto" latinLnBrk="0" hangingPunct="1">
+              <a:lnSpc>
+                <a:spcPct val="100000"/>
+              </a:lnSpc>
+              <a:spcBef>
+                <a:spcPts val="0"/>
+              </a:spcBef>
+              <a:spcAft>
+                <a:spcPts val="0"/>
+              </a:spcAft>
+              <a:buClrTx/>
+              <a:buSzPct val="90000"/>
+              <a:buFont typeface="Wingdings" panose="05000000000000000000" pitchFamily="2" charset="2"/>
+              <a:buNone/>
+              <a:tabLst/>
+              <a:defRPr sz="1050" b="1" kern="1200" spc="0" baseline="0">
+                <a:solidFill>
+                  <a:srgbClr val="000000"/>
+                </a:solidFill>
+                <a:latin typeface="+mn-lt"/>
+                <a:ea typeface="+mn-ea"/>
+                <a:cs typeface="+mn-cs"/>
+              </a:defRPr>
+            </a:lvl5pPr>
+            <a:lvl6pPr marL="2331854" indent="0" algn="l" defTabSz="932742" rtl="0" eaLnBrk="1" latinLnBrk="0" hangingPunct="1">
+              <a:spcBef>
+                <a:spcPct val="20000"/>
+              </a:spcBef>
+              <a:buFont typeface="Arial" pitchFamily="34" charset="0"/>
+              <a:buNone/>
+              <a:defRPr sz="2000" kern="1200">
+                <a:solidFill>
+                  <a:schemeClr val="tx1"/>
+                </a:solidFill>
+                <a:latin typeface="+mn-lt"/>
+                <a:ea typeface="+mn-ea"/>
+                <a:cs typeface="+mn-cs"/>
+              </a:defRPr>
+            </a:lvl6pPr>
+            <a:lvl7pPr marL="0" indent="0" algn="l" defTabSz="932742" rtl="0" eaLnBrk="1" latinLnBrk="0" hangingPunct="1">
+              <a:lnSpc>
+                <a:spcPct val="100000"/>
+              </a:lnSpc>
+              <a:spcBef>
+                <a:spcPts val="0"/>
+              </a:spcBef>
+              <a:spcAft>
+                <a:spcPts val="0"/>
+              </a:spcAft>
+              <a:buFont typeface="Arial" pitchFamily="34" charset="0"/>
+              <a:buNone/>
+              <a:defRPr sz="1000" kern="1200">
+                <a:solidFill>
+                  <a:srgbClr val="000000"/>
+                </a:solidFill>
+                <a:latin typeface="+mn-lt"/>
+                <a:ea typeface="+mn-ea"/>
+                <a:cs typeface="+mn-cs"/>
+              </a:defRPr>
+            </a:lvl7pPr>
+            <a:lvl8pPr marL="3497783" indent="-233186" algn="l" defTabSz="932742" rtl="0" eaLnBrk="1" latinLnBrk="0" hangingPunct="1">
+              <a:spcBef>
+                <a:spcPct val="20000"/>
+              </a:spcBef>
+              <a:buFont typeface="Arial" pitchFamily="34" charset="0"/>
+              <a:buChar char="•"/>
+              <a:defRPr sz="2000" kern="1200">
+                <a:solidFill>
+                  <a:schemeClr val="tx1"/>
+                </a:solidFill>
+                <a:latin typeface="+mn-lt"/>
+                <a:ea typeface="+mn-ea"/>
+                <a:cs typeface="+mn-cs"/>
+              </a:defRPr>
+            </a:lvl8pPr>
+            <a:lvl9pPr marL="3964155" indent="-233186" algn="l" defTabSz="932742" rtl="0" eaLnBrk="1" latinLnBrk="0" hangingPunct="1">
+              <a:spcBef>
+                <a:spcPct val="20000"/>
+              </a:spcBef>
+              <a:buFont typeface="Arial" pitchFamily="34" charset="0"/>
+              <a:buChar char="•"/>
+              <a:defRPr sz="2000" kern="1200">
+                <a:solidFill>
+                  <a:schemeClr val="tx1"/>
+                </a:solidFill>
+                <a:latin typeface="+mn-lt"/>
+                <a:ea typeface="+mn-ea"/>
+                <a:cs typeface="+mn-cs"/>
+              </a:defRPr>
+            </a:lvl9pPr>
+          </a:lstStyle>
+          <a:p>
+            <a:r>
+              <a:rPr lang="pt-BR" sz="2000" dirty="0"/>
+              <a:t>Reposit</a:t>
+            </a:r>
+            <a:r>
+              <a:rPr lang="pt-BR" sz="2000" b="1" dirty="0"/>
+              <a:t>ó</a:t>
+            </a:r>
+            <a:r>
+              <a:rPr lang="pt-BR" sz="2000" dirty="0"/>
+              <a:t>rio (build-</a:t>
+            </a:r>
+            <a:r>
+              <a:rPr lang="pt-BR" sz="2000" dirty="0" err="1"/>
+              <a:t>services</a:t>
+            </a:r>
+            <a:r>
+              <a:rPr lang="pt-BR" sz="2000" dirty="0"/>
+              <a:t>)</a:t>
+            </a:r>
+          </a:p>
+        </p:txBody>
+      </p:sp>
+      <p:sp>
+        <p:nvSpPr>
+          <p:cNvPr id="7" name="Espaço Reservado para Texto 2">
+            <a:extLst>
+              <a:ext uri="{FF2B5EF4-FFF2-40B4-BE49-F238E27FC236}">
+                <a16:creationId xmlns:a16="http://schemas.microsoft.com/office/drawing/2014/main" id="{109CCAAE-FAE8-637A-412E-4DE942962CA9}"/>
+              </a:ext>
+            </a:extLst>
+          </p:cNvPr>
+          <p:cNvSpPr txBox="1">
+            <a:spLocks/>
+          </p:cNvSpPr>
+          <p:nvPr/>
+        </p:nvSpPr>
+        <p:spPr>
+          <a:xfrm>
+            <a:off x="373901" y="1814395"/>
+            <a:ext cx="9795376" cy="492443"/>
+          </a:xfrm>
+          <a:prstGeom prst="rect">
+            <a:avLst/>
+          </a:prstGeom>
+        </p:spPr>
+        <p:txBody>
+          <a:bodyPr vert="horz" wrap="square" lIns="0" tIns="91440" rIns="146304" bIns="91440" rtlCol="0">
+            <a:spAutoFit/>
+          </a:bodyPr>
+          <a:lstStyle>
+            <a:lvl1pPr marL="0" marR="0" indent="0" algn="l" defTabSz="932742" rtl="0" eaLnBrk="1" fontAlgn="auto" latinLnBrk="0" hangingPunct="1">
+              <a:lnSpc>
+                <a:spcPct val="100000"/>
+              </a:lnSpc>
+              <a:spcBef>
+                <a:spcPts val="0"/>
+              </a:spcBef>
+              <a:spcAft>
+                <a:spcPts val="0"/>
+              </a:spcAft>
+              <a:buClrTx/>
+              <a:buSzPct val="90000"/>
+              <a:buFont typeface="Wingdings" panose="05000000000000000000" pitchFamily="2" charset="2"/>
+              <a:buNone/>
+              <a:tabLst/>
+              <a:defRPr sz="1800" kern="1200" spc="-50" baseline="0">
+                <a:solidFill>
+                  <a:schemeClr val="bg2"/>
+                </a:solidFill>
+                <a:latin typeface="+mj-lt"/>
+                <a:ea typeface="+mn-ea"/>
+                <a:cs typeface="+mn-cs"/>
+              </a:defRPr>
+            </a:lvl1pPr>
+            <a:lvl2pPr marL="0" marR="0" indent="0" algn="l" defTabSz="932742" rtl="0" eaLnBrk="1" fontAlgn="auto" latinLnBrk="0" hangingPunct="1">
+              <a:lnSpc>
+                <a:spcPct val="100000"/>
+              </a:lnSpc>
+              <a:spcBef>
+                <a:spcPts val="0"/>
+              </a:spcBef>
+              <a:spcAft>
+                <a:spcPts val="0"/>
+              </a:spcAft>
+              <a:buClrTx/>
+              <a:buSzPct val="90000"/>
+              <a:buFontTx/>
+              <a:buNone/>
+              <a:tabLst/>
+              <a:defRPr sz="1800" kern="1200" spc="0" baseline="0">
+                <a:solidFill>
+                  <a:srgbClr val="000000"/>
+                </a:solidFill>
+                <a:latin typeface="+mn-lt"/>
+                <a:ea typeface="+mn-ea"/>
+                <a:cs typeface="+mn-cs"/>
+              </a:defRPr>
+            </a:lvl2pPr>
+            <a:lvl3pPr marL="0" marR="0" indent="0" algn="l" defTabSz="932742" rtl="0" eaLnBrk="1" fontAlgn="auto" latinLnBrk="0" hangingPunct="1">
+              <a:lnSpc>
+                <a:spcPct val="100000"/>
+              </a:lnSpc>
+              <a:spcBef>
+                <a:spcPts val="0"/>
+              </a:spcBef>
+              <a:spcAft>
+                <a:spcPts val="0"/>
+              </a:spcAft>
+              <a:buClrTx/>
+              <a:buSzPct val="90000"/>
+              <a:buFont typeface="Wingdings" panose="05000000000000000000" pitchFamily="2" charset="2"/>
+              <a:buNone/>
+              <a:tabLst/>
+              <a:defRPr sz="1400" kern="1200" spc="0" baseline="0">
+                <a:solidFill>
+                  <a:schemeClr val="tx2"/>
+                </a:solidFill>
+                <a:latin typeface="+mj-lt"/>
+                <a:ea typeface="+mn-ea"/>
+                <a:cs typeface="+mn-cs"/>
+              </a:defRPr>
+            </a:lvl3pPr>
+            <a:lvl4pPr marL="0" marR="0" indent="0" algn="l" defTabSz="932742" rtl="0" eaLnBrk="1" fontAlgn="auto" latinLnBrk="0" hangingPunct="1">
+              <a:lnSpc>
+                <a:spcPct val="100000"/>
+              </a:lnSpc>
+              <a:spcBef>
+                <a:spcPts val="0"/>
+              </a:spcBef>
+              <a:spcAft>
+                <a:spcPts val="0"/>
+              </a:spcAft>
+              <a:buClrTx/>
+              <a:buSzPct val="90000"/>
+              <a:buFont typeface="Wingdings" panose="05000000000000000000" pitchFamily="2" charset="2"/>
+              <a:buNone/>
+              <a:tabLst/>
+              <a:defRPr sz="1400" kern="1200" spc="0" baseline="0">
+                <a:solidFill>
+                  <a:srgbClr val="000000"/>
+                </a:solidFill>
+                <a:latin typeface="+mn-lt"/>
+                <a:ea typeface="+mn-ea"/>
+                <a:cs typeface="+mn-cs"/>
+              </a:defRPr>
+            </a:lvl4pPr>
+            <a:lvl5pPr marL="0" marR="0" indent="0" algn="l" defTabSz="932742" rtl="0" eaLnBrk="1" fontAlgn="auto" latinLnBrk="0" hangingPunct="1">
+              <a:lnSpc>
+                <a:spcPct val="100000"/>
+              </a:lnSpc>
+              <a:spcBef>
+                <a:spcPts val="0"/>
+              </a:spcBef>
+              <a:spcAft>
+                <a:spcPts val="0"/>
+              </a:spcAft>
+              <a:buClrTx/>
+              <a:buSzPct val="90000"/>
+              <a:buFont typeface="Wingdings" panose="05000000000000000000" pitchFamily="2" charset="2"/>
+              <a:buNone/>
+              <a:tabLst/>
+              <a:defRPr sz="1050" b="1" kern="1200" spc="0" baseline="0">
+                <a:solidFill>
+                  <a:srgbClr val="000000"/>
+                </a:solidFill>
+                <a:latin typeface="+mn-lt"/>
+                <a:ea typeface="+mn-ea"/>
+                <a:cs typeface="+mn-cs"/>
+              </a:defRPr>
+            </a:lvl5pPr>
+            <a:lvl6pPr marL="2331854" indent="0" algn="l" defTabSz="932742" rtl="0" eaLnBrk="1" latinLnBrk="0" hangingPunct="1">
+              <a:spcBef>
+                <a:spcPct val="20000"/>
+              </a:spcBef>
+              <a:buFont typeface="Arial" pitchFamily="34" charset="0"/>
+              <a:buNone/>
+              <a:defRPr sz="2000" kern="1200">
+                <a:solidFill>
+                  <a:schemeClr val="tx1"/>
+                </a:solidFill>
+                <a:latin typeface="+mn-lt"/>
+                <a:ea typeface="+mn-ea"/>
+                <a:cs typeface="+mn-cs"/>
+              </a:defRPr>
+            </a:lvl6pPr>
+            <a:lvl7pPr marL="0" indent="0" algn="l" defTabSz="932742" rtl="0" eaLnBrk="1" latinLnBrk="0" hangingPunct="1">
+              <a:lnSpc>
+                <a:spcPct val="100000"/>
+              </a:lnSpc>
+              <a:spcBef>
+                <a:spcPts val="0"/>
+              </a:spcBef>
+              <a:spcAft>
+                <a:spcPts val="0"/>
+              </a:spcAft>
+              <a:buFont typeface="Arial" pitchFamily="34" charset="0"/>
+              <a:buNone/>
+              <a:defRPr sz="1000" kern="1200">
+                <a:solidFill>
+                  <a:srgbClr val="000000"/>
+                </a:solidFill>
+                <a:latin typeface="+mn-lt"/>
+                <a:ea typeface="+mn-ea"/>
+                <a:cs typeface="+mn-cs"/>
+              </a:defRPr>
+            </a:lvl7pPr>
+            <a:lvl8pPr marL="3497783" indent="-233186" algn="l" defTabSz="932742" rtl="0" eaLnBrk="1" latinLnBrk="0" hangingPunct="1">
+              <a:spcBef>
+                <a:spcPct val="20000"/>
+              </a:spcBef>
+              <a:buFont typeface="Arial" pitchFamily="34" charset="0"/>
+              <a:buChar char="•"/>
+              <a:defRPr sz="2000" kern="1200">
+                <a:solidFill>
+                  <a:schemeClr val="tx1"/>
+                </a:solidFill>
+                <a:latin typeface="+mn-lt"/>
+                <a:ea typeface="+mn-ea"/>
+                <a:cs typeface="+mn-cs"/>
+              </a:defRPr>
+            </a:lvl8pPr>
+            <a:lvl9pPr marL="3964155" indent="-233186" algn="l" defTabSz="932742" rtl="0" eaLnBrk="1" latinLnBrk="0" hangingPunct="1">
+              <a:spcBef>
+                <a:spcPct val="20000"/>
+              </a:spcBef>
+              <a:buFont typeface="Arial" pitchFamily="34" charset="0"/>
+              <a:buChar char="•"/>
+              <a:defRPr sz="2000" kern="1200">
+                <a:solidFill>
+                  <a:schemeClr val="tx1"/>
+                </a:solidFill>
+                <a:latin typeface="+mn-lt"/>
+                <a:ea typeface="+mn-ea"/>
+                <a:cs typeface="+mn-cs"/>
+              </a:defRPr>
+            </a:lvl9pPr>
+          </a:lstStyle>
+          <a:p>
+            <a:r>
+              <a:rPr lang="pt-BR" sz="2000" dirty="0"/>
+              <a:t>Branch Policies</a:t>
+            </a:r>
+          </a:p>
+        </p:txBody>
+      </p:sp>
+    </p:spTree>
+    <p:extLst>
+      <p:ext uri="{BB962C8B-B14F-4D97-AF65-F5344CB8AC3E}">
+        <p14:creationId xmlns:p14="http://schemas.microsoft.com/office/powerpoint/2010/main" val="243249444"/>
+      </p:ext>
+    </p:extLst>
+  </p:cSld>
+  <p:clrMapOvr>
+    <a:masterClrMapping/>
+  </p:clrMapOvr>
+  <mc:AlternateContent xmlns:mc="http://schemas.openxmlformats.org/markup-compatibility/2006" xmlns:p14="http://schemas.microsoft.com/office/powerpoint/2010/main">
+    <mc:Choice Requires="p14">
+      <p:transition spd="med" p14:dur="700">
+        <p:fade/>
+      </p:transition>
+    </mc:Choice>
+    <mc:Fallback xmlns="">
+      <p:transition spd="med">
+        <p:fade/>
+      </p:transition>
+    </mc:Fallback>
+  </mc:AlternateContent>
+</p:sld>
+</file>
+
+<file path=ppt/slides/slide17.xml><?xml version="1.0" encoding="utf-8"?>
 <p:sld xmlns:a="http://schemas.openxmlformats.org/drawingml/2006/main" xmlns:r="http://schemas.openxmlformats.org/officeDocument/2006/relationships" xmlns:p="http://schemas.openxmlformats.org/presentationml/2006/main">
   <p:cSld>
     <p:spTree>
@@ -24120,690 +27373,6 @@
           <a:p>
             <a:r>
               <a:rPr lang="pt-BR" sz="4800" dirty="0"/>
-              <a:t>Cotas</a:t>
-            </a:r>
-          </a:p>
-        </p:txBody>
-      </p:sp>
-      <p:pic>
-        <p:nvPicPr>
-          <p:cNvPr id="3" name="Imagem 2">
-            <a:extLst>
-              <a:ext uri="{FF2B5EF4-FFF2-40B4-BE49-F238E27FC236}">
-                <a16:creationId xmlns:a16="http://schemas.microsoft.com/office/drawing/2014/main" id="{63EEB2DD-6CC2-D4D9-110A-2F68E65FE16C}"/>
-              </a:ext>
-            </a:extLst>
-          </p:cNvPr>
-          <p:cNvPicPr>
-            <a:picLocks noChangeAspect="1"/>
-          </p:cNvPicPr>
-          <p:nvPr/>
-        </p:nvPicPr>
-        <p:blipFill>
-          <a:blip r:embed="rId3"/>
-          <a:stretch>
-            <a:fillRect/>
-          </a:stretch>
-        </p:blipFill>
-        <p:spPr>
-          <a:xfrm>
-            <a:off x="451338" y="1978703"/>
-            <a:ext cx="9074556" cy="4473799"/>
-          </a:xfrm>
-          <a:prstGeom prst="rect">
-            <a:avLst/>
-          </a:prstGeom>
-        </p:spPr>
-      </p:pic>
-    </p:spTree>
-    <p:extLst>
-      <p:ext uri="{BB962C8B-B14F-4D97-AF65-F5344CB8AC3E}">
-        <p14:creationId xmlns:p14="http://schemas.microsoft.com/office/powerpoint/2010/main" val="2495486148"/>
-      </p:ext>
-    </p:extLst>
-  </p:cSld>
-  <p:clrMapOvr>
-    <a:masterClrMapping/>
-  </p:clrMapOvr>
-  <mc:AlternateContent xmlns:mc="http://schemas.openxmlformats.org/markup-compatibility/2006" xmlns:p14="http://schemas.microsoft.com/office/powerpoint/2010/main">
-    <mc:Choice Requires="p14">
-      <p:transition spd="med" p14:dur="700">
-        <p:fade/>
-      </p:transition>
-    </mc:Choice>
-    <mc:Fallback xmlns="">
-      <p:transition spd="med">
-        <p:fade/>
-      </p:transition>
-    </mc:Fallback>
-  </mc:AlternateContent>
-</p:sld>
-</file>
-
-<file path=ppt/slides/slide12.xml><?xml version="1.0" encoding="utf-8"?>
-<p:sld xmlns:a="http://schemas.openxmlformats.org/drawingml/2006/main" xmlns:r="http://schemas.openxmlformats.org/officeDocument/2006/relationships" xmlns:p="http://schemas.openxmlformats.org/presentationml/2006/main">
-  <p:cSld>
-    <p:spTree>
-      <p:nvGrpSpPr>
-        <p:cNvPr id="1" name=""/>
-        <p:cNvGrpSpPr/>
-        <p:nvPr/>
-      </p:nvGrpSpPr>
-      <p:grpSpPr>
-        <a:xfrm>
-          <a:off x="0" y="0"/>
-          <a:ext cx="0" cy="0"/>
-          <a:chOff x="0" y="0"/>
-          <a:chExt cx="0" cy="0"/>
-        </a:xfrm>
-      </p:grpSpPr>
-      <p:sp>
-        <p:nvSpPr>
-          <p:cNvPr id="3" name="Espaço Reservado para Texto 2">
-            <a:extLst>
-              <a:ext uri="{FF2B5EF4-FFF2-40B4-BE49-F238E27FC236}">
-                <a16:creationId xmlns:a16="http://schemas.microsoft.com/office/drawing/2014/main" id="{181D9804-2358-46E9-C4B4-C4DEAC205FED}"/>
-              </a:ext>
-            </a:extLst>
-          </p:cNvPr>
-          <p:cNvSpPr>
-            <a:spLocks noGrp="1"/>
-          </p:cNvSpPr>
-          <p:nvPr>
-            <p:ph type="body" sz="quarter" idx="15"/>
-          </p:nvPr>
-        </p:nvSpPr>
-        <p:spPr>
-          <a:xfrm>
-            <a:off x="437276" y="5021488"/>
-            <a:ext cx="11124577" cy="738664"/>
-          </a:xfrm>
-        </p:spPr>
-        <p:txBody>
-          <a:bodyPr/>
-          <a:lstStyle/>
-          <a:p>
-            <a:r>
-              <a:rPr lang="pt-BR" dirty="0">
-                <a:solidFill>
-                  <a:schemeClr val="bg1"/>
-                </a:solidFill>
-                <a:latin typeface="+mn-lt"/>
-              </a:rPr>
-              <a:t>https://customervoice.microsoft.com/Pages/ResponsePage.aspx?id=v4j5cvGGr0GRqy180BHbR4xPXO648sJKt4GoXAed-0pURVJWRU4yRTMxRkszU0NXRFFTTEhaT1g1NyQlQCN0PWcu</a:t>
-            </a:r>
-          </a:p>
-        </p:txBody>
-      </p:sp>
-      <p:sp>
-        <p:nvSpPr>
-          <p:cNvPr id="5" name="CaixaDeTexto 4">
-            <a:extLst>
-              <a:ext uri="{FF2B5EF4-FFF2-40B4-BE49-F238E27FC236}">
-                <a16:creationId xmlns:a16="http://schemas.microsoft.com/office/drawing/2014/main" id="{76763EC9-DCC5-2F4A-1740-BD5FBE6B2845}"/>
-              </a:ext>
-            </a:extLst>
-          </p:cNvPr>
-          <p:cNvSpPr txBox="1"/>
-          <p:nvPr/>
-        </p:nvSpPr>
-        <p:spPr>
-          <a:xfrm>
-            <a:off x="437276" y="890240"/>
-            <a:ext cx="10875991" cy="1323439"/>
-          </a:xfrm>
-          <a:prstGeom prst="rect">
-            <a:avLst/>
-          </a:prstGeom>
-          <a:noFill/>
-        </p:spPr>
-        <p:txBody>
-          <a:bodyPr wrap="square">
-            <a:spAutoFit/>
-          </a:bodyPr>
-          <a:lstStyle/>
-          <a:p>
-            <a:r>
-              <a:rPr lang="pt-BR" sz="4000" spc="-50" dirty="0">
-                <a:solidFill>
-                  <a:schemeClr val="bg2"/>
-                </a:solidFill>
-                <a:latin typeface="+mj-lt"/>
-              </a:rPr>
-              <a:t>Formulário para ter acesso ao recurso </a:t>
-            </a:r>
-            <a:r>
-              <a:rPr lang="pt-BR" sz="4000" spc="-50" dirty="0" err="1">
-                <a:solidFill>
-                  <a:schemeClr val="bg2"/>
-                </a:solidFill>
-                <a:latin typeface="+mj-lt"/>
-              </a:rPr>
-              <a:t>AzureOpenAI</a:t>
-            </a:r>
-            <a:endParaRPr lang="pt-BR" sz="4000" spc="-50" dirty="0">
-              <a:solidFill>
-                <a:schemeClr val="bg2"/>
-              </a:solidFill>
-              <a:latin typeface="+mj-lt"/>
-            </a:endParaRPr>
-          </a:p>
-        </p:txBody>
-      </p:sp>
-      <p:pic>
-        <p:nvPicPr>
-          <p:cNvPr id="9" name="Imagem 8">
-            <a:extLst>
-              <a:ext uri="{FF2B5EF4-FFF2-40B4-BE49-F238E27FC236}">
-                <a16:creationId xmlns:a16="http://schemas.microsoft.com/office/drawing/2014/main" id="{C7957C49-E2FA-62D3-186A-A00F479EF58A}"/>
-              </a:ext>
-            </a:extLst>
-          </p:cNvPr>
-          <p:cNvPicPr>
-            <a:picLocks noChangeAspect="1"/>
-          </p:cNvPicPr>
-          <p:nvPr/>
-        </p:nvPicPr>
-        <p:blipFill>
-          <a:blip r:embed="rId2"/>
-          <a:stretch>
-            <a:fillRect/>
-          </a:stretch>
-        </p:blipFill>
-        <p:spPr>
-          <a:xfrm>
-            <a:off x="4941651" y="2226843"/>
-            <a:ext cx="2065325" cy="2055347"/>
-          </a:xfrm>
-          <a:prstGeom prst="rect">
-            <a:avLst/>
-          </a:prstGeom>
-        </p:spPr>
-      </p:pic>
-    </p:spTree>
-    <p:extLst>
-      <p:ext uri="{BB962C8B-B14F-4D97-AF65-F5344CB8AC3E}">
-        <p14:creationId xmlns:p14="http://schemas.microsoft.com/office/powerpoint/2010/main" val="3321899180"/>
-      </p:ext>
-    </p:extLst>
-  </p:cSld>
-  <p:clrMapOvr>
-    <a:masterClrMapping/>
-  </p:clrMapOvr>
-  <mc:AlternateContent xmlns:mc="http://schemas.openxmlformats.org/markup-compatibility/2006" xmlns:p14="http://schemas.microsoft.com/office/powerpoint/2010/main">
-    <mc:Choice Requires="p14">
-      <p:transition spd="med" p14:dur="700">
-        <p:fade/>
-      </p:transition>
-    </mc:Choice>
-    <mc:Fallback xmlns="">
-      <p:transition spd="med">
-        <p:fade/>
-      </p:transition>
-    </mc:Fallback>
-  </mc:AlternateContent>
-</p:sld>
-</file>
-
-<file path=ppt/slides/slide13.xml><?xml version="1.0" encoding="utf-8"?>
-<p:sld xmlns:a="http://schemas.openxmlformats.org/drawingml/2006/main" xmlns:r="http://schemas.openxmlformats.org/officeDocument/2006/relationships" xmlns:p="http://schemas.openxmlformats.org/presentationml/2006/main">
-  <p:cSld>
-    <p:spTree>
-      <p:nvGrpSpPr>
-        <p:cNvPr id="1" name=""/>
-        <p:cNvGrpSpPr/>
-        <p:nvPr/>
-      </p:nvGrpSpPr>
-      <p:grpSpPr>
-        <a:xfrm>
-          <a:off x="0" y="0"/>
-          <a:ext cx="0" cy="0"/>
-          <a:chOff x="0" y="0"/>
-          <a:chExt cx="0" cy="0"/>
-        </a:xfrm>
-      </p:grpSpPr>
-      <p:sp>
-        <p:nvSpPr>
-          <p:cNvPr id="5" name="CaixaDeTexto 4">
-            <a:extLst>
-              <a:ext uri="{FF2B5EF4-FFF2-40B4-BE49-F238E27FC236}">
-                <a16:creationId xmlns:a16="http://schemas.microsoft.com/office/drawing/2014/main" id="{76763EC9-DCC5-2F4A-1740-BD5FBE6B2845}"/>
-              </a:ext>
-            </a:extLst>
-          </p:cNvPr>
-          <p:cNvSpPr txBox="1"/>
-          <p:nvPr/>
-        </p:nvSpPr>
-        <p:spPr>
-          <a:xfrm>
-            <a:off x="437276" y="890240"/>
-            <a:ext cx="10875991" cy="707886"/>
-          </a:xfrm>
-          <a:prstGeom prst="rect">
-            <a:avLst/>
-          </a:prstGeom>
-          <a:noFill/>
-        </p:spPr>
-        <p:txBody>
-          <a:bodyPr wrap="square">
-            <a:spAutoFit/>
-          </a:bodyPr>
-          <a:lstStyle/>
-          <a:p>
-            <a:r>
-              <a:rPr lang="pt-BR" sz="4000" spc="-50" dirty="0">
-                <a:solidFill>
-                  <a:schemeClr val="bg2"/>
-                </a:solidFill>
-                <a:latin typeface="+mj-lt"/>
-              </a:rPr>
-              <a:t>Branch Policies</a:t>
-            </a:r>
-          </a:p>
-        </p:txBody>
-      </p:sp>
-      <p:pic>
-        <p:nvPicPr>
-          <p:cNvPr id="4" name="Imagem 3">
-            <a:extLst>
-              <a:ext uri="{FF2B5EF4-FFF2-40B4-BE49-F238E27FC236}">
-                <a16:creationId xmlns:a16="http://schemas.microsoft.com/office/drawing/2014/main" id="{342D94F6-8541-0262-1ABE-5EBBF4B38AE0}"/>
-              </a:ext>
-            </a:extLst>
-          </p:cNvPr>
-          <p:cNvPicPr>
-            <a:picLocks noChangeAspect="1"/>
-          </p:cNvPicPr>
-          <p:nvPr/>
-        </p:nvPicPr>
-        <p:blipFill>
-          <a:blip r:embed="rId2"/>
-          <a:stretch>
-            <a:fillRect/>
-          </a:stretch>
-        </p:blipFill>
-        <p:spPr>
-          <a:xfrm>
-            <a:off x="563736" y="1884498"/>
-            <a:ext cx="8344623" cy="1844200"/>
-          </a:xfrm>
-          <a:prstGeom prst="rect">
-            <a:avLst/>
-          </a:prstGeom>
-        </p:spPr>
-      </p:pic>
-    </p:spTree>
-    <p:extLst>
-      <p:ext uri="{BB962C8B-B14F-4D97-AF65-F5344CB8AC3E}">
-        <p14:creationId xmlns:p14="http://schemas.microsoft.com/office/powerpoint/2010/main" val="243249444"/>
-      </p:ext>
-    </p:extLst>
-  </p:cSld>
-  <p:clrMapOvr>
-    <a:masterClrMapping/>
-  </p:clrMapOvr>
-  <mc:AlternateContent xmlns:mc="http://schemas.openxmlformats.org/markup-compatibility/2006" xmlns:p14="http://schemas.microsoft.com/office/powerpoint/2010/main">
-    <mc:Choice Requires="p14">
-      <p:transition spd="med" p14:dur="700">
-        <p:fade/>
-      </p:transition>
-    </mc:Choice>
-    <mc:Fallback xmlns="">
-      <p:transition spd="med">
-        <p:fade/>
-      </p:transition>
-    </mc:Fallback>
-  </mc:AlternateContent>
-</p:sld>
-</file>
-
-<file path=ppt/slides/slide14.xml><?xml version="1.0" encoding="utf-8"?>
-<p:sld xmlns:a="http://schemas.openxmlformats.org/drawingml/2006/main" xmlns:r="http://schemas.openxmlformats.org/officeDocument/2006/relationships" xmlns:p="http://schemas.openxmlformats.org/presentationml/2006/main">
-  <p:cSld>
-    <p:spTree>
-      <p:nvGrpSpPr>
-        <p:cNvPr id="1" name=""/>
-        <p:cNvGrpSpPr/>
-        <p:nvPr/>
-      </p:nvGrpSpPr>
-      <p:grpSpPr>
-        <a:xfrm>
-          <a:off x="0" y="0"/>
-          <a:ext cx="0" cy="0"/>
-          <a:chOff x="0" y="0"/>
-          <a:chExt cx="0" cy="0"/>
-        </a:xfrm>
-      </p:grpSpPr>
-      <p:sp>
-        <p:nvSpPr>
-          <p:cNvPr id="5" name="CaixaDeTexto 4">
-            <a:extLst>
-              <a:ext uri="{FF2B5EF4-FFF2-40B4-BE49-F238E27FC236}">
-                <a16:creationId xmlns:a16="http://schemas.microsoft.com/office/drawing/2014/main" id="{76763EC9-DCC5-2F4A-1740-BD5FBE6B2845}"/>
-              </a:ext>
-            </a:extLst>
-          </p:cNvPr>
-          <p:cNvSpPr txBox="1"/>
-          <p:nvPr/>
-        </p:nvSpPr>
-        <p:spPr>
-          <a:xfrm>
-            <a:off x="437276" y="890240"/>
-            <a:ext cx="10875991" cy="707886"/>
-          </a:xfrm>
-          <a:prstGeom prst="rect">
-            <a:avLst/>
-          </a:prstGeom>
-          <a:noFill/>
-        </p:spPr>
-        <p:txBody>
-          <a:bodyPr wrap="square">
-            <a:spAutoFit/>
-          </a:bodyPr>
-          <a:lstStyle/>
-          <a:p>
-            <a:r>
-              <a:rPr lang="pt-BR" sz="4000" spc="-50" dirty="0">
-                <a:solidFill>
-                  <a:schemeClr val="bg2"/>
-                </a:solidFill>
-                <a:latin typeface="+mj-lt"/>
-              </a:rPr>
-              <a:t>Configuração do Repositório</a:t>
-            </a:r>
-          </a:p>
-        </p:txBody>
-      </p:sp>
-      <p:pic>
-        <p:nvPicPr>
-          <p:cNvPr id="7" name="Imagem 6">
-            <a:extLst>
-              <a:ext uri="{FF2B5EF4-FFF2-40B4-BE49-F238E27FC236}">
-                <a16:creationId xmlns:a16="http://schemas.microsoft.com/office/drawing/2014/main" id="{3C80378B-CF1B-54E6-9018-316C86E13C8C}"/>
-              </a:ext>
-            </a:extLst>
-          </p:cNvPr>
-          <p:cNvPicPr>
-            <a:picLocks noChangeAspect="1"/>
-          </p:cNvPicPr>
-          <p:nvPr/>
-        </p:nvPicPr>
-        <p:blipFill>
-          <a:blip r:embed="rId2"/>
-          <a:stretch>
-            <a:fillRect/>
-          </a:stretch>
-        </p:blipFill>
-        <p:spPr>
-          <a:xfrm>
-            <a:off x="591444" y="2537816"/>
-            <a:ext cx="9152413" cy="3566469"/>
-          </a:xfrm>
-          <a:prstGeom prst="rect">
-            <a:avLst/>
-          </a:prstGeom>
-        </p:spPr>
-      </p:pic>
-    </p:spTree>
-    <p:extLst>
-      <p:ext uri="{BB962C8B-B14F-4D97-AF65-F5344CB8AC3E}">
-        <p14:creationId xmlns:p14="http://schemas.microsoft.com/office/powerpoint/2010/main" val="1974814557"/>
-      </p:ext>
-    </p:extLst>
-  </p:cSld>
-  <p:clrMapOvr>
-    <a:masterClrMapping/>
-  </p:clrMapOvr>
-  <mc:AlternateContent xmlns:mc="http://schemas.openxmlformats.org/markup-compatibility/2006">
-    <mc:Choice xmlns:p14="http://schemas.microsoft.com/office/powerpoint/2010/main" Requires="p14">
-      <p:transition spd="med" p14:dur="700">
-        <p:fade/>
-      </p:transition>
-    </mc:Choice>
-    <mc:Fallback>
-      <p:transition spd="med">
-        <p:fade/>
-      </p:transition>
-    </mc:Fallback>
-  </mc:AlternateContent>
-</p:sld>
-</file>
-
-<file path=ppt/slides/slide15.xml><?xml version="1.0" encoding="utf-8"?>
-<p:sld xmlns:a="http://schemas.openxmlformats.org/drawingml/2006/main" xmlns:r="http://schemas.openxmlformats.org/officeDocument/2006/relationships" xmlns:p="http://schemas.openxmlformats.org/presentationml/2006/main">
-  <p:cSld>
-    <p:spTree>
-      <p:nvGrpSpPr>
-        <p:cNvPr id="1" name=""/>
-        <p:cNvGrpSpPr/>
-        <p:nvPr/>
-      </p:nvGrpSpPr>
-      <p:grpSpPr>
-        <a:xfrm>
-          <a:off x="0" y="0"/>
-          <a:ext cx="0" cy="0"/>
-          <a:chOff x="0" y="0"/>
-          <a:chExt cx="0" cy="0"/>
-        </a:xfrm>
-      </p:grpSpPr>
-      <p:sp>
-        <p:nvSpPr>
-          <p:cNvPr id="6" name="Espaço Reservado para Texto 2">
-            <a:extLst>
-              <a:ext uri="{FF2B5EF4-FFF2-40B4-BE49-F238E27FC236}">
-                <a16:creationId xmlns:a16="http://schemas.microsoft.com/office/drawing/2014/main" id="{4241B9D4-4E11-C865-F7EE-C8ADDF366F9D}"/>
-              </a:ext>
-            </a:extLst>
-          </p:cNvPr>
-          <p:cNvSpPr txBox="1">
-            <a:spLocks/>
-          </p:cNvSpPr>
-          <p:nvPr/>
-        </p:nvSpPr>
-        <p:spPr>
-          <a:xfrm>
-            <a:off x="451338" y="803485"/>
-            <a:ext cx="9795376" cy="923330"/>
-          </a:xfrm>
-          <a:prstGeom prst="rect">
-            <a:avLst/>
-          </a:prstGeom>
-        </p:spPr>
-        <p:txBody>
-          <a:bodyPr vert="horz" wrap="square" lIns="0" tIns="91440" rIns="146304" bIns="91440" rtlCol="0">
-            <a:spAutoFit/>
-          </a:bodyPr>
-          <a:lstStyle>
-            <a:lvl1pPr marL="0" marR="0" indent="0" algn="l" defTabSz="932742" rtl="0" eaLnBrk="1" fontAlgn="auto" latinLnBrk="0" hangingPunct="1">
-              <a:lnSpc>
-                <a:spcPct val="100000"/>
-              </a:lnSpc>
-              <a:spcBef>
-                <a:spcPts val="0"/>
-              </a:spcBef>
-              <a:spcAft>
-                <a:spcPts val="0"/>
-              </a:spcAft>
-              <a:buClrTx/>
-              <a:buSzPct val="90000"/>
-              <a:buFont typeface="Wingdings" panose="05000000000000000000" pitchFamily="2" charset="2"/>
-              <a:buNone/>
-              <a:tabLst/>
-              <a:defRPr sz="1800" kern="1200" spc="-50" baseline="0">
-                <a:solidFill>
-                  <a:schemeClr val="bg2"/>
-                </a:solidFill>
-                <a:latin typeface="+mj-lt"/>
-                <a:ea typeface="+mn-ea"/>
-                <a:cs typeface="+mn-cs"/>
-              </a:defRPr>
-            </a:lvl1pPr>
-            <a:lvl2pPr marL="0" marR="0" indent="0" algn="l" defTabSz="932742" rtl="0" eaLnBrk="1" fontAlgn="auto" latinLnBrk="0" hangingPunct="1">
-              <a:lnSpc>
-                <a:spcPct val="100000"/>
-              </a:lnSpc>
-              <a:spcBef>
-                <a:spcPts val="0"/>
-              </a:spcBef>
-              <a:spcAft>
-                <a:spcPts val="0"/>
-              </a:spcAft>
-              <a:buClrTx/>
-              <a:buSzPct val="90000"/>
-              <a:buFontTx/>
-              <a:buNone/>
-              <a:tabLst/>
-              <a:defRPr sz="1800" kern="1200" spc="0" baseline="0">
-                <a:solidFill>
-                  <a:srgbClr val="000000"/>
-                </a:solidFill>
-                <a:latin typeface="+mn-lt"/>
-                <a:ea typeface="+mn-ea"/>
-                <a:cs typeface="+mn-cs"/>
-              </a:defRPr>
-            </a:lvl2pPr>
-            <a:lvl3pPr marL="0" marR="0" indent="0" algn="l" defTabSz="932742" rtl="0" eaLnBrk="1" fontAlgn="auto" latinLnBrk="0" hangingPunct="1">
-              <a:lnSpc>
-                <a:spcPct val="100000"/>
-              </a:lnSpc>
-              <a:spcBef>
-                <a:spcPts val="0"/>
-              </a:spcBef>
-              <a:spcAft>
-                <a:spcPts val="0"/>
-              </a:spcAft>
-              <a:buClrTx/>
-              <a:buSzPct val="90000"/>
-              <a:buFont typeface="Wingdings" panose="05000000000000000000" pitchFamily="2" charset="2"/>
-              <a:buNone/>
-              <a:tabLst/>
-              <a:defRPr sz="1400" kern="1200" spc="0" baseline="0">
-                <a:solidFill>
-                  <a:schemeClr val="tx2"/>
-                </a:solidFill>
-                <a:latin typeface="+mj-lt"/>
-                <a:ea typeface="+mn-ea"/>
-                <a:cs typeface="+mn-cs"/>
-              </a:defRPr>
-            </a:lvl3pPr>
-            <a:lvl4pPr marL="0" marR="0" indent="0" algn="l" defTabSz="932742" rtl="0" eaLnBrk="1" fontAlgn="auto" latinLnBrk="0" hangingPunct="1">
-              <a:lnSpc>
-                <a:spcPct val="100000"/>
-              </a:lnSpc>
-              <a:spcBef>
-                <a:spcPts val="0"/>
-              </a:spcBef>
-              <a:spcAft>
-                <a:spcPts val="0"/>
-              </a:spcAft>
-              <a:buClrTx/>
-              <a:buSzPct val="90000"/>
-              <a:buFont typeface="Wingdings" panose="05000000000000000000" pitchFamily="2" charset="2"/>
-              <a:buNone/>
-              <a:tabLst/>
-              <a:defRPr sz="1400" kern="1200" spc="0" baseline="0">
-                <a:solidFill>
-                  <a:srgbClr val="000000"/>
-                </a:solidFill>
-                <a:latin typeface="+mn-lt"/>
-                <a:ea typeface="+mn-ea"/>
-                <a:cs typeface="+mn-cs"/>
-              </a:defRPr>
-            </a:lvl4pPr>
-            <a:lvl5pPr marL="0" marR="0" indent="0" algn="l" defTabSz="932742" rtl="0" eaLnBrk="1" fontAlgn="auto" latinLnBrk="0" hangingPunct="1">
-              <a:lnSpc>
-                <a:spcPct val="100000"/>
-              </a:lnSpc>
-              <a:spcBef>
-                <a:spcPts val="0"/>
-              </a:spcBef>
-              <a:spcAft>
-                <a:spcPts val="0"/>
-              </a:spcAft>
-              <a:buClrTx/>
-              <a:buSzPct val="90000"/>
-              <a:buFont typeface="Wingdings" panose="05000000000000000000" pitchFamily="2" charset="2"/>
-              <a:buNone/>
-              <a:tabLst/>
-              <a:defRPr sz="1050" b="1" kern="1200" spc="0" baseline="0">
-                <a:solidFill>
-                  <a:srgbClr val="000000"/>
-                </a:solidFill>
-                <a:latin typeface="+mn-lt"/>
-                <a:ea typeface="+mn-ea"/>
-                <a:cs typeface="+mn-cs"/>
-              </a:defRPr>
-            </a:lvl5pPr>
-            <a:lvl6pPr marL="2331854" indent="0" algn="l" defTabSz="932742" rtl="0" eaLnBrk="1" latinLnBrk="0" hangingPunct="1">
-              <a:spcBef>
-                <a:spcPct val="20000"/>
-              </a:spcBef>
-              <a:buFont typeface="Arial" pitchFamily="34" charset="0"/>
-              <a:buNone/>
-              <a:defRPr sz="2000" kern="1200">
-                <a:solidFill>
-                  <a:schemeClr val="tx1"/>
-                </a:solidFill>
-                <a:latin typeface="+mn-lt"/>
-                <a:ea typeface="+mn-ea"/>
-                <a:cs typeface="+mn-cs"/>
-              </a:defRPr>
-            </a:lvl6pPr>
-            <a:lvl7pPr marL="0" indent="0" algn="l" defTabSz="932742" rtl="0" eaLnBrk="1" latinLnBrk="0" hangingPunct="1">
-              <a:lnSpc>
-                <a:spcPct val="100000"/>
-              </a:lnSpc>
-              <a:spcBef>
-                <a:spcPts val="0"/>
-              </a:spcBef>
-              <a:spcAft>
-                <a:spcPts val="0"/>
-              </a:spcAft>
-              <a:buFont typeface="Arial" pitchFamily="34" charset="0"/>
-              <a:buNone/>
-              <a:defRPr sz="1000" kern="1200">
-                <a:solidFill>
-                  <a:srgbClr val="000000"/>
-                </a:solidFill>
-                <a:latin typeface="+mn-lt"/>
-                <a:ea typeface="+mn-ea"/>
-                <a:cs typeface="+mn-cs"/>
-              </a:defRPr>
-            </a:lvl7pPr>
-            <a:lvl8pPr marL="3497783" indent="-233186" algn="l" defTabSz="932742" rtl="0" eaLnBrk="1" latinLnBrk="0" hangingPunct="1">
-              <a:spcBef>
-                <a:spcPct val="20000"/>
-              </a:spcBef>
-              <a:buFont typeface="Arial" pitchFamily="34" charset="0"/>
-              <a:buChar char="•"/>
-              <a:defRPr sz="2000" kern="1200">
-                <a:solidFill>
-                  <a:schemeClr val="tx1"/>
-                </a:solidFill>
-                <a:latin typeface="+mn-lt"/>
-                <a:ea typeface="+mn-ea"/>
-                <a:cs typeface="+mn-cs"/>
-              </a:defRPr>
-            </a:lvl8pPr>
-            <a:lvl9pPr marL="3964155" indent="-233186" algn="l" defTabSz="932742" rtl="0" eaLnBrk="1" latinLnBrk="0" hangingPunct="1">
-              <a:spcBef>
-                <a:spcPct val="20000"/>
-              </a:spcBef>
-              <a:buFont typeface="Arial" pitchFamily="34" charset="0"/>
-              <a:buChar char="•"/>
-              <a:defRPr sz="2000" kern="1200">
-                <a:solidFill>
-                  <a:schemeClr val="tx1"/>
-                </a:solidFill>
-                <a:latin typeface="+mn-lt"/>
-                <a:ea typeface="+mn-ea"/>
-                <a:cs typeface="+mn-cs"/>
-              </a:defRPr>
-            </a:lvl9pPr>
-          </a:lstStyle>
-          <a:p>
-            <a:r>
-              <a:rPr lang="pt-BR" sz="4800" dirty="0"/>
               <a:t>Demo</a:t>
             </a:r>
           </a:p>
@@ -24813,275 +27382,6 @@
     <p:extLst>
       <p:ext uri="{BB962C8B-B14F-4D97-AF65-F5344CB8AC3E}">
         <p14:creationId xmlns:p14="http://schemas.microsoft.com/office/powerpoint/2010/main" val="2918752199"/>
-      </p:ext>
-    </p:extLst>
-  </p:cSld>
-  <p:clrMapOvr>
-    <a:masterClrMapping/>
-  </p:clrMapOvr>
-  <mc:AlternateContent xmlns:mc="http://schemas.openxmlformats.org/markup-compatibility/2006" xmlns:p14="http://schemas.microsoft.com/office/powerpoint/2010/main">
-    <mc:Choice Requires="p14">
-      <p:transition spd="med" p14:dur="700">
-        <p:fade/>
-      </p:transition>
-    </mc:Choice>
-    <mc:Fallback xmlns="">
-      <p:transition spd="med">
-        <p:fade/>
-      </p:transition>
-    </mc:Fallback>
-  </mc:AlternateContent>
-</p:sld>
-</file>
-
-<file path=ppt/slides/slide16.xml><?xml version="1.0" encoding="utf-8"?>
-<p:sld xmlns:a="http://schemas.openxmlformats.org/drawingml/2006/main" xmlns:r="http://schemas.openxmlformats.org/officeDocument/2006/relationships" xmlns:p="http://schemas.openxmlformats.org/presentationml/2006/main">
-  <p:cSld>
-    <p:spTree>
-      <p:nvGrpSpPr>
-        <p:cNvPr id="1" name=""/>
-        <p:cNvGrpSpPr/>
-        <p:nvPr/>
-      </p:nvGrpSpPr>
-      <p:grpSpPr>
-        <a:xfrm>
-          <a:off x="0" y="0"/>
-          <a:ext cx="0" cy="0"/>
-          <a:chOff x="0" y="0"/>
-          <a:chExt cx="0" cy="0"/>
-        </a:xfrm>
-      </p:grpSpPr>
-      <p:sp>
-        <p:nvSpPr>
-          <p:cNvPr id="2" name="Título 1">
-            <a:extLst>
-              <a:ext uri="{FF2B5EF4-FFF2-40B4-BE49-F238E27FC236}">
-                <a16:creationId xmlns:a16="http://schemas.microsoft.com/office/drawing/2014/main" id="{5D48D0EA-0763-3E2F-7D7C-22B3D75271B6}"/>
-              </a:ext>
-            </a:extLst>
-          </p:cNvPr>
-          <p:cNvSpPr>
-            <a:spLocks noGrp="1"/>
-          </p:cNvSpPr>
-          <p:nvPr>
-            <p:ph type="title"/>
-          </p:nvPr>
-        </p:nvSpPr>
-        <p:spPr>
-          <a:xfrm>
-            <a:off x="409568" y="0"/>
-            <a:ext cx="9823498" cy="1828800"/>
-          </a:xfrm>
-        </p:spPr>
-        <p:txBody>
-          <a:bodyPr/>
-          <a:lstStyle/>
-          <a:p>
-            <a:r>
-              <a:rPr lang="pt-BR" dirty="0"/>
-              <a:t>Resultados</a:t>
-            </a:r>
-          </a:p>
-        </p:txBody>
-      </p:sp>
-      <p:pic>
-        <p:nvPicPr>
-          <p:cNvPr id="5" name="Imagem 4">
-            <a:extLst>
-              <a:ext uri="{FF2B5EF4-FFF2-40B4-BE49-F238E27FC236}">
-                <a16:creationId xmlns:a16="http://schemas.microsoft.com/office/drawing/2014/main" id="{A08DE2CA-8272-8741-8B5C-868FF338D783}"/>
-              </a:ext>
-            </a:extLst>
-          </p:cNvPr>
-          <p:cNvPicPr>
-            <a:picLocks noChangeAspect="1"/>
-          </p:cNvPicPr>
-          <p:nvPr/>
-        </p:nvPicPr>
-        <p:blipFill>
-          <a:blip r:embed="rId2"/>
-          <a:stretch>
-            <a:fillRect/>
-          </a:stretch>
-        </p:blipFill>
-        <p:spPr>
-          <a:xfrm>
-            <a:off x="2632716" y="3342051"/>
-            <a:ext cx="7171041" cy="3589331"/>
-          </a:xfrm>
-          <a:prstGeom prst="rect">
-            <a:avLst/>
-          </a:prstGeom>
-        </p:spPr>
-      </p:pic>
-      <p:pic>
-        <p:nvPicPr>
-          <p:cNvPr id="7" name="Imagem 6">
-            <a:extLst>
-              <a:ext uri="{FF2B5EF4-FFF2-40B4-BE49-F238E27FC236}">
-                <a16:creationId xmlns:a16="http://schemas.microsoft.com/office/drawing/2014/main" id="{2F7EDD19-4719-20E7-70DA-22AF8A6DD8E5}"/>
-              </a:ext>
-            </a:extLst>
-          </p:cNvPr>
-          <p:cNvPicPr>
-            <a:picLocks noChangeAspect="1"/>
-          </p:cNvPicPr>
-          <p:nvPr/>
-        </p:nvPicPr>
-        <p:blipFill rotWithShape="1">
-          <a:blip r:embed="rId3"/>
-          <a:srcRect t="44860"/>
-          <a:stretch/>
-        </p:blipFill>
-        <p:spPr>
-          <a:xfrm>
-            <a:off x="2632716" y="1741251"/>
-            <a:ext cx="5867908" cy="1479117"/>
-          </a:xfrm>
-          <a:prstGeom prst="rect">
-            <a:avLst/>
-          </a:prstGeom>
-        </p:spPr>
-      </p:pic>
-    </p:spTree>
-    <p:extLst>
-      <p:ext uri="{BB962C8B-B14F-4D97-AF65-F5344CB8AC3E}">
-        <p14:creationId xmlns:p14="http://schemas.microsoft.com/office/powerpoint/2010/main" val="2196107633"/>
-      </p:ext>
-    </p:extLst>
-  </p:cSld>
-  <p:clrMapOvr>
-    <a:masterClrMapping/>
-  </p:clrMapOvr>
-  <mc:AlternateContent xmlns:mc="http://schemas.openxmlformats.org/markup-compatibility/2006" xmlns:p14="http://schemas.microsoft.com/office/powerpoint/2010/main">
-    <mc:Choice Requires="p14">
-      <p:transition spd="med" p14:dur="700">
-        <p:fade/>
-      </p:transition>
-    </mc:Choice>
-    <mc:Fallback xmlns="">
-      <p:transition spd="med">
-        <p:fade/>
-      </p:transition>
-    </mc:Fallback>
-  </mc:AlternateContent>
-</p:sld>
-</file>
-
-<file path=ppt/slides/slide17.xml><?xml version="1.0" encoding="utf-8"?>
-<p:sld xmlns:a="http://schemas.openxmlformats.org/drawingml/2006/main" xmlns:r="http://schemas.openxmlformats.org/officeDocument/2006/relationships" xmlns:p="http://schemas.openxmlformats.org/presentationml/2006/main">
-  <p:cSld>
-    <p:spTree>
-      <p:nvGrpSpPr>
-        <p:cNvPr id="1" name=""/>
-        <p:cNvGrpSpPr/>
-        <p:nvPr/>
-      </p:nvGrpSpPr>
-      <p:grpSpPr>
-        <a:xfrm>
-          <a:off x="0" y="0"/>
-          <a:ext cx="0" cy="0"/>
-          <a:chOff x="0" y="0"/>
-          <a:chExt cx="0" cy="0"/>
-        </a:xfrm>
-      </p:grpSpPr>
-      <p:sp>
-        <p:nvSpPr>
-          <p:cNvPr id="2" name="Título 1">
-            <a:extLst>
-              <a:ext uri="{FF2B5EF4-FFF2-40B4-BE49-F238E27FC236}">
-                <a16:creationId xmlns:a16="http://schemas.microsoft.com/office/drawing/2014/main" id="{5D48D0EA-0763-3E2F-7D7C-22B3D75271B6}"/>
-              </a:ext>
-            </a:extLst>
-          </p:cNvPr>
-          <p:cNvSpPr>
-            <a:spLocks noGrp="1"/>
-          </p:cNvSpPr>
-          <p:nvPr>
-            <p:ph type="title"/>
-          </p:nvPr>
-        </p:nvSpPr>
-        <p:spPr>
-          <a:xfrm>
-            <a:off x="409568" y="0"/>
-            <a:ext cx="9823498" cy="1828800"/>
-          </a:xfrm>
-        </p:spPr>
-        <p:txBody>
-          <a:bodyPr/>
-          <a:lstStyle/>
-          <a:p>
-            <a:r>
-              <a:rPr lang="pt-BR" dirty="0"/>
-              <a:t>Resultados</a:t>
-            </a:r>
-          </a:p>
-        </p:txBody>
-      </p:sp>
-      <p:pic>
-        <p:nvPicPr>
-          <p:cNvPr id="8" name="Imagem 7">
-            <a:extLst>
-              <a:ext uri="{FF2B5EF4-FFF2-40B4-BE49-F238E27FC236}">
-                <a16:creationId xmlns:a16="http://schemas.microsoft.com/office/drawing/2014/main" id="{AECA69BF-DF82-5E20-FF2E-5E25F2182B98}"/>
-              </a:ext>
-            </a:extLst>
-          </p:cNvPr>
-          <p:cNvPicPr>
-            <a:picLocks noChangeAspect="1"/>
-          </p:cNvPicPr>
-          <p:nvPr/>
-        </p:nvPicPr>
-        <p:blipFill>
-          <a:blip r:embed="rId2"/>
-          <a:stretch>
-            <a:fillRect/>
-          </a:stretch>
-        </p:blipFill>
-        <p:spPr>
-          <a:xfrm>
-            <a:off x="4147875" y="739045"/>
-            <a:ext cx="5883150" cy="2179509"/>
-          </a:xfrm>
-          <a:prstGeom prst="rect">
-            <a:avLst/>
-          </a:prstGeom>
-        </p:spPr>
-      </p:pic>
-      <p:pic>
-        <p:nvPicPr>
-          <p:cNvPr id="10" name="Imagem 9">
-            <a:extLst>
-              <a:ext uri="{FF2B5EF4-FFF2-40B4-BE49-F238E27FC236}">
-                <a16:creationId xmlns:a16="http://schemas.microsoft.com/office/drawing/2014/main" id="{3145366F-D1F2-C968-54CD-1CC7A6FCF964}"/>
-              </a:ext>
-            </a:extLst>
-          </p:cNvPr>
-          <p:cNvPicPr>
-            <a:picLocks noChangeAspect="1"/>
-          </p:cNvPicPr>
-          <p:nvPr/>
-        </p:nvPicPr>
-        <p:blipFill>
-          <a:blip r:embed="rId3"/>
-          <a:stretch>
-            <a:fillRect/>
-          </a:stretch>
-        </p:blipFill>
-        <p:spPr>
-          <a:xfrm>
-            <a:off x="4147875" y="3076392"/>
-            <a:ext cx="6957663" cy="3429297"/>
-          </a:xfrm>
-          <a:prstGeom prst="rect">
-            <a:avLst/>
-          </a:prstGeom>
-        </p:spPr>
-      </p:pic>
-    </p:spTree>
-    <p:extLst>
-      <p:ext uri="{BB962C8B-B14F-4D97-AF65-F5344CB8AC3E}">
-        <p14:creationId xmlns:p14="http://schemas.microsoft.com/office/powerpoint/2010/main" val="503978530"/>
       </p:ext>
     </p:extLst>
   </p:cSld>
@@ -25158,7 +27458,7 @@
           <p:cNvPr id="5" name="Imagem 4">
             <a:extLst>
               <a:ext uri="{FF2B5EF4-FFF2-40B4-BE49-F238E27FC236}">
-                <a16:creationId xmlns:a16="http://schemas.microsoft.com/office/drawing/2014/main" id="{20C5C286-C99C-3F5E-A57D-F3110AB890BF}"/>
+                <a16:creationId xmlns:a16="http://schemas.microsoft.com/office/drawing/2014/main" id="{A08DE2CA-8272-8741-8B5C-868FF338D783}"/>
               </a:ext>
             </a:extLst>
           </p:cNvPr>
@@ -25175,8 +27475,8 @@
         </p:blipFill>
         <p:spPr>
           <a:xfrm>
-            <a:off x="1870940" y="4240748"/>
-            <a:ext cx="7468247" cy="2598645"/>
+            <a:off x="409568" y="3405194"/>
+            <a:ext cx="7171041" cy="3589331"/>
           </a:xfrm>
           <a:prstGeom prst="rect">
             <a:avLst/>
@@ -25188,7 +27488,7 @@
           <p:cNvPr id="7" name="Imagem 6">
             <a:extLst>
               <a:ext uri="{FF2B5EF4-FFF2-40B4-BE49-F238E27FC236}">
-                <a16:creationId xmlns:a16="http://schemas.microsoft.com/office/drawing/2014/main" id="{F3289502-83F3-8FD7-8B44-E0234A685975}"/>
+                <a16:creationId xmlns:a16="http://schemas.microsoft.com/office/drawing/2014/main" id="{2F7EDD19-4719-20E7-70DA-22AF8A6DD8E5}"/>
               </a:ext>
             </a:extLst>
           </p:cNvPr>
@@ -25199,13 +27499,13 @@
         </p:nvPicPr>
         <p:blipFill rotWithShape="1">
           <a:blip r:embed="rId3"/>
-          <a:srcRect t="20074" b="30370"/>
+          <a:srcRect t="44860"/>
           <a:stretch/>
         </p:blipFill>
         <p:spPr>
           <a:xfrm>
-            <a:off x="1870940" y="2096310"/>
-            <a:ext cx="8847587" cy="1876928"/>
+            <a:off x="409568" y="1759358"/>
+            <a:ext cx="5867908" cy="1479117"/>
           </a:xfrm>
           <a:prstGeom prst="rect">
             <a:avLst/>
@@ -25215,7 +27515,7 @@
     </p:spTree>
     <p:extLst>
       <p:ext uri="{BB962C8B-B14F-4D97-AF65-F5344CB8AC3E}">
-        <p14:creationId xmlns:p14="http://schemas.microsoft.com/office/powerpoint/2010/main" val="3272390269"/>
+        <p14:creationId xmlns:p14="http://schemas.microsoft.com/office/powerpoint/2010/main" val="2196107633"/>
       </p:ext>
     </p:extLst>
   </p:cSld>
@@ -25292,7 +27592,7 @@
           <p:cNvPr id="4" name="Imagem 3">
             <a:extLst>
               <a:ext uri="{FF2B5EF4-FFF2-40B4-BE49-F238E27FC236}">
-                <a16:creationId xmlns:a16="http://schemas.microsoft.com/office/drawing/2014/main" id="{7BB1C9B6-ADF1-938C-2492-C4A8817F611E}"/>
+                <a16:creationId xmlns:a16="http://schemas.microsoft.com/office/drawing/2014/main" id="{44B37E17-E02C-D573-34C1-3DA94ECB5C9A}"/>
               </a:ext>
             </a:extLst>
           </p:cNvPr>
@@ -25309,8 +27609,8 @@
         </p:blipFill>
         <p:spPr>
           <a:xfrm>
-            <a:off x="1870940" y="4047809"/>
-            <a:ext cx="7292972" cy="2751058"/>
+            <a:off x="409568" y="4287068"/>
+            <a:ext cx="11792474" cy="875481"/>
           </a:xfrm>
           <a:prstGeom prst="rect">
             <a:avLst/>
@@ -25322,7 +27622,7 @@
           <p:cNvPr id="8" name="Imagem 7">
             <a:extLst>
               <a:ext uri="{FF2B5EF4-FFF2-40B4-BE49-F238E27FC236}">
-                <a16:creationId xmlns:a16="http://schemas.microsoft.com/office/drawing/2014/main" id="{865125D8-49DC-3C75-D019-FA1E998CF6E2}"/>
+                <a16:creationId xmlns:a16="http://schemas.microsoft.com/office/drawing/2014/main" id="{8A44D9E1-CF70-580F-C823-B49E9EE5E2AB}"/>
               </a:ext>
             </a:extLst>
           </p:cNvPr>
@@ -25339,8 +27639,8 @@
         </p:blipFill>
         <p:spPr>
           <a:xfrm>
-            <a:off x="1870940" y="1644044"/>
-            <a:ext cx="7392041" cy="2286198"/>
+            <a:off x="409568" y="1706488"/>
+            <a:ext cx="4658375" cy="2429214"/>
           </a:xfrm>
           <a:prstGeom prst="rect">
             <a:avLst/>
@@ -25350,20 +27650,20 @@
     </p:spTree>
     <p:extLst>
       <p:ext uri="{BB962C8B-B14F-4D97-AF65-F5344CB8AC3E}">
-        <p14:creationId xmlns:p14="http://schemas.microsoft.com/office/powerpoint/2010/main" val="220784927"/>
+        <p14:creationId xmlns:p14="http://schemas.microsoft.com/office/powerpoint/2010/main" val="318845912"/>
       </p:ext>
     </p:extLst>
   </p:cSld>
   <p:clrMapOvr>
     <a:masterClrMapping/>
   </p:clrMapOvr>
-  <mc:AlternateContent xmlns:mc="http://schemas.openxmlformats.org/markup-compatibility/2006" xmlns:p14="http://schemas.microsoft.com/office/powerpoint/2010/main">
-    <mc:Choice Requires="p14">
+  <mc:AlternateContent xmlns:mc="http://schemas.openxmlformats.org/markup-compatibility/2006">
+    <mc:Choice xmlns:p14="http://schemas.microsoft.com/office/powerpoint/2010/main" Requires="p14">
       <p:transition spd="med" p14:dur="700">
         <p:fade/>
       </p:transition>
     </mc:Choice>
-    <mc:Fallback xmlns="">
+    <mc:Fallback>
       <p:transition spd="med">
         <p:fade/>
       </p:transition>
@@ -25414,7 +27714,7 @@
         </p:spPr>
         <p:txBody>
           <a:bodyPr vert="horz" lIns="91440" tIns="45720" rIns="91440" bIns="45720" rtlCol="0" anchor="t">
-            <a:normAutofit lnSpcReduction="10000"/>
+            <a:normAutofit fontScale="85000" lnSpcReduction="20000"/>
           </a:bodyPr>
           <a:lstStyle>
             <a:defPPr>
@@ -25551,7 +27851,7 @@
               <a:rPr lang="pt-BR" sz="2200" dirty="0">
                 <a:latin typeface="+mn-lt"/>
               </a:rPr>
-              <a:t>Morando em Curitiba-PR</a:t>
+              <a:t>Moro em Curitiba desde 2008</a:t>
             </a:r>
           </a:p>
           <a:p>
@@ -25615,8 +27915,25 @@
               <a:rPr lang="pt-BR" sz="2200" dirty="0">
                 <a:latin typeface="+mn-lt"/>
               </a:rPr>
-              <a:t>Pós graduado em Engenharia de Software</a:t>
-            </a:r>
+              <a:t>Pós graduado em Engenharia de Software pela UP</a:t>
+            </a:r>
+          </a:p>
+          <a:p>
+            <a:r>
+              <a:rPr lang="pt-BR" sz="2200" dirty="0">
+                <a:latin typeface="+mn-lt"/>
+              </a:rPr>
+              <a:t>Pós graduado em Arquitetura de Software pela </a:t>
+            </a:r>
+            <a:r>
+              <a:rPr lang="pt-BR" sz="2200" dirty="0" err="1">
+                <a:latin typeface="+mn-lt"/>
+              </a:rPr>
+              <a:t>XPe</a:t>
+            </a:r>
+            <a:endParaRPr lang="pt-BR" sz="2200" dirty="0">
+              <a:latin typeface="+mn-lt"/>
+            </a:endParaRPr>
           </a:p>
           <a:p>
             <a:r>
@@ -25631,24 +27948,28 @@
               <a:rPr lang="pt-BR" sz="2200" dirty="0">
                 <a:latin typeface="+mn-lt"/>
               </a:rPr>
-              <a:t>Cursando MBA em Arquitetura pela </a:t>
-            </a:r>
-            <a:r>
-              <a:rPr lang="pt-BR" sz="2200" dirty="0" err="1">
-                <a:latin typeface="+mn-lt"/>
-              </a:rPr>
-              <a:t>XPe</a:t>
-            </a:r>
-            <a:endParaRPr lang="pt-BR" sz="2200" dirty="0">
-              <a:latin typeface="+mn-lt"/>
-            </a:endParaRPr>
-          </a:p>
-          <a:p>
-            <a:r>
+              <a:t>Amante de Tecnologia</a:t>
+            </a:r>
+            <a:br>
               <a:rPr lang="pt-BR" sz="2200" dirty="0">
                 <a:latin typeface="+mn-lt"/>
               </a:rPr>
-              <a:t>Amante de Tecnologia</a:t>
+            </a:br>
+            <a:br>
+              <a:rPr lang="pt-BR" sz="2200" dirty="0">
+                <a:latin typeface="+mn-lt"/>
+              </a:rPr>
+            </a:br>
+            <a:br>
+              <a:rPr lang="pt-BR" sz="2200" dirty="0">
+                <a:latin typeface="+mn-lt"/>
+              </a:rPr>
+            </a:br>
+            <a:r>
+              <a:rPr lang="pt-BR" sz="2200" dirty="0">
+                <a:latin typeface="+mn-lt"/>
+              </a:rPr>
+              <a:t>***Compartilhar***</a:t>
             </a:r>
           </a:p>
           <a:p>
@@ -25874,6 +28195,410 @@
 </file>
 
 <file path=ppt/slides/slide20.xml><?xml version="1.0" encoding="utf-8"?>
+<p:sld xmlns:a="http://schemas.openxmlformats.org/drawingml/2006/main" xmlns:r="http://schemas.openxmlformats.org/officeDocument/2006/relationships" xmlns:p="http://schemas.openxmlformats.org/presentationml/2006/main">
+  <p:cSld>
+    <p:spTree>
+      <p:nvGrpSpPr>
+        <p:cNvPr id="1" name=""/>
+        <p:cNvGrpSpPr/>
+        <p:nvPr/>
+      </p:nvGrpSpPr>
+      <p:grpSpPr>
+        <a:xfrm>
+          <a:off x="0" y="0"/>
+          <a:ext cx="0" cy="0"/>
+          <a:chOff x="0" y="0"/>
+          <a:chExt cx="0" cy="0"/>
+        </a:xfrm>
+      </p:grpSpPr>
+      <p:sp>
+        <p:nvSpPr>
+          <p:cNvPr id="2" name="Título 1">
+            <a:extLst>
+              <a:ext uri="{FF2B5EF4-FFF2-40B4-BE49-F238E27FC236}">
+                <a16:creationId xmlns:a16="http://schemas.microsoft.com/office/drawing/2014/main" id="{5D48D0EA-0763-3E2F-7D7C-22B3D75271B6}"/>
+              </a:ext>
+            </a:extLst>
+          </p:cNvPr>
+          <p:cNvSpPr>
+            <a:spLocks noGrp="1"/>
+          </p:cNvSpPr>
+          <p:nvPr>
+            <p:ph type="title"/>
+          </p:nvPr>
+        </p:nvSpPr>
+        <p:spPr>
+          <a:xfrm>
+            <a:off x="409568" y="0"/>
+            <a:ext cx="9823498" cy="1828800"/>
+          </a:xfrm>
+        </p:spPr>
+        <p:txBody>
+          <a:bodyPr/>
+          <a:lstStyle/>
+          <a:p>
+            <a:r>
+              <a:rPr lang="pt-BR" dirty="0"/>
+              <a:t>Resultados</a:t>
+            </a:r>
+          </a:p>
+        </p:txBody>
+      </p:sp>
+      <p:pic>
+        <p:nvPicPr>
+          <p:cNvPr id="8" name="Imagem 7">
+            <a:extLst>
+              <a:ext uri="{FF2B5EF4-FFF2-40B4-BE49-F238E27FC236}">
+                <a16:creationId xmlns:a16="http://schemas.microsoft.com/office/drawing/2014/main" id="{AECA69BF-DF82-5E20-FF2E-5E25F2182B98}"/>
+              </a:ext>
+            </a:extLst>
+          </p:cNvPr>
+          <p:cNvPicPr>
+            <a:picLocks noChangeAspect="1"/>
+          </p:cNvPicPr>
+          <p:nvPr/>
+        </p:nvPicPr>
+        <p:blipFill>
+          <a:blip r:embed="rId2"/>
+          <a:stretch>
+            <a:fillRect/>
+          </a:stretch>
+        </p:blipFill>
+        <p:spPr>
+          <a:xfrm>
+            <a:off x="499328" y="1743980"/>
+            <a:ext cx="5883150" cy="2179509"/>
+          </a:xfrm>
+          <a:prstGeom prst="rect">
+            <a:avLst/>
+          </a:prstGeom>
+        </p:spPr>
+      </p:pic>
+      <p:pic>
+        <p:nvPicPr>
+          <p:cNvPr id="10" name="Imagem 9">
+            <a:extLst>
+              <a:ext uri="{FF2B5EF4-FFF2-40B4-BE49-F238E27FC236}">
+                <a16:creationId xmlns:a16="http://schemas.microsoft.com/office/drawing/2014/main" id="{3145366F-D1F2-C968-54CD-1CC7A6FCF964}"/>
+              </a:ext>
+            </a:extLst>
+          </p:cNvPr>
+          <p:cNvPicPr>
+            <a:picLocks noChangeAspect="1"/>
+          </p:cNvPicPr>
+          <p:nvPr/>
+        </p:nvPicPr>
+        <p:blipFill>
+          <a:blip r:embed="rId3"/>
+          <a:stretch>
+            <a:fillRect/>
+          </a:stretch>
+        </p:blipFill>
+        <p:spPr>
+          <a:xfrm>
+            <a:off x="499328" y="4017952"/>
+            <a:ext cx="6957663" cy="3429297"/>
+          </a:xfrm>
+          <a:prstGeom prst="rect">
+            <a:avLst/>
+          </a:prstGeom>
+        </p:spPr>
+      </p:pic>
+    </p:spTree>
+    <p:extLst>
+      <p:ext uri="{BB962C8B-B14F-4D97-AF65-F5344CB8AC3E}">
+        <p14:creationId xmlns:p14="http://schemas.microsoft.com/office/powerpoint/2010/main" val="503978530"/>
+      </p:ext>
+    </p:extLst>
+  </p:cSld>
+  <p:clrMapOvr>
+    <a:masterClrMapping/>
+  </p:clrMapOvr>
+  <mc:AlternateContent xmlns:mc="http://schemas.openxmlformats.org/markup-compatibility/2006" xmlns:p14="http://schemas.microsoft.com/office/powerpoint/2010/main">
+    <mc:Choice Requires="p14">
+      <p:transition spd="med" p14:dur="700">
+        <p:fade/>
+      </p:transition>
+    </mc:Choice>
+    <mc:Fallback xmlns="">
+      <p:transition spd="med">
+        <p:fade/>
+      </p:transition>
+    </mc:Fallback>
+  </mc:AlternateContent>
+</p:sld>
+</file>
+
+<file path=ppt/slides/slide21.xml><?xml version="1.0" encoding="utf-8"?>
+<p:sld xmlns:a="http://schemas.openxmlformats.org/drawingml/2006/main" xmlns:r="http://schemas.openxmlformats.org/officeDocument/2006/relationships" xmlns:p="http://schemas.openxmlformats.org/presentationml/2006/main">
+  <p:cSld>
+    <p:spTree>
+      <p:nvGrpSpPr>
+        <p:cNvPr id="1" name=""/>
+        <p:cNvGrpSpPr/>
+        <p:nvPr/>
+      </p:nvGrpSpPr>
+      <p:grpSpPr>
+        <a:xfrm>
+          <a:off x="0" y="0"/>
+          <a:ext cx="0" cy="0"/>
+          <a:chOff x="0" y="0"/>
+          <a:chExt cx="0" cy="0"/>
+        </a:xfrm>
+      </p:grpSpPr>
+      <p:sp>
+        <p:nvSpPr>
+          <p:cNvPr id="2" name="Título 1">
+            <a:extLst>
+              <a:ext uri="{FF2B5EF4-FFF2-40B4-BE49-F238E27FC236}">
+                <a16:creationId xmlns:a16="http://schemas.microsoft.com/office/drawing/2014/main" id="{5D48D0EA-0763-3E2F-7D7C-22B3D75271B6}"/>
+              </a:ext>
+            </a:extLst>
+          </p:cNvPr>
+          <p:cNvSpPr>
+            <a:spLocks noGrp="1"/>
+          </p:cNvSpPr>
+          <p:nvPr>
+            <p:ph type="title"/>
+          </p:nvPr>
+        </p:nvSpPr>
+        <p:spPr>
+          <a:xfrm>
+            <a:off x="409568" y="0"/>
+            <a:ext cx="9823498" cy="1828800"/>
+          </a:xfrm>
+        </p:spPr>
+        <p:txBody>
+          <a:bodyPr/>
+          <a:lstStyle/>
+          <a:p>
+            <a:r>
+              <a:rPr lang="pt-BR" dirty="0"/>
+              <a:t>Resultados</a:t>
+            </a:r>
+          </a:p>
+        </p:txBody>
+      </p:sp>
+      <p:pic>
+        <p:nvPicPr>
+          <p:cNvPr id="5" name="Imagem 4">
+            <a:extLst>
+              <a:ext uri="{FF2B5EF4-FFF2-40B4-BE49-F238E27FC236}">
+                <a16:creationId xmlns:a16="http://schemas.microsoft.com/office/drawing/2014/main" id="{20C5C286-C99C-3F5E-A57D-F3110AB890BF}"/>
+              </a:ext>
+            </a:extLst>
+          </p:cNvPr>
+          <p:cNvPicPr>
+            <a:picLocks noChangeAspect="1"/>
+          </p:cNvPicPr>
+          <p:nvPr/>
+        </p:nvPicPr>
+        <p:blipFill>
+          <a:blip r:embed="rId2"/>
+          <a:stretch>
+            <a:fillRect/>
+          </a:stretch>
+        </p:blipFill>
+        <p:spPr>
+          <a:xfrm>
+            <a:off x="458803" y="3970084"/>
+            <a:ext cx="7468247" cy="2598645"/>
+          </a:xfrm>
+          <a:prstGeom prst="rect">
+            <a:avLst/>
+          </a:prstGeom>
+        </p:spPr>
+      </p:pic>
+      <p:pic>
+        <p:nvPicPr>
+          <p:cNvPr id="7" name="Imagem 6">
+            <a:extLst>
+              <a:ext uri="{FF2B5EF4-FFF2-40B4-BE49-F238E27FC236}">
+                <a16:creationId xmlns:a16="http://schemas.microsoft.com/office/drawing/2014/main" id="{F3289502-83F3-8FD7-8B44-E0234A685975}"/>
+              </a:ext>
+            </a:extLst>
+          </p:cNvPr>
+          <p:cNvPicPr>
+            <a:picLocks noChangeAspect="1"/>
+          </p:cNvPicPr>
+          <p:nvPr/>
+        </p:nvPicPr>
+        <p:blipFill rotWithShape="1">
+          <a:blip r:embed="rId3"/>
+          <a:srcRect t="20074" b="30370"/>
+          <a:stretch/>
+        </p:blipFill>
+        <p:spPr>
+          <a:xfrm>
+            <a:off x="458803" y="1725118"/>
+            <a:ext cx="8847587" cy="1876928"/>
+          </a:xfrm>
+          <a:prstGeom prst="rect">
+            <a:avLst/>
+          </a:prstGeom>
+        </p:spPr>
+      </p:pic>
+    </p:spTree>
+    <p:extLst>
+      <p:ext uri="{BB962C8B-B14F-4D97-AF65-F5344CB8AC3E}">
+        <p14:creationId xmlns:p14="http://schemas.microsoft.com/office/powerpoint/2010/main" val="3272390269"/>
+      </p:ext>
+    </p:extLst>
+  </p:cSld>
+  <p:clrMapOvr>
+    <a:masterClrMapping/>
+  </p:clrMapOvr>
+  <mc:AlternateContent xmlns:mc="http://schemas.openxmlformats.org/markup-compatibility/2006" xmlns:p14="http://schemas.microsoft.com/office/powerpoint/2010/main">
+    <mc:Choice Requires="p14">
+      <p:transition spd="med" p14:dur="700">
+        <p:fade/>
+      </p:transition>
+    </mc:Choice>
+    <mc:Fallback xmlns="">
+      <p:transition spd="med">
+        <p:fade/>
+      </p:transition>
+    </mc:Fallback>
+  </mc:AlternateContent>
+</p:sld>
+</file>
+
+<file path=ppt/slides/slide22.xml><?xml version="1.0" encoding="utf-8"?>
+<p:sld xmlns:a="http://schemas.openxmlformats.org/drawingml/2006/main" xmlns:r="http://schemas.openxmlformats.org/officeDocument/2006/relationships" xmlns:p="http://schemas.openxmlformats.org/presentationml/2006/main">
+  <p:cSld>
+    <p:spTree>
+      <p:nvGrpSpPr>
+        <p:cNvPr id="1" name=""/>
+        <p:cNvGrpSpPr/>
+        <p:nvPr/>
+      </p:nvGrpSpPr>
+      <p:grpSpPr>
+        <a:xfrm>
+          <a:off x="0" y="0"/>
+          <a:ext cx="0" cy="0"/>
+          <a:chOff x="0" y="0"/>
+          <a:chExt cx="0" cy="0"/>
+        </a:xfrm>
+      </p:grpSpPr>
+      <p:sp>
+        <p:nvSpPr>
+          <p:cNvPr id="2" name="Título 1">
+            <a:extLst>
+              <a:ext uri="{FF2B5EF4-FFF2-40B4-BE49-F238E27FC236}">
+                <a16:creationId xmlns:a16="http://schemas.microsoft.com/office/drawing/2014/main" id="{5D48D0EA-0763-3E2F-7D7C-22B3D75271B6}"/>
+              </a:ext>
+            </a:extLst>
+          </p:cNvPr>
+          <p:cNvSpPr>
+            <a:spLocks noGrp="1"/>
+          </p:cNvSpPr>
+          <p:nvPr>
+            <p:ph type="title"/>
+          </p:nvPr>
+        </p:nvSpPr>
+        <p:spPr>
+          <a:xfrm>
+            <a:off x="409568" y="0"/>
+            <a:ext cx="9823498" cy="1828800"/>
+          </a:xfrm>
+        </p:spPr>
+        <p:txBody>
+          <a:bodyPr/>
+          <a:lstStyle/>
+          <a:p>
+            <a:r>
+              <a:rPr lang="pt-BR" dirty="0"/>
+              <a:t>Resultados</a:t>
+            </a:r>
+          </a:p>
+        </p:txBody>
+      </p:sp>
+      <p:pic>
+        <p:nvPicPr>
+          <p:cNvPr id="4" name="Imagem 3">
+            <a:extLst>
+              <a:ext uri="{FF2B5EF4-FFF2-40B4-BE49-F238E27FC236}">
+                <a16:creationId xmlns:a16="http://schemas.microsoft.com/office/drawing/2014/main" id="{7BB1C9B6-ADF1-938C-2492-C4A8817F611E}"/>
+              </a:ext>
+            </a:extLst>
+          </p:cNvPr>
+          <p:cNvPicPr>
+            <a:picLocks noChangeAspect="1"/>
+          </p:cNvPicPr>
+          <p:nvPr/>
+        </p:nvPicPr>
+        <p:blipFill>
+          <a:blip r:embed="rId2"/>
+          <a:stretch>
+            <a:fillRect/>
+          </a:stretch>
+        </p:blipFill>
+        <p:spPr>
+          <a:xfrm>
+            <a:off x="409568" y="4243467"/>
+            <a:ext cx="7292972" cy="2751058"/>
+          </a:xfrm>
+          <a:prstGeom prst="rect">
+            <a:avLst/>
+          </a:prstGeom>
+        </p:spPr>
+      </p:pic>
+      <p:pic>
+        <p:nvPicPr>
+          <p:cNvPr id="8" name="Imagem 7">
+            <a:extLst>
+              <a:ext uri="{FF2B5EF4-FFF2-40B4-BE49-F238E27FC236}">
+                <a16:creationId xmlns:a16="http://schemas.microsoft.com/office/drawing/2014/main" id="{865125D8-49DC-3C75-D019-FA1E998CF6E2}"/>
+              </a:ext>
+            </a:extLst>
+          </p:cNvPr>
+          <p:cNvPicPr>
+            <a:picLocks noChangeAspect="1"/>
+          </p:cNvPicPr>
+          <p:nvPr/>
+        </p:nvPicPr>
+        <p:blipFill>
+          <a:blip r:embed="rId3"/>
+          <a:stretch>
+            <a:fillRect/>
+          </a:stretch>
+        </p:blipFill>
+        <p:spPr>
+          <a:xfrm>
+            <a:off x="409568" y="1828800"/>
+            <a:ext cx="7392041" cy="2286198"/>
+          </a:xfrm>
+          <a:prstGeom prst="rect">
+            <a:avLst/>
+          </a:prstGeom>
+        </p:spPr>
+      </p:pic>
+    </p:spTree>
+    <p:extLst>
+      <p:ext uri="{BB962C8B-B14F-4D97-AF65-F5344CB8AC3E}">
+        <p14:creationId xmlns:p14="http://schemas.microsoft.com/office/powerpoint/2010/main" val="220784927"/>
+      </p:ext>
+    </p:extLst>
+  </p:cSld>
+  <p:clrMapOvr>
+    <a:masterClrMapping/>
+  </p:clrMapOvr>
+  <mc:AlternateContent xmlns:mc="http://schemas.openxmlformats.org/markup-compatibility/2006" xmlns:p14="http://schemas.microsoft.com/office/powerpoint/2010/main">
+    <mc:Choice Requires="p14">
+      <p:transition spd="med" p14:dur="700">
+        <p:fade/>
+      </p:transition>
+    </mc:Choice>
+    <mc:Fallback xmlns="">
+      <p:transition spd="med">
+        <p:fade/>
+      </p:transition>
+    </mc:Fallback>
+  </mc:AlternateContent>
+</p:sld>
+</file>
+
+<file path=ppt/slides/slide23.xml><?xml version="1.0" encoding="utf-8"?>
 <p:sld xmlns:a="http://schemas.openxmlformats.org/drawingml/2006/main" xmlns:r="http://schemas.openxmlformats.org/officeDocument/2006/relationships" xmlns:p="http://schemas.openxmlformats.org/presentationml/2006/main">
   <p:cSld>
     <p:spTree>
@@ -26329,7 +29054,7 @@
                 <a:latin typeface="Arial" panose="020B0604020202020204" pitchFamily="34" charset="0"/>
                 <a:cs typeface="Arial" panose="020B0604020202020204" pitchFamily="34" charset="0"/>
               </a:rPr>
-              <a:t>Atualmente, possuí 20 lojas próprias e mais de 135 correspondentes exclusivos. Estamos presentes em todo o país, oferecendo empréstimos com segurança e transparência para quem deseja quitar dívidas maiores, investir em algo ou mesmo realizar um sonho.</a:t>
+              <a:t>Atualmente, possuí 20 lojas próprias e mais de 135 correspondentes exclusivos. Estamos presentes em todo o país pela internet, oferecendo empréstimos com segurança e transparência para quem deseja quitar dívidas maiores, investir em algo ou mesmo realizar um sonho.</a:t>
             </a:r>
           </a:p>
           <a:p>
@@ -26385,6 +29110,1710 @@
       </p:grpSpPr>
       <p:sp>
         <p:nvSpPr>
+          <p:cNvPr id="8" name="Espaço Reservado para Texto 2">
+            <a:extLst>
+              <a:ext uri="{FF2B5EF4-FFF2-40B4-BE49-F238E27FC236}">
+                <a16:creationId xmlns:a16="http://schemas.microsoft.com/office/drawing/2014/main" id="{B0A2DA19-2FA7-0E77-4EB4-1C324C7738EA}"/>
+              </a:ext>
+            </a:extLst>
+          </p:cNvPr>
+          <p:cNvSpPr txBox="1">
+            <a:spLocks/>
+          </p:cNvSpPr>
+          <p:nvPr/>
+        </p:nvSpPr>
+        <p:spPr>
+          <a:xfrm>
+            <a:off x="451338" y="803485"/>
+            <a:ext cx="9795376" cy="923330"/>
+          </a:xfrm>
+          <a:prstGeom prst="rect">
+            <a:avLst/>
+          </a:prstGeom>
+        </p:spPr>
+        <p:txBody>
+          <a:bodyPr vert="horz" wrap="square" lIns="0" tIns="91440" rIns="146304" bIns="91440" rtlCol="0">
+            <a:spAutoFit/>
+          </a:bodyPr>
+          <a:lstStyle>
+            <a:lvl1pPr marL="0" marR="0" indent="0" algn="l" defTabSz="932742" rtl="0" eaLnBrk="1" fontAlgn="auto" latinLnBrk="0" hangingPunct="1">
+              <a:lnSpc>
+                <a:spcPct val="100000"/>
+              </a:lnSpc>
+              <a:spcBef>
+                <a:spcPts val="0"/>
+              </a:spcBef>
+              <a:spcAft>
+                <a:spcPts val="0"/>
+              </a:spcAft>
+              <a:buClrTx/>
+              <a:buSzPct val="90000"/>
+              <a:buFont typeface="Wingdings" panose="05000000000000000000" pitchFamily="2" charset="2"/>
+              <a:buNone/>
+              <a:tabLst/>
+              <a:defRPr sz="1800" kern="1200" spc="-50" baseline="0">
+                <a:solidFill>
+                  <a:schemeClr val="bg2"/>
+                </a:solidFill>
+                <a:latin typeface="+mj-lt"/>
+                <a:ea typeface="+mn-ea"/>
+                <a:cs typeface="+mn-cs"/>
+              </a:defRPr>
+            </a:lvl1pPr>
+            <a:lvl2pPr marL="0" marR="0" indent="0" algn="l" defTabSz="932742" rtl="0" eaLnBrk="1" fontAlgn="auto" latinLnBrk="0" hangingPunct="1">
+              <a:lnSpc>
+                <a:spcPct val="100000"/>
+              </a:lnSpc>
+              <a:spcBef>
+                <a:spcPts val="0"/>
+              </a:spcBef>
+              <a:spcAft>
+                <a:spcPts val="0"/>
+              </a:spcAft>
+              <a:buClrTx/>
+              <a:buSzPct val="90000"/>
+              <a:buFontTx/>
+              <a:buNone/>
+              <a:tabLst/>
+              <a:defRPr sz="1800" kern="1200" spc="0" baseline="0">
+                <a:solidFill>
+                  <a:srgbClr val="000000"/>
+                </a:solidFill>
+                <a:latin typeface="+mn-lt"/>
+                <a:ea typeface="+mn-ea"/>
+                <a:cs typeface="+mn-cs"/>
+              </a:defRPr>
+            </a:lvl2pPr>
+            <a:lvl3pPr marL="0" marR="0" indent="0" algn="l" defTabSz="932742" rtl="0" eaLnBrk="1" fontAlgn="auto" latinLnBrk="0" hangingPunct="1">
+              <a:lnSpc>
+                <a:spcPct val="100000"/>
+              </a:lnSpc>
+              <a:spcBef>
+                <a:spcPts val="0"/>
+              </a:spcBef>
+              <a:spcAft>
+                <a:spcPts val="0"/>
+              </a:spcAft>
+              <a:buClrTx/>
+              <a:buSzPct val="90000"/>
+              <a:buFont typeface="Wingdings" panose="05000000000000000000" pitchFamily="2" charset="2"/>
+              <a:buNone/>
+              <a:tabLst/>
+              <a:defRPr sz="1400" kern="1200" spc="0" baseline="0">
+                <a:solidFill>
+                  <a:schemeClr val="tx2"/>
+                </a:solidFill>
+                <a:latin typeface="+mj-lt"/>
+                <a:ea typeface="+mn-ea"/>
+                <a:cs typeface="+mn-cs"/>
+              </a:defRPr>
+            </a:lvl3pPr>
+            <a:lvl4pPr marL="0" marR="0" indent="0" algn="l" defTabSz="932742" rtl="0" eaLnBrk="1" fontAlgn="auto" latinLnBrk="0" hangingPunct="1">
+              <a:lnSpc>
+                <a:spcPct val="100000"/>
+              </a:lnSpc>
+              <a:spcBef>
+                <a:spcPts val="0"/>
+              </a:spcBef>
+              <a:spcAft>
+                <a:spcPts val="0"/>
+              </a:spcAft>
+              <a:buClrTx/>
+              <a:buSzPct val="90000"/>
+              <a:buFont typeface="Wingdings" panose="05000000000000000000" pitchFamily="2" charset="2"/>
+              <a:buNone/>
+              <a:tabLst/>
+              <a:defRPr sz="1400" kern="1200" spc="0" baseline="0">
+                <a:solidFill>
+                  <a:srgbClr val="000000"/>
+                </a:solidFill>
+                <a:latin typeface="+mn-lt"/>
+                <a:ea typeface="+mn-ea"/>
+                <a:cs typeface="+mn-cs"/>
+              </a:defRPr>
+            </a:lvl4pPr>
+            <a:lvl5pPr marL="0" marR="0" indent="0" algn="l" defTabSz="932742" rtl="0" eaLnBrk="1" fontAlgn="auto" latinLnBrk="0" hangingPunct="1">
+              <a:lnSpc>
+                <a:spcPct val="100000"/>
+              </a:lnSpc>
+              <a:spcBef>
+                <a:spcPts val="0"/>
+              </a:spcBef>
+              <a:spcAft>
+                <a:spcPts val="0"/>
+              </a:spcAft>
+              <a:buClrTx/>
+              <a:buSzPct val="90000"/>
+              <a:buFont typeface="Wingdings" panose="05000000000000000000" pitchFamily="2" charset="2"/>
+              <a:buNone/>
+              <a:tabLst/>
+              <a:defRPr sz="1050" b="1" kern="1200" spc="0" baseline="0">
+                <a:solidFill>
+                  <a:srgbClr val="000000"/>
+                </a:solidFill>
+                <a:latin typeface="+mn-lt"/>
+                <a:ea typeface="+mn-ea"/>
+                <a:cs typeface="+mn-cs"/>
+              </a:defRPr>
+            </a:lvl5pPr>
+            <a:lvl6pPr marL="2331854" indent="0" algn="l" defTabSz="932742" rtl="0" eaLnBrk="1" latinLnBrk="0" hangingPunct="1">
+              <a:spcBef>
+                <a:spcPct val="20000"/>
+              </a:spcBef>
+              <a:buFont typeface="Arial" pitchFamily="34" charset="0"/>
+              <a:buNone/>
+              <a:defRPr sz="2000" kern="1200">
+                <a:solidFill>
+                  <a:schemeClr val="tx1"/>
+                </a:solidFill>
+                <a:latin typeface="+mn-lt"/>
+                <a:ea typeface="+mn-ea"/>
+                <a:cs typeface="+mn-cs"/>
+              </a:defRPr>
+            </a:lvl6pPr>
+            <a:lvl7pPr marL="0" indent="0" algn="l" defTabSz="932742" rtl="0" eaLnBrk="1" latinLnBrk="0" hangingPunct="1">
+              <a:lnSpc>
+                <a:spcPct val="100000"/>
+              </a:lnSpc>
+              <a:spcBef>
+                <a:spcPts val="0"/>
+              </a:spcBef>
+              <a:spcAft>
+                <a:spcPts val="0"/>
+              </a:spcAft>
+              <a:buFont typeface="Arial" pitchFamily="34" charset="0"/>
+              <a:buNone/>
+              <a:defRPr sz="1000" kern="1200">
+                <a:solidFill>
+                  <a:srgbClr val="000000"/>
+                </a:solidFill>
+                <a:latin typeface="+mn-lt"/>
+                <a:ea typeface="+mn-ea"/>
+                <a:cs typeface="+mn-cs"/>
+              </a:defRPr>
+            </a:lvl7pPr>
+            <a:lvl8pPr marL="3497783" indent="-233186" algn="l" defTabSz="932742" rtl="0" eaLnBrk="1" latinLnBrk="0" hangingPunct="1">
+              <a:spcBef>
+                <a:spcPct val="20000"/>
+              </a:spcBef>
+              <a:buFont typeface="Arial" pitchFamily="34" charset="0"/>
+              <a:buChar char="•"/>
+              <a:defRPr sz="2000" kern="1200">
+                <a:solidFill>
+                  <a:schemeClr val="tx1"/>
+                </a:solidFill>
+                <a:latin typeface="+mn-lt"/>
+                <a:ea typeface="+mn-ea"/>
+                <a:cs typeface="+mn-cs"/>
+              </a:defRPr>
+            </a:lvl8pPr>
+            <a:lvl9pPr marL="3964155" indent="-233186" algn="l" defTabSz="932742" rtl="0" eaLnBrk="1" latinLnBrk="0" hangingPunct="1">
+              <a:spcBef>
+                <a:spcPct val="20000"/>
+              </a:spcBef>
+              <a:buFont typeface="Arial" pitchFamily="34" charset="0"/>
+              <a:buChar char="•"/>
+              <a:defRPr sz="2000" kern="1200">
+                <a:solidFill>
+                  <a:schemeClr val="tx1"/>
+                </a:solidFill>
+                <a:latin typeface="+mn-lt"/>
+                <a:ea typeface="+mn-ea"/>
+                <a:cs typeface="+mn-cs"/>
+              </a:defRPr>
+            </a:lvl9pPr>
+          </a:lstStyle>
+          <a:p>
+            <a:pPr marL="0" marR="0" lvl="0" indent="0" algn="just" defTabSz="914400" rtl="0" eaLnBrk="0" fontAlgn="base" latinLnBrk="0" hangingPunct="0">
+              <a:lnSpc>
+                <a:spcPct val="100000"/>
+              </a:lnSpc>
+              <a:spcBef>
+                <a:spcPct val="0"/>
+              </a:spcBef>
+              <a:spcAft>
+                <a:spcPct val="0"/>
+              </a:spcAft>
+              <a:buClrTx/>
+              <a:buSzTx/>
+              <a:buFontTx/>
+              <a:buNone/>
+              <a:tabLst/>
+            </a:pPr>
+            <a:r>
+              <a:rPr lang="pt-PT" altLang="pt-BR" sz="4800" dirty="0"/>
+              <a:t>Agenda</a:t>
+            </a:r>
+          </a:p>
+        </p:txBody>
+      </p:sp>
+      <p:sp>
+        <p:nvSpPr>
+          <p:cNvPr id="3" name="CaixaDeTexto 2">
+            <a:extLst>
+              <a:ext uri="{FF2B5EF4-FFF2-40B4-BE49-F238E27FC236}">
+                <a16:creationId xmlns:a16="http://schemas.microsoft.com/office/drawing/2014/main" id="{F3B9607D-5A5D-5AB4-2FEF-DD1CECDD59EB}"/>
+              </a:ext>
+            </a:extLst>
+          </p:cNvPr>
+          <p:cNvSpPr txBox="1"/>
+          <p:nvPr/>
+        </p:nvSpPr>
+        <p:spPr>
+          <a:xfrm>
+            <a:off x="451338" y="2010358"/>
+            <a:ext cx="11202398" cy="3693319"/>
+          </a:xfrm>
+          <a:prstGeom prst="rect">
+            <a:avLst/>
+          </a:prstGeom>
+          <a:noFill/>
+        </p:spPr>
+        <p:txBody>
+          <a:bodyPr wrap="square">
+            <a:spAutoFit/>
+          </a:bodyPr>
+          <a:lstStyle/>
+          <a:p>
+            <a:pPr algn="l"/>
+            <a:r>
+              <a:rPr lang="pt-BR" sz="2400" spc="-50" dirty="0">
+                <a:solidFill>
+                  <a:schemeClr val="bg1"/>
+                </a:solidFill>
+                <a:latin typeface="Arial" panose="020B0604020202020204" pitchFamily="34" charset="0"/>
+                <a:cs typeface="Arial" panose="020B0604020202020204" pitchFamily="34" charset="0"/>
+              </a:rPr>
+              <a:t>Breve introdução ao </a:t>
+            </a:r>
+            <a:r>
+              <a:rPr lang="pt-BR" sz="2400" spc="-50" dirty="0" err="1">
+                <a:solidFill>
+                  <a:schemeClr val="bg1"/>
+                </a:solidFill>
+                <a:latin typeface="Arial" panose="020B0604020202020204" pitchFamily="34" charset="0"/>
+                <a:cs typeface="Arial" panose="020B0604020202020204" pitchFamily="34" charset="0"/>
+              </a:rPr>
+              <a:t>AzureOpenAI</a:t>
+            </a:r>
+            <a:endParaRPr lang="pt-BR" sz="2400" spc="-50" dirty="0">
+              <a:solidFill>
+                <a:schemeClr val="bg1"/>
+              </a:solidFill>
+              <a:latin typeface="Arial" panose="020B0604020202020204" pitchFamily="34" charset="0"/>
+              <a:cs typeface="Arial" panose="020B0604020202020204" pitchFamily="34" charset="0"/>
+            </a:endParaRPr>
+          </a:p>
+          <a:p>
+            <a:pPr algn="l"/>
+            <a:endParaRPr lang="pt-BR" sz="2400" spc="-50" dirty="0">
+              <a:solidFill>
+                <a:schemeClr val="bg1"/>
+              </a:solidFill>
+              <a:latin typeface="Arial" panose="020B0604020202020204" pitchFamily="34" charset="0"/>
+              <a:cs typeface="Arial" panose="020B0604020202020204" pitchFamily="34" charset="0"/>
+            </a:endParaRPr>
+          </a:p>
+          <a:p>
+            <a:pPr algn="l"/>
+            <a:r>
+              <a:rPr lang="pt-BR" sz="2400" spc="-50" dirty="0">
+                <a:solidFill>
+                  <a:schemeClr val="bg1"/>
+                </a:solidFill>
+                <a:latin typeface="Arial" panose="020B0604020202020204" pitchFamily="34" charset="0"/>
+                <a:cs typeface="Arial" panose="020B0604020202020204" pitchFamily="34" charset="0"/>
+              </a:rPr>
+              <a:t>Dicas</a:t>
+            </a:r>
+          </a:p>
+          <a:p>
+            <a:pPr algn="l"/>
+            <a:endParaRPr lang="pt-BR" sz="2400" spc="-50" dirty="0">
+              <a:solidFill>
+                <a:schemeClr val="bg1"/>
+              </a:solidFill>
+              <a:latin typeface="Arial" panose="020B0604020202020204" pitchFamily="34" charset="0"/>
+              <a:cs typeface="Arial" panose="020B0604020202020204" pitchFamily="34" charset="0"/>
+            </a:endParaRPr>
+          </a:p>
+          <a:p>
+            <a:pPr algn="l"/>
+            <a:r>
+              <a:rPr lang="pt-BR" sz="2400" spc="-50" dirty="0">
+                <a:solidFill>
+                  <a:schemeClr val="bg1"/>
+                </a:solidFill>
+                <a:latin typeface="Arial" panose="020B0604020202020204" pitchFamily="34" charset="0"/>
+                <a:cs typeface="Arial" panose="020B0604020202020204" pitchFamily="34" charset="0"/>
+              </a:rPr>
+              <a:t>Demo</a:t>
+            </a:r>
+          </a:p>
+          <a:p>
+            <a:pPr algn="l"/>
+            <a:r>
+              <a:rPr lang="pt-BR" sz="2400" spc="-50" dirty="0">
+                <a:solidFill>
+                  <a:schemeClr val="bg1"/>
+                </a:solidFill>
+                <a:latin typeface="Arial" panose="020B0604020202020204" pitchFamily="34" charset="0"/>
+                <a:cs typeface="Arial" panose="020B0604020202020204" pitchFamily="34" charset="0"/>
+              </a:rPr>
+              <a:t>- Criação de recurso </a:t>
+            </a:r>
+          </a:p>
+          <a:p>
+            <a:pPr algn="l"/>
+            <a:r>
+              <a:rPr lang="pt-BR" sz="2400" spc="-50" dirty="0">
+                <a:solidFill>
+                  <a:schemeClr val="bg1"/>
+                </a:solidFill>
+                <a:latin typeface="Arial" panose="020B0604020202020204" pitchFamily="34" charset="0"/>
+                <a:cs typeface="Arial" panose="020B0604020202020204" pitchFamily="34" charset="0"/>
+              </a:rPr>
+              <a:t>- Criação de PR com AI</a:t>
+            </a:r>
+          </a:p>
+          <a:p>
+            <a:pPr algn="l"/>
+            <a:endParaRPr lang="pt-BR" sz="2400" spc="-50" dirty="0">
+              <a:solidFill>
+                <a:schemeClr val="bg1"/>
+              </a:solidFill>
+              <a:latin typeface="Arial" panose="020B0604020202020204" pitchFamily="34" charset="0"/>
+              <a:cs typeface="Arial" panose="020B0604020202020204" pitchFamily="34" charset="0"/>
+            </a:endParaRPr>
+          </a:p>
+          <a:p>
+            <a:pPr algn="l"/>
+            <a:endParaRPr lang="pt-BR" sz="2400" spc="-50" dirty="0">
+              <a:solidFill>
+                <a:schemeClr val="bg1"/>
+              </a:solidFill>
+              <a:latin typeface="Arial" panose="020B0604020202020204" pitchFamily="34" charset="0"/>
+              <a:cs typeface="Arial" panose="020B0604020202020204" pitchFamily="34" charset="0"/>
+            </a:endParaRPr>
+          </a:p>
+          <a:p>
+            <a:endParaRPr lang="pt-BR" dirty="0">
+              <a:solidFill>
+                <a:schemeClr val="bg1"/>
+              </a:solidFill>
+            </a:endParaRPr>
+          </a:p>
+        </p:txBody>
+      </p:sp>
+    </p:spTree>
+    <p:extLst>
+      <p:ext uri="{BB962C8B-B14F-4D97-AF65-F5344CB8AC3E}">
+        <p14:creationId xmlns:p14="http://schemas.microsoft.com/office/powerpoint/2010/main" val="161475726"/>
+      </p:ext>
+    </p:extLst>
+  </p:cSld>
+  <p:clrMapOvr>
+    <a:masterClrMapping/>
+  </p:clrMapOvr>
+  <mc:AlternateContent xmlns:mc="http://schemas.openxmlformats.org/markup-compatibility/2006">
+    <mc:Choice xmlns:p14="http://schemas.microsoft.com/office/powerpoint/2010/main" Requires="p14">
+      <p:transition spd="med" p14:dur="700">
+        <p:fade/>
+      </p:transition>
+    </mc:Choice>
+    <mc:Fallback>
+      <p:transition spd="med">
+        <p:fade/>
+      </p:transition>
+    </mc:Fallback>
+  </mc:AlternateContent>
+</p:sld>
+</file>
+
+<file path=ppt/slides/slide5.xml><?xml version="1.0" encoding="utf-8"?>
+<p:sld xmlns:a="http://schemas.openxmlformats.org/drawingml/2006/main" xmlns:r="http://schemas.openxmlformats.org/officeDocument/2006/relationships" xmlns:p="http://schemas.openxmlformats.org/presentationml/2006/main">
+  <p:cSld>
+    <p:spTree>
+      <p:nvGrpSpPr>
+        <p:cNvPr id="1" name=""/>
+        <p:cNvGrpSpPr/>
+        <p:nvPr/>
+      </p:nvGrpSpPr>
+      <p:grpSpPr>
+        <a:xfrm>
+          <a:off x="0" y="0"/>
+          <a:ext cx="0" cy="0"/>
+          <a:chOff x="0" y="0"/>
+          <a:chExt cx="0" cy="0"/>
+        </a:xfrm>
+      </p:grpSpPr>
+      <p:sp>
+        <p:nvSpPr>
+          <p:cNvPr id="8" name="Espaço Reservado para Texto 2">
+            <a:extLst>
+              <a:ext uri="{FF2B5EF4-FFF2-40B4-BE49-F238E27FC236}">
+                <a16:creationId xmlns:a16="http://schemas.microsoft.com/office/drawing/2014/main" id="{B0A2DA19-2FA7-0E77-4EB4-1C324C7738EA}"/>
+              </a:ext>
+            </a:extLst>
+          </p:cNvPr>
+          <p:cNvSpPr txBox="1">
+            <a:spLocks/>
+          </p:cNvSpPr>
+          <p:nvPr/>
+        </p:nvSpPr>
+        <p:spPr>
+          <a:xfrm>
+            <a:off x="451338" y="803485"/>
+            <a:ext cx="11837644" cy="3262432"/>
+          </a:xfrm>
+          <a:prstGeom prst="rect">
+            <a:avLst/>
+          </a:prstGeom>
+        </p:spPr>
+        <p:txBody>
+          <a:bodyPr vert="horz" wrap="square" lIns="0" tIns="91440" rIns="146304" bIns="91440" rtlCol="0">
+            <a:spAutoFit/>
+          </a:bodyPr>
+          <a:lstStyle>
+            <a:lvl1pPr marL="0" marR="0" indent="0" algn="l" defTabSz="932742" rtl="0" eaLnBrk="1" fontAlgn="auto" latinLnBrk="0" hangingPunct="1">
+              <a:lnSpc>
+                <a:spcPct val="100000"/>
+              </a:lnSpc>
+              <a:spcBef>
+                <a:spcPts val="0"/>
+              </a:spcBef>
+              <a:spcAft>
+                <a:spcPts val="0"/>
+              </a:spcAft>
+              <a:buClrTx/>
+              <a:buSzPct val="90000"/>
+              <a:buFont typeface="Wingdings" panose="05000000000000000000" pitchFamily="2" charset="2"/>
+              <a:buNone/>
+              <a:tabLst/>
+              <a:defRPr sz="1800" kern="1200" spc="-50" baseline="0">
+                <a:solidFill>
+                  <a:schemeClr val="bg2"/>
+                </a:solidFill>
+                <a:latin typeface="+mj-lt"/>
+                <a:ea typeface="+mn-ea"/>
+                <a:cs typeface="+mn-cs"/>
+              </a:defRPr>
+            </a:lvl1pPr>
+            <a:lvl2pPr marL="0" marR="0" indent="0" algn="l" defTabSz="932742" rtl="0" eaLnBrk="1" fontAlgn="auto" latinLnBrk="0" hangingPunct="1">
+              <a:lnSpc>
+                <a:spcPct val="100000"/>
+              </a:lnSpc>
+              <a:spcBef>
+                <a:spcPts val="0"/>
+              </a:spcBef>
+              <a:spcAft>
+                <a:spcPts val="0"/>
+              </a:spcAft>
+              <a:buClrTx/>
+              <a:buSzPct val="90000"/>
+              <a:buFontTx/>
+              <a:buNone/>
+              <a:tabLst/>
+              <a:defRPr sz="1800" kern="1200" spc="0" baseline="0">
+                <a:solidFill>
+                  <a:srgbClr val="000000"/>
+                </a:solidFill>
+                <a:latin typeface="+mn-lt"/>
+                <a:ea typeface="+mn-ea"/>
+                <a:cs typeface="+mn-cs"/>
+              </a:defRPr>
+            </a:lvl2pPr>
+            <a:lvl3pPr marL="0" marR="0" indent="0" algn="l" defTabSz="932742" rtl="0" eaLnBrk="1" fontAlgn="auto" latinLnBrk="0" hangingPunct="1">
+              <a:lnSpc>
+                <a:spcPct val="100000"/>
+              </a:lnSpc>
+              <a:spcBef>
+                <a:spcPts val="0"/>
+              </a:spcBef>
+              <a:spcAft>
+                <a:spcPts val="0"/>
+              </a:spcAft>
+              <a:buClrTx/>
+              <a:buSzPct val="90000"/>
+              <a:buFont typeface="Wingdings" panose="05000000000000000000" pitchFamily="2" charset="2"/>
+              <a:buNone/>
+              <a:tabLst/>
+              <a:defRPr sz="1400" kern="1200" spc="0" baseline="0">
+                <a:solidFill>
+                  <a:schemeClr val="tx2"/>
+                </a:solidFill>
+                <a:latin typeface="+mj-lt"/>
+                <a:ea typeface="+mn-ea"/>
+                <a:cs typeface="+mn-cs"/>
+              </a:defRPr>
+            </a:lvl3pPr>
+            <a:lvl4pPr marL="0" marR="0" indent="0" algn="l" defTabSz="932742" rtl="0" eaLnBrk="1" fontAlgn="auto" latinLnBrk="0" hangingPunct="1">
+              <a:lnSpc>
+                <a:spcPct val="100000"/>
+              </a:lnSpc>
+              <a:spcBef>
+                <a:spcPts val="0"/>
+              </a:spcBef>
+              <a:spcAft>
+                <a:spcPts val="0"/>
+              </a:spcAft>
+              <a:buClrTx/>
+              <a:buSzPct val="90000"/>
+              <a:buFont typeface="Wingdings" panose="05000000000000000000" pitchFamily="2" charset="2"/>
+              <a:buNone/>
+              <a:tabLst/>
+              <a:defRPr sz="1400" kern="1200" spc="0" baseline="0">
+                <a:solidFill>
+                  <a:srgbClr val="000000"/>
+                </a:solidFill>
+                <a:latin typeface="+mn-lt"/>
+                <a:ea typeface="+mn-ea"/>
+                <a:cs typeface="+mn-cs"/>
+              </a:defRPr>
+            </a:lvl4pPr>
+            <a:lvl5pPr marL="0" marR="0" indent="0" algn="l" defTabSz="932742" rtl="0" eaLnBrk="1" fontAlgn="auto" latinLnBrk="0" hangingPunct="1">
+              <a:lnSpc>
+                <a:spcPct val="100000"/>
+              </a:lnSpc>
+              <a:spcBef>
+                <a:spcPts val="0"/>
+              </a:spcBef>
+              <a:spcAft>
+                <a:spcPts val="0"/>
+              </a:spcAft>
+              <a:buClrTx/>
+              <a:buSzPct val="90000"/>
+              <a:buFont typeface="Wingdings" panose="05000000000000000000" pitchFamily="2" charset="2"/>
+              <a:buNone/>
+              <a:tabLst/>
+              <a:defRPr sz="1050" b="1" kern="1200" spc="0" baseline="0">
+                <a:solidFill>
+                  <a:srgbClr val="000000"/>
+                </a:solidFill>
+                <a:latin typeface="+mn-lt"/>
+                <a:ea typeface="+mn-ea"/>
+                <a:cs typeface="+mn-cs"/>
+              </a:defRPr>
+            </a:lvl5pPr>
+            <a:lvl6pPr marL="2331854" indent="0" algn="l" defTabSz="932742" rtl="0" eaLnBrk="1" latinLnBrk="0" hangingPunct="1">
+              <a:spcBef>
+                <a:spcPct val="20000"/>
+              </a:spcBef>
+              <a:buFont typeface="Arial" pitchFamily="34" charset="0"/>
+              <a:buNone/>
+              <a:defRPr sz="2000" kern="1200">
+                <a:solidFill>
+                  <a:schemeClr val="tx1"/>
+                </a:solidFill>
+                <a:latin typeface="+mn-lt"/>
+                <a:ea typeface="+mn-ea"/>
+                <a:cs typeface="+mn-cs"/>
+              </a:defRPr>
+            </a:lvl6pPr>
+            <a:lvl7pPr marL="0" indent="0" algn="l" defTabSz="932742" rtl="0" eaLnBrk="1" latinLnBrk="0" hangingPunct="1">
+              <a:lnSpc>
+                <a:spcPct val="100000"/>
+              </a:lnSpc>
+              <a:spcBef>
+                <a:spcPts val="0"/>
+              </a:spcBef>
+              <a:spcAft>
+                <a:spcPts val="0"/>
+              </a:spcAft>
+              <a:buFont typeface="Arial" pitchFamily="34" charset="0"/>
+              <a:buNone/>
+              <a:defRPr sz="1000" kern="1200">
+                <a:solidFill>
+                  <a:srgbClr val="000000"/>
+                </a:solidFill>
+                <a:latin typeface="+mn-lt"/>
+                <a:ea typeface="+mn-ea"/>
+                <a:cs typeface="+mn-cs"/>
+              </a:defRPr>
+            </a:lvl7pPr>
+            <a:lvl8pPr marL="3497783" indent="-233186" algn="l" defTabSz="932742" rtl="0" eaLnBrk="1" latinLnBrk="0" hangingPunct="1">
+              <a:spcBef>
+                <a:spcPct val="20000"/>
+              </a:spcBef>
+              <a:buFont typeface="Arial" pitchFamily="34" charset="0"/>
+              <a:buChar char="•"/>
+              <a:defRPr sz="2000" kern="1200">
+                <a:solidFill>
+                  <a:schemeClr val="tx1"/>
+                </a:solidFill>
+                <a:latin typeface="+mn-lt"/>
+                <a:ea typeface="+mn-ea"/>
+                <a:cs typeface="+mn-cs"/>
+              </a:defRPr>
+            </a:lvl8pPr>
+            <a:lvl9pPr marL="3964155" indent="-233186" algn="l" defTabSz="932742" rtl="0" eaLnBrk="1" latinLnBrk="0" hangingPunct="1">
+              <a:spcBef>
+                <a:spcPct val="20000"/>
+              </a:spcBef>
+              <a:buFont typeface="Arial" pitchFamily="34" charset="0"/>
+              <a:buChar char="•"/>
+              <a:defRPr sz="2000" kern="1200">
+                <a:solidFill>
+                  <a:schemeClr val="tx1"/>
+                </a:solidFill>
+                <a:latin typeface="+mn-lt"/>
+                <a:ea typeface="+mn-ea"/>
+                <a:cs typeface="+mn-cs"/>
+              </a:defRPr>
+            </a:lvl9pPr>
+          </a:lstStyle>
+          <a:p>
+            <a:pPr algn="l"/>
+            <a:r>
+              <a:rPr lang="pt-BR" sz="4000" b="1" i="0" dirty="0">
+                <a:solidFill>
+                  <a:schemeClr val="bg1"/>
+                </a:solidFill>
+                <a:effectLst/>
+                <a:latin typeface="Segoe UI" panose="020B0502040204020203" pitchFamily="34" charset="0"/>
+              </a:rPr>
+              <a:t>Objetivo </a:t>
+            </a:r>
+            <a:r>
+              <a:rPr lang="pt-BR" sz="4000" b="1" i="0" dirty="0" err="1">
+                <a:solidFill>
+                  <a:schemeClr val="bg1"/>
+                </a:solidFill>
+                <a:effectLst/>
+                <a:latin typeface="Segoe UI" panose="020B0502040204020203" pitchFamily="34" charset="0"/>
+              </a:rPr>
+              <a:t>AzureOpenAI</a:t>
+            </a:r>
+            <a:endParaRPr lang="pt-BR" sz="4000" b="1" i="0" dirty="0">
+              <a:solidFill>
+                <a:schemeClr val="bg1"/>
+              </a:solidFill>
+              <a:effectLst/>
+              <a:latin typeface="Segoe UI" panose="020B0502040204020203" pitchFamily="34" charset="0"/>
+            </a:endParaRPr>
+          </a:p>
+          <a:p>
+            <a:pPr algn="l"/>
+            <a:endParaRPr lang="pt-BR" sz="4000" b="1" dirty="0">
+              <a:solidFill>
+                <a:schemeClr val="bg1"/>
+              </a:solidFill>
+              <a:latin typeface="Segoe UI" panose="020B0502040204020203" pitchFamily="34" charset="0"/>
+            </a:endParaRPr>
+          </a:p>
+          <a:p>
+            <a:pPr algn="l"/>
+            <a:r>
+              <a:rPr lang="pt-BR" sz="2000" b="1" i="0" dirty="0">
+                <a:solidFill>
+                  <a:schemeClr val="bg1"/>
+                </a:solidFill>
+                <a:effectLst/>
+                <a:latin typeface="Segoe UI" panose="020B0502040204020203" pitchFamily="34" charset="0"/>
+              </a:rPr>
+              <a:t>Utilizar a infraestrutura da Azure, incluindo segurança, conformidade e disponibilidade para ajudar a nós usuários a criar aplicativos corporativos</a:t>
+            </a:r>
+          </a:p>
+          <a:p>
+            <a:pPr algn="l"/>
+            <a:endParaRPr lang="pt-BR" sz="4000" b="1" dirty="0">
+              <a:solidFill>
+                <a:schemeClr val="bg1"/>
+              </a:solidFill>
+              <a:latin typeface="Segoe UI" panose="020B0502040204020203" pitchFamily="34" charset="0"/>
+            </a:endParaRPr>
+          </a:p>
+          <a:p>
+            <a:pPr algn="l"/>
+            <a:endParaRPr lang="pt-BR" sz="4000" b="1" i="0" dirty="0">
+              <a:solidFill>
+                <a:schemeClr val="bg1"/>
+              </a:solidFill>
+              <a:effectLst/>
+              <a:latin typeface="Segoe UI" panose="020B0502040204020203" pitchFamily="34" charset="0"/>
+            </a:endParaRPr>
+          </a:p>
+        </p:txBody>
+      </p:sp>
+    </p:spTree>
+    <p:extLst>
+      <p:ext uri="{BB962C8B-B14F-4D97-AF65-F5344CB8AC3E}">
+        <p14:creationId xmlns:p14="http://schemas.microsoft.com/office/powerpoint/2010/main" val="3785644842"/>
+      </p:ext>
+    </p:extLst>
+  </p:cSld>
+  <p:clrMapOvr>
+    <a:masterClrMapping/>
+  </p:clrMapOvr>
+  <mc:AlternateContent xmlns:mc="http://schemas.openxmlformats.org/markup-compatibility/2006">
+    <mc:Choice xmlns:p14="http://schemas.microsoft.com/office/powerpoint/2010/main" Requires="p14">
+      <p:transition spd="med" p14:dur="700">
+        <p:fade/>
+      </p:transition>
+    </mc:Choice>
+    <mc:Fallback>
+      <p:transition spd="med">
+        <p:fade/>
+      </p:transition>
+    </mc:Fallback>
+  </mc:AlternateContent>
+</p:sld>
+</file>
+
+<file path=ppt/slides/slide6.xml><?xml version="1.0" encoding="utf-8"?>
+<p:sld xmlns:a="http://schemas.openxmlformats.org/drawingml/2006/main" xmlns:r="http://schemas.openxmlformats.org/officeDocument/2006/relationships" xmlns:p="http://schemas.openxmlformats.org/presentationml/2006/main">
+  <p:cSld>
+    <p:spTree>
+      <p:nvGrpSpPr>
+        <p:cNvPr id="1" name=""/>
+        <p:cNvGrpSpPr/>
+        <p:nvPr/>
+      </p:nvGrpSpPr>
+      <p:grpSpPr>
+        <a:xfrm>
+          <a:off x="0" y="0"/>
+          <a:ext cx="0" cy="0"/>
+          <a:chOff x="0" y="0"/>
+          <a:chExt cx="0" cy="0"/>
+        </a:xfrm>
+      </p:grpSpPr>
+      <p:sp>
+        <p:nvSpPr>
+          <p:cNvPr id="8" name="Espaço Reservado para Texto 2">
+            <a:extLst>
+              <a:ext uri="{FF2B5EF4-FFF2-40B4-BE49-F238E27FC236}">
+                <a16:creationId xmlns:a16="http://schemas.microsoft.com/office/drawing/2014/main" id="{B0A2DA19-2FA7-0E77-4EB4-1C324C7738EA}"/>
+              </a:ext>
+            </a:extLst>
+          </p:cNvPr>
+          <p:cNvSpPr txBox="1">
+            <a:spLocks/>
+          </p:cNvSpPr>
+          <p:nvPr/>
+        </p:nvSpPr>
+        <p:spPr>
+          <a:xfrm>
+            <a:off x="451338" y="803485"/>
+            <a:ext cx="11837644" cy="800219"/>
+          </a:xfrm>
+          <a:prstGeom prst="rect">
+            <a:avLst/>
+          </a:prstGeom>
+        </p:spPr>
+        <p:txBody>
+          <a:bodyPr vert="horz" wrap="square" lIns="0" tIns="91440" rIns="146304" bIns="91440" rtlCol="0">
+            <a:spAutoFit/>
+          </a:bodyPr>
+          <a:lstStyle>
+            <a:lvl1pPr marL="0" marR="0" indent="0" algn="l" defTabSz="932742" rtl="0" eaLnBrk="1" fontAlgn="auto" latinLnBrk="0" hangingPunct="1">
+              <a:lnSpc>
+                <a:spcPct val="100000"/>
+              </a:lnSpc>
+              <a:spcBef>
+                <a:spcPts val="0"/>
+              </a:spcBef>
+              <a:spcAft>
+                <a:spcPts val="0"/>
+              </a:spcAft>
+              <a:buClrTx/>
+              <a:buSzPct val="90000"/>
+              <a:buFont typeface="Wingdings" panose="05000000000000000000" pitchFamily="2" charset="2"/>
+              <a:buNone/>
+              <a:tabLst/>
+              <a:defRPr sz="1800" kern="1200" spc="-50" baseline="0">
+                <a:solidFill>
+                  <a:schemeClr val="bg2"/>
+                </a:solidFill>
+                <a:latin typeface="+mj-lt"/>
+                <a:ea typeface="+mn-ea"/>
+                <a:cs typeface="+mn-cs"/>
+              </a:defRPr>
+            </a:lvl1pPr>
+            <a:lvl2pPr marL="0" marR="0" indent="0" algn="l" defTabSz="932742" rtl="0" eaLnBrk="1" fontAlgn="auto" latinLnBrk="0" hangingPunct="1">
+              <a:lnSpc>
+                <a:spcPct val="100000"/>
+              </a:lnSpc>
+              <a:spcBef>
+                <a:spcPts val="0"/>
+              </a:spcBef>
+              <a:spcAft>
+                <a:spcPts val="0"/>
+              </a:spcAft>
+              <a:buClrTx/>
+              <a:buSzPct val="90000"/>
+              <a:buFontTx/>
+              <a:buNone/>
+              <a:tabLst/>
+              <a:defRPr sz="1800" kern="1200" spc="0" baseline="0">
+                <a:solidFill>
+                  <a:srgbClr val="000000"/>
+                </a:solidFill>
+                <a:latin typeface="+mn-lt"/>
+                <a:ea typeface="+mn-ea"/>
+                <a:cs typeface="+mn-cs"/>
+              </a:defRPr>
+            </a:lvl2pPr>
+            <a:lvl3pPr marL="0" marR="0" indent="0" algn="l" defTabSz="932742" rtl="0" eaLnBrk="1" fontAlgn="auto" latinLnBrk="0" hangingPunct="1">
+              <a:lnSpc>
+                <a:spcPct val="100000"/>
+              </a:lnSpc>
+              <a:spcBef>
+                <a:spcPts val="0"/>
+              </a:spcBef>
+              <a:spcAft>
+                <a:spcPts val="0"/>
+              </a:spcAft>
+              <a:buClrTx/>
+              <a:buSzPct val="90000"/>
+              <a:buFont typeface="Wingdings" panose="05000000000000000000" pitchFamily="2" charset="2"/>
+              <a:buNone/>
+              <a:tabLst/>
+              <a:defRPr sz="1400" kern="1200" spc="0" baseline="0">
+                <a:solidFill>
+                  <a:schemeClr val="tx2"/>
+                </a:solidFill>
+                <a:latin typeface="+mj-lt"/>
+                <a:ea typeface="+mn-ea"/>
+                <a:cs typeface="+mn-cs"/>
+              </a:defRPr>
+            </a:lvl3pPr>
+            <a:lvl4pPr marL="0" marR="0" indent="0" algn="l" defTabSz="932742" rtl="0" eaLnBrk="1" fontAlgn="auto" latinLnBrk="0" hangingPunct="1">
+              <a:lnSpc>
+                <a:spcPct val="100000"/>
+              </a:lnSpc>
+              <a:spcBef>
+                <a:spcPts val="0"/>
+              </a:spcBef>
+              <a:spcAft>
+                <a:spcPts val="0"/>
+              </a:spcAft>
+              <a:buClrTx/>
+              <a:buSzPct val="90000"/>
+              <a:buFont typeface="Wingdings" panose="05000000000000000000" pitchFamily="2" charset="2"/>
+              <a:buNone/>
+              <a:tabLst/>
+              <a:defRPr sz="1400" kern="1200" spc="0" baseline="0">
+                <a:solidFill>
+                  <a:srgbClr val="000000"/>
+                </a:solidFill>
+                <a:latin typeface="+mn-lt"/>
+                <a:ea typeface="+mn-ea"/>
+                <a:cs typeface="+mn-cs"/>
+              </a:defRPr>
+            </a:lvl4pPr>
+            <a:lvl5pPr marL="0" marR="0" indent="0" algn="l" defTabSz="932742" rtl="0" eaLnBrk="1" fontAlgn="auto" latinLnBrk="0" hangingPunct="1">
+              <a:lnSpc>
+                <a:spcPct val="100000"/>
+              </a:lnSpc>
+              <a:spcBef>
+                <a:spcPts val="0"/>
+              </a:spcBef>
+              <a:spcAft>
+                <a:spcPts val="0"/>
+              </a:spcAft>
+              <a:buClrTx/>
+              <a:buSzPct val="90000"/>
+              <a:buFont typeface="Wingdings" panose="05000000000000000000" pitchFamily="2" charset="2"/>
+              <a:buNone/>
+              <a:tabLst/>
+              <a:defRPr sz="1050" b="1" kern="1200" spc="0" baseline="0">
+                <a:solidFill>
+                  <a:srgbClr val="000000"/>
+                </a:solidFill>
+                <a:latin typeface="+mn-lt"/>
+                <a:ea typeface="+mn-ea"/>
+                <a:cs typeface="+mn-cs"/>
+              </a:defRPr>
+            </a:lvl5pPr>
+            <a:lvl6pPr marL="2331854" indent="0" algn="l" defTabSz="932742" rtl="0" eaLnBrk="1" latinLnBrk="0" hangingPunct="1">
+              <a:spcBef>
+                <a:spcPct val="20000"/>
+              </a:spcBef>
+              <a:buFont typeface="Arial" pitchFamily="34" charset="0"/>
+              <a:buNone/>
+              <a:defRPr sz="2000" kern="1200">
+                <a:solidFill>
+                  <a:schemeClr val="tx1"/>
+                </a:solidFill>
+                <a:latin typeface="+mn-lt"/>
+                <a:ea typeface="+mn-ea"/>
+                <a:cs typeface="+mn-cs"/>
+              </a:defRPr>
+            </a:lvl6pPr>
+            <a:lvl7pPr marL="0" indent="0" algn="l" defTabSz="932742" rtl="0" eaLnBrk="1" latinLnBrk="0" hangingPunct="1">
+              <a:lnSpc>
+                <a:spcPct val="100000"/>
+              </a:lnSpc>
+              <a:spcBef>
+                <a:spcPts val="0"/>
+              </a:spcBef>
+              <a:spcAft>
+                <a:spcPts val="0"/>
+              </a:spcAft>
+              <a:buFont typeface="Arial" pitchFamily="34" charset="0"/>
+              <a:buNone/>
+              <a:defRPr sz="1000" kern="1200">
+                <a:solidFill>
+                  <a:srgbClr val="000000"/>
+                </a:solidFill>
+                <a:latin typeface="+mn-lt"/>
+                <a:ea typeface="+mn-ea"/>
+                <a:cs typeface="+mn-cs"/>
+              </a:defRPr>
+            </a:lvl7pPr>
+            <a:lvl8pPr marL="3497783" indent="-233186" algn="l" defTabSz="932742" rtl="0" eaLnBrk="1" latinLnBrk="0" hangingPunct="1">
+              <a:spcBef>
+                <a:spcPct val="20000"/>
+              </a:spcBef>
+              <a:buFont typeface="Arial" pitchFamily="34" charset="0"/>
+              <a:buChar char="•"/>
+              <a:defRPr sz="2000" kern="1200">
+                <a:solidFill>
+                  <a:schemeClr val="tx1"/>
+                </a:solidFill>
+                <a:latin typeface="+mn-lt"/>
+                <a:ea typeface="+mn-ea"/>
+                <a:cs typeface="+mn-cs"/>
+              </a:defRPr>
+            </a:lvl8pPr>
+            <a:lvl9pPr marL="3964155" indent="-233186" algn="l" defTabSz="932742" rtl="0" eaLnBrk="1" latinLnBrk="0" hangingPunct="1">
+              <a:spcBef>
+                <a:spcPct val="20000"/>
+              </a:spcBef>
+              <a:buFont typeface="Arial" pitchFamily="34" charset="0"/>
+              <a:buChar char="•"/>
+              <a:defRPr sz="2000" kern="1200">
+                <a:solidFill>
+                  <a:schemeClr val="tx1"/>
+                </a:solidFill>
+                <a:latin typeface="+mn-lt"/>
+                <a:ea typeface="+mn-ea"/>
+                <a:cs typeface="+mn-cs"/>
+              </a:defRPr>
+            </a:lvl9pPr>
+          </a:lstStyle>
+          <a:p>
+            <a:pPr algn="l"/>
+            <a:r>
+              <a:rPr lang="pt-BR" sz="4000" b="1" i="0" dirty="0">
+                <a:solidFill>
+                  <a:schemeClr val="bg1"/>
+                </a:solidFill>
+                <a:effectLst/>
+                <a:latin typeface="Segoe UI" panose="020B0502040204020203" pitchFamily="34" charset="0"/>
+              </a:rPr>
+              <a:t>Recursos dos modelos de IA do OpenAI</a:t>
+            </a:r>
+          </a:p>
+        </p:txBody>
+      </p:sp>
+      <p:pic>
+        <p:nvPicPr>
+          <p:cNvPr id="3" name="Imagem 2">
+            <a:extLst>
+              <a:ext uri="{FF2B5EF4-FFF2-40B4-BE49-F238E27FC236}">
+                <a16:creationId xmlns:a16="http://schemas.microsoft.com/office/drawing/2014/main" id="{E7367B9C-4347-7528-4022-84D07B696009}"/>
+              </a:ext>
+            </a:extLst>
+          </p:cNvPr>
+          <p:cNvPicPr>
+            <a:picLocks noChangeAspect="1"/>
+          </p:cNvPicPr>
+          <p:nvPr/>
+        </p:nvPicPr>
+        <p:blipFill>
+          <a:blip r:embed="rId3"/>
+          <a:stretch>
+            <a:fillRect/>
+          </a:stretch>
+        </p:blipFill>
+        <p:spPr>
+          <a:xfrm>
+            <a:off x="451339" y="1991763"/>
+            <a:ext cx="10557676" cy="1189380"/>
+          </a:xfrm>
+          <a:prstGeom prst="rect">
+            <a:avLst/>
+          </a:prstGeom>
+        </p:spPr>
+      </p:pic>
+      <p:pic>
+        <p:nvPicPr>
+          <p:cNvPr id="5" name="Imagem 4">
+            <a:extLst>
+              <a:ext uri="{FF2B5EF4-FFF2-40B4-BE49-F238E27FC236}">
+                <a16:creationId xmlns:a16="http://schemas.microsoft.com/office/drawing/2014/main" id="{9530D790-5320-0915-25D8-E457ACCEFA0F}"/>
+              </a:ext>
+            </a:extLst>
+          </p:cNvPr>
+          <p:cNvPicPr>
+            <a:picLocks noChangeAspect="1"/>
+          </p:cNvPicPr>
+          <p:nvPr/>
+        </p:nvPicPr>
+        <p:blipFill>
+          <a:blip r:embed="rId4"/>
+          <a:stretch>
+            <a:fillRect/>
+          </a:stretch>
+        </p:blipFill>
+        <p:spPr>
+          <a:xfrm>
+            <a:off x="451339" y="3181143"/>
+            <a:ext cx="10557676" cy="686171"/>
+          </a:xfrm>
+          <a:prstGeom prst="rect">
+            <a:avLst/>
+          </a:prstGeom>
+        </p:spPr>
+      </p:pic>
+    </p:spTree>
+    <p:extLst>
+      <p:ext uri="{BB962C8B-B14F-4D97-AF65-F5344CB8AC3E}">
+        <p14:creationId xmlns:p14="http://schemas.microsoft.com/office/powerpoint/2010/main" val="1951406173"/>
+      </p:ext>
+    </p:extLst>
+  </p:cSld>
+  <p:clrMapOvr>
+    <a:masterClrMapping/>
+  </p:clrMapOvr>
+  <mc:AlternateContent xmlns:mc="http://schemas.openxmlformats.org/markup-compatibility/2006">
+    <mc:Choice xmlns:p14="http://schemas.microsoft.com/office/powerpoint/2010/main" Requires="p14">
+      <p:transition spd="med" p14:dur="700">
+        <p:fade/>
+      </p:transition>
+    </mc:Choice>
+    <mc:Fallback>
+      <p:transition spd="med">
+        <p:fade/>
+      </p:transition>
+    </mc:Fallback>
+  </mc:AlternateContent>
+</p:sld>
+</file>
+
+<file path=ppt/slides/slide7.xml><?xml version="1.0" encoding="utf-8"?>
+<p:sld xmlns:a="http://schemas.openxmlformats.org/drawingml/2006/main" xmlns:r="http://schemas.openxmlformats.org/officeDocument/2006/relationships" xmlns:p="http://schemas.openxmlformats.org/presentationml/2006/main">
+  <p:cSld>
+    <p:spTree>
+      <p:nvGrpSpPr>
+        <p:cNvPr id="1" name=""/>
+        <p:cNvGrpSpPr/>
+        <p:nvPr/>
+      </p:nvGrpSpPr>
+      <p:grpSpPr>
+        <a:xfrm>
+          <a:off x="0" y="0"/>
+          <a:ext cx="0" cy="0"/>
+          <a:chOff x="0" y="0"/>
+          <a:chExt cx="0" cy="0"/>
+        </a:xfrm>
+      </p:grpSpPr>
+      <p:sp>
+        <p:nvSpPr>
+          <p:cNvPr id="8" name="Espaço Reservado para Texto 2">
+            <a:extLst>
+              <a:ext uri="{FF2B5EF4-FFF2-40B4-BE49-F238E27FC236}">
+                <a16:creationId xmlns:a16="http://schemas.microsoft.com/office/drawing/2014/main" id="{B0A2DA19-2FA7-0E77-4EB4-1C324C7738EA}"/>
+              </a:ext>
+            </a:extLst>
+          </p:cNvPr>
+          <p:cNvSpPr txBox="1">
+            <a:spLocks/>
+          </p:cNvSpPr>
+          <p:nvPr/>
+        </p:nvSpPr>
+        <p:spPr>
+          <a:xfrm>
+            <a:off x="451338" y="803485"/>
+            <a:ext cx="11837644" cy="800219"/>
+          </a:xfrm>
+          <a:prstGeom prst="rect">
+            <a:avLst/>
+          </a:prstGeom>
+        </p:spPr>
+        <p:txBody>
+          <a:bodyPr vert="horz" wrap="square" lIns="0" tIns="91440" rIns="146304" bIns="91440" rtlCol="0">
+            <a:spAutoFit/>
+          </a:bodyPr>
+          <a:lstStyle>
+            <a:lvl1pPr marL="0" marR="0" indent="0" algn="l" defTabSz="932742" rtl="0" eaLnBrk="1" fontAlgn="auto" latinLnBrk="0" hangingPunct="1">
+              <a:lnSpc>
+                <a:spcPct val="100000"/>
+              </a:lnSpc>
+              <a:spcBef>
+                <a:spcPts val="0"/>
+              </a:spcBef>
+              <a:spcAft>
+                <a:spcPts val="0"/>
+              </a:spcAft>
+              <a:buClrTx/>
+              <a:buSzPct val="90000"/>
+              <a:buFont typeface="Wingdings" panose="05000000000000000000" pitchFamily="2" charset="2"/>
+              <a:buNone/>
+              <a:tabLst/>
+              <a:defRPr sz="1800" kern="1200" spc="-50" baseline="0">
+                <a:solidFill>
+                  <a:schemeClr val="bg2"/>
+                </a:solidFill>
+                <a:latin typeface="+mj-lt"/>
+                <a:ea typeface="+mn-ea"/>
+                <a:cs typeface="+mn-cs"/>
+              </a:defRPr>
+            </a:lvl1pPr>
+            <a:lvl2pPr marL="0" marR="0" indent="0" algn="l" defTabSz="932742" rtl="0" eaLnBrk="1" fontAlgn="auto" latinLnBrk="0" hangingPunct="1">
+              <a:lnSpc>
+                <a:spcPct val="100000"/>
+              </a:lnSpc>
+              <a:spcBef>
+                <a:spcPts val="0"/>
+              </a:spcBef>
+              <a:spcAft>
+                <a:spcPts val="0"/>
+              </a:spcAft>
+              <a:buClrTx/>
+              <a:buSzPct val="90000"/>
+              <a:buFontTx/>
+              <a:buNone/>
+              <a:tabLst/>
+              <a:defRPr sz="1800" kern="1200" spc="0" baseline="0">
+                <a:solidFill>
+                  <a:srgbClr val="000000"/>
+                </a:solidFill>
+                <a:latin typeface="+mn-lt"/>
+                <a:ea typeface="+mn-ea"/>
+                <a:cs typeface="+mn-cs"/>
+              </a:defRPr>
+            </a:lvl2pPr>
+            <a:lvl3pPr marL="0" marR="0" indent="0" algn="l" defTabSz="932742" rtl="0" eaLnBrk="1" fontAlgn="auto" latinLnBrk="0" hangingPunct="1">
+              <a:lnSpc>
+                <a:spcPct val="100000"/>
+              </a:lnSpc>
+              <a:spcBef>
+                <a:spcPts val="0"/>
+              </a:spcBef>
+              <a:spcAft>
+                <a:spcPts val="0"/>
+              </a:spcAft>
+              <a:buClrTx/>
+              <a:buSzPct val="90000"/>
+              <a:buFont typeface="Wingdings" panose="05000000000000000000" pitchFamily="2" charset="2"/>
+              <a:buNone/>
+              <a:tabLst/>
+              <a:defRPr sz="1400" kern="1200" spc="0" baseline="0">
+                <a:solidFill>
+                  <a:schemeClr val="tx2"/>
+                </a:solidFill>
+                <a:latin typeface="+mj-lt"/>
+                <a:ea typeface="+mn-ea"/>
+                <a:cs typeface="+mn-cs"/>
+              </a:defRPr>
+            </a:lvl3pPr>
+            <a:lvl4pPr marL="0" marR="0" indent="0" algn="l" defTabSz="932742" rtl="0" eaLnBrk="1" fontAlgn="auto" latinLnBrk="0" hangingPunct="1">
+              <a:lnSpc>
+                <a:spcPct val="100000"/>
+              </a:lnSpc>
+              <a:spcBef>
+                <a:spcPts val="0"/>
+              </a:spcBef>
+              <a:spcAft>
+                <a:spcPts val="0"/>
+              </a:spcAft>
+              <a:buClrTx/>
+              <a:buSzPct val="90000"/>
+              <a:buFont typeface="Wingdings" panose="05000000000000000000" pitchFamily="2" charset="2"/>
+              <a:buNone/>
+              <a:tabLst/>
+              <a:defRPr sz="1400" kern="1200" spc="0" baseline="0">
+                <a:solidFill>
+                  <a:srgbClr val="000000"/>
+                </a:solidFill>
+                <a:latin typeface="+mn-lt"/>
+                <a:ea typeface="+mn-ea"/>
+                <a:cs typeface="+mn-cs"/>
+              </a:defRPr>
+            </a:lvl4pPr>
+            <a:lvl5pPr marL="0" marR="0" indent="0" algn="l" defTabSz="932742" rtl="0" eaLnBrk="1" fontAlgn="auto" latinLnBrk="0" hangingPunct="1">
+              <a:lnSpc>
+                <a:spcPct val="100000"/>
+              </a:lnSpc>
+              <a:spcBef>
+                <a:spcPts val="0"/>
+              </a:spcBef>
+              <a:spcAft>
+                <a:spcPts val="0"/>
+              </a:spcAft>
+              <a:buClrTx/>
+              <a:buSzPct val="90000"/>
+              <a:buFont typeface="Wingdings" panose="05000000000000000000" pitchFamily="2" charset="2"/>
+              <a:buNone/>
+              <a:tabLst/>
+              <a:defRPr sz="1050" b="1" kern="1200" spc="0" baseline="0">
+                <a:solidFill>
+                  <a:srgbClr val="000000"/>
+                </a:solidFill>
+                <a:latin typeface="+mn-lt"/>
+                <a:ea typeface="+mn-ea"/>
+                <a:cs typeface="+mn-cs"/>
+              </a:defRPr>
+            </a:lvl5pPr>
+            <a:lvl6pPr marL="2331854" indent="0" algn="l" defTabSz="932742" rtl="0" eaLnBrk="1" latinLnBrk="0" hangingPunct="1">
+              <a:spcBef>
+                <a:spcPct val="20000"/>
+              </a:spcBef>
+              <a:buFont typeface="Arial" pitchFamily="34" charset="0"/>
+              <a:buNone/>
+              <a:defRPr sz="2000" kern="1200">
+                <a:solidFill>
+                  <a:schemeClr val="tx1"/>
+                </a:solidFill>
+                <a:latin typeface="+mn-lt"/>
+                <a:ea typeface="+mn-ea"/>
+                <a:cs typeface="+mn-cs"/>
+              </a:defRPr>
+            </a:lvl6pPr>
+            <a:lvl7pPr marL="0" indent="0" algn="l" defTabSz="932742" rtl="0" eaLnBrk="1" latinLnBrk="0" hangingPunct="1">
+              <a:lnSpc>
+                <a:spcPct val="100000"/>
+              </a:lnSpc>
+              <a:spcBef>
+                <a:spcPts val="0"/>
+              </a:spcBef>
+              <a:spcAft>
+                <a:spcPts val="0"/>
+              </a:spcAft>
+              <a:buFont typeface="Arial" pitchFamily="34" charset="0"/>
+              <a:buNone/>
+              <a:defRPr sz="1000" kern="1200">
+                <a:solidFill>
+                  <a:srgbClr val="000000"/>
+                </a:solidFill>
+                <a:latin typeface="+mn-lt"/>
+                <a:ea typeface="+mn-ea"/>
+                <a:cs typeface="+mn-cs"/>
+              </a:defRPr>
+            </a:lvl7pPr>
+            <a:lvl8pPr marL="3497783" indent="-233186" algn="l" defTabSz="932742" rtl="0" eaLnBrk="1" latinLnBrk="0" hangingPunct="1">
+              <a:spcBef>
+                <a:spcPct val="20000"/>
+              </a:spcBef>
+              <a:buFont typeface="Arial" pitchFamily="34" charset="0"/>
+              <a:buChar char="•"/>
+              <a:defRPr sz="2000" kern="1200">
+                <a:solidFill>
+                  <a:schemeClr val="tx1"/>
+                </a:solidFill>
+                <a:latin typeface="+mn-lt"/>
+                <a:ea typeface="+mn-ea"/>
+                <a:cs typeface="+mn-cs"/>
+              </a:defRPr>
+            </a:lvl8pPr>
+            <a:lvl9pPr marL="3964155" indent="-233186" algn="l" defTabSz="932742" rtl="0" eaLnBrk="1" latinLnBrk="0" hangingPunct="1">
+              <a:spcBef>
+                <a:spcPct val="20000"/>
+              </a:spcBef>
+              <a:buFont typeface="Arial" pitchFamily="34" charset="0"/>
+              <a:buChar char="•"/>
+              <a:defRPr sz="2000" kern="1200">
+                <a:solidFill>
+                  <a:schemeClr val="tx1"/>
+                </a:solidFill>
+                <a:latin typeface="+mn-lt"/>
+                <a:ea typeface="+mn-ea"/>
+                <a:cs typeface="+mn-cs"/>
+              </a:defRPr>
+            </a:lvl9pPr>
+          </a:lstStyle>
+          <a:p>
+            <a:pPr algn="l"/>
+            <a:r>
+              <a:rPr lang="pt-BR" sz="4000" b="1" dirty="0">
+                <a:solidFill>
+                  <a:schemeClr val="bg1"/>
+                </a:solidFill>
+                <a:latin typeface="Segoe UI" panose="020B0502040204020203" pitchFamily="34" charset="0"/>
+              </a:rPr>
+              <a:t>Suporte</a:t>
+            </a:r>
+          </a:p>
+        </p:txBody>
+      </p:sp>
+      <p:pic>
+        <p:nvPicPr>
+          <p:cNvPr id="11" name="Imagem 10">
+            <a:extLst>
+              <a:ext uri="{FF2B5EF4-FFF2-40B4-BE49-F238E27FC236}">
+                <a16:creationId xmlns:a16="http://schemas.microsoft.com/office/drawing/2014/main" id="{63C3E56E-C858-929A-B3F8-29644D256FE2}"/>
+              </a:ext>
+            </a:extLst>
+          </p:cNvPr>
+          <p:cNvPicPr>
+            <a:picLocks noChangeAspect="1"/>
+          </p:cNvPicPr>
+          <p:nvPr/>
+        </p:nvPicPr>
+        <p:blipFill>
+          <a:blip r:embed="rId3"/>
+          <a:stretch>
+            <a:fillRect/>
+          </a:stretch>
+        </p:blipFill>
+        <p:spPr>
+          <a:xfrm>
+            <a:off x="451338" y="1871698"/>
+            <a:ext cx="4210638" cy="1295581"/>
+          </a:xfrm>
+          <a:prstGeom prst="rect">
+            <a:avLst/>
+          </a:prstGeom>
+        </p:spPr>
+      </p:pic>
+    </p:spTree>
+    <p:extLst>
+      <p:ext uri="{BB962C8B-B14F-4D97-AF65-F5344CB8AC3E}">
+        <p14:creationId xmlns:p14="http://schemas.microsoft.com/office/powerpoint/2010/main" val="1554237641"/>
+      </p:ext>
+    </p:extLst>
+  </p:cSld>
+  <p:clrMapOvr>
+    <a:masterClrMapping/>
+  </p:clrMapOvr>
+  <mc:AlternateContent xmlns:mc="http://schemas.openxmlformats.org/markup-compatibility/2006">
+    <mc:Choice xmlns:p14="http://schemas.microsoft.com/office/powerpoint/2010/main" Requires="p14">
+      <p:transition spd="med" p14:dur="700">
+        <p:fade/>
+      </p:transition>
+    </mc:Choice>
+    <mc:Fallback>
+      <p:transition spd="med">
+        <p:fade/>
+      </p:transition>
+    </mc:Fallback>
+  </mc:AlternateContent>
+</p:sld>
+</file>
+
+<file path=ppt/slides/slide8.xml><?xml version="1.0" encoding="utf-8"?>
+<p:sld xmlns:a="http://schemas.openxmlformats.org/drawingml/2006/main" xmlns:r="http://schemas.openxmlformats.org/officeDocument/2006/relationships" xmlns:p="http://schemas.openxmlformats.org/presentationml/2006/main">
+  <p:cSld>
+    <p:spTree>
+      <p:nvGrpSpPr>
+        <p:cNvPr id="1" name=""/>
+        <p:cNvGrpSpPr/>
+        <p:nvPr/>
+      </p:nvGrpSpPr>
+      <p:grpSpPr>
+        <a:xfrm>
+          <a:off x="0" y="0"/>
+          <a:ext cx="0" cy="0"/>
+          <a:chOff x="0" y="0"/>
+          <a:chExt cx="0" cy="0"/>
+        </a:xfrm>
+      </p:grpSpPr>
+      <p:sp>
+        <p:nvSpPr>
+          <p:cNvPr id="8" name="Espaço Reservado para Texto 2">
+            <a:extLst>
+              <a:ext uri="{FF2B5EF4-FFF2-40B4-BE49-F238E27FC236}">
+                <a16:creationId xmlns:a16="http://schemas.microsoft.com/office/drawing/2014/main" id="{B0A2DA19-2FA7-0E77-4EB4-1C324C7738EA}"/>
+              </a:ext>
+            </a:extLst>
+          </p:cNvPr>
+          <p:cNvSpPr txBox="1">
+            <a:spLocks/>
+          </p:cNvSpPr>
+          <p:nvPr/>
+        </p:nvSpPr>
+        <p:spPr>
+          <a:xfrm>
+            <a:off x="451338" y="803485"/>
+            <a:ext cx="11837644" cy="800219"/>
+          </a:xfrm>
+          <a:prstGeom prst="rect">
+            <a:avLst/>
+          </a:prstGeom>
+        </p:spPr>
+        <p:txBody>
+          <a:bodyPr vert="horz" wrap="square" lIns="0" tIns="91440" rIns="146304" bIns="91440" rtlCol="0">
+            <a:spAutoFit/>
+          </a:bodyPr>
+          <a:lstStyle>
+            <a:lvl1pPr marL="0" marR="0" indent="0" algn="l" defTabSz="932742" rtl="0" eaLnBrk="1" fontAlgn="auto" latinLnBrk="0" hangingPunct="1">
+              <a:lnSpc>
+                <a:spcPct val="100000"/>
+              </a:lnSpc>
+              <a:spcBef>
+                <a:spcPts val="0"/>
+              </a:spcBef>
+              <a:spcAft>
+                <a:spcPts val="0"/>
+              </a:spcAft>
+              <a:buClrTx/>
+              <a:buSzPct val="90000"/>
+              <a:buFont typeface="Wingdings" panose="05000000000000000000" pitchFamily="2" charset="2"/>
+              <a:buNone/>
+              <a:tabLst/>
+              <a:defRPr sz="1800" kern="1200" spc="-50" baseline="0">
+                <a:solidFill>
+                  <a:schemeClr val="bg2"/>
+                </a:solidFill>
+                <a:latin typeface="+mj-lt"/>
+                <a:ea typeface="+mn-ea"/>
+                <a:cs typeface="+mn-cs"/>
+              </a:defRPr>
+            </a:lvl1pPr>
+            <a:lvl2pPr marL="0" marR="0" indent="0" algn="l" defTabSz="932742" rtl="0" eaLnBrk="1" fontAlgn="auto" latinLnBrk="0" hangingPunct="1">
+              <a:lnSpc>
+                <a:spcPct val="100000"/>
+              </a:lnSpc>
+              <a:spcBef>
+                <a:spcPts val="0"/>
+              </a:spcBef>
+              <a:spcAft>
+                <a:spcPts val="0"/>
+              </a:spcAft>
+              <a:buClrTx/>
+              <a:buSzPct val="90000"/>
+              <a:buFontTx/>
+              <a:buNone/>
+              <a:tabLst/>
+              <a:defRPr sz="1800" kern="1200" spc="0" baseline="0">
+                <a:solidFill>
+                  <a:srgbClr val="000000"/>
+                </a:solidFill>
+                <a:latin typeface="+mn-lt"/>
+                <a:ea typeface="+mn-ea"/>
+                <a:cs typeface="+mn-cs"/>
+              </a:defRPr>
+            </a:lvl2pPr>
+            <a:lvl3pPr marL="0" marR="0" indent="0" algn="l" defTabSz="932742" rtl="0" eaLnBrk="1" fontAlgn="auto" latinLnBrk="0" hangingPunct="1">
+              <a:lnSpc>
+                <a:spcPct val="100000"/>
+              </a:lnSpc>
+              <a:spcBef>
+                <a:spcPts val="0"/>
+              </a:spcBef>
+              <a:spcAft>
+                <a:spcPts val="0"/>
+              </a:spcAft>
+              <a:buClrTx/>
+              <a:buSzPct val="90000"/>
+              <a:buFont typeface="Wingdings" panose="05000000000000000000" pitchFamily="2" charset="2"/>
+              <a:buNone/>
+              <a:tabLst/>
+              <a:defRPr sz="1400" kern="1200" spc="0" baseline="0">
+                <a:solidFill>
+                  <a:schemeClr val="tx2"/>
+                </a:solidFill>
+                <a:latin typeface="+mj-lt"/>
+                <a:ea typeface="+mn-ea"/>
+                <a:cs typeface="+mn-cs"/>
+              </a:defRPr>
+            </a:lvl3pPr>
+            <a:lvl4pPr marL="0" marR="0" indent="0" algn="l" defTabSz="932742" rtl="0" eaLnBrk="1" fontAlgn="auto" latinLnBrk="0" hangingPunct="1">
+              <a:lnSpc>
+                <a:spcPct val="100000"/>
+              </a:lnSpc>
+              <a:spcBef>
+                <a:spcPts val="0"/>
+              </a:spcBef>
+              <a:spcAft>
+                <a:spcPts val="0"/>
+              </a:spcAft>
+              <a:buClrTx/>
+              <a:buSzPct val="90000"/>
+              <a:buFont typeface="Wingdings" panose="05000000000000000000" pitchFamily="2" charset="2"/>
+              <a:buNone/>
+              <a:tabLst/>
+              <a:defRPr sz="1400" kern="1200" spc="0" baseline="0">
+                <a:solidFill>
+                  <a:srgbClr val="000000"/>
+                </a:solidFill>
+                <a:latin typeface="+mn-lt"/>
+                <a:ea typeface="+mn-ea"/>
+                <a:cs typeface="+mn-cs"/>
+              </a:defRPr>
+            </a:lvl4pPr>
+            <a:lvl5pPr marL="0" marR="0" indent="0" algn="l" defTabSz="932742" rtl="0" eaLnBrk="1" fontAlgn="auto" latinLnBrk="0" hangingPunct="1">
+              <a:lnSpc>
+                <a:spcPct val="100000"/>
+              </a:lnSpc>
+              <a:spcBef>
+                <a:spcPts val="0"/>
+              </a:spcBef>
+              <a:spcAft>
+                <a:spcPts val="0"/>
+              </a:spcAft>
+              <a:buClrTx/>
+              <a:buSzPct val="90000"/>
+              <a:buFont typeface="Wingdings" panose="05000000000000000000" pitchFamily="2" charset="2"/>
+              <a:buNone/>
+              <a:tabLst/>
+              <a:defRPr sz="1050" b="1" kern="1200" spc="0" baseline="0">
+                <a:solidFill>
+                  <a:srgbClr val="000000"/>
+                </a:solidFill>
+                <a:latin typeface="+mn-lt"/>
+                <a:ea typeface="+mn-ea"/>
+                <a:cs typeface="+mn-cs"/>
+              </a:defRPr>
+            </a:lvl5pPr>
+            <a:lvl6pPr marL="2331854" indent="0" algn="l" defTabSz="932742" rtl="0" eaLnBrk="1" latinLnBrk="0" hangingPunct="1">
+              <a:spcBef>
+                <a:spcPct val="20000"/>
+              </a:spcBef>
+              <a:buFont typeface="Arial" pitchFamily="34" charset="0"/>
+              <a:buNone/>
+              <a:defRPr sz="2000" kern="1200">
+                <a:solidFill>
+                  <a:schemeClr val="tx1"/>
+                </a:solidFill>
+                <a:latin typeface="+mn-lt"/>
+                <a:ea typeface="+mn-ea"/>
+                <a:cs typeface="+mn-cs"/>
+              </a:defRPr>
+            </a:lvl6pPr>
+            <a:lvl7pPr marL="0" indent="0" algn="l" defTabSz="932742" rtl="0" eaLnBrk="1" latinLnBrk="0" hangingPunct="1">
+              <a:lnSpc>
+                <a:spcPct val="100000"/>
+              </a:lnSpc>
+              <a:spcBef>
+                <a:spcPts val="0"/>
+              </a:spcBef>
+              <a:spcAft>
+                <a:spcPts val="0"/>
+              </a:spcAft>
+              <a:buFont typeface="Arial" pitchFamily="34" charset="0"/>
+              <a:buNone/>
+              <a:defRPr sz="1000" kern="1200">
+                <a:solidFill>
+                  <a:srgbClr val="000000"/>
+                </a:solidFill>
+                <a:latin typeface="+mn-lt"/>
+                <a:ea typeface="+mn-ea"/>
+                <a:cs typeface="+mn-cs"/>
+              </a:defRPr>
+            </a:lvl7pPr>
+            <a:lvl8pPr marL="3497783" indent="-233186" algn="l" defTabSz="932742" rtl="0" eaLnBrk="1" latinLnBrk="0" hangingPunct="1">
+              <a:spcBef>
+                <a:spcPct val="20000"/>
+              </a:spcBef>
+              <a:buFont typeface="Arial" pitchFamily="34" charset="0"/>
+              <a:buChar char="•"/>
+              <a:defRPr sz="2000" kern="1200">
+                <a:solidFill>
+                  <a:schemeClr val="tx1"/>
+                </a:solidFill>
+                <a:latin typeface="+mn-lt"/>
+                <a:ea typeface="+mn-ea"/>
+                <a:cs typeface="+mn-cs"/>
+              </a:defRPr>
+            </a:lvl8pPr>
+            <a:lvl9pPr marL="3964155" indent="-233186" algn="l" defTabSz="932742" rtl="0" eaLnBrk="1" latinLnBrk="0" hangingPunct="1">
+              <a:spcBef>
+                <a:spcPct val="20000"/>
+              </a:spcBef>
+              <a:buFont typeface="Arial" pitchFamily="34" charset="0"/>
+              <a:buChar char="•"/>
+              <a:defRPr sz="2000" kern="1200">
+                <a:solidFill>
+                  <a:schemeClr val="tx1"/>
+                </a:solidFill>
+                <a:latin typeface="+mn-lt"/>
+                <a:ea typeface="+mn-ea"/>
+                <a:cs typeface="+mn-cs"/>
+              </a:defRPr>
+            </a:lvl9pPr>
+          </a:lstStyle>
+          <a:p>
+            <a:pPr algn="l"/>
+            <a:r>
+              <a:rPr lang="pt-BR" sz="4000" b="1" i="0" dirty="0">
+                <a:solidFill>
+                  <a:schemeClr val="bg1"/>
+                </a:solidFill>
+                <a:effectLst/>
+                <a:latin typeface="Segoe UI" panose="020B0502040204020203" pitchFamily="34" charset="0"/>
+              </a:rPr>
+              <a:t>Questão</a:t>
+            </a:r>
+          </a:p>
+        </p:txBody>
+      </p:sp>
+      <p:pic>
+        <p:nvPicPr>
+          <p:cNvPr id="3" name="Imagem 2">
+            <a:extLst>
+              <a:ext uri="{FF2B5EF4-FFF2-40B4-BE49-F238E27FC236}">
+                <a16:creationId xmlns:a16="http://schemas.microsoft.com/office/drawing/2014/main" id="{7C5FDC98-C31B-F507-C994-BC3112CB4E03}"/>
+              </a:ext>
+            </a:extLst>
+          </p:cNvPr>
+          <p:cNvPicPr>
+            <a:picLocks noChangeAspect="1"/>
+          </p:cNvPicPr>
+          <p:nvPr/>
+        </p:nvPicPr>
+        <p:blipFill>
+          <a:blip r:embed="rId3"/>
+          <a:stretch>
+            <a:fillRect/>
+          </a:stretch>
+        </p:blipFill>
+        <p:spPr>
+          <a:xfrm>
+            <a:off x="532254" y="1819441"/>
+            <a:ext cx="7859222" cy="2124371"/>
+          </a:xfrm>
+          <a:prstGeom prst="rect">
+            <a:avLst/>
+          </a:prstGeom>
+        </p:spPr>
+      </p:pic>
+    </p:spTree>
+    <p:extLst>
+      <p:ext uri="{BB962C8B-B14F-4D97-AF65-F5344CB8AC3E}">
+        <p14:creationId xmlns:p14="http://schemas.microsoft.com/office/powerpoint/2010/main" val="1768141652"/>
+      </p:ext>
+    </p:extLst>
+  </p:cSld>
+  <p:clrMapOvr>
+    <a:masterClrMapping/>
+  </p:clrMapOvr>
+  <mc:AlternateContent xmlns:mc="http://schemas.openxmlformats.org/markup-compatibility/2006">
+    <mc:Choice xmlns:p14="http://schemas.microsoft.com/office/powerpoint/2010/main" Requires="p14">
+      <p:transition spd="med" p14:dur="700">
+        <p:fade/>
+      </p:transition>
+    </mc:Choice>
+    <mc:Fallback>
+      <p:transition spd="med">
+        <p:fade/>
+      </p:transition>
+    </mc:Fallback>
+  </mc:AlternateContent>
+</p:sld>
+</file>
+
+<file path=ppt/slides/slide9.xml><?xml version="1.0" encoding="utf-8"?>
+<p:sld xmlns:a="http://schemas.openxmlformats.org/drawingml/2006/main" xmlns:r="http://schemas.openxmlformats.org/officeDocument/2006/relationships" xmlns:p="http://schemas.openxmlformats.org/presentationml/2006/main">
+  <p:cSld>
+    <p:spTree>
+      <p:nvGrpSpPr>
+        <p:cNvPr id="1" name=""/>
+        <p:cNvGrpSpPr/>
+        <p:nvPr/>
+      </p:nvGrpSpPr>
+      <p:grpSpPr>
+        <a:xfrm>
+          <a:off x="0" y="0"/>
+          <a:ext cx="0" cy="0"/>
+          <a:chOff x="0" y="0"/>
+          <a:chExt cx="0" cy="0"/>
+        </a:xfrm>
+      </p:grpSpPr>
+      <p:sp>
+        <p:nvSpPr>
           <p:cNvPr id="3" name="Espaço Reservado para Texto 2">
             <a:extLst>
               <a:ext uri="{FF2B5EF4-FFF2-40B4-BE49-F238E27FC236}">
@@ -26402,12 +30831,65 @@
         <p:spPr>
           <a:xfrm>
             <a:off x="456531" y="1878823"/>
-            <a:ext cx="11523411" cy="3508653"/>
+            <a:ext cx="11523411" cy="4616648"/>
           </a:xfrm>
         </p:spPr>
         <p:txBody>
           <a:bodyPr/>
           <a:lstStyle/>
+          <a:p>
+            <a:pPr marL="0" marR="0" lvl="0" indent="0" algn="just" defTabSz="914400" rtl="0" eaLnBrk="0" fontAlgn="base" latinLnBrk="0" hangingPunct="0">
+              <a:lnSpc>
+                <a:spcPct val="100000"/>
+              </a:lnSpc>
+              <a:spcBef>
+                <a:spcPct val="0"/>
+              </a:spcBef>
+              <a:spcAft>
+                <a:spcPct val="0"/>
+              </a:spcAft>
+              <a:buClrTx/>
+              <a:buSzTx/>
+              <a:buFontTx/>
+              <a:buNone/>
+              <a:tabLst/>
+            </a:pPr>
+            <a:r>
+              <a:rPr kumimoji="0" lang="pt-PT" altLang="pt-BR" sz="2400" b="0" i="0" u="none" strike="noStrike" cap="none" normalizeH="0" baseline="0" dirty="0">
+                <a:ln>
+                  <a:noFill/>
+                </a:ln>
+                <a:solidFill>
+                  <a:schemeClr val="bg1"/>
+                </a:solidFill>
+                <a:effectLst/>
+                <a:latin typeface="Arial" panose="020B0604020202020204" pitchFamily="34" charset="0"/>
+                <a:cs typeface="Arial" panose="020B0604020202020204" pitchFamily="34" charset="0"/>
+              </a:rPr>
+              <a:t>Objetivo: </a:t>
+            </a:r>
+          </a:p>
+          <a:p>
+            <a:pPr algn="just" defTabSz="914400" eaLnBrk="0" fontAlgn="base" hangingPunct="0">
+              <a:spcBef>
+                <a:spcPct val="0"/>
+              </a:spcBef>
+              <a:spcAft>
+                <a:spcPct val="0"/>
+              </a:spcAft>
+              <a:buSzTx/>
+            </a:pPr>
+            <a:r>
+              <a:rPr lang="pt-PT" altLang="pt-BR" sz="2400" dirty="0">
+                <a:solidFill>
+                  <a:schemeClr val="bg1"/>
+                </a:solidFill>
+                <a:latin typeface="Arial" panose="020B0604020202020204" pitchFamily="34" charset="0"/>
+                <a:cs typeface="Arial" panose="020B0604020202020204" pitchFamily="34" charset="0"/>
+              </a:rPr>
+              <a:t>Ajudar com pontos que nós humanos deixamos passar nos momentos mais críticos e/ou dado a velocidades de aprovação de PR’s </a:t>
+            </a:r>
+          </a:p>
           <a:p>
             <a:pPr marL="0" marR="0" lvl="0" indent="0" algn="just" defTabSz="914400" rtl="0" eaLnBrk="0" fontAlgn="base" latinLnBrk="0" hangingPunct="0">
               <a:lnSpc>
@@ -26462,31 +30944,7 @@
                 <a:latin typeface="Arial" panose="020B0604020202020204" pitchFamily="34" charset="0"/>
                 <a:cs typeface="Arial" panose="020B0604020202020204" pitchFamily="34" charset="0"/>
               </a:rPr>
-              <a:t>Objetivo: A taks foi projetada para usar em conjunto com o modelo GPT da AzureOpenAI para revisar PR’s fornecendo feedback’s </a:t>
-            </a:r>
-            <a:r>
-              <a:rPr lang="pt-PT" altLang="pt-BR" sz="2400" dirty="0">
-                <a:solidFill>
-                  <a:schemeClr val="bg1"/>
-                </a:solidFill>
-                <a:latin typeface="Arial" panose="020B0604020202020204" pitchFamily="34" charset="0"/>
-                <a:cs typeface="Arial" panose="020B0604020202020204" pitchFamily="34" charset="0"/>
-              </a:rPr>
-              <a:t>de forma de</a:t>
-            </a:r>
-            <a:r>
-              <a:rPr kumimoji="0" lang="pt-PT" altLang="pt-BR" sz="2400" b="0" i="0" u="none" strike="noStrike" cap="none" normalizeH="0" baseline="0" dirty="0">
-                <a:ln>
-                  <a:noFill/>
-                </a:ln>
-                <a:solidFill>
-                  <a:schemeClr val="bg1"/>
-                </a:solidFill>
-                <a:effectLst/>
-                <a:latin typeface="Arial" panose="020B0604020202020204" pitchFamily="34" charset="0"/>
-                <a:cs typeface="Arial" panose="020B0604020202020204" pitchFamily="34" charset="0"/>
-              </a:rPr>
-              <a:t> comentários no momento da solicitação do PR. </a:t>
+              <a:t>A taks foi projetada para usar em conjunto com o modelo GPT da AzureOpenAI para revisar PR’s fornecendo feedback’s como comentários no momento da solicitação do PR. </a:t>
             </a:r>
           </a:p>
           <a:p>
@@ -26532,14 +30990,28 @@
               <a:tabLst/>
             </a:pPr>
             <a:r>
-              <a:rPr lang="pt-PT" altLang="pt-BR" sz="2400" dirty="0">
+              <a:rPr kumimoji="0" lang="pt-PT" altLang="pt-BR" sz="2400" b="0" i="0" u="none" strike="noStrike" cap="none" normalizeH="0" baseline="0" dirty="0">
+                <a:ln>
+                  <a:noFill/>
+                </a:ln>
                 <a:solidFill>
                   <a:schemeClr val="bg1"/>
                 </a:solidFill>
+                <a:effectLst/>
                 <a:latin typeface="Arial" panose="020B0604020202020204" pitchFamily="34" charset="0"/>
                 <a:cs typeface="Arial" panose="020B0604020202020204" pitchFamily="34" charset="0"/>
               </a:rPr>
-              <a:t>Ajudar com pontos que nós humanos deixamos passar nos momentos mais criticos e/ou dado a velocidades de aprovação de PR’s </a:t>
+              <a:t>- Avaliação de si</a:t>
+            </a:r>
+            <a:r>
+              <a:rPr lang="pt-PT" altLang="pt-BR" sz="2400" dirty="0">
+                <a:solidFill>
+                  <a:schemeClr val="bg1"/>
+                </a:solidFill>
+                <a:latin typeface="Arial" panose="020B0604020202020204" pitchFamily="34" charset="0"/>
+                <a:cs typeface="Arial" panose="020B0604020202020204" pitchFamily="34" charset="0"/>
+              </a:rPr>
+              <a:t>ntaxes</a:t>
             </a:r>
           </a:p>
           <a:p>
@@ -26559,17 +31031,16 @@
               <a:buNone/>
               <a:tabLst/>
             </a:pPr>
-            <a:endParaRPr kumimoji="0" lang="pt-PT" altLang="pt-BR" sz="2400" b="0" i="0" u="none" strike="noStrike" cap="none" normalizeH="0" baseline="0" dirty="0">
-              <a:ln>
-                <a:noFill/>
-              </a:ln>
-              <a:solidFill>
-                <a:schemeClr val="bg1"/>
-              </a:solidFill>
-              <a:effectLst/>
-              <a:latin typeface="Arial" panose="020B0604020202020204" pitchFamily="34" charset="0"/>
-              <a:cs typeface="Arial" panose="020B0604020202020204" pitchFamily="34" charset="0"/>
-            </a:endParaRPr>
+            <a:r>
+              <a:rPr lang="pt-PT" altLang="pt-BR" sz="2400" dirty="0">
+                <a:solidFill>
+                  <a:schemeClr val="bg1"/>
+                </a:solidFill>
+                <a:latin typeface="Arial" panose="020B0604020202020204" pitchFamily="34" charset="0"/>
+                <a:cs typeface="Arial" panose="020B0604020202020204" pitchFamily="34" charset="0"/>
+              </a:rPr>
+              <a:t>- Bugs</a:t>
+            </a:r>
           </a:p>
           <a:p>
             <a:pPr marL="0" marR="0" lvl="0" indent="0" algn="just" defTabSz="914400" rtl="0" eaLnBrk="0" fontAlgn="base" latinLnBrk="0" hangingPunct="0">
@@ -26589,19 +31060,33 @@
               <a:tabLst/>
             </a:pPr>
             <a:r>
-              <a:rPr kumimoji="0" lang="pt-PT" altLang="pt-BR" sz="2400" b="0" i="0" u="none" strike="noStrike" cap="none" normalizeH="0" baseline="0" dirty="0">
-                <a:ln>
-                  <a:noFill/>
-                </a:ln>
+              <a:rPr lang="pt-PT" altLang="pt-BR" sz="2400" dirty="0">
                 <a:solidFill>
                   <a:schemeClr val="bg1"/>
                 </a:solidFill>
-                <a:effectLst/>
                 <a:latin typeface="Arial" panose="020B0604020202020204" pitchFamily="34" charset="0"/>
                 <a:cs typeface="Arial" panose="020B0604020202020204" pitchFamily="34" charset="0"/>
               </a:rPr>
-              <a:t>Avaliação de si</a:t>
-            </a:r>
+              <a:t>- Degradação de performance</a:t>
+            </a:r>
+          </a:p>
+          <a:p>
+            <a:pPr marL="0" marR="0" lvl="0" indent="0" algn="just" defTabSz="914400" rtl="0" eaLnBrk="0" fontAlgn="base" latinLnBrk="0" hangingPunct="0">
+              <a:lnSpc>
+                <a:spcPct val="100000"/>
+              </a:lnSpc>
+              <a:spcBef>
+                <a:spcPct val="0"/>
+              </a:spcBef>
+              <a:spcAft>
+                <a:spcPct val="0"/>
+              </a:spcAft>
+              <a:buClrTx/>
+              <a:buSzTx/>
+              <a:buFontTx/>
+              <a:buNone/>
+              <a:tabLst/>
+            </a:pPr>
             <a:r>
               <a:rPr lang="pt-PT" altLang="pt-BR" sz="2400" dirty="0">
                 <a:solidFill>
@@ -26610,7 +31095,7 @@
                 <a:latin typeface="Arial" panose="020B0604020202020204" pitchFamily="34" charset="0"/>
                 <a:cs typeface="Arial" panose="020B0604020202020204" pitchFamily="34" charset="0"/>
               </a:rPr>
-              <a:t>ntaxes, bugs, degradação de performance, segurança etc.</a:t>
+              <a:t>- Segurança etc.</a:t>
             </a:r>
             <a:endParaRPr kumimoji="0" lang="pt-PT" altLang="pt-BR" sz="2400" b="0" i="0" u="none" strike="noStrike" cap="none" normalizeH="0" baseline="0" dirty="0">
               <a:ln>
@@ -26869,1510 +31354,6 @@
     <p:extLst>
       <p:ext uri="{BB962C8B-B14F-4D97-AF65-F5344CB8AC3E}">
         <p14:creationId xmlns:p14="http://schemas.microsoft.com/office/powerpoint/2010/main" val="3653583380"/>
-      </p:ext>
-    </p:extLst>
-  </p:cSld>
-  <p:clrMapOvr>
-    <a:masterClrMapping/>
-  </p:clrMapOvr>
-  <mc:AlternateContent xmlns:mc="http://schemas.openxmlformats.org/markup-compatibility/2006" xmlns:p14="http://schemas.microsoft.com/office/powerpoint/2010/main">
-    <mc:Choice Requires="p14">
-      <p:transition spd="med" p14:dur="700">
-        <p:fade/>
-      </p:transition>
-    </mc:Choice>
-    <mc:Fallback xmlns="">
-      <p:transition spd="med">
-        <p:fade/>
-      </p:transition>
-    </mc:Fallback>
-  </mc:AlternateContent>
-</p:sld>
-</file>
-
-<file path=ppt/slides/slide5.xml><?xml version="1.0" encoding="utf-8"?>
-<p:sld xmlns:a="http://schemas.openxmlformats.org/drawingml/2006/main" xmlns:r="http://schemas.openxmlformats.org/officeDocument/2006/relationships" xmlns:p="http://schemas.openxmlformats.org/presentationml/2006/main">
-  <p:cSld>
-    <p:spTree>
-      <p:nvGrpSpPr>
-        <p:cNvPr id="1" name=""/>
-        <p:cNvGrpSpPr/>
-        <p:nvPr/>
-      </p:nvGrpSpPr>
-      <p:grpSpPr>
-        <a:xfrm>
-          <a:off x="0" y="0"/>
-          <a:ext cx="0" cy="0"/>
-          <a:chOff x="0" y="0"/>
-          <a:chExt cx="0" cy="0"/>
-        </a:xfrm>
-      </p:grpSpPr>
-      <p:sp>
-        <p:nvSpPr>
-          <p:cNvPr id="3" name="Espaço Reservado para Texto 2">
-            <a:extLst>
-              <a:ext uri="{FF2B5EF4-FFF2-40B4-BE49-F238E27FC236}">
-                <a16:creationId xmlns:a16="http://schemas.microsoft.com/office/drawing/2014/main" id="{8E435BE1-BB00-2F2E-B55F-6181CD3CBC66}"/>
-              </a:ext>
-            </a:extLst>
-          </p:cNvPr>
-          <p:cNvSpPr>
-            <a:spLocks noGrp="1"/>
-          </p:cNvSpPr>
-          <p:nvPr>
-            <p:ph type="body" sz="quarter" idx="15"/>
-          </p:nvPr>
-        </p:nvSpPr>
-        <p:spPr>
-          <a:xfrm>
-            <a:off x="859898" y="4670178"/>
-            <a:ext cx="11221853" cy="738664"/>
-          </a:xfrm>
-          <a:noFill/>
-        </p:spPr>
-        <p:txBody>
-          <a:bodyPr wrap="square">
-            <a:spAutoFit/>
-          </a:bodyPr>
-          <a:lstStyle/>
-          <a:p>
-            <a:r>
-              <a:rPr lang="pt-BR" dirty="0">
-                <a:solidFill>
-                  <a:schemeClr val="bg1"/>
-                </a:solidFill>
-                <a:latin typeface="+mn-lt"/>
-              </a:rPr>
-              <a:t>https://customervoice.microsoft.com/Pages/ResponsePage.aspx?id=v4j5cvGGr0GRqy180BHbR7en2Ais5pxKtso_Pz4b1_xUOFA5Qk1UWDRBMjg0WFhPMkIzTzhKQ1dWNyQlQCN0PWcu</a:t>
-            </a:r>
-          </a:p>
-        </p:txBody>
-      </p:sp>
-      <p:pic>
-        <p:nvPicPr>
-          <p:cNvPr id="7" name="Imagem 6">
-            <a:extLst>
-              <a:ext uri="{FF2B5EF4-FFF2-40B4-BE49-F238E27FC236}">
-                <a16:creationId xmlns:a16="http://schemas.microsoft.com/office/drawing/2014/main" id="{B812E6CA-E671-5E1C-F0F0-4D59D6148E7C}"/>
-              </a:ext>
-            </a:extLst>
-          </p:cNvPr>
-          <p:cNvPicPr>
-            <a:picLocks noChangeAspect="1"/>
-          </p:cNvPicPr>
-          <p:nvPr/>
-        </p:nvPicPr>
-        <p:blipFill>
-          <a:blip r:embed="rId3"/>
-          <a:stretch>
-            <a:fillRect/>
-          </a:stretch>
-        </p:blipFill>
-        <p:spPr>
-          <a:xfrm>
-            <a:off x="4593399" y="2106999"/>
-            <a:ext cx="2607652" cy="2442611"/>
-          </a:xfrm>
-          <a:prstGeom prst="rect">
-            <a:avLst/>
-          </a:prstGeom>
-          <a:ln>
-            <a:noFill/>
-          </a:ln>
-          <a:effectLst>
-            <a:softEdge rad="112500"/>
-          </a:effectLst>
-        </p:spPr>
-        <p:style>
-          <a:lnRef idx="2">
-            <a:schemeClr val="accent3">
-              <a:shade val="15000"/>
-            </a:schemeClr>
-          </a:lnRef>
-          <a:fillRef idx="1">
-            <a:schemeClr val="accent3"/>
-          </a:fillRef>
-          <a:effectRef idx="0">
-            <a:schemeClr val="accent3"/>
-          </a:effectRef>
-          <a:fontRef idx="minor">
-            <a:schemeClr val="lt1"/>
-          </a:fontRef>
-        </p:style>
-      </p:pic>
-      <p:sp>
-        <p:nvSpPr>
-          <p:cNvPr id="8" name="Espaço Reservado para Texto 2">
-            <a:extLst>
-              <a:ext uri="{FF2B5EF4-FFF2-40B4-BE49-F238E27FC236}">
-                <a16:creationId xmlns:a16="http://schemas.microsoft.com/office/drawing/2014/main" id="{B0A2DA19-2FA7-0E77-4EB4-1C324C7738EA}"/>
-              </a:ext>
-            </a:extLst>
-          </p:cNvPr>
-          <p:cNvSpPr txBox="1">
-            <a:spLocks/>
-          </p:cNvSpPr>
-          <p:nvPr/>
-        </p:nvSpPr>
-        <p:spPr>
-          <a:xfrm>
-            <a:off x="451338" y="803485"/>
-            <a:ext cx="9795376" cy="677108"/>
-          </a:xfrm>
-          <a:prstGeom prst="rect">
-            <a:avLst/>
-          </a:prstGeom>
-        </p:spPr>
-        <p:txBody>
-          <a:bodyPr vert="horz" wrap="square" lIns="0" tIns="91440" rIns="146304" bIns="91440" rtlCol="0">
-            <a:spAutoFit/>
-          </a:bodyPr>
-          <a:lstStyle>
-            <a:lvl1pPr marL="0" marR="0" indent="0" algn="l" defTabSz="932742" rtl="0" eaLnBrk="1" fontAlgn="auto" latinLnBrk="0" hangingPunct="1">
-              <a:lnSpc>
-                <a:spcPct val="100000"/>
-              </a:lnSpc>
-              <a:spcBef>
-                <a:spcPts val="0"/>
-              </a:spcBef>
-              <a:spcAft>
-                <a:spcPts val="0"/>
-              </a:spcAft>
-              <a:buClrTx/>
-              <a:buSzPct val="90000"/>
-              <a:buFont typeface="Wingdings" panose="05000000000000000000" pitchFamily="2" charset="2"/>
-              <a:buNone/>
-              <a:tabLst/>
-              <a:defRPr sz="1800" kern="1200" spc="-50" baseline="0">
-                <a:solidFill>
-                  <a:schemeClr val="bg2"/>
-                </a:solidFill>
-                <a:latin typeface="+mj-lt"/>
-                <a:ea typeface="+mn-ea"/>
-                <a:cs typeface="+mn-cs"/>
-              </a:defRPr>
-            </a:lvl1pPr>
-            <a:lvl2pPr marL="0" marR="0" indent="0" algn="l" defTabSz="932742" rtl="0" eaLnBrk="1" fontAlgn="auto" latinLnBrk="0" hangingPunct="1">
-              <a:lnSpc>
-                <a:spcPct val="100000"/>
-              </a:lnSpc>
-              <a:spcBef>
-                <a:spcPts val="0"/>
-              </a:spcBef>
-              <a:spcAft>
-                <a:spcPts val="0"/>
-              </a:spcAft>
-              <a:buClrTx/>
-              <a:buSzPct val="90000"/>
-              <a:buFontTx/>
-              <a:buNone/>
-              <a:tabLst/>
-              <a:defRPr sz="1800" kern="1200" spc="0" baseline="0">
-                <a:solidFill>
-                  <a:srgbClr val="000000"/>
-                </a:solidFill>
-                <a:latin typeface="+mn-lt"/>
-                <a:ea typeface="+mn-ea"/>
-                <a:cs typeface="+mn-cs"/>
-              </a:defRPr>
-            </a:lvl2pPr>
-            <a:lvl3pPr marL="0" marR="0" indent="0" algn="l" defTabSz="932742" rtl="0" eaLnBrk="1" fontAlgn="auto" latinLnBrk="0" hangingPunct="1">
-              <a:lnSpc>
-                <a:spcPct val="100000"/>
-              </a:lnSpc>
-              <a:spcBef>
-                <a:spcPts val="0"/>
-              </a:spcBef>
-              <a:spcAft>
-                <a:spcPts val="0"/>
-              </a:spcAft>
-              <a:buClrTx/>
-              <a:buSzPct val="90000"/>
-              <a:buFont typeface="Wingdings" panose="05000000000000000000" pitchFamily="2" charset="2"/>
-              <a:buNone/>
-              <a:tabLst/>
-              <a:defRPr sz="1400" kern="1200" spc="0" baseline="0">
-                <a:solidFill>
-                  <a:schemeClr val="tx2"/>
-                </a:solidFill>
-                <a:latin typeface="+mj-lt"/>
-                <a:ea typeface="+mn-ea"/>
-                <a:cs typeface="+mn-cs"/>
-              </a:defRPr>
-            </a:lvl3pPr>
-            <a:lvl4pPr marL="0" marR="0" indent="0" algn="l" defTabSz="932742" rtl="0" eaLnBrk="1" fontAlgn="auto" latinLnBrk="0" hangingPunct="1">
-              <a:lnSpc>
-                <a:spcPct val="100000"/>
-              </a:lnSpc>
-              <a:spcBef>
-                <a:spcPts val="0"/>
-              </a:spcBef>
-              <a:spcAft>
-                <a:spcPts val="0"/>
-              </a:spcAft>
-              <a:buClrTx/>
-              <a:buSzPct val="90000"/>
-              <a:buFont typeface="Wingdings" panose="05000000000000000000" pitchFamily="2" charset="2"/>
-              <a:buNone/>
-              <a:tabLst/>
-              <a:defRPr sz="1400" kern="1200" spc="0" baseline="0">
-                <a:solidFill>
-                  <a:srgbClr val="000000"/>
-                </a:solidFill>
-                <a:latin typeface="+mn-lt"/>
-                <a:ea typeface="+mn-ea"/>
-                <a:cs typeface="+mn-cs"/>
-              </a:defRPr>
-            </a:lvl4pPr>
-            <a:lvl5pPr marL="0" marR="0" indent="0" algn="l" defTabSz="932742" rtl="0" eaLnBrk="1" fontAlgn="auto" latinLnBrk="0" hangingPunct="1">
-              <a:lnSpc>
-                <a:spcPct val="100000"/>
-              </a:lnSpc>
-              <a:spcBef>
-                <a:spcPts val="0"/>
-              </a:spcBef>
-              <a:spcAft>
-                <a:spcPts val="0"/>
-              </a:spcAft>
-              <a:buClrTx/>
-              <a:buSzPct val="90000"/>
-              <a:buFont typeface="Wingdings" panose="05000000000000000000" pitchFamily="2" charset="2"/>
-              <a:buNone/>
-              <a:tabLst/>
-              <a:defRPr sz="1050" b="1" kern="1200" spc="0" baseline="0">
-                <a:solidFill>
-                  <a:srgbClr val="000000"/>
-                </a:solidFill>
-                <a:latin typeface="+mn-lt"/>
-                <a:ea typeface="+mn-ea"/>
-                <a:cs typeface="+mn-cs"/>
-              </a:defRPr>
-            </a:lvl5pPr>
-            <a:lvl6pPr marL="2331854" indent="0" algn="l" defTabSz="932742" rtl="0" eaLnBrk="1" latinLnBrk="0" hangingPunct="1">
-              <a:spcBef>
-                <a:spcPct val="20000"/>
-              </a:spcBef>
-              <a:buFont typeface="Arial" pitchFamily="34" charset="0"/>
-              <a:buNone/>
-              <a:defRPr sz="2000" kern="1200">
-                <a:solidFill>
-                  <a:schemeClr val="tx1"/>
-                </a:solidFill>
-                <a:latin typeface="+mn-lt"/>
-                <a:ea typeface="+mn-ea"/>
-                <a:cs typeface="+mn-cs"/>
-              </a:defRPr>
-            </a:lvl6pPr>
-            <a:lvl7pPr marL="0" indent="0" algn="l" defTabSz="932742" rtl="0" eaLnBrk="1" latinLnBrk="0" hangingPunct="1">
-              <a:lnSpc>
-                <a:spcPct val="100000"/>
-              </a:lnSpc>
-              <a:spcBef>
-                <a:spcPts val="0"/>
-              </a:spcBef>
-              <a:spcAft>
-                <a:spcPts val="0"/>
-              </a:spcAft>
-              <a:buFont typeface="Arial" pitchFamily="34" charset="0"/>
-              <a:buNone/>
-              <a:defRPr sz="1000" kern="1200">
-                <a:solidFill>
-                  <a:srgbClr val="000000"/>
-                </a:solidFill>
-                <a:latin typeface="+mn-lt"/>
-                <a:ea typeface="+mn-ea"/>
-                <a:cs typeface="+mn-cs"/>
-              </a:defRPr>
-            </a:lvl7pPr>
-            <a:lvl8pPr marL="3497783" indent="-233186" algn="l" defTabSz="932742" rtl="0" eaLnBrk="1" latinLnBrk="0" hangingPunct="1">
-              <a:spcBef>
-                <a:spcPct val="20000"/>
-              </a:spcBef>
-              <a:buFont typeface="Arial" pitchFamily="34" charset="0"/>
-              <a:buChar char="•"/>
-              <a:defRPr sz="2000" kern="1200">
-                <a:solidFill>
-                  <a:schemeClr val="tx1"/>
-                </a:solidFill>
-                <a:latin typeface="+mn-lt"/>
-                <a:ea typeface="+mn-ea"/>
-                <a:cs typeface="+mn-cs"/>
-              </a:defRPr>
-            </a:lvl8pPr>
-            <a:lvl9pPr marL="3964155" indent="-233186" algn="l" defTabSz="932742" rtl="0" eaLnBrk="1" latinLnBrk="0" hangingPunct="1">
-              <a:spcBef>
-                <a:spcPct val="20000"/>
-              </a:spcBef>
-              <a:buFont typeface="Arial" pitchFamily="34" charset="0"/>
-              <a:buChar char="•"/>
-              <a:defRPr sz="2000" kern="1200">
-                <a:solidFill>
-                  <a:schemeClr val="tx1"/>
-                </a:solidFill>
-                <a:latin typeface="+mn-lt"/>
-                <a:ea typeface="+mn-ea"/>
-                <a:cs typeface="+mn-cs"/>
-              </a:defRPr>
-            </a:lvl9pPr>
-          </a:lstStyle>
-          <a:p>
-            <a:r>
-              <a:rPr lang="pt-BR" sz="3200" dirty="0"/>
-              <a:t>Formulário para ter acesso ao recurso </a:t>
-            </a:r>
-            <a:r>
-              <a:rPr lang="pt-BR" sz="3200" dirty="0" err="1"/>
-              <a:t>AzureOpenAI</a:t>
-            </a:r>
-            <a:endParaRPr lang="pt-BR" sz="3200" dirty="0"/>
-          </a:p>
-        </p:txBody>
-      </p:sp>
-    </p:spTree>
-    <p:extLst>
-      <p:ext uri="{BB962C8B-B14F-4D97-AF65-F5344CB8AC3E}">
-        <p14:creationId xmlns:p14="http://schemas.microsoft.com/office/powerpoint/2010/main" val="1714491406"/>
-      </p:ext>
-    </p:extLst>
-  </p:cSld>
-  <p:clrMapOvr>
-    <a:masterClrMapping/>
-  </p:clrMapOvr>
-  <mc:AlternateContent xmlns:mc="http://schemas.openxmlformats.org/markup-compatibility/2006" xmlns:p14="http://schemas.microsoft.com/office/powerpoint/2010/main">
-    <mc:Choice Requires="p14">
-      <p:transition spd="med" p14:dur="700">
-        <p:fade/>
-      </p:transition>
-    </mc:Choice>
-    <mc:Fallback xmlns="">
-      <p:transition spd="med">
-        <p:fade/>
-      </p:transition>
-    </mc:Fallback>
-  </mc:AlternateContent>
-</p:sld>
-</file>
-
-<file path=ppt/slides/slide6.xml><?xml version="1.0" encoding="utf-8"?>
-<p:sld xmlns:a="http://schemas.openxmlformats.org/drawingml/2006/main" xmlns:r="http://schemas.openxmlformats.org/officeDocument/2006/relationships" xmlns:p="http://schemas.openxmlformats.org/presentationml/2006/main">
-  <p:cSld>
-    <p:spTree>
-      <p:nvGrpSpPr>
-        <p:cNvPr id="1" name=""/>
-        <p:cNvGrpSpPr/>
-        <p:nvPr/>
-      </p:nvGrpSpPr>
-      <p:grpSpPr>
-        <a:xfrm>
-          <a:off x="0" y="0"/>
-          <a:ext cx="0" cy="0"/>
-          <a:chOff x="0" y="0"/>
-          <a:chExt cx="0" cy="0"/>
-        </a:xfrm>
-      </p:grpSpPr>
-      <p:sp>
-        <p:nvSpPr>
-          <p:cNvPr id="5" name="CaixaDeTexto 4">
-            <a:extLst>
-              <a:ext uri="{FF2B5EF4-FFF2-40B4-BE49-F238E27FC236}">
-                <a16:creationId xmlns:a16="http://schemas.microsoft.com/office/drawing/2014/main" id="{8ACDB991-EC5C-F38D-2382-DB6C1328DBFA}"/>
-              </a:ext>
-            </a:extLst>
-          </p:cNvPr>
-          <p:cNvSpPr txBox="1"/>
-          <p:nvPr/>
-        </p:nvSpPr>
-        <p:spPr>
-          <a:xfrm>
-            <a:off x="1727875" y="5170592"/>
-            <a:ext cx="10649356" cy="369332"/>
-          </a:xfrm>
-          <a:prstGeom prst="rect">
-            <a:avLst/>
-          </a:prstGeom>
-          <a:noFill/>
-        </p:spPr>
-        <p:txBody>
-          <a:bodyPr wrap="square">
-            <a:spAutoFit/>
-          </a:bodyPr>
-          <a:lstStyle/>
-          <a:p>
-            <a:r>
-              <a:rPr lang="pt-BR" dirty="0">
-                <a:solidFill>
-                  <a:schemeClr val="bg1"/>
-                </a:solidFill>
-              </a:rPr>
-              <a:t>https://learn.microsoft.com/pt-br/azure/</a:t>
-            </a:r>
-            <a:r>
-              <a:rPr lang="pt-BR" spc="-50" dirty="0">
-                <a:solidFill>
-                  <a:schemeClr val="bg1"/>
-                </a:solidFill>
-                <a:latin typeface="+mj-lt"/>
-              </a:rPr>
-              <a:t>ai-services</a:t>
-            </a:r>
-            <a:r>
-              <a:rPr lang="pt-BR" dirty="0">
-                <a:solidFill>
-                  <a:schemeClr val="bg1"/>
-                </a:solidFill>
-              </a:rPr>
-              <a:t>/openai/concepts/models</a:t>
-            </a:r>
-          </a:p>
-        </p:txBody>
-      </p:sp>
-      <p:sp>
-        <p:nvSpPr>
-          <p:cNvPr id="6" name="Espaço Reservado para Texto 2">
-            <a:extLst>
-              <a:ext uri="{FF2B5EF4-FFF2-40B4-BE49-F238E27FC236}">
-                <a16:creationId xmlns:a16="http://schemas.microsoft.com/office/drawing/2014/main" id="{4241B9D4-4E11-C865-F7EE-C8ADDF366F9D}"/>
-              </a:ext>
-            </a:extLst>
-          </p:cNvPr>
-          <p:cNvSpPr txBox="1">
-            <a:spLocks/>
-          </p:cNvSpPr>
-          <p:nvPr/>
-        </p:nvSpPr>
-        <p:spPr>
-          <a:xfrm>
-            <a:off x="451338" y="803485"/>
-            <a:ext cx="9795376" cy="923330"/>
-          </a:xfrm>
-          <a:prstGeom prst="rect">
-            <a:avLst/>
-          </a:prstGeom>
-        </p:spPr>
-        <p:txBody>
-          <a:bodyPr vert="horz" wrap="square" lIns="0" tIns="91440" rIns="146304" bIns="91440" rtlCol="0">
-            <a:spAutoFit/>
-          </a:bodyPr>
-          <a:lstStyle>
-            <a:lvl1pPr marL="0" marR="0" indent="0" algn="l" defTabSz="932742" rtl="0" eaLnBrk="1" fontAlgn="auto" latinLnBrk="0" hangingPunct="1">
-              <a:lnSpc>
-                <a:spcPct val="100000"/>
-              </a:lnSpc>
-              <a:spcBef>
-                <a:spcPts val="0"/>
-              </a:spcBef>
-              <a:spcAft>
-                <a:spcPts val="0"/>
-              </a:spcAft>
-              <a:buClrTx/>
-              <a:buSzPct val="90000"/>
-              <a:buFont typeface="Wingdings" panose="05000000000000000000" pitchFamily="2" charset="2"/>
-              <a:buNone/>
-              <a:tabLst/>
-              <a:defRPr sz="1800" kern="1200" spc="-50" baseline="0">
-                <a:solidFill>
-                  <a:schemeClr val="bg2"/>
-                </a:solidFill>
-                <a:latin typeface="+mj-lt"/>
-                <a:ea typeface="+mn-ea"/>
-                <a:cs typeface="+mn-cs"/>
-              </a:defRPr>
-            </a:lvl1pPr>
-            <a:lvl2pPr marL="0" marR="0" indent="0" algn="l" defTabSz="932742" rtl="0" eaLnBrk="1" fontAlgn="auto" latinLnBrk="0" hangingPunct="1">
-              <a:lnSpc>
-                <a:spcPct val="100000"/>
-              </a:lnSpc>
-              <a:spcBef>
-                <a:spcPts val="0"/>
-              </a:spcBef>
-              <a:spcAft>
-                <a:spcPts val="0"/>
-              </a:spcAft>
-              <a:buClrTx/>
-              <a:buSzPct val="90000"/>
-              <a:buFontTx/>
-              <a:buNone/>
-              <a:tabLst/>
-              <a:defRPr sz="1800" kern="1200" spc="0" baseline="0">
-                <a:solidFill>
-                  <a:srgbClr val="000000"/>
-                </a:solidFill>
-                <a:latin typeface="+mn-lt"/>
-                <a:ea typeface="+mn-ea"/>
-                <a:cs typeface="+mn-cs"/>
-              </a:defRPr>
-            </a:lvl2pPr>
-            <a:lvl3pPr marL="0" marR="0" indent="0" algn="l" defTabSz="932742" rtl="0" eaLnBrk="1" fontAlgn="auto" latinLnBrk="0" hangingPunct="1">
-              <a:lnSpc>
-                <a:spcPct val="100000"/>
-              </a:lnSpc>
-              <a:spcBef>
-                <a:spcPts val="0"/>
-              </a:spcBef>
-              <a:spcAft>
-                <a:spcPts val="0"/>
-              </a:spcAft>
-              <a:buClrTx/>
-              <a:buSzPct val="90000"/>
-              <a:buFont typeface="Wingdings" panose="05000000000000000000" pitchFamily="2" charset="2"/>
-              <a:buNone/>
-              <a:tabLst/>
-              <a:defRPr sz="1400" kern="1200" spc="0" baseline="0">
-                <a:solidFill>
-                  <a:schemeClr val="tx2"/>
-                </a:solidFill>
-                <a:latin typeface="+mj-lt"/>
-                <a:ea typeface="+mn-ea"/>
-                <a:cs typeface="+mn-cs"/>
-              </a:defRPr>
-            </a:lvl3pPr>
-            <a:lvl4pPr marL="0" marR="0" indent="0" algn="l" defTabSz="932742" rtl="0" eaLnBrk="1" fontAlgn="auto" latinLnBrk="0" hangingPunct="1">
-              <a:lnSpc>
-                <a:spcPct val="100000"/>
-              </a:lnSpc>
-              <a:spcBef>
-                <a:spcPts val="0"/>
-              </a:spcBef>
-              <a:spcAft>
-                <a:spcPts val="0"/>
-              </a:spcAft>
-              <a:buClrTx/>
-              <a:buSzPct val="90000"/>
-              <a:buFont typeface="Wingdings" panose="05000000000000000000" pitchFamily="2" charset="2"/>
-              <a:buNone/>
-              <a:tabLst/>
-              <a:defRPr sz="1400" kern="1200" spc="0" baseline="0">
-                <a:solidFill>
-                  <a:srgbClr val="000000"/>
-                </a:solidFill>
-                <a:latin typeface="+mn-lt"/>
-                <a:ea typeface="+mn-ea"/>
-                <a:cs typeface="+mn-cs"/>
-              </a:defRPr>
-            </a:lvl4pPr>
-            <a:lvl5pPr marL="0" marR="0" indent="0" algn="l" defTabSz="932742" rtl="0" eaLnBrk="1" fontAlgn="auto" latinLnBrk="0" hangingPunct="1">
-              <a:lnSpc>
-                <a:spcPct val="100000"/>
-              </a:lnSpc>
-              <a:spcBef>
-                <a:spcPts val="0"/>
-              </a:spcBef>
-              <a:spcAft>
-                <a:spcPts val="0"/>
-              </a:spcAft>
-              <a:buClrTx/>
-              <a:buSzPct val="90000"/>
-              <a:buFont typeface="Wingdings" panose="05000000000000000000" pitchFamily="2" charset="2"/>
-              <a:buNone/>
-              <a:tabLst/>
-              <a:defRPr sz="1050" b="1" kern="1200" spc="0" baseline="0">
-                <a:solidFill>
-                  <a:srgbClr val="000000"/>
-                </a:solidFill>
-                <a:latin typeface="+mn-lt"/>
-                <a:ea typeface="+mn-ea"/>
-                <a:cs typeface="+mn-cs"/>
-              </a:defRPr>
-            </a:lvl5pPr>
-            <a:lvl6pPr marL="2331854" indent="0" algn="l" defTabSz="932742" rtl="0" eaLnBrk="1" latinLnBrk="0" hangingPunct="1">
-              <a:spcBef>
-                <a:spcPct val="20000"/>
-              </a:spcBef>
-              <a:buFont typeface="Arial" pitchFamily="34" charset="0"/>
-              <a:buNone/>
-              <a:defRPr sz="2000" kern="1200">
-                <a:solidFill>
-                  <a:schemeClr val="tx1"/>
-                </a:solidFill>
-                <a:latin typeface="+mn-lt"/>
-                <a:ea typeface="+mn-ea"/>
-                <a:cs typeface="+mn-cs"/>
-              </a:defRPr>
-            </a:lvl6pPr>
-            <a:lvl7pPr marL="0" indent="0" algn="l" defTabSz="932742" rtl="0" eaLnBrk="1" latinLnBrk="0" hangingPunct="1">
-              <a:lnSpc>
-                <a:spcPct val="100000"/>
-              </a:lnSpc>
-              <a:spcBef>
-                <a:spcPts val="0"/>
-              </a:spcBef>
-              <a:spcAft>
-                <a:spcPts val="0"/>
-              </a:spcAft>
-              <a:buFont typeface="Arial" pitchFamily="34" charset="0"/>
-              <a:buNone/>
-              <a:defRPr sz="1000" kern="1200">
-                <a:solidFill>
-                  <a:srgbClr val="000000"/>
-                </a:solidFill>
-                <a:latin typeface="+mn-lt"/>
-                <a:ea typeface="+mn-ea"/>
-                <a:cs typeface="+mn-cs"/>
-              </a:defRPr>
-            </a:lvl7pPr>
-            <a:lvl8pPr marL="3497783" indent="-233186" algn="l" defTabSz="932742" rtl="0" eaLnBrk="1" latinLnBrk="0" hangingPunct="1">
-              <a:spcBef>
-                <a:spcPct val="20000"/>
-              </a:spcBef>
-              <a:buFont typeface="Arial" pitchFamily="34" charset="0"/>
-              <a:buChar char="•"/>
-              <a:defRPr sz="2000" kern="1200">
-                <a:solidFill>
-                  <a:schemeClr val="tx1"/>
-                </a:solidFill>
-                <a:latin typeface="+mn-lt"/>
-                <a:ea typeface="+mn-ea"/>
-                <a:cs typeface="+mn-cs"/>
-              </a:defRPr>
-            </a:lvl8pPr>
-            <a:lvl9pPr marL="3964155" indent="-233186" algn="l" defTabSz="932742" rtl="0" eaLnBrk="1" latinLnBrk="0" hangingPunct="1">
-              <a:spcBef>
-                <a:spcPct val="20000"/>
-              </a:spcBef>
-              <a:buFont typeface="Arial" pitchFamily="34" charset="0"/>
-              <a:buChar char="•"/>
-              <a:defRPr sz="2000" kern="1200">
-                <a:solidFill>
-                  <a:schemeClr val="tx1"/>
-                </a:solidFill>
-                <a:latin typeface="+mn-lt"/>
-                <a:ea typeface="+mn-ea"/>
-                <a:cs typeface="+mn-cs"/>
-              </a:defRPr>
-            </a:lvl9pPr>
-          </a:lstStyle>
-          <a:p>
-            <a:r>
-              <a:rPr lang="pt-BR" sz="4800" dirty="0"/>
-              <a:t>Localização dos Recursos</a:t>
-            </a:r>
-          </a:p>
-        </p:txBody>
-      </p:sp>
-      <p:pic>
-        <p:nvPicPr>
-          <p:cNvPr id="10" name="Imagem 9">
-            <a:extLst>
-              <a:ext uri="{FF2B5EF4-FFF2-40B4-BE49-F238E27FC236}">
-                <a16:creationId xmlns:a16="http://schemas.microsoft.com/office/drawing/2014/main" id="{641BE21B-644C-A5E7-017E-3EC70D9A16BB}"/>
-              </a:ext>
-            </a:extLst>
-          </p:cNvPr>
-          <p:cNvPicPr>
-            <a:picLocks noChangeAspect="1"/>
-          </p:cNvPicPr>
-          <p:nvPr/>
-        </p:nvPicPr>
-        <p:blipFill>
-          <a:blip r:embed="rId2"/>
-          <a:stretch>
-            <a:fillRect/>
-          </a:stretch>
-        </p:blipFill>
-        <p:spPr>
-          <a:xfrm>
-            <a:off x="4510796" y="2288240"/>
-            <a:ext cx="2541757" cy="2418044"/>
-          </a:xfrm>
-          <a:prstGeom prst="rect">
-            <a:avLst/>
-          </a:prstGeom>
-          <a:ln>
-            <a:noFill/>
-          </a:ln>
-          <a:effectLst>
-            <a:softEdge rad="112500"/>
-          </a:effectLst>
-        </p:spPr>
-      </p:pic>
-    </p:spTree>
-    <p:extLst>
-      <p:ext uri="{BB962C8B-B14F-4D97-AF65-F5344CB8AC3E}">
-        <p14:creationId xmlns:p14="http://schemas.microsoft.com/office/powerpoint/2010/main" val="2531184178"/>
-      </p:ext>
-    </p:extLst>
-  </p:cSld>
-  <p:clrMapOvr>
-    <a:masterClrMapping/>
-  </p:clrMapOvr>
-  <mc:AlternateContent xmlns:mc="http://schemas.openxmlformats.org/markup-compatibility/2006" xmlns:p14="http://schemas.microsoft.com/office/powerpoint/2010/main">
-    <mc:Choice Requires="p14">
-      <p:transition spd="med" p14:dur="700">
-        <p:fade/>
-      </p:transition>
-    </mc:Choice>
-    <mc:Fallback xmlns="">
-      <p:transition spd="med">
-        <p:fade/>
-      </p:transition>
-    </mc:Fallback>
-  </mc:AlternateContent>
-</p:sld>
-</file>
-
-<file path=ppt/slides/slide7.xml><?xml version="1.0" encoding="utf-8"?>
-<p:sld xmlns:a="http://schemas.openxmlformats.org/drawingml/2006/main" xmlns:r="http://schemas.openxmlformats.org/officeDocument/2006/relationships" xmlns:p="http://schemas.openxmlformats.org/presentationml/2006/main">
-  <p:cSld>
-    <p:spTree>
-      <p:nvGrpSpPr>
-        <p:cNvPr id="1" name=""/>
-        <p:cNvGrpSpPr/>
-        <p:nvPr/>
-      </p:nvGrpSpPr>
-      <p:grpSpPr>
-        <a:xfrm>
-          <a:off x="0" y="0"/>
-          <a:ext cx="0" cy="0"/>
-          <a:chOff x="0" y="0"/>
-          <a:chExt cx="0" cy="0"/>
-        </a:xfrm>
-      </p:grpSpPr>
-      <p:sp>
-        <p:nvSpPr>
-          <p:cNvPr id="5" name="CaixaDeTexto 4">
-            <a:extLst>
-              <a:ext uri="{FF2B5EF4-FFF2-40B4-BE49-F238E27FC236}">
-                <a16:creationId xmlns:a16="http://schemas.microsoft.com/office/drawing/2014/main" id="{8ACDB991-EC5C-F38D-2382-DB6C1328DBFA}"/>
-              </a:ext>
-            </a:extLst>
-          </p:cNvPr>
-          <p:cNvSpPr txBox="1"/>
-          <p:nvPr/>
-        </p:nvSpPr>
-        <p:spPr>
-          <a:xfrm>
-            <a:off x="1787119" y="5085098"/>
-            <a:ext cx="10649356" cy="369332"/>
-          </a:xfrm>
-          <a:prstGeom prst="rect">
-            <a:avLst/>
-          </a:prstGeom>
-          <a:noFill/>
-        </p:spPr>
-        <p:txBody>
-          <a:bodyPr wrap="square">
-            <a:spAutoFit/>
-          </a:bodyPr>
-          <a:lstStyle/>
-          <a:p>
-            <a:r>
-              <a:rPr lang="pt-BR" dirty="0">
-                <a:solidFill>
-                  <a:schemeClr val="bg1"/>
-                </a:solidFill>
-              </a:rPr>
-              <a:t>https://azure.microsoft.com/pt-br/pricing/details/cognitive-services/openai-service/</a:t>
-            </a:r>
-          </a:p>
-        </p:txBody>
-      </p:sp>
-      <p:sp>
-        <p:nvSpPr>
-          <p:cNvPr id="6" name="Espaço Reservado para Texto 2">
-            <a:extLst>
-              <a:ext uri="{FF2B5EF4-FFF2-40B4-BE49-F238E27FC236}">
-                <a16:creationId xmlns:a16="http://schemas.microsoft.com/office/drawing/2014/main" id="{4241B9D4-4E11-C865-F7EE-C8ADDF366F9D}"/>
-              </a:ext>
-            </a:extLst>
-          </p:cNvPr>
-          <p:cNvSpPr txBox="1">
-            <a:spLocks/>
-          </p:cNvSpPr>
-          <p:nvPr/>
-        </p:nvSpPr>
-        <p:spPr>
-          <a:xfrm>
-            <a:off x="451338" y="803485"/>
-            <a:ext cx="9795376" cy="923330"/>
-          </a:xfrm>
-          <a:prstGeom prst="rect">
-            <a:avLst/>
-          </a:prstGeom>
-        </p:spPr>
-        <p:txBody>
-          <a:bodyPr vert="horz" wrap="square" lIns="0" tIns="91440" rIns="146304" bIns="91440" rtlCol="0">
-            <a:spAutoFit/>
-          </a:bodyPr>
-          <a:lstStyle>
-            <a:lvl1pPr marL="0" marR="0" indent="0" algn="l" defTabSz="932742" rtl="0" eaLnBrk="1" fontAlgn="auto" latinLnBrk="0" hangingPunct="1">
-              <a:lnSpc>
-                <a:spcPct val="100000"/>
-              </a:lnSpc>
-              <a:spcBef>
-                <a:spcPts val="0"/>
-              </a:spcBef>
-              <a:spcAft>
-                <a:spcPts val="0"/>
-              </a:spcAft>
-              <a:buClrTx/>
-              <a:buSzPct val="90000"/>
-              <a:buFont typeface="Wingdings" panose="05000000000000000000" pitchFamily="2" charset="2"/>
-              <a:buNone/>
-              <a:tabLst/>
-              <a:defRPr sz="1800" kern="1200" spc="-50" baseline="0">
-                <a:solidFill>
-                  <a:schemeClr val="bg2"/>
-                </a:solidFill>
-                <a:latin typeface="+mj-lt"/>
-                <a:ea typeface="+mn-ea"/>
-                <a:cs typeface="+mn-cs"/>
-              </a:defRPr>
-            </a:lvl1pPr>
-            <a:lvl2pPr marL="0" marR="0" indent="0" algn="l" defTabSz="932742" rtl="0" eaLnBrk="1" fontAlgn="auto" latinLnBrk="0" hangingPunct="1">
-              <a:lnSpc>
-                <a:spcPct val="100000"/>
-              </a:lnSpc>
-              <a:spcBef>
-                <a:spcPts val="0"/>
-              </a:spcBef>
-              <a:spcAft>
-                <a:spcPts val="0"/>
-              </a:spcAft>
-              <a:buClrTx/>
-              <a:buSzPct val="90000"/>
-              <a:buFontTx/>
-              <a:buNone/>
-              <a:tabLst/>
-              <a:defRPr sz="1800" kern="1200" spc="0" baseline="0">
-                <a:solidFill>
-                  <a:srgbClr val="000000"/>
-                </a:solidFill>
-                <a:latin typeface="+mn-lt"/>
-                <a:ea typeface="+mn-ea"/>
-                <a:cs typeface="+mn-cs"/>
-              </a:defRPr>
-            </a:lvl2pPr>
-            <a:lvl3pPr marL="0" marR="0" indent="0" algn="l" defTabSz="932742" rtl="0" eaLnBrk="1" fontAlgn="auto" latinLnBrk="0" hangingPunct="1">
-              <a:lnSpc>
-                <a:spcPct val="100000"/>
-              </a:lnSpc>
-              <a:spcBef>
-                <a:spcPts val="0"/>
-              </a:spcBef>
-              <a:spcAft>
-                <a:spcPts val="0"/>
-              </a:spcAft>
-              <a:buClrTx/>
-              <a:buSzPct val="90000"/>
-              <a:buFont typeface="Wingdings" panose="05000000000000000000" pitchFamily="2" charset="2"/>
-              <a:buNone/>
-              <a:tabLst/>
-              <a:defRPr sz="1400" kern="1200" spc="0" baseline="0">
-                <a:solidFill>
-                  <a:schemeClr val="tx2"/>
-                </a:solidFill>
-                <a:latin typeface="+mj-lt"/>
-                <a:ea typeface="+mn-ea"/>
-                <a:cs typeface="+mn-cs"/>
-              </a:defRPr>
-            </a:lvl3pPr>
-            <a:lvl4pPr marL="0" marR="0" indent="0" algn="l" defTabSz="932742" rtl="0" eaLnBrk="1" fontAlgn="auto" latinLnBrk="0" hangingPunct="1">
-              <a:lnSpc>
-                <a:spcPct val="100000"/>
-              </a:lnSpc>
-              <a:spcBef>
-                <a:spcPts val="0"/>
-              </a:spcBef>
-              <a:spcAft>
-                <a:spcPts val="0"/>
-              </a:spcAft>
-              <a:buClrTx/>
-              <a:buSzPct val="90000"/>
-              <a:buFont typeface="Wingdings" panose="05000000000000000000" pitchFamily="2" charset="2"/>
-              <a:buNone/>
-              <a:tabLst/>
-              <a:defRPr sz="1400" kern="1200" spc="0" baseline="0">
-                <a:solidFill>
-                  <a:srgbClr val="000000"/>
-                </a:solidFill>
-                <a:latin typeface="+mn-lt"/>
-                <a:ea typeface="+mn-ea"/>
-                <a:cs typeface="+mn-cs"/>
-              </a:defRPr>
-            </a:lvl4pPr>
-            <a:lvl5pPr marL="0" marR="0" indent="0" algn="l" defTabSz="932742" rtl="0" eaLnBrk="1" fontAlgn="auto" latinLnBrk="0" hangingPunct="1">
-              <a:lnSpc>
-                <a:spcPct val="100000"/>
-              </a:lnSpc>
-              <a:spcBef>
-                <a:spcPts val="0"/>
-              </a:spcBef>
-              <a:spcAft>
-                <a:spcPts val="0"/>
-              </a:spcAft>
-              <a:buClrTx/>
-              <a:buSzPct val="90000"/>
-              <a:buFont typeface="Wingdings" panose="05000000000000000000" pitchFamily="2" charset="2"/>
-              <a:buNone/>
-              <a:tabLst/>
-              <a:defRPr sz="1050" b="1" kern="1200" spc="0" baseline="0">
-                <a:solidFill>
-                  <a:srgbClr val="000000"/>
-                </a:solidFill>
-                <a:latin typeface="+mn-lt"/>
-                <a:ea typeface="+mn-ea"/>
-                <a:cs typeface="+mn-cs"/>
-              </a:defRPr>
-            </a:lvl5pPr>
-            <a:lvl6pPr marL="2331854" indent="0" algn="l" defTabSz="932742" rtl="0" eaLnBrk="1" latinLnBrk="0" hangingPunct="1">
-              <a:spcBef>
-                <a:spcPct val="20000"/>
-              </a:spcBef>
-              <a:buFont typeface="Arial" pitchFamily="34" charset="0"/>
-              <a:buNone/>
-              <a:defRPr sz="2000" kern="1200">
-                <a:solidFill>
-                  <a:schemeClr val="tx1"/>
-                </a:solidFill>
-                <a:latin typeface="+mn-lt"/>
-                <a:ea typeface="+mn-ea"/>
-                <a:cs typeface="+mn-cs"/>
-              </a:defRPr>
-            </a:lvl6pPr>
-            <a:lvl7pPr marL="0" indent="0" algn="l" defTabSz="932742" rtl="0" eaLnBrk="1" latinLnBrk="0" hangingPunct="1">
-              <a:lnSpc>
-                <a:spcPct val="100000"/>
-              </a:lnSpc>
-              <a:spcBef>
-                <a:spcPts val="0"/>
-              </a:spcBef>
-              <a:spcAft>
-                <a:spcPts val="0"/>
-              </a:spcAft>
-              <a:buFont typeface="Arial" pitchFamily="34" charset="0"/>
-              <a:buNone/>
-              <a:defRPr sz="1000" kern="1200">
-                <a:solidFill>
-                  <a:srgbClr val="000000"/>
-                </a:solidFill>
-                <a:latin typeface="+mn-lt"/>
-                <a:ea typeface="+mn-ea"/>
-                <a:cs typeface="+mn-cs"/>
-              </a:defRPr>
-            </a:lvl7pPr>
-            <a:lvl8pPr marL="3497783" indent="-233186" algn="l" defTabSz="932742" rtl="0" eaLnBrk="1" latinLnBrk="0" hangingPunct="1">
-              <a:spcBef>
-                <a:spcPct val="20000"/>
-              </a:spcBef>
-              <a:buFont typeface="Arial" pitchFamily="34" charset="0"/>
-              <a:buChar char="•"/>
-              <a:defRPr sz="2000" kern="1200">
-                <a:solidFill>
-                  <a:schemeClr val="tx1"/>
-                </a:solidFill>
-                <a:latin typeface="+mn-lt"/>
-                <a:ea typeface="+mn-ea"/>
-                <a:cs typeface="+mn-cs"/>
-              </a:defRPr>
-            </a:lvl8pPr>
-            <a:lvl9pPr marL="3964155" indent="-233186" algn="l" defTabSz="932742" rtl="0" eaLnBrk="1" latinLnBrk="0" hangingPunct="1">
-              <a:spcBef>
-                <a:spcPct val="20000"/>
-              </a:spcBef>
-              <a:buFont typeface="Arial" pitchFamily="34" charset="0"/>
-              <a:buChar char="•"/>
-              <a:defRPr sz="2000" kern="1200">
-                <a:solidFill>
-                  <a:schemeClr val="tx1"/>
-                </a:solidFill>
-                <a:latin typeface="+mn-lt"/>
-                <a:ea typeface="+mn-ea"/>
-                <a:cs typeface="+mn-cs"/>
-              </a:defRPr>
-            </a:lvl9pPr>
-          </a:lstStyle>
-          <a:p>
-            <a:r>
-              <a:rPr lang="pt-BR" sz="4800" dirty="0"/>
-              <a:t>Tabela de Preços</a:t>
-            </a:r>
-          </a:p>
-        </p:txBody>
-      </p:sp>
-      <p:pic>
-        <p:nvPicPr>
-          <p:cNvPr id="3" name="Imagem 2">
-            <a:extLst>
-              <a:ext uri="{FF2B5EF4-FFF2-40B4-BE49-F238E27FC236}">
-                <a16:creationId xmlns:a16="http://schemas.microsoft.com/office/drawing/2014/main" id="{4F8DB885-E259-04C3-76DA-76A24DD6F6DC}"/>
-              </a:ext>
-            </a:extLst>
-          </p:cNvPr>
-          <p:cNvPicPr>
-            <a:picLocks noChangeAspect="1"/>
-          </p:cNvPicPr>
-          <p:nvPr/>
-        </p:nvPicPr>
-        <p:blipFill>
-          <a:blip r:embed="rId3"/>
-          <a:stretch>
-            <a:fillRect/>
-          </a:stretch>
-        </p:blipFill>
-        <p:spPr>
-          <a:xfrm>
-            <a:off x="4557455" y="2142478"/>
-            <a:ext cx="2925037" cy="2711623"/>
-          </a:xfrm>
-          <a:prstGeom prst="rect">
-            <a:avLst/>
-          </a:prstGeom>
-          <a:ln>
-            <a:noFill/>
-          </a:ln>
-          <a:effectLst>
-            <a:softEdge rad="112500"/>
-          </a:effectLst>
-        </p:spPr>
-      </p:pic>
-    </p:spTree>
-    <p:extLst>
-      <p:ext uri="{BB962C8B-B14F-4D97-AF65-F5344CB8AC3E}">
-        <p14:creationId xmlns:p14="http://schemas.microsoft.com/office/powerpoint/2010/main" val="2895380450"/>
-      </p:ext>
-    </p:extLst>
-  </p:cSld>
-  <p:clrMapOvr>
-    <a:masterClrMapping/>
-  </p:clrMapOvr>
-  <mc:AlternateContent xmlns:mc="http://schemas.openxmlformats.org/markup-compatibility/2006" xmlns:p14="http://schemas.microsoft.com/office/powerpoint/2010/main">
-    <mc:Choice Requires="p14">
-      <p:transition spd="med" p14:dur="700">
-        <p:fade/>
-      </p:transition>
-    </mc:Choice>
-    <mc:Fallback xmlns="">
-      <p:transition spd="med">
-        <p:fade/>
-      </p:transition>
-    </mc:Fallback>
-  </mc:AlternateContent>
-</p:sld>
-</file>
-
-<file path=ppt/slides/slide8.xml><?xml version="1.0" encoding="utf-8"?>
-<p:sld xmlns:a="http://schemas.openxmlformats.org/drawingml/2006/main" xmlns:r="http://schemas.openxmlformats.org/officeDocument/2006/relationships" xmlns:p="http://schemas.openxmlformats.org/presentationml/2006/main">
-  <p:cSld>
-    <p:spTree>
-      <p:nvGrpSpPr>
-        <p:cNvPr id="1" name=""/>
-        <p:cNvGrpSpPr/>
-        <p:nvPr/>
-      </p:nvGrpSpPr>
-      <p:grpSpPr>
-        <a:xfrm>
-          <a:off x="0" y="0"/>
-          <a:ext cx="0" cy="0"/>
-          <a:chOff x="0" y="0"/>
-          <a:chExt cx="0" cy="0"/>
-        </a:xfrm>
-      </p:grpSpPr>
-      <p:sp>
-        <p:nvSpPr>
-          <p:cNvPr id="5" name="CaixaDeTexto 4">
-            <a:extLst>
-              <a:ext uri="{FF2B5EF4-FFF2-40B4-BE49-F238E27FC236}">
-                <a16:creationId xmlns:a16="http://schemas.microsoft.com/office/drawing/2014/main" id="{8ACDB991-EC5C-F38D-2382-DB6C1328DBFA}"/>
-              </a:ext>
-            </a:extLst>
-          </p:cNvPr>
-          <p:cNvSpPr txBox="1"/>
-          <p:nvPr/>
-        </p:nvSpPr>
-        <p:spPr>
-          <a:xfrm>
-            <a:off x="282102" y="1021404"/>
-            <a:ext cx="10739336" cy="1569660"/>
-          </a:xfrm>
-          <a:prstGeom prst="rect">
-            <a:avLst/>
-          </a:prstGeom>
-          <a:noFill/>
-        </p:spPr>
-        <p:txBody>
-          <a:bodyPr wrap="square">
-            <a:spAutoFit/>
-          </a:bodyPr>
-          <a:lstStyle/>
-          <a:p>
-            <a:r>
-              <a:rPr lang="pt-BR" sz="4800" spc="-50" dirty="0">
-                <a:solidFill>
-                  <a:schemeClr val="bg2"/>
-                </a:solidFill>
-                <a:latin typeface="+mj-lt"/>
-              </a:rPr>
-              <a:t>Resumo</a:t>
-            </a:r>
-          </a:p>
-          <a:p>
-            <a:endParaRPr lang="pt-BR" sz="2400" dirty="0">
-              <a:solidFill>
-                <a:schemeClr val="bg1"/>
-              </a:solidFill>
-            </a:endParaRPr>
-          </a:p>
-          <a:p>
-            <a:r>
-              <a:rPr lang="pt-BR" sz="2400" dirty="0">
-                <a:solidFill>
-                  <a:schemeClr val="bg1"/>
-                </a:solidFill>
-              </a:rPr>
-              <a:t>Token é uma palavra de retorno, “Pará" é um token, conjunto de caracteres</a:t>
-            </a:r>
-          </a:p>
-        </p:txBody>
-      </p:sp>
-    </p:spTree>
-    <p:extLst>
-      <p:ext uri="{BB962C8B-B14F-4D97-AF65-F5344CB8AC3E}">
-        <p14:creationId xmlns:p14="http://schemas.microsoft.com/office/powerpoint/2010/main" val="931075014"/>
-      </p:ext>
-    </p:extLst>
-  </p:cSld>
-  <p:clrMapOvr>
-    <a:masterClrMapping/>
-  </p:clrMapOvr>
-  <mc:AlternateContent xmlns:mc="http://schemas.openxmlformats.org/markup-compatibility/2006" xmlns:p14="http://schemas.microsoft.com/office/powerpoint/2010/main">
-    <mc:Choice Requires="p14">
-      <p:transition spd="med" p14:dur="700">
-        <p:fade/>
-      </p:transition>
-    </mc:Choice>
-    <mc:Fallback xmlns="">
-      <p:transition spd="med">
-        <p:fade/>
-      </p:transition>
-    </mc:Fallback>
-  </mc:AlternateContent>
-</p:sld>
-</file>
-
-<file path=ppt/slides/slide9.xml><?xml version="1.0" encoding="utf-8"?>
-<p:sld xmlns:a="http://schemas.openxmlformats.org/drawingml/2006/main" xmlns:r="http://schemas.openxmlformats.org/officeDocument/2006/relationships" xmlns:p="http://schemas.openxmlformats.org/presentationml/2006/main">
-  <p:cSld>
-    <p:spTree>
-      <p:nvGrpSpPr>
-        <p:cNvPr id="1" name=""/>
-        <p:cNvGrpSpPr/>
-        <p:nvPr/>
-      </p:nvGrpSpPr>
-      <p:grpSpPr>
-        <a:xfrm>
-          <a:off x="0" y="0"/>
-          <a:ext cx="0" cy="0"/>
-          <a:chOff x="0" y="0"/>
-          <a:chExt cx="0" cy="0"/>
-        </a:xfrm>
-      </p:grpSpPr>
-      <p:sp>
-        <p:nvSpPr>
-          <p:cNvPr id="5" name="CaixaDeTexto 4">
-            <a:extLst>
-              <a:ext uri="{FF2B5EF4-FFF2-40B4-BE49-F238E27FC236}">
-                <a16:creationId xmlns:a16="http://schemas.microsoft.com/office/drawing/2014/main" id="{8ACDB991-EC5C-F38D-2382-DB6C1328DBFA}"/>
-              </a:ext>
-            </a:extLst>
-          </p:cNvPr>
-          <p:cNvSpPr txBox="1"/>
-          <p:nvPr/>
-        </p:nvSpPr>
-        <p:spPr>
-          <a:xfrm>
-            <a:off x="675126" y="5136584"/>
-            <a:ext cx="10649356" cy="369332"/>
-          </a:xfrm>
-          <a:prstGeom prst="rect">
-            <a:avLst/>
-          </a:prstGeom>
-          <a:noFill/>
-        </p:spPr>
-        <p:txBody>
-          <a:bodyPr wrap="square">
-            <a:spAutoFit/>
-          </a:bodyPr>
-          <a:lstStyle/>
-          <a:p>
-            <a:r>
-              <a:rPr lang="pt-BR" dirty="0">
-                <a:solidFill>
-                  <a:schemeClr val="bg1"/>
-                </a:solidFill>
-              </a:rPr>
-              <a:t>https://marketplace.visualstudio.com/items?itemName=mustaphalarhrouch.GPTPullRequestReview</a:t>
-            </a:r>
-          </a:p>
-        </p:txBody>
-      </p:sp>
-      <p:sp>
-        <p:nvSpPr>
-          <p:cNvPr id="6" name="Espaço Reservado para Texto 2">
-            <a:extLst>
-              <a:ext uri="{FF2B5EF4-FFF2-40B4-BE49-F238E27FC236}">
-                <a16:creationId xmlns:a16="http://schemas.microsoft.com/office/drawing/2014/main" id="{4241B9D4-4E11-C865-F7EE-C8ADDF366F9D}"/>
-              </a:ext>
-            </a:extLst>
-          </p:cNvPr>
-          <p:cNvSpPr txBox="1">
-            <a:spLocks/>
-          </p:cNvSpPr>
-          <p:nvPr/>
-        </p:nvSpPr>
-        <p:spPr>
-          <a:xfrm>
-            <a:off x="451338" y="803485"/>
-            <a:ext cx="9795376" cy="923330"/>
-          </a:xfrm>
-          <a:prstGeom prst="rect">
-            <a:avLst/>
-          </a:prstGeom>
-        </p:spPr>
-        <p:txBody>
-          <a:bodyPr vert="horz" wrap="square" lIns="0" tIns="91440" rIns="146304" bIns="91440" rtlCol="0">
-            <a:spAutoFit/>
-          </a:bodyPr>
-          <a:lstStyle>
-            <a:lvl1pPr marL="0" marR="0" indent="0" algn="l" defTabSz="932742" rtl="0" eaLnBrk="1" fontAlgn="auto" latinLnBrk="0" hangingPunct="1">
-              <a:lnSpc>
-                <a:spcPct val="100000"/>
-              </a:lnSpc>
-              <a:spcBef>
-                <a:spcPts val="0"/>
-              </a:spcBef>
-              <a:spcAft>
-                <a:spcPts val="0"/>
-              </a:spcAft>
-              <a:buClrTx/>
-              <a:buSzPct val="90000"/>
-              <a:buFont typeface="Wingdings" panose="05000000000000000000" pitchFamily="2" charset="2"/>
-              <a:buNone/>
-              <a:tabLst/>
-              <a:defRPr sz="1800" kern="1200" spc="-50" baseline="0">
-                <a:solidFill>
-                  <a:schemeClr val="bg2"/>
-                </a:solidFill>
-                <a:latin typeface="+mj-lt"/>
-                <a:ea typeface="+mn-ea"/>
-                <a:cs typeface="+mn-cs"/>
-              </a:defRPr>
-            </a:lvl1pPr>
-            <a:lvl2pPr marL="0" marR="0" indent="0" algn="l" defTabSz="932742" rtl="0" eaLnBrk="1" fontAlgn="auto" latinLnBrk="0" hangingPunct="1">
-              <a:lnSpc>
-                <a:spcPct val="100000"/>
-              </a:lnSpc>
-              <a:spcBef>
-                <a:spcPts val="0"/>
-              </a:spcBef>
-              <a:spcAft>
-                <a:spcPts val="0"/>
-              </a:spcAft>
-              <a:buClrTx/>
-              <a:buSzPct val="90000"/>
-              <a:buFontTx/>
-              <a:buNone/>
-              <a:tabLst/>
-              <a:defRPr sz="1800" kern="1200" spc="0" baseline="0">
-                <a:solidFill>
-                  <a:srgbClr val="000000"/>
-                </a:solidFill>
-                <a:latin typeface="+mn-lt"/>
-                <a:ea typeface="+mn-ea"/>
-                <a:cs typeface="+mn-cs"/>
-              </a:defRPr>
-            </a:lvl2pPr>
-            <a:lvl3pPr marL="0" marR="0" indent="0" algn="l" defTabSz="932742" rtl="0" eaLnBrk="1" fontAlgn="auto" latinLnBrk="0" hangingPunct="1">
-              <a:lnSpc>
-                <a:spcPct val="100000"/>
-              </a:lnSpc>
-              <a:spcBef>
-                <a:spcPts val="0"/>
-              </a:spcBef>
-              <a:spcAft>
-                <a:spcPts val="0"/>
-              </a:spcAft>
-              <a:buClrTx/>
-              <a:buSzPct val="90000"/>
-              <a:buFont typeface="Wingdings" panose="05000000000000000000" pitchFamily="2" charset="2"/>
-              <a:buNone/>
-              <a:tabLst/>
-              <a:defRPr sz="1400" kern="1200" spc="0" baseline="0">
-                <a:solidFill>
-                  <a:schemeClr val="tx2"/>
-                </a:solidFill>
-                <a:latin typeface="+mj-lt"/>
-                <a:ea typeface="+mn-ea"/>
-                <a:cs typeface="+mn-cs"/>
-              </a:defRPr>
-            </a:lvl3pPr>
-            <a:lvl4pPr marL="0" marR="0" indent="0" algn="l" defTabSz="932742" rtl="0" eaLnBrk="1" fontAlgn="auto" latinLnBrk="0" hangingPunct="1">
-              <a:lnSpc>
-                <a:spcPct val="100000"/>
-              </a:lnSpc>
-              <a:spcBef>
-                <a:spcPts val="0"/>
-              </a:spcBef>
-              <a:spcAft>
-                <a:spcPts val="0"/>
-              </a:spcAft>
-              <a:buClrTx/>
-              <a:buSzPct val="90000"/>
-              <a:buFont typeface="Wingdings" panose="05000000000000000000" pitchFamily="2" charset="2"/>
-              <a:buNone/>
-              <a:tabLst/>
-              <a:defRPr sz="1400" kern="1200" spc="0" baseline="0">
-                <a:solidFill>
-                  <a:srgbClr val="000000"/>
-                </a:solidFill>
-                <a:latin typeface="+mn-lt"/>
-                <a:ea typeface="+mn-ea"/>
-                <a:cs typeface="+mn-cs"/>
-              </a:defRPr>
-            </a:lvl4pPr>
-            <a:lvl5pPr marL="0" marR="0" indent="0" algn="l" defTabSz="932742" rtl="0" eaLnBrk="1" fontAlgn="auto" latinLnBrk="0" hangingPunct="1">
-              <a:lnSpc>
-                <a:spcPct val="100000"/>
-              </a:lnSpc>
-              <a:spcBef>
-                <a:spcPts val="0"/>
-              </a:spcBef>
-              <a:spcAft>
-                <a:spcPts val="0"/>
-              </a:spcAft>
-              <a:buClrTx/>
-              <a:buSzPct val="90000"/>
-              <a:buFont typeface="Wingdings" panose="05000000000000000000" pitchFamily="2" charset="2"/>
-              <a:buNone/>
-              <a:tabLst/>
-              <a:defRPr sz="1050" b="1" kern="1200" spc="0" baseline="0">
-                <a:solidFill>
-                  <a:srgbClr val="000000"/>
-                </a:solidFill>
-                <a:latin typeface="+mn-lt"/>
-                <a:ea typeface="+mn-ea"/>
-                <a:cs typeface="+mn-cs"/>
-              </a:defRPr>
-            </a:lvl5pPr>
-            <a:lvl6pPr marL="2331854" indent="0" algn="l" defTabSz="932742" rtl="0" eaLnBrk="1" latinLnBrk="0" hangingPunct="1">
-              <a:spcBef>
-                <a:spcPct val="20000"/>
-              </a:spcBef>
-              <a:buFont typeface="Arial" pitchFamily="34" charset="0"/>
-              <a:buNone/>
-              <a:defRPr sz="2000" kern="1200">
-                <a:solidFill>
-                  <a:schemeClr val="tx1"/>
-                </a:solidFill>
-                <a:latin typeface="+mn-lt"/>
-                <a:ea typeface="+mn-ea"/>
-                <a:cs typeface="+mn-cs"/>
-              </a:defRPr>
-            </a:lvl6pPr>
-            <a:lvl7pPr marL="0" indent="0" algn="l" defTabSz="932742" rtl="0" eaLnBrk="1" latinLnBrk="0" hangingPunct="1">
-              <a:lnSpc>
-                <a:spcPct val="100000"/>
-              </a:lnSpc>
-              <a:spcBef>
-                <a:spcPts val="0"/>
-              </a:spcBef>
-              <a:spcAft>
-                <a:spcPts val="0"/>
-              </a:spcAft>
-              <a:buFont typeface="Arial" pitchFamily="34" charset="0"/>
-              <a:buNone/>
-              <a:defRPr sz="1000" kern="1200">
-                <a:solidFill>
-                  <a:srgbClr val="000000"/>
-                </a:solidFill>
-                <a:latin typeface="+mn-lt"/>
-                <a:ea typeface="+mn-ea"/>
-                <a:cs typeface="+mn-cs"/>
-              </a:defRPr>
-            </a:lvl7pPr>
-            <a:lvl8pPr marL="3497783" indent="-233186" algn="l" defTabSz="932742" rtl="0" eaLnBrk="1" latinLnBrk="0" hangingPunct="1">
-              <a:spcBef>
-                <a:spcPct val="20000"/>
-              </a:spcBef>
-              <a:buFont typeface="Arial" pitchFamily="34" charset="0"/>
-              <a:buChar char="•"/>
-              <a:defRPr sz="2000" kern="1200">
-                <a:solidFill>
-                  <a:schemeClr val="tx1"/>
-                </a:solidFill>
-                <a:latin typeface="+mn-lt"/>
-                <a:ea typeface="+mn-ea"/>
-                <a:cs typeface="+mn-cs"/>
-              </a:defRPr>
-            </a:lvl8pPr>
-            <a:lvl9pPr marL="3964155" indent="-233186" algn="l" defTabSz="932742" rtl="0" eaLnBrk="1" latinLnBrk="0" hangingPunct="1">
-              <a:spcBef>
-                <a:spcPct val="20000"/>
-              </a:spcBef>
-              <a:buFont typeface="Arial" pitchFamily="34" charset="0"/>
-              <a:buChar char="•"/>
-              <a:defRPr sz="2000" kern="1200">
-                <a:solidFill>
-                  <a:schemeClr val="tx1"/>
-                </a:solidFill>
-                <a:latin typeface="+mn-lt"/>
-                <a:ea typeface="+mn-ea"/>
-                <a:cs typeface="+mn-cs"/>
-              </a:defRPr>
-            </a:lvl9pPr>
-          </a:lstStyle>
-          <a:p>
-            <a:r>
-              <a:rPr lang="pt-BR" sz="4800" dirty="0"/>
-              <a:t>Task de </a:t>
-            </a:r>
-            <a:r>
-              <a:rPr lang="pt-BR" sz="4800" dirty="0" err="1"/>
-              <a:t>pullrequest</a:t>
-            </a:r>
-            <a:endParaRPr lang="pt-BR" sz="4800" dirty="0"/>
-          </a:p>
-        </p:txBody>
-      </p:sp>
-      <p:pic>
-        <p:nvPicPr>
-          <p:cNvPr id="4" name="Imagem 3">
-            <a:extLst>
-              <a:ext uri="{FF2B5EF4-FFF2-40B4-BE49-F238E27FC236}">
-                <a16:creationId xmlns:a16="http://schemas.microsoft.com/office/drawing/2014/main" id="{A87DD783-77F1-74D5-B61E-50859A43DFE5}"/>
-              </a:ext>
-            </a:extLst>
-          </p:cNvPr>
-          <p:cNvPicPr>
-            <a:picLocks noChangeAspect="1"/>
-          </p:cNvPicPr>
-          <p:nvPr/>
-        </p:nvPicPr>
-        <p:blipFill>
-          <a:blip r:embed="rId3"/>
-          <a:stretch>
-            <a:fillRect/>
-          </a:stretch>
-        </p:blipFill>
-        <p:spPr>
-          <a:xfrm>
-            <a:off x="4523362" y="2233033"/>
-            <a:ext cx="2952884" cy="2766665"/>
-          </a:xfrm>
-          <a:prstGeom prst="rect">
-            <a:avLst/>
-          </a:prstGeom>
-          <a:ln>
-            <a:noFill/>
-          </a:ln>
-          <a:effectLst>
-            <a:softEdge rad="112500"/>
-          </a:effectLst>
-        </p:spPr>
-      </p:pic>
-    </p:spTree>
-    <p:extLst>
-      <p:ext uri="{BB962C8B-B14F-4D97-AF65-F5344CB8AC3E}">
-        <p14:creationId xmlns:p14="http://schemas.microsoft.com/office/powerpoint/2010/main" val="542209857"/>
       </p:ext>
     </p:extLst>
   </p:cSld>
@@ -29565,6 +32546,15 @@
 </file>
 
 <file path=customXml/item1.xml><?xml version="1.0" encoding="utf-8"?>
+<?mso-contentType ?>
+<FormTemplates xmlns="http://schemas.microsoft.com/sharepoint/v3/contenttype/forms">
+  <Display>DocumentLibraryForm</Display>
+  <Edit>DocumentLibraryForm</Edit>
+  <New>DocumentLibraryForm</New>
+</FormTemplates>
+</file>
+
+<file path=customXml/item2.xml><?xml version="1.0" encoding="utf-8"?>
 <ct:contentTypeSchema xmlns:ct="http://schemas.microsoft.com/office/2006/metadata/contentType" xmlns:ma="http://schemas.microsoft.com/office/2006/metadata/properties/metaAttributes" ct:_="" ma:_="" ma:contentTypeName="Document" ma:contentTypeID="0x010100C19B4546D391A349BE05AD29F9530504" ma:contentTypeVersion="8" ma:contentTypeDescription="Create a new document." ma:contentTypeScope="" ma:versionID="abefe0faccb33ea1c30b003d8120f948">
   <xsd:schema xmlns:xsd="http://www.w3.org/2001/XMLSchema" xmlns:xs="http://www.w3.org/2001/XMLSchema" xmlns:p="http://schemas.microsoft.com/office/2006/metadata/properties" xmlns:ns2="573658d2-825f-470e-8b88-a4a2deb94391" xmlns:ns3="9537331d-6386-4ea3-bab7-14a523f5dc52" targetNamespace="http://schemas.microsoft.com/office/2006/metadata/properties" ma:root="true" ma:fieldsID="aea6fda388b4fa532bd11596e8506557" ns2:_="" ns3:_="">
     <xsd:import namespace="573658d2-825f-470e-8b88-a4a2deb94391"/>
@@ -29741,15 +32731,6 @@
 </ct:contentTypeSchema>
 </file>
 
-<file path=customXml/item2.xml><?xml version="1.0" encoding="utf-8"?>
-<?mso-contentType ?>
-<FormTemplates xmlns="http://schemas.microsoft.com/sharepoint/v3/contenttype/forms">
-  <Display>DocumentLibraryForm</Display>
-  <Edit>DocumentLibraryForm</Edit>
-  <New>DocumentLibraryForm</New>
-</FormTemplates>
-</file>
-
 <file path=customXml/item3.xml><?xml version="1.0" encoding="utf-8"?>
 <p:properties xmlns:p="http://schemas.microsoft.com/office/2006/metadata/properties" xmlns:xsi="http://www.w3.org/2001/XMLSchema-instance" xmlns:pc="http://schemas.microsoft.com/office/infopath/2007/PartnerControls">
   <documentManagement>
@@ -29762,6 +32743,14 @@
 </file>
 
 <file path=customXml/itemProps1.xml><?xml version="1.0" encoding="utf-8"?>
+<ds:datastoreItem xmlns:ds="http://schemas.openxmlformats.org/officeDocument/2006/customXml" ds:itemID="{758FDAC0-319D-4A54-8D8E-1D42CB1F8004}">
+  <ds:schemaRefs>
+    <ds:schemaRef ds:uri="http://schemas.microsoft.com/sharepoint/v3/contenttype/forms"/>
+  </ds:schemaRefs>
+</ds:datastoreItem>
+</file>
+
+<file path=customXml/itemProps2.xml><?xml version="1.0" encoding="utf-8"?>
 <ds:datastoreItem xmlns:ds="http://schemas.openxmlformats.org/officeDocument/2006/customXml" ds:itemID="{614BD38F-8FF7-405C-9634-7E23E9D27E95}">
   <ds:schemaRefs>
     <ds:schemaRef ds:uri="573658d2-825f-470e-8b88-a4a2deb94391"/>
@@ -29776,14 +32765,6 @@
     <ds:schemaRef ds:uri="http://schemas.microsoft.com/office/infopath/2007/PartnerControls"/>
     <ds:schemaRef ds:uri="http://schemas.openxmlformats.org/package/2006/metadata/core-properties"/>
     <ds:schemaRef ds:uri="http://www.w3.org/2001/XMLSchema"/>
-  </ds:schemaRefs>
-</ds:datastoreItem>
-</file>
-
-<file path=customXml/itemProps2.xml><?xml version="1.0" encoding="utf-8"?>
-<ds:datastoreItem xmlns:ds="http://schemas.openxmlformats.org/officeDocument/2006/customXml" ds:itemID="{758FDAC0-319D-4A54-8D8E-1D42CB1F8004}">
-  <ds:schemaRefs>
-    <ds:schemaRef ds:uri="http://schemas.microsoft.com/sharepoint/v3/contenttype/forms"/>
   </ds:schemaRefs>
 </ds:datastoreItem>
 </file>

--- a/AzureOpenAI.pptx
+++ b/AzureOpenAI.pptx
@@ -3154,7 +3154,7 @@
               <a:rPr lang="en-US" smtClean="0">
                 <a:latin typeface="Segoe UI" pitchFamily="34" charset="0"/>
               </a:rPr>
-              <a:t>10/30/2023 9:55 PM</a:t>
+              <a:t>10/30/2023 11:04 PM</a:t>
             </a:fld>
             <a:endParaRPr lang="en-US">
               <a:latin typeface="Segoe UI" pitchFamily="34" charset="0"/>
@@ -3432,7 +3432,7 @@
           <a:p>
             <a:fld id="{DCE60099-03E7-4FA1-8A7F-E6E6CFB0F855}" type="datetime8">
               <a:rPr lang="en-US" smtClean="0"/>
-              <a:t>10/30/2023 9:54 PM</a:t>
+              <a:t>10/30/2023 11:03 PM</a:t>
             </a:fld>
             <a:endParaRPr lang="en-US"/>
           </a:p>
@@ -27657,13 +27657,13 @@
   <p:clrMapOvr>
     <a:masterClrMapping/>
   </p:clrMapOvr>
-  <mc:AlternateContent xmlns:mc="http://schemas.openxmlformats.org/markup-compatibility/2006">
-    <mc:Choice xmlns:p14="http://schemas.microsoft.com/office/powerpoint/2010/main" Requires="p14">
+  <mc:AlternateContent xmlns:mc="http://schemas.openxmlformats.org/markup-compatibility/2006" xmlns:p14="http://schemas.microsoft.com/office/powerpoint/2010/main">
+    <mc:Choice Requires="p14">
       <p:transition spd="med" p14:dur="700">
         <p:fade/>
       </p:transition>
     </mc:Choice>
-    <mc:Fallback>
+    <mc:Fallback xmlns="">
       <p:transition spd="med">
         <p:fade/>
       </p:transition>
@@ -29362,7 +29362,7 @@
         <p:spPr>
           <a:xfrm>
             <a:off x="451338" y="2010358"/>
-            <a:ext cx="11202398" cy="3693319"/>
+            <a:ext cx="11202398" cy="4431983"/>
           </a:xfrm>
           <a:prstGeom prst="rect">
             <a:avLst/>
@@ -29475,6 +29475,36 @@
               </a:rPr>
               <a:t>- Criação de PR com AI</a:t>
             </a:r>
+          </a:p>
+          <a:p>
+            <a:pPr algn="l"/>
+            <a:endParaRPr lang="pt-BR" sz="2400" spc="-50" dirty="0">
+              <a:solidFill>
+                <a:schemeClr val="bg1"/>
+              </a:solidFill>
+              <a:latin typeface="Arial" panose="020B0604020202020204" pitchFamily="34" charset="0"/>
+              <a:cs typeface="Arial" panose="020B0604020202020204" pitchFamily="34" charset="0"/>
+            </a:endParaRPr>
+          </a:p>
+          <a:p>
+            <a:pPr algn="l"/>
+            <a:r>
+              <a:rPr lang="pt-BR" sz="2400" spc="-50">
+                <a:solidFill>
+                  <a:schemeClr val="bg1"/>
+                </a:solidFill>
+                <a:latin typeface="Arial" panose="020B0604020202020204" pitchFamily="34" charset="0"/>
+                <a:cs typeface="Arial" panose="020B0604020202020204" pitchFamily="34" charset="0"/>
+              </a:rPr>
+              <a:t>Resultados</a:t>
+            </a:r>
+            <a:endParaRPr lang="pt-BR" sz="2400" spc="-50" dirty="0">
+              <a:solidFill>
+                <a:schemeClr val="bg1"/>
+              </a:solidFill>
+              <a:latin typeface="Arial" panose="020B0604020202020204" pitchFamily="34" charset="0"/>
+              <a:cs typeface="Arial" panose="020B0604020202020204" pitchFamily="34" charset="0"/>
+            </a:endParaRPr>
           </a:p>
           <a:p>
             <a:pPr algn="l"/>
@@ -29515,13 +29545,13 @@
   <p:clrMapOvr>
     <a:masterClrMapping/>
   </p:clrMapOvr>
-  <mc:AlternateContent xmlns:mc="http://schemas.openxmlformats.org/markup-compatibility/2006">
-    <mc:Choice xmlns:p14="http://schemas.microsoft.com/office/powerpoint/2010/main" Requires="p14">
+  <mc:AlternateContent xmlns:mc="http://schemas.openxmlformats.org/markup-compatibility/2006" xmlns:p14="http://schemas.microsoft.com/office/powerpoint/2010/main">
+    <mc:Choice Requires="p14">
       <p:transition spd="med" p14:dur="700">
         <p:fade/>
       </p:transition>
     </mc:Choice>
-    <mc:Fallback>
+    <mc:Fallback xmlns="">
       <p:transition spd="med">
         <p:fade/>
       </p:transition>
@@ -29845,13 +29875,13 @@
   <p:clrMapOvr>
     <a:masterClrMapping/>
   </p:clrMapOvr>
-  <mc:AlternateContent xmlns:mc="http://schemas.openxmlformats.org/markup-compatibility/2006">
-    <mc:Choice xmlns:p14="http://schemas.microsoft.com/office/powerpoint/2010/main" Requires="p14">
+  <mc:AlternateContent xmlns:mc="http://schemas.openxmlformats.org/markup-compatibility/2006" xmlns:p14="http://schemas.microsoft.com/office/powerpoint/2010/main">
+    <mc:Choice Requires="p14">
       <p:transition spd="med" p14:dur="700">
         <p:fade/>
       </p:transition>
     </mc:Choice>
-    <mc:Fallback>
+    <mc:Fallback xmlns="">
       <p:transition spd="med">
         <p:fade/>
       </p:transition>
@@ -30177,13 +30207,13 @@
   <p:clrMapOvr>
     <a:masterClrMapping/>
   </p:clrMapOvr>
-  <mc:AlternateContent xmlns:mc="http://schemas.openxmlformats.org/markup-compatibility/2006">
-    <mc:Choice xmlns:p14="http://schemas.microsoft.com/office/powerpoint/2010/main" Requires="p14">
+  <mc:AlternateContent xmlns:mc="http://schemas.openxmlformats.org/markup-compatibility/2006" xmlns:p14="http://schemas.microsoft.com/office/powerpoint/2010/main">
+    <mc:Choice Requires="p14">
       <p:transition spd="med" p14:dur="700">
         <p:fade/>
       </p:transition>
     </mc:Choice>
-    <mc:Fallback>
+    <mc:Fallback xmlns="">
       <p:transition spd="med">
         <p:fade/>
       </p:transition>
@@ -30478,13 +30508,13 @@
   <p:clrMapOvr>
     <a:masterClrMapping/>
   </p:clrMapOvr>
-  <mc:AlternateContent xmlns:mc="http://schemas.openxmlformats.org/markup-compatibility/2006">
-    <mc:Choice xmlns:p14="http://schemas.microsoft.com/office/powerpoint/2010/main" Requires="p14">
+  <mc:AlternateContent xmlns:mc="http://schemas.openxmlformats.org/markup-compatibility/2006" xmlns:p14="http://schemas.microsoft.com/office/powerpoint/2010/main">
+    <mc:Choice Requires="p14">
       <p:transition spd="med" p14:dur="700">
         <p:fade/>
       </p:transition>
     </mc:Choice>
-    <mc:Fallback>
+    <mc:Fallback xmlns="">
       <p:transition spd="med">
         <p:fade/>
       </p:transition>
@@ -30780,13 +30810,13 @@
   <p:clrMapOvr>
     <a:masterClrMapping/>
   </p:clrMapOvr>
-  <mc:AlternateContent xmlns:mc="http://schemas.openxmlformats.org/markup-compatibility/2006">
-    <mc:Choice xmlns:p14="http://schemas.microsoft.com/office/powerpoint/2010/main" Requires="p14">
+  <mc:AlternateContent xmlns:mc="http://schemas.openxmlformats.org/markup-compatibility/2006" xmlns:p14="http://schemas.microsoft.com/office/powerpoint/2010/main">
+    <mc:Choice Requires="p14">
       <p:transition spd="med" p14:dur="700">
         <p:fade/>
       </p:transition>
     </mc:Choice>
-    <mc:Fallback>
+    <mc:Fallback xmlns="">
       <p:transition spd="med">
         <p:fade/>
       </p:transition>
@@ -32546,15 +32576,6 @@
 </file>
 
 <file path=customXml/item1.xml><?xml version="1.0" encoding="utf-8"?>
-<?mso-contentType ?>
-<FormTemplates xmlns="http://schemas.microsoft.com/sharepoint/v3/contenttype/forms">
-  <Display>DocumentLibraryForm</Display>
-  <Edit>DocumentLibraryForm</Edit>
-  <New>DocumentLibraryForm</New>
-</FormTemplates>
-</file>
-
-<file path=customXml/item2.xml><?xml version="1.0" encoding="utf-8"?>
 <ct:contentTypeSchema xmlns:ct="http://schemas.microsoft.com/office/2006/metadata/contentType" xmlns:ma="http://schemas.microsoft.com/office/2006/metadata/properties/metaAttributes" ct:_="" ma:_="" ma:contentTypeName="Document" ma:contentTypeID="0x010100C19B4546D391A349BE05AD29F9530504" ma:contentTypeVersion="8" ma:contentTypeDescription="Create a new document." ma:contentTypeScope="" ma:versionID="abefe0faccb33ea1c30b003d8120f948">
   <xsd:schema xmlns:xsd="http://www.w3.org/2001/XMLSchema" xmlns:xs="http://www.w3.org/2001/XMLSchema" xmlns:p="http://schemas.microsoft.com/office/2006/metadata/properties" xmlns:ns2="573658d2-825f-470e-8b88-a4a2deb94391" xmlns:ns3="9537331d-6386-4ea3-bab7-14a523f5dc52" targetNamespace="http://schemas.microsoft.com/office/2006/metadata/properties" ma:root="true" ma:fieldsID="aea6fda388b4fa532bd11596e8506557" ns2:_="" ns3:_="">
     <xsd:import namespace="573658d2-825f-470e-8b88-a4a2deb94391"/>
@@ -32731,6 +32752,15 @@
 </ct:contentTypeSchema>
 </file>
 
+<file path=customXml/item2.xml><?xml version="1.0" encoding="utf-8"?>
+<?mso-contentType ?>
+<FormTemplates xmlns="http://schemas.microsoft.com/sharepoint/v3/contenttype/forms">
+  <Display>DocumentLibraryForm</Display>
+  <Edit>DocumentLibraryForm</Edit>
+  <New>DocumentLibraryForm</New>
+</FormTemplates>
+</file>
+
 <file path=customXml/item3.xml><?xml version="1.0" encoding="utf-8"?>
 <p:properties xmlns:p="http://schemas.microsoft.com/office/2006/metadata/properties" xmlns:xsi="http://www.w3.org/2001/XMLSchema-instance" xmlns:pc="http://schemas.microsoft.com/office/infopath/2007/PartnerControls">
   <documentManagement>
@@ -32743,14 +32773,6 @@
 </file>
 
 <file path=customXml/itemProps1.xml><?xml version="1.0" encoding="utf-8"?>
-<ds:datastoreItem xmlns:ds="http://schemas.openxmlformats.org/officeDocument/2006/customXml" ds:itemID="{758FDAC0-319D-4A54-8D8E-1D42CB1F8004}">
-  <ds:schemaRefs>
-    <ds:schemaRef ds:uri="http://schemas.microsoft.com/sharepoint/v3/contenttype/forms"/>
-  </ds:schemaRefs>
-</ds:datastoreItem>
-</file>
-
-<file path=customXml/itemProps2.xml><?xml version="1.0" encoding="utf-8"?>
 <ds:datastoreItem xmlns:ds="http://schemas.openxmlformats.org/officeDocument/2006/customXml" ds:itemID="{614BD38F-8FF7-405C-9634-7E23E9D27E95}">
   <ds:schemaRefs>
     <ds:schemaRef ds:uri="573658d2-825f-470e-8b88-a4a2deb94391"/>
@@ -32765,6 +32787,14 @@
     <ds:schemaRef ds:uri="http://schemas.microsoft.com/office/infopath/2007/PartnerControls"/>
     <ds:schemaRef ds:uri="http://schemas.openxmlformats.org/package/2006/metadata/core-properties"/>
     <ds:schemaRef ds:uri="http://www.w3.org/2001/XMLSchema"/>
+  </ds:schemaRefs>
+</ds:datastoreItem>
+</file>
+
+<file path=customXml/itemProps2.xml><?xml version="1.0" encoding="utf-8"?>
+<ds:datastoreItem xmlns:ds="http://schemas.openxmlformats.org/officeDocument/2006/customXml" ds:itemID="{758FDAC0-319D-4A54-8D8E-1D42CB1F8004}">
+  <ds:schemaRefs>
+    <ds:schemaRef ds:uri="http://schemas.microsoft.com/sharepoint/v3/contenttype/forms"/>
   </ds:schemaRefs>
 </ds:datastoreItem>
 </file>

--- a/AzureOpenAI.pptx
+++ b/AzureOpenAI.pptx
@@ -3154,7 +3154,7 @@
               <a:rPr lang="en-US" smtClean="0">
                 <a:latin typeface="Segoe UI" pitchFamily="34" charset="0"/>
               </a:rPr>
-              <a:t>10/30/2023 11:04 PM</a:t>
+              <a:t>10/30/2023 11:08 PM</a:t>
             </a:fld>
             <a:endParaRPr lang="en-US">
               <a:latin typeface="Segoe UI" pitchFamily="34" charset="0"/>
@@ -3432,7 +3432,7 @@
           <a:p>
             <a:fld id="{DCE60099-03E7-4FA1-8A7F-E6E6CFB0F855}" type="datetime8">
               <a:rPr lang="en-US" smtClean="0"/>
-              <a:t>10/30/2023 11:03 PM</a:t>
+              <a:t>10/30/2023 11:08 PM</a:t>
             </a:fld>
             <a:endParaRPr lang="en-US"/>
           </a:p>
@@ -25382,8 +25382,8 @@
         </p:nvSpPr>
         <p:spPr bwMode="auto">
           <a:xfrm>
-            <a:off x="282102" y="1760849"/>
-            <a:ext cx="10458569" cy="1131785"/>
+            <a:off x="372638" y="1695779"/>
+            <a:ext cx="10458569" cy="4455515"/>
           </a:xfrm>
           <a:prstGeom prst="rect">
             <a:avLst/>
@@ -25693,11 +25693,227 @@
                 </a:solidFill>
                 <a:latin typeface="+mn-lt"/>
               </a:rPr>
-              <a:t>" é um único token </a:t>
+              <a:t>" é um único token</a:t>
+            </a:r>
+          </a:p>
+          <a:p>
+            <a:pPr marL="0" marR="0" lvl="0" indent="0" algn="l" defTabSz="914400" rtl="0" eaLnBrk="0" fontAlgn="base" latinLnBrk="0" hangingPunct="0">
+              <a:lnSpc>
+                <a:spcPct val="150000"/>
+              </a:lnSpc>
+              <a:spcBef>
+                <a:spcPct val="0"/>
+              </a:spcBef>
+              <a:spcAft>
+                <a:spcPct val="0"/>
+              </a:spcAft>
+              <a:buClrTx/>
+              <a:buSzTx/>
+              <a:buFontTx/>
+              <a:buNone/>
+              <a:tabLst/>
+            </a:pPr>
+            <a:endParaRPr lang="pt-BR" altLang="pt-BR" sz="2400" dirty="0">
+              <a:solidFill>
+                <a:schemeClr val="bg1"/>
+              </a:solidFill>
+              <a:latin typeface="+mn-lt"/>
+            </a:endParaRPr>
+          </a:p>
+          <a:p>
+            <a:pPr marL="0" marR="0" lvl="0" indent="0" algn="l" defTabSz="914400" rtl="0" eaLnBrk="0" fontAlgn="base" latinLnBrk="0" hangingPunct="0">
+              <a:lnSpc>
+                <a:spcPct val="150000"/>
+              </a:lnSpc>
+              <a:spcBef>
+                <a:spcPct val="0"/>
+              </a:spcBef>
+              <a:spcAft>
+                <a:spcPct val="0"/>
+              </a:spcAft>
+              <a:buClrTx/>
+              <a:buSzTx/>
+              <a:buFontTx/>
+              <a:buNone/>
+              <a:tabLst/>
+            </a:pPr>
+            <a:endParaRPr lang="pt-BR" altLang="pt-BR" sz="2400" dirty="0">
+              <a:solidFill>
+                <a:schemeClr val="bg1"/>
+              </a:solidFill>
+              <a:latin typeface="+mn-lt"/>
+            </a:endParaRPr>
+          </a:p>
+          <a:p>
+            <a:pPr marL="0" marR="0" lvl="0" indent="0" algn="l" defTabSz="914400" rtl="0" eaLnBrk="0" fontAlgn="base" latinLnBrk="0" hangingPunct="0">
+              <a:lnSpc>
+                <a:spcPct val="150000"/>
+              </a:lnSpc>
+              <a:spcBef>
+                <a:spcPct val="0"/>
+              </a:spcBef>
+              <a:spcAft>
+                <a:spcPct val="0"/>
+              </a:spcAft>
+              <a:buClrTx/>
+              <a:buSzTx/>
+              <a:buFontTx/>
+              <a:buNone/>
+              <a:tabLst/>
+            </a:pPr>
+            <a:endParaRPr lang="pt-BR" altLang="pt-BR" sz="2400" dirty="0">
+              <a:solidFill>
+                <a:schemeClr val="bg1"/>
+              </a:solidFill>
+              <a:latin typeface="+mn-lt"/>
+            </a:endParaRPr>
+          </a:p>
+          <a:p>
+            <a:pPr marL="0" marR="0" lvl="0" indent="0" algn="l" defTabSz="914400" rtl="0" eaLnBrk="0" fontAlgn="base" latinLnBrk="0" hangingPunct="0">
+              <a:lnSpc>
+                <a:spcPct val="150000"/>
+              </a:lnSpc>
+              <a:spcBef>
+                <a:spcPct val="0"/>
+              </a:spcBef>
+              <a:spcAft>
+                <a:spcPct val="0"/>
+              </a:spcAft>
+              <a:buClrTx/>
+              <a:buSzTx/>
+              <a:buFontTx/>
+              <a:buNone/>
+              <a:tabLst/>
+            </a:pPr>
+            <a:endParaRPr lang="pt-BR" altLang="pt-BR" sz="2400" dirty="0">
+              <a:solidFill>
+                <a:schemeClr val="bg1"/>
+              </a:solidFill>
+              <a:latin typeface="+mn-lt"/>
+            </a:endParaRPr>
+          </a:p>
+          <a:p>
+            <a:pPr marL="0" marR="0" lvl="0" indent="0" algn="l" defTabSz="914400" rtl="0" eaLnBrk="0" fontAlgn="base" latinLnBrk="0" hangingPunct="0">
+              <a:lnSpc>
+                <a:spcPct val="150000"/>
+              </a:lnSpc>
+              <a:spcBef>
+                <a:spcPct val="0"/>
+              </a:spcBef>
+              <a:spcAft>
+                <a:spcPct val="0"/>
+              </a:spcAft>
+              <a:buClrTx/>
+              <a:buSzTx/>
+              <a:buFontTx/>
+              <a:buNone/>
+              <a:tabLst/>
+            </a:pPr>
+            <a:r>
+              <a:rPr lang="pt-BR" altLang="pt-BR" sz="2400" dirty="0">
+                <a:solidFill>
+                  <a:schemeClr val="bg1"/>
+                </a:solidFill>
+                <a:latin typeface="+mn-lt"/>
+              </a:rPr>
+              <a:t>Fonte: https://learn.microsoft.com/pt-br/training/</a:t>
+            </a:r>
+          </a:p>
+          <a:p>
+            <a:pPr marL="0" marR="0" lvl="0" indent="0" algn="l" defTabSz="914400" rtl="0" eaLnBrk="0" fontAlgn="base" latinLnBrk="0" hangingPunct="0">
+              <a:lnSpc>
+                <a:spcPct val="150000"/>
+              </a:lnSpc>
+              <a:spcBef>
+                <a:spcPct val="0"/>
+              </a:spcBef>
+              <a:spcAft>
+                <a:spcPct val="0"/>
+              </a:spcAft>
+              <a:buClrTx/>
+              <a:buSzTx/>
+              <a:buFontTx/>
+              <a:buNone/>
+              <a:tabLst/>
+            </a:pPr>
+            <a:r>
+              <a:rPr lang="pt-BR" altLang="pt-BR" sz="2400" dirty="0">
+                <a:solidFill>
+                  <a:schemeClr val="bg1"/>
+                </a:solidFill>
+                <a:latin typeface="+mn-lt"/>
+              </a:rPr>
+              <a:t>modules/explore-</a:t>
+            </a:r>
+            <a:r>
+              <a:rPr lang="pt-BR" altLang="pt-BR" sz="2400" dirty="0" err="1">
+                <a:solidFill>
+                  <a:schemeClr val="bg1"/>
+                </a:solidFill>
+                <a:latin typeface="+mn-lt"/>
+              </a:rPr>
+              <a:t>azure</a:t>
+            </a:r>
+            <a:r>
+              <a:rPr lang="pt-BR" altLang="pt-BR" sz="2400" dirty="0">
+                <a:solidFill>
+                  <a:schemeClr val="bg1"/>
+                </a:solidFill>
+                <a:latin typeface="+mn-lt"/>
+              </a:rPr>
+              <a:t>-</a:t>
+            </a:r>
+            <a:r>
+              <a:rPr lang="pt-BR" altLang="pt-BR" sz="2400" dirty="0" err="1">
+                <a:solidFill>
+                  <a:schemeClr val="bg1"/>
+                </a:solidFill>
+                <a:latin typeface="+mn-lt"/>
+              </a:rPr>
+              <a:t>openai</a:t>
+            </a:r>
+            <a:r>
+              <a:rPr lang="pt-BR" altLang="pt-BR" sz="2400" dirty="0">
+                <a:solidFill>
+                  <a:schemeClr val="bg1"/>
+                </a:solidFill>
+                <a:latin typeface="+mn-lt"/>
+              </a:rPr>
+              <a:t>/5-understand-openai-natural-language</a:t>
             </a:r>
           </a:p>
         </p:txBody>
       </p:sp>
+      <p:pic>
+        <p:nvPicPr>
+          <p:cNvPr id="4" name="Imagem 3">
+            <a:extLst>
+              <a:ext uri="{FF2B5EF4-FFF2-40B4-BE49-F238E27FC236}">
+                <a16:creationId xmlns:a16="http://schemas.microsoft.com/office/drawing/2014/main" id="{43B20A62-C8A7-8891-9DE2-3A0F29931F43}"/>
+              </a:ext>
+            </a:extLst>
+          </p:cNvPr>
+          <p:cNvPicPr>
+            <a:picLocks noChangeAspect="1"/>
+          </p:cNvPicPr>
+          <p:nvPr/>
+        </p:nvPicPr>
+        <p:blipFill>
+          <a:blip r:embed="rId3"/>
+          <a:stretch>
+            <a:fillRect/>
+          </a:stretch>
+        </p:blipFill>
+        <p:spPr>
+          <a:xfrm>
+            <a:off x="372638" y="3233865"/>
+            <a:ext cx="10739336" cy="1743337"/>
+          </a:xfrm>
+          <a:prstGeom prst="rect">
+            <a:avLst/>
+          </a:prstGeom>
+        </p:spPr>
+      </p:pic>
     </p:spTree>
     <p:extLst>
       <p:ext uri="{BB962C8B-B14F-4D97-AF65-F5344CB8AC3E}">
@@ -32576,6 +32792,15 @@
 </file>
 
 <file path=customXml/item1.xml><?xml version="1.0" encoding="utf-8"?>
+<?mso-contentType ?>
+<FormTemplates xmlns="http://schemas.microsoft.com/sharepoint/v3/contenttype/forms">
+  <Display>DocumentLibraryForm</Display>
+  <Edit>DocumentLibraryForm</Edit>
+  <New>DocumentLibraryForm</New>
+</FormTemplates>
+</file>
+
+<file path=customXml/item2.xml><?xml version="1.0" encoding="utf-8"?>
 <ct:contentTypeSchema xmlns:ct="http://schemas.microsoft.com/office/2006/metadata/contentType" xmlns:ma="http://schemas.microsoft.com/office/2006/metadata/properties/metaAttributes" ct:_="" ma:_="" ma:contentTypeName="Document" ma:contentTypeID="0x010100C19B4546D391A349BE05AD29F9530504" ma:contentTypeVersion="8" ma:contentTypeDescription="Create a new document." ma:contentTypeScope="" ma:versionID="abefe0faccb33ea1c30b003d8120f948">
   <xsd:schema xmlns:xsd="http://www.w3.org/2001/XMLSchema" xmlns:xs="http://www.w3.org/2001/XMLSchema" xmlns:p="http://schemas.microsoft.com/office/2006/metadata/properties" xmlns:ns2="573658d2-825f-470e-8b88-a4a2deb94391" xmlns:ns3="9537331d-6386-4ea3-bab7-14a523f5dc52" targetNamespace="http://schemas.microsoft.com/office/2006/metadata/properties" ma:root="true" ma:fieldsID="aea6fda388b4fa532bd11596e8506557" ns2:_="" ns3:_="">
     <xsd:import namespace="573658d2-825f-470e-8b88-a4a2deb94391"/>
@@ -32752,15 +32977,6 @@
 </ct:contentTypeSchema>
 </file>
 
-<file path=customXml/item2.xml><?xml version="1.0" encoding="utf-8"?>
-<?mso-contentType ?>
-<FormTemplates xmlns="http://schemas.microsoft.com/sharepoint/v3/contenttype/forms">
-  <Display>DocumentLibraryForm</Display>
-  <Edit>DocumentLibraryForm</Edit>
-  <New>DocumentLibraryForm</New>
-</FormTemplates>
-</file>
-
 <file path=customXml/item3.xml><?xml version="1.0" encoding="utf-8"?>
 <p:properties xmlns:p="http://schemas.microsoft.com/office/2006/metadata/properties" xmlns:xsi="http://www.w3.org/2001/XMLSchema-instance" xmlns:pc="http://schemas.microsoft.com/office/infopath/2007/PartnerControls">
   <documentManagement>
@@ -32773,6 +32989,14 @@
 </file>
 
 <file path=customXml/itemProps1.xml><?xml version="1.0" encoding="utf-8"?>
+<ds:datastoreItem xmlns:ds="http://schemas.openxmlformats.org/officeDocument/2006/customXml" ds:itemID="{758FDAC0-319D-4A54-8D8E-1D42CB1F8004}">
+  <ds:schemaRefs>
+    <ds:schemaRef ds:uri="http://schemas.microsoft.com/sharepoint/v3/contenttype/forms"/>
+  </ds:schemaRefs>
+</ds:datastoreItem>
+</file>
+
+<file path=customXml/itemProps2.xml><?xml version="1.0" encoding="utf-8"?>
 <ds:datastoreItem xmlns:ds="http://schemas.openxmlformats.org/officeDocument/2006/customXml" ds:itemID="{614BD38F-8FF7-405C-9634-7E23E9D27E95}">
   <ds:schemaRefs>
     <ds:schemaRef ds:uri="573658d2-825f-470e-8b88-a4a2deb94391"/>
@@ -32787,14 +33011,6 @@
     <ds:schemaRef ds:uri="http://schemas.microsoft.com/office/infopath/2007/PartnerControls"/>
     <ds:schemaRef ds:uri="http://schemas.openxmlformats.org/package/2006/metadata/core-properties"/>
     <ds:schemaRef ds:uri="http://www.w3.org/2001/XMLSchema"/>
-  </ds:schemaRefs>
-</ds:datastoreItem>
-</file>
-
-<file path=customXml/itemProps2.xml><?xml version="1.0" encoding="utf-8"?>
-<ds:datastoreItem xmlns:ds="http://schemas.openxmlformats.org/officeDocument/2006/customXml" ds:itemID="{758FDAC0-319D-4A54-8D8E-1D42CB1F8004}">
-  <ds:schemaRefs>
-    <ds:schemaRef ds:uri="http://schemas.microsoft.com/sharepoint/v3/contenttype/forms"/>
   </ds:schemaRefs>
 </ds:datastoreItem>
 </file>

--- a/AzureOpenAI.pptx
+++ b/AzureOpenAI.pptx
@@ -3154,7 +3154,7 @@
               <a:rPr lang="en-US" smtClean="0">
                 <a:latin typeface="Segoe UI" pitchFamily="34" charset="0"/>
               </a:rPr>
-              <a:t>10/30/2023 11:08 PM</a:t>
+              <a:t>10/31/2023 6:42 PM</a:t>
             </a:fld>
             <a:endParaRPr lang="en-US">
               <a:latin typeface="Segoe UI" pitchFamily="34" charset="0"/>
@@ -3432,7 +3432,7 @@
           <a:p>
             <a:fld id="{DCE60099-03E7-4FA1-8A7F-E6E6CFB0F855}" type="datetime8">
               <a:rPr lang="en-US" smtClean="0"/>
-              <a:t>10/30/2023 11:08 PM</a:t>
+              <a:t>10/31/2023 6:42 PM</a:t>
             </a:fld>
             <a:endParaRPr lang="en-US"/>
           </a:p>
@@ -28925,6 +28925,71 @@
                 <a:cs typeface="+mn-cs"/>
               </a:rPr>
               <a:t>Muito obrigado!</a:t>
+            </a:r>
+          </a:p>
+        </p:txBody>
+      </p:sp>
+      <p:pic>
+        <p:nvPicPr>
+          <p:cNvPr id="5" name="Imagem 4">
+            <a:extLst>
+              <a:ext uri="{FF2B5EF4-FFF2-40B4-BE49-F238E27FC236}">
+                <a16:creationId xmlns:a16="http://schemas.microsoft.com/office/drawing/2014/main" id="{581A9902-C0A5-91A0-B93A-DF54A8DA116D}"/>
+              </a:ext>
+            </a:extLst>
+          </p:cNvPr>
+          <p:cNvPicPr>
+            <a:picLocks noChangeAspect="1"/>
+          </p:cNvPicPr>
+          <p:nvPr/>
+        </p:nvPicPr>
+        <p:blipFill>
+          <a:blip r:embed="rId4"/>
+          <a:stretch>
+            <a:fillRect/>
+          </a:stretch>
+        </p:blipFill>
+        <p:spPr>
+          <a:xfrm>
+            <a:off x="1952439" y="4072813"/>
+            <a:ext cx="1944046" cy="1919745"/>
+          </a:xfrm>
+          <a:prstGeom prst="rect">
+            <a:avLst/>
+          </a:prstGeom>
+        </p:spPr>
+      </p:pic>
+      <p:sp>
+        <p:nvSpPr>
+          <p:cNvPr id="7" name="CaixaDeTexto 6">
+            <a:extLst>
+              <a:ext uri="{FF2B5EF4-FFF2-40B4-BE49-F238E27FC236}">
+                <a16:creationId xmlns:a16="http://schemas.microsoft.com/office/drawing/2014/main" id="{F3BCEAE4-4364-CCBC-561F-FDA9874D68D6}"/>
+              </a:ext>
+            </a:extLst>
+          </p:cNvPr>
+          <p:cNvSpPr txBox="1"/>
+          <p:nvPr/>
+        </p:nvSpPr>
+        <p:spPr>
+          <a:xfrm>
+            <a:off x="663167" y="6014198"/>
+            <a:ext cx="6867052" cy="369332"/>
+          </a:xfrm>
+          <a:prstGeom prst="rect">
+            <a:avLst/>
+          </a:prstGeom>
+          <a:noFill/>
+        </p:spPr>
+        <p:txBody>
+          <a:bodyPr wrap="square">
+            <a:spAutoFit/>
+          </a:bodyPr>
+          <a:lstStyle/>
+          <a:p>
+            <a:r>
+              <a:rPr lang="pt-BR" dirty="0"/>
+              <a:t>https://github.com/jpitapeva/azureopenai</a:t>
             </a:r>
           </a:p>
         </p:txBody>
@@ -32792,15 +32857,6 @@
 </file>
 
 <file path=customXml/item1.xml><?xml version="1.0" encoding="utf-8"?>
-<?mso-contentType ?>
-<FormTemplates xmlns="http://schemas.microsoft.com/sharepoint/v3/contenttype/forms">
-  <Display>DocumentLibraryForm</Display>
-  <Edit>DocumentLibraryForm</Edit>
-  <New>DocumentLibraryForm</New>
-</FormTemplates>
-</file>
-
-<file path=customXml/item2.xml><?xml version="1.0" encoding="utf-8"?>
 <ct:contentTypeSchema xmlns:ct="http://schemas.microsoft.com/office/2006/metadata/contentType" xmlns:ma="http://schemas.microsoft.com/office/2006/metadata/properties/metaAttributes" ct:_="" ma:_="" ma:contentTypeName="Document" ma:contentTypeID="0x010100C19B4546D391A349BE05AD29F9530504" ma:contentTypeVersion="8" ma:contentTypeDescription="Create a new document." ma:contentTypeScope="" ma:versionID="abefe0faccb33ea1c30b003d8120f948">
   <xsd:schema xmlns:xsd="http://www.w3.org/2001/XMLSchema" xmlns:xs="http://www.w3.org/2001/XMLSchema" xmlns:p="http://schemas.microsoft.com/office/2006/metadata/properties" xmlns:ns2="573658d2-825f-470e-8b88-a4a2deb94391" xmlns:ns3="9537331d-6386-4ea3-bab7-14a523f5dc52" targetNamespace="http://schemas.microsoft.com/office/2006/metadata/properties" ma:root="true" ma:fieldsID="aea6fda388b4fa532bd11596e8506557" ns2:_="" ns3:_="">
     <xsd:import namespace="573658d2-825f-470e-8b88-a4a2deb94391"/>
@@ -32977,6 +33033,15 @@
 </ct:contentTypeSchema>
 </file>
 
+<file path=customXml/item2.xml><?xml version="1.0" encoding="utf-8"?>
+<?mso-contentType ?>
+<FormTemplates xmlns="http://schemas.microsoft.com/sharepoint/v3/contenttype/forms">
+  <Display>DocumentLibraryForm</Display>
+  <Edit>DocumentLibraryForm</Edit>
+  <New>DocumentLibraryForm</New>
+</FormTemplates>
+</file>
+
 <file path=customXml/item3.xml><?xml version="1.0" encoding="utf-8"?>
 <p:properties xmlns:p="http://schemas.microsoft.com/office/2006/metadata/properties" xmlns:xsi="http://www.w3.org/2001/XMLSchema-instance" xmlns:pc="http://schemas.microsoft.com/office/infopath/2007/PartnerControls">
   <documentManagement>
@@ -32989,14 +33054,6 @@
 </file>
 
 <file path=customXml/itemProps1.xml><?xml version="1.0" encoding="utf-8"?>
-<ds:datastoreItem xmlns:ds="http://schemas.openxmlformats.org/officeDocument/2006/customXml" ds:itemID="{758FDAC0-319D-4A54-8D8E-1D42CB1F8004}">
-  <ds:schemaRefs>
-    <ds:schemaRef ds:uri="http://schemas.microsoft.com/sharepoint/v3/contenttype/forms"/>
-  </ds:schemaRefs>
-</ds:datastoreItem>
-</file>
-
-<file path=customXml/itemProps2.xml><?xml version="1.0" encoding="utf-8"?>
 <ds:datastoreItem xmlns:ds="http://schemas.openxmlformats.org/officeDocument/2006/customXml" ds:itemID="{614BD38F-8FF7-405C-9634-7E23E9D27E95}">
   <ds:schemaRefs>
     <ds:schemaRef ds:uri="573658d2-825f-470e-8b88-a4a2deb94391"/>
@@ -33011,6 +33068,14 @@
     <ds:schemaRef ds:uri="http://schemas.microsoft.com/office/infopath/2007/PartnerControls"/>
     <ds:schemaRef ds:uri="http://schemas.openxmlformats.org/package/2006/metadata/core-properties"/>
     <ds:schemaRef ds:uri="http://www.w3.org/2001/XMLSchema"/>
+  </ds:schemaRefs>
+</ds:datastoreItem>
+</file>
+
+<file path=customXml/itemProps2.xml><?xml version="1.0" encoding="utf-8"?>
+<ds:datastoreItem xmlns:ds="http://schemas.openxmlformats.org/officeDocument/2006/customXml" ds:itemID="{758FDAC0-319D-4A54-8D8E-1D42CB1F8004}">
+  <ds:schemaRefs>
+    <ds:schemaRef ds:uri="http://schemas.microsoft.com/sharepoint/v3/contenttype/forms"/>
   </ds:schemaRefs>
 </ds:datastoreItem>
 </file>

--- a/AzureOpenAI.pptx
+++ b/AzureOpenAI.pptx
@@ -6,10 +6,10 @@
     <p:sldMasterId id="2147484608" r:id="rId5"/>
   </p:sldMasterIdLst>
   <p:notesMasterIdLst>
-    <p:notesMasterId r:id="rId29"/>
+    <p:notesMasterId r:id="rId30"/>
   </p:notesMasterIdLst>
   <p:handoutMasterIdLst>
-    <p:handoutMasterId r:id="rId30"/>
+    <p:handoutMasterId r:id="rId31"/>
   </p:handoutMasterIdLst>
   <p:sldIdLst>
     <p:sldId id="1678" r:id="rId6"/>
@@ -34,7 +34,8 @@
     <p:sldId id="1719" r:id="rId25"/>
     <p:sldId id="1721" r:id="rId26"/>
     <p:sldId id="1725" r:id="rId27"/>
-    <p:sldId id="1706" r:id="rId28"/>
+    <p:sldId id="1735" r:id="rId28"/>
+    <p:sldId id="1706" r:id="rId29"/>
   </p:sldIdLst>
   <p:sldSz cx="12436475" cy="6994525"/>
   <p:notesSz cx="6858000" cy="9144000"/>
@@ -160,6 +161,7 @@
             <p14:sldId id="1719"/>
             <p14:sldId id="1721"/>
             <p14:sldId id="1725"/>
+            <p14:sldId id="1735"/>
             <p14:sldId id="1706"/>
           </p14:sldIdLst>
         </p14:section>
@@ -3154,7 +3156,7 @@
               <a:rPr lang="en-US" smtClean="0">
                 <a:latin typeface="Segoe UI" pitchFamily="34" charset="0"/>
               </a:rPr>
-              <a:t>10/31/2023 6:42 PM</a:t>
+              <a:t>11/5/2023 8:03 PM</a:t>
             </a:fld>
             <a:endParaRPr lang="en-US">
               <a:latin typeface="Segoe UI" pitchFamily="34" charset="0"/>
@@ -3432,7 +3434,7 @@
           <a:p>
             <a:fld id="{DCE60099-03E7-4FA1-8A7F-E6E6CFB0F855}" type="datetime8">
               <a:rPr lang="en-US" smtClean="0"/>
-              <a:t>10/31/2023 6:42 PM</a:t>
+              <a:t>11/5/2023 8:03 PM</a:t>
             </a:fld>
             <a:endParaRPr lang="en-US"/>
           </a:p>
@@ -28815,6 +28817,149 @@
 </file>
 
 <file path=ppt/slides/slide23.xml><?xml version="1.0" encoding="utf-8"?>
+<p:sld xmlns:a="http://schemas.openxmlformats.org/drawingml/2006/main" xmlns:r="http://schemas.openxmlformats.org/officeDocument/2006/relationships" xmlns:p="http://schemas.openxmlformats.org/presentationml/2006/main">
+  <p:cSld>
+    <p:spTree>
+      <p:nvGrpSpPr>
+        <p:cNvPr id="1" name=""/>
+        <p:cNvGrpSpPr/>
+        <p:nvPr/>
+      </p:nvGrpSpPr>
+      <p:grpSpPr>
+        <a:xfrm>
+          <a:off x="0" y="0"/>
+          <a:ext cx="0" cy="0"/>
+          <a:chOff x="0" y="0"/>
+          <a:chExt cx="0" cy="0"/>
+        </a:xfrm>
+      </p:grpSpPr>
+      <p:sp>
+        <p:nvSpPr>
+          <p:cNvPr id="2" name="Título 1">
+            <a:extLst>
+              <a:ext uri="{FF2B5EF4-FFF2-40B4-BE49-F238E27FC236}">
+                <a16:creationId xmlns:a16="http://schemas.microsoft.com/office/drawing/2014/main" id="{5D48D0EA-0763-3E2F-7D7C-22B3D75271B6}"/>
+              </a:ext>
+            </a:extLst>
+          </p:cNvPr>
+          <p:cNvSpPr>
+            <a:spLocks noGrp="1"/>
+          </p:cNvSpPr>
+          <p:nvPr>
+            <p:ph type="title"/>
+          </p:nvPr>
+        </p:nvSpPr>
+        <p:spPr>
+          <a:xfrm>
+            <a:off x="409568" y="0"/>
+            <a:ext cx="9823498" cy="1828800"/>
+          </a:xfrm>
+        </p:spPr>
+        <p:txBody>
+          <a:bodyPr/>
+          <a:lstStyle/>
+          <a:p>
+            <a:r>
+              <a:rPr lang="pt-BR" dirty="0"/>
+              <a:t>Desafios</a:t>
+            </a:r>
+          </a:p>
+        </p:txBody>
+      </p:sp>
+      <p:sp>
+        <p:nvSpPr>
+          <p:cNvPr id="3" name="Título 1">
+            <a:extLst>
+              <a:ext uri="{FF2B5EF4-FFF2-40B4-BE49-F238E27FC236}">
+                <a16:creationId xmlns:a16="http://schemas.microsoft.com/office/drawing/2014/main" id="{4E48510D-44C1-0D41-390E-4773B1D4A64B}"/>
+              </a:ext>
+            </a:extLst>
+          </p:cNvPr>
+          <p:cNvSpPr txBox="1">
+            <a:spLocks/>
+          </p:cNvSpPr>
+          <p:nvPr/>
+        </p:nvSpPr>
+        <p:spPr>
+          <a:xfrm>
+            <a:off x="409568" y="3239633"/>
+            <a:ext cx="9823498" cy="1828800"/>
+          </a:xfrm>
+          <a:prstGeom prst="rect">
+            <a:avLst/>
+          </a:prstGeom>
+          <a:noFill/>
+        </p:spPr>
+        <p:txBody>
+          <a:bodyPr vert="horz" wrap="square" lIns="0" tIns="0" rIns="0" bIns="182880" rtlCol="0" anchor="b" anchorCtr="0">
+            <a:noAutofit/>
+          </a:bodyPr>
+          <a:lstStyle>
+            <a:lvl1pPr algn="l" defTabSz="932742" rtl="0" eaLnBrk="1" latinLnBrk="0" hangingPunct="1">
+              <a:lnSpc>
+                <a:spcPct val="90000"/>
+              </a:lnSpc>
+              <a:spcBef>
+                <a:spcPct val="0"/>
+              </a:spcBef>
+              <a:buNone/>
+              <a:defRPr lang="en-US" sz="4800" b="0" strike="noStrike" kern="1200" cap="none" spc="-50" baseline="0">
+                <a:ln w="3175">
+                  <a:noFill/>
+                </a:ln>
+                <a:solidFill>
+                  <a:schemeClr val="bg2"/>
+                </a:solidFill>
+                <a:effectLst/>
+                <a:latin typeface="+mj-lt"/>
+                <a:ea typeface="+mn-ea"/>
+                <a:cs typeface="Segoe UI" pitchFamily="34" charset="0"/>
+              </a:defRPr>
+            </a:lvl1pPr>
+          </a:lstStyle>
+          <a:p>
+            <a:r>
+              <a:rPr lang="pt-BR" dirty="0"/>
+              <a:t>Prompt(iteração)</a:t>
+            </a:r>
+          </a:p>
+          <a:p>
+            <a:endParaRPr lang="pt-BR" dirty="0"/>
+          </a:p>
+          <a:p>
+            <a:r>
+              <a:rPr lang="pt-BR" dirty="0"/>
+              <a:t>Custo</a:t>
+            </a:r>
+          </a:p>
+        </p:txBody>
+      </p:sp>
+    </p:spTree>
+    <p:extLst>
+      <p:ext uri="{BB962C8B-B14F-4D97-AF65-F5344CB8AC3E}">
+        <p14:creationId xmlns:p14="http://schemas.microsoft.com/office/powerpoint/2010/main" val="2081664815"/>
+      </p:ext>
+    </p:extLst>
+  </p:cSld>
+  <p:clrMapOvr>
+    <a:masterClrMapping/>
+  </p:clrMapOvr>
+  <mc:AlternateContent xmlns:mc="http://schemas.openxmlformats.org/markup-compatibility/2006">
+    <mc:Choice xmlns:p14="http://schemas.microsoft.com/office/powerpoint/2010/main" Requires="p14">
+      <p:transition spd="med" p14:dur="700">
+        <p:fade/>
+      </p:transition>
+    </mc:Choice>
+    <mc:Fallback>
+      <p:transition spd="med">
+        <p:fade/>
+      </p:transition>
+    </mc:Fallback>
+  </mc:AlternateContent>
+</p:sld>
+</file>
+
+<file path=ppt/slides/slide24.xml><?xml version="1.0" encoding="utf-8"?>
 <p:sld xmlns:a="http://schemas.openxmlformats.org/drawingml/2006/main" xmlns:r="http://schemas.openxmlformats.org/officeDocument/2006/relationships" xmlns:p="http://schemas.openxmlformats.org/presentationml/2006/main">
   <p:cSld>
     <p:spTree>
@@ -32857,6 +33002,15 @@
 </file>
 
 <file path=customXml/item1.xml><?xml version="1.0" encoding="utf-8"?>
+<?mso-contentType ?>
+<FormTemplates xmlns="http://schemas.microsoft.com/sharepoint/v3/contenttype/forms">
+  <Display>DocumentLibraryForm</Display>
+  <Edit>DocumentLibraryForm</Edit>
+  <New>DocumentLibraryForm</New>
+</FormTemplates>
+</file>
+
+<file path=customXml/item2.xml><?xml version="1.0" encoding="utf-8"?>
 <ct:contentTypeSchema xmlns:ct="http://schemas.microsoft.com/office/2006/metadata/contentType" xmlns:ma="http://schemas.microsoft.com/office/2006/metadata/properties/metaAttributes" ct:_="" ma:_="" ma:contentTypeName="Document" ma:contentTypeID="0x010100C19B4546D391A349BE05AD29F9530504" ma:contentTypeVersion="8" ma:contentTypeDescription="Create a new document." ma:contentTypeScope="" ma:versionID="abefe0faccb33ea1c30b003d8120f948">
   <xsd:schema xmlns:xsd="http://www.w3.org/2001/XMLSchema" xmlns:xs="http://www.w3.org/2001/XMLSchema" xmlns:p="http://schemas.microsoft.com/office/2006/metadata/properties" xmlns:ns2="573658d2-825f-470e-8b88-a4a2deb94391" xmlns:ns3="9537331d-6386-4ea3-bab7-14a523f5dc52" targetNamespace="http://schemas.microsoft.com/office/2006/metadata/properties" ma:root="true" ma:fieldsID="aea6fda388b4fa532bd11596e8506557" ns2:_="" ns3:_="">
     <xsd:import namespace="573658d2-825f-470e-8b88-a4a2deb94391"/>
@@ -33033,15 +33187,6 @@
 </ct:contentTypeSchema>
 </file>
 
-<file path=customXml/item2.xml><?xml version="1.0" encoding="utf-8"?>
-<?mso-contentType ?>
-<FormTemplates xmlns="http://schemas.microsoft.com/sharepoint/v3/contenttype/forms">
-  <Display>DocumentLibraryForm</Display>
-  <Edit>DocumentLibraryForm</Edit>
-  <New>DocumentLibraryForm</New>
-</FormTemplates>
-</file>
-
 <file path=customXml/item3.xml><?xml version="1.0" encoding="utf-8"?>
 <p:properties xmlns:p="http://schemas.microsoft.com/office/2006/metadata/properties" xmlns:xsi="http://www.w3.org/2001/XMLSchema-instance" xmlns:pc="http://schemas.microsoft.com/office/infopath/2007/PartnerControls">
   <documentManagement>
@@ -33054,6 +33199,14 @@
 </file>
 
 <file path=customXml/itemProps1.xml><?xml version="1.0" encoding="utf-8"?>
+<ds:datastoreItem xmlns:ds="http://schemas.openxmlformats.org/officeDocument/2006/customXml" ds:itemID="{758FDAC0-319D-4A54-8D8E-1D42CB1F8004}">
+  <ds:schemaRefs>
+    <ds:schemaRef ds:uri="http://schemas.microsoft.com/sharepoint/v3/contenttype/forms"/>
+  </ds:schemaRefs>
+</ds:datastoreItem>
+</file>
+
+<file path=customXml/itemProps2.xml><?xml version="1.0" encoding="utf-8"?>
 <ds:datastoreItem xmlns:ds="http://schemas.openxmlformats.org/officeDocument/2006/customXml" ds:itemID="{614BD38F-8FF7-405C-9634-7E23E9D27E95}">
   <ds:schemaRefs>
     <ds:schemaRef ds:uri="573658d2-825f-470e-8b88-a4a2deb94391"/>
@@ -33068,14 +33221,6 @@
     <ds:schemaRef ds:uri="http://schemas.microsoft.com/office/infopath/2007/PartnerControls"/>
     <ds:schemaRef ds:uri="http://schemas.openxmlformats.org/package/2006/metadata/core-properties"/>
     <ds:schemaRef ds:uri="http://www.w3.org/2001/XMLSchema"/>
-  </ds:schemaRefs>
-</ds:datastoreItem>
-</file>
-
-<file path=customXml/itemProps2.xml><?xml version="1.0" encoding="utf-8"?>
-<ds:datastoreItem xmlns:ds="http://schemas.openxmlformats.org/officeDocument/2006/customXml" ds:itemID="{758FDAC0-319D-4A54-8D8E-1D42CB1F8004}">
-  <ds:schemaRefs>
-    <ds:schemaRef ds:uri="http://schemas.microsoft.com/sharepoint/v3/contenttype/forms"/>
   </ds:schemaRefs>
 </ds:datastoreItem>
 </file>

--- a/AzureOpenAI.pptx
+++ b/AzureOpenAI.pptx
@@ -6,10 +6,10 @@
     <p:sldMasterId id="2147484608" r:id="rId5"/>
   </p:sldMasterIdLst>
   <p:notesMasterIdLst>
-    <p:notesMasterId r:id="rId30"/>
+    <p:notesMasterId r:id="rId28"/>
   </p:notesMasterIdLst>
   <p:handoutMasterIdLst>
-    <p:handoutMasterId r:id="rId31"/>
+    <p:handoutMasterId r:id="rId29"/>
   </p:handoutMasterIdLst>
   <p:sldIdLst>
     <p:sldId id="1678" r:id="rId6"/>
@@ -19,23 +19,21 @@
     <p:sldId id="1732" r:id="rId10"/>
     <p:sldId id="1729" r:id="rId11"/>
     <p:sldId id="1728" r:id="rId12"/>
-    <p:sldId id="1731" r:id="rId13"/>
+    <p:sldId id="1713" r:id="rId13"/>
     <p:sldId id="1717" r:id="rId14"/>
-    <p:sldId id="1713" r:id="rId15"/>
-    <p:sldId id="1708" r:id="rId16"/>
-    <p:sldId id="1709" r:id="rId17"/>
-    <p:sldId id="1710" r:id="rId18"/>
-    <p:sldId id="1711" r:id="rId19"/>
-    <p:sldId id="1712" r:id="rId20"/>
-    <p:sldId id="1722" r:id="rId21"/>
-    <p:sldId id="1715" r:id="rId22"/>
-    <p:sldId id="1718" r:id="rId23"/>
-    <p:sldId id="1734" r:id="rId24"/>
-    <p:sldId id="1719" r:id="rId25"/>
-    <p:sldId id="1721" r:id="rId26"/>
-    <p:sldId id="1725" r:id="rId27"/>
-    <p:sldId id="1735" r:id="rId28"/>
-    <p:sldId id="1706" r:id="rId29"/>
+    <p:sldId id="1722" r:id="rId15"/>
+    <p:sldId id="1712" r:id="rId16"/>
+    <p:sldId id="1708" r:id="rId17"/>
+    <p:sldId id="1715" r:id="rId18"/>
+    <p:sldId id="1709" r:id="rId19"/>
+    <p:sldId id="1710" r:id="rId20"/>
+    <p:sldId id="1718" r:id="rId21"/>
+    <p:sldId id="1734" r:id="rId22"/>
+    <p:sldId id="1719" r:id="rId23"/>
+    <p:sldId id="1721" r:id="rId24"/>
+    <p:sldId id="1725" r:id="rId25"/>
+    <p:sldId id="1735" r:id="rId26"/>
+    <p:sldId id="1706" r:id="rId27"/>
   </p:sldIdLst>
   <p:sldSz cx="12436475" cy="6994525"/>
   <p:notesSz cx="6858000" cy="9144000"/>
@@ -146,16 +144,14 @@
             <p14:sldId id="1732"/>
             <p14:sldId id="1729"/>
             <p14:sldId id="1728"/>
-            <p14:sldId id="1731"/>
+            <p14:sldId id="1713"/>
             <p14:sldId id="1717"/>
-            <p14:sldId id="1713"/>
+            <p14:sldId id="1722"/>
+            <p14:sldId id="1712"/>
             <p14:sldId id="1708"/>
+            <p14:sldId id="1715"/>
             <p14:sldId id="1709"/>
             <p14:sldId id="1710"/>
-            <p14:sldId id="1711"/>
-            <p14:sldId id="1712"/>
-            <p14:sldId id="1722"/>
-            <p14:sldId id="1715"/>
             <p14:sldId id="1718"/>
             <p14:sldId id="1734"/>
             <p14:sldId id="1719"/>
@@ -3156,7 +3152,7 @@
               <a:rPr lang="en-US" smtClean="0">
                 <a:latin typeface="Segoe UI" pitchFamily="34" charset="0"/>
               </a:rPr>
-              <a:t>11/5/2023 8:03 PM</a:t>
+              <a:t>11/7/2023 7:25 PM</a:t>
             </a:fld>
             <a:endParaRPr lang="en-US">
               <a:latin typeface="Segoe UI" pitchFamily="34" charset="0"/>
@@ -3434,7 +3430,7 @@
           <a:p>
             <a:fld id="{DCE60099-03E7-4FA1-8A7F-E6E6CFB0F855}" type="datetime8">
               <a:rPr lang="en-US" smtClean="0"/>
-              <a:t>11/5/2023 8:03 PM</a:t>
+              <a:t>11/7/2023 7:24 PM</a:t>
             </a:fld>
             <a:endParaRPr lang="en-US"/>
           </a:p>
@@ -3865,53 +3861,6 @@
           <a:bodyPr/>
           <a:lstStyle/>
           <a:p>
-            <a:pPr marL="0" marR="0" lvl="0" indent="0" algn="l" defTabSz="932742" rtl="0" eaLnBrk="1" fontAlgn="auto" latinLnBrk="0" hangingPunct="1">
-              <a:lnSpc>
-                <a:spcPct val="90000"/>
-              </a:lnSpc>
-              <a:spcBef>
-                <a:spcPts val="0"/>
-              </a:spcBef>
-              <a:spcAft>
-                <a:spcPts val="340"/>
-              </a:spcAft>
-              <a:buClrTx/>
-              <a:buSzTx/>
-              <a:buFontTx/>
-              <a:buNone/>
-              <a:tabLst/>
-              <a:defRPr/>
-            </a:pPr>
-            <a:r>
-              <a:rPr lang="pt-BR" dirty="0"/>
-              <a:t>Solicitar acesso via </a:t>
-            </a:r>
-            <a:r>
-              <a:rPr lang="pt-BR" dirty="0" err="1"/>
-              <a:t>form</a:t>
-            </a:r>
-            <a:r>
-              <a:rPr lang="pt-BR" dirty="0"/>
-              <a:t> do recurso </a:t>
-            </a:r>
-            <a:r>
-              <a:rPr lang="pt-BR" dirty="0" err="1"/>
-              <a:t>azureopenai</a:t>
-            </a:r>
-            <a:r>
-              <a:rPr lang="pt-BR" dirty="0"/>
-              <a:t>(tempo de resposta da </a:t>
-            </a:r>
-            <a:r>
-              <a:rPr lang="pt-BR" dirty="0" err="1"/>
-              <a:t>solicitacao</a:t>
-            </a:r>
-            <a:r>
-              <a:rPr lang="pt-BR" dirty="0"/>
-              <a:t> menciona ate 10 dias uteis, comigo levou 2 dias)</a:t>
-            </a:r>
-          </a:p>
-          <a:p>
             <a:endParaRPr lang="pt-BR" dirty="0"/>
           </a:p>
         </p:txBody>
@@ -3991,7 +3940,7 @@
             <a:fld id="{B4008EB6-D09E-4580-8CD6-DDB14511944F}" type="slidenum">
               <a:rPr lang="en-US" smtClean="0"/>
               <a:pPr/>
-              <a:t>10</a:t>
+              <a:t>11</a:t>
             </a:fld>
             <a:endParaRPr lang="en-US"/>
           </a:p>
@@ -4000,7 +3949,7 @@
     </p:spTree>
     <p:extLst>
       <p:ext uri="{BB962C8B-B14F-4D97-AF65-F5344CB8AC3E}">
-        <p14:creationId xmlns:p14="http://schemas.microsoft.com/office/powerpoint/2010/main" val="1796332136"/>
+        <p14:creationId xmlns:p14="http://schemas.microsoft.com/office/powerpoint/2010/main" val="554059990"/>
       </p:ext>
     </p:extLst>
   </p:cSld>
@@ -4133,7 +4082,7 @@
             <a:fld id="{B4008EB6-D09E-4580-8CD6-DDB14511944F}" type="slidenum">
               <a:rPr lang="en-US" smtClean="0"/>
               <a:pPr/>
-              <a:t>12</a:t>
+              <a:t>13</a:t>
             </a:fld>
             <a:endParaRPr lang="en-US"/>
           </a:p>
@@ -4142,7 +4091,7 @@
     </p:spTree>
     <p:extLst>
       <p:ext uri="{BB962C8B-B14F-4D97-AF65-F5344CB8AC3E}">
-        <p14:creationId xmlns:p14="http://schemas.microsoft.com/office/powerpoint/2010/main" val="3350812317"/>
+        <p14:creationId xmlns:p14="http://schemas.microsoft.com/office/powerpoint/2010/main" val="994224619"/>
       </p:ext>
     </p:extLst>
   </p:cSld>
@@ -4275,7 +4224,7 @@
             <a:fld id="{B4008EB6-D09E-4580-8CD6-DDB14511944F}" type="slidenum">
               <a:rPr lang="en-US" smtClean="0"/>
               <a:pPr/>
-              <a:t>13</a:t>
+              <a:t>14</a:t>
             </a:fld>
             <a:endParaRPr lang="en-US"/>
           </a:p>
@@ -4284,7 +4233,7 @@
     </p:spTree>
     <p:extLst>
       <p:ext uri="{BB962C8B-B14F-4D97-AF65-F5344CB8AC3E}">
-        <p14:creationId xmlns:p14="http://schemas.microsoft.com/office/powerpoint/2010/main" val="2112005226"/>
+        <p14:creationId xmlns:p14="http://schemas.microsoft.com/office/powerpoint/2010/main" val="3350812317"/>
       </p:ext>
     </p:extLst>
   </p:cSld>
@@ -4417,7 +4366,7 @@
             <a:fld id="{B4008EB6-D09E-4580-8CD6-DDB14511944F}" type="slidenum">
               <a:rPr lang="en-US" smtClean="0"/>
               <a:pPr/>
-              <a:t>14</a:t>
+              <a:t>15</a:t>
             </a:fld>
             <a:endParaRPr lang="en-US"/>
           </a:p>
@@ -4426,291 +4375,7 @@
     </p:spTree>
     <p:extLst>
       <p:ext uri="{BB962C8B-B14F-4D97-AF65-F5344CB8AC3E}">
-        <p14:creationId xmlns:p14="http://schemas.microsoft.com/office/powerpoint/2010/main" val="1173386525"/>
-      </p:ext>
-    </p:extLst>
-  </p:cSld>
-  <p:clrMapOvr>
-    <a:masterClrMapping/>
-  </p:clrMapOvr>
-</p:notes>
-</file>
-
-<file path=ppt/notesSlides/notesSlide14.xml><?xml version="1.0" encoding="utf-8"?>
-<p:notes xmlns:a="http://schemas.openxmlformats.org/drawingml/2006/main" xmlns:r="http://schemas.openxmlformats.org/officeDocument/2006/relationships" xmlns:p="http://schemas.openxmlformats.org/presentationml/2006/main">
-  <p:cSld>
-    <p:spTree>
-      <p:nvGrpSpPr>
-        <p:cNvPr id="1" name=""/>
-        <p:cNvGrpSpPr/>
-        <p:nvPr/>
-      </p:nvGrpSpPr>
-      <p:grpSpPr>
-        <a:xfrm>
-          <a:off x="0" y="0"/>
-          <a:ext cx="0" cy="0"/>
-          <a:chOff x="0" y="0"/>
-          <a:chExt cx="0" cy="0"/>
-        </a:xfrm>
-      </p:grpSpPr>
-      <p:sp>
-        <p:nvSpPr>
-          <p:cNvPr id="2" name="Espaço Reservado para Imagem de Slide 1"/>
-          <p:cNvSpPr>
-            <a:spLocks noGrp="1" noRot="1" noChangeAspect="1"/>
-          </p:cNvSpPr>
-          <p:nvPr>
-            <p:ph type="sldImg"/>
-          </p:nvPr>
-        </p:nvSpPr>
-        <p:spPr/>
-      </p:sp>
-      <p:sp>
-        <p:nvSpPr>
-          <p:cNvPr id="3" name="Espaço Reservado para Anotações 2"/>
-          <p:cNvSpPr>
-            <a:spLocks noGrp="1"/>
-          </p:cNvSpPr>
-          <p:nvPr>
-            <p:ph type="body" idx="1"/>
-          </p:nvPr>
-        </p:nvSpPr>
-        <p:spPr/>
-        <p:txBody>
-          <a:bodyPr/>
-          <a:lstStyle/>
-          <a:p>
-            <a:endParaRPr lang="pt-BR" dirty="0"/>
-          </a:p>
-        </p:txBody>
-      </p:sp>
-      <p:sp>
-        <p:nvSpPr>
-          <p:cNvPr id="4" name="Espaço Reservado para Cabeçalho 3"/>
-          <p:cNvSpPr>
-            <a:spLocks noGrp="1"/>
-          </p:cNvSpPr>
-          <p:nvPr>
-            <p:ph type="hdr" sz="quarter"/>
-          </p:nvPr>
-        </p:nvSpPr>
-        <p:spPr/>
-        <p:txBody>
-          <a:bodyPr/>
-          <a:lstStyle/>
-          <a:p>
-            <a:endParaRPr lang="en-US"/>
-          </a:p>
-        </p:txBody>
-      </p:sp>
-      <p:sp>
-        <p:nvSpPr>
-          <p:cNvPr id="5" name="Espaço Reservado para Rodapé 4"/>
-          <p:cNvSpPr>
-            <a:spLocks noGrp="1"/>
-          </p:cNvSpPr>
-          <p:nvPr>
-            <p:ph type="ftr" sz="quarter" idx="4"/>
-          </p:nvPr>
-        </p:nvSpPr>
-        <p:spPr/>
-        <p:txBody>
-          <a:bodyPr/>
-          <a:lstStyle/>
-          <a:p>
-            <a:pPr defTabSz="914099" eaLnBrk="0" hangingPunct="0"/>
-            <a:r>
-              <a:rPr lang="en-US" sz="400">
-                <a:gradFill>
-                  <a:gsLst>
-                    <a:gs pos="0">
-                      <a:prstClr val="black"/>
-                    </a:gs>
-                    <a:gs pos="100000">
-                      <a:prstClr val="black"/>
-                    </a:gs>
-                  </a:gsLst>
-                  <a:lin ang="5400000" scaled="0"/>
-                </a:gradFill>
-                <a:latin typeface="Segoe UI" pitchFamily="34" charset="0"/>
-                <a:ea typeface="Segoe UI" pitchFamily="34" charset="0"/>
-                <a:cs typeface="Segoe UI" pitchFamily="34" charset="0"/>
-              </a:rPr>
-              <a:t>© Microsoft Corporation</a:t>
-            </a:r>
-          </a:p>
-        </p:txBody>
-      </p:sp>
-      <p:sp>
-        <p:nvSpPr>
-          <p:cNvPr id="6" name="Espaço Reservado para Número de Slide 5"/>
-          <p:cNvSpPr>
-            <a:spLocks noGrp="1"/>
-          </p:cNvSpPr>
-          <p:nvPr>
-            <p:ph type="sldNum" sz="quarter" idx="5"/>
-          </p:nvPr>
-        </p:nvSpPr>
-        <p:spPr/>
-        <p:txBody>
-          <a:bodyPr/>
-          <a:lstStyle/>
-          <a:p>
-            <a:fld id="{B4008EB6-D09E-4580-8CD6-DDB14511944F}" type="slidenum">
-              <a:rPr lang="en-US" smtClean="0"/>
-              <a:pPr/>
-              <a:t>15</a:t>
-            </a:fld>
-            <a:endParaRPr lang="en-US"/>
-          </a:p>
-        </p:txBody>
-      </p:sp>
-    </p:spTree>
-    <p:extLst>
-      <p:ext uri="{BB962C8B-B14F-4D97-AF65-F5344CB8AC3E}">
-        <p14:creationId xmlns:p14="http://schemas.microsoft.com/office/powerpoint/2010/main" val="554059990"/>
-      </p:ext>
-    </p:extLst>
-  </p:cSld>
-  <p:clrMapOvr>
-    <a:masterClrMapping/>
-  </p:clrMapOvr>
-</p:notes>
-</file>
-
-<file path=ppt/notesSlides/notesSlide15.xml><?xml version="1.0" encoding="utf-8"?>
-<p:notes xmlns:a="http://schemas.openxmlformats.org/drawingml/2006/main" xmlns:r="http://schemas.openxmlformats.org/officeDocument/2006/relationships" xmlns:p="http://schemas.openxmlformats.org/presentationml/2006/main">
-  <p:cSld>
-    <p:spTree>
-      <p:nvGrpSpPr>
-        <p:cNvPr id="1" name=""/>
-        <p:cNvGrpSpPr/>
-        <p:nvPr/>
-      </p:nvGrpSpPr>
-      <p:grpSpPr>
-        <a:xfrm>
-          <a:off x="0" y="0"/>
-          <a:ext cx="0" cy="0"/>
-          <a:chOff x="0" y="0"/>
-          <a:chExt cx="0" cy="0"/>
-        </a:xfrm>
-      </p:grpSpPr>
-      <p:sp>
-        <p:nvSpPr>
-          <p:cNvPr id="2" name="Espaço Reservado para Imagem de Slide 1"/>
-          <p:cNvSpPr>
-            <a:spLocks noGrp="1" noRot="1" noChangeAspect="1"/>
-          </p:cNvSpPr>
-          <p:nvPr>
-            <p:ph type="sldImg"/>
-          </p:nvPr>
-        </p:nvSpPr>
-        <p:spPr/>
-      </p:sp>
-      <p:sp>
-        <p:nvSpPr>
-          <p:cNvPr id="3" name="Espaço Reservado para Anotações 2"/>
-          <p:cNvSpPr>
-            <a:spLocks noGrp="1"/>
-          </p:cNvSpPr>
-          <p:nvPr>
-            <p:ph type="body" idx="1"/>
-          </p:nvPr>
-        </p:nvSpPr>
-        <p:spPr/>
-        <p:txBody>
-          <a:bodyPr/>
-          <a:lstStyle/>
-          <a:p>
-            <a:endParaRPr lang="pt-BR" dirty="0"/>
-          </a:p>
-        </p:txBody>
-      </p:sp>
-      <p:sp>
-        <p:nvSpPr>
-          <p:cNvPr id="4" name="Espaço Reservado para Cabeçalho 3"/>
-          <p:cNvSpPr>
-            <a:spLocks noGrp="1"/>
-          </p:cNvSpPr>
-          <p:nvPr>
-            <p:ph type="hdr" sz="quarter"/>
-          </p:nvPr>
-        </p:nvSpPr>
-        <p:spPr/>
-        <p:txBody>
-          <a:bodyPr/>
-          <a:lstStyle/>
-          <a:p>
-            <a:endParaRPr lang="en-US"/>
-          </a:p>
-        </p:txBody>
-      </p:sp>
-      <p:sp>
-        <p:nvSpPr>
-          <p:cNvPr id="5" name="Espaço Reservado para Rodapé 4"/>
-          <p:cNvSpPr>
-            <a:spLocks noGrp="1"/>
-          </p:cNvSpPr>
-          <p:nvPr>
-            <p:ph type="ftr" sz="quarter" idx="4"/>
-          </p:nvPr>
-        </p:nvSpPr>
-        <p:spPr/>
-        <p:txBody>
-          <a:bodyPr/>
-          <a:lstStyle/>
-          <a:p>
-            <a:pPr defTabSz="914099" eaLnBrk="0" hangingPunct="0"/>
-            <a:r>
-              <a:rPr lang="en-US" sz="400">
-                <a:gradFill>
-                  <a:gsLst>
-                    <a:gs pos="0">
-                      <a:prstClr val="black"/>
-                    </a:gs>
-                    <a:gs pos="100000">
-                      <a:prstClr val="black"/>
-                    </a:gs>
-                  </a:gsLst>
-                  <a:lin ang="5400000" scaled="0"/>
-                </a:gradFill>
-                <a:latin typeface="Segoe UI" pitchFamily="34" charset="0"/>
-                <a:ea typeface="Segoe UI" pitchFamily="34" charset="0"/>
-                <a:cs typeface="Segoe UI" pitchFamily="34" charset="0"/>
-              </a:rPr>
-              <a:t>© Microsoft Corporation</a:t>
-            </a:r>
-          </a:p>
-        </p:txBody>
-      </p:sp>
-      <p:sp>
-        <p:nvSpPr>
-          <p:cNvPr id="6" name="Espaço Reservado para Número de Slide 5"/>
-          <p:cNvSpPr>
-            <a:spLocks noGrp="1"/>
-          </p:cNvSpPr>
-          <p:nvPr>
-            <p:ph type="sldNum" sz="quarter" idx="5"/>
-          </p:nvPr>
-        </p:nvSpPr>
-        <p:spPr/>
-        <p:txBody>
-          <a:bodyPr/>
-          <a:lstStyle/>
-          <a:p>
-            <a:fld id="{B4008EB6-D09E-4580-8CD6-DDB14511944F}" type="slidenum">
-              <a:rPr lang="en-US" smtClean="0"/>
-              <a:pPr/>
-              <a:t>17</a:t>
-            </a:fld>
-            <a:endParaRPr lang="en-US"/>
-          </a:p>
-        </p:txBody>
-      </p:sp>
-    </p:spTree>
-    <p:extLst>
-      <p:ext uri="{BB962C8B-B14F-4D97-AF65-F5344CB8AC3E}">
-        <p14:creationId xmlns:p14="http://schemas.microsoft.com/office/powerpoint/2010/main" val="994224619"/>
+        <p14:creationId xmlns:p14="http://schemas.microsoft.com/office/powerpoint/2010/main" val="2112005226"/>
       </p:ext>
     </p:extLst>
   </p:cSld>
@@ -5944,7 +5609,7 @@
     </p:spTree>
     <p:extLst>
       <p:ext uri="{BB962C8B-B14F-4D97-AF65-F5344CB8AC3E}">
-        <p14:creationId xmlns:p14="http://schemas.microsoft.com/office/powerpoint/2010/main" val="3161800085"/>
+        <p14:creationId xmlns:p14="http://schemas.microsoft.com/office/powerpoint/2010/main" val="1796332136"/>
       </p:ext>
     </p:extLst>
   </p:cSld>
@@ -24228,2549 +23893,6 @@
       </p:grpSpPr>
       <p:sp>
         <p:nvSpPr>
-          <p:cNvPr id="3" name="Espaço Reservado para Texto 2">
-            <a:extLst>
-              <a:ext uri="{FF2B5EF4-FFF2-40B4-BE49-F238E27FC236}">
-                <a16:creationId xmlns:a16="http://schemas.microsoft.com/office/drawing/2014/main" id="{8E435BE1-BB00-2F2E-B55F-6181CD3CBC66}"/>
-              </a:ext>
-            </a:extLst>
-          </p:cNvPr>
-          <p:cNvSpPr>
-            <a:spLocks noGrp="1"/>
-          </p:cNvSpPr>
-          <p:nvPr>
-            <p:ph type="body" sz="quarter" idx="15"/>
-          </p:nvPr>
-        </p:nvSpPr>
-        <p:spPr>
-          <a:xfrm>
-            <a:off x="451338" y="4806684"/>
-            <a:ext cx="11221853" cy="738664"/>
-          </a:xfrm>
-          <a:noFill/>
-        </p:spPr>
-        <p:txBody>
-          <a:bodyPr wrap="square">
-            <a:spAutoFit/>
-          </a:bodyPr>
-          <a:lstStyle/>
-          <a:p>
-            <a:r>
-              <a:rPr lang="pt-BR" dirty="0">
-                <a:solidFill>
-                  <a:schemeClr val="bg1"/>
-                </a:solidFill>
-                <a:latin typeface="+mn-lt"/>
-              </a:rPr>
-              <a:t>https://customervoice.microsoft.com/Pages/ResponsePage.aspx?id=v4j5cvGGr0GRqy180BHbR7en2Ais5pxKtso_Pz4b1_xUOFA5Qk1UWDRBMjg0WFhPMkIzTzhKQ1dWNyQlQCN0PWcu</a:t>
-            </a:r>
-          </a:p>
-        </p:txBody>
-      </p:sp>
-      <p:pic>
-        <p:nvPicPr>
-          <p:cNvPr id="7" name="Imagem 6">
-            <a:extLst>
-              <a:ext uri="{FF2B5EF4-FFF2-40B4-BE49-F238E27FC236}">
-                <a16:creationId xmlns:a16="http://schemas.microsoft.com/office/drawing/2014/main" id="{B812E6CA-E671-5E1C-F0F0-4D59D6148E7C}"/>
-              </a:ext>
-            </a:extLst>
-          </p:cNvPr>
-          <p:cNvPicPr>
-            <a:picLocks noChangeAspect="1"/>
-          </p:cNvPicPr>
-          <p:nvPr/>
-        </p:nvPicPr>
-        <p:blipFill>
-          <a:blip r:embed="rId3"/>
-          <a:stretch>
-            <a:fillRect/>
-          </a:stretch>
-        </p:blipFill>
-        <p:spPr>
-          <a:xfrm>
-            <a:off x="4593399" y="2106999"/>
-            <a:ext cx="2607652" cy="2442611"/>
-          </a:xfrm>
-          <a:prstGeom prst="rect">
-            <a:avLst/>
-          </a:prstGeom>
-          <a:ln>
-            <a:noFill/>
-          </a:ln>
-          <a:effectLst>
-            <a:softEdge rad="112500"/>
-          </a:effectLst>
-        </p:spPr>
-        <p:style>
-          <a:lnRef idx="2">
-            <a:schemeClr val="accent3">
-              <a:shade val="15000"/>
-            </a:schemeClr>
-          </a:lnRef>
-          <a:fillRef idx="1">
-            <a:schemeClr val="accent3"/>
-          </a:fillRef>
-          <a:effectRef idx="0">
-            <a:schemeClr val="accent3"/>
-          </a:effectRef>
-          <a:fontRef idx="minor">
-            <a:schemeClr val="lt1"/>
-          </a:fontRef>
-        </p:style>
-      </p:pic>
-      <p:sp>
-        <p:nvSpPr>
-          <p:cNvPr id="8" name="Espaço Reservado para Texto 2">
-            <a:extLst>
-              <a:ext uri="{FF2B5EF4-FFF2-40B4-BE49-F238E27FC236}">
-                <a16:creationId xmlns:a16="http://schemas.microsoft.com/office/drawing/2014/main" id="{B0A2DA19-2FA7-0E77-4EB4-1C324C7738EA}"/>
-              </a:ext>
-            </a:extLst>
-          </p:cNvPr>
-          <p:cNvSpPr txBox="1">
-            <a:spLocks/>
-          </p:cNvSpPr>
-          <p:nvPr/>
-        </p:nvSpPr>
-        <p:spPr>
-          <a:xfrm>
-            <a:off x="451338" y="803485"/>
-            <a:ext cx="9795376" cy="677108"/>
-          </a:xfrm>
-          <a:prstGeom prst="rect">
-            <a:avLst/>
-          </a:prstGeom>
-        </p:spPr>
-        <p:txBody>
-          <a:bodyPr vert="horz" wrap="square" lIns="0" tIns="91440" rIns="146304" bIns="91440" rtlCol="0">
-            <a:spAutoFit/>
-          </a:bodyPr>
-          <a:lstStyle>
-            <a:lvl1pPr marL="0" marR="0" indent="0" algn="l" defTabSz="932742" rtl="0" eaLnBrk="1" fontAlgn="auto" latinLnBrk="0" hangingPunct="1">
-              <a:lnSpc>
-                <a:spcPct val="100000"/>
-              </a:lnSpc>
-              <a:spcBef>
-                <a:spcPts val="0"/>
-              </a:spcBef>
-              <a:spcAft>
-                <a:spcPts val="0"/>
-              </a:spcAft>
-              <a:buClrTx/>
-              <a:buSzPct val="90000"/>
-              <a:buFont typeface="Wingdings" panose="05000000000000000000" pitchFamily="2" charset="2"/>
-              <a:buNone/>
-              <a:tabLst/>
-              <a:defRPr sz="1800" kern="1200" spc="-50" baseline="0">
-                <a:solidFill>
-                  <a:schemeClr val="bg2"/>
-                </a:solidFill>
-                <a:latin typeface="+mj-lt"/>
-                <a:ea typeface="+mn-ea"/>
-                <a:cs typeface="+mn-cs"/>
-              </a:defRPr>
-            </a:lvl1pPr>
-            <a:lvl2pPr marL="0" marR="0" indent="0" algn="l" defTabSz="932742" rtl="0" eaLnBrk="1" fontAlgn="auto" latinLnBrk="0" hangingPunct="1">
-              <a:lnSpc>
-                <a:spcPct val="100000"/>
-              </a:lnSpc>
-              <a:spcBef>
-                <a:spcPts val="0"/>
-              </a:spcBef>
-              <a:spcAft>
-                <a:spcPts val="0"/>
-              </a:spcAft>
-              <a:buClrTx/>
-              <a:buSzPct val="90000"/>
-              <a:buFontTx/>
-              <a:buNone/>
-              <a:tabLst/>
-              <a:defRPr sz="1800" kern="1200" spc="0" baseline="0">
-                <a:solidFill>
-                  <a:srgbClr val="000000"/>
-                </a:solidFill>
-                <a:latin typeface="+mn-lt"/>
-                <a:ea typeface="+mn-ea"/>
-                <a:cs typeface="+mn-cs"/>
-              </a:defRPr>
-            </a:lvl2pPr>
-            <a:lvl3pPr marL="0" marR="0" indent="0" algn="l" defTabSz="932742" rtl="0" eaLnBrk="1" fontAlgn="auto" latinLnBrk="0" hangingPunct="1">
-              <a:lnSpc>
-                <a:spcPct val="100000"/>
-              </a:lnSpc>
-              <a:spcBef>
-                <a:spcPts val="0"/>
-              </a:spcBef>
-              <a:spcAft>
-                <a:spcPts val="0"/>
-              </a:spcAft>
-              <a:buClrTx/>
-              <a:buSzPct val="90000"/>
-              <a:buFont typeface="Wingdings" panose="05000000000000000000" pitchFamily="2" charset="2"/>
-              <a:buNone/>
-              <a:tabLst/>
-              <a:defRPr sz="1400" kern="1200" spc="0" baseline="0">
-                <a:solidFill>
-                  <a:schemeClr val="tx2"/>
-                </a:solidFill>
-                <a:latin typeface="+mj-lt"/>
-                <a:ea typeface="+mn-ea"/>
-                <a:cs typeface="+mn-cs"/>
-              </a:defRPr>
-            </a:lvl3pPr>
-            <a:lvl4pPr marL="0" marR="0" indent="0" algn="l" defTabSz="932742" rtl="0" eaLnBrk="1" fontAlgn="auto" latinLnBrk="0" hangingPunct="1">
-              <a:lnSpc>
-                <a:spcPct val="100000"/>
-              </a:lnSpc>
-              <a:spcBef>
-                <a:spcPts val="0"/>
-              </a:spcBef>
-              <a:spcAft>
-                <a:spcPts val="0"/>
-              </a:spcAft>
-              <a:buClrTx/>
-              <a:buSzPct val="90000"/>
-              <a:buFont typeface="Wingdings" panose="05000000000000000000" pitchFamily="2" charset="2"/>
-              <a:buNone/>
-              <a:tabLst/>
-              <a:defRPr sz="1400" kern="1200" spc="0" baseline="0">
-                <a:solidFill>
-                  <a:srgbClr val="000000"/>
-                </a:solidFill>
-                <a:latin typeface="+mn-lt"/>
-                <a:ea typeface="+mn-ea"/>
-                <a:cs typeface="+mn-cs"/>
-              </a:defRPr>
-            </a:lvl4pPr>
-            <a:lvl5pPr marL="0" marR="0" indent="0" algn="l" defTabSz="932742" rtl="0" eaLnBrk="1" fontAlgn="auto" latinLnBrk="0" hangingPunct="1">
-              <a:lnSpc>
-                <a:spcPct val="100000"/>
-              </a:lnSpc>
-              <a:spcBef>
-                <a:spcPts val="0"/>
-              </a:spcBef>
-              <a:spcAft>
-                <a:spcPts val="0"/>
-              </a:spcAft>
-              <a:buClrTx/>
-              <a:buSzPct val="90000"/>
-              <a:buFont typeface="Wingdings" panose="05000000000000000000" pitchFamily="2" charset="2"/>
-              <a:buNone/>
-              <a:tabLst/>
-              <a:defRPr sz="1050" b="1" kern="1200" spc="0" baseline="0">
-                <a:solidFill>
-                  <a:srgbClr val="000000"/>
-                </a:solidFill>
-                <a:latin typeface="+mn-lt"/>
-                <a:ea typeface="+mn-ea"/>
-                <a:cs typeface="+mn-cs"/>
-              </a:defRPr>
-            </a:lvl5pPr>
-            <a:lvl6pPr marL="2331854" indent="0" algn="l" defTabSz="932742" rtl="0" eaLnBrk="1" latinLnBrk="0" hangingPunct="1">
-              <a:spcBef>
-                <a:spcPct val="20000"/>
-              </a:spcBef>
-              <a:buFont typeface="Arial" pitchFamily="34" charset="0"/>
-              <a:buNone/>
-              <a:defRPr sz="2000" kern="1200">
-                <a:solidFill>
-                  <a:schemeClr val="tx1"/>
-                </a:solidFill>
-                <a:latin typeface="+mn-lt"/>
-                <a:ea typeface="+mn-ea"/>
-                <a:cs typeface="+mn-cs"/>
-              </a:defRPr>
-            </a:lvl6pPr>
-            <a:lvl7pPr marL="0" indent="0" algn="l" defTabSz="932742" rtl="0" eaLnBrk="1" latinLnBrk="0" hangingPunct="1">
-              <a:lnSpc>
-                <a:spcPct val="100000"/>
-              </a:lnSpc>
-              <a:spcBef>
-                <a:spcPts val="0"/>
-              </a:spcBef>
-              <a:spcAft>
-                <a:spcPts val="0"/>
-              </a:spcAft>
-              <a:buFont typeface="Arial" pitchFamily="34" charset="0"/>
-              <a:buNone/>
-              <a:defRPr sz="1000" kern="1200">
-                <a:solidFill>
-                  <a:srgbClr val="000000"/>
-                </a:solidFill>
-                <a:latin typeface="+mn-lt"/>
-                <a:ea typeface="+mn-ea"/>
-                <a:cs typeface="+mn-cs"/>
-              </a:defRPr>
-            </a:lvl7pPr>
-            <a:lvl8pPr marL="3497783" indent="-233186" algn="l" defTabSz="932742" rtl="0" eaLnBrk="1" latinLnBrk="0" hangingPunct="1">
-              <a:spcBef>
-                <a:spcPct val="20000"/>
-              </a:spcBef>
-              <a:buFont typeface="Arial" pitchFamily="34" charset="0"/>
-              <a:buChar char="•"/>
-              <a:defRPr sz="2000" kern="1200">
-                <a:solidFill>
-                  <a:schemeClr val="tx1"/>
-                </a:solidFill>
-                <a:latin typeface="+mn-lt"/>
-                <a:ea typeface="+mn-ea"/>
-                <a:cs typeface="+mn-cs"/>
-              </a:defRPr>
-            </a:lvl8pPr>
-            <a:lvl9pPr marL="3964155" indent="-233186" algn="l" defTabSz="932742" rtl="0" eaLnBrk="1" latinLnBrk="0" hangingPunct="1">
-              <a:spcBef>
-                <a:spcPct val="20000"/>
-              </a:spcBef>
-              <a:buFont typeface="Arial" pitchFamily="34" charset="0"/>
-              <a:buChar char="•"/>
-              <a:defRPr sz="2000" kern="1200">
-                <a:solidFill>
-                  <a:schemeClr val="tx1"/>
-                </a:solidFill>
-                <a:latin typeface="+mn-lt"/>
-                <a:ea typeface="+mn-ea"/>
-                <a:cs typeface="+mn-cs"/>
-              </a:defRPr>
-            </a:lvl9pPr>
-          </a:lstStyle>
-          <a:p>
-            <a:r>
-              <a:rPr lang="pt-BR" sz="3200" dirty="0"/>
-              <a:t>Formulário para ter acesso ao recurso </a:t>
-            </a:r>
-            <a:r>
-              <a:rPr lang="pt-BR" sz="3200" dirty="0" err="1"/>
-              <a:t>AzureOpenAI</a:t>
-            </a:r>
-            <a:endParaRPr lang="pt-BR" sz="3200" dirty="0"/>
-          </a:p>
-        </p:txBody>
-      </p:sp>
-    </p:spTree>
-    <p:extLst>
-      <p:ext uri="{BB962C8B-B14F-4D97-AF65-F5344CB8AC3E}">
-        <p14:creationId xmlns:p14="http://schemas.microsoft.com/office/powerpoint/2010/main" val="1714491406"/>
-      </p:ext>
-    </p:extLst>
-  </p:cSld>
-  <p:clrMapOvr>
-    <a:masterClrMapping/>
-  </p:clrMapOvr>
-  <mc:AlternateContent xmlns:mc="http://schemas.openxmlformats.org/markup-compatibility/2006" xmlns:p14="http://schemas.microsoft.com/office/powerpoint/2010/main">
-    <mc:Choice Requires="p14">
-      <p:transition spd="med" p14:dur="700">
-        <p:fade/>
-      </p:transition>
-    </mc:Choice>
-    <mc:Fallback xmlns="">
-      <p:transition spd="med">
-        <p:fade/>
-      </p:transition>
-    </mc:Fallback>
-  </mc:AlternateContent>
-</p:sld>
-</file>
-
-<file path=ppt/slides/slide11.xml><?xml version="1.0" encoding="utf-8"?>
-<p:sld xmlns:a="http://schemas.openxmlformats.org/drawingml/2006/main" xmlns:r="http://schemas.openxmlformats.org/officeDocument/2006/relationships" xmlns:p="http://schemas.openxmlformats.org/presentationml/2006/main">
-  <p:cSld>
-    <p:spTree>
-      <p:nvGrpSpPr>
-        <p:cNvPr id="1" name=""/>
-        <p:cNvGrpSpPr/>
-        <p:nvPr/>
-      </p:nvGrpSpPr>
-      <p:grpSpPr>
-        <a:xfrm>
-          <a:off x="0" y="0"/>
-          <a:ext cx="0" cy="0"/>
-          <a:chOff x="0" y="0"/>
-          <a:chExt cx="0" cy="0"/>
-        </a:xfrm>
-      </p:grpSpPr>
-      <p:sp>
-        <p:nvSpPr>
-          <p:cNvPr id="5" name="CaixaDeTexto 4">
-            <a:extLst>
-              <a:ext uri="{FF2B5EF4-FFF2-40B4-BE49-F238E27FC236}">
-                <a16:creationId xmlns:a16="http://schemas.microsoft.com/office/drawing/2014/main" id="{8ACDB991-EC5C-F38D-2382-DB6C1328DBFA}"/>
-              </a:ext>
-            </a:extLst>
-          </p:cNvPr>
-          <p:cNvSpPr txBox="1"/>
-          <p:nvPr/>
-        </p:nvSpPr>
-        <p:spPr>
-          <a:xfrm>
-            <a:off x="456996" y="5267709"/>
-            <a:ext cx="10649356" cy="369332"/>
-          </a:xfrm>
-          <a:prstGeom prst="rect">
-            <a:avLst/>
-          </a:prstGeom>
-          <a:noFill/>
-        </p:spPr>
-        <p:txBody>
-          <a:bodyPr wrap="square">
-            <a:spAutoFit/>
-          </a:bodyPr>
-          <a:lstStyle/>
-          <a:p>
-            <a:r>
-              <a:rPr lang="pt-BR" dirty="0">
-                <a:solidFill>
-                  <a:schemeClr val="bg1"/>
-                </a:solidFill>
-              </a:rPr>
-              <a:t>https://learn.microsoft.com/pt-br/azure/</a:t>
-            </a:r>
-            <a:r>
-              <a:rPr lang="pt-BR" spc="-50" dirty="0">
-                <a:solidFill>
-                  <a:schemeClr val="bg1"/>
-                </a:solidFill>
-                <a:latin typeface="+mj-lt"/>
-              </a:rPr>
-              <a:t>ai-services</a:t>
-            </a:r>
-            <a:r>
-              <a:rPr lang="pt-BR" dirty="0">
-                <a:solidFill>
-                  <a:schemeClr val="bg1"/>
-                </a:solidFill>
-              </a:rPr>
-              <a:t>/openai/concepts/models</a:t>
-            </a:r>
-          </a:p>
-        </p:txBody>
-      </p:sp>
-      <p:sp>
-        <p:nvSpPr>
-          <p:cNvPr id="6" name="Espaço Reservado para Texto 2">
-            <a:extLst>
-              <a:ext uri="{FF2B5EF4-FFF2-40B4-BE49-F238E27FC236}">
-                <a16:creationId xmlns:a16="http://schemas.microsoft.com/office/drawing/2014/main" id="{4241B9D4-4E11-C865-F7EE-C8ADDF366F9D}"/>
-              </a:ext>
-            </a:extLst>
-          </p:cNvPr>
-          <p:cNvSpPr txBox="1">
-            <a:spLocks/>
-          </p:cNvSpPr>
-          <p:nvPr/>
-        </p:nvSpPr>
-        <p:spPr>
-          <a:xfrm>
-            <a:off x="451338" y="803485"/>
-            <a:ext cx="9795376" cy="923330"/>
-          </a:xfrm>
-          <a:prstGeom prst="rect">
-            <a:avLst/>
-          </a:prstGeom>
-        </p:spPr>
-        <p:txBody>
-          <a:bodyPr vert="horz" wrap="square" lIns="0" tIns="91440" rIns="146304" bIns="91440" rtlCol="0">
-            <a:spAutoFit/>
-          </a:bodyPr>
-          <a:lstStyle>
-            <a:lvl1pPr marL="0" marR="0" indent="0" algn="l" defTabSz="932742" rtl="0" eaLnBrk="1" fontAlgn="auto" latinLnBrk="0" hangingPunct="1">
-              <a:lnSpc>
-                <a:spcPct val="100000"/>
-              </a:lnSpc>
-              <a:spcBef>
-                <a:spcPts val="0"/>
-              </a:spcBef>
-              <a:spcAft>
-                <a:spcPts val="0"/>
-              </a:spcAft>
-              <a:buClrTx/>
-              <a:buSzPct val="90000"/>
-              <a:buFont typeface="Wingdings" panose="05000000000000000000" pitchFamily="2" charset="2"/>
-              <a:buNone/>
-              <a:tabLst/>
-              <a:defRPr sz="1800" kern="1200" spc="-50" baseline="0">
-                <a:solidFill>
-                  <a:schemeClr val="bg2"/>
-                </a:solidFill>
-                <a:latin typeface="+mj-lt"/>
-                <a:ea typeface="+mn-ea"/>
-                <a:cs typeface="+mn-cs"/>
-              </a:defRPr>
-            </a:lvl1pPr>
-            <a:lvl2pPr marL="0" marR="0" indent="0" algn="l" defTabSz="932742" rtl="0" eaLnBrk="1" fontAlgn="auto" latinLnBrk="0" hangingPunct="1">
-              <a:lnSpc>
-                <a:spcPct val="100000"/>
-              </a:lnSpc>
-              <a:spcBef>
-                <a:spcPts val="0"/>
-              </a:spcBef>
-              <a:spcAft>
-                <a:spcPts val="0"/>
-              </a:spcAft>
-              <a:buClrTx/>
-              <a:buSzPct val="90000"/>
-              <a:buFontTx/>
-              <a:buNone/>
-              <a:tabLst/>
-              <a:defRPr sz="1800" kern="1200" spc="0" baseline="0">
-                <a:solidFill>
-                  <a:srgbClr val="000000"/>
-                </a:solidFill>
-                <a:latin typeface="+mn-lt"/>
-                <a:ea typeface="+mn-ea"/>
-                <a:cs typeface="+mn-cs"/>
-              </a:defRPr>
-            </a:lvl2pPr>
-            <a:lvl3pPr marL="0" marR="0" indent="0" algn="l" defTabSz="932742" rtl="0" eaLnBrk="1" fontAlgn="auto" latinLnBrk="0" hangingPunct="1">
-              <a:lnSpc>
-                <a:spcPct val="100000"/>
-              </a:lnSpc>
-              <a:spcBef>
-                <a:spcPts val="0"/>
-              </a:spcBef>
-              <a:spcAft>
-                <a:spcPts val="0"/>
-              </a:spcAft>
-              <a:buClrTx/>
-              <a:buSzPct val="90000"/>
-              <a:buFont typeface="Wingdings" panose="05000000000000000000" pitchFamily="2" charset="2"/>
-              <a:buNone/>
-              <a:tabLst/>
-              <a:defRPr sz="1400" kern="1200" spc="0" baseline="0">
-                <a:solidFill>
-                  <a:schemeClr val="tx2"/>
-                </a:solidFill>
-                <a:latin typeface="+mj-lt"/>
-                <a:ea typeface="+mn-ea"/>
-                <a:cs typeface="+mn-cs"/>
-              </a:defRPr>
-            </a:lvl3pPr>
-            <a:lvl4pPr marL="0" marR="0" indent="0" algn="l" defTabSz="932742" rtl="0" eaLnBrk="1" fontAlgn="auto" latinLnBrk="0" hangingPunct="1">
-              <a:lnSpc>
-                <a:spcPct val="100000"/>
-              </a:lnSpc>
-              <a:spcBef>
-                <a:spcPts val="0"/>
-              </a:spcBef>
-              <a:spcAft>
-                <a:spcPts val="0"/>
-              </a:spcAft>
-              <a:buClrTx/>
-              <a:buSzPct val="90000"/>
-              <a:buFont typeface="Wingdings" panose="05000000000000000000" pitchFamily="2" charset="2"/>
-              <a:buNone/>
-              <a:tabLst/>
-              <a:defRPr sz="1400" kern="1200" spc="0" baseline="0">
-                <a:solidFill>
-                  <a:srgbClr val="000000"/>
-                </a:solidFill>
-                <a:latin typeface="+mn-lt"/>
-                <a:ea typeface="+mn-ea"/>
-                <a:cs typeface="+mn-cs"/>
-              </a:defRPr>
-            </a:lvl4pPr>
-            <a:lvl5pPr marL="0" marR="0" indent="0" algn="l" defTabSz="932742" rtl="0" eaLnBrk="1" fontAlgn="auto" latinLnBrk="0" hangingPunct="1">
-              <a:lnSpc>
-                <a:spcPct val="100000"/>
-              </a:lnSpc>
-              <a:spcBef>
-                <a:spcPts val="0"/>
-              </a:spcBef>
-              <a:spcAft>
-                <a:spcPts val="0"/>
-              </a:spcAft>
-              <a:buClrTx/>
-              <a:buSzPct val="90000"/>
-              <a:buFont typeface="Wingdings" panose="05000000000000000000" pitchFamily="2" charset="2"/>
-              <a:buNone/>
-              <a:tabLst/>
-              <a:defRPr sz="1050" b="1" kern="1200" spc="0" baseline="0">
-                <a:solidFill>
-                  <a:srgbClr val="000000"/>
-                </a:solidFill>
-                <a:latin typeface="+mn-lt"/>
-                <a:ea typeface="+mn-ea"/>
-                <a:cs typeface="+mn-cs"/>
-              </a:defRPr>
-            </a:lvl5pPr>
-            <a:lvl6pPr marL="2331854" indent="0" algn="l" defTabSz="932742" rtl="0" eaLnBrk="1" latinLnBrk="0" hangingPunct="1">
-              <a:spcBef>
-                <a:spcPct val="20000"/>
-              </a:spcBef>
-              <a:buFont typeface="Arial" pitchFamily="34" charset="0"/>
-              <a:buNone/>
-              <a:defRPr sz="2000" kern="1200">
-                <a:solidFill>
-                  <a:schemeClr val="tx1"/>
-                </a:solidFill>
-                <a:latin typeface="+mn-lt"/>
-                <a:ea typeface="+mn-ea"/>
-                <a:cs typeface="+mn-cs"/>
-              </a:defRPr>
-            </a:lvl6pPr>
-            <a:lvl7pPr marL="0" indent="0" algn="l" defTabSz="932742" rtl="0" eaLnBrk="1" latinLnBrk="0" hangingPunct="1">
-              <a:lnSpc>
-                <a:spcPct val="100000"/>
-              </a:lnSpc>
-              <a:spcBef>
-                <a:spcPts val="0"/>
-              </a:spcBef>
-              <a:spcAft>
-                <a:spcPts val="0"/>
-              </a:spcAft>
-              <a:buFont typeface="Arial" pitchFamily="34" charset="0"/>
-              <a:buNone/>
-              <a:defRPr sz="1000" kern="1200">
-                <a:solidFill>
-                  <a:srgbClr val="000000"/>
-                </a:solidFill>
-                <a:latin typeface="+mn-lt"/>
-                <a:ea typeface="+mn-ea"/>
-                <a:cs typeface="+mn-cs"/>
-              </a:defRPr>
-            </a:lvl7pPr>
-            <a:lvl8pPr marL="3497783" indent="-233186" algn="l" defTabSz="932742" rtl="0" eaLnBrk="1" latinLnBrk="0" hangingPunct="1">
-              <a:spcBef>
-                <a:spcPct val="20000"/>
-              </a:spcBef>
-              <a:buFont typeface="Arial" pitchFamily="34" charset="0"/>
-              <a:buChar char="•"/>
-              <a:defRPr sz="2000" kern="1200">
-                <a:solidFill>
-                  <a:schemeClr val="tx1"/>
-                </a:solidFill>
-                <a:latin typeface="+mn-lt"/>
-                <a:ea typeface="+mn-ea"/>
-                <a:cs typeface="+mn-cs"/>
-              </a:defRPr>
-            </a:lvl8pPr>
-            <a:lvl9pPr marL="3964155" indent="-233186" algn="l" defTabSz="932742" rtl="0" eaLnBrk="1" latinLnBrk="0" hangingPunct="1">
-              <a:spcBef>
-                <a:spcPct val="20000"/>
-              </a:spcBef>
-              <a:buFont typeface="Arial" pitchFamily="34" charset="0"/>
-              <a:buChar char="•"/>
-              <a:defRPr sz="2000" kern="1200">
-                <a:solidFill>
-                  <a:schemeClr val="tx1"/>
-                </a:solidFill>
-                <a:latin typeface="+mn-lt"/>
-                <a:ea typeface="+mn-ea"/>
-                <a:cs typeface="+mn-cs"/>
-              </a:defRPr>
-            </a:lvl9pPr>
-          </a:lstStyle>
-          <a:p>
-            <a:r>
-              <a:rPr lang="pt-BR" sz="4800" dirty="0"/>
-              <a:t>Localização dos Recursos</a:t>
-            </a:r>
-          </a:p>
-        </p:txBody>
-      </p:sp>
-      <p:pic>
-        <p:nvPicPr>
-          <p:cNvPr id="10" name="Imagem 9">
-            <a:extLst>
-              <a:ext uri="{FF2B5EF4-FFF2-40B4-BE49-F238E27FC236}">
-                <a16:creationId xmlns:a16="http://schemas.microsoft.com/office/drawing/2014/main" id="{641BE21B-644C-A5E7-017E-3EC70D9A16BB}"/>
-              </a:ext>
-            </a:extLst>
-          </p:cNvPr>
-          <p:cNvPicPr>
-            <a:picLocks noChangeAspect="1"/>
-          </p:cNvPicPr>
-          <p:nvPr/>
-        </p:nvPicPr>
-        <p:blipFill>
-          <a:blip r:embed="rId2"/>
-          <a:stretch>
-            <a:fillRect/>
-          </a:stretch>
-        </p:blipFill>
-        <p:spPr>
-          <a:xfrm>
-            <a:off x="4510796" y="2288240"/>
-            <a:ext cx="2541757" cy="2418044"/>
-          </a:xfrm>
-          <a:prstGeom prst="rect">
-            <a:avLst/>
-          </a:prstGeom>
-          <a:ln>
-            <a:noFill/>
-          </a:ln>
-          <a:effectLst>
-            <a:softEdge rad="112500"/>
-          </a:effectLst>
-        </p:spPr>
-      </p:pic>
-    </p:spTree>
-    <p:extLst>
-      <p:ext uri="{BB962C8B-B14F-4D97-AF65-F5344CB8AC3E}">
-        <p14:creationId xmlns:p14="http://schemas.microsoft.com/office/powerpoint/2010/main" val="2531184178"/>
-      </p:ext>
-    </p:extLst>
-  </p:cSld>
-  <p:clrMapOvr>
-    <a:masterClrMapping/>
-  </p:clrMapOvr>
-  <mc:AlternateContent xmlns:mc="http://schemas.openxmlformats.org/markup-compatibility/2006" xmlns:p14="http://schemas.microsoft.com/office/powerpoint/2010/main">
-    <mc:Choice Requires="p14">
-      <p:transition spd="med" p14:dur="700">
-        <p:fade/>
-      </p:transition>
-    </mc:Choice>
-    <mc:Fallback xmlns="">
-      <p:transition spd="med">
-        <p:fade/>
-      </p:transition>
-    </mc:Fallback>
-  </mc:AlternateContent>
-</p:sld>
-</file>
-
-<file path=ppt/slides/slide12.xml><?xml version="1.0" encoding="utf-8"?>
-<p:sld xmlns:a="http://schemas.openxmlformats.org/drawingml/2006/main" xmlns:r="http://schemas.openxmlformats.org/officeDocument/2006/relationships" xmlns:p="http://schemas.openxmlformats.org/presentationml/2006/main">
-  <p:cSld>
-    <p:spTree>
-      <p:nvGrpSpPr>
-        <p:cNvPr id="1" name=""/>
-        <p:cNvGrpSpPr/>
-        <p:nvPr/>
-      </p:nvGrpSpPr>
-      <p:grpSpPr>
-        <a:xfrm>
-          <a:off x="0" y="0"/>
-          <a:ext cx="0" cy="0"/>
-          <a:chOff x="0" y="0"/>
-          <a:chExt cx="0" cy="0"/>
-        </a:xfrm>
-      </p:grpSpPr>
-      <p:sp>
-        <p:nvSpPr>
-          <p:cNvPr id="5" name="CaixaDeTexto 4">
-            <a:extLst>
-              <a:ext uri="{FF2B5EF4-FFF2-40B4-BE49-F238E27FC236}">
-                <a16:creationId xmlns:a16="http://schemas.microsoft.com/office/drawing/2014/main" id="{8ACDB991-EC5C-F38D-2382-DB6C1328DBFA}"/>
-              </a:ext>
-            </a:extLst>
-          </p:cNvPr>
-          <p:cNvSpPr txBox="1"/>
-          <p:nvPr/>
-        </p:nvSpPr>
-        <p:spPr>
-          <a:xfrm>
-            <a:off x="451338" y="4994564"/>
-            <a:ext cx="10649356" cy="369332"/>
-          </a:xfrm>
-          <a:prstGeom prst="rect">
-            <a:avLst/>
-          </a:prstGeom>
-          <a:noFill/>
-        </p:spPr>
-        <p:txBody>
-          <a:bodyPr wrap="square">
-            <a:spAutoFit/>
-          </a:bodyPr>
-          <a:lstStyle/>
-          <a:p>
-            <a:r>
-              <a:rPr lang="pt-BR" dirty="0">
-                <a:solidFill>
-                  <a:schemeClr val="bg1"/>
-                </a:solidFill>
-              </a:rPr>
-              <a:t>https://azure.microsoft.com/pt-br/pricing/details/cognitive-services/openai-service/</a:t>
-            </a:r>
-          </a:p>
-        </p:txBody>
-      </p:sp>
-      <p:sp>
-        <p:nvSpPr>
-          <p:cNvPr id="6" name="Espaço Reservado para Texto 2">
-            <a:extLst>
-              <a:ext uri="{FF2B5EF4-FFF2-40B4-BE49-F238E27FC236}">
-                <a16:creationId xmlns:a16="http://schemas.microsoft.com/office/drawing/2014/main" id="{4241B9D4-4E11-C865-F7EE-C8ADDF366F9D}"/>
-              </a:ext>
-            </a:extLst>
-          </p:cNvPr>
-          <p:cNvSpPr txBox="1">
-            <a:spLocks/>
-          </p:cNvSpPr>
-          <p:nvPr/>
-        </p:nvSpPr>
-        <p:spPr>
-          <a:xfrm>
-            <a:off x="451338" y="803485"/>
-            <a:ext cx="9795376" cy="923330"/>
-          </a:xfrm>
-          <a:prstGeom prst="rect">
-            <a:avLst/>
-          </a:prstGeom>
-        </p:spPr>
-        <p:txBody>
-          <a:bodyPr vert="horz" wrap="square" lIns="0" tIns="91440" rIns="146304" bIns="91440" rtlCol="0">
-            <a:spAutoFit/>
-          </a:bodyPr>
-          <a:lstStyle>
-            <a:lvl1pPr marL="0" marR="0" indent="0" algn="l" defTabSz="932742" rtl="0" eaLnBrk="1" fontAlgn="auto" latinLnBrk="0" hangingPunct="1">
-              <a:lnSpc>
-                <a:spcPct val="100000"/>
-              </a:lnSpc>
-              <a:spcBef>
-                <a:spcPts val="0"/>
-              </a:spcBef>
-              <a:spcAft>
-                <a:spcPts val="0"/>
-              </a:spcAft>
-              <a:buClrTx/>
-              <a:buSzPct val="90000"/>
-              <a:buFont typeface="Wingdings" panose="05000000000000000000" pitchFamily="2" charset="2"/>
-              <a:buNone/>
-              <a:tabLst/>
-              <a:defRPr sz="1800" kern="1200" spc="-50" baseline="0">
-                <a:solidFill>
-                  <a:schemeClr val="bg2"/>
-                </a:solidFill>
-                <a:latin typeface="+mj-lt"/>
-                <a:ea typeface="+mn-ea"/>
-                <a:cs typeface="+mn-cs"/>
-              </a:defRPr>
-            </a:lvl1pPr>
-            <a:lvl2pPr marL="0" marR="0" indent="0" algn="l" defTabSz="932742" rtl="0" eaLnBrk="1" fontAlgn="auto" latinLnBrk="0" hangingPunct="1">
-              <a:lnSpc>
-                <a:spcPct val="100000"/>
-              </a:lnSpc>
-              <a:spcBef>
-                <a:spcPts val="0"/>
-              </a:spcBef>
-              <a:spcAft>
-                <a:spcPts val="0"/>
-              </a:spcAft>
-              <a:buClrTx/>
-              <a:buSzPct val="90000"/>
-              <a:buFontTx/>
-              <a:buNone/>
-              <a:tabLst/>
-              <a:defRPr sz="1800" kern="1200" spc="0" baseline="0">
-                <a:solidFill>
-                  <a:srgbClr val="000000"/>
-                </a:solidFill>
-                <a:latin typeface="+mn-lt"/>
-                <a:ea typeface="+mn-ea"/>
-                <a:cs typeface="+mn-cs"/>
-              </a:defRPr>
-            </a:lvl2pPr>
-            <a:lvl3pPr marL="0" marR="0" indent="0" algn="l" defTabSz="932742" rtl="0" eaLnBrk="1" fontAlgn="auto" latinLnBrk="0" hangingPunct="1">
-              <a:lnSpc>
-                <a:spcPct val="100000"/>
-              </a:lnSpc>
-              <a:spcBef>
-                <a:spcPts val="0"/>
-              </a:spcBef>
-              <a:spcAft>
-                <a:spcPts val="0"/>
-              </a:spcAft>
-              <a:buClrTx/>
-              <a:buSzPct val="90000"/>
-              <a:buFont typeface="Wingdings" panose="05000000000000000000" pitchFamily="2" charset="2"/>
-              <a:buNone/>
-              <a:tabLst/>
-              <a:defRPr sz="1400" kern="1200" spc="0" baseline="0">
-                <a:solidFill>
-                  <a:schemeClr val="tx2"/>
-                </a:solidFill>
-                <a:latin typeface="+mj-lt"/>
-                <a:ea typeface="+mn-ea"/>
-                <a:cs typeface="+mn-cs"/>
-              </a:defRPr>
-            </a:lvl3pPr>
-            <a:lvl4pPr marL="0" marR="0" indent="0" algn="l" defTabSz="932742" rtl="0" eaLnBrk="1" fontAlgn="auto" latinLnBrk="0" hangingPunct="1">
-              <a:lnSpc>
-                <a:spcPct val="100000"/>
-              </a:lnSpc>
-              <a:spcBef>
-                <a:spcPts val="0"/>
-              </a:spcBef>
-              <a:spcAft>
-                <a:spcPts val="0"/>
-              </a:spcAft>
-              <a:buClrTx/>
-              <a:buSzPct val="90000"/>
-              <a:buFont typeface="Wingdings" panose="05000000000000000000" pitchFamily="2" charset="2"/>
-              <a:buNone/>
-              <a:tabLst/>
-              <a:defRPr sz="1400" kern="1200" spc="0" baseline="0">
-                <a:solidFill>
-                  <a:srgbClr val="000000"/>
-                </a:solidFill>
-                <a:latin typeface="+mn-lt"/>
-                <a:ea typeface="+mn-ea"/>
-                <a:cs typeface="+mn-cs"/>
-              </a:defRPr>
-            </a:lvl4pPr>
-            <a:lvl5pPr marL="0" marR="0" indent="0" algn="l" defTabSz="932742" rtl="0" eaLnBrk="1" fontAlgn="auto" latinLnBrk="0" hangingPunct="1">
-              <a:lnSpc>
-                <a:spcPct val="100000"/>
-              </a:lnSpc>
-              <a:spcBef>
-                <a:spcPts val="0"/>
-              </a:spcBef>
-              <a:spcAft>
-                <a:spcPts val="0"/>
-              </a:spcAft>
-              <a:buClrTx/>
-              <a:buSzPct val="90000"/>
-              <a:buFont typeface="Wingdings" panose="05000000000000000000" pitchFamily="2" charset="2"/>
-              <a:buNone/>
-              <a:tabLst/>
-              <a:defRPr sz="1050" b="1" kern="1200" spc="0" baseline="0">
-                <a:solidFill>
-                  <a:srgbClr val="000000"/>
-                </a:solidFill>
-                <a:latin typeface="+mn-lt"/>
-                <a:ea typeface="+mn-ea"/>
-                <a:cs typeface="+mn-cs"/>
-              </a:defRPr>
-            </a:lvl5pPr>
-            <a:lvl6pPr marL="2331854" indent="0" algn="l" defTabSz="932742" rtl="0" eaLnBrk="1" latinLnBrk="0" hangingPunct="1">
-              <a:spcBef>
-                <a:spcPct val="20000"/>
-              </a:spcBef>
-              <a:buFont typeface="Arial" pitchFamily="34" charset="0"/>
-              <a:buNone/>
-              <a:defRPr sz="2000" kern="1200">
-                <a:solidFill>
-                  <a:schemeClr val="tx1"/>
-                </a:solidFill>
-                <a:latin typeface="+mn-lt"/>
-                <a:ea typeface="+mn-ea"/>
-                <a:cs typeface="+mn-cs"/>
-              </a:defRPr>
-            </a:lvl6pPr>
-            <a:lvl7pPr marL="0" indent="0" algn="l" defTabSz="932742" rtl="0" eaLnBrk="1" latinLnBrk="0" hangingPunct="1">
-              <a:lnSpc>
-                <a:spcPct val="100000"/>
-              </a:lnSpc>
-              <a:spcBef>
-                <a:spcPts val="0"/>
-              </a:spcBef>
-              <a:spcAft>
-                <a:spcPts val="0"/>
-              </a:spcAft>
-              <a:buFont typeface="Arial" pitchFamily="34" charset="0"/>
-              <a:buNone/>
-              <a:defRPr sz="1000" kern="1200">
-                <a:solidFill>
-                  <a:srgbClr val="000000"/>
-                </a:solidFill>
-                <a:latin typeface="+mn-lt"/>
-                <a:ea typeface="+mn-ea"/>
-                <a:cs typeface="+mn-cs"/>
-              </a:defRPr>
-            </a:lvl7pPr>
-            <a:lvl8pPr marL="3497783" indent="-233186" algn="l" defTabSz="932742" rtl="0" eaLnBrk="1" latinLnBrk="0" hangingPunct="1">
-              <a:spcBef>
-                <a:spcPct val="20000"/>
-              </a:spcBef>
-              <a:buFont typeface="Arial" pitchFamily="34" charset="0"/>
-              <a:buChar char="•"/>
-              <a:defRPr sz="2000" kern="1200">
-                <a:solidFill>
-                  <a:schemeClr val="tx1"/>
-                </a:solidFill>
-                <a:latin typeface="+mn-lt"/>
-                <a:ea typeface="+mn-ea"/>
-                <a:cs typeface="+mn-cs"/>
-              </a:defRPr>
-            </a:lvl8pPr>
-            <a:lvl9pPr marL="3964155" indent="-233186" algn="l" defTabSz="932742" rtl="0" eaLnBrk="1" latinLnBrk="0" hangingPunct="1">
-              <a:spcBef>
-                <a:spcPct val="20000"/>
-              </a:spcBef>
-              <a:buFont typeface="Arial" pitchFamily="34" charset="0"/>
-              <a:buChar char="•"/>
-              <a:defRPr sz="2000" kern="1200">
-                <a:solidFill>
-                  <a:schemeClr val="tx1"/>
-                </a:solidFill>
-                <a:latin typeface="+mn-lt"/>
-                <a:ea typeface="+mn-ea"/>
-                <a:cs typeface="+mn-cs"/>
-              </a:defRPr>
-            </a:lvl9pPr>
-          </a:lstStyle>
-          <a:p>
-            <a:r>
-              <a:rPr lang="pt-BR" sz="4800" dirty="0"/>
-              <a:t>Tabela de Preços</a:t>
-            </a:r>
-          </a:p>
-        </p:txBody>
-      </p:sp>
-      <p:pic>
-        <p:nvPicPr>
-          <p:cNvPr id="3" name="Imagem 2">
-            <a:extLst>
-              <a:ext uri="{FF2B5EF4-FFF2-40B4-BE49-F238E27FC236}">
-                <a16:creationId xmlns:a16="http://schemas.microsoft.com/office/drawing/2014/main" id="{4F8DB885-E259-04C3-76DA-76A24DD6F6DC}"/>
-              </a:ext>
-            </a:extLst>
-          </p:cNvPr>
-          <p:cNvPicPr>
-            <a:picLocks noChangeAspect="1"/>
-          </p:cNvPicPr>
-          <p:nvPr/>
-        </p:nvPicPr>
-        <p:blipFill>
-          <a:blip r:embed="rId3"/>
-          <a:stretch>
-            <a:fillRect/>
-          </a:stretch>
-        </p:blipFill>
-        <p:spPr>
-          <a:xfrm>
-            <a:off x="4557455" y="2142478"/>
-            <a:ext cx="2925037" cy="2711623"/>
-          </a:xfrm>
-          <a:prstGeom prst="rect">
-            <a:avLst/>
-          </a:prstGeom>
-          <a:ln>
-            <a:noFill/>
-          </a:ln>
-          <a:effectLst>
-            <a:softEdge rad="112500"/>
-          </a:effectLst>
-        </p:spPr>
-      </p:pic>
-    </p:spTree>
-    <p:extLst>
-      <p:ext uri="{BB962C8B-B14F-4D97-AF65-F5344CB8AC3E}">
-        <p14:creationId xmlns:p14="http://schemas.microsoft.com/office/powerpoint/2010/main" val="2895380450"/>
-      </p:ext>
-    </p:extLst>
-  </p:cSld>
-  <p:clrMapOvr>
-    <a:masterClrMapping/>
-  </p:clrMapOvr>
-  <mc:AlternateContent xmlns:mc="http://schemas.openxmlformats.org/markup-compatibility/2006" xmlns:p14="http://schemas.microsoft.com/office/powerpoint/2010/main">
-    <mc:Choice Requires="p14">
-      <p:transition spd="med" p14:dur="700">
-        <p:fade/>
-      </p:transition>
-    </mc:Choice>
-    <mc:Fallback xmlns="">
-      <p:transition spd="med">
-        <p:fade/>
-      </p:transition>
-    </mc:Fallback>
-  </mc:AlternateContent>
-</p:sld>
-</file>
-
-<file path=ppt/slides/slide13.xml><?xml version="1.0" encoding="utf-8"?>
-<p:sld xmlns:a="http://schemas.openxmlformats.org/drawingml/2006/main" xmlns:r="http://schemas.openxmlformats.org/officeDocument/2006/relationships" xmlns:p="http://schemas.openxmlformats.org/presentationml/2006/main">
-  <p:cSld>
-    <p:spTree>
-      <p:nvGrpSpPr>
-        <p:cNvPr id="1" name=""/>
-        <p:cNvGrpSpPr/>
-        <p:nvPr/>
-      </p:nvGrpSpPr>
-      <p:grpSpPr>
-        <a:xfrm>
-          <a:off x="0" y="0"/>
-          <a:ext cx="0" cy="0"/>
-          <a:chOff x="0" y="0"/>
-          <a:chExt cx="0" cy="0"/>
-        </a:xfrm>
-      </p:grpSpPr>
-      <p:sp>
-        <p:nvSpPr>
-          <p:cNvPr id="5" name="CaixaDeTexto 4">
-            <a:extLst>
-              <a:ext uri="{FF2B5EF4-FFF2-40B4-BE49-F238E27FC236}">
-                <a16:creationId xmlns:a16="http://schemas.microsoft.com/office/drawing/2014/main" id="{8ACDB991-EC5C-F38D-2382-DB6C1328DBFA}"/>
-              </a:ext>
-            </a:extLst>
-          </p:cNvPr>
-          <p:cNvSpPr txBox="1"/>
-          <p:nvPr/>
-        </p:nvSpPr>
-        <p:spPr>
-          <a:xfrm>
-            <a:off x="372638" y="876549"/>
-            <a:ext cx="10739336" cy="3046988"/>
-          </a:xfrm>
-          <a:prstGeom prst="rect">
-            <a:avLst/>
-          </a:prstGeom>
-          <a:noFill/>
-        </p:spPr>
-        <p:txBody>
-          <a:bodyPr wrap="square">
-            <a:spAutoFit/>
-          </a:bodyPr>
-          <a:lstStyle/>
-          <a:p>
-            <a:r>
-              <a:rPr lang="pt-BR" sz="4800" spc="-50" dirty="0">
-                <a:solidFill>
-                  <a:schemeClr val="bg2"/>
-                </a:solidFill>
-                <a:latin typeface="+mj-lt"/>
-              </a:rPr>
-              <a:t>Token</a:t>
-            </a:r>
-          </a:p>
-          <a:p>
-            <a:endParaRPr lang="pt-BR" sz="2400" dirty="0">
-              <a:solidFill>
-                <a:schemeClr val="bg1"/>
-              </a:solidFill>
-            </a:endParaRPr>
-          </a:p>
-          <a:p>
-            <a:endParaRPr lang="pt-BR" sz="2400" dirty="0">
-              <a:solidFill>
-                <a:schemeClr val="bg1"/>
-              </a:solidFill>
-            </a:endParaRPr>
-          </a:p>
-          <a:p>
-            <a:endParaRPr lang="pt-BR" sz="2400" dirty="0">
-              <a:solidFill>
-                <a:schemeClr val="bg1"/>
-              </a:solidFill>
-            </a:endParaRPr>
-          </a:p>
-          <a:p>
-            <a:endParaRPr lang="pt-BR" sz="2400" dirty="0">
-              <a:solidFill>
-                <a:schemeClr val="bg1"/>
-              </a:solidFill>
-            </a:endParaRPr>
-          </a:p>
-          <a:p>
-            <a:endParaRPr lang="pt-BR" sz="2400" dirty="0">
-              <a:solidFill>
-                <a:schemeClr val="bg1"/>
-              </a:solidFill>
-            </a:endParaRPr>
-          </a:p>
-          <a:p>
-            <a:endParaRPr lang="pt-BR" sz="2400" dirty="0">
-              <a:solidFill>
-                <a:schemeClr val="bg1"/>
-              </a:solidFill>
-            </a:endParaRPr>
-          </a:p>
-        </p:txBody>
-      </p:sp>
-      <p:sp>
-        <p:nvSpPr>
-          <p:cNvPr id="2" name="Rectangle 1">
-            <a:extLst>
-              <a:ext uri="{FF2B5EF4-FFF2-40B4-BE49-F238E27FC236}">
-                <a16:creationId xmlns:a16="http://schemas.microsoft.com/office/drawing/2014/main" id="{957F678A-9EBD-608F-8309-E2A1ED260534}"/>
-              </a:ext>
-            </a:extLst>
-          </p:cNvPr>
-          <p:cNvSpPr>
-            <a:spLocks noChangeArrowheads="1"/>
-          </p:cNvSpPr>
-          <p:nvPr/>
-        </p:nvSpPr>
-        <p:spPr bwMode="auto">
-          <a:xfrm>
-            <a:off x="372638" y="1695779"/>
-            <a:ext cx="10458569" cy="4455515"/>
-          </a:xfrm>
-          <a:prstGeom prst="rect">
-            <a:avLst/>
-          </a:prstGeom>
-          <a:noFill/>
-          <a:ln>
-            <a:noFill/>
-          </a:ln>
-          <a:effectLst/>
-          <a:extLst>
-            <a:ext uri="{909E8E84-426E-40DD-AFC4-6F175D3DCCD1}">
-              <a14:hiddenFill xmlns:a14="http://schemas.microsoft.com/office/drawing/2010/main">
-                <a:solidFill>
-                  <a:schemeClr val="accent1"/>
-                </a:solidFill>
-              </a14:hiddenFill>
-            </a:ext>
-            <a:ext uri="{91240B29-F687-4F45-9708-019B960494DF}">
-              <a14:hiddenLine xmlns:a14="http://schemas.microsoft.com/office/drawing/2010/main" w="9525">
-                <a:solidFill>
-                  <a:schemeClr val="tx1"/>
-                </a:solidFill>
-                <a:miter lim="800000"/>
-                <a:headEnd/>
-                <a:tailEnd/>
-              </a14:hiddenLine>
-            </a:ext>
-            <a:ext uri="{AF507438-7753-43E0-B8FC-AC1667EBCBE1}">
-              <a14:hiddenEffects xmlns:a14="http://schemas.microsoft.com/office/drawing/2010/main">
-                <a:effectLst>
-                  <a:outerShdw dist="35921" dir="2700000" algn="ctr" rotWithShape="0">
-                    <a:schemeClr val="bg2"/>
-                  </a:outerShdw>
-                </a:effectLst>
-              </a14:hiddenEffects>
-            </a:ext>
-          </a:extLst>
-        </p:spPr>
-        <p:txBody>
-          <a:bodyPr vert="horz" wrap="none" lIns="91440" tIns="45720" rIns="91440" bIns="45720" numCol="1" anchor="ctr" anchorCtr="0" compatLnSpc="1">
-            <a:prstTxWarp prst="textNoShape">
-              <a:avLst/>
-            </a:prstTxWarp>
-            <a:spAutoFit/>
-          </a:bodyPr>
-          <a:lstStyle>
-            <a:lvl1pPr eaLnBrk="0" fontAlgn="base" hangingPunct="0">
-              <a:spcBef>
-                <a:spcPct val="0"/>
-              </a:spcBef>
-              <a:spcAft>
-                <a:spcPct val="0"/>
-              </a:spcAft>
-              <a:defRPr>
-                <a:solidFill>
-                  <a:schemeClr val="tx1"/>
-                </a:solidFill>
-                <a:latin typeface="Arial" panose="020B0604020202020204" pitchFamily="34" charset="0"/>
-              </a:defRPr>
-            </a:lvl1pPr>
-            <a:lvl2pPr marL="457200" eaLnBrk="0" fontAlgn="base" hangingPunct="0">
-              <a:spcBef>
-                <a:spcPct val="0"/>
-              </a:spcBef>
-              <a:spcAft>
-                <a:spcPct val="0"/>
-              </a:spcAft>
-              <a:defRPr>
-                <a:solidFill>
-                  <a:schemeClr val="tx1"/>
-                </a:solidFill>
-                <a:latin typeface="Arial" panose="020B0604020202020204" pitchFamily="34" charset="0"/>
-              </a:defRPr>
-            </a:lvl2pPr>
-            <a:lvl3pPr marL="914400" eaLnBrk="0" fontAlgn="base" hangingPunct="0">
-              <a:spcBef>
-                <a:spcPct val="0"/>
-              </a:spcBef>
-              <a:spcAft>
-                <a:spcPct val="0"/>
-              </a:spcAft>
-              <a:defRPr>
-                <a:solidFill>
-                  <a:schemeClr val="tx1"/>
-                </a:solidFill>
-                <a:latin typeface="Arial" panose="020B0604020202020204" pitchFamily="34" charset="0"/>
-              </a:defRPr>
-            </a:lvl3pPr>
-            <a:lvl4pPr marL="1371600" eaLnBrk="0" fontAlgn="base" hangingPunct="0">
-              <a:spcBef>
-                <a:spcPct val="0"/>
-              </a:spcBef>
-              <a:spcAft>
-                <a:spcPct val="0"/>
-              </a:spcAft>
-              <a:defRPr>
-                <a:solidFill>
-                  <a:schemeClr val="tx1"/>
-                </a:solidFill>
-                <a:latin typeface="Arial" panose="020B0604020202020204" pitchFamily="34" charset="0"/>
-              </a:defRPr>
-            </a:lvl4pPr>
-            <a:lvl5pPr marL="1828800" eaLnBrk="0" fontAlgn="base" hangingPunct="0">
-              <a:spcBef>
-                <a:spcPct val="0"/>
-              </a:spcBef>
-              <a:spcAft>
-                <a:spcPct val="0"/>
-              </a:spcAft>
-              <a:defRPr>
-                <a:solidFill>
-                  <a:schemeClr val="tx1"/>
-                </a:solidFill>
-                <a:latin typeface="Arial" panose="020B0604020202020204" pitchFamily="34" charset="0"/>
-              </a:defRPr>
-            </a:lvl5pPr>
-            <a:lvl6pPr marL="2286000" eaLnBrk="0" fontAlgn="base" hangingPunct="0">
-              <a:spcBef>
-                <a:spcPct val="0"/>
-              </a:spcBef>
-              <a:spcAft>
-                <a:spcPct val="0"/>
-              </a:spcAft>
-              <a:defRPr>
-                <a:solidFill>
-                  <a:schemeClr val="tx1"/>
-                </a:solidFill>
-                <a:latin typeface="Arial" panose="020B0604020202020204" pitchFamily="34" charset="0"/>
-              </a:defRPr>
-            </a:lvl6pPr>
-            <a:lvl7pPr marL="2743200" eaLnBrk="0" fontAlgn="base" hangingPunct="0">
-              <a:spcBef>
-                <a:spcPct val="0"/>
-              </a:spcBef>
-              <a:spcAft>
-                <a:spcPct val="0"/>
-              </a:spcAft>
-              <a:defRPr>
-                <a:solidFill>
-                  <a:schemeClr val="tx1"/>
-                </a:solidFill>
-                <a:latin typeface="Arial" panose="020B0604020202020204" pitchFamily="34" charset="0"/>
-              </a:defRPr>
-            </a:lvl7pPr>
-            <a:lvl8pPr marL="3200400" eaLnBrk="0" fontAlgn="base" hangingPunct="0">
-              <a:spcBef>
-                <a:spcPct val="0"/>
-              </a:spcBef>
-              <a:spcAft>
-                <a:spcPct val="0"/>
-              </a:spcAft>
-              <a:defRPr>
-                <a:solidFill>
-                  <a:schemeClr val="tx1"/>
-                </a:solidFill>
-                <a:latin typeface="Arial" panose="020B0604020202020204" pitchFamily="34" charset="0"/>
-              </a:defRPr>
-            </a:lvl8pPr>
-            <a:lvl9pPr marL="3657600" eaLnBrk="0" fontAlgn="base" hangingPunct="0">
-              <a:spcBef>
-                <a:spcPct val="0"/>
-              </a:spcBef>
-              <a:spcAft>
-                <a:spcPct val="0"/>
-              </a:spcAft>
-              <a:defRPr>
-                <a:solidFill>
-                  <a:schemeClr val="tx1"/>
-                </a:solidFill>
-                <a:latin typeface="Arial" panose="020B0604020202020204" pitchFamily="34" charset="0"/>
-              </a:defRPr>
-            </a:lvl9pPr>
-          </a:lstStyle>
-          <a:p>
-            <a:pPr marL="0" marR="0" lvl="0" indent="0" algn="l" defTabSz="914400" rtl="0" eaLnBrk="0" fontAlgn="base" latinLnBrk="0" hangingPunct="0">
-              <a:lnSpc>
-                <a:spcPct val="150000"/>
-              </a:lnSpc>
-              <a:spcBef>
-                <a:spcPct val="0"/>
-              </a:spcBef>
-              <a:spcAft>
-                <a:spcPct val="0"/>
-              </a:spcAft>
-              <a:buClrTx/>
-              <a:buSzTx/>
-              <a:buFontTx/>
-              <a:buNone/>
-              <a:tabLst/>
-            </a:pPr>
-            <a:r>
-              <a:rPr kumimoji="0" lang="pt-BR" altLang="pt-BR" sz="1200" b="0" i="0" u="none" strike="noStrike" cap="none" normalizeH="0" baseline="0" dirty="0">
-                <a:ln>
-                  <a:noFill/>
-                </a:ln>
-                <a:solidFill>
-                  <a:srgbClr val="161616"/>
-                </a:solidFill>
-                <a:effectLst/>
-                <a:latin typeface="Segoe UI" panose="020B0502040204020203" pitchFamily="34" charset="0"/>
-                <a:cs typeface="Segoe UI" panose="020B0502040204020203" pitchFamily="34" charset="0"/>
-              </a:rPr>
-              <a:t> </a:t>
-            </a:r>
-            <a:r>
-              <a:rPr lang="pt-BR" altLang="pt-BR" sz="2400" dirty="0">
-                <a:solidFill>
-                  <a:schemeClr val="bg1"/>
-                </a:solidFill>
-                <a:latin typeface="+mn-lt"/>
-              </a:rPr>
-              <a:t>Por exemplo, a palavra "hambúrguer" é dividida nos tokens </a:t>
-            </a:r>
-            <a:r>
-              <a:rPr lang="pt-BR" altLang="pt-BR" sz="2400" dirty="0" err="1">
-                <a:solidFill>
-                  <a:schemeClr val="bg1"/>
-                </a:solidFill>
-                <a:latin typeface="+mn-lt"/>
-              </a:rPr>
-              <a:t>ham</a:t>
-            </a:r>
-            <a:r>
-              <a:rPr lang="pt-BR" altLang="pt-BR" sz="2400" dirty="0">
-                <a:solidFill>
-                  <a:schemeClr val="bg1"/>
-                </a:solidFill>
-                <a:latin typeface="+mn-lt"/>
-              </a:rPr>
-              <a:t>, </a:t>
-            </a:r>
-            <a:r>
-              <a:rPr lang="pt-BR" altLang="pt-BR" sz="2400" dirty="0" err="1">
-                <a:solidFill>
-                  <a:schemeClr val="bg1"/>
-                </a:solidFill>
-                <a:latin typeface="+mn-lt"/>
-              </a:rPr>
-              <a:t>bur</a:t>
-            </a:r>
-            <a:r>
-              <a:rPr lang="pt-BR" altLang="pt-BR" sz="2400" dirty="0">
-                <a:solidFill>
-                  <a:schemeClr val="bg1"/>
-                </a:solidFill>
-                <a:latin typeface="+mn-lt"/>
-              </a:rPr>
-              <a:t> e </a:t>
-            </a:r>
-            <a:r>
-              <a:rPr lang="pt-BR" altLang="pt-BR" sz="2400" dirty="0" err="1">
-                <a:solidFill>
-                  <a:schemeClr val="bg1"/>
-                </a:solidFill>
-                <a:latin typeface="+mn-lt"/>
-              </a:rPr>
-              <a:t>ger</a:t>
-            </a:r>
-            <a:r>
-              <a:rPr lang="pt-BR" altLang="pt-BR" sz="2400" dirty="0">
-                <a:solidFill>
-                  <a:schemeClr val="bg1"/>
-                </a:solidFill>
-                <a:latin typeface="+mn-lt"/>
-              </a:rPr>
-              <a:t>, </a:t>
-            </a:r>
-          </a:p>
-          <a:p>
-            <a:pPr marL="0" marR="0" lvl="0" indent="0" algn="l" defTabSz="914400" rtl="0" eaLnBrk="0" fontAlgn="base" latinLnBrk="0" hangingPunct="0">
-              <a:lnSpc>
-                <a:spcPct val="150000"/>
-              </a:lnSpc>
-              <a:spcBef>
-                <a:spcPct val="0"/>
-              </a:spcBef>
-              <a:spcAft>
-                <a:spcPct val="0"/>
-              </a:spcAft>
-              <a:buClrTx/>
-              <a:buSzTx/>
-              <a:buFontTx/>
-              <a:buNone/>
-              <a:tabLst/>
-            </a:pPr>
-            <a:r>
-              <a:rPr lang="pt-BR" altLang="pt-BR" sz="2400" dirty="0">
-                <a:solidFill>
-                  <a:schemeClr val="bg1"/>
-                </a:solidFill>
-                <a:latin typeface="+mn-lt"/>
-              </a:rPr>
-              <a:t>enquanto uma palavra curta e comum como "</a:t>
-            </a:r>
-            <a:r>
-              <a:rPr lang="pt-BR" sz="2400" dirty="0">
-                <a:solidFill>
-                  <a:schemeClr val="bg1"/>
-                </a:solidFill>
-              </a:rPr>
-              <a:t> Pará </a:t>
-            </a:r>
-            <a:r>
-              <a:rPr lang="pt-BR" altLang="pt-BR" sz="2400" dirty="0">
-                <a:solidFill>
-                  <a:schemeClr val="bg1"/>
-                </a:solidFill>
-                <a:latin typeface="+mn-lt"/>
-              </a:rPr>
-              <a:t>" é um único token</a:t>
-            </a:r>
-          </a:p>
-          <a:p>
-            <a:pPr marL="0" marR="0" lvl="0" indent="0" algn="l" defTabSz="914400" rtl="0" eaLnBrk="0" fontAlgn="base" latinLnBrk="0" hangingPunct="0">
-              <a:lnSpc>
-                <a:spcPct val="150000"/>
-              </a:lnSpc>
-              <a:spcBef>
-                <a:spcPct val="0"/>
-              </a:spcBef>
-              <a:spcAft>
-                <a:spcPct val="0"/>
-              </a:spcAft>
-              <a:buClrTx/>
-              <a:buSzTx/>
-              <a:buFontTx/>
-              <a:buNone/>
-              <a:tabLst/>
-            </a:pPr>
-            <a:endParaRPr lang="pt-BR" altLang="pt-BR" sz="2400" dirty="0">
-              <a:solidFill>
-                <a:schemeClr val="bg1"/>
-              </a:solidFill>
-              <a:latin typeface="+mn-lt"/>
-            </a:endParaRPr>
-          </a:p>
-          <a:p>
-            <a:pPr marL="0" marR="0" lvl="0" indent="0" algn="l" defTabSz="914400" rtl="0" eaLnBrk="0" fontAlgn="base" latinLnBrk="0" hangingPunct="0">
-              <a:lnSpc>
-                <a:spcPct val="150000"/>
-              </a:lnSpc>
-              <a:spcBef>
-                <a:spcPct val="0"/>
-              </a:spcBef>
-              <a:spcAft>
-                <a:spcPct val="0"/>
-              </a:spcAft>
-              <a:buClrTx/>
-              <a:buSzTx/>
-              <a:buFontTx/>
-              <a:buNone/>
-              <a:tabLst/>
-            </a:pPr>
-            <a:endParaRPr lang="pt-BR" altLang="pt-BR" sz="2400" dirty="0">
-              <a:solidFill>
-                <a:schemeClr val="bg1"/>
-              </a:solidFill>
-              <a:latin typeface="+mn-lt"/>
-            </a:endParaRPr>
-          </a:p>
-          <a:p>
-            <a:pPr marL="0" marR="0" lvl="0" indent="0" algn="l" defTabSz="914400" rtl="0" eaLnBrk="0" fontAlgn="base" latinLnBrk="0" hangingPunct="0">
-              <a:lnSpc>
-                <a:spcPct val="150000"/>
-              </a:lnSpc>
-              <a:spcBef>
-                <a:spcPct val="0"/>
-              </a:spcBef>
-              <a:spcAft>
-                <a:spcPct val="0"/>
-              </a:spcAft>
-              <a:buClrTx/>
-              <a:buSzTx/>
-              <a:buFontTx/>
-              <a:buNone/>
-              <a:tabLst/>
-            </a:pPr>
-            <a:endParaRPr lang="pt-BR" altLang="pt-BR" sz="2400" dirty="0">
-              <a:solidFill>
-                <a:schemeClr val="bg1"/>
-              </a:solidFill>
-              <a:latin typeface="+mn-lt"/>
-            </a:endParaRPr>
-          </a:p>
-          <a:p>
-            <a:pPr marL="0" marR="0" lvl="0" indent="0" algn="l" defTabSz="914400" rtl="0" eaLnBrk="0" fontAlgn="base" latinLnBrk="0" hangingPunct="0">
-              <a:lnSpc>
-                <a:spcPct val="150000"/>
-              </a:lnSpc>
-              <a:spcBef>
-                <a:spcPct val="0"/>
-              </a:spcBef>
-              <a:spcAft>
-                <a:spcPct val="0"/>
-              </a:spcAft>
-              <a:buClrTx/>
-              <a:buSzTx/>
-              <a:buFontTx/>
-              <a:buNone/>
-              <a:tabLst/>
-            </a:pPr>
-            <a:endParaRPr lang="pt-BR" altLang="pt-BR" sz="2400" dirty="0">
-              <a:solidFill>
-                <a:schemeClr val="bg1"/>
-              </a:solidFill>
-              <a:latin typeface="+mn-lt"/>
-            </a:endParaRPr>
-          </a:p>
-          <a:p>
-            <a:pPr marL="0" marR="0" lvl="0" indent="0" algn="l" defTabSz="914400" rtl="0" eaLnBrk="0" fontAlgn="base" latinLnBrk="0" hangingPunct="0">
-              <a:lnSpc>
-                <a:spcPct val="150000"/>
-              </a:lnSpc>
-              <a:spcBef>
-                <a:spcPct val="0"/>
-              </a:spcBef>
-              <a:spcAft>
-                <a:spcPct val="0"/>
-              </a:spcAft>
-              <a:buClrTx/>
-              <a:buSzTx/>
-              <a:buFontTx/>
-              <a:buNone/>
-              <a:tabLst/>
-            </a:pPr>
-            <a:r>
-              <a:rPr lang="pt-BR" altLang="pt-BR" sz="2400" dirty="0">
-                <a:solidFill>
-                  <a:schemeClr val="bg1"/>
-                </a:solidFill>
-                <a:latin typeface="+mn-lt"/>
-              </a:rPr>
-              <a:t>Fonte: https://learn.microsoft.com/pt-br/training/</a:t>
-            </a:r>
-          </a:p>
-          <a:p>
-            <a:pPr marL="0" marR="0" lvl="0" indent="0" algn="l" defTabSz="914400" rtl="0" eaLnBrk="0" fontAlgn="base" latinLnBrk="0" hangingPunct="0">
-              <a:lnSpc>
-                <a:spcPct val="150000"/>
-              </a:lnSpc>
-              <a:spcBef>
-                <a:spcPct val="0"/>
-              </a:spcBef>
-              <a:spcAft>
-                <a:spcPct val="0"/>
-              </a:spcAft>
-              <a:buClrTx/>
-              <a:buSzTx/>
-              <a:buFontTx/>
-              <a:buNone/>
-              <a:tabLst/>
-            </a:pPr>
-            <a:r>
-              <a:rPr lang="pt-BR" altLang="pt-BR" sz="2400" dirty="0">
-                <a:solidFill>
-                  <a:schemeClr val="bg1"/>
-                </a:solidFill>
-                <a:latin typeface="+mn-lt"/>
-              </a:rPr>
-              <a:t>modules/explore-</a:t>
-            </a:r>
-            <a:r>
-              <a:rPr lang="pt-BR" altLang="pt-BR" sz="2400" dirty="0" err="1">
-                <a:solidFill>
-                  <a:schemeClr val="bg1"/>
-                </a:solidFill>
-                <a:latin typeface="+mn-lt"/>
-              </a:rPr>
-              <a:t>azure</a:t>
-            </a:r>
-            <a:r>
-              <a:rPr lang="pt-BR" altLang="pt-BR" sz="2400" dirty="0">
-                <a:solidFill>
-                  <a:schemeClr val="bg1"/>
-                </a:solidFill>
-                <a:latin typeface="+mn-lt"/>
-              </a:rPr>
-              <a:t>-</a:t>
-            </a:r>
-            <a:r>
-              <a:rPr lang="pt-BR" altLang="pt-BR" sz="2400" dirty="0" err="1">
-                <a:solidFill>
-                  <a:schemeClr val="bg1"/>
-                </a:solidFill>
-                <a:latin typeface="+mn-lt"/>
-              </a:rPr>
-              <a:t>openai</a:t>
-            </a:r>
-            <a:r>
-              <a:rPr lang="pt-BR" altLang="pt-BR" sz="2400" dirty="0">
-                <a:solidFill>
-                  <a:schemeClr val="bg1"/>
-                </a:solidFill>
-                <a:latin typeface="+mn-lt"/>
-              </a:rPr>
-              <a:t>/5-understand-openai-natural-language</a:t>
-            </a:r>
-          </a:p>
-        </p:txBody>
-      </p:sp>
-      <p:pic>
-        <p:nvPicPr>
-          <p:cNvPr id="4" name="Imagem 3">
-            <a:extLst>
-              <a:ext uri="{FF2B5EF4-FFF2-40B4-BE49-F238E27FC236}">
-                <a16:creationId xmlns:a16="http://schemas.microsoft.com/office/drawing/2014/main" id="{43B20A62-C8A7-8891-9DE2-3A0F29931F43}"/>
-              </a:ext>
-            </a:extLst>
-          </p:cNvPr>
-          <p:cNvPicPr>
-            <a:picLocks noChangeAspect="1"/>
-          </p:cNvPicPr>
-          <p:nvPr/>
-        </p:nvPicPr>
-        <p:blipFill>
-          <a:blip r:embed="rId3"/>
-          <a:stretch>
-            <a:fillRect/>
-          </a:stretch>
-        </p:blipFill>
-        <p:spPr>
-          <a:xfrm>
-            <a:off x="372638" y="3233865"/>
-            <a:ext cx="10739336" cy="1743337"/>
-          </a:xfrm>
-          <a:prstGeom prst="rect">
-            <a:avLst/>
-          </a:prstGeom>
-        </p:spPr>
-      </p:pic>
-    </p:spTree>
-    <p:extLst>
-      <p:ext uri="{BB962C8B-B14F-4D97-AF65-F5344CB8AC3E}">
-        <p14:creationId xmlns:p14="http://schemas.microsoft.com/office/powerpoint/2010/main" val="931075014"/>
-      </p:ext>
-    </p:extLst>
-  </p:cSld>
-  <p:clrMapOvr>
-    <a:masterClrMapping/>
-  </p:clrMapOvr>
-  <mc:AlternateContent xmlns:mc="http://schemas.openxmlformats.org/markup-compatibility/2006" xmlns:p14="http://schemas.microsoft.com/office/powerpoint/2010/main">
-    <mc:Choice Requires="p14">
-      <p:transition spd="med" p14:dur="700">
-        <p:fade/>
-      </p:transition>
-    </mc:Choice>
-    <mc:Fallback xmlns="">
-      <p:transition spd="med">
-        <p:fade/>
-      </p:transition>
-    </mc:Fallback>
-  </mc:AlternateContent>
-</p:sld>
-</file>
-
-<file path=ppt/slides/slide14.xml><?xml version="1.0" encoding="utf-8"?>
-<p:sld xmlns:a="http://schemas.openxmlformats.org/drawingml/2006/main" xmlns:r="http://schemas.openxmlformats.org/officeDocument/2006/relationships" xmlns:p="http://schemas.openxmlformats.org/presentationml/2006/main">
-  <p:cSld>
-    <p:spTree>
-      <p:nvGrpSpPr>
-        <p:cNvPr id="1" name=""/>
-        <p:cNvGrpSpPr/>
-        <p:nvPr/>
-      </p:nvGrpSpPr>
-      <p:grpSpPr>
-        <a:xfrm>
-          <a:off x="0" y="0"/>
-          <a:ext cx="0" cy="0"/>
-          <a:chOff x="0" y="0"/>
-          <a:chExt cx="0" cy="0"/>
-        </a:xfrm>
-      </p:grpSpPr>
-      <p:sp>
-        <p:nvSpPr>
-          <p:cNvPr id="5" name="CaixaDeTexto 4">
-            <a:extLst>
-              <a:ext uri="{FF2B5EF4-FFF2-40B4-BE49-F238E27FC236}">
-                <a16:creationId xmlns:a16="http://schemas.microsoft.com/office/drawing/2014/main" id="{8ACDB991-EC5C-F38D-2382-DB6C1328DBFA}"/>
-              </a:ext>
-            </a:extLst>
-          </p:cNvPr>
-          <p:cNvSpPr txBox="1"/>
-          <p:nvPr/>
-        </p:nvSpPr>
-        <p:spPr>
-          <a:xfrm>
-            <a:off x="451338" y="5136584"/>
-            <a:ext cx="10649356" cy="369332"/>
-          </a:xfrm>
-          <a:prstGeom prst="rect">
-            <a:avLst/>
-          </a:prstGeom>
-          <a:noFill/>
-        </p:spPr>
-        <p:txBody>
-          <a:bodyPr wrap="square">
-            <a:spAutoFit/>
-          </a:bodyPr>
-          <a:lstStyle/>
-          <a:p>
-            <a:r>
-              <a:rPr lang="pt-BR" dirty="0">
-                <a:solidFill>
-                  <a:schemeClr val="bg1"/>
-                </a:solidFill>
-              </a:rPr>
-              <a:t>https://marketplace.visualstudio.com/items?itemName=mustaphalarhrouch.GPTPullRequestReview</a:t>
-            </a:r>
-          </a:p>
-        </p:txBody>
-      </p:sp>
-      <p:sp>
-        <p:nvSpPr>
-          <p:cNvPr id="6" name="Espaço Reservado para Texto 2">
-            <a:extLst>
-              <a:ext uri="{FF2B5EF4-FFF2-40B4-BE49-F238E27FC236}">
-                <a16:creationId xmlns:a16="http://schemas.microsoft.com/office/drawing/2014/main" id="{4241B9D4-4E11-C865-F7EE-C8ADDF366F9D}"/>
-              </a:ext>
-            </a:extLst>
-          </p:cNvPr>
-          <p:cNvSpPr txBox="1">
-            <a:spLocks/>
-          </p:cNvSpPr>
-          <p:nvPr/>
-        </p:nvSpPr>
-        <p:spPr>
-          <a:xfrm>
-            <a:off x="451338" y="803485"/>
-            <a:ext cx="9795376" cy="923330"/>
-          </a:xfrm>
-          <a:prstGeom prst="rect">
-            <a:avLst/>
-          </a:prstGeom>
-        </p:spPr>
-        <p:txBody>
-          <a:bodyPr vert="horz" wrap="square" lIns="0" tIns="91440" rIns="146304" bIns="91440" rtlCol="0">
-            <a:spAutoFit/>
-          </a:bodyPr>
-          <a:lstStyle>
-            <a:lvl1pPr marL="0" marR="0" indent="0" algn="l" defTabSz="932742" rtl="0" eaLnBrk="1" fontAlgn="auto" latinLnBrk="0" hangingPunct="1">
-              <a:lnSpc>
-                <a:spcPct val="100000"/>
-              </a:lnSpc>
-              <a:spcBef>
-                <a:spcPts val="0"/>
-              </a:spcBef>
-              <a:spcAft>
-                <a:spcPts val="0"/>
-              </a:spcAft>
-              <a:buClrTx/>
-              <a:buSzPct val="90000"/>
-              <a:buFont typeface="Wingdings" panose="05000000000000000000" pitchFamily="2" charset="2"/>
-              <a:buNone/>
-              <a:tabLst/>
-              <a:defRPr sz="1800" kern="1200" spc="-50" baseline="0">
-                <a:solidFill>
-                  <a:schemeClr val="bg2"/>
-                </a:solidFill>
-                <a:latin typeface="+mj-lt"/>
-                <a:ea typeface="+mn-ea"/>
-                <a:cs typeface="+mn-cs"/>
-              </a:defRPr>
-            </a:lvl1pPr>
-            <a:lvl2pPr marL="0" marR="0" indent="0" algn="l" defTabSz="932742" rtl="0" eaLnBrk="1" fontAlgn="auto" latinLnBrk="0" hangingPunct="1">
-              <a:lnSpc>
-                <a:spcPct val="100000"/>
-              </a:lnSpc>
-              <a:spcBef>
-                <a:spcPts val="0"/>
-              </a:spcBef>
-              <a:spcAft>
-                <a:spcPts val="0"/>
-              </a:spcAft>
-              <a:buClrTx/>
-              <a:buSzPct val="90000"/>
-              <a:buFontTx/>
-              <a:buNone/>
-              <a:tabLst/>
-              <a:defRPr sz="1800" kern="1200" spc="0" baseline="0">
-                <a:solidFill>
-                  <a:srgbClr val="000000"/>
-                </a:solidFill>
-                <a:latin typeface="+mn-lt"/>
-                <a:ea typeface="+mn-ea"/>
-                <a:cs typeface="+mn-cs"/>
-              </a:defRPr>
-            </a:lvl2pPr>
-            <a:lvl3pPr marL="0" marR="0" indent="0" algn="l" defTabSz="932742" rtl="0" eaLnBrk="1" fontAlgn="auto" latinLnBrk="0" hangingPunct="1">
-              <a:lnSpc>
-                <a:spcPct val="100000"/>
-              </a:lnSpc>
-              <a:spcBef>
-                <a:spcPts val="0"/>
-              </a:spcBef>
-              <a:spcAft>
-                <a:spcPts val="0"/>
-              </a:spcAft>
-              <a:buClrTx/>
-              <a:buSzPct val="90000"/>
-              <a:buFont typeface="Wingdings" panose="05000000000000000000" pitchFamily="2" charset="2"/>
-              <a:buNone/>
-              <a:tabLst/>
-              <a:defRPr sz="1400" kern="1200" spc="0" baseline="0">
-                <a:solidFill>
-                  <a:schemeClr val="tx2"/>
-                </a:solidFill>
-                <a:latin typeface="+mj-lt"/>
-                <a:ea typeface="+mn-ea"/>
-                <a:cs typeface="+mn-cs"/>
-              </a:defRPr>
-            </a:lvl3pPr>
-            <a:lvl4pPr marL="0" marR="0" indent="0" algn="l" defTabSz="932742" rtl="0" eaLnBrk="1" fontAlgn="auto" latinLnBrk="0" hangingPunct="1">
-              <a:lnSpc>
-                <a:spcPct val="100000"/>
-              </a:lnSpc>
-              <a:spcBef>
-                <a:spcPts val="0"/>
-              </a:spcBef>
-              <a:spcAft>
-                <a:spcPts val="0"/>
-              </a:spcAft>
-              <a:buClrTx/>
-              <a:buSzPct val="90000"/>
-              <a:buFont typeface="Wingdings" panose="05000000000000000000" pitchFamily="2" charset="2"/>
-              <a:buNone/>
-              <a:tabLst/>
-              <a:defRPr sz="1400" kern="1200" spc="0" baseline="0">
-                <a:solidFill>
-                  <a:srgbClr val="000000"/>
-                </a:solidFill>
-                <a:latin typeface="+mn-lt"/>
-                <a:ea typeface="+mn-ea"/>
-                <a:cs typeface="+mn-cs"/>
-              </a:defRPr>
-            </a:lvl4pPr>
-            <a:lvl5pPr marL="0" marR="0" indent="0" algn="l" defTabSz="932742" rtl="0" eaLnBrk="1" fontAlgn="auto" latinLnBrk="0" hangingPunct="1">
-              <a:lnSpc>
-                <a:spcPct val="100000"/>
-              </a:lnSpc>
-              <a:spcBef>
-                <a:spcPts val="0"/>
-              </a:spcBef>
-              <a:spcAft>
-                <a:spcPts val="0"/>
-              </a:spcAft>
-              <a:buClrTx/>
-              <a:buSzPct val="90000"/>
-              <a:buFont typeface="Wingdings" panose="05000000000000000000" pitchFamily="2" charset="2"/>
-              <a:buNone/>
-              <a:tabLst/>
-              <a:defRPr sz="1050" b="1" kern="1200" spc="0" baseline="0">
-                <a:solidFill>
-                  <a:srgbClr val="000000"/>
-                </a:solidFill>
-                <a:latin typeface="+mn-lt"/>
-                <a:ea typeface="+mn-ea"/>
-                <a:cs typeface="+mn-cs"/>
-              </a:defRPr>
-            </a:lvl5pPr>
-            <a:lvl6pPr marL="2331854" indent="0" algn="l" defTabSz="932742" rtl="0" eaLnBrk="1" latinLnBrk="0" hangingPunct="1">
-              <a:spcBef>
-                <a:spcPct val="20000"/>
-              </a:spcBef>
-              <a:buFont typeface="Arial" pitchFamily="34" charset="0"/>
-              <a:buNone/>
-              <a:defRPr sz="2000" kern="1200">
-                <a:solidFill>
-                  <a:schemeClr val="tx1"/>
-                </a:solidFill>
-                <a:latin typeface="+mn-lt"/>
-                <a:ea typeface="+mn-ea"/>
-                <a:cs typeface="+mn-cs"/>
-              </a:defRPr>
-            </a:lvl6pPr>
-            <a:lvl7pPr marL="0" indent="0" algn="l" defTabSz="932742" rtl="0" eaLnBrk="1" latinLnBrk="0" hangingPunct="1">
-              <a:lnSpc>
-                <a:spcPct val="100000"/>
-              </a:lnSpc>
-              <a:spcBef>
-                <a:spcPts val="0"/>
-              </a:spcBef>
-              <a:spcAft>
-                <a:spcPts val="0"/>
-              </a:spcAft>
-              <a:buFont typeface="Arial" pitchFamily="34" charset="0"/>
-              <a:buNone/>
-              <a:defRPr sz="1000" kern="1200">
-                <a:solidFill>
-                  <a:srgbClr val="000000"/>
-                </a:solidFill>
-                <a:latin typeface="+mn-lt"/>
-                <a:ea typeface="+mn-ea"/>
-                <a:cs typeface="+mn-cs"/>
-              </a:defRPr>
-            </a:lvl7pPr>
-            <a:lvl8pPr marL="3497783" indent="-233186" algn="l" defTabSz="932742" rtl="0" eaLnBrk="1" latinLnBrk="0" hangingPunct="1">
-              <a:spcBef>
-                <a:spcPct val="20000"/>
-              </a:spcBef>
-              <a:buFont typeface="Arial" pitchFamily="34" charset="0"/>
-              <a:buChar char="•"/>
-              <a:defRPr sz="2000" kern="1200">
-                <a:solidFill>
-                  <a:schemeClr val="tx1"/>
-                </a:solidFill>
-                <a:latin typeface="+mn-lt"/>
-                <a:ea typeface="+mn-ea"/>
-                <a:cs typeface="+mn-cs"/>
-              </a:defRPr>
-            </a:lvl8pPr>
-            <a:lvl9pPr marL="3964155" indent="-233186" algn="l" defTabSz="932742" rtl="0" eaLnBrk="1" latinLnBrk="0" hangingPunct="1">
-              <a:spcBef>
-                <a:spcPct val="20000"/>
-              </a:spcBef>
-              <a:buFont typeface="Arial" pitchFamily="34" charset="0"/>
-              <a:buChar char="•"/>
-              <a:defRPr sz="2000" kern="1200">
-                <a:solidFill>
-                  <a:schemeClr val="tx1"/>
-                </a:solidFill>
-                <a:latin typeface="+mn-lt"/>
-                <a:ea typeface="+mn-ea"/>
-                <a:cs typeface="+mn-cs"/>
-              </a:defRPr>
-            </a:lvl9pPr>
-          </a:lstStyle>
-          <a:p>
-            <a:r>
-              <a:rPr lang="pt-BR" sz="4800" dirty="0"/>
-              <a:t>Task de </a:t>
-            </a:r>
-            <a:r>
-              <a:rPr lang="pt-BR" sz="4800" dirty="0" err="1"/>
-              <a:t>pullrequest</a:t>
-            </a:r>
-            <a:endParaRPr lang="pt-BR" sz="4800" dirty="0"/>
-          </a:p>
-        </p:txBody>
-      </p:sp>
-      <p:pic>
-        <p:nvPicPr>
-          <p:cNvPr id="4" name="Imagem 3">
-            <a:extLst>
-              <a:ext uri="{FF2B5EF4-FFF2-40B4-BE49-F238E27FC236}">
-                <a16:creationId xmlns:a16="http://schemas.microsoft.com/office/drawing/2014/main" id="{A87DD783-77F1-74D5-B61E-50859A43DFE5}"/>
-              </a:ext>
-            </a:extLst>
-          </p:cNvPr>
-          <p:cNvPicPr>
-            <a:picLocks noChangeAspect="1"/>
-          </p:cNvPicPr>
-          <p:nvPr/>
-        </p:nvPicPr>
-        <p:blipFill>
-          <a:blip r:embed="rId3"/>
-          <a:stretch>
-            <a:fillRect/>
-          </a:stretch>
-        </p:blipFill>
-        <p:spPr>
-          <a:xfrm>
-            <a:off x="4523362" y="2233033"/>
-            <a:ext cx="2952884" cy="2766665"/>
-          </a:xfrm>
-          <a:prstGeom prst="rect">
-            <a:avLst/>
-          </a:prstGeom>
-          <a:ln>
-            <a:noFill/>
-          </a:ln>
-          <a:effectLst>
-            <a:softEdge rad="112500"/>
-          </a:effectLst>
-        </p:spPr>
-      </p:pic>
-    </p:spTree>
-    <p:extLst>
-      <p:ext uri="{BB962C8B-B14F-4D97-AF65-F5344CB8AC3E}">
-        <p14:creationId xmlns:p14="http://schemas.microsoft.com/office/powerpoint/2010/main" val="542209857"/>
-      </p:ext>
-    </p:extLst>
-  </p:cSld>
-  <p:clrMapOvr>
-    <a:masterClrMapping/>
-  </p:clrMapOvr>
-  <mc:AlternateContent xmlns:mc="http://schemas.openxmlformats.org/markup-compatibility/2006" xmlns:p14="http://schemas.microsoft.com/office/powerpoint/2010/main">
-    <mc:Choice Requires="p14">
-      <p:transition spd="med" p14:dur="700">
-        <p:fade/>
-      </p:transition>
-    </mc:Choice>
-    <mc:Fallback xmlns="">
-      <p:transition spd="med">
-        <p:fade/>
-      </p:transition>
-    </mc:Fallback>
-  </mc:AlternateContent>
-</p:sld>
-</file>
-
-<file path=ppt/slides/slide15.xml><?xml version="1.0" encoding="utf-8"?>
-<p:sld xmlns:a="http://schemas.openxmlformats.org/drawingml/2006/main" xmlns:r="http://schemas.openxmlformats.org/officeDocument/2006/relationships" xmlns:p="http://schemas.openxmlformats.org/presentationml/2006/main">
-  <p:cSld>
-    <p:spTree>
-      <p:nvGrpSpPr>
-        <p:cNvPr id="1" name=""/>
-        <p:cNvGrpSpPr/>
-        <p:nvPr/>
-      </p:nvGrpSpPr>
-      <p:grpSpPr>
-        <a:xfrm>
-          <a:off x="0" y="0"/>
-          <a:ext cx="0" cy="0"/>
-          <a:chOff x="0" y="0"/>
-          <a:chExt cx="0" cy="0"/>
-        </a:xfrm>
-      </p:grpSpPr>
-      <p:sp>
-        <p:nvSpPr>
-          <p:cNvPr id="5" name="CaixaDeTexto 4">
-            <a:extLst>
-              <a:ext uri="{FF2B5EF4-FFF2-40B4-BE49-F238E27FC236}">
-                <a16:creationId xmlns:a16="http://schemas.microsoft.com/office/drawing/2014/main" id="{8ACDB991-EC5C-F38D-2382-DB6C1328DBFA}"/>
-              </a:ext>
-            </a:extLst>
-          </p:cNvPr>
-          <p:cNvSpPr txBox="1"/>
-          <p:nvPr/>
-        </p:nvSpPr>
-        <p:spPr>
-          <a:xfrm>
-            <a:off x="451338" y="2016336"/>
-            <a:ext cx="10649356" cy="646331"/>
-          </a:xfrm>
-          <a:prstGeom prst="rect">
-            <a:avLst/>
-          </a:prstGeom>
-          <a:noFill/>
-        </p:spPr>
-        <p:txBody>
-          <a:bodyPr wrap="square">
-            <a:spAutoFit/>
-          </a:bodyPr>
-          <a:lstStyle/>
-          <a:p>
-            <a:r>
-              <a:rPr lang="pt-BR" b="0" i="0" dirty="0">
-                <a:solidFill>
-                  <a:schemeClr val="bg1"/>
-                </a:solidFill>
-                <a:effectLst/>
-                <a:latin typeface="Segoe UI Web (West European)"/>
-              </a:rPr>
-              <a:t>https://{XXXXXXXX}.openai.azure.com/</a:t>
-            </a:r>
-            <a:r>
-              <a:rPr lang="pt-BR" b="0" i="0" dirty="0" err="1">
-                <a:solidFill>
-                  <a:schemeClr val="bg1"/>
-                </a:solidFill>
-                <a:effectLst/>
-                <a:latin typeface="Segoe UI Web (West European)"/>
-              </a:rPr>
-              <a:t>openai</a:t>
-            </a:r>
-            <a:r>
-              <a:rPr lang="pt-BR" b="0" i="0" dirty="0">
-                <a:solidFill>
-                  <a:schemeClr val="bg1"/>
-                </a:solidFill>
-                <a:effectLst/>
-                <a:latin typeface="Segoe UI Web (West European)"/>
-              </a:rPr>
-              <a:t>/</a:t>
-            </a:r>
-            <a:r>
-              <a:rPr lang="pt-BR" b="0" i="0" dirty="0" err="1">
-                <a:solidFill>
-                  <a:schemeClr val="bg1"/>
-                </a:solidFill>
-                <a:effectLst/>
-                <a:latin typeface="Segoe UI Web (West European)"/>
-              </a:rPr>
-              <a:t>deployments</a:t>
-            </a:r>
-            <a:r>
-              <a:rPr lang="pt-BR" b="0" i="0" dirty="0">
-                <a:solidFill>
-                  <a:schemeClr val="bg1"/>
-                </a:solidFill>
-                <a:effectLst/>
-                <a:latin typeface="Segoe UI Web (West European)"/>
-              </a:rPr>
-              <a:t>/{MODEL_NAME}/chat/</a:t>
-            </a:r>
-            <a:r>
-              <a:rPr lang="pt-BR" b="0" i="0" dirty="0" err="1">
-                <a:solidFill>
-                  <a:schemeClr val="bg1"/>
-                </a:solidFill>
-                <a:effectLst/>
-                <a:latin typeface="Segoe UI Web (West European)"/>
-              </a:rPr>
-              <a:t>completions?api-version</a:t>
-            </a:r>
-            <a:r>
-              <a:rPr lang="pt-BR" b="0" i="0" dirty="0">
-                <a:solidFill>
-                  <a:schemeClr val="bg1"/>
-                </a:solidFill>
-                <a:effectLst/>
-                <a:latin typeface="Segoe UI Web (West European)"/>
-              </a:rPr>
-              <a:t>={API_VERSION}</a:t>
-            </a:r>
-            <a:endParaRPr lang="pt-BR" dirty="0">
-              <a:solidFill>
-                <a:schemeClr val="bg1"/>
-              </a:solidFill>
-            </a:endParaRPr>
-          </a:p>
-        </p:txBody>
-      </p:sp>
-      <p:sp>
-        <p:nvSpPr>
-          <p:cNvPr id="6" name="Espaço Reservado para Texto 2">
-            <a:extLst>
-              <a:ext uri="{FF2B5EF4-FFF2-40B4-BE49-F238E27FC236}">
-                <a16:creationId xmlns:a16="http://schemas.microsoft.com/office/drawing/2014/main" id="{4241B9D4-4E11-C865-F7EE-C8ADDF366F9D}"/>
-              </a:ext>
-            </a:extLst>
-          </p:cNvPr>
-          <p:cNvSpPr txBox="1">
-            <a:spLocks/>
-          </p:cNvSpPr>
-          <p:nvPr/>
-        </p:nvSpPr>
-        <p:spPr>
-          <a:xfrm>
-            <a:off x="451338" y="803485"/>
-            <a:ext cx="9795376" cy="861774"/>
-          </a:xfrm>
-          <a:prstGeom prst="rect">
-            <a:avLst/>
-          </a:prstGeom>
-        </p:spPr>
-        <p:txBody>
-          <a:bodyPr vert="horz" wrap="square" lIns="0" tIns="91440" rIns="146304" bIns="91440" rtlCol="0">
-            <a:spAutoFit/>
-          </a:bodyPr>
-          <a:lstStyle>
-            <a:lvl1pPr marL="0" marR="0" indent="0" algn="l" defTabSz="932742" rtl="0" eaLnBrk="1" fontAlgn="auto" latinLnBrk="0" hangingPunct="1">
-              <a:lnSpc>
-                <a:spcPct val="100000"/>
-              </a:lnSpc>
-              <a:spcBef>
-                <a:spcPts val="0"/>
-              </a:spcBef>
-              <a:spcAft>
-                <a:spcPts val="0"/>
-              </a:spcAft>
-              <a:buClrTx/>
-              <a:buSzPct val="90000"/>
-              <a:buFont typeface="Wingdings" panose="05000000000000000000" pitchFamily="2" charset="2"/>
-              <a:buNone/>
-              <a:tabLst/>
-              <a:defRPr sz="1800" kern="1200" spc="-50" baseline="0">
-                <a:solidFill>
-                  <a:schemeClr val="bg2"/>
-                </a:solidFill>
-                <a:latin typeface="+mj-lt"/>
-                <a:ea typeface="+mn-ea"/>
-                <a:cs typeface="+mn-cs"/>
-              </a:defRPr>
-            </a:lvl1pPr>
-            <a:lvl2pPr marL="0" marR="0" indent="0" algn="l" defTabSz="932742" rtl="0" eaLnBrk="1" fontAlgn="auto" latinLnBrk="0" hangingPunct="1">
-              <a:lnSpc>
-                <a:spcPct val="100000"/>
-              </a:lnSpc>
-              <a:spcBef>
-                <a:spcPts val="0"/>
-              </a:spcBef>
-              <a:spcAft>
-                <a:spcPts val="0"/>
-              </a:spcAft>
-              <a:buClrTx/>
-              <a:buSzPct val="90000"/>
-              <a:buFontTx/>
-              <a:buNone/>
-              <a:tabLst/>
-              <a:defRPr sz="1800" kern="1200" spc="0" baseline="0">
-                <a:solidFill>
-                  <a:srgbClr val="000000"/>
-                </a:solidFill>
-                <a:latin typeface="+mn-lt"/>
-                <a:ea typeface="+mn-ea"/>
-                <a:cs typeface="+mn-cs"/>
-              </a:defRPr>
-            </a:lvl2pPr>
-            <a:lvl3pPr marL="0" marR="0" indent="0" algn="l" defTabSz="932742" rtl="0" eaLnBrk="1" fontAlgn="auto" latinLnBrk="0" hangingPunct="1">
-              <a:lnSpc>
-                <a:spcPct val="100000"/>
-              </a:lnSpc>
-              <a:spcBef>
-                <a:spcPts val="0"/>
-              </a:spcBef>
-              <a:spcAft>
-                <a:spcPts val="0"/>
-              </a:spcAft>
-              <a:buClrTx/>
-              <a:buSzPct val="90000"/>
-              <a:buFont typeface="Wingdings" panose="05000000000000000000" pitchFamily="2" charset="2"/>
-              <a:buNone/>
-              <a:tabLst/>
-              <a:defRPr sz="1400" kern="1200" spc="0" baseline="0">
-                <a:solidFill>
-                  <a:schemeClr val="tx2"/>
-                </a:solidFill>
-                <a:latin typeface="+mj-lt"/>
-                <a:ea typeface="+mn-ea"/>
-                <a:cs typeface="+mn-cs"/>
-              </a:defRPr>
-            </a:lvl3pPr>
-            <a:lvl4pPr marL="0" marR="0" indent="0" algn="l" defTabSz="932742" rtl="0" eaLnBrk="1" fontAlgn="auto" latinLnBrk="0" hangingPunct="1">
-              <a:lnSpc>
-                <a:spcPct val="100000"/>
-              </a:lnSpc>
-              <a:spcBef>
-                <a:spcPts val="0"/>
-              </a:spcBef>
-              <a:spcAft>
-                <a:spcPts val="0"/>
-              </a:spcAft>
-              <a:buClrTx/>
-              <a:buSzPct val="90000"/>
-              <a:buFont typeface="Wingdings" panose="05000000000000000000" pitchFamily="2" charset="2"/>
-              <a:buNone/>
-              <a:tabLst/>
-              <a:defRPr sz="1400" kern="1200" spc="0" baseline="0">
-                <a:solidFill>
-                  <a:srgbClr val="000000"/>
-                </a:solidFill>
-                <a:latin typeface="+mn-lt"/>
-                <a:ea typeface="+mn-ea"/>
-                <a:cs typeface="+mn-cs"/>
-              </a:defRPr>
-            </a:lvl4pPr>
-            <a:lvl5pPr marL="0" marR="0" indent="0" algn="l" defTabSz="932742" rtl="0" eaLnBrk="1" fontAlgn="auto" latinLnBrk="0" hangingPunct="1">
-              <a:lnSpc>
-                <a:spcPct val="100000"/>
-              </a:lnSpc>
-              <a:spcBef>
-                <a:spcPts val="0"/>
-              </a:spcBef>
-              <a:spcAft>
-                <a:spcPts val="0"/>
-              </a:spcAft>
-              <a:buClrTx/>
-              <a:buSzPct val="90000"/>
-              <a:buFont typeface="Wingdings" panose="05000000000000000000" pitchFamily="2" charset="2"/>
-              <a:buNone/>
-              <a:tabLst/>
-              <a:defRPr sz="1050" b="1" kern="1200" spc="0" baseline="0">
-                <a:solidFill>
-                  <a:srgbClr val="000000"/>
-                </a:solidFill>
-                <a:latin typeface="+mn-lt"/>
-                <a:ea typeface="+mn-ea"/>
-                <a:cs typeface="+mn-cs"/>
-              </a:defRPr>
-            </a:lvl5pPr>
-            <a:lvl6pPr marL="2331854" indent="0" algn="l" defTabSz="932742" rtl="0" eaLnBrk="1" latinLnBrk="0" hangingPunct="1">
-              <a:spcBef>
-                <a:spcPct val="20000"/>
-              </a:spcBef>
-              <a:buFont typeface="Arial" pitchFamily="34" charset="0"/>
-              <a:buNone/>
-              <a:defRPr sz="2000" kern="1200">
-                <a:solidFill>
-                  <a:schemeClr val="tx1"/>
-                </a:solidFill>
-                <a:latin typeface="+mn-lt"/>
-                <a:ea typeface="+mn-ea"/>
-                <a:cs typeface="+mn-cs"/>
-              </a:defRPr>
-            </a:lvl6pPr>
-            <a:lvl7pPr marL="0" indent="0" algn="l" defTabSz="932742" rtl="0" eaLnBrk="1" latinLnBrk="0" hangingPunct="1">
-              <a:lnSpc>
-                <a:spcPct val="100000"/>
-              </a:lnSpc>
-              <a:spcBef>
-                <a:spcPts val="0"/>
-              </a:spcBef>
-              <a:spcAft>
-                <a:spcPts val="0"/>
-              </a:spcAft>
-              <a:buFont typeface="Arial" pitchFamily="34" charset="0"/>
-              <a:buNone/>
-              <a:defRPr sz="1000" kern="1200">
-                <a:solidFill>
-                  <a:srgbClr val="000000"/>
-                </a:solidFill>
-                <a:latin typeface="+mn-lt"/>
-                <a:ea typeface="+mn-ea"/>
-                <a:cs typeface="+mn-cs"/>
-              </a:defRPr>
-            </a:lvl7pPr>
-            <a:lvl8pPr marL="3497783" indent="-233186" algn="l" defTabSz="932742" rtl="0" eaLnBrk="1" latinLnBrk="0" hangingPunct="1">
-              <a:spcBef>
-                <a:spcPct val="20000"/>
-              </a:spcBef>
-              <a:buFont typeface="Arial" pitchFamily="34" charset="0"/>
-              <a:buChar char="•"/>
-              <a:defRPr sz="2000" kern="1200">
-                <a:solidFill>
-                  <a:schemeClr val="tx1"/>
-                </a:solidFill>
-                <a:latin typeface="+mn-lt"/>
-                <a:ea typeface="+mn-ea"/>
-                <a:cs typeface="+mn-cs"/>
-              </a:defRPr>
-            </a:lvl8pPr>
-            <a:lvl9pPr marL="3964155" indent="-233186" algn="l" defTabSz="932742" rtl="0" eaLnBrk="1" latinLnBrk="0" hangingPunct="1">
-              <a:spcBef>
-                <a:spcPct val="20000"/>
-              </a:spcBef>
-              <a:buFont typeface="Arial" pitchFamily="34" charset="0"/>
-              <a:buChar char="•"/>
-              <a:defRPr sz="2000" kern="1200">
-                <a:solidFill>
-                  <a:schemeClr val="tx1"/>
-                </a:solidFill>
-                <a:latin typeface="+mn-lt"/>
-                <a:ea typeface="+mn-ea"/>
-                <a:cs typeface="+mn-cs"/>
-              </a:defRPr>
-            </a:lvl9pPr>
-          </a:lstStyle>
-          <a:p>
-            <a:r>
-              <a:rPr lang="pt-BR" sz="4400" dirty="0"/>
-              <a:t>Configuração da Task de </a:t>
-            </a:r>
-            <a:r>
-              <a:rPr lang="pt-BR" sz="4400" dirty="0" err="1"/>
-              <a:t>pullrequest</a:t>
-            </a:r>
-            <a:endParaRPr lang="pt-BR" sz="4400" dirty="0"/>
-          </a:p>
-        </p:txBody>
-      </p:sp>
-      <p:pic>
-        <p:nvPicPr>
-          <p:cNvPr id="3" name="Imagem 2">
-            <a:extLst>
-              <a:ext uri="{FF2B5EF4-FFF2-40B4-BE49-F238E27FC236}">
-                <a16:creationId xmlns:a16="http://schemas.microsoft.com/office/drawing/2014/main" id="{9F159EAE-92D0-2E23-4B2C-1E520288D069}"/>
-              </a:ext>
-            </a:extLst>
-          </p:cNvPr>
-          <p:cNvPicPr>
-            <a:picLocks noChangeAspect="1"/>
-          </p:cNvPicPr>
-          <p:nvPr/>
-        </p:nvPicPr>
-        <p:blipFill>
-          <a:blip r:embed="rId3"/>
-          <a:stretch>
-            <a:fillRect/>
-          </a:stretch>
-        </p:blipFill>
-        <p:spPr>
-          <a:xfrm>
-            <a:off x="451338" y="4630570"/>
-            <a:ext cx="2485272" cy="1970143"/>
-          </a:xfrm>
-          <a:prstGeom prst="rect">
-            <a:avLst/>
-          </a:prstGeom>
-          <a:ln>
-            <a:noFill/>
-          </a:ln>
-          <a:effectLst>
-            <a:softEdge rad="112500"/>
-          </a:effectLst>
-        </p:spPr>
-      </p:pic>
-      <p:sp>
-        <p:nvSpPr>
-          <p:cNvPr id="7" name="CaixaDeTexto 6">
-            <a:extLst>
-              <a:ext uri="{FF2B5EF4-FFF2-40B4-BE49-F238E27FC236}">
-                <a16:creationId xmlns:a16="http://schemas.microsoft.com/office/drawing/2014/main" id="{8AC7BCC5-4C56-09F3-2599-CC343019684E}"/>
-              </a:ext>
-            </a:extLst>
-          </p:cNvPr>
-          <p:cNvSpPr txBox="1"/>
-          <p:nvPr/>
-        </p:nvSpPr>
-        <p:spPr>
-          <a:xfrm>
-            <a:off x="451338" y="3900164"/>
-            <a:ext cx="9485525" cy="646331"/>
-          </a:xfrm>
-          <a:prstGeom prst="rect">
-            <a:avLst/>
-          </a:prstGeom>
-          <a:noFill/>
-        </p:spPr>
-        <p:txBody>
-          <a:bodyPr wrap="square">
-            <a:spAutoFit/>
-          </a:bodyPr>
-          <a:lstStyle/>
-          <a:p>
-            <a:r>
-              <a:rPr lang="pt-BR" dirty="0" err="1">
-                <a:solidFill>
-                  <a:schemeClr val="bg1"/>
-                </a:solidFill>
-              </a:rPr>
-              <a:t>API_Version</a:t>
-            </a:r>
-            <a:br>
-              <a:rPr lang="pt-BR" dirty="0">
-                <a:solidFill>
-                  <a:schemeClr val="bg1"/>
-                </a:solidFill>
-              </a:rPr>
-            </a:br>
-            <a:r>
-              <a:rPr lang="pt-BR" dirty="0">
-                <a:solidFill>
-                  <a:schemeClr val="bg1"/>
-                </a:solidFill>
-              </a:rPr>
-              <a:t>https://learn.microsoft.com/en-us/azure/ai-services/openai/reference</a:t>
-            </a:r>
-          </a:p>
-        </p:txBody>
-      </p:sp>
-    </p:spTree>
-    <p:extLst>
-      <p:ext uri="{BB962C8B-B14F-4D97-AF65-F5344CB8AC3E}">
-        <p14:creationId xmlns:p14="http://schemas.microsoft.com/office/powerpoint/2010/main" val="416104535"/>
-      </p:ext>
-    </p:extLst>
-  </p:cSld>
-  <p:clrMapOvr>
-    <a:masterClrMapping/>
-  </p:clrMapOvr>
-  <mc:AlternateContent xmlns:mc="http://schemas.openxmlformats.org/markup-compatibility/2006" xmlns:p14="http://schemas.microsoft.com/office/powerpoint/2010/main">
-    <mc:Choice Requires="p14">
-      <p:transition spd="med" p14:dur="700">
-        <p:fade/>
-      </p:transition>
-    </mc:Choice>
-    <mc:Fallback xmlns="">
-      <p:transition spd="med">
-        <p:fade/>
-      </p:transition>
-    </mc:Fallback>
-  </mc:AlternateContent>
-</p:sld>
-</file>
-
-<file path=ppt/slides/slide16.xml><?xml version="1.0" encoding="utf-8"?>
-<p:sld xmlns:a="http://schemas.openxmlformats.org/drawingml/2006/main" xmlns:r="http://schemas.openxmlformats.org/officeDocument/2006/relationships" xmlns:p="http://schemas.openxmlformats.org/presentationml/2006/main">
-  <p:cSld>
-    <p:spTree>
-      <p:nvGrpSpPr>
-        <p:cNvPr id="1" name=""/>
-        <p:cNvGrpSpPr/>
-        <p:nvPr/>
-      </p:nvGrpSpPr>
-      <p:grpSpPr>
-        <a:xfrm>
-          <a:off x="0" y="0"/>
-          <a:ext cx="0" cy="0"/>
-          <a:chOff x="0" y="0"/>
-          <a:chExt cx="0" cy="0"/>
-        </a:xfrm>
-      </p:grpSpPr>
-      <p:sp>
-        <p:nvSpPr>
           <p:cNvPr id="5" name="CaixaDeTexto 4">
             <a:extLst>
               <a:ext uri="{FF2B5EF4-FFF2-40B4-BE49-F238E27FC236}">
@@ -27356,7 +24478,830 @@
 </p:sld>
 </file>
 
-<file path=ppt/slides/slide17.xml><?xml version="1.0" encoding="utf-8"?>
+<file path=ppt/slides/slide11.xml><?xml version="1.0" encoding="utf-8"?>
+<p:sld xmlns:a="http://schemas.openxmlformats.org/drawingml/2006/main" xmlns:r="http://schemas.openxmlformats.org/officeDocument/2006/relationships" xmlns:p="http://schemas.openxmlformats.org/presentationml/2006/main">
+  <p:cSld>
+    <p:spTree>
+      <p:nvGrpSpPr>
+        <p:cNvPr id="1" name=""/>
+        <p:cNvGrpSpPr/>
+        <p:nvPr/>
+      </p:nvGrpSpPr>
+      <p:grpSpPr>
+        <a:xfrm>
+          <a:off x="0" y="0"/>
+          <a:ext cx="0" cy="0"/>
+          <a:chOff x="0" y="0"/>
+          <a:chExt cx="0" cy="0"/>
+        </a:xfrm>
+      </p:grpSpPr>
+      <p:sp>
+        <p:nvSpPr>
+          <p:cNvPr id="5" name="CaixaDeTexto 4">
+            <a:extLst>
+              <a:ext uri="{FF2B5EF4-FFF2-40B4-BE49-F238E27FC236}">
+                <a16:creationId xmlns:a16="http://schemas.microsoft.com/office/drawing/2014/main" id="{8ACDB991-EC5C-F38D-2382-DB6C1328DBFA}"/>
+              </a:ext>
+            </a:extLst>
+          </p:cNvPr>
+          <p:cNvSpPr txBox="1"/>
+          <p:nvPr/>
+        </p:nvSpPr>
+        <p:spPr>
+          <a:xfrm>
+            <a:off x="451338" y="2016336"/>
+            <a:ext cx="10649356" cy="646331"/>
+          </a:xfrm>
+          <a:prstGeom prst="rect">
+            <a:avLst/>
+          </a:prstGeom>
+          <a:noFill/>
+        </p:spPr>
+        <p:txBody>
+          <a:bodyPr wrap="square">
+            <a:spAutoFit/>
+          </a:bodyPr>
+          <a:lstStyle/>
+          <a:p>
+            <a:r>
+              <a:rPr lang="pt-BR" b="0" i="0" dirty="0">
+                <a:solidFill>
+                  <a:schemeClr val="bg1"/>
+                </a:solidFill>
+                <a:effectLst/>
+                <a:latin typeface="Segoe UI Web (West European)"/>
+              </a:rPr>
+              <a:t>https://{XXXXXXXX}.openai.azure.com/</a:t>
+            </a:r>
+            <a:r>
+              <a:rPr lang="pt-BR" b="0" i="0" dirty="0" err="1">
+                <a:solidFill>
+                  <a:schemeClr val="bg1"/>
+                </a:solidFill>
+                <a:effectLst/>
+                <a:latin typeface="Segoe UI Web (West European)"/>
+              </a:rPr>
+              <a:t>openai</a:t>
+            </a:r>
+            <a:r>
+              <a:rPr lang="pt-BR" b="0" i="0" dirty="0">
+                <a:solidFill>
+                  <a:schemeClr val="bg1"/>
+                </a:solidFill>
+                <a:effectLst/>
+                <a:latin typeface="Segoe UI Web (West European)"/>
+              </a:rPr>
+              <a:t>/</a:t>
+            </a:r>
+            <a:r>
+              <a:rPr lang="pt-BR" b="0" i="0" dirty="0" err="1">
+                <a:solidFill>
+                  <a:schemeClr val="bg1"/>
+                </a:solidFill>
+                <a:effectLst/>
+                <a:latin typeface="Segoe UI Web (West European)"/>
+              </a:rPr>
+              <a:t>deployments</a:t>
+            </a:r>
+            <a:r>
+              <a:rPr lang="pt-BR" b="0" i="0" dirty="0">
+                <a:solidFill>
+                  <a:schemeClr val="bg1"/>
+                </a:solidFill>
+                <a:effectLst/>
+                <a:latin typeface="Segoe UI Web (West European)"/>
+              </a:rPr>
+              <a:t>/{MODEL_NAME}/chat/</a:t>
+            </a:r>
+            <a:r>
+              <a:rPr lang="pt-BR" b="0" i="0" dirty="0" err="1">
+                <a:solidFill>
+                  <a:schemeClr val="bg1"/>
+                </a:solidFill>
+                <a:effectLst/>
+                <a:latin typeface="Segoe UI Web (West European)"/>
+              </a:rPr>
+              <a:t>completions?api-version</a:t>
+            </a:r>
+            <a:r>
+              <a:rPr lang="pt-BR" b="0" i="0" dirty="0">
+                <a:solidFill>
+                  <a:schemeClr val="bg1"/>
+                </a:solidFill>
+                <a:effectLst/>
+                <a:latin typeface="Segoe UI Web (West European)"/>
+              </a:rPr>
+              <a:t>={API_VERSION}</a:t>
+            </a:r>
+            <a:endParaRPr lang="pt-BR" dirty="0">
+              <a:solidFill>
+                <a:schemeClr val="bg1"/>
+              </a:solidFill>
+            </a:endParaRPr>
+          </a:p>
+        </p:txBody>
+      </p:sp>
+      <p:sp>
+        <p:nvSpPr>
+          <p:cNvPr id="6" name="Espaço Reservado para Texto 2">
+            <a:extLst>
+              <a:ext uri="{FF2B5EF4-FFF2-40B4-BE49-F238E27FC236}">
+                <a16:creationId xmlns:a16="http://schemas.microsoft.com/office/drawing/2014/main" id="{4241B9D4-4E11-C865-F7EE-C8ADDF366F9D}"/>
+              </a:ext>
+            </a:extLst>
+          </p:cNvPr>
+          <p:cNvSpPr txBox="1">
+            <a:spLocks/>
+          </p:cNvSpPr>
+          <p:nvPr/>
+        </p:nvSpPr>
+        <p:spPr>
+          <a:xfrm>
+            <a:off x="451338" y="803485"/>
+            <a:ext cx="9795376" cy="861774"/>
+          </a:xfrm>
+          <a:prstGeom prst="rect">
+            <a:avLst/>
+          </a:prstGeom>
+        </p:spPr>
+        <p:txBody>
+          <a:bodyPr vert="horz" wrap="square" lIns="0" tIns="91440" rIns="146304" bIns="91440" rtlCol="0">
+            <a:spAutoFit/>
+          </a:bodyPr>
+          <a:lstStyle>
+            <a:lvl1pPr marL="0" marR="0" indent="0" algn="l" defTabSz="932742" rtl="0" eaLnBrk="1" fontAlgn="auto" latinLnBrk="0" hangingPunct="1">
+              <a:lnSpc>
+                <a:spcPct val="100000"/>
+              </a:lnSpc>
+              <a:spcBef>
+                <a:spcPts val="0"/>
+              </a:spcBef>
+              <a:spcAft>
+                <a:spcPts val="0"/>
+              </a:spcAft>
+              <a:buClrTx/>
+              <a:buSzPct val="90000"/>
+              <a:buFont typeface="Wingdings" panose="05000000000000000000" pitchFamily="2" charset="2"/>
+              <a:buNone/>
+              <a:tabLst/>
+              <a:defRPr sz="1800" kern="1200" spc="-50" baseline="0">
+                <a:solidFill>
+                  <a:schemeClr val="bg2"/>
+                </a:solidFill>
+                <a:latin typeface="+mj-lt"/>
+                <a:ea typeface="+mn-ea"/>
+                <a:cs typeface="+mn-cs"/>
+              </a:defRPr>
+            </a:lvl1pPr>
+            <a:lvl2pPr marL="0" marR="0" indent="0" algn="l" defTabSz="932742" rtl="0" eaLnBrk="1" fontAlgn="auto" latinLnBrk="0" hangingPunct="1">
+              <a:lnSpc>
+                <a:spcPct val="100000"/>
+              </a:lnSpc>
+              <a:spcBef>
+                <a:spcPts val="0"/>
+              </a:spcBef>
+              <a:spcAft>
+                <a:spcPts val="0"/>
+              </a:spcAft>
+              <a:buClrTx/>
+              <a:buSzPct val="90000"/>
+              <a:buFontTx/>
+              <a:buNone/>
+              <a:tabLst/>
+              <a:defRPr sz="1800" kern="1200" spc="0" baseline="0">
+                <a:solidFill>
+                  <a:srgbClr val="000000"/>
+                </a:solidFill>
+                <a:latin typeface="+mn-lt"/>
+                <a:ea typeface="+mn-ea"/>
+                <a:cs typeface="+mn-cs"/>
+              </a:defRPr>
+            </a:lvl2pPr>
+            <a:lvl3pPr marL="0" marR="0" indent="0" algn="l" defTabSz="932742" rtl="0" eaLnBrk="1" fontAlgn="auto" latinLnBrk="0" hangingPunct="1">
+              <a:lnSpc>
+                <a:spcPct val="100000"/>
+              </a:lnSpc>
+              <a:spcBef>
+                <a:spcPts val="0"/>
+              </a:spcBef>
+              <a:spcAft>
+                <a:spcPts val="0"/>
+              </a:spcAft>
+              <a:buClrTx/>
+              <a:buSzPct val="90000"/>
+              <a:buFont typeface="Wingdings" panose="05000000000000000000" pitchFamily="2" charset="2"/>
+              <a:buNone/>
+              <a:tabLst/>
+              <a:defRPr sz="1400" kern="1200" spc="0" baseline="0">
+                <a:solidFill>
+                  <a:schemeClr val="tx2"/>
+                </a:solidFill>
+                <a:latin typeface="+mj-lt"/>
+                <a:ea typeface="+mn-ea"/>
+                <a:cs typeface="+mn-cs"/>
+              </a:defRPr>
+            </a:lvl3pPr>
+            <a:lvl4pPr marL="0" marR="0" indent="0" algn="l" defTabSz="932742" rtl="0" eaLnBrk="1" fontAlgn="auto" latinLnBrk="0" hangingPunct="1">
+              <a:lnSpc>
+                <a:spcPct val="100000"/>
+              </a:lnSpc>
+              <a:spcBef>
+                <a:spcPts val="0"/>
+              </a:spcBef>
+              <a:spcAft>
+                <a:spcPts val="0"/>
+              </a:spcAft>
+              <a:buClrTx/>
+              <a:buSzPct val="90000"/>
+              <a:buFont typeface="Wingdings" panose="05000000000000000000" pitchFamily="2" charset="2"/>
+              <a:buNone/>
+              <a:tabLst/>
+              <a:defRPr sz="1400" kern="1200" spc="0" baseline="0">
+                <a:solidFill>
+                  <a:srgbClr val="000000"/>
+                </a:solidFill>
+                <a:latin typeface="+mn-lt"/>
+                <a:ea typeface="+mn-ea"/>
+                <a:cs typeface="+mn-cs"/>
+              </a:defRPr>
+            </a:lvl4pPr>
+            <a:lvl5pPr marL="0" marR="0" indent="0" algn="l" defTabSz="932742" rtl="0" eaLnBrk="1" fontAlgn="auto" latinLnBrk="0" hangingPunct="1">
+              <a:lnSpc>
+                <a:spcPct val="100000"/>
+              </a:lnSpc>
+              <a:spcBef>
+                <a:spcPts val="0"/>
+              </a:spcBef>
+              <a:spcAft>
+                <a:spcPts val="0"/>
+              </a:spcAft>
+              <a:buClrTx/>
+              <a:buSzPct val="90000"/>
+              <a:buFont typeface="Wingdings" panose="05000000000000000000" pitchFamily="2" charset="2"/>
+              <a:buNone/>
+              <a:tabLst/>
+              <a:defRPr sz="1050" b="1" kern="1200" spc="0" baseline="0">
+                <a:solidFill>
+                  <a:srgbClr val="000000"/>
+                </a:solidFill>
+                <a:latin typeface="+mn-lt"/>
+                <a:ea typeface="+mn-ea"/>
+                <a:cs typeface="+mn-cs"/>
+              </a:defRPr>
+            </a:lvl5pPr>
+            <a:lvl6pPr marL="2331854" indent="0" algn="l" defTabSz="932742" rtl="0" eaLnBrk="1" latinLnBrk="0" hangingPunct="1">
+              <a:spcBef>
+                <a:spcPct val="20000"/>
+              </a:spcBef>
+              <a:buFont typeface="Arial" pitchFamily="34" charset="0"/>
+              <a:buNone/>
+              <a:defRPr sz="2000" kern="1200">
+                <a:solidFill>
+                  <a:schemeClr val="tx1"/>
+                </a:solidFill>
+                <a:latin typeface="+mn-lt"/>
+                <a:ea typeface="+mn-ea"/>
+                <a:cs typeface="+mn-cs"/>
+              </a:defRPr>
+            </a:lvl6pPr>
+            <a:lvl7pPr marL="0" indent="0" algn="l" defTabSz="932742" rtl="0" eaLnBrk="1" latinLnBrk="0" hangingPunct="1">
+              <a:lnSpc>
+                <a:spcPct val="100000"/>
+              </a:lnSpc>
+              <a:spcBef>
+                <a:spcPts val="0"/>
+              </a:spcBef>
+              <a:spcAft>
+                <a:spcPts val="0"/>
+              </a:spcAft>
+              <a:buFont typeface="Arial" pitchFamily="34" charset="0"/>
+              <a:buNone/>
+              <a:defRPr sz="1000" kern="1200">
+                <a:solidFill>
+                  <a:srgbClr val="000000"/>
+                </a:solidFill>
+                <a:latin typeface="+mn-lt"/>
+                <a:ea typeface="+mn-ea"/>
+                <a:cs typeface="+mn-cs"/>
+              </a:defRPr>
+            </a:lvl7pPr>
+            <a:lvl8pPr marL="3497783" indent="-233186" algn="l" defTabSz="932742" rtl="0" eaLnBrk="1" latinLnBrk="0" hangingPunct="1">
+              <a:spcBef>
+                <a:spcPct val="20000"/>
+              </a:spcBef>
+              <a:buFont typeface="Arial" pitchFamily="34" charset="0"/>
+              <a:buChar char="•"/>
+              <a:defRPr sz="2000" kern="1200">
+                <a:solidFill>
+                  <a:schemeClr val="tx1"/>
+                </a:solidFill>
+                <a:latin typeface="+mn-lt"/>
+                <a:ea typeface="+mn-ea"/>
+                <a:cs typeface="+mn-cs"/>
+              </a:defRPr>
+            </a:lvl8pPr>
+            <a:lvl9pPr marL="3964155" indent="-233186" algn="l" defTabSz="932742" rtl="0" eaLnBrk="1" latinLnBrk="0" hangingPunct="1">
+              <a:spcBef>
+                <a:spcPct val="20000"/>
+              </a:spcBef>
+              <a:buFont typeface="Arial" pitchFamily="34" charset="0"/>
+              <a:buChar char="•"/>
+              <a:defRPr sz="2000" kern="1200">
+                <a:solidFill>
+                  <a:schemeClr val="tx1"/>
+                </a:solidFill>
+                <a:latin typeface="+mn-lt"/>
+                <a:ea typeface="+mn-ea"/>
+                <a:cs typeface="+mn-cs"/>
+              </a:defRPr>
+            </a:lvl9pPr>
+          </a:lstStyle>
+          <a:p>
+            <a:r>
+              <a:rPr lang="pt-BR" sz="4400" dirty="0"/>
+              <a:t>Configuração da Task de </a:t>
+            </a:r>
+            <a:r>
+              <a:rPr lang="pt-BR" sz="4400" dirty="0" err="1"/>
+              <a:t>pullrequest</a:t>
+            </a:r>
+            <a:endParaRPr lang="pt-BR" sz="4400" dirty="0"/>
+          </a:p>
+        </p:txBody>
+      </p:sp>
+      <p:pic>
+        <p:nvPicPr>
+          <p:cNvPr id="3" name="Imagem 2">
+            <a:extLst>
+              <a:ext uri="{FF2B5EF4-FFF2-40B4-BE49-F238E27FC236}">
+                <a16:creationId xmlns:a16="http://schemas.microsoft.com/office/drawing/2014/main" id="{9F159EAE-92D0-2E23-4B2C-1E520288D069}"/>
+              </a:ext>
+            </a:extLst>
+          </p:cNvPr>
+          <p:cNvPicPr>
+            <a:picLocks noChangeAspect="1"/>
+          </p:cNvPicPr>
+          <p:nvPr/>
+        </p:nvPicPr>
+        <p:blipFill>
+          <a:blip r:embed="rId3"/>
+          <a:stretch>
+            <a:fillRect/>
+          </a:stretch>
+        </p:blipFill>
+        <p:spPr>
+          <a:xfrm>
+            <a:off x="451338" y="4630570"/>
+            <a:ext cx="2485272" cy="1970143"/>
+          </a:xfrm>
+          <a:prstGeom prst="rect">
+            <a:avLst/>
+          </a:prstGeom>
+          <a:ln>
+            <a:noFill/>
+          </a:ln>
+          <a:effectLst>
+            <a:softEdge rad="112500"/>
+          </a:effectLst>
+        </p:spPr>
+      </p:pic>
+      <p:sp>
+        <p:nvSpPr>
+          <p:cNvPr id="7" name="CaixaDeTexto 6">
+            <a:extLst>
+              <a:ext uri="{FF2B5EF4-FFF2-40B4-BE49-F238E27FC236}">
+                <a16:creationId xmlns:a16="http://schemas.microsoft.com/office/drawing/2014/main" id="{8AC7BCC5-4C56-09F3-2599-CC343019684E}"/>
+              </a:ext>
+            </a:extLst>
+          </p:cNvPr>
+          <p:cNvSpPr txBox="1"/>
+          <p:nvPr/>
+        </p:nvSpPr>
+        <p:spPr>
+          <a:xfrm>
+            <a:off x="451338" y="3900164"/>
+            <a:ext cx="9485525" cy="646331"/>
+          </a:xfrm>
+          <a:prstGeom prst="rect">
+            <a:avLst/>
+          </a:prstGeom>
+          <a:noFill/>
+        </p:spPr>
+        <p:txBody>
+          <a:bodyPr wrap="square">
+            <a:spAutoFit/>
+          </a:bodyPr>
+          <a:lstStyle/>
+          <a:p>
+            <a:r>
+              <a:rPr lang="pt-BR" dirty="0" err="1">
+                <a:solidFill>
+                  <a:schemeClr val="bg1"/>
+                </a:solidFill>
+              </a:rPr>
+              <a:t>API_Version</a:t>
+            </a:r>
+            <a:br>
+              <a:rPr lang="pt-BR" dirty="0">
+                <a:solidFill>
+                  <a:schemeClr val="bg1"/>
+                </a:solidFill>
+              </a:rPr>
+            </a:br>
+            <a:r>
+              <a:rPr lang="pt-BR" dirty="0">
+                <a:solidFill>
+                  <a:schemeClr val="bg1"/>
+                </a:solidFill>
+              </a:rPr>
+              <a:t>https://learn.microsoft.com/en-us/azure/ai-services/openai/reference</a:t>
+            </a:r>
+          </a:p>
+        </p:txBody>
+      </p:sp>
+    </p:spTree>
+    <p:extLst>
+      <p:ext uri="{BB962C8B-B14F-4D97-AF65-F5344CB8AC3E}">
+        <p14:creationId xmlns:p14="http://schemas.microsoft.com/office/powerpoint/2010/main" val="416104535"/>
+      </p:ext>
+    </p:extLst>
+  </p:cSld>
+  <p:clrMapOvr>
+    <a:masterClrMapping/>
+  </p:clrMapOvr>
+  <mc:AlternateContent xmlns:mc="http://schemas.openxmlformats.org/markup-compatibility/2006" xmlns:p14="http://schemas.microsoft.com/office/powerpoint/2010/main">
+    <mc:Choice Requires="p14">
+      <p:transition spd="med" p14:dur="700">
+        <p:fade/>
+      </p:transition>
+    </mc:Choice>
+    <mc:Fallback xmlns="">
+      <p:transition spd="med">
+        <p:fade/>
+      </p:transition>
+    </mc:Fallback>
+  </mc:AlternateContent>
+</p:sld>
+</file>
+
+<file path=ppt/slides/slide12.xml><?xml version="1.0" encoding="utf-8"?>
+<p:sld xmlns:a="http://schemas.openxmlformats.org/drawingml/2006/main" xmlns:r="http://schemas.openxmlformats.org/officeDocument/2006/relationships" xmlns:p="http://schemas.openxmlformats.org/presentationml/2006/main">
+  <p:cSld>
+    <p:spTree>
+      <p:nvGrpSpPr>
+        <p:cNvPr id="1" name=""/>
+        <p:cNvGrpSpPr/>
+        <p:nvPr/>
+      </p:nvGrpSpPr>
+      <p:grpSpPr>
+        <a:xfrm>
+          <a:off x="0" y="0"/>
+          <a:ext cx="0" cy="0"/>
+          <a:chOff x="0" y="0"/>
+          <a:chExt cx="0" cy="0"/>
+        </a:xfrm>
+      </p:grpSpPr>
+      <p:sp>
+        <p:nvSpPr>
+          <p:cNvPr id="5" name="CaixaDeTexto 4">
+            <a:extLst>
+              <a:ext uri="{FF2B5EF4-FFF2-40B4-BE49-F238E27FC236}">
+                <a16:creationId xmlns:a16="http://schemas.microsoft.com/office/drawing/2014/main" id="{8ACDB991-EC5C-F38D-2382-DB6C1328DBFA}"/>
+              </a:ext>
+            </a:extLst>
+          </p:cNvPr>
+          <p:cNvSpPr txBox="1"/>
+          <p:nvPr/>
+        </p:nvSpPr>
+        <p:spPr>
+          <a:xfrm>
+            <a:off x="456996" y="5267709"/>
+            <a:ext cx="10649356" cy="369332"/>
+          </a:xfrm>
+          <a:prstGeom prst="rect">
+            <a:avLst/>
+          </a:prstGeom>
+          <a:noFill/>
+        </p:spPr>
+        <p:txBody>
+          <a:bodyPr wrap="square">
+            <a:spAutoFit/>
+          </a:bodyPr>
+          <a:lstStyle/>
+          <a:p>
+            <a:r>
+              <a:rPr lang="pt-BR" dirty="0">
+                <a:solidFill>
+                  <a:schemeClr val="bg1"/>
+                </a:solidFill>
+              </a:rPr>
+              <a:t>https://learn.microsoft.com/pt-br/azure/</a:t>
+            </a:r>
+            <a:r>
+              <a:rPr lang="pt-BR" spc="-50" dirty="0">
+                <a:solidFill>
+                  <a:schemeClr val="bg1"/>
+                </a:solidFill>
+                <a:latin typeface="+mj-lt"/>
+              </a:rPr>
+              <a:t>ai-services</a:t>
+            </a:r>
+            <a:r>
+              <a:rPr lang="pt-BR" dirty="0">
+                <a:solidFill>
+                  <a:schemeClr val="bg1"/>
+                </a:solidFill>
+              </a:rPr>
+              <a:t>/openai/concepts/models</a:t>
+            </a:r>
+          </a:p>
+        </p:txBody>
+      </p:sp>
+      <p:sp>
+        <p:nvSpPr>
+          <p:cNvPr id="6" name="Espaço Reservado para Texto 2">
+            <a:extLst>
+              <a:ext uri="{FF2B5EF4-FFF2-40B4-BE49-F238E27FC236}">
+                <a16:creationId xmlns:a16="http://schemas.microsoft.com/office/drawing/2014/main" id="{4241B9D4-4E11-C865-F7EE-C8ADDF366F9D}"/>
+              </a:ext>
+            </a:extLst>
+          </p:cNvPr>
+          <p:cNvSpPr txBox="1">
+            <a:spLocks/>
+          </p:cNvSpPr>
+          <p:nvPr/>
+        </p:nvSpPr>
+        <p:spPr>
+          <a:xfrm>
+            <a:off x="451338" y="803485"/>
+            <a:ext cx="9795376" cy="923330"/>
+          </a:xfrm>
+          <a:prstGeom prst="rect">
+            <a:avLst/>
+          </a:prstGeom>
+        </p:spPr>
+        <p:txBody>
+          <a:bodyPr vert="horz" wrap="square" lIns="0" tIns="91440" rIns="146304" bIns="91440" rtlCol="0">
+            <a:spAutoFit/>
+          </a:bodyPr>
+          <a:lstStyle>
+            <a:lvl1pPr marL="0" marR="0" indent="0" algn="l" defTabSz="932742" rtl="0" eaLnBrk="1" fontAlgn="auto" latinLnBrk="0" hangingPunct="1">
+              <a:lnSpc>
+                <a:spcPct val="100000"/>
+              </a:lnSpc>
+              <a:spcBef>
+                <a:spcPts val="0"/>
+              </a:spcBef>
+              <a:spcAft>
+                <a:spcPts val="0"/>
+              </a:spcAft>
+              <a:buClrTx/>
+              <a:buSzPct val="90000"/>
+              <a:buFont typeface="Wingdings" panose="05000000000000000000" pitchFamily="2" charset="2"/>
+              <a:buNone/>
+              <a:tabLst/>
+              <a:defRPr sz="1800" kern="1200" spc="-50" baseline="0">
+                <a:solidFill>
+                  <a:schemeClr val="bg2"/>
+                </a:solidFill>
+                <a:latin typeface="+mj-lt"/>
+                <a:ea typeface="+mn-ea"/>
+                <a:cs typeface="+mn-cs"/>
+              </a:defRPr>
+            </a:lvl1pPr>
+            <a:lvl2pPr marL="0" marR="0" indent="0" algn="l" defTabSz="932742" rtl="0" eaLnBrk="1" fontAlgn="auto" latinLnBrk="0" hangingPunct="1">
+              <a:lnSpc>
+                <a:spcPct val="100000"/>
+              </a:lnSpc>
+              <a:spcBef>
+                <a:spcPts val="0"/>
+              </a:spcBef>
+              <a:spcAft>
+                <a:spcPts val="0"/>
+              </a:spcAft>
+              <a:buClrTx/>
+              <a:buSzPct val="90000"/>
+              <a:buFontTx/>
+              <a:buNone/>
+              <a:tabLst/>
+              <a:defRPr sz="1800" kern="1200" spc="0" baseline="0">
+                <a:solidFill>
+                  <a:srgbClr val="000000"/>
+                </a:solidFill>
+                <a:latin typeface="+mn-lt"/>
+                <a:ea typeface="+mn-ea"/>
+                <a:cs typeface="+mn-cs"/>
+              </a:defRPr>
+            </a:lvl2pPr>
+            <a:lvl3pPr marL="0" marR="0" indent="0" algn="l" defTabSz="932742" rtl="0" eaLnBrk="1" fontAlgn="auto" latinLnBrk="0" hangingPunct="1">
+              <a:lnSpc>
+                <a:spcPct val="100000"/>
+              </a:lnSpc>
+              <a:spcBef>
+                <a:spcPts val="0"/>
+              </a:spcBef>
+              <a:spcAft>
+                <a:spcPts val="0"/>
+              </a:spcAft>
+              <a:buClrTx/>
+              <a:buSzPct val="90000"/>
+              <a:buFont typeface="Wingdings" panose="05000000000000000000" pitchFamily="2" charset="2"/>
+              <a:buNone/>
+              <a:tabLst/>
+              <a:defRPr sz="1400" kern="1200" spc="0" baseline="0">
+                <a:solidFill>
+                  <a:schemeClr val="tx2"/>
+                </a:solidFill>
+                <a:latin typeface="+mj-lt"/>
+                <a:ea typeface="+mn-ea"/>
+                <a:cs typeface="+mn-cs"/>
+              </a:defRPr>
+            </a:lvl3pPr>
+            <a:lvl4pPr marL="0" marR="0" indent="0" algn="l" defTabSz="932742" rtl="0" eaLnBrk="1" fontAlgn="auto" latinLnBrk="0" hangingPunct="1">
+              <a:lnSpc>
+                <a:spcPct val="100000"/>
+              </a:lnSpc>
+              <a:spcBef>
+                <a:spcPts val="0"/>
+              </a:spcBef>
+              <a:spcAft>
+                <a:spcPts val="0"/>
+              </a:spcAft>
+              <a:buClrTx/>
+              <a:buSzPct val="90000"/>
+              <a:buFont typeface="Wingdings" panose="05000000000000000000" pitchFamily="2" charset="2"/>
+              <a:buNone/>
+              <a:tabLst/>
+              <a:defRPr sz="1400" kern="1200" spc="0" baseline="0">
+                <a:solidFill>
+                  <a:srgbClr val="000000"/>
+                </a:solidFill>
+                <a:latin typeface="+mn-lt"/>
+                <a:ea typeface="+mn-ea"/>
+                <a:cs typeface="+mn-cs"/>
+              </a:defRPr>
+            </a:lvl4pPr>
+            <a:lvl5pPr marL="0" marR="0" indent="0" algn="l" defTabSz="932742" rtl="0" eaLnBrk="1" fontAlgn="auto" latinLnBrk="0" hangingPunct="1">
+              <a:lnSpc>
+                <a:spcPct val="100000"/>
+              </a:lnSpc>
+              <a:spcBef>
+                <a:spcPts val="0"/>
+              </a:spcBef>
+              <a:spcAft>
+                <a:spcPts val="0"/>
+              </a:spcAft>
+              <a:buClrTx/>
+              <a:buSzPct val="90000"/>
+              <a:buFont typeface="Wingdings" panose="05000000000000000000" pitchFamily="2" charset="2"/>
+              <a:buNone/>
+              <a:tabLst/>
+              <a:defRPr sz="1050" b="1" kern="1200" spc="0" baseline="0">
+                <a:solidFill>
+                  <a:srgbClr val="000000"/>
+                </a:solidFill>
+                <a:latin typeface="+mn-lt"/>
+                <a:ea typeface="+mn-ea"/>
+                <a:cs typeface="+mn-cs"/>
+              </a:defRPr>
+            </a:lvl5pPr>
+            <a:lvl6pPr marL="2331854" indent="0" algn="l" defTabSz="932742" rtl="0" eaLnBrk="1" latinLnBrk="0" hangingPunct="1">
+              <a:spcBef>
+                <a:spcPct val="20000"/>
+              </a:spcBef>
+              <a:buFont typeface="Arial" pitchFamily="34" charset="0"/>
+              <a:buNone/>
+              <a:defRPr sz="2000" kern="1200">
+                <a:solidFill>
+                  <a:schemeClr val="tx1"/>
+                </a:solidFill>
+                <a:latin typeface="+mn-lt"/>
+                <a:ea typeface="+mn-ea"/>
+                <a:cs typeface="+mn-cs"/>
+              </a:defRPr>
+            </a:lvl6pPr>
+            <a:lvl7pPr marL="0" indent="0" algn="l" defTabSz="932742" rtl="0" eaLnBrk="1" latinLnBrk="0" hangingPunct="1">
+              <a:lnSpc>
+                <a:spcPct val="100000"/>
+              </a:lnSpc>
+              <a:spcBef>
+                <a:spcPts val="0"/>
+              </a:spcBef>
+              <a:spcAft>
+                <a:spcPts val="0"/>
+              </a:spcAft>
+              <a:buFont typeface="Arial" pitchFamily="34" charset="0"/>
+              <a:buNone/>
+              <a:defRPr sz="1000" kern="1200">
+                <a:solidFill>
+                  <a:srgbClr val="000000"/>
+                </a:solidFill>
+                <a:latin typeface="+mn-lt"/>
+                <a:ea typeface="+mn-ea"/>
+                <a:cs typeface="+mn-cs"/>
+              </a:defRPr>
+            </a:lvl7pPr>
+            <a:lvl8pPr marL="3497783" indent="-233186" algn="l" defTabSz="932742" rtl="0" eaLnBrk="1" latinLnBrk="0" hangingPunct="1">
+              <a:spcBef>
+                <a:spcPct val="20000"/>
+              </a:spcBef>
+              <a:buFont typeface="Arial" pitchFamily="34" charset="0"/>
+              <a:buChar char="•"/>
+              <a:defRPr sz="2000" kern="1200">
+                <a:solidFill>
+                  <a:schemeClr val="tx1"/>
+                </a:solidFill>
+                <a:latin typeface="+mn-lt"/>
+                <a:ea typeface="+mn-ea"/>
+                <a:cs typeface="+mn-cs"/>
+              </a:defRPr>
+            </a:lvl8pPr>
+            <a:lvl9pPr marL="3964155" indent="-233186" algn="l" defTabSz="932742" rtl="0" eaLnBrk="1" latinLnBrk="0" hangingPunct="1">
+              <a:spcBef>
+                <a:spcPct val="20000"/>
+              </a:spcBef>
+              <a:buFont typeface="Arial" pitchFamily="34" charset="0"/>
+              <a:buChar char="•"/>
+              <a:defRPr sz="2000" kern="1200">
+                <a:solidFill>
+                  <a:schemeClr val="tx1"/>
+                </a:solidFill>
+                <a:latin typeface="+mn-lt"/>
+                <a:ea typeface="+mn-ea"/>
+                <a:cs typeface="+mn-cs"/>
+              </a:defRPr>
+            </a:lvl9pPr>
+          </a:lstStyle>
+          <a:p>
+            <a:r>
+              <a:rPr lang="pt-BR" sz="4800" dirty="0"/>
+              <a:t>Localização dos Recursos</a:t>
+            </a:r>
+          </a:p>
+        </p:txBody>
+      </p:sp>
+      <p:pic>
+        <p:nvPicPr>
+          <p:cNvPr id="10" name="Imagem 9">
+            <a:extLst>
+              <a:ext uri="{FF2B5EF4-FFF2-40B4-BE49-F238E27FC236}">
+                <a16:creationId xmlns:a16="http://schemas.microsoft.com/office/drawing/2014/main" id="{641BE21B-644C-A5E7-017E-3EC70D9A16BB}"/>
+              </a:ext>
+            </a:extLst>
+          </p:cNvPr>
+          <p:cNvPicPr>
+            <a:picLocks noChangeAspect="1"/>
+          </p:cNvPicPr>
+          <p:nvPr/>
+        </p:nvPicPr>
+        <p:blipFill>
+          <a:blip r:embed="rId2"/>
+          <a:stretch>
+            <a:fillRect/>
+          </a:stretch>
+        </p:blipFill>
+        <p:spPr>
+          <a:xfrm>
+            <a:off x="4510796" y="2288240"/>
+            <a:ext cx="2541757" cy="2418044"/>
+          </a:xfrm>
+          <a:prstGeom prst="rect">
+            <a:avLst/>
+          </a:prstGeom>
+          <a:ln>
+            <a:noFill/>
+          </a:ln>
+          <a:effectLst>
+            <a:softEdge rad="112500"/>
+          </a:effectLst>
+        </p:spPr>
+      </p:pic>
+    </p:spTree>
+    <p:extLst>
+      <p:ext uri="{BB962C8B-B14F-4D97-AF65-F5344CB8AC3E}">
+        <p14:creationId xmlns:p14="http://schemas.microsoft.com/office/powerpoint/2010/main" val="2531184178"/>
+      </p:ext>
+    </p:extLst>
+  </p:cSld>
+  <p:clrMapOvr>
+    <a:masterClrMapping/>
+  </p:clrMapOvr>
+  <mc:AlternateContent xmlns:mc="http://schemas.openxmlformats.org/markup-compatibility/2006" xmlns:p14="http://schemas.microsoft.com/office/powerpoint/2010/main">
+    <mc:Choice Requires="p14">
+      <p:transition spd="med" p14:dur="700">
+        <p:fade/>
+      </p:transition>
+    </mc:Choice>
+    <mc:Fallback xmlns="">
+      <p:transition spd="med">
+        <p:fade/>
+      </p:transition>
+    </mc:Fallback>
+  </mc:AlternateContent>
+</p:sld>
+</file>
+
+<file path=ppt/slides/slide13.xml><?xml version="1.0" encoding="utf-8"?>
 <p:sld xmlns:a="http://schemas.openxmlformats.org/drawingml/2006/main" xmlns:r="http://schemas.openxmlformats.org/officeDocument/2006/relationships" xmlns:p="http://schemas.openxmlformats.org/presentationml/2006/main">
   <p:cSld>
     <p:spTree>
@@ -27621,7 +25566,1019 @@
 </p:sld>
 </file>
 
-<file path=ppt/slides/slide18.xml><?xml version="1.0" encoding="utf-8"?>
+<file path=ppt/slides/slide14.xml><?xml version="1.0" encoding="utf-8"?>
+<p:sld xmlns:a="http://schemas.openxmlformats.org/drawingml/2006/main" xmlns:r="http://schemas.openxmlformats.org/officeDocument/2006/relationships" xmlns:p="http://schemas.openxmlformats.org/presentationml/2006/main">
+  <p:cSld>
+    <p:spTree>
+      <p:nvGrpSpPr>
+        <p:cNvPr id="1" name=""/>
+        <p:cNvGrpSpPr/>
+        <p:nvPr/>
+      </p:nvGrpSpPr>
+      <p:grpSpPr>
+        <a:xfrm>
+          <a:off x="0" y="0"/>
+          <a:ext cx="0" cy="0"/>
+          <a:chOff x="0" y="0"/>
+          <a:chExt cx="0" cy="0"/>
+        </a:xfrm>
+      </p:grpSpPr>
+      <p:sp>
+        <p:nvSpPr>
+          <p:cNvPr id="5" name="CaixaDeTexto 4">
+            <a:extLst>
+              <a:ext uri="{FF2B5EF4-FFF2-40B4-BE49-F238E27FC236}">
+                <a16:creationId xmlns:a16="http://schemas.microsoft.com/office/drawing/2014/main" id="{8ACDB991-EC5C-F38D-2382-DB6C1328DBFA}"/>
+              </a:ext>
+            </a:extLst>
+          </p:cNvPr>
+          <p:cNvSpPr txBox="1"/>
+          <p:nvPr/>
+        </p:nvSpPr>
+        <p:spPr>
+          <a:xfrm>
+            <a:off x="451338" y="4994564"/>
+            <a:ext cx="10649356" cy="369332"/>
+          </a:xfrm>
+          <a:prstGeom prst="rect">
+            <a:avLst/>
+          </a:prstGeom>
+          <a:noFill/>
+        </p:spPr>
+        <p:txBody>
+          <a:bodyPr wrap="square">
+            <a:spAutoFit/>
+          </a:bodyPr>
+          <a:lstStyle/>
+          <a:p>
+            <a:r>
+              <a:rPr lang="pt-BR" dirty="0">
+                <a:solidFill>
+                  <a:schemeClr val="bg1"/>
+                </a:solidFill>
+              </a:rPr>
+              <a:t>https://azure.microsoft.com/pt-br/pricing/details/cognitive-services/openai-service/</a:t>
+            </a:r>
+          </a:p>
+        </p:txBody>
+      </p:sp>
+      <p:sp>
+        <p:nvSpPr>
+          <p:cNvPr id="6" name="Espaço Reservado para Texto 2">
+            <a:extLst>
+              <a:ext uri="{FF2B5EF4-FFF2-40B4-BE49-F238E27FC236}">
+                <a16:creationId xmlns:a16="http://schemas.microsoft.com/office/drawing/2014/main" id="{4241B9D4-4E11-C865-F7EE-C8ADDF366F9D}"/>
+              </a:ext>
+            </a:extLst>
+          </p:cNvPr>
+          <p:cNvSpPr txBox="1">
+            <a:spLocks/>
+          </p:cNvSpPr>
+          <p:nvPr/>
+        </p:nvSpPr>
+        <p:spPr>
+          <a:xfrm>
+            <a:off x="451338" y="803485"/>
+            <a:ext cx="9795376" cy="923330"/>
+          </a:xfrm>
+          <a:prstGeom prst="rect">
+            <a:avLst/>
+          </a:prstGeom>
+        </p:spPr>
+        <p:txBody>
+          <a:bodyPr vert="horz" wrap="square" lIns="0" tIns="91440" rIns="146304" bIns="91440" rtlCol="0">
+            <a:spAutoFit/>
+          </a:bodyPr>
+          <a:lstStyle>
+            <a:lvl1pPr marL="0" marR="0" indent="0" algn="l" defTabSz="932742" rtl="0" eaLnBrk="1" fontAlgn="auto" latinLnBrk="0" hangingPunct="1">
+              <a:lnSpc>
+                <a:spcPct val="100000"/>
+              </a:lnSpc>
+              <a:spcBef>
+                <a:spcPts val="0"/>
+              </a:spcBef>
+              <a:spcAft>
+                <a:spcPts val="0"/>
+              </a:spcAft>
+              <a:buClrTx/>
+              <a:buSzPct val="90000"/>
+              <a:buFont typeface="Wingdings" panose="05000000000000000000" pitchFamily="2" charset="2"/>
+              <a:buNone/>
+              <a:tabLst/>
+              <a:defRPr sz="1800" kern="1200" spc="-50" baseline="0">
+                <a:solidFill>
+                  <a:schemeClr val="bg2"/>
+                </a:solidFill>
+                <a:latin typeface="+mj-lt"/>
+                <a:ea typeface="+mn-ea"/>
+                <a:cs typeface="+mn-cs"/>
+              </a:defRPr>
+            </a:lvl1pPr>
+            <a:lvl2pPr marL="0" marR="0" indent="0" algn="l" defTabSz="932742" rtl="0" eaLnBrk="1" fontAlgn="auto" latinLnBrk="0" hangingPunct="1">
+              <a:lnSpc>
+                <a:spcPct val="100000"/>
+              </a:lnSpc>
+              <a:spcBef>
+                <a:spcPts val="0"/>
+              </a:spcBef>
+              <a:spcAft>
+                <a:spcPts val="0"/>
+              </a:spcAft>
+              <a:buClrTx/>
+              <a:buSzPct val="90000"/>
+              <a:buFontTx/>
+              <a:buNone/>
+              <a:tabLst/>
+              <a:defRPr sz="1800" kern="1200" spc="0" baseline="0">
+                <a:solidFill>
+                  <a:srgbClr val="000000"/>
+                </a:solidFill>
+                <a:latin typeface="+mn-lt"/>
+                <a:ea typeface="+mn-ea"/>
+                <a:cs typeface="+mn-cs"/>
+              </a:defRPr>
+            </a:lvl2pPr>
+            <a:lvl3pPr marL="0" marR="0" indent="0" algn="l" defTabSz="932742" rtl="0" eaLnBrk="1" fontAlgn="auto" latinLnBrk="0" hangingPunct="1">
+              <a:lnSpc>
+                <a:spcPct val="100000"/>
+              </a:lnSpc>
+              <a:spcBef>
+                <a:spcPts val="0"/>
+              </a:spcBef>
+              <a:spcAft>
+                <a:spcPts val="0"/>
+              </a:spcAft>
+              <a:buClrTx/>
+              <a:buSzPct val="90000"/>
+              <a:buFont typeface="Wingdings" panose="05000000000000000000" pitchFamily="2" charset="2"/>
+              <a:buNone/>
+              <a:tabLst/>
+              <a:defRPr sz="1400" kern="1200" spc="0" baseline="0">
+                <a:solidFill>
+                  <a:schemeClr val="tx2"/>
+                </a:solidFill>
+                <a:latin typeface="+mj-lt"/>
+                <a:ea typeface="+mn-ea"/>
+                <a:cs typeface="+mn-cs"/>
+              </a:defRPr>
+            </a:lvl3pPr>
+            <a:lvl4pPr marL="0" marR="0" indent="0" algn="l" defTabSz="932742" rtl="0" eaLnBrk="1" fontAlgn="auto" latinLnBrk="0" hangingPunct="1">
+              <a:lnSpc>
+                <a:spcPct val="100000"/>
+              </a:lnSpc>
+              <a:spcBef>
+                <a:spcPts val="0"/>
+              </a:spcBef>
+              <a:spcAft>
+                <a:spcPts val="0"/>
+              </a:spcAft>
+              <a:buClrTx/>
+              <a:buSzPct val="90000"/>
+              <a:buFont typeface="Wingdings" panose="05000000000000000000" pitchFamily="2" charset="2"/>
+              <a:buNone/>
+              <a:tabLst/>
+              <a:defRPr sz="1400" kern="1200" spc="0" baseline="0">
+                <a:solidFill>
+                  <a:srgbClr val="000000"/>
+                </a:solidFill>
+                <a:latin typeface="+mn-lt"/>
+                <a:ea typeface="+mn-ea"/>
+                <a:cs typeface="+mn-cs"/>
+              </a:defRPr>
+            </a:lvl4pPr>
+            <a:lvl5pPr marL="0" marR="0" indent="0" algn="l" defTabSz="932742" rtl="0" eaLnBrk="1" fontAlgn="auto" latinLnBrk="0" hangingPunct="1">
+              <a:lnSpc>
+                <a:spcPct val="100000"/>
+              </a:lnSpc>
+              <a:spcBef>
+                <a:spcPts val="0"/>
+              </a:spcBef>
+              <a:spcAft>
+                <a:spcPts val="0"/>
+              </a:spcAft>
+              <a:buClrTx/>
+              <a:buSzPct val="90000"/>
+              <a:buFont typeface="Wingdings" panose="05000000000000000000" pitchFamily="2" charset="2"/>
+              <a:buNone/>
+              <a:tabLst/>
+              <a:defRPr sz="1050" b="1" kern="1200" spc="0" baseline="0">
+                <a:solidFill>
+                  <a:srgbClr val="000000"/>
+                </a:solidFill>
+                <a:latin typeface="+mn-lt"/>
+                <a:ea typeface="+mn-ea"/>
+                <a:cs typeface="+mn-cs"/>
+              </a:defRPr>
+            </a:lvl5pPr>
+            <a:lvl6pPr marL="2331854" indent="0" algn="l" defTabSz="932742" rtl="0" eaLnBrk="1" latinLnBrk="0" hangingPunct="1">
+              <a:spcBef>
+                <a:spcPct val="20000"/>
+              </a:spcBef>
+              <a:buFont typeface="Arial" pitchFamily="34" charset="0"/>
+              <a:buNone/>
+              <a:defRPr sz="2000" kern="1200">
+                <a:solidFill>
+                  <a:schemeClr val="tx1"/>
+                </a:solidFill>
+                <a:latin typeface="+mn-lt"/>
+                <a:ea typeface="+mn-ea"/>
+                <a:cs typeface="+mn-cs"/>
+              </a:defRPr>
+            </a:lvl6pPr>
+            <a:lvl7pPr marL="0" indent="0" algn="l" defTabSz="932742" rtl="0" eaLnBrk="1" latinLnBrk="0" hangingPunct="1">
+              <a:lnSpc>
+                <a:spcPct val="100000"/>
+              </a:lnSpc>
+              <a:spcBef>
+                <a:spcPts val="0"/>
+              </a:spcBef>
+              <a:spcAft>
+                <a:spcPts val="0"/>
+              </a:spcAft>
+              <a:buFont typeface="Arial" pitchFamily="34" charset="0"/>
+              <a:buNone/>
+              <a:defRPr sz="1000" kern="1200">
+                <a:solidFill>
+                  <a:srgbClr val="000000"/>
+                </a:solidFill>
+                <a:latin typeface="+mn-lt"/>
+                <a:ea typeface="+mn-ea"/>
+                <a:cs typeface="+mn-cs"/>
+              </a:defRPr>
+            </a:lvl7pPr>
+            <a:lvl8pPr marL="3497783" indent="-233186" algn="l" defTabSz="932742" rtl="0" eaLnBrk="1" latinLnBrk="0" hangingPunct="1">
+              <a:spcBef>
+                <a:spcPct val="20000"/>
+              </a:spcBef>
+              <a:buFont typeface="Arial" pitchFamily="34" charset="0"/>
+              <a:buChar char="•"/>
+              <a:defRPr sz="2000" kern="1200">
+                <a:solidFill>
+                  <a:schemeClr val="tx1"/>
+                </a:solidFill>
+                <a:latin typeface="+mn-lt"/>
+                <a:ea typeface="+mn-ea"/>
+                <a:cs typeface="+mn-cs"/>
+              </a:defRPr>
+            </a:lvl8pPr>
+            <a:lvl9pPr marL="3964155" indent="-233186" algn="l" defTabSz="932742" rtl="0" eaLnBrk="1" latinLnBrk="0" hangingPunct="1">
+              <a:spcBef>
+                <a:spcPct val="20000"/>
+              </a:spcBef>
+              <a:buFont typeface="Arial" pitchFamily="34" charset="0"/>
+              <a:buChar char="•"/>
+              <a:defRPr sz="2000" kern="1200">
+                <a:solidFill>
+                  <a:schemeClr val="tx1"/>
+                </a:solidFill>
+                <a:latin typeface="+mn-lt"/>
+                <a:ea typeface="+mn-ea"/>
+                <a:cs typeface="+mn-cs"/>
+              </a:defRPr>
+            </a:lvl9pPr>
+          </a:lstStyle>
+          <a:p>
+            <a:r>
+              <a:rPr lang="pt-BR" sz="4800" dirty="0"/>
+              <a:t>Custos</a:t>
+            </a:r>
+          </a:p>
+        </p:txBody>
+      </p:sp>
+      <p:pic>
+        <p:nvPicPr>
+          <p:cNvPr id="3" name="Imagem 2">
+            <a:extLst>
+              <a:ext uri="{FF2B5EF4-FFF2-40B4-BE49-F238E27FC236}">
+                <a16:creationId xmlns:a16="http://schemas.microsoft.com/office/drawing/2014/main" id="{4F8DB885-E259-04C3-76DA-76A24DD6F6DC}"/>
+              </a:ext>
+            </a:extLst>
+          </p:cNvPr>
+          <p:cNvPicPr>
+            <a:picLocks noChangeAspect="1"/>
+          </p:cNvPicPr>
+          <p:nvPr/>
+        </p:nvPicPr>
+        <p:blipFill>
+          <a:blip r:embed="rId3"/>
+          <a:stretch>
+            <a:fillRect/>
+          </a:stretch>
+        </p:blipFill>
+        <p:spPr>
+          <a:xfrm>
+            <a:off x="4557455" y="2142478"/>
+            <a:ext cx="2925037" cy="2711623"/>
+          </a:xfrm>
+          <a:prstGeom prst="rect">
+            <a:avLst/>
+          </a:prstGeom>
+          <a:ln>
+            <a:noFill/>
+          </a:ln>
+          <a:effectLst>
+            <a:softEdge rad="112500"/>
+          </a:effectLst>
+        </p:spPr>
+      </p:pic>
+    </p:spTree>
+    <p:extLst>
+      <p:ext uri="{BB962C8B-B14F-4D97-AF65-F5344CB8AC3E}">
+        <p14:creationId xmlns:p14="http://schemas.microsoft.com/office/powerpoint/2010/main" val="2895380450"/>
+      </p:ext>
+    </p:extLst>
+  </p:cSld>
+  <p:clrMapOvr>
+    <a:masterClrMapping/>
+  </p:clrMapOvr>
+  <mc:AlternateContent xmlns:mc="http://schemas.openxmlformats.org/markup-compatibility/2006" xmlns:p14="http://schemas.microsoft.com/office/powerpoint/2010/main">
+    <mc:Choice Requires="p14">
+      <p:transition spd="med" p14:dur="700">
+        <p:fade/>
+      </p:transition>
+    </mc:Choice>
+    <mc:Fallback xmlns="">
+      <p:transition spd="med">
+        <p:fade/>
+      </p:transition>
+    </mc:Fallback>
+  </mc:AlternateContent>
+</p:sld>
+</file>
+
+<file path=ppt/slides/slide15.xml><?xml version="1.0" encoding="utf-8"?>
+<p:sld xmlns:a="http://schemas.openxmlformats.org/drawingml/2006/main" xmlns:r="http://schemas.openxmlformats.org/officeDocument/2006/relationships" xmlns:p="http://schemas.openxmlformats.org/presentationml/2006/main">
+  <p:cSld>
+    <p:spTree>
+      <p:nvGrpSpPr>
+        <p:cNvPr id="1" name=""/>
+        <p:cNvGrpSpPr/>
+        <p:nvPr/>
+      </p:nvGrpSpPr>
+      <p:grpSpPr>
+        <a:xfrm>
+          <a:off x="0" y="0"/>
+          <a:ext cx="0" cy="0"/>
+          <a:chOff x="0" y="0"/>
+          <a:chExt cx="0" cy="0"/>
+        </a:xfrm>
+      </p:grpSpPr>
+      <p:sp>
+        <p:nvSpPr>
+          <p:cNvPr id="5" name="CaixaDeTexto 4">
+            <a:extLst>
+              <a:ext uri="{FF2B5EF4-FFF2-40B4-BE49-F238E27FC236}">
+                <a16:creationId xmlns:a16="http://schemas.microsoft.com/office/drawing/2014/main" id="{8ACDB991-EC5C-F38D-2382-DB6C1328DBFA}"/>
+              </a:ext>
+            </a:extLst>
+          </p:cNvPr>
+          <p:cNvSpPr txBox="1"/>
+          <p:nvPr/>
+        </p:nvSpPr>
+        <p:spPr>
+          <a:xfrm>
+            <a:off x="372638" y="876549"/>
+            <a:ext cx="10739336" cy="3046988"/>
+          </a:xfrm>
+          <a:prstGeom prst="rect">
+            <a:avLst/>
+          </a:prstGeom>
+          <a:noFill/>
+        </p:spPr>
+        <p:txBody>
+          <a:bodyPr wrap="square">
+            <a:spAutoFit/>
+          </a:bodyPr>
+          <a:lstStyle/>
+          <a:p>
+            <a:r>
+              <a:rPr lang="pt-BR" sz="4800" spc="-50" dirty="0">
+                <a:solidFill>
+                  <a:schemeClr val="bg2"/>
+                </a:solidFill>
+                <a:latin typeface="+mj-lt"/>
+              </a:rPr>
+              <a:t>Token</a:t>
+            </a:r>
+          </a:p>
+          <a:p>
+            <a:endParaRPr lang="pt-BR" sz="2400" dirty="0">
+              <a:solidFill>
+                <a:schemeClr val="bg1"/>
+              </a:solidFill>
+            </a:endParaRPr>
+          </a:p>
+          <a:p>
+            <a:endParaRPr lang="pt-BR" sz="2400" dirty="0">
+              <a:solidFill>
+                <a:schemeClr val="bg1"/>
+              </a:solidFill>
+            </a:endParaRPr>
+          </a:p>
+          <a:p>
+            <a:endParaRPr lang="pt-BR" sz="2400" dirty="0">
+              <a:solidFill>
+                <a:schemeClr val="bg1"/>
+              </a:solidFill>
+            </a:endParaRPr>
+          </a:p>
+          <a:p>
+            <a:endParaRPr lang="pt-BR" sz="2400" dirty="0">
+              <a:solidFill>
+                <a:schemeClr val="bg1"/>
+              </a:solidFill>
+            </a:endParaRPr>
+          </a:p>
+          <a:p>
+            <a:endParaRPr lang="pt-BR" sz="2400" dirty="0">
+              <a:solidFill>
+                <a:schemeClr val="bg1"/>
+              </a:solidFill>
+            </a:endParaRPr>
+          </a:p>
+          <a:p>
+            <a:endParaRPr lang="pt-BR" sz="2400" dirty="0">
+              <a:solidFill>
+                <a:schemeClr val="bg1"/>
+              </a:solidFill>
+            </a:endParaRPr>
+          </a:p>
+        </p:txBody>
+      </p:sp>
+      <p:sp>
+        <p:nvSpPr>
+          <p:cNvPr id="2" name="Rectangle 1">
+            <a:extLst>
+              <a:ext uri="{FF2B5EF4-FFF2-40B4-BE49-F238E27FC236}">
+                <a16:creationId xmlns:a16="http://schemas.microsoft.com/office/drawing/2014/main" id="{957F678A-9EBD-608F-8309-E2A1ED260534}"/>
+              </a:ext>
+            </a:extLst>
+          </p:cNvPr>
+          <p:cNvSpPr>
+            <a:spLocks noChangeArrowheads="1"/>
+          </p:cNvSpPr>
+          <p:nvPr/>
+        </p:nvSpPr>
+        <p:spPr bwMode="auto">
+          <a:xfrm>
+            <a:off x="372638" y="1695779"/>
+            <a:ext cx="10963258" cy="4455515"/>
+          </a:xfrm>
+          <a:prstGeom prst="rect">
+            <a:avLst/>
+          </a:prstGeom>
+          <a:noFill/>
+          <a:ln>
+            <a:noFill/>
+          </a:ln>
+          <a:effectLst/>
+          <a:extLst>
+            <a:ext uri="{909E8E84-426E-40DD-AFC4-6F175D3DCCD1}">
+              <a14:hiddenFill xmlns:a14="http://schemas.microsoft.com/office/drawing/2010/main">
+                <a:solidFill>
+                  <a:schemeClr val="accent1"/>
+                </a:solidFill>
+              </a14:hiddenFill>
+            </a:ext>
+            <a:ext uri="{91240B29-F687-4F45-9708-019B960494DF}">
+              <a14:hiddenLine xmlns:a14="http://schemas.microsoft.com/office/drawing/2010/main" w="9525">
+                <a:solidFill>
+                  <a:schemeClr val="tx1"/>
+                </a:solidFill>
+                <a:miter lim="800000"/>
+                <a:headEnd/>
+                <a:tailEnd/>
+              </a14:hiddenLine>
+            </a:ext>
+            <a:ext uri="{AF507438-7753-43E0-B8FC-AC1667EBCBE1}">
+              <a14:hiddenEffects xmlns:a14="http://schemas.microsoft.com/office/drawing/2010/main">
+                <a:effectLst>
+                  <a:outerShdw dist="35921" dir="2700000" algn="ctr" rotWithShape="0">
+                    <a:schemeClr val="bg2"/>
+                  </a:outerShdw>
+                </a:effectLst>
+              </a14:hiddenEffects>
+            </a:ext>
+          </a:extLst>
+        </p:spPr>
+        <p:txBody>
+          <a:bodyPr vert="horz" wrap="none" lIns="91440" tIns="45720" rIns="91440" bIns="45720" numCol="1" anchor="ctr" anchorCtr="0" compatLnSpc="1">
+            <a:prstTxWarp prst="textNoShape">
+              <a:avLst/>
+            </a:prstTxWarp>
+            <a:spAutoFit/>
+          </a:bodyPr>
+          <a:lstStyle>
+            <a:lvl1pPr eaLnBrk="0" fontAlgn="base" hangingPunct="0">
+              <a:spcBef>
+                <a:spcPct val="0"/>
+              </a:spcBef>
+              <a:spcAft>
+                <a:spcPct val="0"/>
+              </a:spcAft>
+              <a:defRPr>
+                <a:solidFill>
+                  <a:schemeClr val="tx1"/>
+                </a:solidFill>
+                <a:latin typeface="Arial" panose="020B0604020202020204" pitchFamily="34" charset="0"/>
+              </a:defRPr>
+            </a:lvl1pPr>
+            <a:lvl2pPr marL="457200" eaLnBrk="0" fontAlgn="base" hangingPunct="0">
+              <a:spcBef>
+                <a:spcPct val="0"/>
+              </a:spcBef>
+              <a:spcAft>
+                <a:spcPct val="0"/>
+              </a:spcAft>
+              <a:defRPr>
+                <a:solidFill>
+                  <a:schemeClr val="tx1"/>
+                </a:solidFill>
+                <a:latin typeface="Arial" panose="020B0604020202020204" pitchFamily="34" charset="0"/>
+              </a:defRPr>
+            </a:lvl2pPr>
+            <a:lvl3pPr marL="914400" eaLnBrk="0" fontAlgn="base" hangingPunct="0">
+              <a:spcBef>
+                <a:spcPct val="0"/>
+              </a:spcBef>
+              <a:spcAft>
+                <a:spcPct val="0"/>
+              </a:spcAft>
+              <a:defRPr>
+                <a:solidFill>
+                  <a:schemeClr val="tx1"/>
+                </a:solidFill>
+                <a:latin typeface="Arial" panose="020B0604020202020204" pitchFamily="34" charset="0"/>
+              </a:defRPr>
+            </a:lvl3pPr>
+            <a:lvl4pPr marL="1371600" eaLnBrk="0" fontAlgn="base" hangingPunct="0">
+              <a:spcBef>
+                <a:spcPct val="0"/>
+              </a:spcBef>
+              <a:spcAft>
+                <a:spcPct val="0"/>
+              </a:spcAft>
+              <a:defRPr>
+                <a:solidFill>
+                  <a:schemeClr val="tx1"/>
+                </a:solidFill>
+                <a:latin typeface="Arial" panose="020B0604020202020204" pitchFamily="34" charset="0"/>
+              </a:defRPr>
+            </a:lvl4pPr>
+            <a:lvl5pPr marL="1828800" eaLnBrk="0" fontAlgn="base" hangingPunct="0">
+              <a:spcBef>
+                <a:spcPct val="0"/>
+              </a:spcBef>
+              <a:spcAft>
+                <a:spcPct val="0"/>
+              </a:spcAft>
+              <a:defRPr>
+                <a:solidFill>
+                  <a:schemeClr val="tx1"/>
+                </a:solidFill>
+                <a:latin typeface="Arial" panose="020B0604020202020204" pitchFamily="34" charset="0"/>
+              </a:defRPr>
+            </a:lvl5pPr>
+            <a:lvl6pPr marL="2286000" eaLnBrk="0" fontAlgn="base" hangingPunct="0">
+              <a:spcBef>
+                <a:spcPct val="0"/>
+              </a:spcBef>
+              <a:spcAft>
+                <a:spcPct val="0"/>
+              </a:spcAft>
+              <a:defRPr>
+                <a:solidFill>
+                  <a:schemeClr val="tx1"/>
+                </a:solidFill>
+                <a:latin typeface="Arial" panose="020B0604020202020204" pitchFamily="34" charset="0"/>
+              </a:defRPr>
+            </a:lvl6pPr>
+            <a:lvl7pPr marL="2743200" eaLnBrk="0" fontAlgn="base" hangingPunct="0">
+              <a:spcBef>
+                <a:spcPct val="0"/>
+              </a:spcBef>
+              <a:spcAft>
+                <a:spcPct val="0"/>
+              </a:spcAft>
+              <a:defRPr>
+                <a:solidFill>
+                  <a:schemeClr val="tx1"/>
+                </a:solidFill>
+                <a:latin typeface="Arial" panose="020B0604020202020204" pitchFamily="34" charset="0"/>
+              </a:defRPr>
+            </a:lvl7pPr>
+            <a:lvl8pPr marL="3200400" eaLnBrk="0" fontAlgn="base" hangingPunct="0">
+              <a:spcBef>
+                <a:spcPct val="0"/>
+              </a:spcBef>
+              <a:spcAft>
+                <a:spcPct val="0"/>
+              </a:spcAft>
+              <a:defRPr>
+                <a:solidFill>
+                  <a:schemeClr val="tx1"/>
+                </a:solidFill>
+                <a:latin typeface="Arial" panose="020B0604020202020204" pitchFamily="34" charset="0"/>
+              </a:defRPr>
+            </a:lvl8pPr>
+            <a:lvl9pPr marL="3657600" eaLnBrk="0" fontAlgn="base" hangingPunct="0">
+              <a:spcBef>
+                <a:spcPct val="0"/>
+              </a:spcBef>
+              <a:spcAft>
+                <a:spcPct val="0"/>
+              </a:spcAft>
+              <a:defRPr>
+                <a:solidFill>
+                  <a:schemeClr val="tx1"/>
+                </a:solidFill>
+                <a:latin typeface="Arial" panose="020B0604020202020204" pitchFamily="34" charset="0"/>
+              </a:defRPr>
+            </a:lvl9pPr>
+          </a:lstStyle>
+          <a:p>
+            <a:pPr marL="0" marR="0" lvl="0" indent="0" algn="l" defTabSz="914400" rtl="0" eaLnBrk="0" fontAlgn="base" latinLnBrk="0" hangingPunct="0">
+              <a:lnSpc>
+                <a:spcPct val="150000"/>
+              </a:lnSpc>
+              <a:spcBef>
+                <a:spcPct val="0"/>
+              </a:spcBef>
+              <a:spcAft>
+                <a:spcPct val="0"/>
+              </a:spcAft>
+              <a:buClrTx/>
+              <a:buSzTx/>
+              <a:buFontTx/>
+              <a:buNone/>
+              <a:tabLst/>
+            </a:pPr>
+            <a:r>
+              <a:rPr kumimoji="0" lang="pt-BR" altLang="pt-BR" sz="1200" b="0" i="0" u="none" strike="noStrike" cap="none" normalizeH="0" baseline="0" dirty="0">
+                <a:ln>
+                  <a:noFill/>
+                </a:ln>
+                <a:solidFill>
+                  <a:srgbClr val="161616"/>
+                </a:solidFill>
+                <a:effectLst/>
+                <a:latin typeface="Segoe UI" panose="020B0502040204020203" pitchFamily="34" charset="0"/>
+                <a:cs typeface="Segoe UI" panose="020B0502040204020203" pitchFamily="34" charset="0"/>
+              </a:rPr>
+              <a:t> </a:t>
+            </a:r>
+            <a:r>
+              <a:rPr lang="pt-BR" altLang="pt-BR" sz="2400" dirty="0">
+                <a:solidFill>
+                  <a:schemeClr val="bg1"/>
+                </a:solidFill>
+                <a:latin typeface="+mn-lt"/>
+              </a:rPr>
+              <a:t>Por exemplo, a palavra "hambúrguer" é dividida nos tokens </a:t>
+            </a:r>
+            <a:r>
+              <a:rPr lang="pt-BR" altLang="pt-BR" sz="2400" dirty="0" err="1">
+                <a:solidFill>
+                  <a:schemeClr val="bg1"/>
+                </a:solidFill>
+                <a:latin typeface="+mn-lt"/>
+              </a:rPr>
+              <a:t>ham</a:t>
+            </a:r>
+            <a:r>
+              <a:rPr lang="pt-BR" altLang="pt-BR" sz="2400" dirty="0">
+                <a:solidFill>
+                  <a:schemeClr val="bg1"/>
+                </a:solidFill>
+                <a:latin typeface="+mn-lt"/>
+              </a:rPr>
+              <a:t>, </a:t>
+            </a:r>
+            <a:r>
+              <a:rPr lang="pt-BR" altLang="pt-BR" sz="2400" dirty="0" err="1">
+                <a:solidFill>
+                  <a:schemeClr val="bg1"/>
+                </a:solidFill>
+                <a:latin typeface="+mn-lt"/>
+              </a:rPr>
+              <a:t>bur</a:t>
+            </a:r>
+            <a:r>
+              <a:rPr lang="pt-BR" altLang="pt-BR" sz="2400" dirty="0">
+                <a:solidFill>
+                  <a:schemeClr val="bg1"/>
+                </a:solidFill>
+                <a:latin typeface="+mn-lt"/>
+              </a:rPr>
+              <a:t> e </a:t>
+            </a:r>
+            <a:r>
+              <a:rPr lang="pt-BR" altLang="pt-BR" sz="2400" dirty="0" err="1">
+                <a:solidFill>
+                  <a:schemeClr val="bg1"/>
+                </a:solidFill>
+                <a:latin typeface="+mn-lt"/>
+              </a:rPr>
+              <a:t>ger</a:t>
+            </a:r>
+            <a:r>
+              <a:rPr lang="pt-BR" altLang="pt-BR" sz="2400" dirty="0">
+                <a:solidFill>
+                  <a:schemeClr val="bg1"/>
+                </a:solidFill>
+                <a:latin typeface="+mn-lt"/>
+              </a:rPr>
+              <a:t>, </a:t>
+            </a:r>
+          </a:p>
+          <a:p>
+            <a:pPr marL="0" marR="0" lvl="0" indent="0" algn="l" defTabSz="914400" rtl="0" eaLnBrk="0" fontAlgn="base" latinLnBrk="0" hangingPunct="0">
+              <a:lnSpc>
+                <a:spcPct val="150000"/>
+              </a:lnSpc>
+              <a:spcBef>
+                <a:spcPct val="0"/>
+              </a:spcBef>
+              <a:spcAft>
+                <a:spcPct val="0"/>
+              </a:spcAft>
+              <a:buClrTx/>
+              <a:buSzTx/>
+              <a:buFontTx/>
+              <a:buNone/>
+              <a:tabLst/>
+            </a:pPr>
+            <a:r>
+              <a:rPr lang="pt-BR" altLang="pt-BR" sz="2400" dirty="0">
+                <a:solidFill>
+                  <a:schemeClr val="bg1"/>
+                </a:solidFill>
+                <a:latin typeface="+mn-lt"/>
+              </a:rPr>
+              <a:t>enquanto uma palavras curtas e comuns como “Pera, </a:t>
+            </a:r>
+            <a:r>
+              <a:rPr lang="pt-BR" sz="2400" dirty="0">
+                <a:solidFill>
+                  <a:schemeClr val="bg1"/>
+                </a:solidFill>
+              </a:rPr>
+              <a:t>Pará</a:t>
+            </a:r>
+            <a:r>
+              <a:rPr lang="pt-BR" altLang="pt-BR" sz="2400" dirty="0">
+                <a:solidFill>
+                  <a:schemeClr val="bg1"/>
+                </a:solidFill>
+                <a:latin typeface="+mn-lt"/>
+              </a:rPr>
+              <a:t>" é um único token</a:t>
+            </a:r>
+          </a:p>
+          <a:p>
+            <a:pPr marL="0" marR="0" lvl="0" indent="0" algn="l" defTabSz="914400" rtl="0" eaLnBrk="0" fontAlgn="base" latinLnBrk="0" hangingPunct="0">
+              <a:lnSpc>
+                <a:spcPct val="150000"/>
+              </a:lnSpc>
+              <a:spcBef>
+                <a:spcPct val="0"/>
+              </a:spcBef>
+              <a:spcAft>
+                <a:spcPct val="0"/>
+              </a:spcAft>
+              <a:buClrTx/>
+              <a:buSzTx/>
+              <a:buFontTx/>
+              <a:buNone/>
+              <a:tabLst/>
+            </a:pPr>
+            <a:endParaRPr lang="pt-BR" altLang="pt-BR" sz="2400" dirty="0">
+              <a:solidFill>
+                <a:schemeClr val="bg1"/>
+              </a:solidFill>
+              <a:latin typeface="+mn-lt"/>
+            </a:endParaRPr>
+          </a:p>
+          <a:p>
+            <a:pPr marL="0" marR="0" lvl="0" indent="0" algn="l" defTabSz="914400" rtl="0" eaLnBrk="0" fontAlgn="base" latinLnBrk="0" hangingPunct="0">
+              <a:lnSpc>
+                <a:spcPct val="150000"/>
+              </a:lnSpc>
+              <a:spcBef>
+                <a:spcPct val="0"/>
+              </a:spcBef>
+              <a:spcAft>
+                <a:spcPct val="0"/>
+              </a:spcAft>
+              <a:buClrTx/>
+              <a:buSzTx/>
+              <a:buFontTx/>
+              <a:buNone/>
+              <a:tabLst/>
+            </a:pPr>
+            <a:endParaRPr lang="pt-BR" altLang="pt-BR" sz="2400" dirty="0">
+              <a:solidFill>
+                <a:schemeClr val="bg1"/>
+              </a:solidFill>
+              <a:latin typeface="+mn-lt"/>
+            </a:endParaRPr>
+          </a:p>
+          <a:p>
+            <a:pPr marL="0" marR="0" lvl="0" indent="0" algn="l" defTabSz="914400" rtl="0" eaLnBrk="0" fontAlgn="base" latinLnBrk="0" hangingPunct="0">
+              <a:lnSpc>
+                <a:spcPct val="150000"/>
+              </a:lnSpc>
+              <a:spcBef>
+                <a:spcPct val="0"/>
+              </a:spcBef>
+              <a:spcAft>
+                <a:spcPct val="0"/>
+              </a:spcAft>
+              <a:buClrTx/>
+              <a:buSzTx/>
+              <a:buFontTx/>
+              <a:buNone/>
+              <a:tabLst/>
+            </a:pPr>
+            <a:endParaRPr lang="pt-BR" altLang="pt-BR" sz="2400" dirty="0">
+              <a:solidFill>
+                <a:schemeClr val="bg1"/>
+              </a:solidFill>
+              <a:latin typeface="+mn-lt"/>
+            </a:endParaRPr>
+          </a:p>
+          <a:p>
+            <a:pPr marL="0" marR="0" lvl="0" indent="0" algn="l" defTabSz="914400" rtl="0" eaLnBrk="0" fontAlgn="base" latinLnBrk="0" hangingPunct="0">
+              <a:lnSpc>
+                <a:spcPct val="150000"/>
+              </a:lnSpc>
+              <a:spcBef>
+                <a:spcPct val="0"/>
+              </a:spcBef>
+              <a:spcAft>
+                <a:spcPct val="0"/>
+              </a:spcAft>
+              <a:buClrTx/>
+              <a:buSzTx/>
+              <a:buFontTx/>
+              <a:buNone/>
+              <a:tabLst/>
+            </a:pPr>
+            <a:endParaRPr lang="pt-BR" altLang="pt-BR" sz="2400" dirty="0">
+              <a:solidFill>
+                <a:schemeClr val="bg1"/>
+              </a:solidFill>
+              <a:latin typeface="+mn-lt"/>
+            </a:endParaRPr>
+          </a:p>
+          <a:p>
+            <a:pPr marL="0" marR="0" lvl="0" indent="0" algn="l" defTabSz="914400" rtl="0" eaLnBrk="0" fontAlgn="base" latinLnBrk="0" hangingPunct="0">
+              <a:lnSpc>
+                <a:spcPct val="150000"/>
+              </a:lnSpc>
+              <a:spcBef>
+                <a:spcPct val="0"/>
+              </a:spcBef>
+              <a:spcAft>
+                <a:spcPct val="0"/>
+              </a:spcAft>
+              <a:buClrTx/>
+              <a:buSzTx/>
+              <a:buFontTx/>
+              <a:buNone/>
+              <a:tabLst/>
+            </a:pPr>
+            <a:r>
+              <a:rPr lang="pt-BR" altLang="pt-BR" sz="2400" dirty="0">
+                <a:solidFill>
+                  <a:schemeClr val="bg1"/>
+                </a:solidFill>
+                <a:latin typeface="+mn-lt"/>
+              </a:rPr>
+              <a:t>Fonte: https://learn.microsoft.com/pt-br/training/</a:t>
+            </a:r>
+          </a:p>
+          <a:p>
+            <a:pPr marL="0" marR="0" lvl="0" indent="0" algn="l" defTabSz="914400" rtl="0" eaLnBrk="0" fontAlgn="base" latinLnBrk="0" hangingPunct="0">
+              <a:lnSpc>
+                <a:spcPct val="150000"/>
+              </a:lnSpc>
+              <a:spcBef>
+                <a:spcPct val="0"/>
+              </a:spcBef>
+              <a:spcAft>
+                <a:spcPct val="0"/>
+              </a:spcAft>
+              <a:buClrTx/>
+              <a:buSzTx/>
+              <a:buFontTx/>
+              <a:buNone/>
+              <a:tabLst/>
+            </a:pPr>
+            <a:r>
+              <a:rPr lang="pt-BR" altLang="pt-BR" sz="2400" dirty="0">
+                <a:solidFill>
+                  <a:schemeClr val="bg1"/>
+                </a:solidFill>
+                <a:latin typeface="+mn-lt"/>
+              </a:rPr>
+              <a:t>modules/explore-</a:t>
+            </a:r>
+            <a:r>
+              <a:rPr lang="pt-BR" altLang="pt-BR" sz="2400" dirty="0" err="1">
+                <a:solidFill>
+                  <a:schemeClr val="bg1"/>
+                </a:solidFill>
+                <a:latin typeface="+mn-lt"/>
+              </a:rPr>
+              <a:t>azure</a:t>
+            </a:r>
+            <a:r>
+              <a:rPr lang="pt-BR" altLang="pt-BR" sz="2400" dirty="0">
+                <a:solidFill>
+                  <a:schemeClr val="bg1"/>
+                </a:solidFill>
+                <a:latin typeface="+mn-lt"/>
+              </a:rPr>
+              <a:t>-</a:t>
+            </a:r>
+            <a:r>
+              <a:rPr lang="pt-BR" altLang="pt-BR" sz="2400" dirty="0" err="1">
+                <a:solidFill>
+                  <a:schemeClr val="bg1"/>
+                </a:solidFill>
+                <a:latin typeface="+mn-lt"/>
+              </a:rPr>
+              <a:t>openai</a:t>
+            </a:r>
+            <a:r>
+              <a:rPr lang="pt-BR" altLang="pt-BR" sz="2400" dirty="0">
+                <a:solidFill>
+                  <a:schemeClr val="bg1"/>
+                </a:solidFill>
+                <a:latin typeface="+mn-lt"/>
+              </a:rPr>
+              <a:t>/5-understand-openai-natural-language</a:t>
+            </a:r>
+          </a:p>
+        </p:txBody>
+      </p:sp>
+      <p:pic>
+        <p:nvPicPr>
+          <p:cNvPr id="4" name="Imagem 3">
+            <a:extLst>
+              <a:ext uri="{FF2B5EF4-FFF2-40B4-BE49-F238E27FC236}">
+                <a16:creationId xmlns:a16="http://schemas.microsoft.com/office/drawing/2014/main" id="{43B20A62-C8A7-8891-9DE2-3A0F29931F43}"/>
+              </a:ext>
+            </a:extLst>
+          </p:cNvPr>
+          <p:cNvPicPr>
+            <a:picLocks noChangeAspect="1"/>
+          </p:cNvPicPr>
+          <p:nvPr/>
+        </p:nvPicPr>
+        <p:blipFill>
+          <a:blip r:embed="rId3"/>
+          <a:stretch>
+            <a:fillRect/>
+          </a:stretch>
+        </p:blipFill>
+        <p:spPr>
+          <a:xfrm>
+            <a:off x="372638" y="3233865"/>
+            <a:ext cx="10739336" cy="1743337"/>
+          </a:xfrm>
+          <a:prstGeom prst="rect">
+            <a:avLst/>
+          </a:prstGeom>
+        </p:spPr>
+      </p:pic>
+    </p:spTree>
+    <p:extLst>
+      <p:ext uri="{BB962C8B-B14F-4D97-AF65-F5344CB8AC3E}">
+        <p14:creationId xmlns:p14="http://schemas.microsoft.com/office/powerpoint/2010/main" val="931075014"/>
+      </p:ext>
+    </p:extLst>
+  </p:cSld>
+  <p:clrMapOvr>
+    <a:masterClrMapping/>
+  </p:clrMapOvr>
+  <mc:AlternateContent xmlns:mc="http://schemas.openxmlformats.org/markup-compatibility/2006" xmlns:p14="http://schemas.microsoft.com/office/powerpoint/2010/main">
+    <mc:Choice Requires="p14">
+      <p:transition spd="med" p14:dur="700">
+        <p:fade/>
+      </p:transition>
+    </mc:Choice>
+    <mc:Fallback xmlns="">
+      <p:transition spd="med">
+        <p:fade/>
+      </p:transition>
+    </mc:Fallback>
+  </mc:AlternateContent>
+</p:sld>
+</file>
+
+<file path=ppt/slides/slide16.xml><?xml version="1.0" encoding="utf-8"?>
 <p:sld xmlns:a="http://schemas.openxmlformats.org/drawingml/2006/main" xmlns:r="http://schemas.openxmlformats.org/officeDocument/2006/relationships" xmlns:p="http://schemas.openxmlformats.org/presentationml/2006/main">
   <p:cSld>
     <p:spTree>
@@ -27755,7 +26712,7 @@
 </p:sld>
 </file>
 
-<file path=ppt/slides/slide19.xml><?xml version="1.0" encoding="utf-8"?>
+<file path=ppt/slides/slide17.xml><?xml version="1.0" encoding="utf-8"?>
 <p:sld xmlns:a="http://schemas.openxmlformats.org/drawingml/2006/main" xmlns:r="http://schemas.openxmlformats.org/officeDocument/2006/relationships" xmlns:p="http://schemas.openxmlformats.org/presentationml/2006/main">
   <p:cSld>
     <p:spTree>
@@ -27890,529 +26847,7 @@
 </p:sld>
 </file>
 
-<file path=ppt/slides/slide2.xml><?xml version="1.0" encoding="utf-8"?>
-<p:sld xmlns:a="http://schemas.openxmlformats.org/drawingml/2006/main" xmlns:r="http://schemas.openxmlformats.org/officeDocument/2006/relationships" xmlns:p="http://schemas.openxmlformats.org/presentationml/2006/main">
-  <p:cSld>
-    <p:spTree>
-      <p:nvGrpSpPr>
-        <p:cNvPr id="1" name=""/>
-        <p:cNvGrpSpPr/>
-        <p:nvPr/>
-      </p:nvGrpSpPr>
-      <p:grpSpPr>
-        <a:xfrm>
-          <a:off x="0" y="0"/>
-          <a:ext cx="0" cy="0"/>
-          <a:chOff x="0" y="0"/>
-          <a:chExt cx="0" cy="0"/>
-        </a:xfrm>
-      </p:grpSpPr>
-      <p:sp>
-        <p:nvSpPr>
-          <p:cNvPr id="38" name="Espaço Reservado para Conteúdo 2">
-            <a:extLst>
-              <a:ext uri="{FF2B5EF4-FFF2-40B4-BE49-F238E27FC236}">
-                <a16:creationId xmlns:a16="http://schemas.microsoft.com/office/drawing/2014/main" id="{5FAF7519-8713-40CD-BB85-8A9456666ADD}"/>
-              </a:ext>
-            </a:extLst>
-          </p:cNvPr>
-          <p:cNvSpPr txBox="1">
-            <a:spLocks/>
-          </p:cNvSpPr>
-          <p:nvPr/>
-        </p:nvSpPr>
-        <p:spPr>
-          <a:xfrm>
-            <a:off x="4740104" y="1410096"/>
-            <a:ext cx="7438926" cy="3819537"/>
-          </a:xfrm>
-          <a:prstGeom prst="rect">
-            <a:avLst/>
-          </a:prstGeom>
-        </p:spPr>
-        <p:txBody>
-          <a:bodyPr vert="horz" lIns="91440" tIns="45720" rIns="91440" bIns="45720" rtlCol="0" anchor="t">
-            <a:normAutofit fontScale="85000" lnSpcReduction="20000"/>
-          </a:bodyPr>
-          <a:lstStyle>
-            <a:defPPr>
-              <a:defRPr lang="en-US"/>
-            </a:defPPr>
-            <a:lvl1pPr marL="342900" indent="-342900" defTabSz="914400">
-              <a:lnSpc>
-                <a:spcPct val="90000"/>
-              </a:lnSpc>
-              <a:spcBef>
-                <a:spcPts val="1000"/>
-              </a:spcBef>
-              <a:buFont typeface="Arial" panose="020B0604020202020204" pitchFamily="34" charset="0"/>
-              <a:buChar char="•"/>
-              <a:defRPr sz="2000">
-                <a:latin typeface="Montserrat"/>
-                <a:cs typeface="Arial"/>
-              </a:defRPr>
-            </a:lvl1pPr>
-            <a:lvl2pPr indent="0" algn="ctr" defTabSz="914400">
-              <a:lnSpc>
-                <a:spcPct val="90000"/>
-              </a:lnSpc>
-              <a:spcBef>
-                <a:spcPts val="500"/>
-              </a:spcBef>
-              <a:buFont typeface="Arial" panose="020B0604020202020204" pitchFamily="34" charset="0"/>
-              <a:buNone/>
-              <a:defRPr sz="2000"/>
-            </a:lvl2pPr>
-            <a:lvl3pPr indent="0" algn="ctr" defTabSz="914400">
-              <a:lnSpc>
-                <a:spcPct val="90000"/>
-              </a:lnSpc>
-              <a:spcBef>
-                <a:spcPts val="500"/>
-              </a:spcBef>
-              <a:buFont typeface="Arial" panose="020B0604020202020204" pitchFamily="34" charset="0"/>
-              <a:buNone/>
-            </a:lvl3pPr>
-            <a:lvl4pPr indent="0" algn="ctr" defTabSz="914400">
-              <a:lnSpc>
-                <a:spcPct val="90000"/>
-              </a:lnSpc>
-              <a:spcBef>
-                <a:spcPts val="500"/>
-              </a:spcBef>
-              <a:buFont typeface="Arial" panose="020B0604020202020204" pitchFamily="34" charset="0"/>
-              <a:buNone/>
-              <a:defRPr sz="1600"/>
-            </a:lvl4pPr>
-            <a:lvl5pPr indent="0" algn="ctr" defTabSz="914400">
-              <a:lnSpc>
-                <a:spcPct val="90000"/>
-              </a:lnSpc>
-              <a:spcBef>
-                <a:spcPts val="500"/>
-              </a:spcBef>
-              <a:buFont typeface="Arial" panose="020B0604020202020204" pitchFamily="34" charset="0"/>
-              <a:buNone/>
-              <a:defRPr sz="1600"/>
-            </a:lvl5pPr>
-            <a:lvl6pPr indent="0" algn="ctr" defTabSz="914400">
-              <a:lnSpc>
-                <a:spcPct val="90000"/>
-              </a:lnSpc>
-              <a:spcBef>
-                <a:spcPts val="500"/>
-              </a:spcBef>
-              <a:buFont typeface="Arial" panose="020B0604020202020204" pitchFamily="34" charset="0"/>
-              <a:buNone/>
-              <a:defRPr sz="1600"/>
-            </a:lvl6pPr>
-            <a:lvl7pPr indent="0" algn="ctr" defTabSz="914400">
-              <a:lnSpc>
-                <a:spcPct val="90000"/>
-              </a:lnSpc>
-              <a:spcBef>
-                <a:spcPts val="500"/>
-              </a:spcBef>
-              <a:buFont typeface="Arial" panose="020B0604020202020204" pitchFamily="34" charset="0"/>
-              <a:buNone/>
-              <a:defRPr sz="1600"/>
-            </a:lvl7pPr>
-            <a:lvl8pPr indent="0" algn="ctr" defTabSz="914400">
-              <a:lnSpc>
-                <a:spcPct val="90000"/>
-              </a:lnSpc>
-              <a:spcBef>
-                <a:spcPts val="500"/>
-              </a:spcBef>
-              <a:buFont typeface="Arial" panose="020B0604020202020204" pitchFamily="34" charset="0"/>
-              <a:buNone/>
-              <a:defRPr sz="1600"/>
-            </a:lvl8pPr>
-            <a:lvl9pPr indent="0" algn="ctr" defTabSz="914400">
-              <a:lnSpc>
-                <a:spcPct val="90000"/>
-              </a:lnSpc>
-              <a:spcBef>
-                <a:spcPts val="500"/>
-              </a:spcBef>
-              <a:buFont typeface="Arial" panose="020B0604020202020204" pitchFamily="34" charset="0"/>
-              <a:buNone/>
-              <a:defRPr sz="1600"/>
-            </a:lvl9pPr>
-          </a:lstStyle>
-          <a:p>
-            <a:r>
-              <a:rPr lang="pt-BR" sz="2200" dirty="0">
-                <a:latin typeface="+mn-lt"/>
-              </a:rPr>
-              <a:t>Engenheiro da Computação pela Universidade Positivo</a:t>
-            </a:r>
-          </a:p>
-          <a:p>
-            <a:r>
-              <a:rPr lang="pt-BR" sz="2200" dirty="0">
-                <a:latin typeface="+mn-lt"/>
-              </a:rPr>
-              <a:t>4 anos de Paraná Banco</a:t>
-            </a:r>
-          </a:p>
-          <a:p>
-            <a:r>
-              <a:rPr lang="pt-BR" sz="2200" dirty="0">
-                <a:latin typeface="+mn-lt"/>
-              </a:rPr>
-              <a:t>Pai do Alexandre</a:t>
-            </a:r>
-          </a:p>
-          <a:p>
-            <a:r>
-              <a:rPr lang="pt-BR" sz="2200" dirty="0">
-                <a:latin typeface="+mn-lt"/>
-              </a:rPr>
-              <a:t>Moro em Curitiba desde 2008</a:t>
-            </a:r>
-          </a:p>
-          <a:p>
-            <a:r>
-              <a:rPr lang="pt-BR" sz="2200" dirty="0">
-                <a:latin typeface="+mn-lt"/>
-              </a:rPr>
-              <a:t>Sr. </a:t>
-            </a:r>
-            <a:r>
-              <a:rPr lang="pt-BR" sz="2200" dirty="0" err="1">
-                <a:latin typeface="+mn-lt"/>
-              </a:rPr>
-              <a:t>BackEnd</a:t>
-            </a:r>
-            <a:r>
-              <a:rPr lang="pt-BR" sz="2200" dirty="0">
-                <a:latin typeface="+mn-lt"/>
-              </a:rPr>
-              <a:t> </a:t>
-            </a:r>
-            <a:r>
-              <a:rPr lang="pt-BR" sz="2200" dirty="0" err="1">
-                <a:latin typeface="+mn-lt"/>
-              </a:rPr>
-              <a:t>Developer</a:t>
-            </a:r>
-            <a:r>
-              <a:rPr lang="pt-BR" sz="2200" dirty="0">
-                <a:latin typeface="+mn-lt"/>
-              </a:rPr>
-              <a:t> e </a:t>
-            </a:r>
-            <a:r>
-              <a:rPr lang="pt-BR" sz="2200" dirty="0" err="1">
-                <a:latin typeface="+mn-lt"/>
-              </a:rPr>
-              <a:t>Chapter</a:t>
-            </a:r>
-            <a:r>
-              <a:rPr lang="pt-BR" sz="2200" dirty="0">
-                <a:latin typeface="+mn-lt"/>
-              </a:rPr>
-              <a:t> </a:t>
-            </a:r>
-            <a:r>
-              <a:rPr lang="pt-BR" sz="2200" dirty="0" err="1">
-                <a:latin typeface="+mn-lt"/>
-              </a:rPr>
-              <a:t>leader</a:t>
-            </a:r>
-            <a:r>
-              <a:rPr lang="pt-BR" sz="2200" dirty="0">
-                <a:latin typeface="+mn-lt"/>
-              </a:rPr>
-              <a:t> </a:t>
-            </a:r>
-          </a:p>
-          <a:p>
-            <a:r>
-              <a:rPr lang="pt-BR" sz="2200" dirty="0">
-                <a:latin typeface="+mn-lt"/>
-              </a:rPr>
-              <a:t>Pós graduado em Engenharia de Software pela UP</a:t>
-            </a:r>
-          </a:p>
-          <a:p>
-            <a:r>
-              <a:rPr lang="pt-BR" sz="2200" dirty="0">
-                <a:latin typeface="+mn-lt"/>
-              </a:rPr>
-              <a:t>Pós graduado em Arquitetura de Software pela </a:t>
-            </a:r>
-            <a:r>
-              <a:rPr lang="pt-BR" sz="2200" dirty="0" err="1">
-                <a:latin typeface="+mn-lt"/>
-              </a:rPr>
-              <a:t>XPe</a:t>
-            </a:r>
-            <a:endParaRPr lang="pt-BR" sz="2200" dirty="0">
-              <a:latin typeface="+mn-lt"/>
-            </a:endParaRPr>
-          </a:p>
-          <a:p>
-            <a:r>
-              <a:rPr lang="pt-BR" sz="2200" dirty="0">
-                <a:latin typeface="+mn-lt"/>
-              </a:rPr>
-              <a:t>Certificados 483C#, AZ-900 e SC-900</a:t>
-            </a:r>
-          </a:p>
-          <a:p>
-            <a:r>
-              <a:rPr lang="pt-BR" sz="2200" dirty="0">
-                <a:latin typeface="+mn-lt"/>
-              </a:rPr>
-              <a:t>Amante de Tecnologia</a:t>
-            </a:r>
-            <a:br>
-              <a:rPr lang="pt-BR" sz="2200" dirty="0">
-                <a:latin typeface="+mn-lt"/>
-              </a:rPr>
-            </a:br>
-            <a:br>
-              <a:rPr lang="pt-BR" sz="2200" dirty="0">
-                <a:latin typeface="+mn-lt"/>
-              </a:rPr>
-            </a:br>
-            <a:br>
-              <a:rPr lang="pt-BR" sz="2200" dirty="0">
-                <a:latin typeface="+mn-lt"/>
-              </a:rPr>
-            </a:br>
-            <a:r>
-              <a:rPr lang="pt-BR" sz="2200" dirty="0">
-                <a:latin typeface="+mn-lt"/>
-              </a:rPr>
-              <a:t>***Compartilhar***</a:t>
-            </a:r>
-          </a:p>
-          <a:p>
-            <a:endParaRPr lang="pt-BR" dirty="0"/>
-          </a:p>
-          <a:p>
-            <a:endParaRPr lang="pt-BR" dirty="0"/>
-          </a:p>
-          <a:p>
-            <a:endParaRPr lang="pt-BR" dirty="0"/>
-          </a:p>
-          <a:p>
-            <a:endParaRPr lang="pt-BR" dirty="0"/>
-          </a:p>
-          <a:p>
-            <a:endParaRPr lang="pt-BR" dirty="0"/>
-          </a:p>
-        </p:txBody>
-      </p:sp>
-      <p:sp>
-        <p:nvSpPr>
-          <p:cNvPr id="41" name="Título 1">
-            <a:extLst>
-              <a:ext uri="{FF2B5EF4-FFF2-40B4-BE49-F238E27FC236}">
-                <a16:creationId xmlns:a16="http://schemas.microsoft.com/office/drawing/2014/main" id="{B5C427DB-4D4E-4C34-8798-98B68A898847}"/>
-              </a:ext>
-            </a:extLst>
-          </p:cNvPr>
-          <p:cNvSpPr txBox="1">
-            <a:spLocks/>
-          </p:cNvSpPr>
-          <p:nvPr/>
-        </p:nvSpPr>
-        <p:spPr>
-          <a:xfrm>
-            <a:off x="5648571" y="672279"/>
-            <a:ext cx="3762934" cy="545298"/>
-          </a:xfrm>
-          <a:prstGeom prst="rect">
-            <a:avLst/>
-          </a:prstGeom>
-        </p:spPr>
-        <p:txBody>
-          <a:bodyPr vert="horz" lIns="91440" tIns="45720" rIns="91440" bIns="45720" rtlCol="0" anchor="b">
-            <a:normAutofit lnSpcReduction="10000"/>
-          </a:bodyPr>
-          <a:lstStyle>
-            <a:lvl1pPr algn="ctr" defTabSz="914400" rtl="0" eaLnBrk="1" latinLnBrk="0" hangingPunct="1">
-              <a:lnSpc>
-                <a:spcPct val="90000"/>
-              </a:lnSpc>
-              <a:spcBef>
-                <a:spcPct val="0"/>
-              </a:spcBef>
-              <a:buNone/>
-              <a:defRPr sz="6000" kern="1200">
-                <a:solidFill>
-                  <a:schemeClr val="tx1"/>
-                </a:solidFill>
-                <a:latin typeface="+mj-lt"/>
-                <a:ea typeface="+mj-ea"/>
-                <a:cs typeface="+mj-cs"/>
-              </a:defRPr>
-            </a:lvl1pPr>
-          </a:lstStyle>
-          <a:p>
-            <a:r>
-              <a:rPr lang="pt-BR" sz="3600">
-                <a:cs typeface="Arial"/>
-              </a:rPr>
-              <a:t>Quem</a:t>
-            </a:r>
-            <a:r>
-              <a:rPr lang="pt-BR" sz="3600">
-                <a:latin typeface="Segoe UI Semibold"/>
-                <a:cs typeface="Arial"/>
-              </a:rPr>
-              <a:t> sou eu</a:t>
-            </a:r>
-          </a:p>
-        </p:txBody>
-      </p:sp>
-      <p:pic>
-        <p:nvPicPr>
-          <p:cNvPr id="2" name="Imagem 2" descr="Pessoa posando para foto em local com neve e montanha ao fundo&#10;&#10;Descrição gerada automaticamente">
-            <a:extLst>
-              <a:ext uri="{FF2B5EF4-FFF2-40B4-BE49-F238E27FC236}">
-                <a16:creationId xmlns:a16="http://schemas.microsoft.com/office/drawing/2014/main" id="{67502666-436E-3AD6-956C-DA6EE7975EE4}"/>
-              </a:ext>
-            </a:extLst>
-          </p:cNvPr>
-          <p:cNvPicPr>
-            <a:picLocks noChangeAspect="1"/>
-          </p:cNvPicPr>
-          <p:nvPr/>
-        </p:nvPicPr>
-        <p:blipFill>
-          <a:blip r:embed="rId3"/>
-          <a:stretch>
-            <a:fillRect/>
-          </a:stretch>
-        </p:blipFill>
-        <p:spPr>
-          <a:xfrm>
-            <a:off x="1111740" y="1472922"/>
-            <a:ext cx="2744956" cy="2743200"/>
-          </a:xfrm>
-          <a:prstGeom prst="rect">
-            <a:avLst/>
-          </a:prstGeom>
-        </p:spPr>
-      </p:pic>
-      <p:pic>
-        <p:nvPicPr>
-          <p:cNvPr id="3" name="Imagem 3" descr="Código QR&#10;&#10;Descrição gerada automaticamente">
-            <a:extLst>
-              <a:ext uri="{FF2B5EF4-FFF2-40B4-BE49-F238E27FC236}">
-                <a16:creationId xmlns:a16="http://schemas.microsoft.com/office/drawing/2014/main" id="{8292FE87-2AEF-DA20-3210-6B49D9369B5A}"/>
-              </a:ext>
-            </a:extLst>
-          </p:cNvPr>
-          <p:cNvPicPr>
-            <a:picLocks noChangeAspect="1"/>
-          </p:cNvPicPr>
-          <p:nvPr/>
-        </p:nvPicPr>
-        <p:blipFill>
-          <a:blip r:embed="rId4"/>
-          <a:stretch>
-            <a:fillRect/>
-          </a:stretch>
-        </p:blipFill>
-        <p:spPr>
-          <a:xfrm>
-            <a:off x="1368443" y="4344778"/>
-            <a:ext cx="2231694" cy="2211217"/>
-          </a:xfrm>
-          <a:prstGeom prst="rect">
-            <a:avLst/>
-          </a:prstGeom>
-        </p:spPr>
-      </p:pic>
-      <p:sp>
-        <p:nvSpPr>
-          <p:cNvPr id="4" name="Título 1">
-            <a:extLst>
-              <a:ext uri="{FF2B5EF4-FFF2-40B4-BE49-F238E27FC236}">
-                <a16:creationId xmlns:a16="http://schemas.microsoft.com/office/drawing/2014/main" id="{9E25E884-09B8-9E8C-A2FC-DE17507BE25C}"/>
-              </a:ext>
-            </a:extLst>
-          </p:cNvPr>
-          <p:cNvSpPr txBox="1">
-            <a:spLocks/>
-          </p:cNvSpPr>
-          <p:nvPr/>
-        </p:nvSpPr>
-        <p:spPr>
-          <a:xfrm>
-            <a:off x="666480" y="864798"/>
-            <a:ext cx="3762934" cy="545298"/>
-          </a:xfrm>
-          <a:prstGeom prst="rect">
-            <a:avLst/>
-          </a:prstGeom>
-        </p:spPr>
-        <p:txBody>
-          <a:bodyPr vert="horz" lIns="91440" tIns="45720" rIns="91440" bIns="45720" rtlCol="0" anchor="b">
-            <a:normAutofit/>
-          </a:bodyPr>
-          <a:lstStyle>
-            <a:lvl1pPr algn="ctr" defTabSz="914400" rtl="0" eaLnBrk="1" latinLnBrk="0" hangingPunct="1">
-              <a:lnSpc>
-                <a:spcPct val="90000"/>
-              </a:lnSpc>
-              <a:spcBef>
-                <a:spcPct val="0"/>
-              </a:spcBef>
-              <a:buNone/>
-              <a:defRPr sz="6000" kern="1200">
-                <a:solidFill>
-                  <a:schemeClr val="tx1"/>
-                </a:solidFill>
-                <a:latin typeface="+mj-lt"/>
-                <a:ea typeface="+mj-ea"/>
-                <a:cs typeface="+mj-cs"/>
-              </a:defRPr>
-            </a:lvl1pPr>
-          </a:lstStyle>
-          <a:p>
-            <a:r>
-              <a:rPr lang="pt-BR" sz="3200">
-                <a:latin typeface="Segoe UI Semibold"/>
-                <a:cs typeface="Arial"/>
-              </a:rPr>
-              <a:t>João Antunes</a:t>
-            </a:r>
-          </a:p>
-        </p:txBody>
-      </p:sp>
-    </p:spTree>
-    <p:extLst>
-      <p:ext uri="{BB962C8B-B14F-4D97-AF65-F5344CB8AC3E}">
-        <p14:creationId xmlns:p14="http://schemas.microsoft.com/office/powerpoint/2010/main" val="3243610850"/>
-      </p:ext>
-    </p:extLst>
-  </p:cSld>
-  <p:clrMapOvr>
-    <a:masterClrMapping/>
-  </p:clrMapOvr>
-  <mc:AlternateContent xmlns:mc="http://schemas.openxmlformats.org/markup-compatibility/2006" xmlns:p14="http://schemas.microsoft.com/office/powerpoint/2010/main">
-    <mc:Choice Requires="p14">
-      <p:transition spd="med" p14:dur="700">
-        <p:fade/>
-      </p:transition>
-    </mc:Choice>
-    <mc:Fallback xmlns="">
-      <p:transition spd="med">
-        <p:fade/>
-      </p:transition>
-    </mc:Fallback>
-  </mc:AlternateContent>
-</p:sld>
-</file>
-
-<file path=ppt/slides/slide20.xml><?xml version="1.0" encoding="utf-8"?>
+<file path=ppt/slides/slide18.xml><?xml version="1.0" encoding="utf-8"?>
 <p:sld xmlns:a="http://schemas.openxmlformats.org/drawingml/2006/main" xmlns:r="http://schemas.openxmlformats.org/officeDocument/2006/relationships" xmlns:p="http://schemas.openxmlformats.org/presentationml/2006/main">
   <p:cSld>
     <p:spTree>
@@ -28547,7 +26982,7 @@
 </p:sld>
 </file>
 
-<file path=ppt/slides/slide21.xml><?xml version="1.0" encoding="utf-8"?>
+<file path=ppt/slides/slide19.xml><?xml version="1.0" encoding="utf-8"?>
 <p:sld xmlns:a="http://schemas.openxmlformats.org/drawingml/2006/main" xmlns:r="http://schemas.openxmlformats.org/officeDocument/2006/relationships" xmlns:p="http://schemas.openxmlformats.org/presentationml/2006/main">
   <p:cSld>
     <p:spTree>
@@ -28681,7 +27116,529 @@
 </p:sld>
 </file>
 
-<file path=ppt/slides/slide22.xml><?xml version="1.0" encoding="utf-8"?>
+<file path=ppt/slides/slide2.xml><?xml version="1.0" encoding="utf-8"?>
+<p:sld xmlns:a="http://schemas.openxmlformats.org/drawingml/2006/main" xmlns:r="http://schemas.openxmlformats.org/officeDocument/2006/relationships" xmlns:p="http://schemas.openxmlformats.org/presentationml/2006/main">
+  <p:cSld>
+    <p:spTree>
+      <p:nvGrpSpPr>
+        <p:cNvPr id="1" name=""/>
+        <p:cNvGrpSpPr/>
+        <p:nvPr/>
+      </p:nvGrpSpPr>
+      <p:grpSpPr>
+        <a:xfrm>
+          <a:off x="0" y="0"/>
+          <a:ext cx="0" cy="0"/>
+          <a:chOff x="0" y="0"/>
+          <a:chExt cx="0" cy="0"/>
+        </a:xfrm>
+      </p:grpSpPr>
+      <p:sp>
+        <p:nvSpPr>
+          <p:cNvPr id="38" name="Espaço Reservado para Conteúdo 2">
+            <a:extLst>
+              <a:ext uri="{FF2B5EF4-FFF2-40B4-BE49-F238E27FC236}">
+                <a16:creationId xmlns:a16="http://schemas.microsoft.com/office/drawing/2014/main" id="{5FAF7519-8713-40CD-BB85-8A9456666ADD}"/>
+              </a:ext>
+            </a:extLst>
+          </p:cNvPr>
+          <p:cNvSpPr txBox="1">
+            <a:spLocks/>
+          </p:cNvSpPr>
+          <p:nvPr/>
+        </p:nvSpPr>
+        <p:spPr>
+          <a:xfrm>
+            <a:off x="4740104" y="1410096"/>
+            <a:ext cx="7438926" cy="3819537"/>
+          </a:xfrm>
+          <a:prstGeom prst="rect">
+            <a:avLst/>
+          </a:prstGeom>
+        </p:spPr>
+        <p:txBody>
+          <a:bodyPr vert="horz" lIns="91440" tIns="45720" rIns="91440" bIns="45720" rtlCol="0" anchor="t">
+            <a:normAutofit fontScale="85000" lnSpcReduction="20000"/>
+          </a:bodyPr>
+          <a:lstStyle>
+            <a:defPPr>
+              <a:defRPr lang="en-US"/>
+            </a:defPPr>
+            <a:lvl1pPr marL="342900" indent="-342900" defTabSz="914400">
+              <a:lnSpc>
+                <a:spcPct val="90000"/>
+              </a:lnSpc>
+              <a:spcBef>
+                <a:spcPts val="1000"/>
+              </a:spcBef>
+              <a:buFont typeface="Arial" panose="020B0604020202020204" pitchFamily="34" charset="0"/>
+              <a:buChar char="•"/>
+              <a:defRPr sz="2000">
+                <a:latin typeface="Montserrat"/>
+                <a:cs typeface="Arial"/>
+              </a:defRPr>
+            </a:lvl1pPr>
+            <a:lvl2pPr indent="0" algn="ctr" defTabSz="914400">
+              <a:lnSpc>
+                <a:spcPct val="90000"/>
+              </a:lnSpc>
+              <a:spcBef>
+                <a:spcPts val="500"/>
+              </a:spcBef>
+              <a:buFont typeface="Arial" panose="020B0604020202020204" pitchFamily="34" charset="0"/>
+              <a:buNone/>
+              <a:defRPr sz="2000"/>
+            </a:lvl2pPr>
+            <a:lvl3pPr indent="0" algn="ctr" defTabSz="914400">
+              <a:lnSpc>
+                <a:spcPct val="90000"/>
+              </a:lnSpc>
+              <a:spcBef>
+                <a:spcPts val="500"/>
+              </a:spcBef>
+              <a:buFont typeface="Arial" panose="020B0604020202020204" pitchFamily="34" charset="0"/>
+              <a:buNone/>
+            </a:lvl3pPr>
+            <a:lvl4pPr indent="0" algn="ctr" defTabSz="914400">
+              <a:lnSpc>
+                <a:spcPct val="90000"/>
+              </a:lnSpc>
+              <a:spcBef>
+                <a:spcPts val="500"/>
+              </a:spcBef>
+              <a:buFont typeface="Arial" panose="020B0604020202020204" pitchFamily="34" charset="0"/>
+              <a:buNone/>
+              <a:defRPr sz="1600"/>
+            </a:lvl4pPr>
+            <a:lvl5pPr indent="0" algn="ctr" defTabSz="914400">
+              <a:lnSpc>
+                <a:spcPct val="90000"/>
+              </a:lnSpc>
+              <a:spcBef>
+                <a:spcPts val="500"/>
+              </a:spcBef>
+              <a:buFont typeface="Arial" panose="020B0604020202020204" pitchFamily="34" charset="0"/>
+              <a:buNone/>
+              <a:defRPr sz="1600"/>
+            </a:lvl5pPr>
+            <a:lvl6pPr indent="0" algn="ctr" defTabSz="914400">
+              <a:lnSpc>
+                <a:spcPct val="90000"/>
+              </a:lnSpc>
+              <a:spcBef>
+                <a:spcPts val="500"/>
+              </a:spcBef>
+              <a:buFont typeface="Arial" panose="020B0604020202020204" pitchFamily="34" charset="0"/>
+              <a:buNone/>
+              <a:defRPr sz="1600"/>
+            </a:lvl6pPr>
+            <a:lvl7pPr indent="0" algn="ctr" defTabSz="914400">
+              <a:lnSpc>
+                <a:spcPct val="90000"/>
+              </a:lnSpc>
+              <a:spcBef>
+                <a:spcPts val="500"/>
+              </a:spcBef>
+              <a:buFont typeface="Arial" panose="020B0604020202020204" pitchFamily="34" charset="0"/>
+              <a:buNone/>
+              <a:defRPr sz="1600"/>
+            </a:lvl7pPr>
+            <a:lvl8pPr indent="0" algn="ctr" defTabSz="914400">
+              <a:lnSpc>
+                <a:spcPct val="90000"/>
+              </a:lnSpc>
+              <a:spcBef>
+                <a:spcPts val="500"/>
+              </a:spcBef>
+              <a:buFont typeface="Arial" panose="020B0604020202020204" pitchFamily="34" charset="0"/>
+              <a:buNone/>
+              <a:defRPr sz="1600"/>
+            </a:lvl8pPr>
+            <a:lvl9pPr indent="0" algn="ctr" defTabSz="914400">
+              <a:lnSpc>
+                <a:spcPct val="90000"/>
+              </a:lnSpc>
+              <a:spcBef>
+                <a:spcPts val="500"/>
+              </a:spcBef>
+              <a:buFont typeface="Arial" panose="020B0604020202020204" pitchFamily="34" charset="0"/>
+              <a:buNone/>
+              <a:defRPr sz="1600"/>
+            </a:lvl9pPr>
+          </a:lstStyle>
+          <a:p>
+            <a:r>
+              <a:rPr lang="pt-BR" sz="2200" dirty="0">
+                <a:latin typeface="+mn-lt"/>
+              </a:rPr>
+              <a:t>Engenheiro da Computação pela Universidade Positivo</a:t>
+            </a:r>
+          </a:p>
+          <a:p>
+            <a:r>
+              <a:rPr lang="pt-BR" sz="2200" dirty="0">
+                <a:latin typeface="+mn-lt"/>
+              </a:rPr>
+              <a:t>4 anos de Paraná Banco</a:t>
+            </a:r>
+          </a:p>
+          <a:p>
+            <a:r>
+              <a:rPr lang="pt-BR" sz="2200" dirty="0">
+                <a:latin typeface="+mn-lt"/>
+              </a:rPr>
+              <a:t>Pai do Alexandre</a:t>
+            </a:r>
+          </a:p>
+          <a:p>
+            <a:r>
+              <a:rPr lang="pt-BR" sz="2200" dirty="0">
+                <a:latin typeface="+mn-lt"/>
+              </a:rPr>
+              <a:t>Moro em Curitiba desde 2008</a:t>
+            </a:r>
+          </a:p>
+          <a:p>
+            <a:r>
+              <a:rPr lang="pt-BR" sz="2200" dirty="0">
+                <a:latin typeface="+mn-lt"/>
+              </a:rPr>
+              <a:t>Sr. </a:t>
+            </a:r>
+            <a:r>
+              <a:rPr lang="pt-BR" sz="2200" dirty="0" err="1">
+                <a:latin typeface="+mn-lt"/>
+              </a:rPr>
+              <a:t>BackEnd</a:t>
+            </a:r>
+            <a:r>
+              <a:rPr lang="pt-BR" sz="2200" dirty="0">
+                <a:latin typeface="+mn-lt"/>
+              </a:rPr>
+              <a:t> </a:t>
+            </a:r>
+            <a:r>
+              <a:rPr lang="pt-BR" sz="2200" dirty="0" err="1">
+                <a:latin typeface="+mn-lt"/>
+              </a:rPr>
+              <a:t>Developer</a:t>
+            </a:r>
+            <a:r>
+              <a:rPr lang="pt-BR" sz="2200" dirty="0">
+                <a:latin typeface="+mn-lt"/>
+              </a:rPr>
+              <a:t> e </a:t>
+            </a:r>
+            <a:r>
+              <a:rPr lang="pt-BR" sz="2200" dirty="0" err="1">
+                <a:latin typeface="+mn-lt"/>
+              </a:rPr>
+              <a:t>Chapter</a:t>
+            </a:r>
+            <a:r>
+              <a:rPr lang="pt-BR" sz="2200" dirty="0">
+                <a:latin typeface="+mn-lt"/>
+              </a:rPr>
+              <a:t> </a:t>
+            </a:r>
+            <a:r>
+              <a:rPr lang="pt-BR" sz="2200" dirty="0" err="1">
+                <a:latin typeface="+mn-lt"/>
+              </a:rPr>
+              <a:t>leader</a:t>
+            </a:r>
+            <a:r>
+              <a:rPr lang="pt-BR" sz="2200" dirty="0">
+                <a:latin typeface="+mn-lt"/>
+              </a:rPr>
+              <a:t> </a:t>
+            </a:r>
+          </a:p>
+          <a:p>
+            <a:r>
+              <a:rPr lang="pt-BR" sz="2200" dirty="0">
+                <a:latin typeface="+mn-lt"/>
+              </a:rPr>
+              <a:t>Pós graduado em Engenharia de Software pela UP</a:t>
+            </a:r>
+          </a:p>
+          <a:p>
+            <a:r>
+              <a:rPr lang="pt-BR" sz="2200" dirty="0">
+                <a:latin typeface="+mn-lt"/>
+              </a:rPr>
+              <a:t>Pós graduado em Arquitetura de Software pela </a:t>
+            </a:r>
+            <a:r>
+              <a:rPr lang="pt-BR" sz="2200" dirty="0" err="1">
+                <a:latin typeface="+mn-lt"/>
+              </a:rPr>
+              <a:t>XPe</a:t>
+            </a:r>
+            <a:endParaRPr lang="pt-BR" sz="2200" dirty="0">
+              <a:latin typeface="+mn-lt"/>
+            </a:endParaRPr>
+          </a:p>
+          <a:p>
+            <a:r>
+              <a:rPr lang="pt-BR" sz="2200" dirty="0">
+                <a:latin typeface="+mn-lt"/>
+              </a:rPr>
+              <a:t>Certificados 483C#, AZ-900 e SC-900</a:t>
+            </a:r>
+          </a:p>
+          <a:p>
+            <a:r>
+              <a:rPr lang="pt-BR" sz="2200" dirty="0">
+                <a:latin typeface="+mn-lt"/>
+              </a:rPr>
+              <a:t>Amante de Tecnologia</a:t>
+            </a:r>
+            <a:br>
+              <a:rPr lang="pt-BR" sz="2200" dirty="0">
+                <a:latin typeface="+mn-lt"/>
+              </a:rPr>
+            </a:br>
+            <a:br>
+              <a:rPr lang="pt-BR" sz="2200" dirty="0">
+                <a:latin typeface="+mn-lt"/>
+              </a:rPr>
+            </a:br>
+            <a:br>
+              <a:rPr lang="pt-BR" sz="2200" dirty="0">
+                <a:latin typeface="+mn-lt"/>
+              </a:rPr>
+            </a:br>
+            <a:r>
+              <a:rPr lang="pt-BR" sz="2200" dirty="0">
+                <a:latin typeface="+mn-lt"/>
+              </a:rPr>
+              <a:t>Frase: COMPARTILHAR</a:t>
+            </a:r>
+          </a:p>
+          <a:p>
+            <a:endParaRPr lang="pt-BR" dirty="0"/>
+          </a:p>
+          <a:p>
+            <a:endParaRPr lang="pt-BR" dirty="0"/>
+          </a:p>
+          <a:p>
+            <a:endParaRPr lang="pt-BR" dirty="0"/>
+          </a:p>
+          <a:p>
+            <a:endParaRPr lang="pt-BR" dirty="0"/>
+          </a:p>
+          <a:p>
+            <a:endParaRPr lang="pt-BR" dirty="0"/>
+          </a:p>
+        </p:txBody>
+      </p:sp>
+      <p:sp>
+        <p:nvSpPr>
+          <p:cNvPr id="41" name="Título 1">
+            <a:extLst>
+              <a:ext uri="{FF2B5EF4-FFF2-40B4-BE49-F238E27FC236}">
+                <a16:creationId xmlns:a16="http://schemas.microsoft.com/office/drawing/2014/main" id="{B5C427DB-4D4E-4C34-8798-98B68A898847}"/>
+              </a:ext>
+            </a:extLst>
+          </p:cNvPr>
+          <p:cNvSpPr txBox="1">
+            <a:spLocks/>
+          </p:cNvSpPr>
+          <p:nvPr/>
+        </p:nvSpPr>
+        <p:spPr>
+          <a:xfrm>
+            <a:off x="5648571" y="672279"/>
+            <a:ext cx="3762934" cy="545298"/>
+          </a:xfrm>
+          <a:prstGeom prst="rect">
+            <a:avLst/>
+          </a:prstGeom>
+        </p:spPr>
+        <p:txBody>
+          <a:bodyPr vert="horz" lIns="91440" tIns="45720" rIns="91440" bIns="45720" rtlCol="0" anchor="b">
+            <a:normAutofit lnSpcReduction="10000"/>
+          </a:bodyPr>
+          <a:lstStyle>
+            <a:lvl1pPr algn="ctr" defTabSz="914400" rtl="0" eaLnBrk="1" latinLnBrk="0" hangingPunct="1">
+              <a:lnSpc>
+                <a:spcPct val="90000"/>
+              </a:lnSpc>
+              <a:spcBef>
+                <a:spcPct val="0"/>
+              </a:spcBef>
+              <a:buNone/>
+              <a:defRPr sz="6000" kern="1200">
+                <a:solidFill>
+                  <a:schemeClr val="tx1"/>
+                </a:solidFill>
+                <a:latin typeface="+mj-lt"/>
+                <a:ea typeface="+mj-ea"/>
+                <a:cs typeface="+mj-cs"/>
+              </a:defRPr>
+            </a:lvl1pPr>
+          </a:lstStyle>
+          <a:p>
+            <a:r>
+              <a:rPr lang="pt-BR" sz="3600">
+                <a:cs typeface="Arial"/>
+              </a:rPr>
+              <a:t>Quem</a:t>
+            </a:r>
+            <a:r>
+              <a:rPr lang="pt-BR" sz="3600">
+                <a:latin typeface="Segoe UI Semibold"/>
+                <a:cs typeface="Arial"/>
+              </a:rPr>
+              <a:t> sou eu</a:t>
+            </a:r>
+          </a:p>
+        </p:txBody>
+      </p:sp>
+      <p:pic>
+        <p:nvPicPr>
+          <p:cNvPr id="2" name="Imagem 2" descr="Pessoa posando para foto em local com neve e montanha ao fundo&#10;&#10;Descrição gerada automaticamente">
+            <a:extLst>
+              <a:ext uri="{FF2B5EF4-FFF2-40B4-BE49-F238E27FC236}">
+                <a16:creationId xmlns:a16="http://schemas.microsoft.com/office/drawing/2014/main" id="{67502666-436E-3AD6-956C-DA6EE7975EE4}"/>
+              </a:ext>
+            </a:extLst>
+          </p:cNvPr>
+          <p:cNvPicPr>
+            <a:picLocks noChangeAspect="1"/>
+          </p:cNvPicPr>
+          <p:nvPr/>
+        </p:nvPicPr>
+        <p:blipFill>
+          <a:blip r:embed="rId3"/>
+          <a:stretch>
+            <a:fillRect/>
+          </a:stretch>
+        </p:blipFill>
+        <p:spPr>
+          <a:xfrm>
+            <a:off x="1111740" y="1472922"/>
+            <a:ext cx="2744956" cy="2743200"/>
+          </a:xfrm>
+          <a:prstGeom prst="rect">
+            <a:avLst/>
+          </a:prstGeom>
+        </p:spPr>
+      </p:pic>
+      <p:sp>
+        <p:nvSpPr>
+          <p:cNvPr id="4" name="Título 1">
+            <a:extLst>
+              <a:ext uri="{FF2B5EF4-FFF2-40B4-BE49-F238E27FC236}">
+                <a16:creationId xmlns:a16="http://schemas.microsoft.com/office/drawing/2014/main" id="{9E25E884-09B8-9E8C-A2FC-DE17507BE25C}"/>
+              </a:ext>
+            </a:extLst>
+          </p:cNvPr>
+          <p:cNvSpPr txBox="1">
+            <a:spLocks/>
+          </p:cNvSpPr>
+          <p:nvPr/>
+        </p:nvSpPr>
+        <p:spPr>
+          <a:xfrm>
+            <a:off x="666480" y="864798"/>
+            <a:ext cx="3762934" cy="545298"/>
+          </a:xfrm>
+          <a:prstGeom prst="rect">
+            <a:avLst/>
+          </a:prstGeom>
+        </p:spPr>
+        <p:txBody>
+          <a:bodyPr vert="horz" lIns="91440" tIns="45720" rIns="91440" bIns="45720" rtlCol="0" anchor="b">
+            <a:normAutofit/>
+          </a:bodyPr>
+          <a:lstStyle>
+            <a:lvl1pPr algn="ctr" defTabSz="914400" rtl="0" eaLnBrk="1" latinLnBrk="0" hangingPunct="1">
+              <a:lnSpc>
+                <a:spcPct val="90000"/>
+              </a:lnSpc>
+              <a:spcBef>
+                <a:spcPct val="0"/>
+              </a:spcBef>
+              <a:buNone/>
+              <a:defRPr sz="6000" kern="1200">
+                <a:solidFill>
+                  <a:schemeClr val="tx1"/>
+                </a:solidFill>
+                <a:latin typeface="+mj-lt"/>
+                <a:ea typeface="+mj-ea"/>
+                <a:cs typeface="+mj-cs"/>
+              </a:defRPr>
+            </a:lvl1pPr>
+          </a:lstStyle>
+          <a:p>
+            <a:r>
+              <a:rPr lang="pt-BR" sz="3200">
+                <a:latin typeface="Segoe UI Semibold"/>
+                <a:cs typeface="Arial"/>
+              </a:rPr>
+              <a:t>João Antunes</a:t>
+            </a:r>
+          </a:p>
+        </p:txBody>
+      </p:sp>
+      <p:pic>
+        <p:nvPicPr>
+          <p:cNvPr id="6" name="Imagem 5">
+            <a:extLst>
+              <a:ext uri="{FF2B5EF4-FFF2-40B4-BE49-F238E27FC236}">
+                <a16:creationId xmlns:a16="http://schemas.microsoft.com/office/drawing/2014/main" id="{62C98C85-4E21-D873-6AD8-E46196F7ED1C}"/>
+              </a:ext>
+            </a:extLst>
+          </p:cNvPr>
+          <p:cNvPicPr>
+            <a:picLocks noChangeAspect="1"/>
+          </p:cNvPicPr>
+          <p:nvPr/>
+        </p:nvPicPr>
+        <p:blipFill>
+          <a:blip r:embed="rId4"/>
+          <a:stretch>
+            <a:fillRect/>
+          </a:stretch>
+        </p:blipFill>
+        <p:spPr>
+          <a:xfrm>
+            <a:off x="1424029" y="4496502"/>
+            <a:ext cx="2188558" cy="2050202"/>
+          </a:xfrm>
+          <a:prstGeom prst="rect">
+            <a:avLst/>
+          </a:prstGeom>
+        </p:spPr>
+      </p:pic>
+    </p:spTree>
+    <p:extLst>
+      <p:ext uri="{BB962C8B-B14F-4D97-AF65-F5344CB8AC3E}">
+        <p14:creationId xmlns:p14="http://schemas.microsoft.com/office/powerpoint/2010/main" val="3243610850"/>
+      </p:ext>
+    </p:extLst>
+  </p:cSld>
+  <p:clrMapOvr>
+    <a:masterClrMapping/>
+  </p:clrMapOvr>
+  <mc:AlternateContent xmlns:mc="http://schemas.openxmlformats.org/markup-compatibility/2006" xmlns:p14="http://schemas.microsoft.com/office/powerpoint/2010/main">
+    <mc:Choice Requires="p14">
+      <p:transition spd="med" p14:dur="700">
+        <p:fade/>
+      </p:transition>
+    </mc:Choice>
+    <mc:Fallback xmlns="">
+      <p:transition spd="med">
+        <p:fade/>
+      </p:transition>
+    </mc:Fallback>
+  </mc:AlternateContent>
+</p:sld>
+</file>
+
+<file path=ppt/slides/slide20.xml><?xml version="1.0" encoding="utf-8"?>
 <p:sld xmlns:a="http://schemas.openxmlformats.org/drawingml/2006/main" xmlns:r="http://schemas.openxmlformats.org/officeDocument/2006/relationships" xmlns:p="http://schemas.openxmlformats.org/presentationml/2006/main">
   <p:cSld>
     <p:spTree>
@@ -28816,7 +27773,7 @@
 </p:sld>
 </file>
 
-<file path=ppt/slides/slide23.xml><?xml version="1.0" encoding="utf-8"?>
+<file path=ppt/slides/slide21.xml><?xml version="1.0" encoding="utf-8"?>
 <p:sld xmlns:a="http://schemas.openxmlformats.org/drawingml/2006/main" xmlns:r="http://schemas.openxmlformats.org/officeDocument/2006/relationships" xmlns:p="http://schemas.openxmlformats.org/presentationml/2006/main">
   <p:cSld>
     <p:spTree>
@@ -28929,7 +27886,7 @@
           <a:p>
             <a:r>
               <a:rPr lang="pt-BR" dirty="0"/>
-              <a:t>Custo</a:t>
+              <a:t>Custos</a:t>
             </a:r>
           </a:p>
         </p:txBody>
@@ -28944,13 +27901,13 @@
   <p:clrMapOvr>
     <a:masterClrMapping/>
   </p:clrMapOvr>
-  <mc:AlternateContent xmlns:mc="http://schemas.openxmlformats.org/markup-compatibility/2006">
-    <mc:Choice xmlns:p14="http://schemas.microsoft.com/office/powerpoint/2010/main" Requires="p14">
+  <mc:AlternateContent xmlns:mc="http://schemas.openxmlformats.org/markup-compatibility/2006" xmlns:p14="http://schemas.microsoft.com/office/powerpoint/2010/main">
+    <mc:Choice Requires="p14">
       <p:transition spd="med" p14:dur="700">
         <p:fade/>
       </p:transition>
     </mc:Choice>
-    <mc:Fallback>
+    <mc:Fallback xmlns="">
       <p:transition spd="med">
         <p:fade/>
       </p:transition>
@@ -28959,7 +27916,7 @@
 </p:sld>
 </file>
 
-<file path=ppt/slides/slide24.xml><?xml version="1.0" encoding="utf-8"?>
+<file path=ppt/slides/slide22.xml><?xml version="1.0" encoding="utf-8"?>
 <p:sld xmlns:a="http://schemas.openxmlformats.org/drawingml/2006/main" xmlns:r="http://schemas.openxmlformats.org/officeDocument/2006/relationships" xmlns:p="http://schemas.openxmlformats.org/presentationml/2006/main">
   <p:cSld>
     <p:spTree>
@@ -28998,38 +27955,8 @@
         </p:blipFill>
         <p:spPr>
           <a:xfrm>
-            <a:off x="8497378" y="1548921"/>
+            <a:off x="8455330" y="677260"/>
             <a:ext cx="2265907" cy="2226827"/>
-          </a:xfrm>
-          <a:prstGeom prst="rect">
-            <a:avLst/>
-          </a:prstGeom>
-        </p:spPr>
-      </p:pic>
-      <p:pic>
-        <p:nvPicPr>
-          <p:cNvPr id="3" name="Imagem 3" descr="Código QR&#10;&#10;Descrição gerada automaticamente">
-            <a:extLst>
-              <a:ext uri="{FF2B5EF4-FFF2-40B4-BE49-F238E27FC236}">
-                <a16:creationId xmlns:a16="http://schemas.microsoft.com/office/drawing/2014/main" id="{8292FE87-2AEF-DA20-3210-6B49D9369B5A}"/>
-              </a:ext>
-            </a:extLst>
-          </p:cNvPr>
-          <p:cNvPicPr>
-            <a:picLocks noChangeAspect="1"/>
-          </p:cNvPicPr>
-          <p:nvPr/>
-        </p:nvPicPr>
-        <p:blipFill>
-          <a:blip r:embed="rId3"/>
-          <a:stretch>
-            <a:fillRect/>
-          </a:stretch>
-        </p:blipFill>
-        <p:spPr>
-          <a:xfrm>
-            <a:off x="8658308" y="4090437"/>
-            <a:ext cx="1944046" cy="1923761"/>
           </a:xfrm>
           <a:prstGeom prst="rect">
             <a:avLst/>
@@ -29089,15 +28016,15 @@
           <p:nvPr/>
         </p:nvPicPr>
         <p:blipFill>
-          <a:blip r:embed="rId4"/>
+          <a:blip r:embed="rId3"/>
           <a:stretch>
             <a:fillRect/>
           </a:stretch>
         </p:blipFill>
         <p:spPr>
           <a:xfrm>
-            <a:off x="1952439" y="4072813"/>
-            <a:ext cx="1944046" cy="1919745"/>
+            <a:off x="2061080" y="1908938"/>
+            <a:ext cx="2411716" cy="2381569"/>
           </a:xfrm>
           <a:prstGeom prst="rect">
             <a:avLst/>
@@ -29118,7 +28045,7 @@
         </p:nvSpPr>
         <p:spPr>
           <a:xfrm>
-            <a:off x="663167" y="6014198"/>
+            <a:off x="970984" y="4120294"/>
             <a:ext cx="6867052" cy="369332"/>
           </a:xfrm>
           <a:prstGeom prst="rect">
@@ -29139,6 +28066,36 @@
           </a:p>
         </p:txBody>
       </p:sp>
+      <p:pic>
+        <p:nvPicPr>
+          <p:cNvPr id="6" name="Imagem 5">
+            <a:extLst>
+              <a:ext uri="{FF2B5EF4-FFF2-40B4-BE49-F238E27FC236}">
+                <a16:creationId xmlns:a16="http://schemas.microsoft.com/office/drawing/2014/main" id="{7625C2EE-936B-944B-58E8-EF1D87D7E396}"/>
+              </a:ext>
+            </a:extLst>
+          </p:cNvPr>
+          <p:cNvPicPr>
+            <a:picLocks noChangeAspect="1"/>
+          </p:cNvPicPr>
+          <p:nvPr/>
+        </p:nvPicPr>
+        <p:blipFill>
+          <a:blip r:embed="rId4"/>
+          <a:stretch>
+            <a:fillRect/>
+          </a:stretch>
+        </p:blipFill>
+        <p:spPr>
+          <a:xfrm>
+            <a:off x="8513990" y="3099722"/>
+            <a:ext cx="2411716" cy="2259252"/>
+          </a:xfrm>
+          <a:prstGeom prst="rect">
+            <a:avLst/>
+          </a:prstGeom>
+        </p:spPr>
+      </p:pic>
     </p:spTree>
     <p:extLst>
       <p:ext uri="{BB962C8B-B14F-4D97-AF65-F5344CB8AC3E}">
@@ -29788,7 +28745,7 @@
         <p:spPr>
           <a:xfrm>
             <a:off x="451338" y="2010358"/>
-            <a:ext cx="11202398" cy="4431983"/>
+            <a:ext cx="11202398" cy="5170646"/>
           </a:xfrm>
           <a:prstGeom prst="rect">
             <a:avLst/>
@@ -29915,7 +28872,7 @@
           <a:p>
             <a:pPr algn="l"/>
             <a:r>
-              <a:rPr lang="pt-BR" sz="2400" spc="-50">
+              <a:rPr lang="pt-BR" sz="2400" spc="-50" dirty="0">
                 <a:solidFill>
                   <a:schemeClr val="bg1"/>
                 </a:solidFill>
@@ -29924,6 +28881,9 @@
               </a:rPr>
               <a:t>Resultados</a:t>
             </a:r>
+          </a:p>
+          <a:p>
+            <a:pPr algn="l"/>
             <a:endParaRPr lang="pt-BR" sz="2400" spc="-50" dirty="0">
               <a:solidFill>
                 <a:schemeClr val="bg1"/>
@@ -29931,6 +28891,19 @@
               <a:latin typeface="Arial" panose="020B0604020202020204" pitchFamily="34" charset="0"/>
               <a:cs typeface="Arial" panose="020B0604020202020204" pitchFamily="34" charset="0"/>
             </a:endParaRPr>
+          </a:p>
+          <a:p>
+            <a:pPr algn="l"/>
+            <a:r>
+              <a:rPr lang="pt-BR" sz="2400" spc="-50" dirty="0">
+                <a:solidFill>
+                  <a:schemeClr val="bg1"/>
+                </a:solidFill>
+                <a:latin typeface="Arial" panose="020B0604020202020204" pitchFamily="34" charset="0"/>
+                <a:cs typeface="Arial" panose="020B0604020202020204" pitchFamily="34" charset="0"/>
+              </a:rPr>
+              <a:t>Desafios</a:t>
+            </a:r>
           </a:p>
           <a:p>
             <a:pPr algn="l"/>
@@ -30968,240 +29941,51 @@
       </p:grpSpPr>
       <p:sp>
         <p:nvSpPr>
-          <p:cNvPr id="8" name="Espaço Reservado para Texto 2">
+          <p:cNvPr id="3" name="Espaço Reservado para Texto 2">
             <a:extLst>
               <a:ext uri="{FF2B5EF4-FFF2-40B4-BE49-F238E27FC236}">
-                <a16:creationId xmlns:a16="http://schemas.microsoft.com/office/drawing/2014/main" id="{B0A2DA19-2FA7-0E77-4EB4-1C324C7738EA}"/>
+                <a16:creationId xmlns:a16="http://schemas.microsoft.com/office/drawing/2014/main" id="{8E435BE1-BB00-2F2E-B55F-6181CD3CBC66}"/>
               </a:ext>
             </a:extLst>
           </p:cNvPr>
-          <p:cNvSpPr txBox="1">
-            <a:spLocks/>
+          <p:cNvSpPr>
+            <a:spLocks noGrp="1"/>
           </p:cNvSpPr>
-          <p:nvPr/>
+          <p:nvPr>
+            <p:ph type="body" sz="quarter" idx="15"/>
+          </p:nvPr>
         </p:nvSpPr>
         <p:spPr>
           <a:xfrm>
-            <a:off x="451338" y="803485"/>
-            <a:ext cx="11837644" cy="800219"/>
+            <a:off x="451338" y="4806684"/>
+            <a:ext cx="11221853" cy="738664"/>
           </a:xfrm>
-          <a:prstGeom prst="rect">
-            <a:avLst/>
-          </a:prstGeom>
+          <a:noFill/>
         </p:spPr>
         <p:txBody>
-          <a:bodyPr vert="horz" wrap="square" lIns="0" tIns="91440" rIns="146304" bIns="91440" rtlCol="0">
+          <a:bodyPr wrap="square">
             <a:spAutoFit/>
           </a:bodyPr>
-          <a:lstStyle>
-            <a:lvl1pPr marL="0" marR="0" indent="0" algn="l" defTabSz="932742" rtl="0" eaLnBrk="1" fontAlgn="auto" latinLnBrk="0" hangingPunct="1">
-              <a:lnSpc>
-                <a:spcPct val="100000"/>
-              </a:lnSpc>
-              <a:spcBef>
-                <a:spcPts val="0"/>
-              </a:spcBef>
-              <a:spcAft>
-                <a:spcPts val="0"/>
-              </a:spcAft>
-              <a:buClrTx/>
-              <a:buSzPct val="90000"/>
-              <a:buFont typeface="Wingdings" panose="05000000000000000000" pitchFamily="2" charset="2"/>
-              <a:buNone/>
-              <a:tabLst/>
-              <a:defRPr sz="1800" kern="1200" spc="-50" baseline="0">
-                <a:solidFill>
-                  <a:schemeClr val="bg2"/>
-                </a:solidFill>
-                <a:latin typeface="+mj-lt"/>
-                <a:ea typeface="+mn-ea"/>
-                <a:cs typeface="+mn-cs"/>
-              </a:defRPr>
-            </a:lvl1pPr>
-            <a:lvl2pPr marL="0" marR="0" indent="0" algn="l" defTabSz="932742" rtl="0" eaLnBrk="1" fontAlgn="auto" latinLnBrk="0" hangingPunct="1">
-              <a:lnSpc>
-                <a:spcPct val="100000"/>
-              </a:lnSpc>
-              <a:spcBef>
-                <a:spcPts val="0"/>
-              </a:spcBef>
-              <a:spcAft>
-                <a:spcPts val="0"/>
-              </a:spcAft>
-              <a:buClrTx/>
-              <a:buSzPct val="90000"/>
-              <a:buFontTx/>
-              <a:buNone/>
-              <a:tabLst/>
-              <a:defRPr sz="1800" kern="1200" spc="0" baseline="0">
-                <a:solidFill>
-                  <a:srgbClr val="000000"/>
+          <a:lstStyle/>
+          <a:p>
+            <a:r>
+              <a:rPr lang="pt-BR" dirty="0">
+                <a:solidFill>
+                  <a:schemeClr val="bg1"/>
                 </a:solidFill>
                 <a:latin typeface="+mn-lt"/>
-                <a:ea typeface="+mn-ea"/>
-                <a:cs typeface="+mn-cs"/>
-              </a:defRPr>
-            </a:lvl2pPr>
-            <a:lvl3pPr marL="0" marR="0" indent="0" algn="l" defTabSz="932742" rtl="0" eaLnBrk="1" fontAlgn="auto" latinLnBrk="0" hangingPunct="1">
-              <a:lnSpc>
-                <a:spcPct val="100000"/>
-              </a:lnSpc>
-              <a:spcBef>
-                <a:spcPts val="0"/>
-              </a:spcBef>
-              <a:spcAft>
-                <a:spcPts val="0"/>
-              </a:spcAft>
-              <a:buClrTx/>
-              <a:buSzPct val="90000"/>
-              <a:buFont typeface="Wingdings" panose="05000000000000000000" pitchFamily="2" charset="2"/>
-              <a:buNone/>
-              <a:tabLst/>
-              <a:defRPr sz="1400" kern="1200" spc="0" baseline="0">
-                <a:solidFill>
-                  <a:schemeClr val="tx2"/>
-                </a:solidFill>
-                <a:latin typeface="+mj-lt"/>
-                <a:ea typeface="+mn-ea"/>
-                <a:cs typeface="+mn-cs"/>
-              </a:defRPr>
-            </a:lvl3pPr>
-            <a:lvl4pPr marL="0" marR="0" indent="0" algn="l" defTabSz="932742" rtl="0" eaLnBrk="1" fontAlgn="auto" latinLnBrk="0" hangingPunct="1">
-              <a:lnSpc>
-                <a:spcPct val="100000"/>
-              </a:lnSpc>
-              <a:spcBef>
-                <a:spcPts val="0"/>
-              </a:spcBef>
-              <a:spcAft>
-                <a:spcPts val="0"/>
-              </a:spcAft>
-              <a:buClrTx/>
-              <a:buSzPct val="90000"/>
-              <a:buFont typeface="Wingdings" panose="05000000000000000000" pitchFamily="2" charset="2"/>
-              <a:buNone/>
-              <a:tabLst/>
-              <a:defRPr sz="1400" kern="1200" spc="0" baseline="0">
-                <a:solidFill>
-                  <a:srgbClr val="000000"/>
-                </a:solidFill>
-                <a:latin typeface="+mn-lt"/>
-                <a:ea typeface="+mn-ea"/>
-                <a:cs typeface="+mn-cs"/>
-              </a:defRPr>
-            </a:lvl4pPr>
-            <a:lvl5pPr marL="0" marR="0" indent="0" algn="l" defTabSz="932742" rtl="0" eaLnBrk="1" fontAlgn="auto" latinLnBrk="0" hangingPunct="1">
-              <a:lnSpc>
-                <a:spcPct val="100000"/>
-              </a:lnSpc>
-              <a:spcBef>
-                <a:spcPts val="0"/>
-              </a:spcBef>
-              <a:spcAft>
-                <a:spcPts val="0"/>
-              </a:spcAft>
-              <a:buClrTx/>
-              <a:buSzPct val="90000"/>
-              <a:buFont typeface="Wingdings" panose="05000000000000000000" pitchFamily="2" charset="2"/>
-              <a:buNone/>
-              <a:tabLst/>
-              <a:defRPr sz="1050" b="1" kern="1200" spc="0" baseline="0">
-                <a:solidFill>
-                  <a:srgbClr val="000000"/>
-                </a:solidFill>
-                <a:latin typeface="+mn-lt"/>
-                <a:ea typeface="+mn-ea"/>
-                <a:cs typeface="+mn-cs"/>
-              </a:defRPr>
-            </a:lvl5pPr>
-            <a:lvl6pPr marL="2331854" indent="0" algn="l" defTabSz="932742" rtl="0" eaLnBrk="1" latinLnBrk="0" hangingPunct="1">
-              <a:spcBef>
-                <a:spcPct val="20000"/>
-              </a:spcBef>
-              <a:buFont typeface="Arial" pitchFamily="34" charset="0"/>
-              <a:buNone/>
-              <a:defRPr sz="2000" kern="1200">
-                <a:solidFill>
-                  <a:schemeClr val="tx1"/>
-                </a:solidFill>
-                <a:latin typeface="+mn-lt"/>
-                <a:ea typeface="+mn-ea"/>
-                <a:cs typeface="+mn-cs"/>
-              </a:defRPr>
-            </a:lvl6pPr>
-            <a:lvl7pPr marL="0" indent="0" algn="l" defTabSz="932742" rtl="0" eaLnBrk="1" latinLnBrk="0" hangingPunct="1">
-              <a:lnSpc>
-                <a:spcPct val="100000"/>
-              </a:lnSpc>
-              <a:spcBef>
-                <a:spcPts val="0"/>
-              </a:spcBef>
-              <a:spcAft>
-                <a:spcPts val="0"/>
-              </a:spcAft>
-              <a:buFont typeface="Arial" pitchFamily="34" charset="0"/>
-              <a:buNone/>
-              <a:defRPr sz="1000" kern="1200">
-                <a:solidFill>
-                  <a:srgbClr val="000000"/>
-                </a:solidFill>
-                <a:latin typeface="+mn-lt"/>
-                <a:ea typeface="+mn-ea"/>
-                <a:cs typeface="+mn-cs"/>
-              </a:defRPr>
-            </a:lvl7pPr>
-            <a:lvl8pPr marL="3497783" indent="-233186" algn="l" defTabSz="932742" rtl="0" eaLnBrk="1" latinLnBrk="0" hangingPunct="1">
-              <a:spcBef>
-                <a:spcPct val="20000"/>
-              </a:spcBef>
-              <a:buFont typeface="Arial" pitchFamily="34" charset="0"/>
-              <a:buChar char="•"/>
-              <a:defRPr sz="2000" kern="1200">
-                <a:solidFill>
-                  <a:schemeClr val="tx1"/>
-                </a:solidFill>
-                <a:latin typeface="+mn-lt"/>
-                <a:ea typeface="+mn-ea"/>
-                <a:cs typeface="+mn-cs"/>
-              </a:defRPr>
-            </a:lvl8pPr>
-            <a:lvl9pPr marL="3964155" indent="-233186" algn="l" defTabSz="932742" rtl="0" eaLnBrk="1" latinLnBrk="0" hangingPunct="1">
-              <a:spcBef>
-                <a:spcPct val="20000"/>
-              </a:spcBef>
-              <a:buFont typeface="Arial" pitchFamily="34" charset="0"/>
-              <a:buChar char="•"/>
-              <a:defRPr sz="2000" kern="1200">
-                <a:solidFill>
-                  <a:schemeClr val="tx1"/>
-                </a:solidFill>
-                <a:latin typeface="+mn-lt"/>
-                <a:ea typeface="+mn-ea"/>
-                <a:cs typeface="+mn-cs"/>
-              </a:defRPr>
-            </a:lvl9pPr>
-          </a:lstStyle>
-          <a:p>
-            <a:pPr algn="l"/>
-            <a:r>
-              <a:rPr lang="pt-BR" sz="4000" b="1" i="0" dirty="0">
-                <a:solidFill>
-                  <a:schemeClr val="bg1"/>
-                </a:solidFill>
-                <a:effectLst/>
-                <a:latin typeface="Segoe UI" panose="020B0502040204020203" pitchFamily="34" charset="0"/>
               </a:rPr>
-              <a:t>Questão</a:t>
+              <a:t>https://customervoice.microsoft.com/Pages/ResponsePage.aspx?id=v4j5cvGGr0GRqy180BHbR7en2Ais5pxKtso_Pz4b1_xUOFA5Qk1UWDRBMjg0WFhPMkIzTzhKQ1dWNyQlQCN0PWcu</a:t>
             </a:r>
           </a:p>
         </p:txBody>
       </p:sp>
       <p:pic>
         <p:nvPicPr>
-          <p:cNvPr id="3" name="Imagem 2">
+          <p:cNvPr id="7" name="Imagem 6">
             <a:extLst>
               <a:ext uri="{FF2B5EF4-FFF2-40B4-BE49-F238E27FC236}">
-                <a16:creationId xmlns:a16="http://schemas.microsoft.com/office/drawing/2014/main" id="{7C5FDC98-C31B-F507-C994-BC3112CB4E03}"/>
+                <a16:creationId xmlns:a16="http://schemas.microsoft.com/office/drawing/2014/main" id="{B812E6CA-E671-5E1C-F0F0-4D59D6148E7C}"/>
               </a:ext>
             </a:extLst>
           </p:cNvPr>
@@ -31218,18 +30002,268 @@
         </p:blipFill>
         <p:spPr>
           <a:xfrm>
-            <a:off x="532254" y="1819441"/>
-            <a:ext cx="7859222" cy="2124371"/>
+            <a:off x="4593399" y="2106999"/>
+            <a:ext cx="2607652" cy="2442611"/>
+          </a:xfrm>
+          <a:prstGeom prst="rect">
+            <a:avLst/>
+          </a:prstGeom>
+          <a:ln>
+            <a:noFill/>
+          </a:ln>
+          <a:effectLst>
+            <a:softEdge rad="112500"/>
+          </a:effectLst>
+        </p:spPr>
+        <p:style>
+          <a:lnRef idx="2">
+            <a:schemeClr val="accent3">
+              <a:shade val="15000"/>
+            </a:schemeClr>
+          </a:lnRef>
+          <a:fillRef idx="1">
+            <a:schemeClr val="accent3"/>
+          </a:fillRef>
+          <a:effectRef idx="0">
+            <a:schemeClr val="accent3"/>
+          </a:effectRef>
+          <a:fontRef idx="minor">
+            <a:schemeClr val="lt1"/>
+          </a:fontRef>
+        </p:style>
+      </p:pic>
+      <p:sp>
+        <p:nvSpPr>
+          <p:cNvPr id="8" name="Espaço Reservado para Texto 2">
+            <a:extLst>
+              <a:ext uri="{FF2B5EF4-FFF2-40B4-BE49-F238E27FC236}">
+                <a16:creationId xmlns:a16="http://schemas.microsoft.com/office/drawing/2014/main" id="{B0A2DA19-2FA7-0E77-4EB4-1C324C7738EA}"/>
+              </a:ext>
+            </a:extLst>
+          </p:cNvPr>
+          <p:cNvSpPr txBox="1">
+            <a:spLocks/>
+          </p:cNvSpPr>
+          <p:nvPr/>
+        </p:nvSpPr>
+        <p:spPr>
+          <a:xfrm>
+            <a:off x="451338" y="803485"/>
+            <a:ext cx="9795376" cy="677108"/>
           </a:xfrm>
           <a:prstGeom prst="rect">
             <a:avLst/>
           </a:prstGeom>
         </p:spPr>
-      </p:pic>
+        <p:txBody>
+          <a:bodyPr vert="horz" wrap="square" lIns="0" tIns="91440" rIns="146304" bIns="91440" rtlCol="0">
+            <a:spAutoFit/>
+          </a:bodyPr>
+          <a:lstStyle>
+            <a:lvl1pPr marL="0" marR="0" indent="0" algn="l" defTabSz="932742" rtl="0" eaLnBrk="1" fontAlgn="auto" latinLnBrk="0" hangingPunct="1">
+              <a:lnSpc>
+                <a:spcPct val="100000"/>
+              </a:lnSpc>
+              <a:spcBef>
+                <a:spcPts val="0"/>
+              </a:spcBef>
+              <a:spcAft>
+                <a:spcPts val="0"/>
+              </a:spcAft>
+              <a:buClrTx/>
+              <a:buSzPct val="90000"/>
+              <a:buFont typeface="Wingdings" panose="05000000000000000000" pitchFamily="2" charset="2"/>
+              <a:buNone/>
+              <a:tabLst/>
+              <a:defRPr sz="1800" kern="1200" spc="-50" baseline="0">
+                <a:solidFill>
+                  <a:schemeClr val="bg2"/>
+                </a:solidFill>
+                <a:latin typeface="+mj-lt"/>
+                <a:ea typeface="+mn-ea"/>
+                <a:cs typeface="+mn-cs"/>
+              </a:defRPr>
+            </a:lvl1pPr>
+            <a:lvl2pPr marL="0" marR="0" indent="0" algn="l" defTabSz="932742" rtl="0" eaLnBrk="1" fontAlgn="auto" latinLnBrk="0" hangingPunct="1">
+              <a:lnSpc>
+                <a:spcPct val="100000"/>
+              </a:lnSpc>
+              <a:spcBef>
+                <a:spcPts val="0"/>
+              </a:spcBef>
+              <a:spcAft>
+                <a:spcPts val="0"/>
+              </a:spcAft>
+              <a:buClrTx/>
+              <a:buSzPct val="90000"/>
+              <a:buFontTx/>
+              <a:buNone/>
+              <a:tabLst/>
+              <a:defRPr sz="1800" kern="1200" spc="0" baseline="0">
+                <a:solidFill>
+                  <a:srgbClr val="000000"/>
+                </a:solidFill>
+                <a:latin typeface="+mn-lt"/>
+                <a:ea typeface="+mn-ea"/>
+                <a:cs typeface="+mn-cs"/>
+              </a:defRPr>
+            </a:lvl2pPr>
+            <a:lvl3pPr marL="0" marR="0" indent="0" algn="l" defTabSz="932742" rtl="0" eaLnBrk="1" fontAlgn="auto" latinLnBrk="0" hangingPunct="1">
+              <a:lnSpc>
+                <a:spcPct val="100000"/>
+              </a:lnSpc>
+              <a:spcBef>
+                <a:spcPts val="0"/>
+              </a:spcBef>
+              <a:spcAft>
+                <a:spcPts val="0"/>
+              </a:spcAft>
+              <a:buClrTx/>
+              <a:buSzPct val="90000"/>
+              <a:buFont typeface="Wingdings" panose="05000000000000000000" pitchFamily="2" charset="2"/>
+              <a:buNone/>
+              <a:tabLst/>
+              <a:defRPr sz="1400" kern="1200" spc="0" baseline="0">
+                <a:solidFill>
+                  <a:schemeClr val="tx2"/>
+                </a:solidFill>
+                <a:latin typeface="+mj-lt"/>
+                <a:ea typeface="+mn-ea"/>
+                <a:cs typeface="+mn-cs"/>
+              </a:defRPr>
+            </a:lvl3pPr>
+            <a:lvl4pPr marL="0" marR="0" indent="0" algn="l" defTabSz="932742" rtl="0" eaLnBrk="1" fontAlgn="auto" latinLnBrk="0" hangingPunct="1">
+              <a:lnSpc>
+                <a:spcPct val="100000"/>
+              </a:lnSpc>
+              <a:spcBef>
+                <a:spcPts val="0"/>
+              </a:spcBef>
+              <a:spcAft>
+                <a:spcPts val="0"/>
+              </a:spcAft>
+              <a:buClrTx/>
+              <a:buSzPct val="90000"/>
+              <a:buFont typeface="Wingdings" panose="05000000000000000000" pitchFamily="2" charset="2"/>
+              <a:buNone/>
+              <a:tabLst/>
+              <a:defRPr sz="1400" kern="1200" spc="0" baseline="0">
+                <a:solidFill>
+                  <a:srgbClr val="000000"/>
+                </a:solidFill>
+                <a:latin typeface="+mn-lt"/>
+                <a:ea typeface="+mn-ea"/>
+                <a:cs typeface="+mn-cs"/>
+              </a:defRPr>
+            </a:lvl4pPr>
+            <a:lvl5pPr marL="0" marR="0" indent="0" algn="l" defTabSz="932742" rtl="0" eaLnBrk="1" fontAlgn="auto" latinLnBrk="0" hangingPunct="1">
+              <a:lnSpc>
+                <a:spcPct val="100000"/>
+              </a:lnSpc>
+              <a:spcBef>
+                <a:spcPts val="0"/>
+              </a:spcBef>
+              <a:spcAft>
+                <a:spcPts val="0"/>
+              </a:spcAft>
+              <a:buClrTx/>
+              <a:buSzPct val="90000"/>
+              <a:buFont typeface="Wingdings" panose="05000000000000000000" pitchFamily="2" charset="2"/>
+              <a:buNone/>
+              <a:tabLst/>
+              <a:defRPr sz="1050" b="1" kern="1200" spc="0" baseline="0">
+                <a:solidFill>
+                  <a:srgbClr val="000000"/>
+                </a:solidFill>
+                <a:latin typeface="+mn-lt"/>
+                <a:ea typeface="+mn-ea"/>
+                <a:cs typeface="+mn-cs"/>
+              </a:defRPr>
+            </a:lvl5pPr>
+            <a:lvl6pPr marL="2331854" indent="0" algn="l" defTabSz="932742" rtl="0" eaLnBrk="1" latinLnBrk="0" hangingPunct="1">
+              <a:spcBef>
+                <a:spcPct val="20000"/>
+              </a:spcBef>
+              <a:buFont typeface="Arial" pitchFamily="34" charset="0"/>
+              <a:buNone/>
+              <a:defRPr sz="2000" kern="1200">
+                <a:solidFill>
+                  <a:schemeClr val="tx1"/>
+                </a:solidFill>
+                <a:latin typeface="+mn-lt"/>
+                <a:ea typeface="+mn-ea"/>
+                <a:cs typeface="+mn-cs"/>
+              </a:defRPr>
+            </a:lvl6pPr>
+            <a:lvl7pPr marL="0" indent="0" algn="l" defTabSz="932742" rtl="0" eaLnBrk="1" latinLnBrk="0" hangingPunct="1">
+              <a:lnSpc>
+                <a:spcPct val="100000"/>
+              </a:lnSpc>
+              <a:spcBef>
+                <a:spcPts val="0"/>
+              </a:spcBef>
+              <a:spcAft>
+                <a:spcPts val="0"/>
+              </a:spcAft>
+              <a:buFont typeface="Arial" pitchFamily="34" charset="0"/>
+              <a:buNone/>
+              <a:defRPr sz="1000" kern="1200">
+                <a:solidFill>
+                  <a:srgbClr val="000000"/>
+                </a:solidFill>
+                <a:latin typeface="+mn-lt"/>
+                <a:ea typeface="+mn-ea"/>
+                <a:cs typeface="+mn-cs"/>
+              </a:defRPr>
+            </a:lvl7pPr>
+            <a:lvl8pPr marL="3497783" indent="-233186" algn="l" defTabSz="932742" rtl="0" eaLnBrk="1" latinLnBrk="0" hangingPunct="1">
+              <a:spcBef>
+                <a:spcPct val="20000"/>
+              </a:spcBef>
+              <a:buFont typeface="Arial" pitchFamily="34" charset="0"/>
+              <a:buChar char="•"/>
+              <a:defRPr sz="2000" kern="1200">
+                <a:solidFill>
+                  <a:schemeClr val="tx1"/>
+                </a:solidFill>
+                <a:latin typeface="+mn-lt"/>
+                <a:ea typeface="+mn-ea"/>
+                <a:cs typeface="+mn-cs"/>
+              </a:defRPr>
+            </a:lvl8pPr>
+            <a:lvl9pPr marL="3964155" indent="-233186" algn="l" defTabSz="932742" rtl="0" eaLnBrk="1" latinLnBrk="0" hangingPunct="1">
+              <a:spcBef>
+                <a:spcPct val="20000"/>
+              </a:spcBef>
+              <a:buFont typeface="Arial" pitchFamily="34" charset="0"/>
+              <a:buChar char="•"/>
+              <a:defRPr sz="2000" kern="1200">
+                <a:solidFill>
+                  <a:schemeClr val="tx1"/>
+                </a:solidFill>
+                <a:latin typeface="+mn-lt"/>
+                <a:ea typeface="+mn-ea"/>
+                <a:cs typeface="+mn-cs"/>
+              </a:defRPr>
+            </a:lvl9pPr>
+          </a:lstStyle>
+          <a:p>
+            <a:r>
+              <a:rPr lang="pt-BR" sz="3200" dirty="0"/>
+              <a:t>Formulário para ter acesso ao recurso </a:t>
+            </a:r>
+            <a:r>
+              <a:rPr lang="pt-BR" sz="3200" dirty="0" err="1"/>
+              <a:t>AzureOpenAI</a:t>
+            </a:r>
+            <a:endParaRPr lang="pt-BR" sz="3200" dirty="0"/>
+          </a:p>
+        </p:txBody>
+      </p:sp>
     </p:spTree>
     <p:extLst>
       <p:ext uri="{BB962C8B-B14F-4D97-AF65-F5344CB8AC3E}">
-        <p14:creationId xmlns:p14="http://schemas.microsoft.com/office/powerpoint/2010/main" val="1768141652"/>
+        <p14:creationId xmlns:p14="http://schemas.microsoft.com/office/powerpoint/2010/main" val="1714491406"/>
       </p:ext>
     </p:extLst>
   </p:cSld>
@@ -31806,6 +30840,42 @@
           </a:p>
         </p:txBody>
       </p:sp>
+      <p:pic>
+        <p:nvPicPr>
+          <p:cNvPr id="2" name="Imagem 1">
+            <a:extLst>
+              <a:ext uri="{FF2B5EF4-FFF2-40B4-BE49-F238E27FC236}">
+                <a16:creationId xmlns:a16="http://schemas.microsoft.com/office/drawing/2014/main" id="{C806130A-FAF5-4001-836F-354748A1320C}"/>
+              </a:ext>
+            </a:extLst>
+          </p:cNvPr>
+          <p:cNvPicPr>
+            <a:picLocks noChangeAspect="1"/>
+          </p:cNvPicPr>
+          <p:nvPr/>
+        </p:nvPicPr>
+        <p:blipFill>
+          <a:blip r:embed="rId3"/>
+          <a:stretch>
+            <a:fillRect/>
+          </a:stretch>
+        </p:blipFill>
+        <p:spPr>
+          <a:xfrm>
+            <a:off x="7891251" y="4187147"/>
+            <a:ext cx="2952884" cy="2766665"/>
+          </a:xfrm>
+          <a:prstGeom prst="rect">
+            <a:avLst/>
+          </a:prstGeom>
+          <a:ln>
+            <a:noFill/>
+          </a:ln>
+          <a:effectLst>
+            <a:softEdge rad="112500"/>
+          </a:effectLst>
+        </p:spPr>
+      </p:pic>
     </p:spTree>
     <p:extLst>
       <p:ext uri="{BB962C8B-B14F-4D97-AF65-F5344CB8AC3E}">
@@ -33002,15 +32072,6 @@
 </file>
 
 <file path=customXml/item1.xml><?xml version="1.0" encoding="utf-8"?>
-<?mso-contentType ?>
-<FormTemplates xmlns="http://schemas.microsoft.com/sharepoint/v3/contenttype/forms">
-  <Display>DocumentLibraryForm</Display>
-  <Edit>DocumentLibraryForm</Edit>
-  <New>DocumentLibraryForm</New>
-</FormTemplates>
-</file>
-
-<file path=customXml/item2.xml><?xml version="1.0" encoding="utf-8"?>
 <ct:contentTypeSchema xmlns:ct="http://schemas.microsoft.com/office/2006/metadata/contentType" xmlns:ma="http://schemas.microsoft.com/office/2006/metadata/properties/metaAttributes" ct:_="" ma:_="" ma:contentTypeName="Document" ma:contentTypeID="0x010100C19B4546D391A349BE05AD29F9530504" ma:contentTypeVersion="8" ma:contentTypeDescription="Create a new document." ma:contentTypeScope="" ma:versionID="abefe0faccb33ea1c30b003d8120f948">
   <xsd:schema xmlns:xsd="http://www.w3.org/2001/XMLSchema" xmlns:xs="http://www.w3.org/2001/XMLSchema" xmlns:p="http://schemas.microsoft.com/office/2006/metadata/properties" xmlns:ns2="573658d2-825f-470e-8b88-a4a2deb94391" xmlns:ns3="9537331d-6386-4ea3-bab7-14a523f5dc52" targetNamespace="http://schemas.microsoft.com/office/2006/metadata/properties" ma:root="true" ma:fieldsID="aea6fda388b4fa532bd11596e8506557" ns2:_="" ns3:_="">
     <xsd:import namespace="573658d2-825f-470e-8b88-a4a2deb94391"/>
@@ -33187,6 +32248,15 @@
 </ct:contentTypeSchema>
 </file>
 
+<file path=customXml/item2.xml><?xml version="1.0" encoding="utf-8"?>
+<?mso-contentType ?>
+<FormTemplates xmlns="http://schemas.microsoft.com/sharepoint/v3/contenttype/forms">
+  <Display>DocumentLibraryForm</Display>
+  <Edit>DocumentLibraryForm</Edit>
+  <New>DocumentLibraryForm</New>
+</FormTemplates>
+</file>
+
 <file path=customXml/item3.xml><?xml version="1.0" encoding="utf-8"?>
 <p:properties xmlns:p="http://schemas.microsoft.com/office/2006/metadata/properties" xmlns:xsi="http://www.w3.org/2001/XMLSchema-instance" xmlns:pc="http://schemas.microsoft.com/office/infopath/2007/PartnerControls">
   <documentManagement>
@@ -33199,14 +32269,6 @@
 </file>
 
 <file path=customXml/itemProps1.xml><?xml version="1.0" encoding="utf-8"?>
-<ds:datastoreItem xmlns:ds="http://schemas.openxmlformats.org/officeDocument/2006/customXml" ds:itemID="{758FDAC0-319D-4A54-8D8E-1D42CB1F8004}">
-  <ds:schemaRefs>
-    <ds:schemaRef ds:uri="http://schemas.microsoft.com/sharepoint/v3/contenttype/forms"/>
-  </ds:schemaRefs>
-</ds:datastoreItem>
-</file>
-
-<file path=customXml/itemProps2.xml><?xml version="1.0" encoding="utf-8"?>
 <ds:datastoreItem xmlns:ds="http://schemas.openxmlformats.org/officeDocument/2006/customXml" ds:itemID="{614BD38F-8FF7-405C-9634-7E23E9D27E95}">
   <ds:schemaRefs>
     <ds:schemaRef ds:uri="573658d2-825f-470e-8b88-a4a2deb94391"/>
@@ -33221,6 +32283,14 @@
     <ds:schemaRef ds:uri="http://schemas.microsoft.com/office/infopath/2007/PartnerControls"/>
     <ds:schemaRef ds:uri="http://schemas.openxmlformats.org/package/2006/metadata/core-properties"/>
     <ds:schemaRef ds:uri="http://www.w3.org/2001/XMLSchema"/>
+  </ds:schemaRefs>
+</ds:datastoreItem>
+</file>
+
+<file path=customXml/itemProps2.xml><?xml version="1.0" encoding="utf-8"?>
+<ds:datastoreItem xmlns:ds="http://schemas.openxmlformats.org/officeDocument/2006/customXml" ds:itemID="{758FDAC0-319D-4A54-8D8E-1D42CB1F8004}">
+  <ds:schemaRefs>
+    <ds:schemaRef ds:uri="http://schemas.microsoft.com/sharepoint/v3/contenttype/forms"/>
   </ds:schemaRefs>
 </ds:datastoreItem>
 </file>

--- a/AzureOpenAI.pptx
+++ b/AzureOpenAI.pptx
@@ -3152,7 +3152,7 @@
               <a:rPr lang="en-US" smtClean="0">
                 <a:latin typeface="Segoe UI" pitchFamily="34" charset="0"/>
               </a:rPr>
-              <a:t>11/7/2023 7:25 PM</a:t>
+              <a:t>11/7/2023 8:52 PM</a:t>
             </a:fld>
             <a:endParaRPr lang="en-US">
               <a:latin typeface="Segoe UI" pitchFamily="34" charset="0"/>
@@ -3430,7 +3430,7 @@
           <a:p>
             <a:fld id="{DCE60099-03E7-4FA1-8A7F-E6E6CFB0F855}" type="datetime8">
               <a:rPr lang="en-US" smtClean="0"/>
-              <a:t>11/7/2023 7:24 PM</a:t>
+              <a:t>11/7/2023 8:49 PM</a:t>
             </a:fld>
             <a:endParaRPr lang="en-US"/>
           </a:p>
@@ -25597,7 +25597,7 @@
         </p:nvSpPr>
         <p:spPr>
           <a:xfrm>
-            <a:off x="451338" y="4994564"/>
+            <a:off x="1718823" y="5012671"/>
             <a:ext cx="10649356" cy="369332"/>
           </a:xfrm>
           <a:prstGeom prst="rect">
@@ -26261,7 +26261,7 @@
                 </a:solidFill>
                 <a:latin typeface="+mn-lt"/>
               </a:rPr>
-              <a:t>bur</a:t>
+              <a:t>búr</a:t>
             </a:r>
             <a:r>
               <a:rPr lang="pt-BR" altLang="pt-BR" sz="2400" dirty="0">
@@ -26279,7 +26279,7 @@
                 </a:solidFill>
                 <a:latin typeface="+mn-lt"/>
               </a:rPr>
-              <a:t>ger</a:t>
+              <a:t>guer</a:t>
             </a:r>
             <a:r>
               <a:rPr lang="pt-BR" altLang="pt-BR" sz="2400" dirty="0">
@@ -27877,8 +27877,13 @@
           <a:p>
             <a:r>
               <a:rPr lang="pt-BR" dirty="0"/>
-              <a:t>Prompt(iteração)</a:t>
-            </a:r>
+              <a:t>Prompt</a:t>
+            </a:r>
+            <a:r>
+              <a:rPr lang="pt-BR"/>
+              <a:t>(iterações)</a:t>
+            </a:r>
+            <a:endParaRPr lang="pt-BR" dirty="0"/>
           </a:p>
           <a:p>
             <a:endParaRPr lang="pt-BR" dirty="0"/>
@@ -32072,6 +32077,15 @@
 </file>
 
 <file path=customXml/item1.xml><?xml version="1.0" encoding="utf-8"?>
+<?mso-contentType ?>
+<FormTemplates xmlns="http://schemas.microsoft.com/sharepoint/v3/contenttype/forms">
+  <Display>DocumentLibraryForm</Display>
+  <Edit>DocumentLibraryForm</Edit>
+  <New>DocumentLibraryForm</New>
+</FormTemplates>
+</file>
+
+<file path=customXml/item2.xml><?xml version="1.0" encoding="utf-8"?>
 <ct:contentTypeSchema xmlns:ct="http://schemas.microsoft.com/office/2006/metadata/contentType" xmlns:ma="http://schemas.microsoft.com/office/2006/metadata/properties/metaAttributes" ct:_="" ma:_="" ma:contentTypeName="Document" ma:contentTypeID="0x010100C19B4546D391A349BE05AD29F9530504" ma:contentTypeVersion="8" ma:contentTypeDescription="Create a new document." ma:contentTypeScope="" ma:versionID="abefe0faccb33ea1c30b003d8120f948">
   <xsd:schema xmlns:xsd="http://www.w3.org/2001/XMLSchema" xmlns:xs="http://www.w3.org/2001/XMLSchema" xmlns:p="http://schemas.microsoft.com/office/2006/metadata/properties" xmlns:ns2="573658d2-825f-470e-8b88-a4a2deb94391" xmlns:ns3="9537331d-6386-4ea3-bab7-14a523f5dc52" targetNamespace="http://schemas.microsoft.com/office/2006/metadata/properties" ma:root="true" ma:fieldsID="aea6fda388b4fa532bd11596e8506557" ns2:_="" ns3:_="">
     <xsd:import namespace="573658d2-825f-470e-8b88-a4a2deb94391"/>
@@ -32248,15 +32262,6 @@
 </ct:contentTypeSchema>
 </file>
 
-<file path=customXml/item2.xml><?xml version="1.0" encoding="utf-8"?>
-<?mso-contentType ?>
-<FormTemplates xmlns="http://schemas.microsoft.com/sharepoint/v3/contenttype/forms">
-  <Display>DocumentLibraryForm</Display>
-  <Edit>DocumentLibraryForm</Edit>
-  <New>DocumentLibraryForm</New>
-</FormTemplates>
-</file>
-
 <file path=customXml/item3.xml><?xml version="1.0" encoding="utf-8"?>
 <p:properties xmlns:p="http://schemas.microsoft.com/office/2006/metadata/properties" xmlns:xsi="http://www.w3.org/2001/XMLSchema-instance" xmlns:pc="http://schemas.microsoft.com/office/infopath/2007/PartnerControls">
   <documentManagement>
@@ -32269,6 +32274,14 @@
 </file>
 
 <file path=customXml/itemProps1.xml><?xml version="1.0" encoding="utf-8"?>
+<ds:datastoreItem xmlns:ds="http://schemas.openxmlformats.org/officeDocument/2006/customXml" ds:itemID="{758FDAC0-319D-4A54-8D8E-1D42CB1F8004}">
+  <ds:schemaRefs>
+    <ds:schemaRef ds:uri="http://schemas.microsoft.com/sharepoint/v3/contenttype/forms"/>
+  </ds:schemaRefs>
+</ds:datastoreItem>
+</file>
+
+<file path=customXml/itemProps2.xml><?xml version="1.0" encoding="utf-8"?>
 <ds:datastoreItem xmlns:ds="http://schemas.openxmlformats.org/officeDocument/2006/customXml" ds:itemID="{614BD38F-8FF7-405C-9634-7E23E9D27E95}">
   <ds:schemaRefs>
     <ds:schemaRef ds:uri="573658d2-825f-470e-8b88-a4a2deb94391"/>
@@ -32283,14 +32296,6 @@
     <ds:schemaRef ds:uri="http://schemas.microsoft.com/office/infopath/2007/PartnerControls"/>
     <ds:schemaRef ds:uri="http://schemas.openxmlformats.org/package/2006/metadata/core-properties"/>
     <ds:schemaRef ds:uri="http://www.w3.org/2001/XMLSchema"/>
-  </ds:schemaRefs>
-</ds:datastoreItem>
-</file>
-
-<file path=customXml/itemProps2.xml><?xml version="1.0" encoding="utf-8"?>
-<ds:datastoreItem xmlns:ds="http://schemas.openxmlformats.org/officeDocument/2006/customXml" ds:itemID="{758FDAC0-319D-4A54-8D8E-1D42CB1F8004}">
-  <ds:schemaRefs>
-    <ds:schemaRef ds:uri="http://schemas.microsoft.com/sharepoint/v3/contenttype/forms"/>
   </ds:schemaRefs>
 </ds:datastoreItem>
 </file>

--- a/AzureOpenAI.pptx
+++ b/AzureOpenAI.pptx
@@ -24,9 +24,9 @@
     <p:sldId id="1722" r:id="rId15"/>
     <p:sldId id="1712" r:id="rId16"/>
     <p:sldId id="1708" r:id="rId17"/>
-    <p:sldId id="1715" r:id="rId18"/>
-    <p:sldId id="1709" r:id="rId19"/>
-    <p:sldId id="1710" r:id="rId20"/>
+    <p:sldId id="1709" r:id="rId18"/>
+    <p:sldId id="1710" r:id="rId19"/>
+    <p:sldId id="1715" r:id="rId20"/>
     <p:sldId id="1718" r:id="rId21"/>
     <p:sldId id="1734" r:id="rId22"/>
     <p:sldId id="1719" r:id="rId23"/>
@@ -149,9 +149,9 @@
             <p14:sldId id="1722"/>
             <p14:sldId id="1712"/>
             <p14:sldId id="1708"/>
-            <p14:sldId id="1715"/>
             <p14:sldId id="1709"/>
             <p14:sldId id="1710"/>
+            <p14:sldId id="1715"/>
             <p14:sldId id="1718"/>
             <p14:sldId id="1734"/>
             <p14:sldId id="1719"/>
@@ -3152,7 +3152,7 @@
               <a:rPr lang="en-US" smtClean="0">
                 <a:latin typeface="Segoe UI" pitchFamily="34" charset="0"/>
               </a:rPr>
-              <a:t>11/7/2023 8:52 PM</a:t>
+              <a:t>11/18/2023 4:50 PM</a:t>
             </a:fld>
             <a:endParaRPr lang="en-US">
               <a:latin typeface="Segoe UI" pitchFamily="34" charset="0"/>
@@ -3430,7 +3430,7 @@
           <a:p>
             <a:fld id="{DCE60099-03E7-4FA1-8A7F-E6E6CFB0F855}" type="datetime8">
               <a:rPr lang="en-US" smtClean="0"/>
-              <a:t>11/7/2023 8:49 PM</a:t>
+              <a:t>11/18/2023 4:50 PM</a:t>
             </a:fld>
             <a:endParaRPr lang="en-US"/>
           </a:p>
@@ -4091,7 +4091,7 @@
     </p:spTree>
     <p:extLst>
       <p:ext uri="{BB962C8B-B14F-4D97-AF65-F5344CB8AC3E}">
-        <p14:creationId xmlns:p14="http://schemas.microsoft.com/office/powerpoint/2010/main" val="994224619"/>
+        <p14:creationId xmlns:p14="http://schemas.microsoft.com/office/powerpoint/2010/main" val="3350812317"/>
       </p:ext>
     </p:extLst>
   </p:cSld>
@@ -4233,7 +4233,7 @@
     </p:spTree>
     <p:extLst>
       <p:ext uri="{BB962C8B-B14F-4D97-AF65-F5344CB8AC3E}">
-        <p14:creationId xmlns:p14="http://schemas.microsoft.com/office/powerpoint/2010/main" val="3350812317"/>
+        <p14:creationId xmlns:p14="http://schemas.microsoft.com/office/powerpoint/2010/main" val="2112005226"/>
       </p:ext>
     </p:extLst>
   </p:cSld>
@@ -4375,7 +4375,7 @@
     </p:spTree>
     <p:extLst>
       <p:ext uri="{BB962C8B-B14F-4D97-AF65-F5344CB8AC3E}">
-        <p14:creationId xmlns:p14="http://schemas.microsoft.com/office/powerpoint/2010/main" val="2112005226"/>
+        <p14:creationId xmlns:p14="http://schemas.microsoft.com/office/powerpoint/2010/main" val="994224619"/>
       </p:ext>
     </p:extLst>
   </p:cSld>
@@ -23815,40 +23815,53 @@
           <a:chExt cx="0" cy="0"/>
         </a:xfrm>
       </p:grpSpPr>
-      <p:sp>
-        <p:nvSpPr>
-          <p:cNvPr id="4" name="Title 3">
+      <p:pic>
+        <p:nvPicPr>
+          <p:cNvPr id="1026" name="Picture 2" descr="3º Encontro .NET Curitiba em Curitiba - Sympla">
             <a:extLst>
               <a:ext uri="{FF2B5EF4-FFF2-40B4-BE49-F238E27FC236}">
-                <a16:creationId xmlns:a16="http://schemas.microsoft.com/office/drawing/2014/main" id="{7166BC3F-6A16-DB4C-8A9C-2C7E6887FED3}"/>
+                <a16:creationId xmlns:a16="http://schemas.microsoft.com/office/drawing/2014/main" id="{28E6C4A4-7DDA-9291-5371-450A2ED6235C}"/>
               </a:ext>
             </a:extLst>
           </p:cNvPr>
-          <p:cNvSpPr>
-            <a:spLocks noGrp="1"/>
-          </p:cNvSpPr>
-          <p:nvPr>
-            <p:ph type="title"/>
-          </p:nvPr>
-        </p:nvSpPr>
-        <p:spPr>
+          <p:cNvPicPr>
+            <a:picLocks noChangeAspect="1" noChangeArrowheads="1"/>
+          </p:cNvPicPr>
+          <p:nvPr/>
+        </p:nvPicPr>
+        <p:blipFill>
+          <a:blip r:embed="rId3">
+            <a:extLst>
+              <a:ext uri="{28A0092B-C50C-407E-A947-70E740481C1C}">
+                <a14:useLocalDpi xmlns:a14="http://schemas.microsoft.com/office/drawing/2010/main" val="0"/>
+              </a:ext>
+            </a:extLst>
+          </a:blip>
+          <a:srcRect/>
+          <a:stretch>
+            <a:fillRect/>
+          </a:stretch>
+        </p:blipFill>
+        <p:spPr bwMode="auto">
           <a:xfrm>
-            <a:off x="409405" y="3038224"/>
-            <a:ext cx="9823498" cy="918490"/>
+            <a:off x="-111082" y="-1"/>
+            <a:ext cx="12597756" cy="7097917"/>
           </a:xfrm>
+          <a:prstGeom prst="rect">
+            <a:avLst/>
+          </a:prstGeom>
+          <a:noFill/>
+          <a:extLst>
+            <a:ext uri="{909E8E84-426E-40DD-AFC4-6F175D3DCCD1}">
+              <a14:hiddenFill xmlns:a14="http://schemas.microsoft.com/office/drawing/2010/main">
+                <a:solidFill>
+                  <a:srgbClr val="FFFFFF"/>
+                </a:solidFill>
+              </a14:hiddenFill>
+            </a:ext>
+          </a:extLst>
         </p:spPr>
-        <p:txBody>
-          <a:bodyPr/>
-          <a:lstStyle/>
-          <a:p>
-            <a:r>
-              <a:rPr lang="en-US" dirty="0" err="1"/>
-              <a:t>AzureOpenAI</a:t>
-            </a:r>
-            <a:endParaRPr lang="en-US" dirty="0"/>
-          </a:p>
-        </p:txBody>
-      </p:sp>
+      </p:pic>
     </p:spTree>
     <p:extLst>
       <p:ext uri="{BB962C8B-B14F-4D97-AF65-F5344CB8AC3E}">
@@ -25320,271 +25333,6 @@
       </p:grpSpPr>
       <p:sp>
         <p:nvSpPr>
-          <p:cNvPr id="6" name="Espaço Reservado para Texto 2">
-            <a:extLst>
-              <a:ext uri="{FF2B5EF4-FFF2-40B4-BE49-F238E27FC236}">
-                <a16:creationId xmlns:a16="http://schemas.microsoft.com/office/drawing/2014/main" id="{4241B9D4-4E11-C865-F7EE-C8ADDF366F9D}"/>
-              </a:ext>
-            </a:extLst>
-          </p:cNvPr>
-          <p:cNvSpPr txBox="1">
-            <a:spLocks/>
-          </p:cNvSpPr>
-          <p:nvPr/>
-        </p:nvSpPr>
-        <p:spPr>
-          <a:xfrm>
-            <a:off x="451338" y="803485"/>
-            <a:ext cx="9795376" cy="923330"/>
-          </a:xfrm>
-          <a:prstGeom prst="rect">
-            <a:avLst/>
-          </a:prstGeom>
-        </p:spPr>
-        <p:txBody>
-          <a:bodyPr vert="horz" wrap="square" lIns="0" tIns="91440" rIns="146304" bIns="91440" rtlCol="0">
-            <a:spAutoFit/>
-          </a:bodyPr>
-          <a:lstStyle>
-            <a:lvl1pPr marL="0" marR="0" indent="0" algn="l" defTabSz="932742" rtl="0" eaLnBrk="1" fontAlgn="auto" latinLnBrk="0" hangingPunct="1">
-              <a:lnSpc>
-                <a:spcPct val="100000"/>
-              </a:lnSpc>
-              <a:spcBef>
-                <a:spcPts val="0"/>
-              </a:spcBef>
-              <a:spcAft>
-                <a:spcPts val="0"/>
-              </a:spcAft>
-              <a:buClrTx/>
-              <a:buSzPct val="90000"/>
-              <a:buFont typeface="Wingdings" panose="05000000000000000000" pitchFamily="2" charset="2"/>
-              <a:buNone/>
-              <a:tabLst/>
-              <a:defRPr sz="1800" kern="1200" spc="-50" baseline="0">
-                <a:solidFill>
-                  <a:schemeClr val="bg2"/>
-                </a:solidFill>
-                <a:latin typeface="+mj-lt"/>
-                <a:ea typeface="+mn-ea"/>
-                <a:cs typeface="+mn-cs"/>
-              </a:defRPr>
-            </a:lvl1pPr>
-            <a:lvl2pPr marL="0" marR="0" indent="0" algn="l" defTabSz="932742" rtl="0" eaLnBrk="1" fontAlgn="auto" latinLnBrk="0" hangingPunct="1">
-              <a:lnSpc>
-                <a:spcPct val="100000"/>
-              </a:lnSpc>
-              <a:spcBef>
-                <a:spcPts val="0"/>
-              </a:spcBef>
-              <a:spcAft>
-                <a:spcPts val="0"/>
-              </a:spcAft>
-              <a:buClrTx/>
-              <a:buSzPct val="90000"/>
-              <a:buFontTx/>
-              <a:buNone/>
-              <a:tabLst/>
-              <a:defRPr sz="1800" kern="1200" spc="0" baseline="0">
-                <a:solidFill>
-                  <a:srgbClr val="000000"/>
-                </a:solidFill>
-                <a:latin typeface="+mn-lt"/>
-                <a:ea typeface="+mn-ea"/>
-                <a:cs typeface="+mn-cs"/>
-              </a:defRPr>
-            </a:lvl2pPr>
-            <a:lvl3pPr marL="0" marR="0" indent="0" algn="l" defTabSz="932742" rtl="0" eaLnBrk="1" fontAlgn="auto" latinLnBrk="0" hangingPunct="1">
-              <a:lnSpc>
-                <a:spcPct val="100000"/>
-              </a:lnSpc>
-              <a:spcBef>
-                <a:spcPts val="0"/>
-              </a:spcBef>
-              <a:spcAft>
-                <a:spcPts val="0"/>
-              </a:spcAft>
-              <a:buClrTx/>
-              <a:buSzPct val="90000"/>
-              <a:buFont typeface="Wingdings" panose="05000000000000000000" pitchFamily="2" charset="2"/>
-              <a:buNone/>
-              <a:tabLst/>
-              <a:defRPr sz="1400" kern="1200" spc="0" baseline="0">
-                <a:solidFill>
-                  <a:schemeClr val="tx2"/>
-                </a:solidFill>
-                <a:latin typeface="+mj-lt"/>
-                <a:ea typeface="+mn-ea"/>
-                <a:cs typeface="+mn-cs"/>
-              </a:defRPr>
-            </a:lvl3pPr>
-            <a:lvl4pPr marL="0" marR="0" indent="0" algn="l" defTabSz="932742" rtl="0" eaLnBrk="1" fontAlgn="auto" latinLnBrk="0" hangingPunct="1">
-              <a:lnSpc>
-                <a:spcPct val="100000"/>
-              </a:lnSpc>
-              <a:spcBef>
-                <a:spcPts val="0"/>
-              </a:spcBef>
-              <a:spcAft>
-                <a:spcPts val="0"/>
-              </a:spcAft>
-              <a:buClrTx/>
-              <a:buSzPct val="90000"/>
-              <a:buFont typeface="Wingdings" panose="05000000000000000000" pitchFamily="2" charset="2"/>
-              <a:buNone/>
-              <a:tabLst/>
-              <a:defRPr sz="1400" kern="1200" spc="0" baseline="0">
-                <a:solidFill>
-                  <a:srgbClr val="000000"/>
-                </a:solidFill>
-                <a:latin typeface="+mn-lt"/>
-                <a:ea typeface="+mn-ea"/>
-                <a:cs typeface="+mn-cs"/>
-              </a:defRPr>
-            </a:lvl4pPr>
-            <a:lvl5pPr marL="0" marR="0" indent="0" algn="l" defTabSz="932742" rtl="0" eaLnBrk="1" fontAlgn="auto" latinLnBrk="0" hangingPunct="1">
-              <a:lnSpc>
-                <a:spcPct val="100000"/>
-              </a:lnSpc>
-              <a:spcBef>
-                <a:spcPts val="0"/>
-              </a:spcBef>
-              <a:spcAft>
-                <a:spcPts val="0"/>
-              </a:spcAft>
-              <a:buClrTx/>
-              <a:buSzPct val="90000"/>
-              <a:buFont typeface="Wingdings" panose="05000000000000000000" pitchFamily="2" charset="2"/>
-              <a:buNone/>
-              <a:tabLst/>
-              <a:defRPr sz="1050" b="1" kern="1200" spc="0" baseline="0">
-                <a:solidFill>
-                  <a:srgbClr val="000000"/>
-                </a:solidFill>
-                <a:latin typeface="+mn-lt"/>
-                <a:ea typeface="+mn-ea"/>
-                <a:cs typeface="+mn-cs"/>
-              </a:defRPr>
-            </a:lvl5pPr>
-            <a:lvl6pPr marL="2331854" indent="0" algn="l" defTabSz="932742" rtl="0" eaLnBrk="1" latinLnBrk="0" hangingPunct="1">
-              <a:spcBef>
-                <a:spcPct val="20000"/>
-              </a:spcBef>
-              <a:buFont typeface="Arial" pitchFamily="34" charset="0"/>
-              <a:buNone/>
-              <a:defRPr sz="2000" kern="1200">
-                <a:solidFill>
-                  <a:schemeClr val="tx1"/>
-                </a:solidFill>
-                <a:latin typeface="+mn-lt"/>
-                <a:ea typeface="+mn-ea"/>
-                <a:cs typeface="+mn-cs"/>
-              </a:defRPr>
-            </a:lvl6pPr>
-            <a:lvl7pPr marL="0" indent="0" algn="l" defTabSz="932742" rtl="0" eaLnBrk="1" latinLnBrk="0" hangingPunct="1">
-              <a:lnSpc>
-                <a:spcPct val="100000"/>
-              </a:lnSpc>
-              <a:spcBef>
-                <a:spcPts val="0"/>
-              </a:spcBef>
-              <a:spcAft>
-                <a:spcPts val="0"/>
-              </a:spcAft>
-              <a:buFont typeface="Arial" pitchFamily="34" charset="0"/>
-              <a:buNone/>
-              <a:defRPr sz="1000" kern="1200">
-                <a:solidFill>
-                  <a:srgbClr val="000000"/>
-                </a:solidFill>
-                <a:latin typeface="+mn-lt"/>
-                <a:ea typeface="+mn-ea"/>
-                <a:cs typeface="+mn-cs"/>
-              </a:defRPr>
-            </a:lvl7pPr>
-            <a:lvl8pPr marL="3497783" indent="-233186" algn="l" defTabSz="932742" rtl="0" eaLnBrk="1" latinLnBrk="0" hangingPunct="1">
-              <a:spcBef>
-                <a:spcPct val="20000"/>
-              </a:spcBef>
-              <a:buFont typeface="Arial" pitchFamily="34" charset="0"/>
-              <a:buChar char="•"/>
-              <a:defRPr sz="2000" kern="1200">
-                <a:solidFill>
-                  <a:schemeClr val="tx1"/>
-                </a:solidFill>
-                <a:latin typeface="+mn-lt"/>
-                <a:ea typeface="+mn-ea"/>
-                <a:cs typeface="+mn-cs"/>
-              </a:defRPr>
-            </a:lvl8pPr>
-            <a:lvl9pPr marL="3964155" indent="-233186" algn="l" defTabSz="932742" rtl="0" eaLnBrk="1" latinLnBrk="0" hangingPunct="1">
-              <a:spcBef>
-                <a:spcPct val="20000"/>
-              </a:spcBef>
-              <a:buFont typeface="Arial" pitchFamily="34" charset="0"/>
-              <a:buChar char="•"/>
-              <a:defRPr sz="2000" kern="1200">
-                <a:solidFill>
-                  <a:schemeClr val="tx1"/>
-                </a:solidFill>
-                <a:latin typeface="+mn-lt"/>
-                <a:ea typeface="+mn-ea"/>
-                <a:cs typeface="+mn-cs"/>
-              </a:defRPr>
-            </a:lvl9pPr>
-          </a:lstStyle>
-          <a:p>
-            <a:r>
-              <a:rPr lang="pt-BR" sz="4800" dirty="0"/>
-              <a:t>Demo</a:t>
-            </a:r>
-          </a:p>
-        </p:txBody>
-      </p:sp>
-    </p:spTree>
-    <p:extLst>
-      <p:ext uri="{BB962C8B-B14F-4D97-AF65-F5344CB8AC3E}">
-        <p14:creationId xmlns:p14="http://schemas.microsoft.com/office/powerpoint/2010/main" val="2918752199"/>
-      </p:ext>
-    </p:extLst>
-  </p:cSld>
-  <p:clrMapOvr>
-    <a:masterClrMapping/>
-  </p:clrMapOvr>
-  <mc:AlternateContent xmlns:mc="http://schemas.openxmlformats.org/markup-compatibility/2006" xmlns:p14="http://schemas.microsoft.com/office/powerpoint/2010/main">
-    <mc:Choice Requires="p14">
-      <p:transition spd="med" p14:dur="700">
-        <p:fade/>
-      </p:transition>
-    </mc:Choice>
-    <mc:Fallback xmlns="">
-      <p:transition spd="med">
-        <p:fade/>
-      </p:transition>
-    </mc:Fallback>
-  </mc:AlternateContent>
-</p:sld>
-</file>
-
-<file path=ppt/slides/slide14.xml><?xml version="1.0" encoding="utf-8"?>
-<p:sld xmlns:a="http://schemas.openxmlformats.org/drawingml/2006/main" xmlns:r="http://schemas.openxmlformats.org/officeDocument/2006/relationships" xmlns:p="http://schemas.openxmlformats.org/presentationml/2006/main">
-  <p:cSld>
-    <p:spTree>
-      <p:nvGrpSpPr>
-        <p:cNvPr id="1" name=""/>
-        <p:cNvGrpSpPr/>
-        <p:nvPr/>
-      </p:nvGrpSpPr>
-      <p:grpSpPr>
-        <a:xfrm>
-          <a:off x="0" y="0"/>
-          <a:ext cx="0" cy="0"/>
-          <a:chOff x="0" y="0"/>
-          <a:chExt cx="0" cy="0"/>
-        </a:xfrm>
-      </p:grpSpPr>
-      <p:sp>
-        <p:nvSpPr>
           <p:cNvPr id="5" name="CaixaDeTexto 4">
             <a:extLst>
               <a:ext uri="{FF2B5EF4-FFF2-40B4-BE49-F238E27FC236}">
@@ -25906,7 +25654,7 @@
 </p:sld>
 </file>
 
-<file path=ppt/slides/slide15.xml><?xml version="1.0" encoding="utf-8"?>
+<file path=ppt/slides/slide14.xml><?xml version="1.0" encoding="utf-8"?>
 <p:sld xmlns:a="http://schemas.openxmlformats.org/drawingml/2006/main" xmlns:r="http://schemas.openxmlformats.org/officeDocument/2006/relationships" xmlns:p="http://schemas.openxmlformats.org/presentationml/2006/main">
   <p:cSld>
     <p:spTree>
@@ -26557,6 +26305,271 @@
     <p:extLst>
       <p:ext uri="{BB962C8B-B14F-4D97-AF65-F5344CB8AC3E}">
         <p14:creationId xmlns:p14="http://schemas.microsoft.com/office/powerpoint/2010/main" val="931075014"/>
+      </p:ext>
+    </p:extLst>
+  </p:cSld>
+  <p:clrMapOvr>
+    <a:masterClrMapping/>
+  </p:clrMapOvr>
+  <mc:AlternateContent xmlns:mc="http://schemas.openxmlformats.org/markup-compatibility/2006" xmlns:p14="http://schemas.microsoft.com/office/powerpoint/2010/main">
+    <mc:Choice Requires="p14">
+      <p:transition spd="med" p14:dur="700">
+        <p:fade/>
+      </p:transition>
+    </mc:Choice>
+    <mc:Fallback xmlns="">
+      <p:transition spd="med">
+        <p:fade/>
+      </p:transition>
+    </mc:Fallback>
+  </mc:AlternateContent>
+</p:sld>
+</file>
+
+<file path=ppt/slides/slide15.xml><?xml version="1.0" encoding="utf-8"?>
+<p:sld xmlns:a="http://schemas.openxmlformats.org/drawingml/2006/main" xmlns:r="http://schemas.openxmlformats.org/officeDocument/2006/relationships" xmlns:p="http://schemas.openxmlformats.org/presentationml/2006/main">
+  <p:cSld>
+    <p:spTree>
+      <p:nvGrpSpPr>
+        <p:cNvPr id="1" name=""/>
+        <p:cNvGrpSpPr/>
+        <p:nvPr/>
+      </p:nvGrpSpPr>
+      <p:grpSpPr>
+        <a:xfrm>
+          <a:off x="0" y="0"/>
+          <a:ext cx="0" cy="0"/>
+          <a:chOff x="0" y="0"/>
+          <a:chExt cx="0" cy="0"/>
+        </a:xfrm>
+      </p:grpSpPr>
+      <p:sp>
+        <p:nvSpPr>
+          <p:cNvPr id="6" name="Espaço Reservado para Texto 2">
+            <a:extLst>
+              <a:ext uri="{FF2B5EF4-FFF2-40B4-BE49-F238E27FC236}">
+                <a16:creationId xmlns:a16="http://schemas.microsoft.com/office/drawing/2014/main" id="{4241B9D4-4E11-C865-F7EE-C8ADDF366F9D}"/>
+              </a:ext>
+            </a:extLst>
+          </p:cNvPr>
+          <p:cNvSpPr txBox="1">
+            <a:spLocks/>
+          </p:cNvSpPr>
+          <p:nvPr/>
+        </p:nvSpPr>
+        <p:spPr>
+          <a:xfrm>
+            <a:off x="451338" y="803485"/>
+            <a:ext cx="9795376" cy="923330"/>
+          </a:xfrm>
+          <a:prstGeom prst="rect">
+            <a:avLst/>
+          </a:prstGeom>
+        </p:spPr>
+        <p:txBody>
+          <a:bodyPr vert="horz" wrap="square" lIns="0" tIns="91440" rIns="146304" bIns="91440" rtlCol="0">
+            <a:spAutoFit/>
+          </a:bodyPr>
+          <a:lstStyle>
+            <a:lvl1pPr marL="0" marR="0" indent="0" algn="l" defTabSz="932742" rtl="0" eaLnBrk="1" fontAlgn="auto" latinLnBrk="0" hangingPunct="1">
+              <a:lnSpc>
+                <a:spcPct val="100000"/>
+              </a:lnSpc>
+              <a:spcBef>
+                <a:spcPts val="0"/>
+              </a:spcBef>
+              <a:spcAft>
+                <a:spcPts val="0"/>
+              </a:spcAft>
+              <a:buClrTx/>
+              <a:buSzPct val="90000"/>
+              <a:buFont typeface="Wingdings" panose="05000000000000000000" pitchFamily="2" charset="2"/>
+              <a:buNone/>
+              <a:tabLst/>
+              <a:defRPr sz="1800" kern="1200" spc="-50" baseline="0">
+                <a:solidFill>
+                  <a:schemeClr val="bg2"/>
+                </a:solidFill>
+                <a:latin typeface="+mj-lt"/>
+                <a:ea typeface="+mn-ea"/>
+                <a:cs typeface="+mn-cs"/>
+              </a:defRPr>
+            </a:lvl1pPr>
+            <a:lvl2pPr marL="0" marR="0" indent="0" algn="l" defTabSz="932742" rtl="0" eaLnBrk="1" fontAlgn="auto" latinLnBrk="0" hangingPunct="1">
+              <a:lnSpc>
+                <a:spcPct val="100000"/>
+              </a:lnSpc>
+              <a:spcBef>
+                <a:spcPts val="0"/>
+              </a:spcBef>
+              <a:spcAft>
+                <a:spcPts val="0"/>
+              </a:spcAft>
+              <a:buClrTx/>
+              <a:buSzPct val="90000"/>
+              <a:buFontTx/>
+              <a:buNone/>
+              <a:tabLst/>
+              <a:defRPr sz="1800" kern="1200" spc="0" baseline="0">
+                <a:solidFill>
+                  <a:srgbClr val="000000"/>
+                </a:solidFill>
+                <a:latin typeface="+mn-lt"/>
+                <a:ea typeface="+mn-ea"/>
+                <a:cs typeface="+mn-cs"/>
+              </a:defRPr>
+            </a:lvl2pPr>
+            <a:lvl3pPr marL="0" marR="0" indent="0" algn="l" defTabSz="932742" rtl="0" eaLnBrk="1" fontAlgn="auto" latinLnBrk="0" hangingPunct="1">
+              <a:lnSpc>
+                <a:spcPct val="100000"/>
+              </a:lnSpc>
+              <a:spcBef>
+                <a:spcPts val="0"/>
+              </a:spcBef>
+              <a:spcAft>
+                <a:spcPts val="0"/>
+              </a:spcAft>
+              <a:buClrTx/>
+              <a:buSzPct val="90000"/>
+              <a:buFont typeface="Wingdings" panose="05000000000000000000" pitchFamily="2" charset="2"/>
+              <a:buNone/>
+              <a:tabLst/>
+              <a:defRPr sz="1400" kern="1200" spc="0" baseline="0">
+                <a:solidFill>
+                  <a:schemeClr val="tx2"/>
+                </a:solidFill>
+                <a:latin typeface="+mj-lt"/>
+                <a:ea typeface="+mn-ea"/>
+                <a:cs typeface="+mn-cs"/>
+              </a:defRPr>
+            </a:lvl3pPr>
+            <a:lvl4pPr marL="0" marR="0" indent="0" algn="l" defTabSz="932742" rtl="0" eaLnBrk="1" fontAlgn="auto" latinLnBrk="0" hangingPunct="1">
+              <a:lnSpc>
+                <a:spcPct val="100000"/>
+              </a:lnSpc>
+              <a:spcBef>
+                <a:spcPts val="0"/>
+              </a:spcBef>
+              <a:spcAft>
+                <a:spcPts val="0"/>
+              </a:spcAft>
+              <a:buClrTx/>
+              <a:buSzPct val="90000"/>
+              <a:buFont typeface="Wingdings" panose="05000000000000000000" pitchFamily="2" charset="2"/>
+              <a:buNone/>
+              <a:tabLst/>
+              <a:defRPr sz="1400" kern="1200" spc="0" baseline="0">
+                <a:solidFill>
+                  <a:srgbClr val="000000"/>
+                </a:solidFill>
+                <a:latin typeface="+mn-lt"/>
+                <a:ea typeface="+mn-ea"/>
+                <a:cs typeface="+mn-cs"/>
+              </a:defRPr>
+            </a:lvl4pPr>
+            <a:lvl5pPr marL="0" marR="0" indent="0" algn="l" defTabSz="932742" rtl="0" eaLnBrk="1" fontAlgn="auto" latinLnBrk="0" hangingPunct="1">
+              <a:lnSpc>
+                <a:spcPct val="100000"/>
+              </a:lnSpc>
+              <a:spcBef>
+                <a:spcPts val="0"/>
+              </a:spcBef>
+              <a:spcAft>
+                <a:spcPts val="0"/>
+              </a:spcAft>
+              <a:buClrTx/>
+              <a:buSzPct val="90000"/>
+              <a:buFont typeface="Wingdings" panose="05000000000000000000" pitchFamily="2" charset="2"/>
+              <a:buNone/>
+              <a:tabLst/>
+              <a:defRPr sz="1050" b="1" kern="1200" spc="0" baseline="0">
+                <a:solidFill>
+                  <a:srgbClr val="000000"/>
+                </a:solidFill>
+                <a:latin typeface="+mn-lt"/>
+                <a:ea typeface="+mn-ea"/>
+                <a:cs typeface="+mn-cs"/>
+              </a:defRPr>
+            </a:lvl5pPr>
+            <a:lvl6pPr marL="2331854" indent="0" algn="l" defTabSz="932742" rtl="0" eaLnBrk="1" latinLnBrk="0" hangingPunct="1">
+              <a:spcBef>
+                <a:spcPct val="20000"/>
+              </a:spcBef>
+              <a:buFont typeface="Arial" pitchFamily="34" charset="0"/>
+              <a:buNone/>
+              <a:defRPr sz="2000" kern="1200">
+                <a:solidFill>
+                  <a:schemeClr val="tx1"/>
+                </a:solidFill>
+                <a:latin typeface="+mn-lt"/>
+                <a:ea typeface="+mn-ea"/>
+                <a:cs typeface="+mn-cs"/>
+              </a:defRPr>
+            </a:lvl6pPr>
+            <a:lvl7pPr marL="0" indent="0" algn="l" defTabSz="932742" rtl="0" eaLnBrk="1" latinLnBrk="0" hangingPunct="1">
+              <a:lnSpc>
+                <a:spcPct val="100000"/>
+              </a:lnSpc>
+              <a:spcBef>
+                <a:spcPts val="0"/>
+              </a:spcBef>
+              <a:spcAft>
+                <a:spcPts val="0"/>
+              </a:spcAft>
+              <a:buFont typeface="Arial" pitchFamily="34" charset="0"/>
+              <a:buNone/>
+              <a:defRPr sz="1000" kern="1200">
+                <a:solidFill>
+                  <a:srgbClr val="000000"/>
+                </a:solidFill>
+                <a:latin typeface="+mn-lt"/>
+                <a:ea typeface="+mn-ea"/>
+                <a:cs typeface="+mn-cs"/>
+              </a:defRPr>
+            </a:lvl7pPr>
+            <a:lvl8pPr marL="3497783" indent="-233186" algn="l" defTabSz="932742" rtl="0" eaLnBrk="1" latinLnBrk="0" hangingPunct="1">
+              <a:spcBef>
+                <a:spcPct val="20000"/>
+              </a:spcBef>
+              <a:buFont typeface="Arial" pitchFamily="34" charset="0"/>
+              <a:buChar char="•"/>
+              <a:defRPr sz="2000" kern="1200">
+                <a:solidFill>
+                  <a:schemeClr val="tx1"/>
+                </a:solidFill>
+                <a:latin typeface="+mn-lt"/>
+                <a:ea typeface="+mn-ea"/>
+                <a:cs typeface="+mn-cs"/>
+              </a:defRPr>
+            </a:lvl8pPr>
+            <a:lvl9pPr marL="3964155" indent="-233186" algn="l" defTabSz="932742" rtl="0" eaLnBrk="1" latinLnBrk="0" hangingPunct="1">
+              <a:spcBef>
+                <a:spcPct val="20000"/>
+              </a:spcBef>
+              <a:buFont typeface="Arial" pitchFamily="34" charset="0"/>
+              <a:buChar char="•"/>
+              <a:defRPr sz="2000" kern="1200">
+                <a:solidFill>
+                  <a:schemeClr val="tx1"/>
+                </a:solidFill>
+                <a:latin typeface="+mn-lt"/>
+                <a:ea typeface="+mn-ea"/>
+                <a:cs typeface="+mn-cs"/>
+              </a:defRPr>
+            </a:lvl9pPr>
+          </a:lstStyle>
+          <a:p>
+            <a:r>
+              <a:rPr lang="pt-BR" sz="4800" dirty="0"/>
+              <a:t>Demo</a:t>
+            </a:r>
+          </a:p>
+        </p:txBody>
+      </p:sp>
+    </p:spTree>
+    <p:extLst>
+      <p:ext uri="{BB962C8B-B14F-4D97-AF65-F5344CB8AC3E}">
+        <p14:creationId xmlns:p14="http://schemas.microsoft.com/office/powerpoint/2010/main" val="2918752199"/>
       </p:ext>
     </p:extLst>
   </p:cSld>
@@ -27150,7 +27163,7 @@
         <p:spPr>
           <a:xfrm>
             <a:off x="4740104" y="1410096"/>
-            <a:ext cx="7438926" cy="3819537"/>
+            <a:ext cx="7554502" cy="5479591"/>
           </a:xfrm>
           <a:prstGeom prst="rect">
             <a:avLst/>
@@ -27158,7 +27171,7 @@
         </p:spPr>
         <p:txBody>
           <a:bodyPr vert="horz" lIns="91440" tIns="45720" rIns="91440" bIns="45720" rtlCol="0" anchor="t">
-            <a:normAutofit fontScale="85000" lnSpcReduction="20000"/>
+            <a:normAutofit/>
           </a:bodyPr>
           <a:lstStyle>
             <a:defPPr>
@@ -27399,21 +27412,24 @@
                 <a:latin typeface="+mn-lt"/>
               </a:rPr>
             </a:br>
+            <a:endParaRPr lang="pt-BR" sz="2200" dirty="0">
+              <a:latin typeface="+mn-lt"/>
+            </a:endParaRPr>
+          </a:p>
+          <a:p>
+            <a:pPr marL="0" indent="0">
+              <a:buNone/>
+            </a:pPr>
             <a:br>
               <a:rPr lang="pt-BR" sz="2200" dirty="0">
                 <a:latin typeface="+mn-lt"/>
               </a:rPr>
             </a:br>
-            <a:br>
+            <a:r>
               <a:rPr lang="pt-BR" sz="2200" dirty="0">
                 <a:latin typeface="+mn-lt"/>
               </a:rPr>
-            </a:br>
-            <a:r>
-              <a:rPr lang="pt-BR" sz="2200" dirty="0">
-                <a:latin typeface="+mn-lt"/>
-              </a:rPr>
-              <a:t>Frase: COMPARTILHAR</a:t>
+              <a:t>                                Frase: COMPARTILHAR</a:t>
             </a:r>
           </a:p>
           <a:p>
@@ -28998,7 +29014,7 @@
         <p:spPr>
           <a:xfrm>
             <a:off x="451338" y="803485"/>
-            <a:ext cx="11837644" cy="3262432"/>
+            <a:ext cx="11837644" cy="3508653"/>
           </a:xfrm>
           <a:prstGeom prst="rect">
             <a:avLst/>
@@ -29199,16 +29215,6 @@
           <a:p>
             <a:pPr algn="l"/>
             <a:r>
-              <a:rPr lang="pt-BR" sz="4000" b="1" i="0" dirty="0">
-                <a:solidFill>
-                  <a:schemeClr val="bg1"/>
-                </a:solidFill>
-                <a:effectLst/>
-                <a:latin typeface="Segoe UI" panose="020B0502040204020203" pitchFamily="34" charset="0"/>
-              </a:rPr>
-              <a:t>Objetivo </a:t>
-            </a:r>
-            <a:r>
               <a:rPr lang="pt-BR" sz="4000" b="1" i="0" dirty="0" err="1">
                 <a:solidFill>
                   <a:schemeClr val="bg1"/>
@@ -29237,25 +29243,89 @@
           </a:p>
           <a:p>
             <a:pPr algn="l"/>
-            <a:r>
-              <a:rPr lang="pt-BR" sz="2000" b="1" i="0" dirty="0">
-                <a:solidFill>
-                  <a:schemeClr val="bg1"/>
-                </a:solidFill>
-                <a:effectLst/>
-                <a:latin typeface="Segoe UI" panose="020B0502040204020203" pitchFamily="34" charset="0"/>
-              </a:rPr>
-              <a:t>Utilizar a infraestrutura da Azure, incluindo segurança, conformidade e disponibilidade para ajudar a nós usuários a criar aplicativos corporativos</a:t>
-            </a:r>
-          </a:p>
-          <a:p>
-            <a:pPr algn="l"/>
-            <a:endParaRPr lang="pt-BR" sz="4000" b="1" dirty="0">
+            <a:endParaRPr lang="pt-BR" sz="2400" dirty="0">
               <a:solidFill>
                 <a:schemeClr val="bg1"/>
               </a:solidFill>
-              <a:latin typeface="Segoe UI" panose="020B0502040204020203" pitchFamily="34" charset="0"/>
+              <a:latin typeface="Arial" panose="020B0604020202020204" pitchFamily="34" charset="0"/>
+              <a:cs typeface="Arial" panose="020B0604020202020204" pitchFamily="34" charset="0"/>
             </a:endParaRPr>
+          </a:p>
+          <a:p>
+            <a:pPr algn="l"/>
+            <a:r>
+              <a:rPr lang="pt-BR" sz="2400" dirty="0">
+                <a:solidFill>
+                  <a:schemeClr val="bg1"/>
+                </a:solidFill>
+                <a:latin typeface="Arial" panose="020B0604020202020204" pitchFamily="34" charset="0"/>
+                <a:cs typeface="Arial" panose="020B0604020202020204" pitchFamily="34" charset="0"/>
+              </a:rPr>
+              <a:t>Já teve dificuldades ou até pressa para efetuar o </a:t>
+            </a:r>
+            <a:r>
+              <a:rPr lang="pt-BR" sz="2400" dirty="0" err="1">
+                <a:solidFill>
+                  <a:schemeClr val="bg1"/>
+                </a:solidFill>
+                <a:latin typeface="Arial" panose="020B0604020202020204" pitchFamily="34" charset="0"/>
+                <a:cs typeface="Arial" panose="020B0604020202020204" pitchFamily="34" charset="0"/>
+              </a:rPr>
+              <a:t>code</a:t>
+            </a:r>
+            <a:r>
+              <a:rPr lang="pt-BR" sz="2400" dirty="0">
+                <a:solidFill>
+                  <a:schemeClr val="bg1"/>
+                </a:solidFill>
+                <a:latin typeface="Arial" panose="020B0604020202020204" pitchFamily="34" charset="0"/>
+                <a:cs typeface="Arial" panose="020B0604020202020204" pitchFamily="34" charset="0"/>
+              </a:rPr>
+              <a:t> review de suas aplicações? </a:t>
+            </a:r>
+          </a:p>
+          <a:p>
+            <a:pPr algn="l"/>
+            <a:endParaRPr lang="pt-BR" sz="2400" dirty="0">
+              <a:solidFill>
+                <a:schemeClr val="bg1"/>
+              </a:solidFill>
+              <a:latin typeface="Arial" panose="020B0604020202020204" pitchFamily="34" charset="0"/>
+              <a:cs typeface="Arial" panose="020B0604020202020204" pitchFamily="34" charset="0"/>
+            </a:endParaRPr>
+          </a:p>
+          <a:p>
+            <a:pPr algn="l"/>
+            <a:r>
+              <a:rPr lang="pt-BR" sz="2400" dirty="0">
+                <a:solidFill>
+                  <a:schemeClr val="bg1"/>
+                </a:solidFill>
+                <a:latin typeface="Arial" panose="020B0604020202020204" pitchFamily="34" charset="0"/>
+                <a:cs typeface="Arial" panose="020B0604020202020204" pitchFamily="34" charset="0"/>
+              </a:rPr>
+              <a:t>Que tal melhorar este tipo de processo, utilizando Inteligência Artificial no Azure </a:t>
+            </a:r>
+            <a:r>
+              <a:rPr lang="pt-BR" sz="2400" dirty="0" err="1">
+                <a:solidFill>
+                  <a:schemeClr val="bg1"/>
+                </a:solidFill>
+                <a:latin typeface="Arial" panose="020B0604020202020204" pitchFamily="34" charset="0"/>
+                <a:cs typeface="Arial" panose="020B0604020202020204" pitchFamily="34" charset="0"/>
+              </a:rPr>
+              <a:t>DevOps</a:t>
+            </a:r>
+            <a:r>
+              <a:rPr lang="pt-BR" sz="2400" dirty="0">
+                <a:solidFill>
+                  <a:schemeClr val="bg1"/>
+                </a:solidFill>
+                <a:latin typeface="Arial" panose="020B0604020202020204" pitchFamily="34" charset="0"/>
+                <a:cs typeface="Arial" panose="020B0604020202020204" pitchFamily="34" charset="0"/>
+              </a:rPr>
+              <a:t>?</a:t>
+            </a:r>
           </a:p>
           <a:p>
             <a:pPr algn="l"/>
@@ -32077,15 +32147,6 @@
 </file>
 
 <file path=customXml/item1.xml><?xml version="1.0" encoding="utf-8"?>
-<?mso-contentType ?>
-<FormTemplates xmlns="http://schemas.microsoft.com/sharepoint/v3/contenttype/forms">
-  <Display>DocumentLibraryForm</Display>
-  <Edit>DocumentLibraryForm</Edit>
-  <New>DocumentLibraryForm</New>
-</FormTemplates>
-</file>
-
-<file path=customXml/item2.xml><?xml version="1.0" encoding="utf-8"?>
 <ct:contentTypeSchema xmlns:ct="http://schemas.microsoft.com/office/2006/metadata/contentType" xmlns:ma="http://schemas.microsoft.com/office/2006/metadata/properties/metaAttributes" ct:_="" ma:_="" ma:contentTypeName="Document" ma:contentTypeID="0x010100C19B4546D391A349BE05AD29F9530504" ma:contentTypeVersion="8" ma:contentTypeDescription="Create a new document." ma:contentTypeScope="" ma:versionID="abefe0faccb33ea1c30b003d8120f948">
   <xsd:schema xmlns:xsd="http://www.w3.org/2001/XMLSchema" xmlns:xs="http://www.w3.org/2001/XMLSchema" xmlns:p="http://schemas.microsoft.com/office/2006/metadata/properties" xmlns:ns2="573658d2-825f-470e-8b88-a4a2deb94391" xmlns:ns3="9537331d-6386-4ea3-bab7-14a523f5dc52" targetNamespace="http://schemas.microsoft.com/office/2006/metadata/properties" ma:root="true" ma:fieldsID="aea6fda388b4fa532bd11596e8506557" ns2:_="" ns3:_="">
     <xsd:import namespace="573658d2-825f-470e-8b88-a4a2deb94391"/>
@@ -32262,6 +32323,15 @@
 </ct:contentTypeSchema>
 </file>
 
+<file path=customXml/item2.xml><?xml version="1.0" encoding="utf-8"?>
+<?mso-contentType ?>
+<FormTemplates xmlns="http://schemas.microsoft.com/sharepoint/v3/contenttype/forms">
+  <Display>DocumentLibraryForm</Display>
+  <Edit>DocumentLibraryForm</Edit>
+  <New>DocumentLibraryForm</New>
+</FormTemplates>
+</file>
+
 <file path=customXml/item3.xml><?xml version="1.0" encoding="utf-8"?>
 <p:properties xmlns:p="http://schemas.microsoft.com/office/2006/metadata/properties" xmlns:xsi="http://www.w3.org/2001/XMLSchema-instance" xmlns:pc="http://schemas.microsoft.com/office/infopath/2007/PartnerControls">
   <documentManagement>
@@ -32274,14 +32344,6 @@
 </file>
 
 <file path=customXml/itemProps1.xml><?xml version="1.0" encoding="utf-8"?>
-<ds:datastoreItem xmlns:ds="http://schemas.openxmlformats.org/officeDocument/2006/customXml" ds:itemID="{758FDAC0-319D-4A54-8D8E-1D42CB1F8004}">
-  <ds:schemaRefs>
-    <ds:schemaRef ds:uri="http://schemas.microsoft.com/sharepoint/v3/contenttype/forms"/>
-  </ds:schemaRefs>
-</ds:datastoreItem>
-</file>
-
-<file path=customXml/itemProps2.xml><?xml version="1.0" encoding="utf-8"?>
 <ds:datastoreItem xmlns:ds="http://schemas.openxmlformats.org/officeDocument/2006/customXml" ds:itemID="{614BD38F-8FF7-405C-9634-7E23E9D27E95}">
   <ds:schemaRefs>
     <ds:schemaRef ds:uri="573658d2-825f-470e-8b88-a4a2deb94391"/>
@@ -32296,6 +32358,14 @@
     <ds:schemaRef ds:uri="http://schemas.microsoft.com/office/infopath/2007/PartnerControls"/>
     <ds:schemaRef ds:uri="http://schemas.openxmlformats.org/package/2006/metadata/core-properties"/>
     <ds:schemaRef ds:uri="http://www.w3.org/2001/XMLSchema"/>
+  </ds:schemaRefs>
+</ds:datastoreItem>
+</file>
+
+<file path=customXml/itemProps2.xml><?xml version="1.0" encoding="utf-8"?>
+<ds:datastoreItem xmlns:ds="http://schemas.openxmlformats.org/officeDocument/2006/customXml" ds:itemID="{758FDAC0-319D-4A54-8D8E-1D42CB1F8004}">
+  <ds:schemaRefs>
+    <ds:schemaRef ds:uri="http://schemas.microsoft.com/sharepoint/v3/contenttype/forms"/>
   </ds:schemaRefs>
 </ds:datastoreItem>
 </file>

--- a/AzureOpenAI.pptx
+++ b/AzureOpenAI.pptx
@@ -3152,7 +3152,7 @@
               <a:rPr lang="en-US" smtClean="0">
                 <a:latin typeface="Segoe UI" pitchFamily="34" charset="0"/>
               </a:rPr>
-              <a:t>11/18/2023 4:50 PM</a:t>
+              <a:t>11/28/2023 1:55 PM</a:t>
             </a:fld>
             <a:endParaRPr lang="en-US">
               <a:latin typeface="Segoe UI" pitchFamily="34" charset="0"/>
@@ -3430,7 +3430,7 @@
           <a:p>
             <a:fld id="{DCE60099-03E7-4FA1-8A7F-E6E6CFB0F855}" type="datetime8">
               <a:rPr lang="en-US" smtClean="0"/>
-              <a:t>11/18/2023 4:50 PM</a:t>
+              <a:t>11/28/2023 1:55 PM</a:t>
             </a:fld>
             <a:endParaRPr lang="en-US"/>
           </a:p>
@@ -27162,8 +27162,8 @@
         </p:nvSpPr>
         <p:spPr>
           <a:xfrm>
-            <a:off x="4740104" y="1410096"/>
-            <a:ext cx="7554502" cy="5479591"/>
+            <a:off x="4429414" y="1410096"/>
+            <a:ext cx="7865192" cy="5479591"/>
           </a:xfrm>
           <a:prstGeom prst="rect">
             <a:avLst/>
@@ -27284,6 +27284,23 @@
               <a:rPr lang="pt-BR" sz="2200" dirty="0">
                 <a:latin typeface="+mn-lt"/>
               </a:rPr>
+              <a:t>Tecnólogo em Rede de Computadores pela </a:t>
+            </a:r>
+            <a:r>
+              <a:rPr lang="pt-BR" sz="2200" dirty="0" err="1">
+                <a:latin typeface="+mn-lt"/>
+              </a:rPr>
+              <a:t>UniSantaCruz</a:t>
+            </a:r>
+            <a:endParaRPr lang="pt-BR" sz="2200" dirty="0">
+              <a:latin typeface="+mn-lt"/>
+            </a:endParaRPr>
+          </a:p>
+          <a:p>
+            <a:r>
+              <a:rPr lang="pt-BR" sz="2200" dirty="0">
+                <a:latin typeface="+mn-lt"/>
+              </a:rPr>
               <a:t>Engenheiro da Computação pela Universidade Positivo</a:t>
             </a:r>
           </a:p>
@@ -27429,7 +27446,7 @@
               <a:rPr lang="pt-BR" sz="2200" dirty="0">
                 <a:latin typeface="+mn-lt"/>
               </a:rPr>
-              <a:t>                                Frase: COMPARTILHAR</a:t>
+              <a:t>                  Frase: COMPARTILHAR</a:t>
             </a:r>
           </a:p>
           <a:p>
@@ -27621,8 +27638,8 @@
         </p:blipFill>
         <p:spPr>
           <a:xfrm>
-            <a:off x="1424029" y="4496502"/>
-            <a:ext cx="2188558" cy="2050202"/>
+            <a:off x="1195058" y="4216122"/>
+            <a:ext cx="2661638" cy="2493375"/>
           </a:xfrm>
           <a:prstGeom prst="rect">
             <a:avLst/>
@@ -32147,6 +32164,15 @@
 </file>
 
 <file path=customXml/item1.xml><?xml version="1.0" encoding="utf-8"?>
+<?mso-contentType ?>
+<FormTemplates xmlns="http://schemas.microsoft.com/sharepoint/v3/contenttype/forms">
+  <Display>DocumentLibraryForm</Display>
+  <Edit>DocumentLibraryForm</Edit>
+  <New>DocumentLibraryForm</New>
+</FormTemplates>
+</file>
+
+<file path=customXml/item2.xml><?xml version="1.0" encoding="utf-8"?>
 <ct:contentTypeSchema xmlns:ct="http://schemas.microsoft.com/office/2006/metadata/contentType" xmlns:ma="http://schemas.microsoft.com/office/2006/metadata/properties/metaAttributes" ct:_="" ma:_="" ma:contentTypeName="Document" ma:contentTypeID="0x010100C19B4546D391A349BE05AD29F9530504" ma:contentTypeVersion="8" ma:contentTypeDescription="Create a new document." ma:contentTypeScope="" ma:versionID="abefe0faccb33ea1c30b003d8120f948">
   <xsd:schema xmlns:xsd="http://www.w3.org/2001/XMLSchema" xmlns:xs="http://www.w3.org/2001/XMLSchema" xmlns:p="http://schemas.microsoft.com/office/2006/metadata/properties" xmlns:ns2="573658d2-825f-470e-8b88-a4a2deb94391" xmlns:ns3="9537331d-6386-4ea3-bab7-14a523f5dc52" targetNamespace="http://schemas.microsoft.com/office/2006/metadata/properties" ma:root="true" ma:fieldsID="aea6fda388b4fa532bd11596e8506557" ns2:_="" ns3:_="">
     <xsd:import namespace="573658d2-825f-470e-8b88-a4a2deb94391"/>
@@ -32323,15 +32349,6 @@
 </ct:contentTypeSchema>
 </file>
 
-<file path=customXml/item2.xml><?xml version="1.0" encoding="utf-8"?>
-<?mso-contentType ?>
-<FormTemplates xmlns="http://schemas.microsoft.com/sharepoint/v3/contenttype/forms">
-  <Display>DocumentLibraryForm</Display>
-  <Edit>DocumentLibraryForm</Edit>
-  <New>DocumentLibraryForm</New>
-</FormTemplates>
-</file>
-
 <file path=customXml/item3.xml><?xml version="1.0" encoding="utf-8"?>
 <p:properties xmlns:p="http://schemas.microsoft.com/office/2006/metadata/properties" xmlns:xsi="http://www.w3.org/2001/XMLSchema-instance" xmlns:pc="http://schemas.microsoft.com/office/infopath/2007/PartnerControls">
   <documentManagement>
@@ -32344,6 +32361,14 @@
 </file>
 
 <file path=customXml/itemProps1.xml><?xml version="1.0" encoding="utf-8"?>
+<ds:datastoreItem xmlns:ds="http://schemas.openxmlformats.org/officeDocument/2006/customXml" ds:itemID="{758FDAC0-319D-4A54-8D8E-1D42CB1F8004}">
+  <ds:schemaRefs>
+    <ds:schemaRef ds:uri="http://schemas.microsoft.com/sharepoint/v3/contenttype/forms"/>
+  </ds:schemaRefs>
+</ds:datastoreItem>
+</file>
+
+<file path=customXml/itemProps2.xml><?xml version="1.0" encoding="utf-8"?>
 <ds:datastoreItem xmlns:ds="http://schemas.openxmlformats.org/officeDocument/2006/customXml" ds:itemID="{614BD38F-8FF7-405C-9634-7E23E9D27E95}">
   <ds:schemaRefs>
     <ds:schemaRef ds:uri="573658d2-825f-470e-8b88-a4a2deb94391"/>
@@ -32358,14 +32383,6 @@
     <ds:schemaRef ds:uri="http://schemas.microsoft.com/office/infopath/2007/PartnerControls"/>
     <ds:schemaRef ds:uri="http://schemas.openxmlformats.org/package/2006/metadata/core-properties"/>
     <ds:schemaRef ds:uri="http://www.w3.org/2001/XMLSchema"/>
-  </ds:schemaRefs>
-</ds:datastoreItem>
-</file>
-
-<file path=customXml/itemProps2.xml><?xml version="1.0" encoding="utf-8"?>
-<ds:datastoreItem xmlns:ds="http://schemas.openxmlformats.org/officeDocument/2006/customXml" ds:itemID="{758FDAC0-319D-4A54-8D8E-1D42CB1F8004}">
-  <ds:schemaRefs>
-    <ds:schemaRef ds:uri="http://schemas.microsoft.com/sharepoint/v3/contenttype/forms"/>
   </ds:schemaRefs>
 </ds:datastoreItem>
 </file>
